--- a/acomp/trabalhos_praticos/Apresentação ADC - Assembly.pptx
+++ b/acomp/trabalhos_praticos/Apresentação ADC - Assembly.pptx
@@ -5,7 +5,7 @@
     <p:sldMasterId id="2147483648" r:id="rId1"/>
   </p:sldMasterIdLst>
   <p:notesMasterIdLst>
-    <p:notesMasterId r:id="rId11"/>
+    <p:notesMasterId r:id="rId15"/>
   </p:notesMasterIdLst>
   <p:sldIdLst>
     <p:sldId id="256" r:id="rId4"/>
@@ -15,6 +15,10 @@
     <p:sldId id="260" r:id="rId8"/>
     <p:sldId id="261" r:id="rId9"/>
     <p:sldId id="262" r:id="rId10"/>
+    <p:sldId id="263" r:id="rId11"/>
+    <p:sldId id="264" r:id="rId12"/>
+    <p:sldId id="265" r:id="rId13"/>
+    <p:sldId id="266" r:id="rId14"/>
   </p:sldIdLst>
   <p:sldSz cx="12192000" cy="6858000"/>
   <p:notesSz cx="6858000" cy="9144000"/>
@@ -140,7 +144,7 @@
       </p:grpSpPr>
       <p:sp>
         <p:nvSpPr>
-          <p:cNvPr id="1379926265" name="Header Placeholder 1"/>
+          <p:cNvPr id="1236942172" name="Header Placeholder 1"/>
           <p:cNvSpPr>
             <a:spLocks noGrp="1"/>
           </p:cNvSpPr>
@@ -174,7 +178,7 @@
       </p:sp>
       <p:sp>
         <p:nvSpPr>
-          <p:cNvPr id="1909589176" name="Date Placeholder 2"/>
+          <p:cNvPr id="1292858033" name="Date Placeholder 2"/>
           <p:cNvSpPr>
             <a:spLocks noGrp="1"/>
           </p:cNvSpPr>
@@ -208,7 +212,7 @@
       </p:sp>
       <p:sp>
         <p:nvSpPr>
-          <p:cNvPr id="1429108806" name="Date Placeholder 2"/>
+          <p:cNvPr id="1761122356" name="Date Placeholder 2"/>
           <p:cNvSpPr>
             <a:spLocks noGrp="1"/>
           </p:cNvSpPr>
@@ -242,7 +246,7 @@
       </p:sp>
       <p:sp>
         <p:nvSpPr>
-          <p:cNvPr id="1058198075" name="Notes Placeholder 4"/>
+          <p:cNvPr id="2107370017" name="Notes Placeholder 4"/>
           <p:cNvSpPr>
             <a:spLocks noGrp="1"/>
           </p:cNvSpPr>
@@ -272,7 +276,7 @@
       </p:sp>
       <p:sp>
         <p:nvSpPr>
-          <p:cNvPr id="891013568" name="Footer Placeholder 5"/>
+          <p:cNvPr id="189989666" name="Footer Placeholder 5"/>
           <p:cNvSpPr>
             <a:spLocks noGrp="1"/>
           </p:cNvSpPr>
@@ -306,7 +310,7 @@
       </p:sp>
       <p:sp>
         <p:nvSpPr>
-          <p:cNvPr id="651884477" name="Slide Number Placeholder 6"/>
+          <p:cNvPr id="1983375963" name="Slide Number Placeholder 6"/>
           <p:cNvSpPr>
             <a:spLocks noGrp="1"/>
           </p:cNvSpPr>
@@ -455,7 +459,7 @@
       </p:grpSpPr>
       <p:sp>
         <p:nvSpPr>
-          <p:cNvPr id="1348681096" name="Slide Image Placeholder 1"/>
+          <p:cNvPr id="1360454378" name="Slide Image Placeholder 1"/>
           <p:cNvSpPr>
             <a:spLocks noChangeAspect="1" noGrp="1" noRot="1"/>
           </p:cNvSpPr>
@@ -467,7 +471,7 @@
       </p:sp>
       <p:sp>
         <p:nvSpPr>
-          <p:cNvPr id="1487824104" name="Notes Placeholder 2"/>
+          <p:cNvPr id="357690773" name="Notes Placeholder 2"/>
           <p:cNvSpPr>
             <a:spLocks noGrp="1"/>
           </p:cNvSpPr>
@@ -489,7 +493,7 @@
       </p:sp>
       <p:sp>
         <p:nvSpPr>
-          <p:cNvPr id="166338780" name="Slide Number Placeholder 3"/>
+          <p:cNvPr id="1360878655" name="Slide Number Placeholder 3"/>
           <p:cNvSpPr>
             <a:spLocks noGrp="1"/>
           </p:cNvSpPr>
@@ -506,6 +510,176 @@
               <a:defRPr/>
             </a:pPr>
             <a:fld id="{2D53B3D7-2B8F-EF0F-7B65-971715EB5737}" type="slidenum">
+              <a:rPr/>
+              <a:t/>
+            </a:fld>
+            <a:endParaRPr/>
+          </a:p>
+        </p:txBody>
+      </p:sp>
+    </p:spTree>
+  </p:cSld>
+  <p:clrMapOvr>
+    <a:masterClrMapping/>
+  </p:clrMapOvr>
+</p:notes>
+</file>
+
+<file path=ppt/notesSlides/notesSlide10.xml><?xml version="1.0" encoding="utf-8"?>
+<p:notes xmlns:a="http://schemas.openxmlformats.org/drawingml/2006/main" xmlns:r="http://schemas.openxmlformats.org/officeDocument/2006/relationships" xmlns:p="http://schemas.openxmlformats.org/presentationml/2006/main" xmlns:m="http://schemas.openxmlformats.org/officeDocument/2006/math" xmlns:w="http://schemas.openxmlformats.org/wordprocessingml/2006/main">
+  <p:cSld name="">
+    <p:spTree>
+      <p:nvGrpSpPr>
+        <p:cNvPr id="1" name=""/>
+        <p:cNvGrpSpPr/>
+        <p:nvPr/>
+      </p:nvGrpSpPr>
+      <p:grpSpPr bwMode="auto">
+        <a:xfrm>
+          <a:off x="0" y="0"/>
+          <a:ext cx="0" cy="0"/>
+          <a:chOff x="0" y="0"/>
+          <a:chExt cx="0" cy="0"/>
+        </a:xfrm>
+      </p:grpSpPr>
+      <p:sp>
+        <p:nvSpPr>
+          <p:cNvPr id="254766623" name="Slide Image Placeholder 1"/>
+          <p:cNvSpPr>
+            <a:spLocks noChangeAspect="1" noGrp="1" noRot="1"/>
+          </p:cNvSpPr>
+          <p:nvPr>
+            <p:ph type="sldImg"/>
+          </p:nvPr>
+        </p:nvSpPr>
+        <p:spPr bwMode="auto"/>
+      </p:sp>
+      <p:sp>
+        <p:nvSpPr>
+          <p:cNvPr id="425553782" name="Notes Placeholder 2"/>
+          <p:cNvSpPr>
+            <a:spLocks noGrp="1"/>
+          </p:cNvSpPr>
+          <p:nvPr>
+            <p:ph type="body" idx="1"/>
+          </p:nvPr>
+        </p:nvSpPr>
+        <p:spPr bwMode="auto"/>
+        <p:txBody>
+          <a:bodyPr/>
+          <a:lstStyle/>
+          <a:p>
+            <a:pPr>
+              <a:defRPr/>
+            </a:pPr>
+            <a:endParaRPr lang="en-US"/>
+          </a:p>
+        </p:txBody>
+      </p:sp>
+      <p:sp>
+        <p:nvSpPr>
+          <p:cNvPr id="1403062331" name="Slide Number Placeholder 3"/>
+          <p:cNvSpPr>
+            <a:spLocks noGrp="1"/>
+          </p:cNvSpPr>
+          <p:nvPr>
+            <p:ph type="sldNum" sz="quarter" idx="10"/>
+          </p:nvPr>
+        </p:nvSpPr>
+        <p:spPr bwMode="auto"/>
+        <p:txBody>
+          <a:bodyPr/>
+          <a:lstStyle/>
+          <a:p>
+            <a:pPr>
+              <a:defRPr/>
+            </a:pPr>
+            <a:fld id="{FBD039F6-CED3-C26F-7FE6-95B72442DD15}" type="slidenum">
+              <a:rPr lang="en-US"/>
+              <a:t/>
+            </a:fld>
+            <a:endParaRPr lang="en-US"/>
+          </a:p>
+        </p:txBody>
+      </p:sp>
+    </p:spTree>
+  </p:cSld>
+  <p:clrMapOvr>
+    <a:masterClrMapping/>
+  </p:clrMapOvr>
+</p:notes>
+</file>
+
+<file path=ppt/notesSlides/notesSlide11.xml><?xml version="1.0" encoding="utf-8"?>
+<p:notes xmlns:a="http://schemas.openxmlformats.org/drawingml/2006/main" xmlns:r="http://schemas.openxmlformats.org/officeDocument/2006/relationships" xmlns:p="http://schemas.openxmlformats.org/presentationml/2006/main" xmlns:m="http://schemas.openxmlformats.org/officeDocument/2006/math" xmlns:w="http://schemas.openxmlformats.org/wordprocessingml/2006/main">
+  <p:cSld name="">
+    <p:spTree>
+      <p:nvGrpSpPr>
+        <p:cNvPr id="1" name=""/>
+        <p:cNvGrpSpPr/>
+        <p:nvPr/>
+      </p:nvGrpSpPr>
+      <p:grpSpPr bwMode="auto">
+        <a:xfrm>
+          <a:off x="0" y="0"/>
+          <a:ext cx="0" cy="0"/>
+          <a:chOff x="0" y="0"/>
+          <a:chExt cx="0" cy="0"/>
+        </a:xfrm>
+      </p:grpSpPr>
+      <p:sp>
+        <p:nvSpPr>
+          <p:cNvPr id="1193363469" name="Slide Image Placeholder 1"/>
+          <p:cNvSpPr>
+            <a:spLocks noChangeAspect="1" noGrp="1" noRot="1"/>
+          </p:cNvSpPr>
+          <p:nvPr>
+            <p:ph type="sldImg"/>
+          </p:nvPr>
+        </p:nvSpPr>
+        <p:spPr bwMode="auto"/>
+      </p:sp>
+      <p:sp>
+        <p:nvSpPr>
+          <p:cNvPr id="610881043" name="Notes Placeholder 2"/>
+          <p:cNvSpPr>
+            <a:spLocks noGrp="1"/>
+          </p:cNvSpPr>
+          <p:nvPr>
+            <p:ph type="body" idx="1"/>
+          </p:nvPr>
+        </p:nvSpPr>
+        <p:spPr bwMode="auto"/>
+        <p:txBody>
+          <a:bodyPr/>
+          <a:lstStyle/>
+          <a:p>
+            <a:pPr>
+              <a:defRPr/>
+            </a:pPr>
+            <a:endParaRPr/>
+          </a:p>
+        </p:txBody>
+      </p:sp>
+      <p:sp>
+        <p:nvSpPr>
+          <p:cNvPr id="310649022" name="Slide Number Placeholder 3"/>
+          <p:cNvSpPr>
+            <a:spLocks noGrp="1"/>
+          </p:cNvSpPr>
+          <p:nvPr>
+            <p:ph type="sldNum" sz="quarter" idx="10"/>
+          </p:nvPr>
+        </p:nvSpPr>
+        <p:spPr bwMode="auto"/>
+        <p:txBody>
+          <a:bodyPr/>
+          <a:lstStyle/>
+          <a:p>
+            <a:pPr>
+              <a:defRPr/>
+            </a:pPr>
+            <a:fld id="{434B30C5-49BE-58AF-1FC9-4D92DBDEC52A}" type="slidenum">
               <a:rPr/>
               <a:t/>
             </a:fld>
@@ -540,7 +714,7 @@
       </p:grpSpPr>
       <p:sp>
         <p:nvSpPr>
-          <p:cNvPr id="1013470228" name="Slide Image Placeholder 1"/>
+          <p:cNvPr id="1991539894" name="Slide Image Placeholder 1"/>
           <p:cNvSpPr>
             <a:spLocks noChangeAspect="1" noGrp="1" noRot="1"/>
           </p:cNvSpPr>
@@ -552,7 +726,7 @@
       </p:sp>
       <p:sp>
         <p:nvSpPr>
-          <p:cNvPr id="754642257" name="Notes Placeholder 2"/>
+          <p:cNvPr id="1112113284" name="Notes Placeholder 2"/>
           <p:cNvSpPr>
             <a:spLocks noGrp="1"/>
           </p:cNvSpPr>
@@ -574,7 +748,7 @@
       </p:sp>
       <p:sp>
         <p:nvSpPr>
-          <p:cNvPr id="1703111573" name="Slide Number Placeholder 3"/>
+          <p:cNvPr id="1720152838" name="Slide Number Placeholder 3"/>
           <p:cNvSpPr>
             <a:spLocks noGrp="1"/>
           </p:cNvSpPr>
@@ -625,7 +799,7 @@
       </p:grpSpPr>
       <p:sp>
         <p:nvSpPr>
-          <p:cNvPr id="439156135" name="Slide Image Placeholder 1"/>
+          <p:cNvPr id="2093226643" name="Slide Image Placeholder 1"/>
           <p:cNvSpPr>
             <a:spLocks noChangeAspect="1" noGrp="1" noRot="1"/>
           </p:cNvSpPr>
@@ -637,7 +811,7 @@
       </p:sp>
       <p:sp>
         <p:nvSpPr>
-          <p:cNvPr id="1466819449" name="Notes Placeholder 2"/>
+          <p:cNvPr id="1276034813" name="Notes Placeholder 2"/>
           <p:cNvSpPr>
             <a:spLocks noGrp="1"/>
           </p:cNvSpPr>
@@ -659,7 +833,7 @@
       </p:sp>
       <p:sp>
         <p:nvSpPr>
-          <p:cNvPr id="965647237" name="Slide Number Placeholder 3"/>
+          <p:cNvPr id="1089504748" name="Slide Number Placeholder 3"/>
           <p:cNvSpPr>
             <a:spLocks noGrp="1"/>
           </p:cNvSpPr>
@@ -710,7 +884,7 @@
       </p:grpSpPr>
       <p:sp>
         <p:nvSpPr>
-          <p:cNvPr id="606811945" name="Slide Image Placeholder 1"/>
+          <p:cNvPr id="1670725283" name="Slide Image Placeholder 1"/>
           <p:cNvSpPr>
             <a:spLocks noChangeAspect="1" noGrp="1" noRot="1"/>
           </p:cNvSpPr>
@@ -722,7 +896,7 @@
       </p:sp>
       <p:sp>
         <p:nvSpPr>
-          <p:cNvPr id="1983540527" name="Notes Placeholder 2"/>
+          <p:cNvPr id="377115963" name="Notes Placeholder 2"/>
           <p:cNvSpPr>
             <a:spLocks noGrp="1"/>
           </p:cNvSpPr>
@@ -744,7 +918,7 @@
       </p:sp>
       <p:sp>
         <p:nvSpPr>
-          <p:cNvPr id="828326814" name="Slide Number Placeholder 3"/>
+          <p:cNvPr id="1439763753" name="Slide Number Placeholder 3"/>
           <p:cNvSpPr>
             <a:spLocks noGrp="1"/>
           </p:cNvSpPr>
@@ -795,7 +969,7 @@
       </p:grpSpPr>
       <p:sp>
         <p:nvSpPr>
-          <p:cNvPr id="1629039956" name="Slide Image Placeholder 1"/>
+          <p:cNvPr id="1390002897" name="Slide Image Placeholder 1"/>
           <p:cNvSpPr>
             <a:spLocks noChangeAspect="1" noGrp="1" noRot="1"/>
           </p:cNvSpPr>
@@ -807,7 +981,7 @@
       </p:sp>
       <p:sp>
         <p:nvSpPr>
-          <p:cNvPr id="1909538999" name="Notes Placeholder 2"/>
+          <p:cNvPr id="1689664397" name="Notes Placeholder 2"/>
           <p:cNvSpPr>
             <a:spLocks noGrp="1"/>
           </p:cNvSpPr>
@@ -829,7 +1003,7 @@
       </p:sp>
       <p:sp>
         <p:nvSpPr>
-          <p:cNvPr id="707688953" name="Slide Number Placeholder 3"/>
+          <p:cNvPr id="1136614012" name="Slide Number Placeholder 3"/>
           <p:cNvSpPr>
             <a:spLocks noGrp="1"/>
           </p:cNvSpPr>
@@ -880,7 +1054,7 @@
       </p:grpSpPr>
       <p:sp>
         <p:nvSpPr>
-          <p:cNvPr id="2" name="Slide Image Placeholder 1"/>
+          <p:cNvPr id="1307496845" name="Slide Image Placeholder 1"/>
           <p:cNvSpPr>
             <a:spLocks noChangeAspect="1" noGrp="1" noRot="1"/>
           </p:cNvSpPr>
@@ -892,7 +1066,7 @@
       </p:sp>
       <p:sp>
         <p:nvSpPr>
-          <p:cNvPr id="3" name="Notes Placeholder 2"/>
+          <p:cNvPr id="1016376253" name="Notes Placeholder 2"/>
           <p:cNvSpPr>
             <a:spLocks noGrp="1"/>
           </p:cNvSpPr>
@@ -908,13 +1082,13 @@
             <a:pPr>
               <a:defRPr/>
             </a:pPr>
-            <a:endParaRPr/>
-          </a:p>
-        </p:txBody>
-      </p:sp>
-      <p:sp>
-        <p:nvSpPr>
-          <p:cNvPr id="4" name="Slide Number Placeholder 3"/>
+            <a:endParaRPr lang="en-US"/>
+          </a:p>
+        </p:txBody>
+      </p:sp>
+      <p:sp>
+        <p:nvSpPr>
+          <p:cNvPr id="1972343983" name="Slide Number Placeholder 3"/>
           <p:cNvSpPr>
             <a:spLocks noGrp="1"/>
           </p:cNvSpPr>
@@ -930,11 +1104,11 @@
             <a:pPr>
               <a:defRPr/>
             </a:pPr>
-            <a:fld id="{4EA6EF3D-BC44-BC54-4023-4EC12D6C6294}" type="slidenum">
-              <a:rPr/>
+            <a:fld id="{4C74C38D-23AE-5FB6-4CC0-8C438AD8EC76}" type="slidenum">
+              <a:rPr lang="en-US"/>
               <a:t/>
             </a:fld>
-            <a:endParaRPr/>
+            <a:endParaRPr lang="en-US"/>
           </a:p>
         </p:txBody>
       </p:sp>
@@ -965,7 +1139,7 @@
       </p:grpSpPr>
       <p:sp>
         <p:nvSpPr>
-          <p:cNvPr id="1978440250" name="Slide Image Placeholder 1"/>
+          <p:cNvPr id="1125406639" name="Slide Image Placeholder 1"/>
           <p:cNvSpPr>
             <a:spLocks noChangeAspect="1" noGrp="1" noRot="1"/>
           </p:cNvSpPr>
@@ -977,7 +1151,7 @@
       </p:sp>
       <p:sp>
         <p:nvSpPr>
-          <p:cNvPr id="1517332281" name="Notes Placeholder 2"/>
+          <p:cNvPr id="1986966731" name="Notes Placeholder 2"/>
           <p:cNvSpPr>
             <a:spLocks noGrp="1"/>
           </p:cNvSpPr>
@@ -993,13 +1167,13 @@
             <a:pPr>
               <a:defRPr/>
             </a:pPr>
-            <a:endParaRPr/>
-          </a:p>
-        </p:txBody>
-      </p:sp>
-      <p:sp>
-        <p:nvSpPr>
-          <p:cNvPr id="1248228962" name="Slide Number Placeholder 3"/>
+            <a:endParaRPr lang="en-US"/>
+          </a:p>
+        </p:txBody>
+      </p:sp>
+      <p:sp>
+        <p:nvSpPr>
+          <p:cNvPr id="978889747" name="Slide Number Placeholder 3"/>
           <p:cNvSpPr>
             <a:spLocks noGrp="1"/>
           </p:cNvSpPr>
@@ -1015,11 +1189,181 @@
             <a:pPr>
               <a:defRPr/>
             </a:pPr>
-            <a:fld id="{434B30C5-49BE-58AF-1FC9-4D92DBDEC52A}" type="slidenum">
-              <a:rPr/>
+            <a:fld id="{F404BB63-477B-CB3A-BD6C-D78376CE16E0}" type="slidenum">
+              <a:rPr lang="en-US"/>
               <a:t/>
             </a:fld>
-            <a:endParaRPr/>
+            <a:endParaRPr lang="en-US"/>
+          </a:p>
+        </p:txBody>
+      </p:sp>
+    </p:spTree>
+  </p:cSld>
+  <p:clrMapOvr>
+    <a:masterClrMapping/>
+  </p:clrMapOvr>
+</p:notes>
+</file>
+
+<file path=ppt/notesSlides/notesSlide8.xml><?xml version="1.0" encoding="utf-8"?>
+<p:notes xmlns:a="http://schemas.openxmlformats.org/drawingml/2006/main" xmlns:r="http://schemas.openxmlformats.org/officeDocument/2006/relationships" xmlns:p="http://schemas.openxmlformats.org/presentationml/2006/main" xmlns:m="http://schemas.openxmlformats.org/officeDocument/2006/math" xmlns:w="http://schemas.openxmlformats.org/wordprocessingml/2006/main">
+  <p:cSld name="">
+    <p:spTree>
+      <p:nvGrpSpPr>
+        <p:cNvPr id="1" name=""/>
+        <p:cNvGrpSpPr/>
+        <p:nvPr/>
+      </p:nvGrpSpPr>
+      <p:grpSpPr bwMode="auto">
+        <a:xfrm>
+          <a:off x="0" y="0"/>
+          <a:ext cx="0" cy="0"/>
+          <a:chOff x="0" y="0"/>
+          <a:chExt cx="0" cy="0"/>
+        </a:xfrm>
+      </p:grpSpPr>
+      <p:sp>
+        <p:nvSpPr>
+          <p:cNvPr id="2004291769" name="Slide Image Placeholder 1"/>
+          <p:cNvSpPr>
+            <a:spLocks noChangeAspect="1" noGrp="1" noRot="1"/>
+          </p:cNvSpPr>
+          <p:nvPr>
+            <p:ph type="sldImg"/>
+          </p:nvPr>
+        </p:nvSpPr>
+        <p:spPr bwMode="auto"/>
+      </p:sp>
+      <p:sp>
+        <p:nvSpPr>
+          <p:cNvPr id="1303111346" name="Notes Placeholder 2"/>
+          <p:cNvSpPr>
+            <a:spLocks noGrp="1"/>
+          </p:cNvSpPr>
+          <p:nvPr>
+            <p:ph type="body" idx="1"/>
+          </p:nvPr>
+        </p:nvSpPr>
+        <p:spPr bwMode="auto"/>
+        <p:txBody>
+          <a:bodyPr/>
+          <a:lstStyle/>
+          <a:p>
+            <a:pPr>
+              <a:defRPr/>
+            </a:pPr>
+            <a:endParaRPr lang="en-US"/>
+          </a:p>
+        </p:txBody>
+      </p:sp>
+      <p:sp>
+        <p:nvSpPr>
+          <p:cNvPr id="1926884264" name="Slide Number Placeholder 3"/>
+          <p:cNvSpPr>
+            <a:spLocks noGrp="1"/>
+          </p:cNvSpPr>
+          <p:nvPr>
+            <p:ph type="sldNum" sz="quarter" idx="10"/>
+          </p:nvPr>
+        </p:nvSpPr>
+        <p:spPr bwMode="auto"/>
+        <p:txBody>
+          <a:bodyPr/>
+          <a:lstStyle/>
+          <a:p>
+            <a:pPr>
+              <a:defRPr/>
+            </a:pPr>
+            <a:fld id="{50D24846-F818-9597-8034-326014A1FEA3}" type="slidenum">
+              <a:rPr lang="en-US"/>
+              <a:t/>
+            </a:fld>
+            <a:endParaRPr lang="en-US"/>
+          </a:p>
+        </p:txBody>
+      </p:sp>
+    </p:spTree>
+  </p:cSld>
+  <p:clrMapOvr>
+    <a:masterClrMapping/>
+  </p:clrMapOvr>
+</p:notes>
+</file>
+
+<file path=ppt/notesSlides/notesSlide9.xml><?xml version="1.0" encoding="utf-8"?>
+<p:notes xmlns:a="http://schemas.openxmlformats.org/drawingml/2006/main" xmlns:r="http://schemas.openxmlformats.org/officeDocument/2006/relationships" xmlns:p="http://schemas.openxmlformats.org/presentationml/2006/main" xmlns:m="http://schemas.openxmlformats.org/officeDocument/2006/math" xmlns:w="http://schemas.openxmlformats.org/wordprocessingml/2006/main">
+  <p:cSld name="">
+    <p:spTree>
+      <p:nvGrpSpPr>
+        <p:cNvPr id="1" name=""/>
+        <p:cNvGrpSpPr/>
+        <p:nvPr/>
+      </p:nvGrpSpPr>
+      <p:grpSpPr bwMode="auto">
+        <a:xfrm>
+          <a:off x="0" y="0"/>
+          <a:ext cx="0" cy="0"/>
+          <a:chOff x="0" y="0"/>
+          <a:chExt cx="0" cy="0"/>
+        </a:xfrm>
+      </p:grpSpPr>
+      <p:sp>
+        <p:nvSpPr>
+          <p:cNvPr id="1133410437" name="Slide Image Placeholder 1"/>
+          <p:cNvSpPr>
+            <a:spLocks noChangeAspect="1" noGrp="1" noRot="1"/>
+          </p:cNvSpPr>
+          <p:nvPr>
+            <p:ph type="sldImg"/>
+          </p:nvPr>
+        </p:nvSpPr>
+        <p:spPr bwMode="auto"/>
+      </p:sp>
+      <p:sp>
+        <p:nvSpPr>
+          <p:cNvPr id="387362941" name="Notes Placeholder 2"/>
+          <p:cNvSpPr>
+            <a:spLocks noGrp="1"/>
+          </p:cNvSpPr>
+          <p:nvPr>
+            <p:ph type="body" idx="1"/>
+          </p:nvPr>
+        </p:nvSpPr>
+        <p:spPr bwMode="auto"/>
+        <p:txBody>
+          <a:bodyPr/>
+          <a:lstStyle/>
+          <a:p>
+            <a:pPr>
+              <a:defRPr/>
+            </a:pPr>
+            <a:endParaRPr lang="en-US"/>
+          </a:p>
+        </p:txBody>
+      </p:sp>
+      <p:sp>
+        <p:nvSpPr>
+          <p:cNvPr id="1216160945" name="Slide Number Placeholder 3"/>
+          <p:cNvSpPr>
+            <a:spLocks noGrp="1"/>
+          </p:cNvSpPr>
+          <p:nvPr>
+            <p:ph type="sldNum" sz="quarter" idx="10"/>
+          </p:nvPr>
+        </p:nvSpPr>
+        <p:spPr bwMode="auto"/>
+        <p:txBody>
+          <a:bodyPr/>
+          <a:lstStyle/>
+          <a:p>
+            <a:pPr>
+              <a:defRPr/>
+            </a:pPr>
+            <a:fld id="{36AF7C5A-ECEE-135F-FA31-0FA9E5843073}" type="slidenum">
+              <a:rPr lang="en-US"/>
+              <a:t/>
+            </a:fld>
+            <a:endParaRPr lang="en-US"/>
           </a:p>
         </p:txBody>
       </p:sp>
@@ -1050,7 +1394,7 @@
       </p:grpSpPr>
       <p:sp>
         <p:nvSpPr>
-          <p:cNvPr id="799793507" name="Title 1"/>
+          <p:cNvPr id="861221235" name="Title 1"/>
           <p:cNvSpPr>
             <a:spLocks noGrp="1"/>
           </p:cNvSpPr>
@@ -1085,7 +1429,7 @@
       </p:sp>
       <p:sp>
         <p:nvSpPr>
-          <p:cNvPr id="1473088666" name="Subtitle 2"/>
+          <p:cNvPr id="257868224" name="Subtitle 2"/>
           <p:cNvSpPr>
             <a:spLocks noGrp="1"/>
           </p:cNvSpPr>
@@ -1153,7 +1497,7 @@
       </p:sp>
       <p:sp>
         <p:nvSpPr>
-          <p:cNvPr id="268218415" name="Date Placeholder 3"/>
+          <p:cNvPr id="904758709" name="Date Placeholder 3"/>
           <p:cNvSpPr>
             <a:spLocks noGrp="1"/>
           </p:cNvSpPr>
@@ -1179,7 +1523,7 @@
       </p:sp>
       <p:sp>
         <p:nvSpPr>
-          <p:cNvPr id="1787534873" name="Footer Placeholder 4"/>
+          <p:cNvPr id="1645754201" name="Footer Placeholder 4"/>
           <p:cNvSpPr>
             <a:spLocks noGrp="1"/>
           </p:cNvSpPr>
@@ -1201,7 +1545,7 @@
       </p:sp>
       <p:sp>
         <p:nvSpPr>
-          <p:cNvPr id="2131156889" name="Slide Number Placeholder 5"/>
+          <p:cNvPr id="871579564" name="Slide Number Placeholder 5"/>
           <p:cNvSpPr>
             <a:spLocks noGrp="1"/>
           </p:cNvSpPr>
@@ -1252,7 +1596,7 @@
       </p:grpSpPr>
       <p:sp>
         <p:nvSpPr>
-          <p:cNvPr id="298979416" name="Title 1"/>
+          <p:cNvPr id="1316869327" name="Title 1"/>
           <p:cNvSpPr>
             <a:spLocks noGrp="1"/>
           </p:cNvSpPr>
@@ -1278,7 +1622,7 @@
       </p:sp>
       <p:sp>
         <p:nvSpPr>
-          <p:cNvPr id="359581090" name="Vertical Text Placeholder 2"/>
+          <p:cNvPr id="1340323758" name="Vertical Text Placeholder 2"/>
           <p:cNvSpPr>
             <a:spLocks noGrp="1"/>
           </p:cNvSpPr>
@@ -1344,7 +1688,7 @@
       </p:sp>
       <p:sp>
         <p:nvSpPr>
-          <p:cNvPr id="1681088854" name="Date Placeholder 3"/>
+          <p:cNvPr id="1106391803" name="Date Placeholder 3"/>
           <p:cNvSpPr>
             <a:spLocks noGrp="1"/>
           </p:cNvSpPr>
@@ -1370,7 +1714,7 @@
       </p:sp>
       <p:sp>
         <p:nvSpPr>
-          <p:cNvPr id="1834993223" name="Footer Placeholder 4"/>
+          <p:cNvPr id="647772146" name="Footer Placeholder 4"/>
           <p:cNvSpPr>
             <a:spLocks noGrp="1"/>
           </p:cNvSpPr>
@@ -1392,7 +1736,7 @@
       </p:sp>
       <p:sp>
         <p:nvSpPr>
-          <p:cNvPr id="951877545" name="Slide Number Placeholder 5"/>
+          <p:cNvPr id="112044636" name="Slide Number Placeholder 5"/>
           <p:cNvSpPr>
             <a:spLocks noGrp="1"/>
           </p:cNvSpPr>
@@ -1443,7 +1787,7 @@
       </p:grpSpPr>
       <p:sp>
         <p:nvSpPr>
-          <p:cNvPr id="508966087" name="Vertical Title 1"/>
+          <p:cNvPr id="1614939651" name="Vertical Title 1"/>
           <p:cNvSpPr>
             <a:spLocks noGrp="1"/>
           </p:cNvSpPr>
@@ -1474,7 +1818,7 @@
       </p:sp>
       <p:sp>
         <p:nvSpPr>
-          <p:cNvPr id="815311941" name="Vertical Text Placeholder 2"/>
+          <p:cNvPr id="873851508" name="Vertical Text Placeholder 2"/>
           <p:cNvSpPr>
             <a:spLocks noGrp="1"/>
           </p:cNvSpPr>
@@ -1545,7 +1889,7 @@
       </p:sp>
       <p:sp>
         <p:nvSpPr>
-          <p:cNvPr id="1143723251" name="Date Placeholder 3"/>
+          <p:cNvPr id="145155196" name="Date Placeholder 3"/>
           <p:cNvSpPr>
             <a:spLocks noGrp="1"/>
           </p:cNvSpPr>
@@ -1571,7 +1915,7 @@
       </p:sp>
       <p:sp>
         <p:nvSpPr>
-          <p:cNvPr id="456800418" name="Footer Placeholder 4"/>
+          <p:cNvPr id="1257615290" name="Footer Placeholder 4"/>
           <p:cNvSpPr>
             <a:spLocks noGrp="1"/>
           </p:cNvSpPr>
@@ -1593,7 +1937,7 @@
       </p:sp>
       <p:sp>
         <p:nvSpPr>
-          <p:cNvPr id="1456082342" name="Slide Number Placeholder 5"/>
+          <p:cNvPr id="1780484919" name="Slide Number Placeholder 5"/>
           <p:cNvSpPr>
             <a:spLocks noGrp="1"/>
           </p:cNvSpPr>
@@ -1644,7 +1988,7 @@
       </p:grpSpPr>
       <p:sp>
         <p:nvSpPr>
-          <p:cNvPr id="1755969571" name="Title 1"/>
+          <p:cNvPr id="754544400" name="Title 1"/>
           <p:cNvSpPr>
             <a:spLocks noGrp="1"/>
           </p:cNvSpPr>
@@ -1670,7 +2014,7 @@
       </p:sp>
       <p:sp>
         <p:nvSpPr>
-          <p:cNvPr id="381504436" name="Content Placeholder 2"/>
+          <p:cNvPr id="753090453" name="Content Placeholder 2"/>
           <p:cNvSpPr>
             <a:spLocks noGrp="1"/>
           </p:cNvSpPr>
@@ -1736,7 +2080,7 @@
       </p:sp>
       <p:sp>
         <p:nvSpPr>
-          <p:cNvPr id="409325660" name="Date Placeholder 3"/>
+          <p:cNvPr id="1357119384" name="Date Placeholder 3"/>
           <p:cNvSpPr>
             <a:spLocks noGrp="1"/>
           </p:cNvSpPr>
@@ -1762,7 +2106,7 @@
       </p:sp>
       <p:sp>
         <p:nvSpPr>
-          <p:cNvPr id="807003779" name="Footer Placeholder 4"/>
+          <p:cNvPr id="1672462308" name="Footer Placeholder 4"/>
           <p:cNvSpPr>
             <a:spLocks noGrp="1"/>
           </p:cNvSpPr>
@@ -1784,7 +2128,7 @@
       </p:sp>
       <p:sp>
         <p:nvSpPr>
-          <p:cNvPr id="554160230" name="Slide Number Placeholder 5"/>
+          <p:cNvPr id="1274461181" name="Slide Number Placeholder 5"/>
           <p:cNvSpPr>
             <a:spLocks noGrp="1"/>
           </p:cNvSpPr>
@@ -1835,7 +2179,7 @@
       </p:grpSpPr>
       <p:sp>
         <p:nvSpPr>
-          <p:cNvPr id="1109686290" name="Title 1"/>
+          <p:cNvPr id="432109315" name="Title 1"/>
           <p:cNvSpPr>
             <a:spLocks noGrp="1"/>
           </p:cNvSpPr>
@@ -1870,7 +2214,7 @@
       </p:sp>
       <p:sp>
         <p:nvSpPr>
-          <p:cNvPr id="1660898941" name="Text Placeholder 2"/>
+          <p:cNvPr id="211165901" name="Text Placeholder 2"/>
           <p:cNvSpPr>
             <a:spLocks noGrp="1"/>
           </p:cNvSpPr>
@@ -1992,7 +2336,7 @@
       </p:sp>
       <p:sp>
         <p:nvSpPr>
-          <p:cNvPr id="1349900992" name="Date Placeholder 3"/>
+          <p:cNvPr id="279429128" name="Date Placeholder 3"/>
           <p:cNvSpPr>
             <a:spLocks noGrp="1"/>
           </p:cNvSpPr>
@@ -2018,7 +2362,7 @@
       </p:sp>
       <p:sp>
         <p:nvSpPr>
-          <p:cNvPr id="988813751" name="Footer Placeholder 4"/>
+          <p:cNvPr id="870027223" name="Footer Placeholder 4"/>
           <p:cNvSpPr>
             <a:spLocks noGrp="1"/>
           </p:cNvSpPr>
@@ -2040,7 +2384,7 @@
       </p:sp>
       <p:sp>
         <p:nvSpPr>
-          <p:cNvPr id="843279356" name="Slide Number Placeholder 5"/>
+          <p:cNvPr id="61937338" name="Slide Number Placeholder 5"/>
           <p:cNvSpPr>
             <a:spLocks noGrp="1"/>
           </p:cNvSpPr>
@@ -2091,7 +2435,7 @@
       </p:grpSpPr>
       <p:sp>
         <p:nvSpPr>
-          <p:cNvPr id="1462599291" name="Title 1"/>
+          <p:cNvPr id="362201863" name="Title 1"/>
           <p:cNvSpPr>
             <a:spLocks noGrp="1"/>
           </p:cNvSpPr>
@@ -2117,7 +2461,7 @@
       </p:sp>
       <p:sp>
         <p:nvSpPr>
-          <p:cNvPr id="505833408" name="Content Placeholder 2"/>
+          <p:cNvPr id="1968086400" name="Content Placeholder 2"/>
           <p:cNvSpPr>
             <a:spLocks noGrp="1"/>
           </p:cNvSpPr>
@@ -2188,7 +2532,7 @@
       </p:sp>
       <p:sp>
         <p:nvSpPr>
-          <p:cNvPr id="412886018" name="Content Placeholder 3"/>
+          <p:cNvPr id="1458759997" name="Content Placeholder 3"/>
           <p:cNvSpPr>
             <a:spLocks noGrp="1"/>
           </p:cNvSpPr>
@@ -2259,7 +2603,7 @@
       </p:sp>
       <p:sp>
         <p:nvSpPr>
-          <p:cNvPr id="314311629" name="Date Placeholder 4"/>
+          <p:cNvPr id="412061077" name="Date Placeholder 4"/>
           <p:cNvSpPr>
             <a:spLocks noGrp="1"/>
           </p:cNvSpPr>
@@ -2285,7 +2629,7 @@
       </p:sp>
       <p:sp>
         <p:nvSpPr>
-          <p:cNvPr id="1687729145" name="Footer Placeholder 5"/>
+          <p:cNvPr id="879246060" name="Footer Placeholder 5"/>
           <p:cNvSpPr>
             <a:spLocks noGrp="1"/>
           </p:cNvSpPr>
@@ -2307,7 +2651,7 @@
       </p:sp>
       <p:sp>
         <p:nvSpPr>
-          <p:cNvPr id="1891301247" name="Slide Number Placeholder 6"/>
+          <p:cNvPr id="1540235073" name="Slide Number Placeholder 6"/>
           <p:cNvSpPr>
             <a:spLocks noGrp="1"/>
           </p:cNvSpPr>
@@ -2358,7 +2702,7 @@
       </p:grpSpPr>
       <p:sp>
         <p:nvSpPr>
-          <p:cNvPr id="1510963261" name="Title 1"/>
+          <p:cNvPr id="871165574" name="Title 1"/>
           <p:cNvSpPr>
             <a:spLocks noGrp="1"/>
           </p:cNvSpPr>
@@ -2389,7 +2733,7 @@
       </p:sp>
       <p:sp>
         <p:nvSpPr>
-          <p:cNvPr id="858212732" name="Text Placeholder 2"/>
+          <p:cNvPr id="2023804779" name="Text Placeholder 2"/>
           <p:cNvSpPr>
             <a:spLocks noGrp="1"/>
           </p:cNvSpPr>
@@ -2457,7 +2801,7 @@
       </p:sp>
       <p:sp>
         <p:nvSpPr>
-          <p:cNvPr id="88315130" name="Content Placeholder 3"/>
+          <p:cNvPr id="1525703797" name="Content Placeholder 3"/>
           <p:cNvSpPr>
             <a:spLocks noGrp="1"/>
           </p:cNvSpPr>
@@ -2528,7 +2872,7 @@
       </p:sp>
       <p:sp>
         <p:nvSpPr>
-          <p:cNvPr id="1680570677" name="Text Placeholder 4"/>
+          <p:cNvPr id="1242814206" name="Text Placeholder 4"/>
           <p:cNvSpPr>
             <a:spLocks noGrp="1"/>
           </p:cNvSpPr>
@@ -2596,7 +2940,7 @@
       </p:sp>
       <p:sp>
         <p:nvSpPr>
-          <p:cNvPr id="853563966" name="Content Placeholder 5"/>
+          <p:cNvPr id="1687454904" name="Content Placeholder 5"/>
           <p:cNvSpPr>
             <a:spLocks noGrp="1"/>
           </p:cNvSpPr>
@@ -2667,7 +3011,7 @@
       </p:sp>
       <p:sp>
         <p:nvSpPr>
-          <p:cNvPr id="549724157" name="Date Placeholder 6"/>
+          <p:cNvPr id="1782269625" name="Date Placeholder 6"/>
           <p:cNvSpPr>
             <a:spLocks noGrp="1"/>
           </p:cNvSpPr>
@@ -2693,7 +3037,7 @@
       </p:sp>
       <p:sp>
         <p:nvSpPr>
-          <p:cNvPr id="1900928339" name="Footer Placeholder 7"/>
+          <p:cNvPr id="1236129481" name="Footer Placeholder 7"/>
           <p:cNvSpPr>
             <a:spLocks noGrp="1"/>
           </p:cNvSpPr>
@@ -2715,7 +3059,7 @@
       </p:sp>
       <p:sp>
         <p:nvSpPr>
-          <p:cNvPr id="2016606217" name="Slide Number Placeholder 8"/>
+          <p:cNvPr id="1684349045" name="Slide Number Placeholder 8"/>
           <p:cNvSpPr>
             <a:spLocks noGrp="1"/>
           </p:cNvSpPr>
@@ -2766,7 +3110,7 @@
       </p:grpSpPr>
       <p:sp>
         <p:nvSpPr>
-          <p:cNvPr id="968853342" name="Title 1"/>
+          <p:cNvPr id="1540944216" name="Title 1"/>
           <p:cNvSpPr>
             <a:spLocks noGrp="1"/>
           </p:cNvSpPr>
@@ -2792,7 +3136,7 @@
       </p:sp>
       <p:sp>
         <p:nvSpPr>
-          <p:cNvPr id="1642712943" name="Date Placeholder 2"/>
+          <p:cNvPr id="1870838632" name="Date Placeholder 2"/>
           <p:cNvSpPr>
             <a:spLocks noGrp="1"/>
           </p:cNvSpPr>
@@ -2818,7 +3162,7 @@
       </p:sp>
       <p:sp>
         <p:nvSpPr>
-          <p:cNvPr id="377136546" name="Footer Placeholder 3"/>
+          <p:cNvPr id="460203162" name="Footer Placeholder 3"/>
           <p:cNvSpPr>
             <a:spLocks noGrp="1"/>
           </p:cNvSpPr>
@@ -2840,7 +3184,7 @@
       </p:sp>
       <p:sp>
         <p:nvSpPr>
-          <p:cNvPr id="1081558615" name="Slide Number Placeholder 4"/>
+          <p:cNvPr id="1304229960" name="Slide Number Placeholder 4"/>
           <p:cNvSpPr>
             <a:spLocks noGrp="1"/>
           </p:cNvSpPr>
@@ -2891,7 +3235,7 @@
       </p:grpSpPr>
       <p:sp>
         <p:nvSpPr>
-          <p:cNvPr id="1277537503" name="Date Placeholder 1"/>
+          <p:cNvPr id="881009628" name="Date Placeholder 1"/>
           <p:cNvSpPr>
             <a:spLocks noGrp="1"/>
           </p:cNvSpPr>
@@ -2917,7 +3261,7 @@
       </p:sp>
       <p:sp>
         <p:nvSpPr>
-          <p:cNvPr id="219230452" name="Footer Placeholder 2"/>
+          <p:cNvPr id="1820519561" name="Footer Placeholder 2"/>
           <p:cNvSpPr>
             <a:spLocks noGrp="1"/>
           </p:cNvSpPr>
@@ -2939,7 +3283,7 @@
       </p:sp>
       <p:sp>
         <p:nvSpPr>
-          <p:cNvPr id="1100817580" name="Slide Number Placeholder 3"/>
+          <p:cNvPr id="395029018" name="Slide Number Placeholder 3"/>
           <p:cNvSpPr>
             <a:spLocks noGrp="1"/>
           </p:cNvSpPr>
@@ -2990,7 +3334,7 @@
       </p:grpSpPr>
       <p:sp>
         <p:nvSpPr>
-          <p:cNvPr id="2126386630" name="Title 1"/>
+          <p:cNvPr id="318590851" name="Title 1"/>
           <p:cNvSpPr>
             <a:spLocks noGrp="1"/>
           </p:cNvSpPr>
@@ -3025,7 +3369,7 @@
       </p:sp>
       <p:sp>
         <p:nvSpPr>
-          <p:cNvPr id="1241166304" name="Content Placeholder 2"/>
+          <p:cNvPr id="2021369687" name="Content Placeholder 2"/>
           <p:cNvSpPr>
             <a:spLocks noGrp="1"/>
           </p:cNvSpPr>
@@ -3124,7 +3468,7 @@
       </p:sp>
       <p:sp>
         <p:nvSpPr>
-          <p:cNvPr id="1881573265" name="Text Placeholder 3"/>
+          <p:cNvPr id="1793920383" name="Text Placeholder 3"/>
           <p:cNvSpPr>
             <a:spLocks noGrp="1"/>
           </p:cNvSpPr>
@@ -3192,7 +3536,7 @@
       </p:sp>
       <p:sp>
         <p:nvSpPr>
-          <p:cNvPr id="191999143" name="Date Placeholder 4"/>
+          <p:cNvPr id="2031453217" name="Date Placeholder 4"/>
           <p:cNvSpPr>
             <a:spLocks noGrp="1"/>
           </p:cNvSpPr>
@@ -3218,7 +3562,7 @@
       </p:sp>
       <p:sp>
         <p:nvSpPr>
-          <p:cNvPr id="1072397771" name="Footer Placeholder 5"/>
+          <p:cNvPr id="2063544750" name="Footer Placeholder 5"/>
           <p:cNvSpPr>
             <a:spLocks noGrp="1"/>
           </p:cNvSpPr>
@@ -3240,7 +3584,7 @@
       </p:sp>
       <p:sp>
         <p:nvSpPr>
-          <p:cNvPr id="1094378452" name="Slide Number Placeholder 6"/>
+          <p:cNvPr id="323428953" name="Slide Number Placeholder 6"/>
           <p:cNvSpPr>
             <a:spLocks noGrp="1"/>
           </p:cNvSpPr>
@@ -3291,7 +3635,7 @@
       </p:grpSpPr>
       <p:sp>
         <p:nvSpPr>
-          <p:cNvPr id="1014793361" name="Title 1"/>
+          <p:cNvPr id="678422818" name="Title 1"/>
           <p:cNvSpPr>
             <a:spLocks noGrp="1"/>
           </p:cNvSpPr>
@@ -3326,7 +3670,7 @@
       </p:sp>
       <p:sp>
         <p:nvSpPr>
-          <p:cNvPr id="995125493" name="Picture Placeholder 2"/>
+          <p:cNvPr id="84879768" name="Picture Placeholder 2"/>
           <p:cNvSpPr>
             <a:spLocks noGrp="1"/>
           </p:cNvSpPr>
@@ -3390,7 +3734,7 @@
       </p:sp>
       <p:sp>
         <p:nvSpPr>
-          <p:cNvPr id="794627596" name="Text Placeholder 3"/>
+          <p:cNvPr id="1403602027" name="Text Placeholder 3"/>
           <p:cNvSpPr>
             <a:spLocks noGrp="1"/>
           </p:cNvSpPr>
@@ -3458,7 +3802,7 @@
       </p:sp>
       <p:sp>
         <p:nvSpPr>
-          <p:cNvPr id="646658170" name="Date Placeholder 4"/>
+          <p:cNvPr id="1555521131" name="Date Placeholder 4"/>
           <p:cNvSpPr>
             <a:spLocks noGrp="1"/>
           </p:cNvSpPr>
@@ -3484,7 +3828,7 @@
       </p:sp>
       <p:sp>
         <p:nvSpPr>
-          <p:cNvPr id="1246943977" name="Footer Placeholder 5"/>
+          <p:cNvPr id="203235977" name="Footer Placeholder 5"/>
           <p:cNvSpPr>
             <a:spLocks noGrp="1"/>
           </p:cNvSpPr>
@@ -3506,7 +3850,7 @@
       </p:sp>
       <p:sp>
         <p:nvSpPr>
-          <p:cNvPr id="1280397933" name="Slide Number Placeholder 6"/>
+          <p:cNvPr id="929132659" name="Slide Number Placeholder 6"/>
           <p:cNvSpPr>
             <a:spLocks noGrp="1"/>
           </p:cNvSpPr>
@@ -3562,7 +3906,7 @@
       </p:grpSpPr>
       <p:sp>
         <p:nvSpPr>
-          <p:cNvPr id="2036950155" name="Title Placeholder 1"/>
+          <p:cNvPr id="1932201128" name="Title Placeholder 1"/>
           <p:cNvSpPr>
             <a:spLocks noGrp="1"/>
           </p:cNvSpPr>
@@ -3598,7 +3942,7 @@
       </p:sp>
       <p:sp>
         <p:nvSpPr>
-          <p:cNvPr id="2096146401" name="Text Placeholder 2"/>
+          <p:cNvPr id="1636593298" name="Text Placeholder 2"/>
           <p:cNvSpPr>
             <a:spLocks noGrp="1"/>
           </p:cNvSpPr>
@@ -3674,7 +4018,7 @@
       </p:sp>
       <p:sp>
         <p:nvSpPr>
-          <p:cNvPr id="1912589627" name="Date Placeholder 3"/>
+          <p:cNvPr id="537789511" name="Date Placeholder 3"/>
           <p:cNvSpPr>
             <a:spLocks noGrp="1"/>
           </p:cNvSpPr>
@@ -3718,7 +4062,7 @@
       </p:sp>
       <p:sp>
         <p:nvSpPr>
-          <p:cNvPr id="1490066274" name="Footer Placeholder 4"/>
+          <p:cNvPr id="647230945" name="Footer Placeholder 4"/>
           <p:cNvSpPr>
             <a:spLocks noGrp="1"/>
           </p:cNvSpPr>
@@ -3758,7 +4102,7 @@
       </p:sp>
       <p:sp>
         <p:nvSpPr>
-          <p:cNvPr id="2132049875" name="Slide Number Placeholder 5"/>
+          <p:cNvPr id="564394804" name="Slide Number Placeholder 5"/>
           <p:cNvSpPr>
             <a:spLocks noGrp="1"/>
           </p:cNvSpPr>
@@ -4118,7 +4462,7 @@
       </p:grpSpPr>
       <p:sp>
         <p:nvSpPr>
-          <p:cNvPr id="576146844" name="Title 1"/>
+          <p:cNvPr id="168663237" name="Title 1"/>
           <p:cNvSpPr>
             <a:spLocks noGrp="1"/>
           </p:cNvSpPr>
@@ -4144,7 +4488,7 @@
       </p:sp>
       <p:sp>
         <p:nvSpPr>
-          <p:cNvPr id="1687408950" name="Subtitle 2"/>
+          <p:cNvPr id="1316772573" name="Subtitle 2"/>
           <p:cNvSpPr>
             <a:spLocks noGrp="1"/>
           </p:cNvSpPr>
@@ -4180,7 +4524,411 @@
 </p:sld>
 </file>
 
-<file path=ppt/slides/slide2.xml><?xml version="1.0" encoding="utf-8"?>
+<file path=ppt/slides/slide10.xml><?xml version="1.0" encoding="utf-8"?>
+<p:sld xmlns:a="http://schemas.openxmlformats.org/drawingml/2006/main" xmlns:r="http://schemas.openxmlformats.org/officeDocument/2006/relationships" xmlns:p="http://schemas.openxmlformats.org/presentationml/2006/main" xmlns:m="http://schemas.openxmlformats.org/officeDocument/2006/math" xmlns:w="http://schemas.openxmlformats.org/wordprocessingml/2006/main" xmlns:mc="http://schemas.openxmlformats.org/markup-compatibility/2006" showMasterPhAnim="0" showMasterSp="1" show="1">
+  <p:cSld name="Slide 10">
+    <p:bg>
+      <p:bgPr shadeToTitle="0">
+        <a:solidFill>
+          <a:srgbClr val="F8FAFC"/>
+        </a:solidFill>
+      </p:bgPr>
+    </p:bg>
+    <p:spTree>
+      <p:nvGrpSpPr>
+        <p:cNvPr id="1" name=""/>
+        <p:cNvGrpSpPr/>
+        <p:nvPr/>
+      </p:nvGrpSpPr>
+      <p:grpSpPr bwMode="auto">
+        <a:xfrm>
+          <a:off x="0" y="0"/>
+          <a:ext cx="0" cy="0"/>
+          <a:chOff x="0" y="0"/>
+          <a:chExt cx="0" cy="0"/>
+        </a:xfrm>
+      </p:grpSpPr>
+      <p:sp>
+        <p:nvSpPr>
+          <p:cNvPr id="237088411" name="Text 0"/>
+          <p:cNvSpPr/>
+          <p:nvPr/>
+        </p:nvSpPr>
+        <p:spPr bwMode="auto">
+          <a:xfrm>
+            <a:off x="761999" y="507999"/>
+            <a:ext cx="5479542" cy="507999"/>
+          </a:xfrm>
+          <a:prstGeom prst="rect">
+            <a:avLst/>
+          </a:prstGeom>
+          <a:noFill/>
+          <a:ln/>
+        </p:spPr>
+        <p:txBody>
+          <a:bodyPr wrap="square" lIns="0" tIns="0" rIns="0" bIns="0" rtlCol="0" anchor="t"/>
+          <a:lstStyle/>
+          <a:p>
+            <a:pPr marL="0" indent="0" algn="l">
+              <a:lnSpc>
+                <a:spcPts val="2999"/>
+              </a:lnSpc>
+              <a:spcAft>
+                <a:spcPts val="1874"/>
+              </a:spcAft>
+              <a:buNone/>
+              <a:defRPr/>
+            </a:pPr>
+            <a:r>
+              <a:rPr lang="en-US" sz="2700" b="1">
+                <a:solidFill>
+                  <a:srgbClr val="1E3A8A"/>
+                </a:solidFill>
+                <a:latin typeface="Arial"/>
+                <a:ea typeface="Arial"/>
+                <a:cs typeface="Arial"/>
+              </a:rPr>
+              <a:t>Educação e Arquitectura</a:t>
+            </a:r>
+            <a:endParaRPr lang="en-US" sz="2700"/>
+          </a:p>
+        </p:txBody>
+      </p:sp>
+      <p:sp>
+        <p:nvSpPr>
+          <p:cNvPr id="1514602543" name="Text 1"/>
+          <p:cNvSpPr/>
+          <p:nvPr/>
+        </p:nvSpPr>
+        <p:spPr bwMode="auto">
+          <a:xfrm>
+            <a:off x="761999" y="1333499"/>
+            <a:ext cx="10881360" cy="365719"/>
+          </a:xfrm>
+          <a:prstGeom prst="rect">
+            <a:avLst/>
+          </a:prstGeom>
+          <a:noFill/>
+          <a:ln/>
+        </p:spPr>
+        <p:txBody>
+          <a:bodyPr wrap="square" lIns="0" tIns="0" rIns="0" bIns="0" rtlCol="0" anchor="t"/>
+          <a:lstStyle/>
+          <a:p>
+            <a:pPr marL="0" indent="0" algn="l">
+              <a:lnSpc>
+                <a:spcPts val="2159"/>
+              </a:lnSpc>
+              <a:spcBef>
+                <a:spcPts val="1124"/>
+              </a:spcBef>
+              <a:spcAft>
+                <a:spcPts val="749"/>
+              </a:spcAft>
+              <a:buNone/>
+              <a:defRPr/>
+            </a:pPr>
+            <a:r>
+              <a:rPr lang="en-US" sz="1800" b="1">
+                <a:solidFill>
+                  <a:srgbClr val="3B82F6"/>
+                </a:solidFill>
+                <a:latin typeface="Arial"/>
+                <a:ea typeface="Arial"/>
+                <a:cs typeface="Arial"/>
+              </a:rPr>
+              <a:t>Valor Educacional</a:t>
+            </a:r>
+            <a:endParaRPr lang="en-US" sz="1800"/>
+          </a:p>
+        </p:txBody>
+      </p:sp>
+      <p:sp>
+        <p:nvSpPr>
+          <p:cNvPr id="1697479261" name="Text 2"/>
+          <p:cNvSpPr/>
+          <p:nvPr/>
+        </p:nvSpPr>
+        <p:spPr bwMode="auto">
+          <a:xfrm>
+            <a:off x="761999" y="1826219"/>
+            <a:ext cx="10667999" cy="1066799"/>
+          </a:xfrm>
+          <a:prstGeom prst="rect">
+            <a:avLst/>
+          </a:prstGeom>
+          <a:noFill/>
+          <a:ln/>
+        </p:spPr>
+        <p:txBody>
+          <a:bodyPr wrap="square" lIns="119062" tIns="0" rIns="0" bIns="0" rtlCol="0" anchor="t"/>
+          <a:lstStyle/>
+          <a:p>
+            <a:pPr marL="119062" indent="-119062" algn="l">
+              <a:lnSpc>
+                <a:spcPts val="2099"/>
+              </a:lnSpc>
+              <a:spcAft>
+                <a:spcPts val="449"/>
+              </a:spcAft>
+              <a:buSzPct val="100000"/>
+              <a:buChar char="•"/>
+              <a:defRPr/>
+            </a:pPr>
+            <a:r>
+              <a:rPr lang="en-US" sz="1350">
+                <a:solidFill>
+                  <a:srgbClr val="334155"/>
+                </a:solidFill>
+                <a:latin typeface="Arial"/>
+                <a:ea typeface="Arial"/>
+                <a:cs typeface="Arial"/>
+              </a:rPr>
+              <a:t>Compreensão profunda do hardware</a:t>
+            </a:r>
+            <a:endParaRPr lang="en-US" sz="1350"/>
+          </a:p>
+          <a:p>
+            <a:pPr marL="119062" indent="-119062" algn="l">
+              <a:lnSpc>
+                <a:spcPts val="2099"/>
+              </a:lnSpc>
+              <a:spcAft>
+                <a:spcPts val="449"/>
+              </a:spcAft>
+              <a:buSzPct val="100000"/>
+              <a:buChar char="•"/>
+              <a:defRPr/>
+            </a:pPr>
+            <a:r>
+              <a:rPr lang="en-US" sz="1350">
+                <a:solidFill>
+                  <a:srgbClr val="334155"/>
+                </a:solidFill>
+                <a:latin typeface="Arial"/>
+                <a:ea typeface="Arial"/>
+                <a:cs typeface="Arial"/>
+              </a:rPr>
+              <a:t>Base para estudos avançados</a:t>
+            </a:r>
+            <a:endParaRPr lang="en-US" sz="1350"/>
+          </a:p>
+        </p:txBody>
+      </p:sp>
+      <p:sp>
+        <p:nvSpPr>
+          <p:cNvPr id="1641722055" name="Text 3"/>
+          <p:cNvSpPr/>
+          <p:nvPr/>
+        </p:nvSpPr>
+        <p:spPr bwMode="auto">
+          <a:xfrm>
+            <a:off x="761999" y="3083519"/>
+            <a:ext cx="10881360" cy="365719"/>
+          </a:xfrm>
+          <a:prstGeom prst="rect">
+            <a:avLst/>
+          </a:prstGeom>
+          <a:noFill/>
+          <a:ln/>
+        </p:spPr>
+        <p:txBody>
+          <a:bodyPr wrap="square" lIns="0" tIns="0" rIns="0" bIns="0" rtlCol="0" anchor="t"/>
+          <a:lstStyle/>
+          <a:p>
+            <a:pPr marL="0" indent="0" algn="l">
+              <a:lnSpc>
+                <a:spcPts val="2159"/>
+              </a:lnSpc>
+              <a:spcBef>
+                <a:spcPts val="1124"/>
+              </a:spcBef>
+              <a:spcAft>
+                <a:spcPts val="749"/>
+              </a:spcAft>
+              <a:buNone/>
+              <a:defRPr/>
+            </a:pPr>
+            <a:r>
+              <a:rPr lang="en-US" sz="1800" b="1">
+                <a:solidFill>
+                  <a:srgbClr val="3B82F6"/>
+                </a:solidFill>
+                <a:latin typeface="Arial"/>
+                <a:ea typeface="Arial"/>
+                <a:cs typeface="Arial"/>
+              </a:rPr>
+              <a:t>Conceitos Tangíveis</a:t>
+            </a:r>
+            <a:endParaRPr lang="en-US" sz="1800"/>
+          </a:p>
+        </p:txBody>
+      </p:sp>
+      <p:sp>
+        <p:nvSpPr>
+          <p:cNvPr id="1809091555" name="Text 4"/>
+          <p:cNvSpPr/>
+          <p:nvPr/>
+        </p:nvSpPr>
+        <p:spPr bwMode="auto">
+          <a:xfrm>
+            <a:off x="761999" y="3576239"/>
+            <a:ext cx="10667999" cy="1066799"/>
+          </a:xfrm>
+          <a:prstGeom prst="rect">
+            <a:avLst/>
+          </a:prstGeom>
+          <a:noFill/>
+          <a:ln/>
+        </p:spPr>
+        <p:txBody>
+          <a:bodyPr wrap="square" lIns="119062" tIns="0" rIns="0" bIns="0" rtlCol="0" anchor="t"/>
+          <a:lstStyle/>
+          <a:p>
+            <a:pPr marL="119062" indent="-119062" algn="l">
+              <a:lnSpc>
+                <a:spcPts val="2099"/>
+              </a:lnSpc>
+              <a:spcAft>
+                <a:spcPts val="449"/>
+              </a:spcAft>
+              <a:buSzPct val="100000"/>
+              <a:buChar char="•"/>
+              <a:defRPr/>
+            </a:pPr>
+            <a:r>
+              <a:rPr lang="en-US" sz="1350">
+                <a:solidFill>
+                  <a:srgbClr val="334155"/>
+                </a:solidFill>
+                <a:latin typeface="Arial"/>
+                <a:ea typeface="Arial"/>
+                <a:cs typeface="Arial"/>
+              </a:rPr>
+              <a:t>Gestão de memória e registos do CPU</a:t>
+            </a:r>
+            <a:endParaRPr lang="en-US" sz="1350"/>
+          </a:p>
+          <a:p>
+            <a:pPr marL="119062" indent="-119062" algn="l">
+              <a:lnSpc>
+                <a:spcPts val="2099"/>
+              </a:lnSpc>
+              <a:spcAft>
+                <a:spcPts val="449"/>
+              </a:spcAft>
+              <a:buSzPct val="100000"/>
+              <a:buChar char="•"/>
+              <a:defRPr/>
+            </a:pPr>
+            <a:r>
+              <a:rPr lang="en-US" sz="1350">
+                <a:solidFill>
+                  <a:srgbClr val="334155"/>
+                </a:solidFill>
+                <a:latin typeface="Arial"/>
+                <a:ea typeface="Arial"/>
+                <a:cs typeface="Arial"/>
+              </a:rPr>
+              <a:t>Pilha de execução e pipeline</a:t>
+            </a:r>
+            <a:endParaRPr lang="en-US" sz="1350"/>
+          </a:p>
+        </p:txBody>
+      </p:sp>
+      <p:sp>
+        <p:nvSpPr>
+          <p:cNvPr id="1226775207" name="Text 5"/>
+          <p:cNvSpPr/>
+          <p:nvPr/>
+        </p:nvSpPr>
+        <p:spPr bwMode="auto">
+          <a:xfrm>
+            <a:off x="761999" y="4795439"/>
+            <a:ext cx="10667999" cy="665361"/>
+          </a:xfrm>
+          <a:prstGeom prst="roundRect">
+            <a:avLst>
+              <a:gd name="adj" fmla="val 11452"/>
+            </a:avLst>
+          </a:prstGeom>
+          <a:solidFill>
+            <a:srgbClr val="60A5FA"/>
+          </a:solidFill>
+          <a:ln/>
+        </p:spPr>
+        <p:txBody>
+          <a:bodyPr wrap="square" rtlCol="0" anchor="ctr"/>
+          <a:lstStyle/>
+          <a:p>
+            <a:pPr marL="0" indent="0">
+              <a:buNone/>
+              <a:defRPr/>
+            </a:pPr>
+            <a:endParaRPr lang="en-US"/>
+          </a:p>
+        </p:txBody>
+      </p:sp>
+      <p:sp>
+        <p:nvSpPr>
+          <p:cNvPr id="586641142" name="Text 6"/>
+          <p:cNvSpPr/>
+          <p:nvPr/>
+        </p:nvSpPr>
+        <p:spPr bwMode="auto">
+          <a:xfrm>
+            <a:off x="952499" y="4985939"/>
+            <a:ext cx="10492740" cy="284361"/>
+          </a:xfrm>
+          <a:prstGeom prst="rect">
+            <a:avLst/>
+          </a:prstGeom>
+          <a:noFill/>
+          <a:ln/>
+        </p:spPr>
+        <p:txBody>
+          <a:bodyPr wrap="square" lIns="0" tIns="0" rIns="0" bIns="0" rtlCol="0" anchor="t"/>
+          <a:lstStyle/>
+          <a:p>
+            <a:pPr marL="0" indent="0" algn="l">
+              <a:lnSpc>
+                <a:spcPts val="1679"/>
+              </a:lnSpc>
+              <a:buNone/>
+              <a:defRPr/>
+            </a:pPr>
+            <a:r>
+              <a:rPr lang="en-US" sz="1200">
+                <a:solidFill>
+                  <a:srgbClr val="FFFFFF"/>
+                </a:solidFill>
+                <a:latin typeface="Arial"/>
+                <a:ea typeface="Arial"/>
+                <a:cs typeface="Arial"/>
+              </a:rPr>
+              <a:t>"Assembly é uma arte" - Vu (2016)</a:t>
+            </a:r>
+            <a:endParaRPr lang="en-US" sz="1200"/>
+          </a:p>
+        </p:txBody>
+      </p:sp>
+    </p:spTree>
+  </p:cSld>
+  <p:clrMapOvr>
+    <a:masterClrMapping/>
+  </p:clrMapOvr>
+  <mc:AlternateContent xmlns:mc="http://schemas.openxmlformats.org/markup-compatibility/2006">
+    <mc:Choice xmlns:p159="http://schemas.microsoft.com/office/powerpoint/2015/09/main" xmlns:p14="http://schemas.microsoft.com/office/powerpoint/2010/main" Requires="p159">
+      <p:transition p14:dur="2000" advClick="1"/>
+    </mc:Choice>
+    <mc:Fallback>
+      <p:transition advClick="1"/>
+    </mc:Fallback>
+  </mc:AlternateContent>
+</p:sld>
+</file>
+
+<file path=ppt/slides/slide11.xml><?xml version="1.0" encoding="utf-8"?>
 <p:sld xmlns:a="http://schemas.openxmlformats.org/drawingml/2006/main" xmlns:r="http://schemas.openxmlformats.org/officeDocument/2006/relationships" xmlns:p="http://schemas.openxmlformats.org/presentationml/2006/main" xmlns:m="http://schemas.openxmlformats.org/officeDocument/2006/math" xmlns:w="http://schemas.openxmlformats.org/wordprocessingml/2006/main" xmlns:mc="http://schemas.openxmlformats.org/markup-compatibility/2006" showMasterPhAnim="0" showMasterSp="1" show="1">
   <p:cSld name="">
     <p:spTree>
@@ -4199,7 +4947,7 @@
       </p:grpSpPr>
       <p:sp>
         <p:nvSpPr>
-          <p:cNvPr id="620739632" name="Title 1"/>
+          <p:cNvPr id="1968670733" name="Title 1"/>
           <p:cNvSpPr>
             <a:spLocks noGrp="1"/>
           </p:cNvSpPr>
@@ -4215,1245 +4963,17 @@
             <a:pPr>
               <a:defRPr/>
             </a:pPr>
-            <a:endParaRPr lang="en-GB"/>
-          </a:p>
-        </p:txBody>
-      </p:sp>
-      <p:sp>
-        <p:nvSpPr>
-          <p:cNvPr id="1463738310" name="Content Placeholder 2"/>
-          <p:cNvSpPr>
-            <a:spLocks noGrp="1"/>
-          </p:cNvSpPr>
-          <p:nvPr>
-            <p:ph idx="1"/>
-          </p:nvPr>
-        </p:nvSpPr>
-        <p:spPr bwMode="auto"/>
-        <p:txBody>
-          <a:bodyPr/>
-          <a:lstStyle/>
-          <a:p>
-            <a:pPr>
-              <a:defRPr/>
-            </a:pPr>
-            <a:endParaRPr lang="en-GB"/>
-          </a:p>
-        </p:txBody>
-      </p:sp>
-    </p:spTree>
-  </p:cSld>
-  <p:clrMapOvr>
-    <a:masterClrMapping/>
-  </p:clrMapOvr>
-  <mc:AlternateContent xmlns:mc="http://schemas.openxmlformats.org/markup-compatibility/2006">
-    <mc:Choice xmlns:p159="http://schemas.microsoft.com/office/powerpoint/2015/09/main" xmlns:p14="http://schemas.microsoft.com/office/powerpoint/2010/main" Requires="p159">
-      <p:transition p14:dur="2000" advClick="1"/>
-    </mc:Choice>
-    <mc:Fallback>
-      <p:transition advClick="1"/>
-    </mc:Fallback>
-  </mc:AlternateContent>
-</p:sld>
-</file>
-
-<file path=ppt/slides/slide3.xml><?xml version="1.0" encoding="utf-8"?>
-<p:sld xmlns:a="http://schemas.openxmlformats.org/drawingml/2006/main" xmlns:r="http://schemas.openxmlformats.org/officeDocument/2006/relationships" xmlns:p="http://schemas.openxmlformats.org/presentationml/2006/main" xmlns:m="http://schemas.openxmlformats.org/officeDocument/2006/math" xmlns:w="http://schemas.openxmlformats.org/wordprocessingml/2006/main" xmlns:mc="http://schemas.openxmlformats.org/markup-compatibility/2006" showMasterPhAnim="0" showMasterSp="1" show="1">
-  <p:cSld name="">
-    <p:spTree>
-      <p:nvGrpSpPr>
-        <p:cNvPr id="1" name=""/>
-        <p:cNvGrpSpPr/>
-        <p:nvPr/>
-      </p:nvGrpSpPr>
-      <p:grpSpPr bwMode="auto">
-        <a:xfrm>
-          <a:off x="0" y="0"/>
-          <a:ext cx="0" cy="0"/>
-          <a:chOff x="0" y="0"/>
-          <a:chExt cx="0" cy="0"/>
-        </a:xfrm>
-      </p:grpSpPr>
-      <p:sp>
-        <p:nvSpPr>
-          <p:cNvPr id="1068328262" name="Title 1"/>
-          <p:cNvSpPr>
-            <a:spLocks noGrp="1"/>
-          </p:cNvSpPr>
-          <p:nvPr>
-            <p:ph type="title"/>
-          </p:nvPr>
-        </p:nvSpPr>
-        <p:spPr bwMode="auto"/>
-        <p:txBody>
-          <a:bodyPr/>
-          <a:lstStyle/>
-          <a:p>
-            <a:pPr>
-              <a:defRPr/>
-            </a:pPr>
-            <a:endParaRPr lang="en-GB"/>
-          </a:p>
-        </p:txBody>
-      </p:sp>
-      <p:sp>
-        <p:nvSpPr>
-          <p:cNvPr id="348195888" name="Content Placeholder 2"/>
-          <p:cNvSpPr>
-            <a:spLocks noGrp="1"/>
-          </p:cNvSpPr>
-          <p:nvPr>
-            <p:ph idx="1"/>
-          </p:nvPr>
-        </p:nvSpPr>
-        <p:spPr bwMode="auto"/>
-        <p:txBody>
-          <a:bodyPr/>
-          <a:lstStyle/>
-          <a:p>
-            <a:pPr>
-              <a:defRPr/>
-            </a:pPr>
-            <a:endParaRPr lang="en-GB"/>
-          </a:p>
-        </p:txBody>
-      </p:sp>
-    </p:spTree>
-  </p:cSld>
-  <p:clrMapOvr>
-    <a:masterClrMapping/>
-  </p:clrMapOvr>
-  <mc:AlternateContent xmlns:mc="http://schemas.openxmlformats.org/markup-compatibility/2006">
-    <mc:Choice xmlns:p159="http://schemas.microsoft.com/office/powerpoint/2015/09/main" xmlns:p14="http://schemas.microsoft.com/office/powerpoint/2010/main" Requires="p159">
-      <p:transition p14:dur="2000" advClick="1"/>
-    </mc:Choice>
-    <mc:Fallback>
-      <p:transition advClick="1"/>
-    </mc:Fallback>
-  </mc:AlternateContent>
-</p:sld>
-</file>
-
-<file path=ppt/slides/slide4.xml><?xml version="1.0" encoding="utf-8"?>
-<p:sld xmlns:a="http://schemas.openxmlformats.org/drawingml/2006/main" xmlns:r="http://schemas.openxmlformats.org/officeDocument/2006/relationships" xmlns:p="http://schemas.openxmlformats.org/presentationml/2006/main" xmlns:m="http://schemas.openxmlformats.org/officeDocument/2006/math" xmlns:w="http://schemas.openxmlformats.org/wordprocessingml/2006/main" xmlns:mc="http://schemas.openxmlformats.org/markup-compatibility/2006" showMasterPhAnim="0" showMasterSp="1" show="1">
-  <p:cSld name="">
-    <p:spTree>
-      <p:nvGrpSpPr>
-        <p:cNvPr id="1" name=""/>
-        <p:cNvGrpSpPr/>
-        <p:nvPr/>
-      </p:nvGrpSpPr>
-      <p:grpSpPr bwMode="auto">
-        <a:xfrm>
-          <a:off x="0" y="0"/>
-          <a:ext cx="0" cy="0"/>
-          <a:chOff x="0" y="0"/>
-          <a:chExt cx="0" cy="0"/>
-        </a:xfrm>
-      </p:grpSpPr>
-      <p:sp>
-        <p:nvSpPr>
-          <p:cNvPr id="217111214" name="Title 1"/>
-          <p:cNvSpPr>
-            <a:spLocks noGrp="1"/>
-          </p:cNvSpPr>
-          <p:nvPr>
-            <p:ph type="title"/>
-          </p:nvPr>
-        </p:nvSpPr>
-        <p:spPr bwMode="auto"/>
-        <p:txBody>
-          <a:bodyPr/>
-          <a:lstStyle/>
-          <a:p>
-            <a:pPr>
-              <a:defRPr/>
-            </a:pPr>
-            <a:endParaRPr lang="en-GB"/>
+            <a:r>
+              <a:rPr lang="en-GB"/>
+              <a:t>Assemblers Comparison</a:t>
+            </a:r>
+            <a:endParaRPr/>
           </a:p>
         </p:txBody>
       </p:sp>
       <p:graphicFrame>
         <p:nvGraphicFramePr>
-          <p:cNvPr id="1048778465" name="Content Placeholder 3"/>
-          <p:cNvGraphicFramePr>
-            <a:graphicFrameLocks xmlns:a="http://schemas.openxmlformats.org/drawingml/2006/main" noGrp="1"/>
-          </p:cNvGraphicFramePr>
-          <p:nvPr>
-            <p:ph idx="1"/>
-          </p:nvPr>
-        </p:nvGraphicFramePr>
-        <p:xfrm rot="0">
-          <a:off x="825499" y="2087217"/>
-          <a:ext cx="10528299" cy="3835972"/>
-        </p:xfrm>
-        <a:graphic>
-          <a:graphicData uri="http://schemas.openxmlformats.org/drawingml/2006/table">
-            <a:tbl>
-              <a:tblPr firstRow="1" firstCol="1" lastRow="0" lastCol="0" bandRow="1" bandCol="0">
-                <a:tableStyleId>{5C22544A-7EE6-4342-B048-85BDC9FD1C3A}</a:tableStyleId>
-              </a:tblPr>
-              <a:tblGrid>
-                <a:gridCol w="3634409"/>
-                <a:gridCol w="6881191"/>
-              </a:tblGrid>
-              <a:tr h="755374">
-                <a:tc>
-                  <a:txBody>
-                    <a:bodyPr/>
-                    <a:p>
-                      <a:pPr algn="ctr">
-                        <a:lnSpc>
-                          <a:spcPct val="107000"/>
-                        </a:lnSpc>
-                        <a:spcAft>
-                          <a:spcPts val="800"/>
-                        </a:spcAft>
-                        <a:defRPr/>
-                      </a:pPr>
-                      <a:r>
-                        <a:rPr lang="en-GB" sz="2400"/>
-                        <a:t>Rover</a:t>
-                      </a:r>
-                      <a:endParaRPr lang="en-GB" sz="2000">
-                        <a:latin typeface="Calibri"/>
-                        <a:ea typeface="Calibri"/>
-                        <a:cs typeface="Arial"/>
-                      </a:endParaRPr>
-                    </a:p>
-                  </a:txBody>
-                  <a:tcPr marL="9525" marR="9525" marT="9525" marB="9525" anchor="ctr"/>
-                </a:tc>
-                <a:tc>
-                  <a:txBody>
-                    <a:bodyPr/>
-                    <a:p>
-                      <a:pPr algn="ctr">
-                        <a:lnSpc>
-                          <a:spcPct val="107000"/>
-                        </a:lnSpc>
-                        <a:spcAft>
-                          <a:spcPts val="800"/>
-                        </a:spcAft>
-                        <a:defRPr/>
-                      </a:pPr>
-                      <a:r>
-                        <a:rPr lang="en-GB" sz="2400"/>
-                        <a:t>Primary Onboard Programming Languages</a:t>
-                      </a:r>
-                      <a:endParaRPr lang="en-GB" sz="2000">
-                        <a:latin typeface="Calibri"/>
-                        <a:ea typeface="Calibri"/>
-                        <a:cs typeface="Arial"/>
-                      </a:endParaRPr>
-                    </a:p>
-                  </a:txBody>
-                  <a:tcPr marL="9525" marR="9525" marT="9525" marB="9525" anchor="ctr"/>
-                </a:tc>
-              </a:tr>
-              <a:tr h="755374">
-                <a:tc>
-                  <a:txBody>
-                    <a:bodyPr/>
-                    <a:p>
-                      <a:pPr>
-                        <a:lnSpc>
-                          <a:spcPct val="107000"/>
-                        </a:lnSpc>
-                        <a:spcAft>
-                          <a:spcPts val="800"/>
-                        </a:spcAft>
-                        <a:defRPr/>
-                      </a:pPr>
-                      <a:r>
-                        <a:rPr lang="en-GB" sz="2400" b="0"/>
-                        <a:t>Sojourner (1997)</a:t>
-                      </a:r>
-                      <a:endParaRPr sz="2000" b="0">
-                        <a:latin typeface="Calibri"/>
-                        <a:ea typeface="Calibri"/>
-                        <a:cs typeface="Arial"/>
-                      </a:endParaRPr>
-                    </a:p>
-                  </a:txBody>
-                  <a:tcPr marL="9525" marR="9525" marT="9525" marB="9525" anchor="ctr"/>
-                </a:tc>
-                <a:tc>
-                  <a:txBody>
-                    <a:bodyPr/>
-                    <a:p>
-                      <a:pPr algn="ctr">
-                        <a:lnSpc>
-                          <a:spcPct val="107000"/>
-                        </a:lnSpc>
-                        <a:spcAft>
-                          <a:spcPts val="800"/>
-                        </a:spcAft>
-                        <a:defRPr/>
-                      </a:pPr>
-                      <a:r>
-                        <a:rPr lang="en-GB" sz="2400"/>
-                        <a:t>C &amp; low-level code (some assembly)</a:t>
-                      </a:r>
-                      <a:endParaRPr lang="en-GB" sz="2000">
-                        <a:latin typeface="Calibri"/>
-                        <a:ea typeface="Calibri"/>
-                        <a:cs typeface="Arial"/>
-                      </a:endParaRPr>
-                    </a:p>
-                  </a:txBody>
-                  <a:tcPr marL="9525" marR="9525" marT="9525" marB="9525" anchor="ctr"/>
-                </a:tc>
-              </a:tr>
-              <a:tr h="755374">
-                <a:tc>
-                  <a:txBody>
-                    <a:bodyPr/>
-                    <a:p>
-                      <a:pPr>
-                        <a:lnSpc>
-                          <a:spcPct val="107000"/>
-                        </a:lnSpc>
-                        <a:spcAft>
-                          <a:spcPts val="800"/>
-                        </a:spcAft>
-                        <a:defRPr/>
-                      </a:pPr>
-                      <a:r>
-                        <a:rPr lang="en-GB" sz="2400" b="0"/>
-                        <a:t>Spirit &amp; Opportunity (2004)</a:t>
-                      </a:r>
-                      <a:endParaRPr sz="2000" b="0">
-                        <a:latin typeface="Calibri"/>
-                        <a:ea typeface="Calibri"/>
-                        <a:cs typeface="Arial"/>
-                      </a:endParaRPr>
-                    </a:p>
-                  </a:txBody>
-                  <a:tcPr marL="9525" marR="9525" marT="9525" marB="9525" anchor="ctr"/>
-                </a:tc>
-                <a:tc>
-                  <a:txBody>
-                    <a:bodyPr/>
-                    <a:p>
-                      <a:pPr algn="ctr">
-                        <a:lnSpc>
-                          <a:spcPct val="107000"/>
-                        </a:lnSpc>
-                        <a:spcAft>
-                          <a:spcPts val="800"/>
-                        </a:spcAft>
-                        <a:defRPr/>
-                      </a:pPr>
-                      <a:r>
-                        <a:rPr lang="en-GB" sz="2400"/>
-                        <a:t>Mostly C (with some assembly/C++)</a:t>
-                      </a:r>
-                      <a:endParaRPr lang="en-GB" sz="2000">
-                        <a:latin typeface="Calibri"/>
-                        <a:ea typeface="Calibri"/>
-                        <a:cs typeface="Arial"/>
-                      </a:endParaRPr>
-                    </a:p>
-                  </a:txBody>
-                  <a:tcPr marL="9525" marR="9525" marT="9525" marB="9525" anchor="ctr"/>
-                </a:tc>
-              </a:tr>
-              <a:tr h="755374">
-                <a:tc>
-                  <a:txBody>
-                    <a:bodyPr/>
-                    <a:p>
-                      <a:pPr>
-                        <a:lnSpc>
-                          <a:spcPct val="107000"/>
-                        </a:lnSpc>
-                        <a:spcAft>
-                          <a:spcPts val="800"/>
-                        </a:spcAft>
-                        <a:defRPr/>
-                      </a:pPr>
-                      <a:r>
-                        <a:rPr lang="en-GB" sz="2400" b="0"/>
-                        <a:t>Curiosity (2011)</a:t>
-                      </a:r>
-                      <a:endParaRPr sz="2000" b="0">
-                        <a:latin typeface="Calibri"/>
-                        <a:ea typeface="Calibri"/>
-                        <a:cs typeface="Arial"/>
-                      </a:endParaRPr>
-                    </a:p>
-                  </a:txBody>
-                  <a:tcPr marL="9525" marR="9525" marT="9525" marB="9525" anchor="ctr"/>
-                </a:tc>
-                <a:tc>
-                  <a:txBody>
-                    <a:bodyPr/>
-                    <a:p>
-                      <a:pPr algn="ctr">
-                        <a:lnSpc>
-                          <a:spcPct val="107000"/>
-                        </a:lnSpc>
-                        <a:spcAft>
-                          <a:spcPts val="800"/>
-                        </a:spcAft>
-                        <a:defRPr/>
-                      </a:pPr>
-                      <a:r>
-                        <a:rPr lang="en-GB" sz="2400"/>
-                        <a:t>Mostly C (with some C++ and support scripts)</a:t>
-                      </a:r>
-                      <a:endParaRPr lang="en-GB" sz="2000">
-                        <a:latin typeface="Calibri"/>
-                        <a:ea typeface="Calibri"/>
-                        <a:cs typeface="Arial"/>
-                      </a:endParaRPr>
-                    </a:p>
-                  </a:txBody>
-                  <a:tcPr marL="9525" marR="9525" marT="9525" marB="9525" anchor="ctr"/>
-                </a:tc>
-              </a:tr>
-              <a:tr h="755374">
-                <a:tc>
-                  <a:txBody>
-                    <a:bodyPr/>
-                    <a:p>
-                      <a:pPr>
-                        <a:lnSpc>
-                          <a:spcPct val="107000"/>
-                        </a:lnSpc>
-                        <a:spcAft>
-                          <a:spcPts val="800"/>
-                        </a:spcAft>
-                        <a:defRPr/>
-                      </a:pPr>
-                      <a:r>
-                        <a:rPr lang="en-GB" sz="2400" b="0"/>
-                        <a:t>Perseverance (2020)</a:t>
-                      </a:r>
-                      <a:endParaRPr sz="2000" b="0">
-                        <a:latin typeface="Calibri"/>
-                        <a:ea typeface="Calibri"/>
-                        <a:cs typeface="Arial"/>
-                      </a:endParaRPr>
-                    </a:p>
-                  </a:txBody>
-                  <a:tcPr marL="9525" marR="9525" marT="9525" marB="9525" anchor="ctr"/>
-                </a:tc>
-                <a:tc>
-                  <a:txBody>
-                    <a:bodyPr/>
-                    <a:p>
-                      <a:pPr algn="ctr">
-                        <a:lnSpc>
-                          <a:spcPct val="107000"/>
-                        </a:lnSpc>
-                        <a:spcAft>
-                          <a:spcPts val="800"/>
-                        </a:spcAft>
-                        <a:defRPr/>
-                      </a:pPr>
-                      <a:r>
-                        <a:rPr lang="en-GB" sz="2400"/>
-                        <a:t>Mostly C/C++ (with automation languages like PLEXIL for specific subsystems)</a:t>
-                      </a:r>
-                      <a:endParaRPr lang="en-GB" sz="2000">
-                        <a:latin typeface="Calibri"/>
-                        <a:ea typeface="Calibri"/>
-                        <a:cs typeface="Arial"/>
-                      </a:endParaRPr>
-                    </a:p>
-                  </a:txBody>
-                  <a:tcPr marL="9525" marR="9525" marT="9525" marB="9525" anchor="ctr"/>
-                </a:tc>
-              </a:tr>
-            </a:tbl>
-          </a:graphicData>
-        </a:graphic>
-      </p:graphicFrame>
-    </p:spTree>
-  </p:cSld>
-  <p:clrMapOvr>
-    <a:masterClrMapping/>
-  </p:clrMapOvr>
-  <mc:AlternateContent xmlns:mc="http://schemas.openxmlformats.org/markup-compatibility/2006">
-    <mc:Choice xmlns:p159="http://schemas.microsoft.com/office/powerpoint/2015/09/main" xmlns:p14="http://schemas.microsoft.com/office/powerpoint/2010/main" Requires="p159">
-      <p:transition p14:dur="2000" advClick="1"/>
-    </mc:Choice>
-    <mc:Fallback>
-      <p:transition advClick="1"/>
-    </mc:Fallback>
-  </mc:AlternateContent>
-</p:sld>
-</file>
-
-<file path=ppt/slides/slide5.xml><?xml version="1.0" encoding="utf-8"?>
-<p:sld xmlns:a="http://schemas.openxmlformats.org/drawingml/2006/main" xmlns:r="http://schemas.openxmlformats.org/officeDocument/2006/relationships" xmlns:p="http://schemas.openxmlformats.org/presentationml/2006/main" xmlns:m="http://schemas.openxmlformats.org/officeDocument/2006/math" xmlns:w="http://schemas.openxmlformats.org/wordprocessingml/2006/main" xmlns:mc="http://schemas.openxmlformats.org/markup-compatibility/2006" showMasterPhAnim="0" showMasterSp="1" show="1">
-  <p:cSld name="">
-    <p:spTree>
-      <p:nvGrpSpPr>
-        <p:cNvPr id="1" name=""/>
-        <p:cNvGrpSpPr/>
-        <p:nvPr/>
-      </p:nvGrpSpPr>
-      <p:grpSpPr bwMode="auto">
-        <a:xfrm>
-          <a:off x="0" y="0"/>
-          <a:ext cx="0" cy="0"/>
-          <a:chOff x="0" y="0"/>
-          <a:chExt cx="0" cy="0"/>
-        </a:xfrm>
-      </p:grpSpPr>
-      <p:sp>
-        <p:nvSpPr>
-          <p:cNvPr id="764229505" name="Title 1"/>
-          <p:cNvSpPr>
-            <a:spLocks noGrp="1"/>
-          </p:cNvSpPr>
-          <p:nvPr>
-            <p:ph type="title"/>
-          </p:nvPr>
-        </p:nvSpPr>
-        <p:spPr bwMode="auto"/>
-        <p:txBody>
-          <a:bodyPr/>
-          <a:lstStyle/>
-          <a:p>
-            <a:pPr>
-              <a:defRPr/>
-            </a:pPr>
-            <a:endParaRPr lang="en-GB"/>
-          </a:p>
-        </p:txBody>
-      </p:sp>
-      <p:graphicFrame>
-        <p:nvGraphicFramePr>
-          <p:cNvPr id="1258849092" name="Content Placeholder 3"/>
-          <p:cNvGraphicFramePr>
-            <a:graphicFrameLocks xmlns:a="http://schemas.openxmlformats.org/drawingml/2006/main" noGrp="1"/>
-          </p:cNvGraphicFramePr>
-          <p:nvPr>
-            <p:ph idx="1"/>
-          </p:nvPr>
-        </p:nvGraphicFramePr>
-        <p:xfrm rot="0">
-          <a:off x="838200" y="1878496"/>
-          <a:ext cx="10515600" cy="4184375"/>
-        </p:xfrm>
-        <a:graphic>
-          <a:graphicData uri="http://schemas.openxmlformats.org/drawingml/2006/table">
-            <a:tbl>
-              <a:tblPr firstRow="1" firstCol="1" lastRow="0" lastCol="0" bandRow="1" bandCol="0">
-                <a:tableStyleId>{5C22544A-7EE6-4342-B048-85BDC9FD1C3A}</a:tableStyleId>
-              </a:tblPr>
-              <a:tblGrid>
-                <a:gridCol w="1984513"/>
-                <a:gridCol w="4750904"/>
-                <a:gridCol w="3780183"/>
-              </a:tblGrid>
-              <a:tr h="462700">
-                <a:tc>
-                  <a:txBody>
-                    <a:bodyPr/>
-                    <a:p>
-                      <a:pPr>
-                        <a:lnSpc>
-                          <a:spcPct val="107000"/>
-                        </a:lnSpc>
-                        <a:spcAft>
-                          <a:spcPts val="800"/>
-                        </a:spcAft>
-                        <a:defRPr/>
-                      </a:pPr>
-                      <a:r>
-                        <a:rPr lang="en-GB" sz="2400"/>
-                        <a:t>Category</a:t>
-                      </a:r>
-                      <a:endParaRPr lang="en-GB" sz="2000">
-                        <a:latin typeface="Calibri"/>
-                        <a:ea typeface="Calibri"/>
-                        <a:cs typeface="Arial"/>
-                      </a:endParaRPr>
-                    </a:p>
-                  </a:txBody>
-                  <a:tcPr marL="9525" marR="9525" marT="9525" marB="9525" anchor="ctr"/>
-                </a:tc>
-                <a:tc>
-                  <a:txBody>
-                    <a:bodyPr/>
-                    <a:p>
-                      <a:pPr algn="ctr">
-                        <a:lnSpc>
-                          <a:spcPct val="107000"/>
-                        </a:lnSpc>
-                        <a:spcAft>
-                          <a:spcPts val="800"/>
-                        </a:spcAft>
-                        <a:defRPr/>
-                      </a:pPr>
-                      <a:r>
-                        <a:rPr lang="en-GB" sz="2400"/>
-                        <a:t>Neuromorphic</a:t>
-                      </a:r>
-                      <a:endParaRPr lang="en-GB" sz="2000">
-                        <a:latin typeface="Calibri"/>
-                        <a:ea typeface="Calibri"/>
-                        <a:cs typeface="Arial"/>
-                      </a:endParaRPr>
-                    </a:p>
-                  </a:txBody>
-                  <a:tcPr marL="9525" marR="9525" marT="9525" marB="9525" anchor="ctr"/>
-                </a:tc>
-                <a:tc>
-                  <a:txBody>
-                    <a:bodyPr/>
-                    <a:p>
-                      <a:pPr algn="ctr">
-                        <a:lnSpc>
-                          <a:spcPct val="107000"/>
-                        </a:lnSpc>
-                        <a:spcAft>
-                          <a:spcPts val="800"/>
-                        </a:spcAft>
-                        <a:defRPr/>
-                      </a:pPr>
-                      <a:r>
-                        <a:rPr lang="en-GB" sz="2400"/>
-                        <a:t>Quantum</a:t>
-                      </a:r>
-                      <a:endParaRPr lang="en-GB" sz="2000">
-                        <a:latin typeface="Calibri"/>
-                        <a:ea typeface="Calibri"/>
-                        <a:cs typeface="Arial"/>
-                      </a:endParaRPr>
-                    </a:p>
-                  </a:txBody>
-                  <a:tcPr marL="9525" marR="9525" marT="9525" marB="9525" anchor="ctr"/>
-                </a:tc>
-              </a:tr>
-              <a:tr h="424878">
-                <a:tc>
-                  <a:txBody>
-                    <a:bodyPr/>
-                    <a:p>
-                      <a:pPr>
-                        <a:lnSpc>
-                          <a:spcPct val="107000"/>
-                        </a:lnSpc>
-                        <a:spcAft>
-                          <a:spcPts val="800"/>
-                        </a:spcAft>
-                        <a:defRPr/>
-                      </a:pPr>
-                      <a:r>
-                        <a:rPr lang="en-GB" sz="2400" b="0"/>
-                        <a:t>Inspiration</a:t>
-                      </a:r>
-                      <a:endParaRPr sz="2000" b="0">
-                        <a:latin typeface="Calibri"/>
-                        <a:ea typeface="Calibri"/>
-                        <a:cs typeface="Arial"/>
-                      </a:endParaRPr>
-                    </a:p>
-                  </a:txBody>
-                  <a:tcPr marL="9525" marR="9525" marT="9525" marB="9525" anchor="ctr"/>
-                </a:tc>
-                <a:tc>
-                  <a:txBody>
-                    <a:bodyPr/>
-                    <a:p>
-                      <a:pPr algn="ctr">
-                        <a:lnSpc>
-                          <a:spcPct val="107000"/>
-                        </a:lnSpc>
-                        <a:spcAft>
-                          <a:spcPts val="800"/>
-                        </a:spcAft>
-                        <a:defRPr/>
-                      </a:pPr>
-                      <a:r>
-                        <a:rPr lang="en-GB" sz="2400"/>
-                        <a:t>Human brain</a:t>
-                      </a:r>
-                      <a:endParaRPr lang="en-GB" sz="2000">
-                        <a:latin typeface="Calibri"/>
-                        <a:ea typeface="Calibri"/>
-                        <a:cs typeface="Arial"/>
-                      </a:endParaRPr>
-                    </a:p>
-                  </a:txBody>
-                  <a:tcPr marL="9525" marR="9525" marT="9525" marB="9525" anchor="ctr"/>
-                </a:tc>
-                <a:tc>
-                  <a:txBody>
-                    <a:bodyPr/>
-                    <a:p>
-                      <a:pPr algn="ctr">
-                        <a:lnSpc>
-                          <a:spcPct val="107000"/>
-                        </a:lnSpc>
-                        <a:spcAft>
-                          <a:spcPts val="800"/>
-                        </a:spcAft>
-                        <a:defRPr/>
-                      </a:pPr>
-                      <a:r>
-                        <a:rPr lang="en-GB" sz="2400"/>
-                        <a:t>Quantum physics</a:t>
-                      </a:r>
-                      <a:endParaRPr lang="en-GB" sz="2000">
-                        <a:latin typeface="Calibri"/>
-                        <a:ea typeface="Calibri"/>
-                        <a:cs typeface="Arial"/>
-                      </a:endParaRPr>
-                    </a:p>
-                  </a:txBody>
-                  <a:tcPr marL="9525" marR="9525" marT="9525" marB="9525" anchor="ctr"/>
-                </a:tc>
-              </a:tr>
-              <a:tr h="424878">
-                <a:tc>
-                  <a:txBody>
-                    <a:bodyPr/>
-                    <a:p>
-                      <a:pPr>
-                        <a:lnSpc>
-                          <a:spcPct val="107000"/>
-                        </a:lnSpc>
-                        <a:spcAft>
-                          <a:spcPts val="800"/>
-                        </a:spcAft>
-                        <a:defRPr/>
-                      </a:pPr>
-                      <a:r>
-                        <a:rPr lang="en-GB" sz="2400" b="0"/>
-                        <a:t>Hardware</a:t>
-                      </a:r>
-                      <a:endParaRPr sz="2000" b="0">
-                        <a:latin typeface="Calibri"/>
-                        <a:ea typeface="Calibri"/>
-                        <a:cs typeface="Arial"/>
-                      </a:endParaRPr>
-                    </a:p>
-                  </a:txBody>
-                  <a:tcPr marL="9525" marR="9525" marT="9525" marB="9525" anchor="ctr"/>
-                </a:tc>
-                <a:tc>
-                  <a:txBody>
-                    <a:bodyPr/>
-                    <a:p>
-                      <a:pPr algn="ctr">
-                        <a:lnSpc>
-                          <a:spcPct val="107000"/>
-                        </a:lnSpc>
-                        <a:spcAft>
-                          <a:spcPts val="800"/>
-                        </a:spcAft>
-                        <a:defRPr/>
-                      </a:pPr>
-                      <a:r>
-                        <a:rPr lang="en-GB" sz="2400"/>
-                        <a:t>Spiking neural chips</a:t>
-                      </a:r>
-                      <a:endParaRPr lang="en-GB" sz="2000">
-                        <a:latin typeface="Calibri"/>
-                        <a:ea typeface="Calibri"/>
-                        <a:cs typeface="Arial"/>
-                      </a:endParaRPr>
-                    </a:p>
-                  </a:txBody>
-                  <a:tcPr marL="9525" marR="9525" marT="9525" marB="9525" anchor="ctr"/>
-                </a:tc>
-                <a:tc>
-                  <a:txBody>
-                    <a:bodyPr/>
-                    <a:p>
-                      <a:pPr algn="ctr">
-                        <a:lnSpc>
-                          <a:spcPct val="107000"/>
-                        </a:lnSpc>
-                        <a:spcAft>
-                          <a:spcPts val="800"/>
-                        </a:spcAft>
-                        <a:defRPr/>
-                      </a:pPr>
-                      <a:r>
-                        <a:rPr lang="en-GB" sz="2400"/>
-                        <a:t>Qubits in cryogenic systems</a:t>
-                      </a:r>
-                      <a:endParaRPr lang="en-GB" sz="2000">
-                        <a:latin typeface="Calibri"/>
-                        <a:ea typeface="Calibri"/>
-                        <a:cs typeface="Arial"/>
-                      </a:endParaRPr>
-                    </a:p>
-                  </a:txBody>
-                  <a:tcPr marL="9525" marR="9525" marT="9525" marB="9525" anchor="ctr"/>
-                </a:tc>
-              </a:tr>
-              <a:tr h="828288">
-                <a:tc>
-                  <a:txBody>
-                    <a:bodyPr/>
-                    <a:p>
-                      <a:pPr>
-                        <a:lnSpc>
-                          <a:spcPct val="107000"/>
-                        </a:lnSpc>
-                        <a:spcAft>
-                          <a:spcPts val="800"/>
-                        </a:spcAft>
-                        <a:defRPr/>
-                      </a:pPr>
-                      <a:r>
-                        <a:rPr lang="en-GB" sz="2400" b="0"/>
-                        <a:t>Strengths</a:t>
-                      </a:r>
-                      <a:endParaRPr sz="2000" b="0">
-                        <a:latin typeface="Calibri"/>
-                        <a:ea typeface="Calibri"/>
-                        <a:cs typeface="Arial"/>
-                      </a:endParaRPr>
-                    </a:p>
-                  </a:txBody>
-                  <a:tcPr marL="9525" marR="9525" marT="9525" marB="9525" anchor="ctr"/>
-                </a:tc>
-                <a:tc>
-                  <a:txBody>
-                    <a:bodyPr/>
-                    <a:p>
-                      <a:pPr algn="ctr">
-                        <a:lnSpc>
-                          <a:spcPct val="107000"/>
-                        </a:lnSpc>
-                        <a:spcAft>
-                          <a:spcPts val="800"/>
-                        </a:spcAft>
-                        <a:defRPr/>
-                      </a:pPr>
-                      <a:r>
-                        <a:rPr lang="en-GB" sz="2400"/>
-                        <a:t>Low power, real-time learning</a:t>
-                      </a:r>
-                      <a:endParaRPr lang="en-GB" sz="2000">
-                        <a:latin typeface="Calibri"/>
-                        <a:ea typeface="Calibri"/>
-                        <a:cs typeface="Arial"/>
-                      </a:endParaRPr>
-                    </a:p>
-                  </a:txBody>
-                  <a:tcPr marL="9525" marR="9525" marT="9525" marB="9525" anchor="ctr"/>
-                </a:tc>
-                <a:tc>
-                  <a:txBody>
-                    <a:bodyPr/>
-                    <a:p>
-                      <a:pPr algn="ctr">
-                        <a:lnSpc>
-                          <a:spcPct val="107000"/>
-                        </a:lnSpc>
-                        <a:spcAft>
-                          <a:spcPts val="800"/>
-                        </a:spcAft>
-                        <a:defRPr/>
-                      </a:pPr>
-                      <a:r>
-                        <a:rPr lang="en-GB" sz="2400"/>
-                        <a:t>Huge theoretical computational power</a:t>
-                      </a:r>
-                      <a:endParaRPr lang="en-GB" sz="2000">
-                        <a:latin typeface="Calibri"/>
-                        <a:ea typeface="Calibri"/>
-                        <a:cs typeface="Arial"/>
-                      </a:endParaRPr>
-                    </a:p>
-                  </a:txBody>
-                  <a:tcPr marL="9525" marR="9525" marT="9525" marB="9525" anchor="ctr"/>
-                </a:tc>
-              </a:tr>
-              <a:tr h="828288">
-                <a:tc>
-                  <a:txBody>
-                    <a:bodyPr/>
-                    <a:p>
-                      <a:pPr>
-                        <a:lnSpc>
-                          <a:spcPct val="107000"/>
-                        </a:lnSpc>
-                        <a:spcAft>
-                          <a:spcPts val="800"/>
-                        </a:spcAft>
-                        <a:defRPr/>
-                      </a:pPr>
-                      <a:r>
-                        <a:rPr lang="en-GB" sz="2400" b="0"/>
-                        <a:t>Weaknesses</a:t>
-                      </a:r>
-                      <a:endParaRPr sz="2000" b="0">
-                        <a:latin typeface="Calibri"/>
-                        <a:ea typeface="Calibri"/>
-                        <a:cs typeface="Arial"/>
-                      </a:endParaRPr>
-                    </a:p>
-                  </a:txBody>
-                  <a:tcPr marL="9525" marR="9525" marT="9525" marB="9525" anchor="ctr"/>
-                </a:tc>
-                <a:tc>
-                  <a:txBody>
-                    <a:bodyPr/>
-                    <a:p>
-                      <a:pPr algn="ctr">
-                        <a:lnSpc>
-                          <a:spcPct val="107000"/>
-                        </a:lnSpc>
-                        <a:spcAft>
-                          <a:spcPts val="800"/>
-                        </a:spcAft>
-                        <a:defRPr/>
-                      </a:pPr>
-                      <a:r>
-                        <a:rPr lang="en-GB" sz="2400"/>
-                        <a:t>Not great at math-heavy computing</a:t>
-                      </a:r>
-                      <a:endParaRPr lang="en-GB" sz="2000">
-                        <a:latin typeface="Calibri"/>
-                        <a:ea typeface="Calibri"/>
-                        <a:cs typeface="Arial"/>
-                      </a:endParaRPr>
-                    </a:p>
-                  </a:txBody>
-                  <a:tcPr marL="9525" marR="9525" marT="9525" marB="9525" anchor="ctr"/>
-                </a:tc>
-                <a:tc>
-                  <a:txBody>
-                    <a:bodyPr/>
-                    <a:p>
-                      <a:pPr algn="ctr">
-                        <a:lnSpc>
-                          <a:spcPct val="107000"/>
-                        </a:lnSpc>
-                        <a:spcAft>
-                          <a:spcPts val="800"/>
-                        </a:spcAft>
-                        <a:defRPr/>
-                      </a:pPr>
-                      <a:r>
-                        <a:rPr lang="en-GB" sz="2400"/>
-                        <a:t>Error-prone, hard to scale</a:t>
-                      </a:r>
-                      <a:endParaRPr lang="en-GB" sz="2000">
-                        <a:latin typeface="Calibri"/>
-                        <a:ea typeface="Calibri"/>
-                        <a:cs typeface="Arial"/>
-                      </a:endParaRPr>
-                    </a:p>
-                  </a:txBody>
-                  <a:tcPr marL="9525" marR="9525" marT="9525" marB="9525" anchor="ctr"/>
-                </a:tc>
-              </a:tr>
-              <a:tr h="424878">
-                <a:tc>
-                  <a:txBody>
-                    <a:bodyPr/>
-                    <a:p>
-                      <a:pPr>
-                        <a:lnSpc>
-                          <a:spcPct val="107000"/>
-                        </a:lnSpc>
-                        <a:spcAft>
-                          <a:spcPts val="800"/>
-                        </a:spcAft>
-                        <a:defRPr/>
-                      </a:pPr>
-                      <a:r>
-                        <a:rPr lang="en-GB" sz="2400" b="0"/>
-                        <a:t>Stage</a:t>
-                      </a:r>
-                      <a:endParaRPr sz="2000" b="0">
-                        <a:latin typeface="Calibri"/>
-                        <a:ea typeface="Calibri"/>
-                        <a:cs typeface="Arial"/>
-                      </a:endParaRPr>
-                    </a:p>
-                  </a:txBody>
-                  <a:tcPr marL="9525" marR="9525" marT="9525" marB="9525" anchor="ctr"/>
-                </a:tc>
-                <a:tc>
-                  <a:txBody>
-                    <a:bodyPr/>
-                    <a:p>
-                      <a:pPr algn="ctr">
-                        <a:lnSpc>
-                          <a:spcPct val="107000"/>
-                        </a:lnSpc>
-                        <a:spcAft>
-                          <a:spcPts val="800"/>
-                        </a:spcAft>
-                        <a:defRPr/>
-                      </a:pPr>
-                      <a:r>
-                        <a:rPr lang="en-GB" sz="2400"/>
-                        <a:t>Early but working today</a:t>
-                      </a:r>
-                      <a:endParaRPr lang="en-GB" sz="2000">
-                        <a:latin typeface="Calibri"/>
-                        <a:ea typeface="Calibri"/>
-                        <a:cs typeface="Arial"/>
-                      </a:endParaRPr>
-                    </a:p>
-                  </a:txBody>
-                  <a:tcPr marL="9525" marR="9525" marT="9525" marB="9525" anchor="ctr"/>
-                </a:tc>
-                <a:tc>
-                  <a:txBody>
-                    <a:bodyPr/>
-                    <a:p>
-                      <a:pPr algn="ctr">
-                        <a:lnSpc>
-                          <a:spcPct val="107000"/>
-                        </a:lnSpc>
-                        <a:spcAft>
-                          <a:spcPts val="800"/>
-                        </a:spcAft>
-                        <a:defRPr/>
-                      </a:pPr>
-                      <a:r>
-                        <a:rPr lang="en-GB" sz="2400"/>
-                        <a:t>Prototype / research phase</a:t>
-                      </a:r>
-                      <a:endParaRPr lang="en-GB" sz="2000">
-                        <a:latin typeface="Calibri"/>
-                        <a:ea typeface="Calibri"/>
-                        <a:cs typeface="Arial"/>
-                      </a:endParaRPr>
-                    </a:p>
-                  </a:txBody>
-                  <a:tcPr marL="9525" marR="9525" marT="9525" marB="9525" anchor="ctr"/>
-                </a:tc>
-              </a:tr>
-              <a:tr h="828288">
-                <a:tc>
-                  <a:txBody>
-                    <a:bodyPr/>
-                    <a:p>
-                      <a:pPr>
-                        <a:lnSpc>
-                          <a:spcPct val="107000"/>
-                        </a:lnSpc>
-                        <a:spcAft>
-                          <a:spcPts val="800"/>
-                        </a:spcAft>
-                        <a:defRPr/>
-                      </a:pPr>
-                      <a:r>
-                        <a:rPr lang="en-GB" sz="2400" b="0"/>
-                        <a:t>Best fit</a:t>
-                      </a:r>
-                      <a:endParaRPr sz="2000" b="0">
-                        <a:latin typeface="Calibri"/>
-                        <a:ea typeface="Calibri"/>
-                        <a:cs typeface="Arial"/>
-                      </a:endParaRPr>
-                    </a:p>
-                  </a:txBody>
-                  <a:tcPr marL="9525" marR="9525" marT="9525" marB="9525" anchor="ctr"/>
-                </a:tc>
-                <a:tc>
-                  <a:txBody>
-                    <a:bodyPr/>
-                    <a:p>
-                      <a:pPr algn="ctr">
-                        <a:lnSpc>
-                          <a:spcPct val="107000"/>
-                        </a:lnSpc>
-                        <a:spcAft>
-                          <a:spcPts val="800"/>
-                        </a:spcAft>
-                        <a:defRPr/>
-                      </a:pPr>
-                      <a:r>
-                        <a:rPr lang="en-GB" sz="2400"/>
-                        <a:t>Edge AI, robotics</a:t>
-                      </a:r>
-                      <a:endParaRPr lang="en-GB" sz="2000">
-                        <a:latin typeface="Calibri"/>
-                        <a:ea typeface="Calibri"/>
-                        <a:cs typeface="Arial"/>
-                      </a:endParaRPr>
-                    </a:p>
-                  </a:txBody>
-                  <a:tcPr marL="9525" marR="9525" marT="9525" marB="9525" anchor="ctr"/>
-                </a:tc>
-                <a:tc>
-                  <a:txBody>
-                    <a:bodyPr/>
-                    <a:p>
-                      <a:pPr algn="ctr">
-                        <a:lnSpc>
-                          <a:spcPct val="107000"/>
-                        </a:lnSpc>
-                        <a:spcAft>
-                          <a:spcPts val="800"/>
-                        </a:spcAft>
-                        <a:defRPr/>
-                      </a:pPr>
-                      <a:r>
-                        <a:rPr lang="en-GB" sz="2400"/>
-                        <a:t>Chemistry, optimization, cryptography</a:t>
-                      </a:r>
-                      <a:endParaRPr lang="en-GB" sz="2000">
-                        <a:latin typeface="Calibri"/>
-                        <a:ea typeface="Calibri"/>
-                        <a:cs typeface="Arial"/>
-                      </a:endParaRPr>
-                    </a:p>
-                  </a:txBody>
-                  <a:tcPr marL="9525" marR="9525" marT="9525" marB="9525" anchor="ctr"/>
-                </a:tc>
-              </a:tr>
-            </a:tbl>
-          </a:graphicData>
-        </a:graphic>
-      </p:graphicFrame>
-    </p:spTree>
-  </p:cSld>
-  <p:clrMapOvr>
-    <a:masterClrMapping/>
-  </p:clrMapOvr>
-  <mc:AlternateContent xmlns:mc="http://schemas.openxmlformats.org/markup-compatibility/2006">
-    <mc:Choice xmlns:p159="http://schemas.microsoft.com/office/powerpoint/2015/09/main" xmlns:p14="http://schemas.microsoft.com/office/powerpoint/2010/main" Requires="p159">
-      <p:transition p14:dur="2000" advClick="1"/>
-    </mc:Choice>
-    <mc:Fallback>
-      <p:transition advClick="1"/>
-    </mc:Fallback>
-  </mc:AlternateContent>
-</p:sld>
-</file>
-
-<file path=ppt/slides/slide6.xml><?xml version="1.0" encoding="utf-8"?>
-<p:sld xmlns:a="http://schemas.openxmlformats.org/drawingml/2006/main" xmlns:r="http://schemas.openxmlformats.org/officeDocument/2006/relationships" xmlns:p="http://schemas.openxmlformats.org/presentationml/2006/main" xmlns:m="http://schemas.openxmlformats.org/officeDocument/2006/math" xmlns:w="http://schemas.openxmlformats.org/wordprocessingml/2006/main" xmlns:mc="http://schemas.openxmlformats.org/markup-compatibility/2006" showMasterPhAnim="0" showMasterSp="1" show="1">
-  <p:cSld name="">
-    <p:spTree>
-      <p:nvGrpSpPr>
-        <p:cNvPr id="1" name=""/>
-        <p:cNvGrpSpPr/>
-        <p:nvPr/>
-      </p:nvGrpSpPr>
-      <p:grpSpPr bwMode="auto">
-        <a:xfrm>
-          <a:off x="0" y="0"/>
-          <a:ext cx="0" cy="0"/>
-          <a:chOff x="0" y="0"/>
-          <a:chExt cx="0" cy="0"/>
-        </a:xfrm>
-      </p:grpSpPr>
-      <p:sp>
-        <p:nvSpPr>
-          <p:cNvPr id="570904674" name="Title 1"/>
-          <p:cNvSpPr>
-            <a:spLocks noGrp="1"/>
-          </p:cNvSpPr>
-          <p:nvPr>
-            <p:ph type="title"/>
-          </p:nvPr>
-        </p:nvSpPr>
-        <p:spPr bwMode="auto"/>
-        <p:txBody>
-          <a:bodyPr/>
-          <a:lstStyle/>
-          <a:p>
-            <a:pPr>
-              <a:defRPr/>
-            </a:pPr>
-            <a:endParaRPr/>
-          </a:p>
-        </p:txBody>
-      </p:sp>
-      <p:sp>
-        <p:nvSpPr>
-          <p:cNvPr id="558698777" name="Content Placeholder 2"/>
-          <p:cNvSpPr>
-            <a:spLocks noGrp="1"/>
-          </p:cNvSpPr>
-          <p:nvPr>
-            <p:ph idx="1"/>
-          </p:nvPr>
-        </p:nvSpPr>
-        <p:spPr bwMode="auto"/>
-        <p:txBody>
-          <a:bodyPr/>
-          <a:lstStyle/>
-          <a:p>
-            <a:pPr>
-              <a:defRPr/>
-            </a:pPr>
-            <a:endParaRPr/>
-          </a:p>
-        </p:txBody>
-      </p:sp>
-    </p:spTree>
-  </p:cSld>
-  <p:clrMapOvr>
-    <a:masterClrMapping/>
-  </p:clrMapOvr>
-  <mc:AlternateContent xmlns:mc="http://schemas.openxmlformats.org/markup-compatibility/2006">
-    <mc:Choice xmlns:p159="http://schemas.microsoft.com/office/powerpoint/2015/09/main" xmlns:p14="http://schemas.microsoft.com/office/powerpoint/2010/main" Requires="p159">
-      <p:transition p14:dur="2000" advClick="1"/>
-    </mc:Choice>
-    <mc:Fallback>
-      <p:transition advClick="1"/>
-    </mc:Fallback>
-  </mc:AlternateContent>
-</p:sld>
-</file>
-
-<file path=ppt/slides/slide7.xml><?xml version="1.0" encoding="utf-8"?>
-<p:sld xmlns:a="http://schemas.openxmlformats.org/drawingml/2006/main" xmlns:r="http://schemas.openxmlformats.org/officeDocument/2006/relationships" xmlns:p="http://schemas.openxmlformats.org/presentationml/2006/main" xmlns:m="http://schemas.openxmlformats.org/officeDocument/2006/math" xmlns:w="http://schemas.openxmlformats.org/wordprocessingml/2006/main" xmlns:mc="http://schemas.openxmlformats.org/markup-compatibility/2006" showMasterPhAnim="0" showMasterSp="1" show="1">
-  <p:cSld name="">
-    <p:spTree>
-      <p:nvGrpSpPr>
-        <p:cNvPr id="1" name=""/>
-        <p:cNvGrpSpPr/>
-        <p:nvPr/>
-      </p:nvGrpSpPr>
-      <p:grpSpPr bwMode="auto">
-        <a:xfrm>
-          <a:off x="0" y="0"/>
-          <a:ext cx="0" cy="0"/>
-          <a:chOff x="0" y="0"/>
-          <a:chExt cx="0" cy="0"/>
-        </a:xfrm>
-      </p:grpSpPr>
-      <p:sp>
-        <p:nvSpPr>
-          <p:cNvPr id="862383392" name="Title 1"/>
-          <p:cNvSpPr>
-            <a:spLocks noGrp="1"/>
-          </p:cNvSpPr>
-          <p:nvPr>
-            <p:ph type="title"/>
-          </p:nvPr>
-        </p:nvSpPr>
-        <p:spPr bwMode="auto"/>
-        <p:txBody>
-          <a:bodyPr/>
-          <a:lstStyle/>
-          <a:p>
-            <a:pPr>
-              <a:defRPr/>
-            </a:pPr>
-            <a:r>
-              <a:rPr lang="en-GB"/>
-              <a:t>Assemblers Comparison</a:t>
-            </a:r>
-            <a:endParaRPr/>
-          </a:p>
-        </p:txBody>
-      </p:sp>
-      <p:graphicFrame>
-        <p:nvGraphicFramePr>
-          <p:cNvPr id="1496090574" name=""/>
+          <p:cNvPr id="1192523106" name=""/>
           <p:cNvGraphicFramePr>
             <a:graphicFrameLocks xmlns:a="http://schemas.openxmlformats.org/drawingml/2006/main"/>
           </p:cNvGraphicFramePr>
@@ -5476,7 +4996,7 @@
                 <a:gridCol w="2085408"/>
                 <a:gridCol w="2039184"/>
                 <a:gridCol w="1799996"/>
-                <a:gridCol w="2417042"/>
+                <a:gridCol w="2417041"/>
               </a:tblGrid>
               <a:tr h="642700">
                 <a:tc>
@@ -6406,6 +5926,2993 @@
 </p:sld>
 </file>
 
+<file path=ppt/slides/slide2.xml><?xml version="1.0" encoding="utf-8"?>
+<p:sld xmlns:a="http://schemas.openxmlformats.org/drawingml/2006/main" xmlns:r="http://schemas.openxmlformats.org/officeDocument/2006/relationships" xmlns:p="http://schemas.openxmlformats.org/presentationml/2006/main" xmlns:m="http://schemas.openxmlformats.org/officeDocument/2006/math" xmlns:w="http://schemas.openxmlformats.org/wordprocessingml/2006/main" xmlns:mc="http://schemas.openxmlformats.org/markup-compatibility/2006" showMasterPhAnim="0" showMasterSp="1" show="1">
+  <p:cSld name="">
+    <p:spTree>
+      <p:nvGrpSpPr>
+        <p:cNvPr id="1" name=""/>
+        <p:cNvGrpSpPr/>
+        <p:nvPr/>
+      </p:nvGrpSpPr>
+      <p:grpSpPr bwMode="auto">
+        <a:xfrm>
+          <a:off x="0" y="0"/>
+          <a:ext cx="0" cy="0"/>
+          <a:chOff x="0" y="0"/>
+          <a:chExt cx="0" cy="0"/>
+        </a:xfrm>
+      </p:grpSpPr>
+      <p:sp>
+        <p:nvSpPr>
+          <p:cNvPr id="1008639317" name="Title 1"/>
+          <p:cNvSpPr>
+            <a:spLocks noGrp="1"/>
+          </p:cNvSpPr>
+          <p:nvPr>
+            <p:ph type="title"/>
+          </p:nvPr>
+        </p:nvSpPr>
+        <p:spPr bwMode="auto"/>
+        <p:txBody>
+          <a:bodyPr/>
+          <a:lstStyle/>
+          <a:p>
+            <a:pPr>
+              <a:defRPr/>
+            </a:pPr>
+            <a:endParaRPr lang="en-GB"/>
+          </a:p>
+        </p:txBody>
+      </p:sp>
+      <p:sp>
+        <p:nvSpPr>
+          <p:cNvPr id="328815111" name="Content Placeholder 2"/>
+          <p:cNvSpPr>
+            <a:spLocks noGrp="1"/>
+          </p:cNvSpPr>
+          <p:nvPr>
+            <p:ph idx="1"/>
+          </p:nvPr>
+        </p:nvSpPr>
+        <p:spPr bwMode="auto"/>
+        <p:txBody>
+          <a:bodyPr/>
+          <a:lstStyle/>
+          <a:p>
+            <a:pPr>
+              <a:defRPr/>
+            </a:pPr>
+            <a:endParaRPr lang="en-GB"/>
+          </a:p>
+        </p:txBody>
+      </p:sp>
+    </p:spTree>
+  </p:cSld>
+  <p:clrMapOvr>
+    <a:masterClrMapping/>
+  </p:clrMapOvr>
+  <mc:AlternateContent xmlns:mc="http://schemas.openxmlformats.org/markup-compatibility/2006">
+    <mc:Choice xmlns:p159="http://schemas.microsoft.com/office/powerpoint/2015/09/main" xmlns:p14="http://schemas.microsoft.com/office/powerpoint/2010/main" Requires="p159">
+      <p:transition p14:dur="2000" advClick="1"/>
+    </mc:Choice>
+    <mc:Fallback>
+      <p:transition advClick="1"/>
+    </mc:Fallback>
+  </mc:AlternateContent>
+</p:sld>
+</file>
+
+<file path=ppt/slides/slide3.xml><?xml version="1.0" encoding="utf-8"?>
+<p:sld xmlns:a="http://schemas.openxmlformats.org/drawingml/2006/main" xmlns:r="http://schemas.openxmlformats.org/officeDocument/2006/relationships" xmlns:p="http://schemas.openxmlformats.org/presentationml/2006/main" xmlns:m="http://schemas.openxmlformats.org/officeDocument/2006/math" xmlns:w="http://schemas.openxmlformats.org/wordprocessingml/2006/main" xmlns:mc="http://schemas.openxmlformats.org/markup-compatibility/2006" showMasterPhAnim="0" showMasterSp="1" show="1">
+  <p:cSld name="">
+    <p:spTree>
+      <p:nvGrpSpPr>
+        <p:cNvPr id="1" name=""/>
+        <p:cNvGrpSpPr/>
+        <p:nvPr/>
+      </p:nvGrpSpPr>
+      <p:grpSpPr bwMode="auto">
+        <a:xfrm>
+          <a:off x="0" y="0"/>
+          <a:ext cx="0" cy="0"/>
+          <a:chOff x="0" y="0"/>
+          <a:chExt cx="0" cy="0"/>
+        </a:xfrm>
+      </p:grpSpPr>
+      <p:sp>
+        <p:nvSpPr>
+          <p:cNvPr id="1224131181" name="Title 1"/>
+          <p:cNvSpPr>
+            <a:spLocks noGrp="1"/>
+          </p:cNvSpPr>
+          <p:nvPr>
+            <p:ph type="title"/>
+          </p:nvPr>
+        </p:nvSpPr>
+        <p:spPr bwMode="auto"/>
+        <p:txBody>
+          <a:bodyPr/>
+          <a:lstStyle/>
+          <a:p>
+            <a:pPr>
+              <a:defRPr/>
+            </a:pPr>
+            <a:endParaRPr lang="en-GB"/>
+          </a:p>
+        </p:txBody>
+      </p:sp>
+      <p:sp>
+        <p:nvSpPr>
+          <p:cNvPr id="2048109764" name="Content Placeholder 2"/>
+          <p:cNvSpPr>
+            <a:spLocks noGrp="1"/>
+          </p:cNvSpPr>
+          <p:nvPr>
+            <p:ph idx="1"/>
+          </p:nvPr>
+        </p:nvSpPr>
+        <p:spPr bwMode="auto"/>
+        <p:txBody>
+          <a:bodyPr/>
+          <a:lstStyle/>
+          <a:p>
+            <a:pPr>
+              <a:defRPr/>
+            </a:pPr>
+            <a:endParaRPr lang="en-GB"/>
+          </a:p>
+        </p:txBody>
+      </p:sp>
+    </p:spTree>
+  </p:cSld>
+  <p:clrMapOvr>
+    <a:masterClrMapping/>
+  </p:clrMapOvr>
+  <mc:AlternateContent xmlns:mc="http://schemas.openxmlformats.org/markup-compatibility/2006">
+    <mc:Choice xmlns:p159="http://schemas.microsoft.com/office/powerpoint/2015/09/main" xmlns:p14="http://schemas.microsoft.com/office/powerpoint/2010/main" Requires="p159">
+      <p:transition p14:dur="2000" advClick="1"/>
+    </mc:Choice>
+    <mc:Fallback>
+      <p:transition advClick="1"/>
+    </mc:Fallback>
+  </mc:AlternateContent>
+</p:sld>
+</file>
+
+<file path=ppt/slides/slide4.xml><?xml version="1.0" encoding="utf-8"?>
+<p:sld xmlns:a="http://schemas.openxmlformats.org/drawingml/2006/main" xmlns:r="http://schemas.openxmlformats.org/officeDocument/2006/relationships" xmlns:p="http://schemas.openxmlformats.org/presentationml/2006/main" xmlns:m="http://schemas.openxmlformats.org/officeDocument/2006/math" xmlns:w="http://schemas.openxmlformats.org/wordprocessingml/2006/main" xmlns:mc="http://schemas.openxmlformats.org/markup-compatibility/2006" showMasterPhAnim="0" showMasterSp="1" show="1">
+  <p:cSld name="">
+    <p:spTree>
+      <p:nvGrpSpPr>
+        <p:cNvPr id="1" name=""/>
+        <p:cNvGrpSpPr/>
+        <p:nvPr/>
+      </p:nvGrpSpPr>
+      <p:grpSpPr bwMode="auto">
+        <a:xfrm>
+          <a:off x="0" y="0"/>
+          <a:ext cx="0" cy="0"/>
+          <a:chOff x="0" y="0"/>
+          <a:chExt cx="0" cy="0"/>
+        </a:xfrm>
+      </p:grpSpPr>
+      <p:sp>
+        <p:nvSpPr>
+          <p:cNvPr id="364952867" name="Title 1"/>
+          <p:cNvSpPr>
+            <a:spLocks noGrp="1"/>
+          </p:cNvSpPr>
+          <p:nvPr>
+            <p:ph type="title"/>
+          </p:nvPr>
+        </p:nvSpPr>
+        <p:spPr bwMode="auto"/>
+        <p:txBody>
+          <a:bodyPr/>
+          <a:lstStyle/>
+          <a:p>
+            <a:pPr>
+              <a:defRPr/>
+            </a:pPr>
+            <a:endParaRPr lang="en-GB"/>
+          </a:p>
+        </p:txBody>
+      </p:sp>
+      <p:graphicFrame>
+        <p:nvGraphicFramePr>
+          <p:cNvPr id="728032314" name="Content Placeholder 3"/>
+          <p:cNvGraphicFramePr>
+            <a:graphicFrameLocks xmlns:a="http://schemas.openxmlformats.org/drawingml/2006/main" noGrp="1"/>
+          </p:cNvGraphicFramePr>
+          <p:nvPr>
+            <p:ph idx="1"/>
+          </p:nvPr>
+        </p:nvGraphicFramePr>
+        <p:xfrm rot="0">
+          <a:off x="825498" y="2087217"/>
+          <a:ext cx="10528299" cy="3835972"/>
+        </p:xfrm>
+        <a:graphic>
+          <a:graphicData uri="http://schemas.openxmlformats.org/drawingml/2006/table">
+            <a:tbl>
+              <a:tblPr firstRow="1" firstCol="1" lastRow="0" lastCol="0" bandRow="1" bandCol="0">
+                <a:tableStyleId>{5C22544A-7EE6-4342-B048-85BDC9FD1C3A}</a:tableStyleId>
+              </a:tblPr>
+              <a:tblGrid>
+                <a:gridCol w="3634409"/>
+                <a:gridCol w="6881191"/>
+              </a:tblGrid>
+              <a:tr h="755374">
+                <a:tc>
+                  <a:txBody>
+                    <a:bodyPr/>
+                    <a:p>
+                      <a:pPr algn="ctr">
+                        <a:lnSpc>
+                          <a:spcPct val="107000"/>
+                        </a:lnSpc>
+                        <a:spcAft>
+                          <a:spcPts val="800"/>
+                        </a:spcAft>
+                        <a:defRPr/>
+                      </a:pPr>
+                      <a:r>
+                        <a:rPr lang="en-GB" sz="2400"/>
+                        <a:t>Rover</a:t>
+                      </a:r>
+                      <a:endParaRPr lang="en-GB" sz="2000">
+                        <a:latin typeface="Calibri"/>
+                        <a:ea typeface="Calibri"/>
+                        <a:cs typeface="Arial"/>
+                      </a:endParaRPr>
+                    </a:p>
+                  </a:txBody>
+                  <a:tcPr marL="9525" marR="9525" marT="9525" marB="9525" anchor="ctr"/>
+                </a:tc>
+                <a:tc>
+                  <a:txBody>
+                    <a:bodyPr/>
+                    <a:p>
+                      <a:pPr algn="ctr">
+                        <a:lnSpc>
+                          <a:spcPct val="107000"/>
+                        </a:lnSpc>
+                        <a:spcAft>
+                          <a:spcPts val="800"/>
+                        </a:spcAft>
+                        <a:defRPr/>
+                      </a:pPr>
+                      <a:r>
+                        <a:rPr lang="en-GB" sz="2400"/>
+                        <a:t>Primary Onboard Programming Languages</a:t>
+                      </a:r>
+                      <a:endParaRPr lang="en-GB" sz="2000">
+                        <a:latin typeface="Calibri"/>
+                        <a:ea typeface="Calibri"/>
+                        <a:cs typeface="Arial"/>
+                      </a:endParaRPr>
+                    </a:p>
+                  </a:txBody>
+                  <a:tcPr marL="9525" marR="9525" marT="9525" marB="9525" anchor="ctr"/>
+                </a:tc>
+              </a:tr>
+              <a:tr h="755374">
+                <a:tc>
+                  <a:txBody>
+                    <a:bodyPr/>
+                    <a:p>
+                      <a:pPr>
+                        <a:lnSpc>
+                          <a:spcPct val="107000"/>
+                        </a:lnSpc>
+                        <a:spcAft>
+                          <a:spcPts val="800"/>
+                        </a:spcAft>
+                        <a:defRPr/>
+                      </a:pPr>
+                      <a:r>
+                        <a:rPr lang="en-GB" sz="2400" b="0"/>
+                        <a:t>Sojourner (1997)</a:t>
+                      </a:r>
+                      <a:endParaRPr sz="2000" b="0">
+                        <a:latin typeface="Calibri"/>
+                        <a:ea typeface="Calibri"/>
+                        <a:cs typeface="Arial"/>
+                      </a:endParaRPr>
+                    </a:p>
+                  </a:txBody>
+                  <a:tcPr marL="9525" marR="9525" marT="9525" marB="9525" anchor="ctr"/>
+                </a:tc>
+                <a:tc>
+                  <a:txBody>
+                    <a:bodyPr/>
+                    <a:p>
+                      <a:pPr algn="ctr">
+                        <a:lnSpc>
+                          <a:spcPct val="107000"/>
+                        </a:lnSpc>
+                        <a:spcAft>
+                          <a:spcPts val="800"/>
+                        </a:spcAft>
+                        <a:defRPr/>
+                      </a:pPr>
+                      <a:r>
+                        <a:rPr lang="en-GB" sz="2400"/>
+                        <a:t>C &amp; low-level code (some assembly)</a:t>
+                      </a:r>
+                      <a:endParaRPr lang="en-GB" sz="2000">
+                        <a:latin typeface="Calibri"/>
+                        <a:ea typeface="Calibri"/>
+                        <a:cs typeface="Arial"/>
+                      </a:endParaRPr>
+                    </a:p>
+                  </a:txBody>
+                  <a:tcPr marL="9525" marR="9525" marT="9525" marB="9525" anchor="ctr"/>
+                </a:tc>
+              </a:tr>
+              <a:tr h="755374">
+                <a:tc>
+                  <a:txBody>
+                    <a:bodyPr/>
+                    <a:p>
+                      <a:pPr>
+                        <a:lnSpc>
+                          <a:spcPct val="107000"/>
+                        </a:lnSpc>
+                        <a:spcAft>
+                          <a:spcPts val="800"/>
+                        </a:spcAft>
+                        <a:defRPr/>
+                      </a:pPr>
+                      <a:r>
+                        <a:rPr lang="en-GB" sz="2400" b="0"/>
+                        <a:t>Spirit &amp; Opportunity (2004)</a:t>
+                      </a:r>
+                      <a:endParaRPr sz="2000" b="0">
+                        <a:latin typeface="Calibri"/>
+                        <a:ea typeface="Calibri"/>
+                        <a:cs typeface="Arial"/>
+                      </a:endParaRPr>
+                    </a:p>
+                  </a:txBody>
+                  <a:tcPr marL="9525" marR="9525" marT="9525" marB="9525" anchor="ctr"/>
+                </a:tc>
+                <a:tc>
+                  <a:txBody>
+                    <a:bodyPr/>
+                    <a:p>
+                      <a:pPr algn="ctr">
+                        <a:lnSpc>
+                          <a:spcPct val="107000"/>
+                        </a:lnSpc>
+                        <a:spcAft>
+                          <a:spcPts val="800"/>
+                        </a:spcAft>
+                        <a:defRPr/>
+                      </a:pPr>
+                      <a:r>
+                        <a:rPr lang="en-GB" sz="2400"/>
+                        <a:t>Mostly C (with some assembly/C++)</a:t>
+                      </a:r>
+                      <a:endParaRPr lang="en-GB" sz="2000">
+                        <a:latin typeface="Calibri"/>
+                        <a:ea typeface="Calibri"/>
+                        <a:cs typeface="Arial"/>
+                      </a:endParaRPr>
+                    </a:p>
+                  </a:txBody>
+                  <a:tcPr marL="9525" marR="9525" marT="9525" marB="9525" anchor="ctr"/>
+                </a:tc>
+              </a:tr>
+              <a:tr h="755374">
+                <a:tc>
+                  <a:txBody>
+                    <a:bodyPr/>
+                    <a:p>
+                      <a:pPr>
+                        <a:lnSpc>
+                          <a:spcPct val="107000"/>
+                        </a:lnSpc>
+                        <a:spcAft>
+                          <a:spcPts val="800"/>
+                        </a:spcAft>
+                        <a:defRPr/>
+                      </a:pPr>
+                      <a:r>
+                        <a:rPr lang="en-GB" sz="2400" b="0"/>
+                        <a:t>Curiosity (2011)</a:t>
+                      </a:r>
+                      <a:endParaRPr sz="2000" b="0">
+                        <a:latin typeface="Calibri"/>
+                        <a:ea typeface="Calibri"/>
+                        <a:cs typeface="Arial"/>
+                      </a:endParaRPr>
+                    </a:p>
+                  </a:txBody>
+                  <a:tcPr marL="9525" marR="9525" marT="9525" marB="9525" anchor="ctr"/>
+                </a:tc>
+                <a:tc>
+                  <a:txBody>
+                    <a:bodyPr/>
+                    <a:p>
+                      <a:pPr algn="ctr">
+                        <a:lnSpc>
+                          <a:spcPct val="107000"/>
+                        </a:lnSpc>
+                        <a:spcAft>
+                          <a:spcPts val="800"/>
+                        </a:spcAft>
+                        <a:defRPr/>
+                      </a:pPr>
+                      <a:r>
+                        <a:rPr lang="en-GB" sz="2400"/>
+                        <a:t>Mostly C (with some C++ and support scripts)</a:t>
+                      </a:r>
+                      <a:endParaRPr lang="en-GB" sz="2000">
+                        <a:latin typeface="Calibri"/>
+                        <a:ea typeface="Calibri"/>
+                        <a:cs typeface="Arial"/>
+                      </a:endParaRPr>
+                    </a:p>
+                  </a:txBody>
+                  <a:tcPr marL="9525" marR="9525" marT="9525" marB="9525" anchor="ctr"/>
+                </a:tc>
+              </a:tr>
+              <a:tr h="755374">
+                <a:tc>
+                  <a:txBody>
+                    <a:bodyPr/>
+                    <a:p>
+                      <a:pPr>
+                        <a:lnSpc>
+                          <a:spcPct val="107000"/>
+                        </a:lnSpc>
+                        <a:spcAft>
+                          <a:spcPts val="800"/>
+                        </a:spcAft>
+                        <a:defRPr/>
+                      </a:pPr>
+                      <a:r>
+                        <a:rPr lang="en-GB" sz="2400" b="0"/>
+                        <a:t>Perseverance (2020)</a:t>
+                      </a:r>
+                      <a:endParaRPr sz="2000" b="0">
+                        <a:latin typeface="Calibri"/>
+                        <a:ea typeface="Calibri"/>
+                        <a:cs typeface="Arial"/>
+                      </a:endParaRPr>
+                    </a:p>
+                  </a:txBody>
+                  <a:tcPr marL="9525" marR="9525" marT="9525" marB="9525" anchor="ctr"/>
+                </a:tc>
+                <a:tc>
+                  <a:txBody>
+                    <a:bodyPr/>
+                    <a:p>
+                      <a:pPr algn="ctr">
+                        <a:lnSpc>
+                          <a:spcPct val="107000"/>
+                        </a:lnSpc>
+                        <a:spcAft>
+                          <a:spcPts val="800"/>
+                        </a:spcAft>
+                        <a:defRPr/>
+                      </a:pPr>
+                      <a:r>
+                        <a:rPr lang="en-GB" sz="2400"/>
+                        <a:t>Mostly C/C++ (with automation languages like PLEXIL for specific subsystems)</a:t>
+                      </a:r>
+                      <a:endParaRPr lang="en-GB" sz="2000">
+                        <a:latin typeface="Calibri"/>
+                        <a:ea typeface="Calibri"/>
+                        <a:cs typeface="Arial"/>
+                      </a:endParaRPr>
+                    </a:p>
+                  </a:txBody>
+                  <a:tcPr marL="9525" marR="9525" marT="9525" marB="9525" anchor="ctr"/>
+                </a:tc>
+              </a:tr>
+            </a:tbl>
+          </a:graphicData>
+        </a:graphic>
+      </p:graphicFrame>
+    </p:spTree>
+  </p:cSld>
+  <p:clrMapOvr>
+    <a:masterClrMapping/>
+  </p:clrMapOvr>
+  <mc:AlternateContent xmlns:mc="http://schemas.openxmlformats.org/markup-compatibility/2006">
+    <mc:Choice xmlns:p159="http://schemas.microsoft.com/office/powerpoint/2015/09/main" xmlns:p14="http://schemas.microsoft.com/office/powerpoint/2010/main" Requires="p159">
+      <p:transition p14:dur="2000" advClick="1"/>
+    </mc:Choice>
+    <mc:Fallback>
+      <p:transition advClick="1"/>
+    </mc:Fallback>
+  </mc:AlternateContent>
+</p:sld>
+</file>
+
+<file path=ppt/slides/slide5.xml><?xml version="1.0" encoding="utf-8"?>
+<p:sld xmlns:a="http://schemas.openxmlformats.org/drawingml/2006/main" xmlns:r="http://schemas.openxmlformats.org/officeDocument/2006/relationships" xmlns:p="http://schemas.openxmlformats.org/presentationml/2006/main" xmlns:m="http://schemas.openxmlformats.org/officeDocument/2006/math" xmlns:w="http://schemas.openxmlformats.org/wordprocessingml/2006/main" xmlns:mc="http://schemas.openxmlformats.org/markup-compatibility/2006" showMasterPhAnim="0" showMasterSp="1" show="1">
+  <p:cSld name="">
+    <p:spTree>
+      <p:nvGrpSpPr>
+        <p:cNvPr id="1" name=""/>
+        <p:cNvGrpSpPr/>
+        <p:nvPr/>
+      </p:nvGrpSpPr>
+      <p:grpSpPr bwMode="auto">
+        <a:xfrm>
+          <a:off x="0" y="0"/>
+          <a:ext cx="0" cy="0"/>
+          <a:chOff x="0" y="0"/>
+          <a:chExt cx="0" cy="0"/>
+        </a:xfrm>
+      </p:grpSpPr>
+      <p:sp>
+        <p:nvSpPr>
+          <p:cNvPr id="1423222406" name="Title 1"/>
+          <p:cNvSpPr>
+            <a:spLocks noGrp="1"/>
+          </p:cNvSpPr>
+          <p:nvPr>
+            <p:ph type="title"/>
+          </p:nvPr>
+        </p:nvSpPr>
+        <p:spPr bwMode="auto"/>
+        <p:txBody>
+          <a:bodyPr/>
+          <a:lstStyle/>
+          <a:p>
+            <a:pPr>
+              <a:defRPr/>
+            </a:pPr>
+            <a:endParaRPr lang="en-GB"/>
+          </a:p>
+        </p:txBody>
+      </p:sp>
+      <p:graphicFrame>
+        <p:nvGraphicFramePr>
+          <p:cNvPr id="1441637937" name="Content Placeholder 3"/>
+          <p:cNvGraphicFramePr>
+            <a:graphicFrameLocks xmlns:a="http://schemas.openxmlformats.org/drawingml/2006/main" noGrp="1"/>
+          </p:cNvGraphicFramePr>
+          <p:nvPr>
+            <p:ph idx="1"/>
+          </p:nvPr>
+        </p:nvGraphicFramePr>
+        <p:xfrm rot="0">
+          <a:off x="838200" y="1878496"/>
+          <a:ext cx="10515600" cy="4184375"/>
+        </p:xfrm>
+        <a:graphic>
+          <a:graphicData uri="http://schemas.openxmlformats.org/drawingml/2006/table">
+            <a:tbl>
+              <a:tblPr firstRow="1" firstCol="1" lastRow="0" lastCol="0" bandRow="1" bandCol="0">
+                <a:tableStyleId>{5C22544A-7EE6-4342-B048-85BDC9FD1C3A}</a:tableStyleId>
+              </a:tblPr>
+              <a:tblGrid>
+                <a:gridCol w="1984513"/>
+                <a:gridCol w="4750904"/>
+                <a:gridCol w="3780183"/>
+              </a:tblGrid>
+              <a:tr h="462700">
+                <a:tc>
+                  <a:txBody>
+                    <a:bodyPr/>
+                    <a:p>
+                      <a:pPr>
+                        <a:lnSpc>
+                          <a:spcPct val="107000"/>
+                        </a:lnSpc>
+                        <a:spcAft>
+                          <a:spcPts val="800"/>
+                        </a:spcAft>
+                        <a:defRPr/>
+                      </a:pPr>
+                      <a:r>
+                        <a:rPr lang="en-GB" sz="2400"/>
+                        <a:t>Category</a:t>
+                      </a:r>
+                      <a:endParaRPr lang="en-GB" sz="2000">
+                        <a:latin typeface="Calibri"/>
+                        <a:ea typeface="Calibri"/>
+                        <a:cs typeface="Arial"/>
+                      </a:endParaRPr>
+                    </a:p>
+                  </a:txBody>
+                  <a:tcPr marL="9525" marR="9525" marT="9525" marB="9525" anchor="ctr"/>
+                </a:tc>
+                <a:tc>
+                  <a:txBody>
+                    <a:bodyPr/>
+                    <a:p>
+                      <a:pPr algn="ctr">
+                        <a:lnSpc>
+                          <a:spcPct val="107000"/>
+                        </a:lnSpc>
+                        <a:spcAft>
+                          <a:spcPts val="800"/>
+                        </a:spcAft>
+                        <a:defRPr/>
+                      </a:pPr>
+                      <a:r>
+                        <a:rPr lang="en-GB" sz="2400"/>
+                        <a:t>Neuromorphic</a:t>
+                      </a:r>
+                      <a:endParaRPr lang="en-GB" sz="2000">
+                        <a:latin typeface="Calibri"/>
+                        <a:ea typeface="Calibri"/>
+                        <a:cs typeface="Arial"/>
+                      </a:endParaRPr>
+                    </a:p>
+                  </a:txBody>
+                  <a:tcPr marL="9525" marR="9525" marT="9525" marB="9525" anchor="ctr"/>
+                </a:tc>
+                <a:tc>
+                  <a:txBody>
+                    <a:bodyPr/>
+                    <a:p>
+                      <a:pPr algn="ctr">
+                        <a:lnSpc>
+                          <a:spcPct val="107000"/>
+                        </a:lnSpc>
+                        <a:spcAft>
+                          <a:spcPts val="800"/>
+                        </a:spcAft>
+                        <a:defRPr/>
+                      </a:pPr>
+                      <a:r>
+                        <a:rPr lang="en-GB" sz="2400"/>
+                        <a:t>Quantum</a:t>
+                      </a:r>
+                      <a:endParaRPr lang="en-GB" sz="2000">
+                        <a:latin typeface="Calibri"/>
+                        <a:ea typeface="Calibri"/>
+                        <a:cs typeface="Arial"/>
+                      </a:endParaRPr>
+                    </a:p>
+                  </a:txBody>
+                  <a:tcPr marL="9525" marR="9525" marT="9525" marB="9525" anchor="ctr"/>
+                </a:tc>
+              </a:tr>
+              <a:tr h="424878">
+                <a:tc>
+                  <a:txBody>
+                    <a:bodyPr/>
+                    <a:p>
+                      <a:pPr>
+                        <a:lnSpc>
+                          <a:spcPct val="107000"/>
+                        </a:lnSpc>
+                        <a:spcAft>
+                          <a:spcPts val="800"/>
+                        </a:spcAft>
+                        <a:defRPr/>
+                      </a:pPr>
+                      <a:r>
+                        <a:rPr lang="en-GB" sz="2400" b="0"/>
+                        <a:t>Inspiration</a:t>
+                      </a:r>
+                      <a:endParaRPr sz="2000" b="0">
+                        <a:latin typeface="Calibri"/>
+                        <a:ea typeface="Calibri"/>
+                        <a:cs typeface="Arial"/>
+                      </a:endParaRPr>
+                    </a:p>
+                  </a:txBody>
+                  <a:tcPr marL="9525" marR="9525" marT="9525" marB="9525" anchor="ctr"/>
+                </a:tc>
+                <a:tc>
+                  <a:txBody>
+                    <a:bodyPr/>
+                    <a:p>
+                      <a:pPr algn="ctr">
+                        <a:lnSpc>
+                          <a:spcPct val="107000"/>
+                        </a:lnSpc>
+                        <a:spcAft>
+                          <a:spcPts val="800"/>
+                        </a:spcAft>
+                        <a:defRPr/>
+                      </a:pPr>
+                      <a:r>
+                        <a:rPr lang="en-GB" sz="2400"/>
+                        <a:t>Human brain</a:t>
+                      </a:r>
+                      <a:endParaRPr lang="en-GB" sz="2000">
+                        <a:latin typeface="Calibri"/>
+                        <a:ea typeface="Calibri"/>
+                        <a:cs typeface="Arial"/>
+                      </a:endParaRPr>
+                    </a:p>
+                  </a:txBody>
+                  <a:tcPr marL="9525" marR="9525" marT="9525" marB="9525" anchor="ctr"/>
+                </a:tc>
+                <a:tc>
+                  <a:txBody>
+                    <a:bodyPr/>
+                    <a:p>
+                      <a:pPr algn="ctr">
+                        <a:lnSpc>
+                          <a:spcPct val="107000"/>
+                        </a:lnSpc>
+                        <a:spcAft>
+                          <a:spcPts val="800"/>
+                        </a:spcAft>
+                        <a:defRPr/>
+                      </a:pPr>
+                      <a:r>
+                        <a:rPr lang="en-GB" sz="2400"/>
+                        <a:t>Quantum physics</a:t>
+                      </a:r>
+                      <a:endParaRPr lang="en-GB" sz="2000">
+                        <a:latin typeface="Calibri"/>
+                        <a:ea typeface="Calibri"/>
+                        <a:cs typeface="Arial"/>
+                      </a:endParaRPr>
+                    </a:p>
+                  </a:txBody>
+                  <a:tcPr marL="9525" marR="9525" marT="9525" marB="9525" anchor="ctr"/>
+                </a:tc>
+              </a:tr>
+              <a:tr h="424878">
+                <a:tc>
+                  <a:txBody>
+                    <a:bodyPr/>
+                    <a:p>
+                      <a:pPr>
+                        <a:lnSpc>
+                          <a:spcPct val="107000"/>
+                        </a:lnSpc>
+                        <a:spcAft>
+                          <a:spcPts val="800"/>
+                        </a:spcAft>
+                        <a:defRPr/>
+                      </a:pPr>
+                      <a:r>
+                        <a:rPr lang="en-GB" sz="2400" b="0"/>
+                        <a:t>Hardware</a:t>
+                      </a:r>
+                      <a:endParaRPr sz="2000" b="0">
+                        <a:latin typeface="Calibri"/>
+                        <a:ea typeface="Calibri"/>
+                        <a:cs typeface="Arial"/>
+                      </a:endParaRPr>
+                    </a:p>
+                  </a:txBody>
+                  <a:tcPr marL="9525" marR="9525" marT="9525" marB="9525" anchor="ctr"/>
+                </a:tc>
+                <a:tc>
+                  <a:txBody>
+                    <a:bodyPr/>
+                    <a:p>
+                      <a:pPr algn="ctr">
+                        <a:lnSpc>
+                          <a:spcPct val="107000"/>
+                        </a:lnSpc>
+                        <a:spcAft>
+                          <a:spcPts val="800"/>
+                        </a:spcAft>
+                        <a:defRPr/>
+                      </a:pPr>
+                      <a:r>
+                        <a:rPr lang="en-GB" sz="2400"/>
+                        <a:t>Spiking neural chips</a:t>
+                      </a:r>
+                      <a:endParaRPr lang="en-GB" sz="2000">
+                        <a:latin typeface="Calibri"/>
+                        <a:ea typeface="Calibri"/>
+                        <a:cs typeface="Arial"/>
+                      </a:endParaRPr>
+                    </a:p>
+                  </a:txBody>
+                  <a:tcPr marL="9525" marR="9525" marT="9525" marB="9525" anchor="ctr"/>
+                </a:tc>
+                <a:tc>
+                  <a:txBody>
+                    <a:bodyPr/>
+                    <a:p>
+                      <a:pPr algn="ctr">
+                        <a:lnSpc>
+                          <a:spcPct val="107000"/>
+                        </a:lnSpc>
+                        <a:spcAft>
+                          <a:spcPts val="800"/>
+                        </a:spcAft>
+                        <a:defRPr/>
+                      </a:pPr>
+                      <a:r>
+                        <a:rPr lang="en-GB" sz="2400"/>
+                        <a:t>Qubits in cryogenic systems</a:t>
+                      </a:r>
+                      <a:endParaRPr lang="en-GB" sz="2000">
+                        <a:latin typeface="Calibri"/>
+                        <a:ea typeface="Calibri"/>
+                        <a:cs typeface="Arial"/>
+                      </a:endParaRPr>
+                    </a:p>
+                  </a:txBody>
+                  <a:tcPr marL="9525" marR="9525" marT="9525" marB="9525" anchor="ctr"/>
+                </a:tc>
+              </a:tr>
+              <a:tr h="828288">
+                <a:tc>
+                  <a:txBody>
+                    <a:bodyPr/>
+                    <a:p>
+                      <a:pPr>
+                        <a:lnSpc>
+                          <a:spcPct val="107000"/>
+                        </a:lnSpc>
+                        <a:spcAft>
+                          <a:spcPts val="800"/>
+                        </a:spcAft>
+                        <a:defRPr/>
+                      </a:pPr>
+                      <a:r>
+                        <a:rPr lang="en-GB" sz="2400" b="0"/>
+                        <a:t>Strengths</a:t>
+                      </a:r>
+                      <a:endParaRPr sz="2000" b="0">
+                        <a:latin typeface="Calibri"/>
+                        <a:ea typeface="Calibri"/>
+                        <a:cs typeface="Arial"/>
+                      </a:endParaRPr>
+                    </a:p>
+                  </a:txBody>
+                  <a:tcPr marL="9525" marR="9525" marT="9525" marB="9525" anchor="ctr"/>
+                </a:tc>
+                <a:tc>
+                  <a:txBody>
+                    <a:bodyPr/>
+                    <a:p>
+                      <a:pPr algn="ctr">
+                        <a:lnSpc>
+                          <a:spcPct val="107000"/>
+                        </a:lnSpc>
+                        <a:spcAft>
+                          <a:spcPts val="800"/>
+                        </a:spcAft>
+                        <a:defRPr/>
+                      </a:pPr>
+                      <a:r>
+                        <a:rPr lang="en-GB" sz="2400"/>
+                        <a:t>Low power, real-time learning</a:t>
+                      </a:r>
+                      <a:endParaRPr lang="en-GB" sz="2000">
+                        <a:latin typeface="Calibri"/>
+                        <a:ea typeface="Calibri"/>
+                        <a:cs typeface="Arial"/>
+                      </a:endParaRPr>
+                    </a:p>
+                  </a:txBody>
+                  <a:tcPr marL="9525" marR="9525" marT="9525" marB="9525" anchor="ctr"/>
+                </a:tc>
+                <a:tc>
+                  <a:txBody>
+                    <a:bodyPr/>
+                    <a:p>
+                      <a:pPr algn="ctr">
+                        <a:lnSpc>
+                          <a:spcPct val="107000"/>
+                        </a:lnSpc>
+                        <a:spcAft>
+                          <a:spcPts val="800"/>
+                        </a:spcAft>
+                        <a:defRPr/>
+                      </a:pPr>
+                      <a:r>
+                        <a:rPr lang="en-GB" sz="2400"/>
+                        <a:t>Huge theoretical computational power</a:t>
+                      </a:r>
+                      <a:endParaRPr lang="en-GB" sz="2000">
+                        <a:latin typeface="Calibri"/>
+                        <a:ea typeface="Calibri"/>
+                        <a:cs typeface="Arial"/>
+                      </a:endParaRPr>
+                    </a:p>
+                  </a:txBody>
+                  <a:tcPr marL="9525" marR="9525" marT="9525" marB="9525" anchor="ctr"/>
+                </a:tc>
+              </a:tr>
+              <a:tr h="828288">
+                <a:tc>
+                  <a:txBody>
+                    <a:bodyPr/>
+                    <a:p>
+                      <a:pPr>
+                        <a:lnSpc>
+                          <a:spcPct val="107000"/>
+                        </a:lnSpc>
+                        <a:spcAft>
+                          <a:spcPts val="800"/>
+                        </a:spcAft>
+                        <a:defRPr/>
+                      </a:pPr>
+                      <a:r>
+                        <a:rPr lang="en-GB" sz="2400" b="0"/>
+                        <a:t>Weaknesses</a:t>
+                      </a:r>
+                      <a:endParaRPr sz="2000" b="0">
+                        <a:latin typeface="Calibri"/>
+                        <a:ea typeface="Calibri"/>
+                        <a:cs typeface="Arial"/>
+                      </a:endParaRPr>
+                    </a:p>
+                  </a:txBody>
+                  <a:tcPr marL="9525" marR="9525" marT="9525" marB="9525" anchor="ctr"/>
+                </a:tc>
+                <a:tc>
+                  <a:txBody>
+                    <a:bodyPr/>
+                    <a:p>
+                      <a:pPr algn="ctr">
+                        <a:lnSpc>
+                          <a:spcPct val="107000"/>
+                        </a:lnSpc>
+                        <a:spcAft>
+                          <a:spcPts val="800"/>
+                        </a:spcAft>
+                        <a:defRPr/>
+                      </a:pPr>
+                      <a:r>
+                        <a:rPr lang="en-GB" sz="2400"/>
+                        <a:t>Not great at math-heavy computing</a:t>
+                      </a:r>
+                      <a:endParaRPr lang="en-GB" sz="2000">
+                        <a:latin typeface="Calibri"/>
+                        <a:ea typeface="Calibri"/>
+                        <a:cs typeface="Arial"/>
+                      </a:endParaRPr>
+                    </a:p>
+                  </a:txBody>
+                  <a:tcPr marL="9525" marR="9525" marT="9525" marB="9525" anchor="ctr"/>
+                </a:tc>
+                <a:tc>
+                  <a:txBody>
+                    <a:bodyPr/>
+                    <a:p>
+                      <a:pPr algn="ctr">
+                        <a:lnSpc>
+                          <a:spcPct val="107000"/>
+                        </a:lnSpc>
+                        <a:spcAft>
+                          <a:spcPts val="800"/>
+                        </a:spcAft>
+                        <a:defRPr/>
+                      </a:pPr>
+                      <a:r>
+                        <a:rPr lang="en-GB" sz="2400"/>
+                        <a:t>Error-prone, hard to scale</a:t>
+                      </a:r>
+                      <a:endParaRPr lang="en-GB" sz="2000">
+                        <a:latin typeface="Calibri"/>
+                        <a:ea typeface="Calibri"/>
+                        <a:cs typeface="Arial"/>
+                      </a:endParaRPr>
+                    </a:p>
+                  </a:txBody>
+                  <a:tcPr marL="9525" marR="9525" marT="9525" marB="9525" anchor="ctr"/>
+                </a:tc>
+              </a:tr>
+              <a:tr h="424878">
+                <a:tc>
+                  <a:txBody>
+                    <a:bodyPr/>
+                    <a:p>
+                      <a:pPr>
+                        <a:lnSpc>
+                          <a:spcPct val="107000"/>
+                        </a:lnSpc>
+                        <a:spcAft>
+                          <a:spcPts val="800"/>
+                        </a:spcAft>
+                        <a:defRPr/>
+                      </a:pPr>
+                      <a:r>
+                        <a:rPr lang="en-GB" sz="2400" b="0"/>
+                        <a:t>Stage</a:t>
+                      </a:r>
+                      <a:endParaRPr sz="2000" b="0">
+                        <a:latin typeface="Calibri"/>
+                        <a:ea typeface="Calibri"/>
+                        <a:cs typeface="Arial"/>
+                      </a:endParaRPr>
+                    </a:p>
+                  </a:txBody>
+                  <a:tcPr marL="9525" marR="9525" marT="9525" marB="9525" anchor="ctr"/>
+                </a:tc>
+                <a:tc>
+                  <a:txBody>
+                    <a:bodyPr/>
+                    <a:p>
+                      <a:pPr algn="ctr">
+                        <a:lnSpc>
+                          <a:spcPct val="107000"/>
+                        </a:lnSpc>
+                        <a:spcAft>
+                          <a:spcPts val="800"/>
+                        </a:spcAft>
+                        <a:defRPr/>
+                      </a:pPr>
+                      <a:r>
+                        <a:rPr lang="en-GB" sz="2400"/>
+                        <a:t>Early but working today</a:t>
+                      </a:r>
+                      <a:endParaRPr lang="en-GB" sz="2000">
+                        <a:latin typeface="Calibri"/>
+                        <a:ea typeface="Calibri"/>
+                        <a:cs typeface="Arial"/>
+                      </a:endParaRPr>
+                    </a:p>
+                  </a:txBody>
+                  <a:tcPr marL="9525" marR="9525" marT="9525" marB="9525" anchor="ctr"/>
+                </a:tc>
+                <a:tc>
+                  <a:txBody>
+                    <a:bodyPr/>
+                    <a:p>
+                      <a:pPr algn="ctr">
+                        <a:lnSpc>
+                          <a:spcPct val="107000"/>
+                        </a:lnSpc>
+                        <a:spcAft>
+                          <a:spcPts val="800"/>
+                        </a:spcAft>
+                        <a:defRPr/>
+                      </a:pPr>
+                      <a:r>
+                        <a:rPr lang="en-GB" sz="2400"/>
+                        <a:t>Prototype / research phase</a:t>
+                      </a:r>
+                      <a:endParaRPr lang="en-GB" sz="2000">
+                        <a:latin typeface="Calibri"/>
+                        <a:ea typeface="Calibri"/>
+                        <a:cs typeface="Arial"/>
+                      </a:endParaRPr>
+                    </a:p>
+                  </a:txBody>
+                  <a:tcPr marL="9525" marR="9525" marT="9525" marB="9525" anchor="ctr"/>
+                </a:tc>
+              </a:tr>
+              <a:tr h="828288">
+                <a:tc>
+                  <a:txBody>
+                    <a:bodyPr/>
+                    <a:p>
+                      <a:pPr>
+                        <a:lnSpc>
+                          <a:spcPct val="107000"/>
+                        </a:lnSpc>
+                        <a:spcAft>
+                          <a:spcPts val="800"/>
+                        </a:spcAft>
+                        <a:defRPr/>
+                      </a:pPr>
+                      <a:r>
+                        <a:rPr lang="en-GB" sz="2400" b="0"/>
+                        <a:t>Best fit</a:t>
+                      </a:r>
+                      <a:endParaRPr sz="2000" b="0">
+                        <a:latin typeface="Calibri"/>
+                        <a:ea typeface="Calibri"/>
+                        <a:cs typeface="Arial"/>
+                      </a:endParaRPr>
+                    </a:p>
+                  </a:txBody>
+                  <a:tcPr marL="9525" marR="9525" marT="9525" marB="9525" anchor="ctr"/>
+                </a:tc>
+                <a:tc>
+                  <a:txBody>
+                    <a:bodyPr/>
+                    <a:p>
+                      <a:pPr algn="ctr">
+                        <a:lnSpc>
+                          <a:spcPct val="107000"/>
+                        </a:lnSpc>
+                        <a:spcAft>
+                          <a:spcPts val="800"/>
+                        </a:spcAft>
+                        <a:defRPr/>
+                      </a:pPr>
+                      <a:r>
+                        <a:rPr lang="en-GB" sz="2400"/>
+                        <a:t>Edge AI, robotics</a:t>
+                      </a:r>
+                      <a:endParaRPr lang="en-GB" sz="2000">
+                        <a:latin typeface="Calibri"/>
+                        <a:ea typeface="Calibri"/>
+                        <a:cs typeface="Arial"/>
+                      </a:endParaRPr>
+                    </a:p>
+                  </a:txBody>
+                  <a:tcPr marL="9525" marR="9525" marT="9525" marB="9525" anchor="ctr"/>
+                </a:tc>
+                <a:tc>
+                  <a:txBody>
+                    <a:bodyPr/>
+                    <a:p>
+                      <a:pPr algn="ctr">
+                        <a:lnSpc>
+                          <a:spcPct val="107000"/>
+                        </a:lnSpc>
+                        <a:spcAft>
+                          <a:spcPts val="800"/>
+                        </a:spcAft>
+                        <a:defRPr/>
+                      </a:pPr>
+                      <a:r>
+                        <a:rPr lang="en-GB" sz="2400"/>
+                        <a:t>Chemistry, optimization, cryptography</a:t>
+                      </a:r>
+                      <a:endParaRPr lang="en-GB" sz="2000">
+                        <a:latin typeface="Calibri"/>
+                        <a:ea typeface="Calibri"/>
+                        <a:cs typeface="Arial"/>
+                      </a:endParaRPr>
+                    </a:p>
+                  </a:txBody>
+                  <a:tcPr marL="9525" marR="9525" marT="9525" marB="9525" anchor="ctr"/>
+                </a:tc>
+              </a:tr>
+            </a:tbl>
+          </a:graphicData>
+        </a:graphic>
+      </p:graphicFrame>
+    </p:spTree>
+  </p:cSld>
+  <p:clrMapOvr>
+    <a:masterClrMapping/>
+  </p:clrMapOvr>
+  <mc:AlternateContent xmlns:mc="http://schemas.openxmlformats.org/markup-compatibility/2006">
+    <mc:Choice xmlns:p159="http://schemas.microsoft.com/office/powerpoint/2015/09/main" xmlns:p14="http://schemas.microsoft.com/office/powerpoint/2010/main" Requires="p159">
+      <p:transition p14:dur="2000" advClick="1"/>
+    </mc:Choice>
+    <mc:Fallback>
+      <p:transition advClick="1"/>
+    </mc:Fallback>
+  </mc:AlternateContent>
+</p:sld>
+</file>
+
+<file path=ppt/slides/slide6.xml><?xml version="1.0" encoding="utf-8"?>
+<p:sld xmlns:a="http://schemas.openxmlformats.org/drawingml/2006/main" xmlns:r="http://schemas.openxmlformats.org/officeDocument/2006/relationships" xmlns:p="http://schemas.openxmlformats.org/presentationml/2006/main" xmlns:m="http://schemas.openxmlformats.org/officeDocument/2006/math" xmlns:w="http://schemas.openxmlformats.org/wordprocessingml/2006/main" xmlns:mc="http://schemas.openxmlformats.org/markup-compatibility/2006" showMasterPhAnim="0" showMasterSp="1" show="1">
+  <p:cSld name="Slide 4">
+    <p:bg>
+      <p:bgPr shadeToTitle="0">
+        <a:solidFill>
+          <a:srgbClr val="F8FAFC"/>
+        </a:solidFill>
+      </p:bgPr>
+    </p:bg>
+    <p:spTree>
+      <p:nvGrpSpPr>
+        <p:cNvPr id="1" name=""/>
+        <p:cNvGrpSpPr/>
+        <p:nvPr/>
+      </p:nvGrpSpPr>
+      <p:grpSpPr bwMode="auto">
+        <a:xfrm>
+          <a:off x="0" y="0"/>
+          <a:ext cx="0" cy="0"/>
+          <a:chOff x="0" y="0"/>
+          <a:chExt cx="0" cy="0"/>
+        </a:xfrm>
+      </p:grpSpPr>
+      <p:sp>
+        <p:nvSpPr>
+          <p:cNvPr id="657114516" name="Text 0"/>
+          <p:cNvSpPr/>
+          <p:nvPr/>
+        </p:nvSpPr>
+        <p:spPr bwMode="auto">
+          <a:xfrm>
+            <a:off x="761999" y="507999"/>
+            <a:ext cx="6204966" cy="507999"/>
+          </a:xfrm>
+          <a:prstGeom prst="rect">
+            <a:avLst/>
+          </a:prstGeom>
+          <a:noFill/>
+          <a:ln/>
+        </p:spPr>
+        <p:txBody>
+          <a:bodyPr wrap="square" lIns="0" tIns="0" rIns="0" bIns="0" rtlCol="0" anchor="t"/>
+          <a:lstStyle/>
+          <a:p>
+            <a:pPr marL="0" indent="0" algn="l">
+              <a:lnSpc>
+                <a:spcPts val="2999"/>
+              </a:lnSpc>
+              <a:spcAft>
+                <a:spcPts val="1874"/>
+              </a:spcAft>
+              <a:buNone/>
+              <a:defRPr/>
+            </a:pPr>
+            <a:r>
+              <a:rPr lang="en-US" sz="2700" b="1">
+                <a:solidFill>
+                  <a:srgbClr val="1E3A8A"/>
+                </a:solidFill>
+                <a:latin typeface="Arial"/>
+                <a:ea typeface="Arial"/>
+                <a:cs typeface="Arial"/>
+              </a:rPr>
+              <a:t>Sistemas Embarcados e IoT</a:t>
+            </a:r>
+            <a:endParaRPr lang="en-US" sz="2700"/>
+          </a:p>
+        </p:txBody>
+      </p:sp>
+      <p:sp>
+        <p:nvSpPr>
+          <p:cNvPr id="894401745" name="Text 1"/>
+          <p:cNvSpPr/>
+          <p:nvPr/>
+        </p:nvSpPr>
+        <p:spPr bwMode="auto">
+          <a:xfrm>
+            <a:off x="761999" y="1523999"/>
+            <a:ext cx="5246369" cy="365719"/>
+          </a:xfrm>
+          <a:prstGeom prst="rect">
+            <a:avLst/>
+          </a:prstGeom>
+          <a:noFill/>
+          <a:ln/>
+        </p:spPr>
+        <p:txBody>
+          <a:bodyPr wrap="square" lIns="0" tIns="0" rIns="0" bIns="0" rtlCol="0" anchor="t"/>
+          <a:lstStyle/>
+          <a:p>
+            <a:pPr marL="0" indent="0" algn="l">
+              <a:lnSpc>
+                <a:spcPts val="2159"/>
+              </a:lnSpc>
+              <a:spcBef>
+                <a:spcPts val="1124"/>
+              </a:spcBef>
+              <a:spcAft>
+                <a:spcPts val="749"/>
+              </a:spcAft>
+              <a:buNone/>
+              <a:defRPr/>
+            </a:pPr>
+            <a:r>
+              <a:rPr lang="en-US" sz="1800" b="1">
+                <a:solidFill>
+                  <a:srgbClr val="3B82F6"/>
+                </a:solidFill>
+                <a:latin typeface="Arial"/>
+                <a:ea typeface="Arial"/>
+                <a:cs typeface="Arial"/>
+              </a:rPr>
+              <a:t>Características</a:t>
+            </a:r>
+            <a:endParaRPr lang="en-US" sz="1800"/>
+          </a:p>
+        </p:txBody>
+      </p:sp>
+      <p:sp>
+        <p:nvSpPr>
+          <p:cNvPr id="1776598905" name="Text 2"/>
+          <p:cNvSpPr/>
+          <p:nvPr/>
+        </p:nvSpPr>
+        <p:spPr bwMode="auto">
+          <a:xfrm>
+            <a:off x="761999" y="2016720"/>
+            <a:ext cx="5143500" cy="1625599"/>
+          </a:xfrm>
+          <a:prstGeom prst="rect">
+            <a:avLst/>
+          </a:prstGeom>
+          <a:noFill/>
+          <a:ln/>
+        </p:spPr>
+        <p:txBody>
+          <a:bodyPr wrap="square" lIns="119062" tIns="0" rIns="0" bIns="0" rtlCol="0" anchor="t"/>
+          <a:lstStyle/>
+          <a:p>
+            <a:pPr marL="119062" indent="-119062" algn="l">
+              <a:lnSpc>
+                <a:spcPts val="2099"/>
+              </a:lnSpc>
+              <a:spcAft>
+                <a:spcPts val="449"/>
+              </a:spcAft>
+              <a:buSzPct val="100000"/>
+              <a:buChar char="•"/>
+              <a:defRPr/>
+            </a:pPr>
+            <a:r>
+              <a:rPr lang="en-US" sz="1350">
+                <a:solidFill>
+                  <a:srgbClr val="334155"/>
+                </a:solidFill>
+                <a:latin typeface="Arial"/>
+                <a:ea typeface="Arial"/>
+                <a:cs typeface="Arial"/>
+              </a:rPr>
+              <a:t>Recursos muito limitados</a:t>
+            </a:r>
+            <a:endParaRPr lang="en-US" sz="1350"/>
+          </a:p>
+          <a:p>
+            <a:pPr marL="119062" indent="-119062" algn="l">
+              <a:lnSpc>
+                <a:spcPts val="2099"/>
+              </a:lnSpc>
+              <a:spcAft>
+                <a:spcPts val="449"/>
+              </a:spcAft>
+              <a:buSzPct val="100000"/>
+              <a:buChar char="•"/>
+              <a:defRPr/>
+            </a:pPr>
+            <a:r>
+              <a:rPr lang="en-US" sz="1350">
+                <a:solidFill>
+                  <a:srgbClr val="334155"/>
+                </a:solidFill>
+                <a:latin typeface="Arial"/>
+                <a:ea typeface="Arial"/>
+                <a:cs typeface="Arial"/>
+              </a:rPr>
+              <a:t>Processadores baixa frequência</a:t>
+            </a:r>
+            <a:endParaRPr lang="en-US" sz="1350"/>
+          </a:p>
+          <a:p>
+            <a:pPr marL="119062" indent="-119062" algn="l">
+              <a:lnSpc>
+                <a:spcPts val="2099"/>
+              </a:lnSpc>
+              <a:spcAft>
+                <a:spcPts val="449"/>
+              </a:spcAft>
+              <a:buSzPct val="100000"/>
+              <a:buChar char="•"/>
+              <a:defRPr/>
+            </a:pPr>
+            <a:r>
+              <a:rPr lang="en-US" sz="1350">
+                <a:solidFill>
+                  <a:srgbClr val="334155"/>
+                </a:solidFill>
+                <a:latin typeface="Arial"/>
+                <a:ea typeface="Arial"/>
+                <a:cs typeface="Arial"/>
+              </a:rPr>
+              <a:t>Cada ciclo é crítico</a:t>
+            </a:r>
+            <a:endParaRPr lang="en-US" sz="1350"/>
+          </a:p>
+        </p:txBody>
+      </p:sp>
+      <p:sp>
+        <p:nvSpPr>
+          <p:cNvPr id="1873728305" name="Text 3"/>
+          <p:cNvSpPr/>
+          <p:nvPr/>
+        </p:nvSpPr>
+        <p:spPr bwMode="auto">
+          <a:xfrm>
+            <a:off x="6286500" y="1523999"/>
+            <a:ext cx="5246369" cy="365719"/>
+          </a:xfrm>
+          <a:prstGeom prst="rect">
+            <a:avLst/>
+          </a:prstGeom>
+          <a:noFill/>
+          <a:ln/>
+        </p:spPr>
+        <p:txBody>
+          <a:bodyPr wrap="square" lIns="0" tIns="0" rIns="0" bIns="0" rtlCol="0" anchor="t"/>
+          <a:lstStyle/>
+          <a:p>
+            <a:pPr marL="0" indent="0" algn="l">
+              <a:lnSpc>
+                <a:spcPts val="2159"/>
+              </a:lnSpc>
+              <a:spcBef>
+                <a:spcPts val="1124"/>
+              </a:spcBef>
+              <a:spcAft>
+                <a:spcPts val="749"/>
+              </a:spcAft>
+              <a:buNone/>
+              <a:defRPr/>
+            </a:pPr>
+            <a:r>
+              <a:rPr lang="en-US" sz="1800" b="1">
+                <a:solidFill>
+                  <a:srgbClr val="3B82F6"/>
+                </a:solidFill>
+                <a:latin typeface="Arial"/>
+                <a:ea typeface="Arial"/>
+                <a:cs typeface="Arial"/>
+              </a:rPr>
+              <a:t>Vantagens Assembly</a:t>
+            </a:r>
+            <a:endParaRPr lang="en-US" sz="1800"/>
+          </a:p>
+        </p:txBody>
+      </p:sp>
+      <p:sp>
+        <p:nvSpPr>
+          <p:cNvPr id="595036133" name="Text 4"/>
+          <p:cNvSpPr/>
+          <p:nvPr/>
+        </p:nvSpPr>
+        <p:spPr bwMode="auto">
+          <a:xfrm>
+            <a:off x="6286500" y="2016720"/>
+            <a:ext cx="5143500" cy="1625599"/>
+          </a:xfrm>
+          <a:prstGeom prst="rect">
+            <a:avLst/>
+          </a:prstGeom>
+          <a:noFill/>
+          <a:ln/>
+        </p:spPr>
+        <p:txBody>
+          <a:bodyPr wrap="square" lIns="119062" tIns="0" rIns="0" bIns="0" rtlCol="0" anchor="t"/>
+          <a:lstStyle/>
+          <a:p>
+            <a:pPr marL="119062" indent="-119062" algn="l">
+              <a:lnSpc>
+                <a:spcPts val="2099"/>
+              </a:lnSpc>
+              <a:spcAft>
+                <a:spcPts val="449"/>
+              </a:spcAft>
+              <a:buSzPct val="100000"/>
+              <a:buChar char="•"/>
+              <a:defRPr/>
+            </a:pPr>
+            <a:r>
+              <a:rPr lang="en-US" sz="1350">
+                <a:solidFill>
+                  <a:srgbClr val="334155"/>
+                </a:solidFill>
+                <a:latin typeface="Arial"/>
+                <a:ea typeface="Arial"/>
+                <a:cs typeface="Arial"/>
+              </a:rPr>
+              <a:t>Eficiência máxima</a:t>
+            </a:r>
+            <a:endParaRPr lang="en-US" sz="1350"/>
+          </a:p>
+          <a:p>
+            <a:pPr marL="119062" indent="-119062" algn="l">
+              <a:lnSpc>
+                <a:spcPts val="2099"/>
+              </a:lnSpc>
+              <a:spcAft>
+                <a:spcPts val="449"/>
+              </a:spcAft>
+              <a:buSzPct val="100000"/>
+              <a:buChar char="•"/>
+              <a:defRPr/>
+            </a:pPr>
+            <a:r>
+              <a:rPr lang="en-US" sz="1350">
+                <a:solidFill>
+                  <a:srgbClr val="334155"/>
+                </a:solidFill>
+                <a:latin typeface="Arial"/>
+                <a:ea typeface="Arial"/>
+                <a:cs typeface="Arial"/>
+              </a:rPr>
+              <a:t>Resposta previsível</a:t>
+            </a:r>
+            <a:endParaRPr lang="en-US" sz="1350"/>
+          </a:p>
+          <a:p>
+            <a:pPr marL="119062" indent="-119062" algn="l">
+              <a:lnSpc>
+                <a:spcPts val="2099"/>
+              </a:lnSpc>
+              <a:spcAft>
+                <a:spcPts val="449"/>
+              </a:spcAft>
+              <a:buSzPct val="100000"/>
+              <a:buChar char="•"/>
+              <a:defRPr/>
+            </a:pPr>
+            <a:r>
+              <a:rPr lang="en-US" sz="1350">
+                <a:solidFill>
+                  <a:srgbClr val="334155"/>
+                </a:solidFill>
+                <a:latin typeface="Arial"/>
+                <a:ea typeface="Arial"/>
+                <a:cs typeface="Arial"/>
+              </a:rPr>
+              <a:t>Controlo preciso</a:t>
+            </a:r>
+            <a:endParaRPr lang="en-US" sz="1350"/>
+          </a:p>
+        </p:txBody>
+      </p:sp>
+      <p:sp>
+        <p:nvSpPr>
+          <p:cNvPr id="35123317" name="Text 5"/>
+          <p:cNvSpPr/>
+          <p:nvPr/>
+        </p:nvSpPr>
+        <p:spPr bwMode="auto">
+          <a:xfrm>
+            <a:off x="761999" y="3896319"/>
+            <a:ext cx="10667999" cy="665361"/>
+          </a:xfrm>
+          <a:prstGeom prst="roundRect">
+            <a:avLst>
+              <a:gd name="adj" fmla="val 11452"/>
+            </a:avLst>
+          </a:prstGeom>
+          <a:solidFill>
+            <a:srgbClr val="60A5FA"/>
+          </a:solidFill>
+          <a:ln/>
+        </p:spPr>
+        <p:txBody>
+          <a:bodyPr wrap="square" rtlCol="0" anchor="ctr"/>
+          <a:lstStyle/>
+          <a:p>
+            <a:pPr marL="0" indent="0">
+              <a:buNone/>
+              <a:defRPr/>
+            </a:pPr>
+            <a:endParaRPr lang="en-US"/>
+          </a:p>
+        </p:txBody>
+      </p:sp>
+      <p:sp>
+        <p:nvSpPr>
+          <p:cNvPr id="1103830953" name="Text 6"/>
+          <p:cNvSpPr/>
+          <p:nvPr/>
+        </p:nvSpPr>
+        <p:spPr bwMode="auto">
+          <a:xfrm>
+            <a:off x="952499" y="4086819"/>
+            <a:ext cx="10492740" cy="284361"/>
+          </a:xfrm>
+          <a:prstGeom prst="rect">
+            <a:avLst/>
+          </a:prstGeom>
+          <a:noFill/>
+          <a:ln/>
+        </p:spPr>
+        <p:txBody>
+          <a:bodyPr wrap="square" lIns="0" tIns="0" rIns="0" bIns="0" rtlCol="0" anchor="t"/>
+          <a:lstStyle/>
+          <a:p>
+            <a:pPr marL="0" indent="0" algn="l">
+              <a:lnSpc>
+                <a:spcPts val="1679"/>
+              </a:lnSpc>
+              <a:buNone/>
+              <a:defRPr/>
+            </a:pPr>
+            <a:r>
+              <a:rPr lang="en-US" sz="1200">
+                <a:solidFill>
+                  <a:srgbClr val="FFFFFF"/>
+                </a:solidFill>
+                <a:latin typeface="Arial"/>
+                <a:ea typeface="Arial"/>
+                <a:cs typeface="Arial"/>
+              </a:rPr>
+              <a:t>ARM AS domina este sector</a:t>
+            </a:r>
+            <a:endParaRPr lang="en-US" sz="1200"/>
+          </a:p>
+        </p:txBody>
+      </p:sp>
+    </p:spTree>
+  </p:cSld>
+  <p:clrMapOvr>
+    <a:masterClrMapping/>
+  </p:clrMapOvr>
+  <mc:AlternateContent xmlns:mc="http://schemas.openxmlformats.org/markup-compatibility/2006">
+    <mc:Choice xmlns:p159="http://schemas.microsoft.com/office/powerpoint/2015/09/main" xmlns:p14="http://schemas.microsoft.com/office/powerpoint/2010/main" Requires="p159">
+      <p:transition p14:dur="2000" advClick="1"/>
+    </mc:Choice>
+    <mc:Fallback>
+      <p:transition advClick="1"/>
+    </mc:Fallback>
+  </mc:AlternateContent>
+</p:sld>
+</file>
+
+<file path=ppt/slides/slide7.xml><?xml version="1.0" encoding="utf-8"?>
+<p:sld xmlns:a="http://schemas.openxmlformats.org/drawingml/2006/main" xmlns:r="http://schemas.openxmlformats.org/officeDocument/2006/relationships" xmlns:p="http://schemas.openxmlformats.org/presentationml/2006/main" xmlns:m="http://schemas.openxmlformats.org/officeDocument/2006/math" xmlns:w="http://schemas.openxmlformats.org/wordprocessingml/2006/main" xmlns:mc="http://schemas.openxmlformats.org/markup-compatibility/2006" showMasterPhAnim="0" showMasterSp="1" show="1">
+  <p:cSld name="Slide 5">
+    <p:bg>
+      <p:bgPr shadeToTitle="0">
+        <a:solidFill>
+          <a:srgbClr val="F8FAFC"/>
+        </a:solidFill>
+      </p:bgPr>
+    </p:bg>
+    <p:spTree>
+      <p:nvGrpSpPr>
+        <p:cNvPr id="1" name=""/>
+        <p:cNvGrpSpPr/>
+        <p:nvPr/>
+      </p:nvGrpSpPr>
+      <p:grpSpPr bwMode="auto">
+        <a:xfrm>
+          <a:off x="0" y="0"/>
+          <a:ext cx="0" cy="0"/>
+          <a:chOff x="0" y="0"/>
+          <a:chExt cx="0" cy="0"/>
+        </a:xfrm>
+      </p:grpSpPr>
+      <p:sp>
+        <p:nvSpPr>
+          <p:cNvPr id="1175361266" name="Text 0"/>
+          <p:cNvSpPr/>
+          <p:nvPr/>
+        </p:nvSpPr>
+        <p:spPr bwMode="auto">
+          <a:xfrm>
+            <a:off x="761999" y="507999"/>
+            <a:ext cx="7111746" cy="507999"/>
+          </a:xfrm>
+          <a:prstGeom prst="rect">
+            <a:avLst/>
+          </a:prstGeom>
+          <a:noFill/>
+          <a:ln/>
+        </p:spPr>
+        <p:txBody>
+          <a:bodyPr wrap="square" lIns="0" tIns="0" rIns="0" bIns="0" rtlCol="0" anchor="t"/>
+          <a:lstStyle/>
+          <a:p>
+            <a:pPr marL="0" indent="0" algn="l">
+              <a:lnSpc>
+                <a:spcPts val="2999"/>
+              </a:lnSpc>
+              <a:spcAft>
+                <a:spcPts val="1874"/>
+              </a:spcAft>
+              <a:buNone/>
+              <a:defRPr/>
+            </a:pPr>
+            <a:r>
+              <a:rPr lang="en-US" sz="2700" b="1">
+                <a:solidFill>
+                  <a:srgbClr val="1E3A8A"/>
+                </a:solidFill>
+                <a:latin typeface="Arial"/>
+                <a:ea typeface="Arial"/>
+                <a:cs typeface="Arial"/>
+              </a:rPr>
+              <a:t>Sistemas Críticos de Segurança</a:t>
+            </a:r>
+            <a:endParaRPr lang="en-US" sz="2700"/>
+          </a:p>
+        </p:txBody>
+      </p:sp>
+      <p:sp>
+        <p:nvSpPr>
+          <p:cNvPr id="1892468088" name="Text 1"/>
+          <p:cNvSpPr/>
+          <p:nvPr/>
+        </p:nvSpPr>
+        <p:spPr bwMode="auto">
+          <a:xfrm>
+            <a:off x="761999" y="1333499"/>
+            <a:ext cx="10881360" cy="365719"/>
+          </a:xfrm>
+          <a:prstGeom prst="rect">
+            <a:avLst/>
+          </a:prstGeom>
+          <a:noFill/>
+          <a:ln/>
+        </p:spPr>
+        <p:txBody>
+          <a:bodyPr wrap="square" lIns="0" tIns="0" rIns="0" bIns="0" rtlCol="0" anchor="t"/>
+          <a:lstStyle/>
+          <a:p>
+            <a:pPr marL="0" indent="0" algn="l">
+              <a:lnSpc>
+                <a:spcPts val="2159"/>
+              </a:lnSpc>
+              <a:spcBef>
+                <a:spcPts val="1124"/>
+              </a:spcBef>
+              <a:spcAft>
+                <a:spcPts val="749"/>
+              </a:spcAft>
+              <a:buNone/>
+              <a:defRPr/>
+            </a:pPr>
+            <a:r>
+              <a:rPr lang="en-US" sz="1800" b="1">
+                <a:solidFill>
+                  <a:srgbClr val="3B82F6"/>
+                </a:solidFill>
+                <a:latin typeface="Arial"/>
+                <a:ea typeface="Arial"/>
+                <a:cs typeface="Arial"/>
+              </a:rPr>
+              <a:t>Sectores de Aplicação</a:t>
+            </a:r>
+            <a:endParaRPr lang="en-US" sz="1800"/>
+          </a:p>
+        </p:txBody>
+      </p:sp>
+      <p:sp>
+        <p:nvSpPr>
+          <p:cNvPr id="1520901512" name="Text 2"/>
+          <p:cNvSpPr/>
+          <p:nvPr/>
+        </p:nvSpPr>
+        <p:spPr bwMode="auto">
+          <a:xfrm>
+            <a:off x="761999" y="1826219"/>
+            <a:ext cx="10667999" cy="2184399"/>
+          </a:xfrm>
+          <a:prstGeom prst="rect">
+            <a:avLst/>
+          </a:prstGeom>
+          <a:noFill/>
+          <a:ln/>
+        </p:spPr>
+        <p:txBody>
+          <a:bodyPr wrap="square" lIns="119062" tIns="0" rIns="0" bIns="0" rtlCol="0" anchor="t"/>
+          <a:lstStyle/>
+          <a:p>
+            <a:pPr marL="0" indent="0" algn="l">
+              <a:lnSpc>
+                <a:spcPts val="2099"/>
+              </a:lnSpc>
+              <a:spcAft>
+                <a:spcPts val="449"/>
+              </a:spcAft>
+              <a:buNone/>
+              <a:defRPr/>
+            </a:pPr>
+            <a:r>
+              <a:rPr lang="en-US" sz="1350" b="1">
+                <a:solidFill>
+                  <a:srgbClr val="334155"/>
+                </a:solidFill>
+                <a:latin typeface="Arial"/>
+                <a:ea typeface="Arial"/>
+                <a:cs typeface="Arial"/>
+              </a:rPr>
+              <a:t>Aviação</a:t>
+            </a:r>
+            <a:r>
+              <a:rPr lang="en-US" sz="1350">
+                <a:solidFill>
+                  <a:srgbClr val="334155"/>
+                </a:solidFill>
+                <a:latin typeface="Arial"/>
+                <a:ea typeface="Arial"/>
+                <a:cs typeface="Arial"/>
+              </a:rPr>
+              <a:t>: Sistemas de controlo de voo (DO-178C)</a:t>
+            </a:r>
+            <a:endParaRPr lang="en-US" sz="1350"/>
+          </a:p>
+          <a:p>
+            <a:pPr marL="0" indent="0" algn="l">
+              <a:lnSpc>
+                <a:spcPts val="2099"/>
+              </a:lnSpc>
+              <a:spcAft>
+                <a:spcPts val="449"/>
+              </a:spcAft>
+              <a:buNone/>
+              <a:defRPr/>
+            </a:pPr>
+            <a:r>
+              <a:rPr lang="en-US" sz="1350" b="1">
+                <a:solidFill>
+                  <a:srgbClr val="334155"/>
+                </a:solidFill>
+                <a:latin typeface="Arial"/>
+                <a:ea typeface="Arial"/>
+                <a:cs typeface="Arial"/>
+              </a:rPr>
+              <a:t>Energia Nuclear</a:t>
+            </a:r>
+            <a:r>
+              <a:rPr lang="en-US" sz="1350">
+                <a:solidFill>
+                  <a:srgbClr val="334155"/>
+                </a:solidFill>
+                <a:latin typeface="Arial"/>
+                <a:ea typeface="Arial"/>
+                <a:cs typeface="Arial"/>
+              </a:rPr>
+              <a:t>: Controlo e segurança</a:t>
+            </a:r>
+            <a:endParaRPr lang="en-US" sz="1350"/>
+          </a:p>
+          <a:p>
+            <a:pPr marL="0" indent="0" algn="l">
+              <a:lnSpc>
+                <a:spcPts val="2099"/>
+              </a:lnSpc>
+              <a:spcAft>
+                <a:spcPts val="449"/>
+              </a:spcAft>
+              <a:buNone/>
+              <a:defRPr/>
+            </a:pPr>
+            <a:r>
+              <a:rPr lang="en-US" sz="1350" b="1">
+                <a:solidFill>
+                  <a:srgbClr val="334155"/>
+                </a:solidFill>
+                <a:latin typeface="Arial"/>
+                <a:ea typeface="Arial"/>
+                <a:cs typeface="Arial"/>
+              </a:rPr>
+              <a:t>Dispositivos Médicos</a:t>
+            </a:r>
+            <a:r>
+              <a:rPr lang="en-US" sz="1350">
+                <a:solidFill>
+                  <a:srgbClr val="334155"/>
+                </a:solidFill>
+                <a:latin typeface="Arial"/>
+                <a:ea typeface="Arial"/>
+                <a:cs typeface="Arial"/>
+              </a:rPr>
+              <a:t>: Pacemakers (IEC 62304)</a:t>
+            </a:r>
+            <a:endParaRPr lang="en-US" sz="1350"/>
+          </a:p>
+          <a:p>
+            <a:pPr marL="0" indent="0" algn="l">
+              <a:lnSpc>
+                <a:spcPts val="2099"/>
+              </a:lnSpc>
+              <a:spcAft>
+                <a:spcPts val="449"/>
+              </a:spcAft>
+              <a:buNone/>
+              <a:defRPr/>
+            </a:pPr>
+            <a:r>
+              <a:rPr lang="en-US" sz="1350" b="1">
+                <a:solidFill>
+                  <a:srgbClr val="334155"/>
+                </a:solidFill>
+                <a:latin typeface="Arial"/>
+                <a:ea typeface="Arial"/>
+                <a:cs typeface="Arial"/>
+              </a:rPr>
+              <a:t>Automóvel</a:t>
+            </a:r>
+            <a:r>
+              <a:rPr lang="en-US" sz="1350">
+                <a:solidFill>
+                  <a:srgbClr val="334155"/>
+                </a:solidFill>
+                <a:latin typeface="Arial"/>
+                <a:ea typeface="Arial"/>
+                <a:cs typeface="Arial"/>
+              </a:rPr>
+              <a:t>: Sistemas de travagem</a:t>
+            </a:r>
+            <a:endParaRPr lang="en-US" sz="1350"/>
+          </a:p>
+        </p:txBody>
+      </p:sp>
+      <p:sp>
+        <p:nvSpPr>
+          <p:cNvPr id="739380826" name="Text 3"/>
+          <p:cNvSpPr/>
+          <p:nvPr/>
+        </p:nvSpPr>
+        <p:spPr bwMode="auto">
+          <a:xfrm>
+            <a:off x="761999" y="4163019"/>
+            <a:ext cx="10667999" cy="665361"/>
+          </a:xfrm>
+          <a:prstGeom prst="roundRect">
+            <a:avLst>
+              <a:gd name="adj" fmla="val 11452"/>
+            </a:avLst>
+          </a:prstGeom>
+          <a:solidFill>
+            <a:srgbClr val="60A5FA"/>
+          </a:solidFill>
+          <a:ln/>
+        </p:spPr>
+        <p:txBody>
+          <a:bodyPr wrap="square" rtlCol="0" anchor="ctr"/>
+          <a:lstStyle/>
+          <a:p>
+            <a:pPr marL="0" indent="0">
+              <a:buNone/>
+              <a:defRPr/>
+            </a:pPr>
+            <a:endParaRPr lang="en-US"/>
+          </a:p>
+        </p:txBody>
+      </p:sp>
+      <p:sp>
+        <p:nvSpPr>
+          <p:cNvPr id="2106612144" name="Text 4"/>
+          <p:cNvSpPr/>
+          <p:nvPr/>
+        </p:nvSpPr>
+        <p:spPr bwMode="auto">
+          <a:xfrm>
+            <a:off x="952499" y="4353519"/>
+            <a:ext cx="10492740" cy="284361"/>
+          </a:xfrm>
+          <a:prstGeom prst="rect">
+            <a:avLst/>
+          </a:prstGeom>
+          <a:noFill/>
+          <a:ln/>
+        </p:spPr>
+        <p:txBody>
+          <a:bodyPr wrap="square" lIns="0" tIns="0" rIns="0" bIns="0" rtlCol="0" anchor="t"/>
+          <a:lstStyle/>
+          <a:p>
+            <a:pPr marL="0" indent="0" algn="l">
+              <a:lnSpc>
+                <a:spcPts val="1679"/>
+              </a:lnSpc>
+              <a:buNone/>
+              <a:defRPr/>
+            </a:pPr>
+            <a:r>
+              <a:rPr lang="en-US" sz="1200">
+                <a:solidFill>
+                  <a:srgbClr val="FFFFFF"/>
+                </a:solidFill>
+                <a:latin typeface="Arial"/>
+                <a:ea typeface="Arial"/>
+                <a:cs typeface="Arial"/>
+              </a:rPr>
+              <a:t>MASM e GAS em sistemas críticos certificados</a:t>
+            </a:r>
+            <a:endParaRPr lang="en-US" sz="1200"/>
+          </a:p>
+        </p:txBody>
+      </p:sp>
+    </p:spTree>
+  </p:cSld>
+  <p:clrMapOvr>
+    <a:masterClrMapping/>
+  </p:clrMapOvr>
+  <mc:AlternateContent xmlns:mc="http://schemas.openxmlformats.org/markup-compatibility/2006">
+    <mc:Choice xmlns:p159="http://schemas.microsoft.com/office/powerpoint/2015/09/main" xmlns:p14="http://schemas.microsoft.com/office/powerpoint/2010/main" Requires="p159">
+      <p:transition p14:dur="2000" advClick="1"/>
+    </mc:Choice>
+    <mc:Fallback>
+      <p:transition advClick="1"/>
+    </mc:Fallback>
+  </mc:AlternateContent>
+</p:sld>
+</file>
+
+<file path=ppt/slides/slide8.xml><?xml version="1.0" encoding="utf-8"?>
+<p:sld xmlns:a="http://schemas.openxmlformats.org/drawingml/2006/main" xmlns:r="http://schemas.openxmlformats.org/officeDocument/2006/relationships" xmlns:p="http://schemas.openxmlformats.org/presentationml/2006/main" xmlns:m="http://schemas.openxmlformats.org/officeDocument/2006/math" xmlns:w="http://schemas.openxmlformats.org/wordprocessingml/2006/main" xmlns:mc="http://schemas.openxmlformats.org/markup-compatibility/2006" showMasterPhAnim="0" showMasterSp="1" show="1">
+  <p:cSld name="Slide 6">
+    <p:bg>
+      <p:bgPr shadeToTitle="0">
+        <a:solidFill>
+          <a:srgbClr val="F8FAFC"/>
+        </a:solidFill>
+      </p:bgPr>
+    </p:bg>
+    <p:spTree>
+      <p:nvGrpSpPr>
+        <p:cNvPr id="1" name=""/>
+        <p:cNvGrpSpPr/>
+        <p:nvPr/>
+      </p:nvGrpSpPr>
+      <p:grpSpPr bwMode="auto">
+        <a:xfrm>
+          <a:off x="0" y="0"/>
+          <a:ext cx="0" cy="0"/>
+          <a:chOff x="0" y="0"/>
+          <a:chExt cx="0" cy="0"/>
+        </a:xfrm>
+      </p:grpSpPr>
+      <p:sp>
+        <p:nvSpPr>
+          <p:cNvPr id="1460514657" name="Text 0"/>
+          <p:cNvSpPr/>
+          <p:nvPr/>
+        </p:nvSpPr>
+        <p:spPr bwMode="auto">
+          <a:xfrm>
+            <a:off x="761999" y="507999"/>
+            <a:ext cx="5557266" cy="507999"/>
+          </a:xfrm>
+          <a:prstGeom prst="rect">
+            <a:avLst/>
+          </a:prstGeom>
+          <a:noFill/>
+          <a:ln/>
+        </p:spPr>
+        <p:txBody>
+          <a:bodyPr wrap="square" lIns="0" tIns="0" rIns="0" bIns="0" rtlCol="0" anchor="t"/>
+          <a:lstStyle/>
+          <a:p>
+            <a:pPr marL="0" indent="0" algn="l">
+              <a:lnSpc>
+                <a:spcPts val="2999"/>
+              </a:lnSpc>
+              <a:spcAft>
+                <a:spcPts val="1874"/>
+              </a:spcAft>
+              <a:buNone/>
+              <a:defRPr/>
+            </a:pPr>
+            <a:r>
+              <a:rPr lang="en-US" sz="2700" b="1">
+                <a:solidFill>
+                  <a:srgbClr val="1E3A8A"/>
+                </a:solidFill>
+                <a:latin typeface="Arial"/>
+                <a:ea typeface="Arial"/>
+                <a:cs typeface="Arial"/>
+              </a:rPr>
+              <a:t>Criptografia e Segurança</a:t>
+            </a:r>
+            <a:endParaRPr lang="en-US" sz="2700"/>
+          </a:p>
+        </p:txBody>
+      </p:sp>
+      <p:sp>
+        <p:nvSpPr>
+          <p:cNvPr id="1188308519" name="Text 1"/>
+          <p:cNvSpPr/>
+          <p:nvPr/>
+        </p:nvSpPr>
+        <p:spPr bwMode="auto">
+          <a:xfrm>
+            <a:off x="761999" y="1523999"/>
+            <a:ext cx="5246369" cy="365719"/>
+          </a:xfrm>
+          <a:prstGeom prst="rect">
+            <a:avLst/>
+          </a:prstGeom>
+          <a:noFill/>
+          <a:ln/>
+        </p:spPr>
+        <p:txBody>
+          <a:bodyPr wrap="square" lIns="0" tIns="0" rIns="0" bIns="0" rtlCol="0" anchor="t"/>
+          <a:lstStyle/>
+          <a:p>
+            <a:pPr marL="0" indent="0" algn="l">
+              <a:lnSpc>
+                <a:spcPts val="2159"/>
+              </a:lnSpc>
+              <a:spcBef>
+                <a:spcPts val="1124"/>
+              </a:spcBef>
+              <a:spcAft>
+                <a:spcPts val="749"/>
+              </a:spcAft>
+              <a:buNone/>
+              <a:defRPr/>
+            </a:pPr>
+            <a:r>
+              <a:rPr lang="en-US" sz="1800" b="1">
+                <a:solidFill>
+                  <a:srgbClr val="3B82F6"/>
+                </a:solidFill>
+                <a:latin typeface="Arial"/>
+                <a:ea typeface="Arial"/>
+                <a:cs typeface="Arial"/>
+              </a:rPr>
+              <a:t>Ataques Auxiliares</a:t>
+            </a:r>
+            <a:endParaRPr lang="en-US" sz="1800"/>
+          </a:p>
+        </p:txBody>
+      </p:sp>
+      <p:sp>
+        <p:nvSpPr>
+          <p:cNvPr id="1322362774" name="Text 2"/>
+          <p:cNvSpPr/>
+          <p:nvPr/>
+        </p:nvSpPr>
+        <p:spPr bwMode="auto">
+          <a:xfrm>
+            <a:off x="761999" y="2016720"/>
+            <a:ext cx="5143500" cy="1625599"/>
+          </a:xfrm>
+          <a:prstGeom prst="rect">
+            <a:avLst/>
+          </a:prstGeom>
+          <a:noFill/>
+          <a:ln/>
+        </p:spPr>
+        <p:txBody>
+          <a:bodyPr wrap="square" lIns="119062" tIns="0" rIns="0" bIns="0" rtlCol="0" anchor="t"/>
+          <a:lstStyle/>
+          <a:p>
+            <a:pPr marL="119062" indent="-119062" algn="l">
+              <a:lnSpc>
+                <a:spcPts val="2099"/>
+              </a:lnSpc>
+              <a:spcAft>
+                <a:spcPts val="449"/>
+              </a:spcAft>
+              <a:buSzPct val="100000"/>
+              <a:buChar char="•"/>
+              <a:defRPr/>
+            </a:pPr>
+            <a:r>
+              <a:rPr lang="en-US" sz="1350">
+                <a:solidFill>
+                  <a:srgbClr val="334155"/>
+                </a:solidFill>
+                <a:latin typeface="Arial"/>
+                <a:ea typeface="Arial"/>
+                <a:cs typeface="Arial"/>
+              </a:rPr>
+              <a:t>Timing attacks</a:t>
+            </a:r>
+            <a:endParaRPr lang="en-US" sz="1350"/>
+          </a:p>
+          <a:p>
+            <a:pPr marL="119062" indent="-119062" algn="l">
+              <a:lnSpc>
+                <a:spcPts val="2099"/>
+              </a:lnSpc>
+              <a:spcAft>
+                <a:spcPts val="449"/>
+              </a:spcAft>
+              <a:buSzPct val="100000"/>
+              <a:buChar char="•"/>
+              <a:defRPr/>
+            </a:pPr>
+            <a:r>
+              <a:rPr lang="en-US" sz="1350">
+                <a:solidFill>
+                  <a:srgbClr val="334155"/>
+                </a:solidFill>
+                <a:latin typeface="Arial"/>
+                <a:ea typeface="Arial"/>
+                <a:cs typeface="Arial"/>
+              </a:rPr>
+              <a:t>Cache-timing attacks</a:t>
+            </a:r>
+            <a:endParaRPr lang="en-US" sz="1350"/>
+          </a:p>
+          <a:p>
+            <a:pPr marL="119062" indent="-119062" algn="l">
+              <a:lnSpc>
+                <a:spcPts val="2099"/>
+              </a:lnSpc>
+              <a:spcAft>
+                <a:spcPts val="449"/>
+              </a:spcAft>
+              <a:buSzPct val="100000"/>
+              <a:buChar char="•"/>
+              <a:defRPr/>
+            </a:pPr>
+            <a:r>
+              <a:rPr lang="en-US" sz="1350">
+                <a:solidFill>
+                  <a:srgbClr val="334155"/>
+                </a:solidFill>
+                <a:latin typeface="Arial"/>
+                <a:ea typeface="Arial"/>
+                <a:cs typeface="Arial"/>
+              </a:rPr>
+              <a:t>Exploram tempo de execução</a:t>
+            </a:r>
+            <a:endParaRPr lang="en-US" sz="1350"/>
+          </a:p>
+        </p:txBody>
+      </p:sp>
+      <p:sp>
+        <p:nvSpPr>
+          <p:cNvPr id="719076157" name="Text 3"/>
+          <p:cNvSpPr/>
+          <p:nvPr/>
+        </p:nvSpPr>
+        <p:spPr bwMode="auto">
+          <a:xfrm>
+            <a:off x="761999" y="3832819"/>
+            <a:ext cx="5246369" cy="365719"/>
+          </a:xfrm>
+          <a:prstGeom prst="rect">
+            <a:avLst/>
+          </a:prstGeom>
+          <a:noFill/>
+          <a:ln/>
+        </p:spPr>
+        <p:txBody>
+          <a:bodyPr wrap="square" lIns="0" tIns="0" rIns="0" bIns="0" rtlCol="0" anchor="t"/>
+          <a:lstStyle/>
+          <a:p>
+            <a:pPr marL="0" indent="0" algn="l">
+              <a:lnSpc>
+                <a:spcPts val="2159"/>
+              </a:lnSpc>
+              <a:spcBef>
+                <a:spcPts val="1124"/>
+              </a:spcBef>
+              <a:spcAft>
+                <a:spcPts val="749"/>
+              </a:spcAft>
+              <a:buNone/>
+              <a:defRPr/>
+            </a:pPr>
+            <a:r>
+              <a:rPr lang="en-US" sz="1800" b="1">
+                <a:solidFill>
+                  <a:srgbClr val="3B82F6"/>
+                </a:solidFill>
+                <a:latin typeface="Arial"/>
+                <a:ea typeface="Arial"/>
+                <a:cs typeface="Arial"/>
+              </a:rPr>
+              <a:t>Solução</a:t>
+            </a:r>
+            <a:endParaRPr lang="en-US" sz="1800"/>
+          </a:p>
+        </p:txBody>
+      </p:sp>
+      <p:sp>
+        <p:nvSpPr>
+          <p:cNvPr id="1751056809" name="Text 4"/>
+          <p:cNvSpPr/>
+          <p:nvPr/>
+        </p:nvSpPr>
+        <p:spPr bwMode="auto">
+          <a:xfrm>
+            <a:off x="761999" y="4325539"/>
+            <a:ext cx="5143500" cy="507999"/>
+          </a:xfrm>
+          <a:prstGeom prst="rect">
+            <a:avLst/>
+          </a:prstGeom>
+          <a:noFill/>
+          <a:ln/>
+        </p:spPr>
+        <p:txBody>
+          <a:bodyPr wrap="square" lIns="119062" tIns="0" rIns="0" bIns="0" rtlCol="0" anchor="t"/>
+          <a:lstStyle/>
+          <a:p>
+            <a:pPr marL="119062" indent="-119062" algn="l">
+              <a:lnSpc>
+                <a:spcPts val="2099"/>
+              </a:lnSpc>
+              <a:spcAft>
+                <a:spcPts val="449"/>
+              </a:spcAft>
+              <a:buSzPct val="100000"/>
+              <a:buChar char="•"/>
+              <a:defRPr/>
+            </a:pPr>
+            <a:r>
+              <a:rPr lang="en-US" sz="1350">
+                <a:solidFill>
+                  <a:srgbClr val="334155"/>
+                </a:solidFill>
+                <a:latin typeface="Arial"/>
+                <a:ea typeface="Arial"/>
+                <a:cs typeface="Arial"/>
+              </a:rPr>
+              <a:t>Código constant-time</a:t>
+            </a:r>
+            <a:endParaRPr lang="en-US" sz="1350"/>
+          </a:p>
+        </p:txBody>
+      </p:sp>
+      <p:sp>
+        <p:nvSpPr>
+          <p:cNvPr id="1262100755" name="Text 5"/>
+          <p:cNvSpPr/>
+          <p:nvPr/>
+        </p:nvSpPr>
+        <p:spPr bwMode="auto">
+          <a:xfrm>
+            <a:off x="6286500" y="1523999"/>
+            <a:ext cx="5246369" cy="365719"/>
+          </a:xfrm>
+          <a:prstGeom prst="rect">
+            <a:avLst/>
+          </a:prstGeom>
+          <a:noFill/>
+          <a:ln/>
+        </p:spPr>
+        <p:txBody>
+          <a:bodyPr wrap="square" lIns="0" tIns="0" rIns="0" bIns="0" rtlCol="0" anchor="t"/>
+          <a:lstStyle/>
+          <a:p>
+            <a:pPr marL="0" indent="0" algn="l">
+              <a:lnSpc>
+                <a:spcPts val="2159"/>
+              </a:lnSpc>
+              <a:spcBef>
+                <a:spcPts val="1124"/>
+              </a:spcBef>
+              <a:spcAft>
+                <a:spcPts val="749"/>
+              </a:spcAft>
+              <a:buNone/>
+              <a:defRPr/>
+            </a:pPr>
+            <a:r>
+              <a:rPr lang="en-US" sz="1800" b="1">
+                <a:solidFill>
+                  <a:srgbClr val="3B82F6"/>
+                </a:solidFill>
+                <a:latin typeface="Arial"/>
+                <a:ea typeface="Arial"/>
+                <a:cs typeface="Arial"/>
+              </a:rPr>
+              <a:t>Bibliotecas</a:t>
+            </a:r>
+            <a:endParaRPr lang="en-US" sz="1800"/>
+          </a:p>
+        </p:txBody>
+      </p:sp>
+      <p:sp>
+        <p:nvSpPr>
+          <p:cNvPr id="1052394248" name="Text 6"/>
+          <p:cNvSpPr/>
+          <p:nvPr/>
+        </p:nvSpPr>
+        <p:spPr bwMode="auto">
+          <a:xfrm>
+            <a:off x="6286500" y="2016720"/>
+            <a:ext cx="5143500" cy="1625599"/>
+          </a:xfrm>
+          <a:prstGeom prst="rect">
+            <a:avLst/>
+          </a:prstGeom>
+          <a:noFill/>
+          <a:ln/>
+        </p:spPr>
+        <p:txBody>
+          <a:bodyPr wrap="square" lIns="119062" tIns="0" rIns="0" bIns="0" rtlCol="0" anchor="t"/>
+          <a:lstStyle/>
+          <a:p>
+            <a:pPr marL="119062" indent="-119062" algn="l">
+              <a:lnSpc>
+                <a:spcPts val="2099"/>
+              </a:lnSpc>
+              <a:spcAft>
+                <a:spcPts val="449"/>
+              </a:spcAft>
+              <a:buSzPct val="100000"/>
+              <a:buChar char="•"/>
+              <a:defRPr/>
+            </a:pPr>
+            <a:r>
+              <a:rPr lang="en-US" sz="1350">
+                <a:solidFill>
+                  <a:srgbClr val="334155"/>
+                </a:solidFill>
+                <a:latin typeface="Arial"/>
+                <a:ea typeface="Arial"/>
+                <a:cs typeface="Arial"/>
+              </a:rPr>
+              <a:t>OpenSSL</a:t>
+            </a:r>
+            <a:endParaRPr lang="en-US" sz="1350"/>
+          </a:p>
+          <a:p>
+            <a:pPr marL="119062" indent="-119062" algn="l">
+              <a:lnSpc>
+                <a:spcPts val="2099"/>
+              </a:lnSpc>
+              <a:spcAft>
+                <a:spcPts val="449"/>
+              </a:spcAft>
+              <a:buSzPct val="100000"/>
+              <a:buChar char="•"/>
+              <a:defRPr/>
+            </a:pPr>
+            <a:r>
+              <a:rPr lang="en-US" sz="1350">
+                <a:solidFill>
+                  <a:srgbClr val="334155"/>
+                </a:solidFill>
+                <a:latin typeface="Arial"/>
+                <a:ea typeface="Arial"/>
+                <a:cs typeface="Arial"/>
+              </a:rPr>
+              <a:t>libsodium</a:t>
+            </a:r>
+            <a:endParaRPr lang="en-US" sz="1350"/>
+          </a:p>
+          <a:p>
+            <a:pPr marL="119062" indent="-119062" algn="l">
+              <a:lnSpc>
+                <a:spcPts val="2099"/>
+              </a:lnSpc>
+              <a:spcAft>
+                <a:spcPts val="449"/>
+              </a:spcAft>
+              <a:buSzPct val="100000"/>
+              <a:buChar char="•"/>
+              <a:defRPr/>
+            </a:pPr>
+            <a:r>
+              <a:rPr lang="en-US" sz="1350">
+                <a:solidFill>
+                  <a:srgbClr val="334155"/>
+                </a:solidFill>
+                <a:latin typeface="Arial"/>
+                <a:ea typeface="Arial"/>
+                <a:cs typeface="Arial"/>
+              </a:rPr>
+              <a:t>Rotinas críticas em Assembly</a:t>
+            </a:r>
+            <a:endParaRPr lang="en-US" sz="1350"/>
+          </a:p>
+        </p:txBody>
+      </p:sp>
+      <p:sp>
+        <p:nvSpPr>
+          <p:cNvPr id="2018259826" name="Text 7"/>
+          <p:cNvSpPr/>
+          <p:nvPr/>
+        </p:nvSpPr>
+        <p:spPr bwMode="auto">
+          <a:xfrm>
+            <a:off x="761999" y="5087539"/>
+            <a:ext cx="10667999" cy="665361"/>
+          </a:xfrm>
+          <a:prstGeom prst="roundRect">
+            <a:avLst>
+              <a:gd name="adj" fmla="val 11452"/>
+            </a:avLst>
+          </a:prstGeom>
+          <a:solidFill>
+            <a:srgbClr val="60A5FA"/>
+          </a:solidFill>
+          <a:ln/>
+        </p:spPr>
+        <p:txBody>
+          <a:bodyPr wrap="square" rtlCol="0" anchor="ctr"/>
+          <a:lstStyle/>
+          <a:p>
+            <a:pPr marL="0" indent="0">
+              <a:buNone/>
+              <a:defRPr/>
+            </a:pPr>
+            <a:endParaRPr lang="en-US"/>
+          </a:p>
+        </p:txBody>
+      </p:sp>
+      <p:sp>
+        <p:nvSpPr>
+          <p:cNvPr id="540709825" name="Text 8"/>
+          <p:cNvSpPr/>
+          <p:nvPr/>
+        </p:nvSpPr>
+        <p:spPr bwMode="auto">
+          <a:xfrm>
+            <a:off x="952499" y="5278039"/>
+            <a:ext cx="10492740" cy="284361"/>
+          </a:xfrm>
+          <a:prstGeom prst="rect">
+            <a:avLst/>
+          </a:prstGeom>
+          <a:noFill/>
+          <a:ln/>
+        </p:spPr>
+        <p:txBody>
+          <a:bodyPr wrap="square" lIns="0" tIns="0" rIns="0" bIns="0" rtlCol="0" anchor="t"/>
+          <a:lstStyle/>
+          <a:p>
+            <a:pPr marL="0" indent="0" algn="l">
+              <a:lnSpc>
+                <a:spcPts val="1679"/>
+              </a:lnSpc>
+              <a:buNone/>
+              <a:defRPr/>
+            </a:pPr>
+            <a:r>
+              <a:rPr lang="en-US" sz="1200">
+                <a:solidFill>
+                  <a:srgbClr val="FFFFFF"/>
+                </a:solidFill>
+                <a:latin typeface="Arial"/>
+                <a:ea typeface="Arial"/>
+                <a:cs typeface="Arial"/>
+              </a:rPr>
+              <a:t>NASM, GAS e MASM em criptografia</a:t>
+            </a:r>
+            <a:endParaRPr lang="en-US" sz="1200"/>
+          </a:p>
+        </p:txBody>
+      </p:sp>
+    </p:spTree>
+  </p:cSld>
+  <p:clrMapOvr>
+    <a:masterClrMapping/>
+  </p:clrMapOvr>
+  <mc:AlternateContent xmlns:mc="http://schemas.openxmlformats.org/markup-compatibility/2006">
+    <mc:Choice xmlns:p159="http://schemas.microsoft.com/office/powerpoint/2015/09/main" xmlns:p14="http://schemas.microsoft.com/office/powerpoint/2010/main" Requires="p159">
+      <p:transition p14:dur="2000" advClick="1"/>
+    </mc:Choice>
+    <mc:Fallback>
+      <p:transition advClick="1"/>
+    </mc:Fallback>
+  </mc:AlternateContent>
+</p:sld>
+</file>
+
+<file path=ppt/slides/slide9.xml><?xml version="1.0" encoding="utf-8"?>
+<p:sld xmlns:a="http://schemas.openxmlformats.org/drawingml/2006/main" xmlns:r="http://schemas.openxmlformats.org/officeDocument/2006/relationships" xmlns:p="http://schemas.openxmlformats.org/presentationml/2006/main" xmlns:m="http://schemas.openxmlformats.org/officeDocument/2006/math" xmlns:w="http://schemas.openxmlformats.org/wordprocessingml/2006/main" xmlns:mc="http://schemas.openxmlformats.org/markup-compatibility/2006" showMasterPhAnim="0" showMasterSp="1" show="1">
+  <p:cSld name="Slide 7">
+    <p:bg>
+      <p:bgPr shadeToTitle="0">
+        <a:solidFill>
+          <a:srgbClr val="F8FAFC"/>
+        </a:solidFill>
+      </p:bgPr>
+    </p:bg>
+    <p:spTree>
+      <p:nvGrpSpPr>
+        <p:cNvPr id="1" name=""/>
+        <p:cNvGrpSpPr/>
+        <p:nvPr/>
+      </p:nvGrpSpPr>
+      <p:grpSpPr bwMode="auto">
+        <a:xfrm>
+          <a:off x="0" y="0"/>
+          <a:ext cx="0" cy="0"/>
+          <a:chOff x="0" y="0"/>
+          <a:chExt cx="0" cy="0"/>
+        </a:xfrm>
+      </p:grpSpPr>
+      <p:sp>
+        <p:nvSpPr>
+          <p:cNvPr id="1089335233" name="Text 0"/>
+          <p:cNvSpPr/>
+          <p:nvPr/>
+        </p:nvSpPr>
+        <p:spPr bwMode="auto">
+          <a:xfrm>
+            <a:off x="761999" y="507999"/>
+            <a:ext cx="7189470" cy="507999"/>
+          </a:xfrm>
+          <a:prstGeom prst="rect">
+            <a:avLst/>
+          </a:prstGeom>
+          <a:noFill/>
+          <a:ln/>
+        </p:spPr>
+        <p:txBody>
+          <a:bodyPr wrap="square" lIns="0" tIns="0" rIns="0" bIns="0" rtlCol="0" anchor="t"/>
+          <a:lstStyle/>
+          <a:p>
+            <a:pPr marL="0" indent="0" algn="l">
+              <a:lnSpc>
+                <a:spcPts val="2999"/>
+              </a:lnSpc>
+              <a:spcAft>
+                <a:spcPts val="1874"/>
+              </a:spcAft>
+              <a:buNone/>
+              <a:defRPr/>
+            </a:pPr>
+            <a:r>
+              <a:rPr lang="en-US" sz="2700" b="1">
+                <a:solidFill>
+                  <a:srgbClr val="1E3A8A"/>
+                </a:solidFill>
+                <a:latin typeface="Arial"/>
+                <a:ea typeface="Arial"/>
+                <a:cs typeface="Arial"/>
+              </a:rPr>
+              <a:t>Drivers, Firmware e Bootloaders</a:t>
+            </a:r>
+            <a:endParaRPr lang="en-US" sz="2700"/>
+          </a:p>
+        </p:txBody>
+      </p:sp>
+      <p:sp>
+        <p:nvSpPr>
+          <p:cNvPr id="1404862370" name="Text 1"/>
+          <p:cNvSpPr/>
+          <p:nvPr/>
+        </p:nvSpPr>
+        <p:spPr bwMode="auto">
+          <a:xfrm>
+            <a:off x="761999" y="1333499"/>
+            <a:ext cx="10881360" cy="365719"/>
+          </a:xfrm>
+          <a:prstGeom prst="rect">
+            <a:avLst/>
+          </a:prstGeom>
+          <a:noFill/>
+          <a:ln/>
+        </p:spPr>
+        <p:txBody>
+          <a:bodyPr wrap="square" lIns="0" tIns="0" rIns="0" bIns="0" rtlCol="0" anchor="t"/>
+          <a:lstStyle/>
+          <a:p>
+            <a:pPr marL="0" indent="0" algn="l">
+              <a:lnSpc>
+                <a:spcPts val="2159"/>
+              </a:lnSpc>
+              <a:spcBef>
+                <a:spcPts val="1124"/>
+              </a:spcBef>
+              <a:spcAft>
+                <a:spcPts val="749"/>
+              </a:spcAft>
+              <a:buNone/>
+              <a:defRPr/>
+            </a:pPr>
+            <a:r>
+              <a:rPr lang="en-US" sz="1800" b="1">
+                <a:solidFill>
+                  <a:srgbClr val="3B82F6"/>
+                </a:solidFill>
+                <a:latin typeface="Arial"/>
+                <a:ea typeface="Arial"/>
+                <a:cs typeface="Arial"/>
+              </a:rPr>
+              <a:t>Componentes de Sistema</a:t>
+            </a:r>
+            <a:endParaRPr lang="en-US" sz="1800"/>
+          </a:p>
+        </p:txBody>
+      </p:sp>
+      <p:sp>
+        <p:nvSpPr>
+          <p:cNvPr id="460125340" name="Text 2"/>
+          <p:cNvSpPr/>
+          <p:nvPr/>
+        </p:nvSpPr>
+        <p:spPr bwMode="auto">
+          <a:xfrm>
+            <a:off x="761999" y="1826219"/>
+            <a:ext cx="10667999" cy="1625599"/>
+          </a:xfrm>
+          <a:prstGeom prst="rect">
+            <a:avLst/>
+          </a:prstGeom>
+          <a:noFill/>
+          <a:ln/>
+        </p:spPr>
+        <p:txBody>
+          <a:bodyPr wrap="square" lIns="119062" tIns="0" rIns="0" bIns="0" rtlCol="0" anchor="t"/>
+          <a:lstStyle/>
+          <a:p>
+            <a:pPr marL="0" indent="0" algn="l">
+              <a:lnSpc>
+                <a:spcPts val="2099"/>
+              </a:lnSpc>
+              <a:spcAft>
+                <a:spcPts val="449"/>
+              </a:spcAft>
+              <a:buNone/>
+              <a:defRPr/>
+            </a:pPr>
+            <a:r>
+              <a:rPr lang="en-US" sz="1350" b="1">
+                <a:solidFill>
+                  <a:srgbClr val="334155"/>
+                </a:solidFill>
+                <a:latin typeface="Arial"/>
+                <a:ea typeface="Arial"/>
+                <a:cs typeface="Arial"/>
+              </a:rPr>
+              <a:t>Drivers</a:t>
+            </a:r>
+            <a:r>
+              <a:rPr lang="en-US" sz="1350">
+                <a:solidFill>
+                  <a:srgbClr val="334155"/>
+                </a:solidFill>
+                <a:latin typeface="Arial"/>
+                <a:ea typeface="Arial"/>
+                <a:cs typeface="Arial"/>
+              </a:rPr>
+              <a:t>: Interface hardware ↔ SO</a:t>
+            </a:r>
+            <a:endParaRPr lang="en-US" sz="1350"/>
+          </a:p>
+          <a:p>
+            <a:pPr marL="0" indent="0" algn="l">
+              <a:lnSpc>
+                <a:spcPts val="2099"/>
+              </a:lnSpc>
+              <a:spcAft>
+                <a:spcPts val="449"/>
+              </a:spcAft>
+              <a:buNone/>
+              <a:defRPr/>
+            </a:pPr>
+            <a:r>
+              <a:rPr lang="en-US" sz="1350" b="1">
+                <a:solidFill>
+                  <a:srgbClr val="334155"/>
+                </a:solidFill>
+                <a:latin typeface="Arial"/>
+                <a:ea typeface="Arial"/>
+                <a:cs typeface="Arial"/>
+              </a:rPr>
+              <a:t>Firmware</a:t>
+            </a:r>
+            <a:r>
+              <a:rPr lang="en-US" sz="1350">
+                <a:solidFill>
+                  <a:srgbClr val="334155"/>
+                </a:solidFill>
+                <a:latin typeface="Arial"/>
+                <a:ea typeface="Arial"/>
+                <a:cs typeface="Arial"/>
+              </a:rPr>
+              <a:t>: Software embebido</a:t>
+            </a:r>
+            <a:endParaRPr lang="en-US" sz="1350"/>
+          </a:p>
+          <a:p>
+            <a:pPr marL="0" indent="0" algn="l">
+              <a:lnSpc>
+                <a:spcPts val="2099"/>
+              </a:lnSpc>
+              <a:spcAft>
+                <a:spcPts val="449"/>
+              </a:spcAft>
+              <a:buNone/>
+              <a:defRPr/>
+            </a:pPr>
+            <a:r>
+              <a:rPr lang="en-US" sz="1350" b="1">
+                <a:solidFill>
+                  <a:srgbClr val="334155"/>
+                </a:solidFill>
+                <a:latin typeface="Arial"/>
+                <a:ea typeface="Arial"/>
+                <a:cs typeface="Arial"/>
+              </a:rPr>
+              <a:t>Bootloaders</a:t>
+            </a:r>
+            <a:r>
+              <a:rPr lang="en-US" sz="1350">
+                <a:solidFill>
+                  <a:srgbClr val="334155"/>
+                </a:solidFill>
+                <a:latin typeface="Arial"/>
+                <a:ea typeface="Arial"/>
+                <a:cs typeface="Arial"/>
+              </a:rPr>
+              <a:t>: Inicialização antes do SO</a:t>
+            </a:r>
+            <a:endParaRPr lang="en-US" sz="1350"/>
+          </a:p>
+        </p:txBody>
+      </p:sp>
+      <p:sp>
+        <p:nvSpPr>
+          <p:cNvPr id="596940829" name="Text 3"/>
+          <p:cNvSpPr/>
+          <p:nvPr/>
+        </p:nvSpPr>
+        <p:spPr bwMode="auto">
+          <a:xfrm>
+            <a:off x="761999" y="3604219"/>
+            <a:ext cx="10667999" cy="665361"/>
+          </a:xfrm>
+          <a:prstGeom prst="roundRect">
+            <a:avLst>
+              <a:gd name="adj" fmla="val 11452"/>
+            </a:avLst>
+          </a:prstGeom>
+          <a:solidFill>
+            <a:srgbClr val="60A5FA"/>
+          </a:solidFill>
+          <a:ln/>
+        </p:spPr>
+        <p:txBody>
+          <a:bodyPr wrap="square" rtlCol="0" anchor="ctr"/>
+          <a:lstStyle/>
+          <a:p>
+            <a:pPr marL="0" indent="0">
+              <a:buNone/>
+              <a:defRPr/>
+            </a:pPr>
+            <a:endParaRPr lang="en-US"/>
+          </a:p>
+        </p:txBody>
+      </p:sp>
+      <p:sp>
+        <p:nvSpPr>
+          <p:cNvPr id="777115626" name="Text 4"/>
+          <p:cNvSpPr/>
+          <p:nvPr/>
+        </p:nvSpPr>
+        <p:spPr bwMode="auto">
+          <a:xfrm>
+            <a:off x="952499" y="3794719"/>
+            <a:ext cx="10492740" cy="284361"/>
+          </a:xfrm>
+          <a:prstGeom prst="rect">
+            <a:avLst/>
+          </a:prstGeom>
+          <a:noFill/>
+          <a:ln/>
+        </p:spPr>
+        <p:txBody>
+          <a:bodyPr wrap="square" lIns="0" tIns="0" rIns="0" bIns="0" rtlCol="0" anchor="t"/>
+          <a:lstStyle/>
+          <a:p>
+            <a:pPr marL="0" indent="0" algn="l">
+              <a:lnSpc>
+                <a:spcPts val="1679"/>
+              </a:lnSpc>
+              <a:buNone/>
+              <a:defRPr/>
+            </a:pPr>
+            <a:r>
+              <a:rPr lang="en-US" sz="1200">
+                <a:solidFill>
+                  <a:srgbClr val="FFFFFF"/>
+                </a:solidFill>
+                <a:latin typeface="Arial"/>
+                <a:ea typeface="Arial"/>
+                <a:cs typeface="Arial"/>
+              </a:rPr>
+              <a:t>GAS domina em Linux, MASM em Windows</a:t>
+            </a:r>
+            <a:endParaRPr lang="en-US" sz="1200"/>
+          </a:p>
+        </p:txBody>
+      </p:sp>
+      <p:sp>
+        <p:nvSpPr>
+          <p:cNvPr id="1052281865" name="Text 5"/>
+          <p:cNvSpPr/>
+          <p:nvPr/>
+        </p:nvSpPr>
+        <p:spPr bwMode="auto">
+          <a:xfrm>
+            <a:off x="761999" y="4460081"/>
+            <a:ext cx="10881360" cy="365719"/>
+          </a:xfrm>
+          <a:prstGeom prst="rect">
+            <a:avLst/>
+          </a:prstGeom>
+          <a:noFill/>
+          <a:ln/>
+        </p:spPr>
+        <p:txBody>
+          <a:bodyPr wrap="square" lIns="0" tIns="0" rIns="0" bIns="0" rtlCol="0" anchor="t"/>
+          <a:lstStyle/>
+          <a:p>
+            <a:pPr marL="0" indent="0" algn="l">
+              <a:lnSpc>
+                <a:spcPts val="2159"/>
+              </a:lnSpc>
+              <a:spcBef>
+                <a:spcPts val="1124"/>
+              </a:spcBef>
+              <a:spcAft>
+                <a:spcPts val="749"/>
+              </a:spcAft>
+              <a:buNone/>
+              <a:defRPr/>
+            </a:pPr>
+            <a:r>
+              <a:rPr lang="en-US" sz="1800" b="1">
+                <a:solidFill>
+                  <a:srgbClr val="3B82F6"/>
+                </a:solidFill>
+                <a:latin typeface="Arial"/>
+                <a:ea typeface="Arial"/>
+                <a:cs typeface="Arial"/>
+              </a:rPr>
+              <a:t>Requisitos</a:t>
+            </a:r>
+            <a:endParaRPr lang="en-US" sz="1800"/>
+          </a:p>
+        </p:txBody>
+      </p:sp>
+      <p:sp>
+        <p:nvSpPr>
+          <p:cNvPr id="1315967574" name="Text 6"/>
+          <p:cNvSpPr/>
+          <p:nvPr/>
+        </p:nvSpPr>
+        <p:spPr bwMode="auto">
+          <a:xfrm>
+            <a:off x="761999" y="4952801"/>
+            <a:ext cx="10667999" cy="1066799"/>
+          </a:xfrm>
+          <a:prstGeom prst="rect">
+            <a:avLst/>
+          </a:prstGeom>
+          <a:noFill/>
+          <a:ln/>
+        </p:spPr>
+        <p:txBody>
+          <a:bodyPr wrap="square" lIns="119062" tIns="0" rIns="0" bIns="0" rtlCol="0" anchor="t"/>
+          <a:lstStyle/>
+          <a:p>
+            <a:pPr marL="119062" indent="-119062" algn="l">
+              <a:lnSpc>
+                <a:spcPts val="2099"/>
+              </a:lnSpc>
+              <a:spcAft>
+                <a:spcPts val="449"/>
+              </a:spcAft>
+              <a:buSzPct val="100000"/>
+              <a:buChar char="•"/>
+              <a:defRPr/>
+            </a:pPr>
+            <a:r>
+              <a:rPr lang="en-US" sz="1350">
+                <a:solidFill>
+                  <a:srgbClr val="334155"/>
+                </a:solidFill>
+                <a:latin typeface="Arial"/>
+                <a:ea typeface="Arial"/>
+                <a:cs typeface="Arial"/>
+              </a:rPr>
+              <a:t>Acesso directo a instruções do CPU</a:t>
+            </a:r>
+            <a:endParaRPr lang="en-US" sz="1350"/>
+          </a:p>
+          <a:p>
+            <a:pPr marL="119062" indent="-119062" algn="l">
+              <a:lnSpc>
+                <a:spcPts val="2099"/>
+              </a:lnSpc>
+              <a:spcAft>
+                <a:spcPts val="449"/>
+              </a:spcAft>
+              <a:buSzPct val="100000"/>
+              <a:buChar char="•"/>
+              <a:defRPr/>
+            </a:pPr>
+            <a:r>
+              <a:rPr lang="en-US" sz="1350">
+                <a:solidFill>
+                  <a:srgbClr val="334155"/>
+                </a:solidFill>
+                <a:latin typeface="Arial"/>
+                <a:ea typeface="Arial"/>
+                <a:cs typeface="Arial"/>
+              </a:rPr>
+              <a:t>Gestão de interrupções ao nível do hardware</a:t>
+            </a:r>
+            <a:endParaRPr lang="en-US" sz="1350"/>
+          </a:p>
+        </p:txBody>
+      </p:sp>
+    </p:spTree>
+  </p:cSld>
+  <p:clrMapOvr>
+    <a:masterClrMapping/>
+  </p:clrMapOvr>
+  <mc:AlternateContent xmlns:mc="http://schemas.openxmlformats.org/markup-compatibility/2006">
+    <mc:Choice xmlns:p159="http://schemas.microsoft.com/office/powerpoint/2015/09/main" xmlns:p14="http://schemas.microsoft.com/office/powerpoint/2010/main" Requires="p159">
+      <p:transition p14:dur="2000" advClick="1"/>
+    </mc:Choice>
+    <mc:Fallback>
+      <p:transition advClick="1"/>
+    </mc:Fallback>
+  </mc:AlternateContent>
+</p:sld>
+</file>
+
 <file path=ppt/theme/theme1.xml><?xml version="1.0" encoding="utf-8"?>
 <a:theme xmlns:a="http://schemas.openxmlformats.org/drawingml/2006/main" xmlns:r="http://schemas.openxmlformats.org/officeDocument/2006/relationships" xmlns:p="http://schemas.openxmlformats.org/presentationml/2006/main" name="Office Theme">
   <a:themeElements>

--- a/acomp/trabalhos_praticos/Apresentação ADC - Assembly.pptx
+++ b/acomp/trabalhos_praticos/Apresentação ADC - Assembly.pptx
@@ -144,7 +144,7 @@
       </p:grpSpPr>
       <p:sp>
         <p:nvSpPr>
-          <p:cNvPr id="1236942172" name="Header Placeholder 1"/>
+          <p:cNvPr id="1608991101" name="Header Placeholder 1"/>
           <p:cNvSpPr>
             <a:spLocks noGrp="1"/>
           </p:cNvSpPr>
@@ -178,7 +178,7 @@
       </p:sp>
       <p:sp>
         <p:nvSpPr>
-          <p:cNvPr id="1292858033" name="Date Placeholder 2"/>
+          <p:cNvPr id="1507281192" name="Date Placeholder 2"/>
           <p:cNvSpPr>
             <a:spLocks noGrp="1"/>
           </p:cNvSpPr>
@@ -212,7 +212,7 @@
       </p:sp>
       <p:sp>
         <p:nvSpPr>
-          <p:cNvPr id="1761122356" name="Date Placeholder 2"/>
+          <p:cNvPr id="972990340" name="Date Placeholder 2"/>
           <p:cNvSpPr>
             <a:spLocks noGrp="1"/>
           </p:cNvSpPr>
@@ -246,7 +246,7 @@
       </p:sp>
       <p:sp>
         <p:nvSpPr>
-          <p:cNvPr id="2107370017" name="Notes Placeholder 4"/>
+          <p:cNvPr id="874467365" name="Notes Placeholder 4"/>
           <p:cNvSpPr>
             <a:spLocks noGrp="1"/>
           </p:cNvSpPr>
@@ -276,7 +276,7 @@
       </p:sp>
       <p:sp>
         <p:nvSpPr>
-          <p:cNvPr id="189989666" name="Footer Placeholder 5"/>
+          <p:cNvPr id="2021223704" name="Footer Placeholder 5"/>
           <p:cNvSpPr>
             <a:spLocks noGrp="1"/>
           </p:cNvSpPr>
@@ -310,7 +310,7 @@
       </p:sp>
       <p:sp>
         <p:nvSpPr>
-          <p:cNvPr id="1983375963" name="Slide Number Placeholder 6"/>
+          <p:cNvPr id="2038025503" name="Slide Number Placeholder 6"/>
           <p:cNvSpPr>
             <a:spLocks noGrp="1"/>
           </p:cNvSpPr>
@@ -459,7 +459,7 @@
       </p:grpSpPr>
       <p:sp>
         <p:nvSpPr>
-          <p:cNvPr id="1360454378" name="Slide Image Placeholder 1"/>
+          <p:cNvPr id="1962770188" name="Slide Image Placeholder 1"/>
           <p:cNvSpPr>
             <a:spLocks noChangeAspect="1" noGrp="1" noRot="1"/>
           </p:cNvSpPr>
@@ -471,7 +471,7 @@
       </p:sp>
       <p:sp>
         <p:nvSpPr>
-          <p:cNvPr id="357690773" name="Notes Placeholder 2"/>
+          <p:cNvPr id="1524659537" name="Notes Placeholder 2"/>
           <p:cNvSpPr>
             <a:spLocks noGrp="1"/>
           </p:cNvSpPr>
@@ -493,7 +493,7 @@
       </p:sp>
       <p:sp>
         <p:nvSpPr>
-          <p:cNvPr id="1360878655" name="Slide Number Placeholder 3"/>
+          <p:cNvPr id="1500161434" name="Slide Number Placeholder 3"/>
           <p:cNvSpPr>
             <a:spLocks noGrp="1"/>
           </p:cNvSpPr>
@@ -544,7 +544,7 @@
       </p:grpSpPr>
       <p:sp>
         <p:nvSpPr>
-          <p:cNvPr id="254766623" name="Slide Image Placeholder 1"/>
+          <p:cNvPr id="2025127108" name="Slide Image Placeholder 1"/>
           <p:cNvSpPr>
             <a:spLocks noChangeAspect="1" noGrp="1" noRot="1"/>
           </p:cNvSpPr>
@@ -556,7 +556,7 @@
       </p:sp>
       <p:sp>
         <p:nvSpPr>
-          <p:cNvPr id="425553782" name="Notes Placeholder 2"/>
+          <p:cNvPr id="1543078876" name="Notes Placeholder 2"/>
           <p:cNvSpPr>
             <a:spLocks noGrp="1"/>
           </p:cNvSpPr>
@@ -578,7 +578,7 @@
       </p:sp>
       <p:sp>
         <p:nvSpPr>
-          <p:cNvPr id="1403062331" name="Slide Number Placeholder 3"/>
+          <p:cNvPr id="882024431" name="Slide Number Placeholder 3"/>
           <p:cNvSpPr>
             <a:spLocks noGrp="1"/>
           </p:cNvSpPr>
@@ -629,7 +629,7 @@
       </p:grpSpPr>
       <p:sp>
         <p:nvSpPr>
-          <p:cNvPr id="1193363469" name="Slide Image Placeholder 1"/>
+          <p:cNvPr id="286962117" name="Slide Image Placeholder 1"/>
           <p:cNvSpPr>
             <a:spLocks noChangeAspect="1" noGrp="1" noRot="1"/>
           </p:cNvSpPr>
@@ -641,7 +641,7 @@
       </p:sp>
       <p:sp>
         <p:nvSpPr>
-          <p:cNvPr id="610881043" name="Notes Placeholder 2"/>
+          <p:cNvPr id="1041402279" name="Notes Placeholder 2"/>
           <p:cNvSpPr>
             <a:spLocks noGrp="1"/>
           </p:cNvSpPr>
@@ -663,7 +663,7 @@
       </p:sp>
       <p:sp>
         <p:nvSpPr>
-          <p:cNvPr id="310649022" name="Slide Number Placeholder 3"/>
+          <p:cNvPr id="758120396" name="Slide Number Placeholder 3"/>
           <p:cNvSpPr>
             <a:spLocks noGrp="1"/>
           </p:cNvSpPr>
@@ -714,7 +714,7 @@
       </p:grpSpPr>
       <p:sp>
         <p:nvSpPr>
-          <p:cNvPr id="1991539894" name="Slide Image Placeholder 1"/>
+          <p:cNvPr id="270083786" name="Slide Image Placeholder 1"/>
           <p:cNvSpPr>
             <a:spLocks noChangeAspect="1" noGrp="1" noRot="1"/>
           </p:cNvSpPr>
@@ -726,7 +726,7 @@
       </p:sp>
       <p:sp>
         <p:nvSpPr>
-          <p:cNvPr id="1112113284" name="Notes Placeholder 2"/>
+          <p:cNvPr id="1960717521" name="Notes Placeholder 2"/>
           <p:cNvSpPr>
             <a:spLocks noGrp="1"/>
           </p:cNvSpPr>
@@ -748,7 +748,7 @@
       </p:sp>
       <p:sp>
         <p:nvSpPr>
-          <p:cNvPr id="1720152838" name="Slide Number Placeholder 3"/>
+          <p:cNvPr id="102995879" name="Slide Number Placeholder 3"/>
           <p:cNvSpPr>
             <a:spLocks noGrp="1"/>
           </p:cNvSpPr>
@@ -799,7 +799,7 @@
       </p:grpSpPr>
       <p:sp>
         <p:nvSpPr>
-          <p:cNvPr id="2093226643" name="Slide Image Placeholder 1"/>
+          <p:cNvPr id="420220501" name="Slide Image Placeholder 1"/>
           <p:cNvSpPr>
             <a:spLocks noChangeAspect="1" noGrp="1" noRot="1"/>
           </p:cNvSpPr>
@@ -811,7 +811,7 @@
       </p:sp>
       <p:sp>
         <p:nvSpPr>
-          <p:cNvPr id="1276034813" name="Notes Placeholder 2"/>
+          <p:cNvPr id="916443654" name="Notes Placeholder 2"/>
           <p:cNvSpPr>
             <a:spLocks noGrp="1"/>
           </p:cNvSpPr>
@@ -833,7 +833,7 @@
       </p:sp>
       <p:sp>
         <p:nvSpPr>
-          <p:cNvPr id="1089504748" name="Slide Number Placeholder 3"/>
+          <p:cNvPr id="1605159266" name="Slide Number Placeholder 3"/>
           <p:cNvSpPr>
             <a:spLocks noGrp="1"/>
           </p:cNvSpPr>
@@ -884,7 +884,7 @@
       </p:grpSpPr>
       <p:sp>
         <p:nvSpPr>
-          <p:cNvPr id="1670725283" name="Slide Image Placeholder 1"/>
+          <p:cNvPr id="100731291" name="Slide Image Placeholder 1"/>
           <p:cNvSpPr>
             <a:spLocks noChangeAspect="1" noGrp="1" noRot="1"/>
           </p:cNvSpPr>
@@ -896,7 +896,7 @@
       </p:sp>
       <p:sp>
         <p:nvSpPr>
-          <p:cNvPr id="377115963" name="Notes Placeholder 2"/>
+          <p:cNvPr id="1532352603" name="Notes Placeholder 2"/>
           <p:cNvSpPr>
             <a:spLocks noGrp="1"/>
           </p:cNvSpPr>
@@ -918,7 +918,7 @@
       </p:sp>
       <p:sp>
         <p:nvSpPr>
-          <p:cNvPr id="1439763753" name="Slide Number Placeholder 3"/>
+          <p:cNvPr id="486955839" name="Slide Number Placeholder 3"/>
           <p:cNvSpPr>
             <a:spLocks noGrp="1"/>
           </p:cNvSpPr>
@@ -969,7 +969,7 @@
       </p:grpSpPr>
       <p:sp>
         <p:nvSpPr>
-          <p:cNvPr id="1390002897" name="Slide Image Placeholder 1"/>
+          <p:cNvPr id="2131215270" name="Slide Image Placeholder 1"/>
           <p:cNvSpPr>
             <a:spLocks noChangeAspect="1" noGrp="1" noRot="1"/>
           </p:cNvSpPr>
@@ -981,7 +981,7 @@
       </p:sp>
       <p:sp>
         <p:nvSpPr>
-          <p:cNvPr id="1689664397" name="Notes Placeholder 2"/>
+          <p:cNvPr id="956093987" name="Notes Placeholder 2"/>
           <p:cNvSpPr>
             <a:spLocks noGrp="1"/>
           </p:cNvSpPr>
@@ -1003,7 +1003,7 @@
       </p:sp>
       <p:sp>
         <p:nvSpPr>
-          <p:cNvPr id="1136614012" name="Slide Number Placeholder 3"/>
+          <p:cNvPr id="350510205" name="Slide Number Placeholder 3"/>
           <p:cNvSpPr>
             <a:spLocks noGrp="1"/>
           </p:cNvSpPr>
@@ -1054,7 +1054,7 @@
       </p:grpSpPr>
       <p:sp>
         <p:nvSpPr>
-          <p:cNvPr id="1307496845" name="Slide Image Placeholder 1"/>
+          <p:cNvPr id="187237746" name="Slide Image Placeholder 1"/>
           <p:cNvSpPr>
             <a:spLocks noChangeAspect="1" noGrp="1" noRot="1"/>
           </p:cNvSpPr>
@@ -1066,7 +1066,7 @@
       </p:sp>
       <p:sp>
         <p:nvSpPr>
-          <p:cNvPr id="1016376253" name="Notes Placeholder 2"/>
+          <p:cNvPr id="615678506" name="Notes Placeholder 2"/>
           <p:cNvSpPr>
             <a:spLocks noGrp="1"/>
           </p:cNvSpPr>
@@ -1088,7 +1088,7 @@
       </p:sp>
       <p:sp>
         <p:nvSpPr>
-          <p:cNvPr id="1972343983" name="Slide Number Placeholder 3"/>
+          <p:cNvPr id="833667524" name="Slide Number Placeholder 3"/>
           <p:cNvSpPr>
             <a:spLocks noGrp="1"/>
           </p:cNvSpPr>
@@ -1139,7 +1139,7 @@
       </p:grpSpPr>
       <p:sp>
         <p:nvSpPr>
-          <p:cNvPr id="1125406639" name="Slide Image Placeholder 1"/>
+          <p:cNvPr id="1436941005" name="Slide Image Placeholder 1"/>
           <p:cNvSpPr>
             <a:spLocks noChangeAspect="1" noGrp="1" noRot="1"/>
           </p:cNvSpPr>
@@ -1151,7 +1151,7 @@
       </p:sp>
       <p:sp>
         <p:nvSpPr>
-          <p:cNvPr id="1986966731" name="Notes Placeholder 2"/>
+          <p:cNvPr id="1001501725" name="Notes Placeholder 2"/>
           <p:cNvSpPr>
             <a:spLocks noGrp="1"/>
           </p:cNvSpPr>
@@ -1173,7 +1173,7 @@
       </p:sp>
       <p:sp>
         <p:nvSpPr>
-          <p:cNvPr id="978889747" name="Slide Number Placeholder 3"/>
+          <p:cNvPr id="2111560881" name="Slide Number Placeholder 3"/>
           <p:cNvSpPr>
             <a:spLocks noGrp="1"/>
           </p:cNvSpPr>
@@ -1224,7 +1224,7 @@
       </p:grpSpPr>
       <p:sp>
         <p:nvSpPr>
-          <p:cNvPr id="2004291769" name="Slide Image Placeholder 1"/>
+          <p:cNvPr id="1697728905" name="Slide Image Placeholder 1"/>
           <p:cNvSpPr>
             <a:spLocks noChangeAspect="1" noGrp="1" noRot="1"/>
           </p:cNvSpPr>
@@ -1236,7 +1236,7 @@
       </p:sp>
       <p:sp>
         <p:nvSpPr>
-          <p:cNvPr id="1303111346" name="Notes Placeholder 2"/>
+          <p:cNvPr id="1610079966" name="Notes Placeholder 2"/>
           <p:cNvSpPr>
             <a:spLocks noGrp="1"/>
           </p:cNvSpPr>
@@ -1258,7 +1258,7 @@
       </p:sp>
       <p:sp>
         <p:nvSpPr>
-          <p:cNvPr id="1926884264" name="Slide Number Placeholder 3"/>
+          <p:cNvPr id="494398181" name="Slide Number Placeholder 3"/>
           <p:cNvSpPr>
             <a:spLocks noGrp="1"/>
           </p:cNvSpPr>
@@ -1309,7 +1309,7 @@
       </p:grpSpPr>
       <p:sp>
         <p:nvSpPr>
-          <p:cNvPr id="1133410437" name="Slide Image Placeholder 1"/>
+          <p:cNvPr id="1990222221" name="Slide Image Placeholder 1"/>
           <p:cNvSpPr>
             <a:spLocks noChangeAspect="1" noGrp="1" noRot="1"/>
           </p:cNvSpPr>
@@ -1321,7 +1321,7 @@
       </p:sp>
       <p:sp>
         <p:nvSpPr>
-          <p:cNvPr id="387362941" name="Notes Placeholder 2"/>
+          <p:cNvPr id="1355534004" name="Notes Placeholder 2"/>
           <p:cNvSpPr>
             <a:spLocks noGrp="1"/>
           </p:cNvSpPr>
@@ -1343,7 +1343,7 @@
       </p:sp>
       <p:sp>
         <p:nvSpPr>
-          <p:cNvPr id="1216160945" name="Slide Number Placeholder 3"/>
+          <p:cNvPr id="97895569" name="Slide Number Placeholder 3"/>
           <p:cNvSpPr>
             <a:spLocks noGrp="1"/>
           </p:cNvSpPr>
@@ -1394,7 +1394,7 @@
       </p:grpSpPr>
       <p:sp>
         <p:nvSpPr>
-          <p:cNvPr id="861221235" name="Title 1"/>
+          <p:cNvPr id="1483083404" name="Title 1"/>
           <p:cNvSpPr>
             <a:spLocks noGrp="1"/>
           </p:cNvSpPr>
@@ -1429,7 +1429,7 @@
       </p:sp>
       <p:sp>
         <p:nvSpPr>
-          <p:cNvPr id="257868224" name="Subtitle 2"/>
+          <p:cNvPr id="1176602528" name="Subtitle 2"/>
           <p:cNvSpPr>
             <a:spLocks noGrp="1"/>
           </p:cNvSpPr>
@@ -1497,7 +1497,7 @@
       </p:sp>
       <p:sp>
         <p:nvSpPr>
-          <p:cNvPr id="904758709" name="Date Placeholder 3"/>
+          <p:cNvPr id="1072023159" name="Date Placeholder 3"/>
           <p:cNvSpPr>
             <a:spLocks noGrp="1"/>
           </p:cNvSpPr>
@@ -1523,7 +1523,7 @@
       </p:sp>
       <p:sp>
         <p:nvSpPr>
-          <p:cNvPr id="1645754201" name="Footer Placeholder 4"/>
+          <p:cNvPr id="1404163798" name="Footer Placeholder 4"/>
           <p:cNvSpPr>
             <a:spLocks noGrp="1"/>
           </p:cNvSpPr>
@@ -1545,7 +1545,7 @@
       </p:sp>
       <p:sp>
         <p:nvSpPr>
-          <p:cNvPr id="871579564" name="Slide Number Placeholder 5"/>
+          <p:cNvPr id="73420462" name="Slide Number Placeholder 5"/>
           <p:cNvSpPr>
             <a:spLocks noGrp="1"/>
           </p:cNvSpPr>
@@ -1596,7 +1596,7 @@
       </p:grpSpPr>
       <p:sp>
         <p:nvSpPr>
-          <p:cNvPr id="1316869327" name="Title 1"/>
+          <p:cNvPr id="157854279" name="Title 1"/>
           <p:cNvSpPr>
             <a:spLocks noGrp="1"/>
           </p:cNvSpPr>
@@ -1622,7 +1622,7 @@
       </p:sp>
       <p:sp>
         <p:nvSpPr>
-          <p:cNvPr id="1340323758" name="Vertical Text Placeholder 2"/>
+          <p:cNvPr id="745172193" name="Vertical Text Placeholder 2"/>
           <p:cNvSpPr>
             <a:spLocks noGrp="1"/>
           </p:cNvSpPr>
@@ -1688,7 +1688,7 @@
       </p:sp>
       <p:sp>
         <p:nvSpPr>
-          <p:cNvPr id="1106391803" name="Date Placeholder 3"/>
+          <p:cNvPr id="876111733" name="Date Placeholder 3"/>
           <p:cNvSpPr>
             <a:spLocks noGrp="1"/>
           </p:cNvSpPr>
@@ -1714,7 +1714,7 @@
       </p:sp>
       <p:sp>
         <p:nvSpPr>
-          <p:cNvPr id="647772146" name="Footer Placeholder 4"/>
+          <p:cNvPr id="2118272806" name="Footer Placeholder 4"/>
           <p:cNvSpPr>
             <a:spLocks noGrp="1"/>
           </p:cNvSpPr>
@@ -1736,7 +1736,7 @@
       </p:sp>
       <p:sp>
         <p:nvSpPr>
-          <p:cNvPr id="112044636" name="Slide Number Placeholder 5"/>
+          <p:cNvPr id="349102710" name="Slide Number Placeholder 5"/>
           <p:cNvSpPr>
             <a:spLocks noGrp="1"/>
           </p:cNvSpPr>
@@ -1787,7 +1787,7 @@
       </p:grpSpPr>
       <p:sp>
         <p:nvSpPr>
-          <p:cNvPr id="1614939651" name="Vertical Title 1"/>
+          <p:cNvPr id="1161897399" name="Vertical Title 1"/>
           <p:cNvSpPr>
             <a:spLocks noGrp="1"/>
           </p:cNvSpPr>
@@ -1818,7 +1818,7 @@
       </p:sp>
       <p:sp>
         <p:nvSpPr>
-          <p:cNvPr id="873851508" name="Vertical Text Placeholder 2"/>
+          <p:cNvPr id="220244893" name="Vertical Text Placeholder 2"/>
           <p:cNvSpPr>
             <a:spLocks noGrp="1"/>
           </p:cNvSpPr>
@@ -1889,7 +1889,7 @@
       </p:sp>
       <p:sp>
         <p:nvSpPr>
-          <p:cNvPr id="145155196" name="Date Placeholder 3"/>
+          <p:cNvPr id="1204130652" name="Date Placeholder 3"/>
           <p:cNvSpPr>
             <a:spLocks noGrp="1"/>
           </p:cNvSpPr>
@@ -1915,7 +1915,7 @@
       </p:sp>
       <p:sp>
         <p:nvSpPr>
-          <p:cNvPr id="1257615290" name="Footer Placeholder 4"/>
+          <p:cNvPr id="409980628" name="Footer Placeholder 4"/>
           <p:cNvSpPr>
             <a:spLocks noGrp="1"/>
           </p:cNvSpPr>
@@ -1937,7 +1937,7 @@
       </p:sp>
       <p:sp>
         <p:nvSpPr>
-          <p:cNvPr id="1780484919" name="Slide Number Placeholder 5"/>
+          <p:cNvPr id="69185502" name="Slide Number Placeholder 5"/>
           <p:cNvSpPr>
             <a:spLocks noGrp="1"/>
           </p:cNvSpPr>
@@ -1988,7 +1988,7 @@
       </p:grpSpPr>
       <p:sp>
         <p:nvSpPr>
-          <p:cNvPr id="754544400" name="Title 1"/>
+          <p:cNvPr id="415634333" name="Title 1"/>
           <p:cNvSpPr>
             <a:spLocks noGrp="1"/>
           </p:cNvSpPr>
@@ -2014,7 +2014,7 @@
       </p:sp>
       <p:sp>
         <p:nvSpPr>
-          <p:cNvPr id="753090453" name="Content Placeholder 2"/>
+          <p:cNvPr id="1067491292" name="Content Placeholder 2"/>
           <p:cNvSpPr>
             <a:spLocks noGrp="1"/>
           </p:cNvSpPr>
@@ -2080,7 +2080,7 @@
       </p:sp>
       <p:sp>
         <p:nvSpPr>
-          <p:cNvPr id="1357119384" name="Date Placeholder 3"/>
+          <p:cNvPr id="1434552712" name="Date Placeholder 3"/>
           <p:cNvSpPr>
             <a:spLocks noGrp="1"/>
           </p:cNvSpPr>
@@ -2106,7 +2106,7 @@
       </p:sp>
       <p:sp>
         <p:nvSpPr>
-          <p:cNvPr id="1672462308" name="Footer Placeholder 4"/>
+          <p:cNvPr id="1436480915" name="Footer Placeholder 4"/>
           <p:cNvSpPr>
             <a:spLocks noGrp="1"/>
           </p:cNvSpPr>
@@ -2128,7 +2128,7 @@
       </p:sp>
       <p:sp>
         <p:nvSpPr>
-          <p:cNvPr id="1274461181" name="Slide Number Placeholder 5"/>
+          <p:cNvPr id="681778233" name="Slide Number Placeholder 5"/>
           <p:cNvSpPr>
             <a:spLocks noGrp="1"/>
           </p:cNvSpPr>
@@ -2179,7 +2179,7 @@
       </p:grpSpPr>
       <p:sp>
         <p:nvSpPr>
-          <p:cNvPr id="432109315" name="Title 1"/>
+          <p:cNvPr id="23739613" name="Title 1"/>
           <p:cNvSpPr>
             <a:spLocks noGrp="1"/>
           </p:cNvSpPr>
@@ -2214,7 +2214,7 @@
       </p:sp>
       <p:sp>
         <p:nvSpPr>
-          <p:cNvPr id="211165901" name="Text Placeholder 2"/>
+          <p:cNvPr id="1537531116" name="Text Placeholder 2"/>
           <p:cNvSpPr>
             <a:spLocks noGrp="1"/>
           </p:cNvSpPr>
@@ -2336,7 +2336,7 @@
       </p:sp>
       <p:sp>
         <p:nvSpPr>
-          <p:cNvPr id="279429128" name="Date Placeholder 3"/>
+          <p:cNvPr id="1440956309" name="Date Placeholder 3"/>
           <p:cNvSpPr>
             <a:spLocks noGrp="1"/>
           </p:cNvSpPr>
@@ -2362,7 +2362,7 @@
       </p:sp>
       <p:sp>
         <p:nvSpPr>
-          <p:cNvPr id="870027223" name="Footer Placeholder 4"/>
+          <p:cNvPr id="203453858" name="Footer Placeholder 4"/>
           <p:cNvSpPr>
             <a:spLocks noGrp="1"/>
           </p:cNvSpPr>
@@ -2384,7 +2384,7 @@
       </p:sp>
       <p:sp>
         <p:nvSpPr>
-          <p:cNvPr id="61937338" name="Slide Number Placeholder 5"/>
+          <p:cNvPr id="588094455" name="Slide Number Placeholder 5"/>
           <p:cNvSpPr>
             <a:spLocks noGrp="1"/>
           </p:cNvSpPr>
@@ -2435,7 +2435,7 @@
       </p:grpSpPr>
       <p:sp>
         <p:nvSpPr>
-          <p:cNvPr id="362201863" name="Title 1"/>
+          <p:cNvPr id="587506098" name="Title 1"/>
           <p:cNvSpPr>
             <a:spLocks noGrp="1"/>
           </p:cNvSpPr>
@@ -2461,7 +2461,7 @@
       </p:sp>
       <p:sp>
         <p:nvSpPr>
-          <p:cNvPr id="1968086400" name="Content Placeholder 2"/>
+          <p:cNvPr id="1410799055" name="Content Placeholder 2"/>
           <p:cNvSpPr>
             <a:spLocks noGrp="1"/>
           </p:cNvSpPr>
@@ -2532,7 +2532,7 @@
       </p:sp>
       <p:sp>
         <p:nvSpPr>
-          <p:cNvPr id="1458759997" name="Content Placeholder 3"/>
+          <p:cNvPr id="1660666200" name="Content Placeholder 3"/>
           <p:cNvSpPr>
             <a:spLocks noGrp="1"/>
           </p:cNvSpPr>
@@ -2603,7 +2603,7 @@
       </p:sp>
       <p:sp>
         <p:nvSpPr>
-          <p:cNvPr id="412061077" name="Date Placeholder 4"/>
+          <p:cNvPr id="1774620144" name="Date Placeholder 4"/>
           <p:cNvSpPr>
             <a:spLocks noGrp="1"/>
           </p:cNvSpPr>
@@ -2629,7 +2629,7 @@
       </p:sp>
       <p:sp>
         <p:nvSpPr>
-          <p:cNvPr id="879246060" name="Footer Placeholder 5"/>
+          <p:cNvPr id="111879150" name="Footer Placeholder 5"/>
           <p:cNvSpPr>
             <a:spLocks noGrp="1"/>
           </p:cNvSpPr>
@@ -2651,7 +2651,7 @@
       </p:sp>
       <p:sp>
         <p:nvSpPr>
-          <p:cNvPr id="1540235073" name="Slide Number Placeholder 6"/>
+          <p:cNvPr id="973448589" name="Slide Number Placeholder 6"/>
           <p:cNvSpPr>
             <a:spLocks noGrp="1"/>
           </p:cNvSpPr>
@@ -2702,7 +2702,7 @@
       </p:grpSpPr>
       <p:sp>
         <p:nvSpPr>
-          <p:cNvPr id="871165574" name="Title 1"/>
+          <p:cNvPr id="193959791" name="Title 1"/>
           <p:cNvSpPr>
             <a:spLocks noGrp="1"/>
           </p:cNvSpPr>
@@ -2733,7 +2733,7 @@
       </p:sp>
       <p:sp>
         <p:nvSpPr>
-          <p:cNvPr id="2023804779" name="Text Placeholder 2"/>
+          <p:cNvPr id="2038245931" name="Text Placeholder 2"/>
           <p:cNvSpPr>
             <a:spLocks noGrp="1"/>
           </p:cNvSpPr>
@@ -2801,7 +2801,7 @@
       </p:sp>
       <p:sp>
         <p:nvSpPr>
-          <p:cNvPr id="1525703797" name="Content Placeholder 3"/>
+          <p:cNvPr id="1227878781" name="Content Placeholder 3"/>
           <p:cNvSpPr>
             <a:spLocks noGrp="1"/>
           </p:cNvSpPr>
@@ -2872,7 +2872,7 @@
       </p:sp>
       <p:sp>
         <p:nvSpPr>
-          <p:cNvPr id="1242814206" name="Text Placeholder 4"/>
+          <p:cNvPr id="984423424" name="Text Placeholder 4"/>
           <p:cNvSpPr>
             <a:spLocks noGrp="1"/>
           </p:cNvSpPr>
@@ -2940,7 +2940,7 @@
       </p:sp>
       <p:sp>
         <p:nvSpPr>
-          <p:cNvPr id="1687454904" name="Content Placeholder 5"/>
+          <p:cNvPr id="151931495" name="Content Placeholder 5"/>
           <p:cNvSpPr>
             <a:spLocks noGrp="1"/>
           </p:cNvSpPr>
@@ -3011,7 +3011,7 @@
       </p:sp>
       <p:sp>
         <p:nvSpPr>
-          <p:cNvPr id="1782269625" name="Date Placeholder 6"/>
+          <p:cNvPr id="1638524434" name="Date Placeholder 6"/>
           <p:cNvSpPr>
             <a:spLocks noGrp="1"/>
           </p:cNvSpPr>
@@ -3037,7 +3037,7 @@
       </p:sp>
       <p:sp>
         <p:nvSpPr>
-          <p:cNvPr id="1236129481" name="Footer Placeholder 7"/>
+          <p:cNvPr id="434163938" name="Footer Placeholder 7"/>
           <p:cNvSpPr>
             <a:spLocks noGrp="1"/>
           </p:cNvSpPr>
@@ -3059,7 +3059,7 @@
       </p:sp>
       <p:sp>
         <p:nvSpPr>
-          <p:cNvPr id="1684349045" name="Slide Number Placeholder 8"/>
+          <p:cNvPr id="747179669" name="Slide Number Placeholder 8"/>
           <p:cNvSpPr>
             <a:spLocks noGrp="1"/>
           </p:cNvSpPr>
@@ -3110,7 +3110,7 @@
       </p:grpSpPr>
       <p:sp>
         <p:nvSpPr>
-          <p:cNvPr id="1540944216" name="Title 1"/>
+          <p:cNvPr id="1462962533" name="Title 1"/>
           <p:cNvSpPr>
             <a:spLocks noGrp="1"/>
           </p:cNvSpPr>
@@ -3136,7 +3136,7 @@
       </p:sp>
       <p:sp>
         <p:nvSpPr>
-          <p:cNvPr id="1870838632" name="Date Placeholder 2"/>
+          <p:cNvPr id="1171159406" name="Date Placeholder 2"/>
           <p:cNvSpPr>
             <a:spLocks noGrp="1"/>
           </p:cNvSpPr>
@@ -3162,7 +3162,7 @@
       </p:sp>
       <p:sp>
         <p:nvSpPr>
-          <p:cNvPr id="460203162" name="Footer Placeholder 3"/>
+          <p:cNvPr id="945966083" name="Footer Placeholder 3"/>
           <p:cNvSpPr>
             <a:spLocks noGrp="1"/>
           </p:cNvSpPr>
@@ -3184,7 +3184,7 @@
       </p:sp>
       <p:sp>
         <p:nvSpPr>
-          <p:cNvPr id="1304229960" name="Slide Number Placeholder 4"/>
+          <p:cNvPr id="1055648776" name="Slide Number Placeholder 4"/>
           <p:cNvSpPr>
             <a:spLocks noGrp="1"/>
           </p:cNvSpPr>
@@ -3235,7 +3235,7 @@
       </p:grpSpPr>
       <p:sp>
         <p:nvSpPr>
-          <p:cNvPr id="881009628" name="Date Placeholder 1"/>
+          <p:cNvPr id="1954031366" name="Date Placeholder 1"/>
           <p:cNvSpPr>
             <a:spLocks noGrp="1"/>
           </p:cNvSpPr>
@@ -3261,7 +3261,7 @@
       </p:sp>
       <p:sp>
         <p:nvSpPr>
-          <p:cNvPr id="1820519561" name="Footer Placeholder 2"/>
+          <p:cNvPr id="975049249" name="Footer Placeholder 2"/>
           <p:cNvSpPr>
             <a:spLocks noGrp="1"/>
           </p:cNvSpPr>
@@ -3283,7 +3283,7 @@
       </p:sp>
       <p:sp>
         <p:nvSpPr>
-          <p:cNvPr id="395029018" name="Slide Number Placeholder 3"/>
+          <p:cNvPr id="1005963970" name="Slide Number Placeholder 3"/>
           <p:cNvSpPr>
             <a:spLocks noGrp="1"/>
           </p:cNvSpPr>
@@ -3334,7 +3334,7 @@
       </p:grpSpPr>
       <p:sp>
         <p:nvSpPr>
-          <p:cNvPr id="318590851" name="Title 1"/>
+          <p:cNvPr id="2122038162" name="Title 1"/>
           <p:cNvSpPr>
             <a:spLocks noGrp="1"/>
           </p:cNvSpPr>
@@ -3369,7 +3369,7 @@
       </p:sp>
       <p:sp>
         <p:nvSpPr>
-          <p:cNvPr id="2021369687" name="Content Placeholder 2"/>
+          <p:cNvPr id="110304805" name="Content Placeholder 2"/>
           <p:cNvSpPr>
             <a:spLocks noGrp="1"/>
           </p:cNvSpPr>
@@ -3468,7 +3468,7 @@
       </p:sp>
       <p:sp>
         <p:nvSpPr>
-          <p:cNvPr id="1793920383" name="Text Placeholder 3"/>
+          <p:cNvPr id="647734884" name="Text Placeholder 3"/>
           <p:cNvSpPr>
             <a:spLocks noGrp="1"/>
           </p:cNvSpPr>
@@ -3536,7 +3536,7 @@
       </p:sp>
       <p:sp>
         <p:nvSpPr>
-          <p:cNvPr id="2031453217" name="Date Placeholder 4"/>
+          <p:cNvPr id="1348411727" name="Date Placeholder 4"/>
           <p:cNvSpPr>
             <a:spLocks noGrp="1"/>
           </p:cNvSpPr>
@@ -3562,7 +3562,7 @@
       </p:sp>
       <p:sp>
         <p:nvSpPr>
-          <p:cNvPr id="2063544750" name="Footer Placeholder 5"/>
+          <p:cNvPr id="1109902426" name="Footer Placeholder 5"/>
           <p:cNvSpPr>
             <a:spLocks noGrp="1"/>
           </p:cNvSpPr>
@@ -3584,7 +3584,7 @@
       </p:sp>
       <p:sp>
         <p:nvSpPr>
-          <p:cNvPr id="323428953" name="Slide Number Placeholder 6"/>
+          <p:cNvPr id="1626788222" name="Slide Number Placeholder 6"/>
           <p:cNvSpPr>
             <a:spLocks noGrp="1"/>
           </p:cNvSpPr>
@@ -3635,7 +3635,7 @@
       </p:grpSpPr>
       <p:sp>
         <p:nvSpPr>
-          <p:cNvPr id="678422818" name="Title 1"/>
+          <p:cNvPr id="988299498" name="Title 1"/>
           <p:cNvSpPr>
             <a:spLocks noGrp="1"/>
           </p:cNvSpPr>
@@ -3670,7 +3670,7 @@
       </p:sp>
       <p:sp>
         <p:nvSpPr>
-          <p:cNvPr id="84879768" name="Picture Placeholder 2"/>
+          <p:cNvPr id="233219488" name="Picture Placeholder 2"/>
           <p:cNvSpPr>
             <a:spLocks noGrp="1"/>
           </p:cNvSpPr>
@@ -3734,7 +3734,7 @@
       </p:sp>
       <p:sp>
         <p:nvSpPr>
-          <p:cNvPr id="1403602027" name="Text Placeholder 3"/>
+          <p:cNvPr id="1079304840" name="Text Placeholder 3"/>
           <p:cNvSpPr>
             <a:spLocks noGrp="1"/>
           </p:cNvSpPr>
@@ -3802,7 +3802,7 @@
       </p:sp>
       <p:sp>
         <p:nvSpPr>
-          <p:cNvPr id="1555521131" name="Date Placeholder 4"/>
+          <p:cNvPr id="1963375746" name="Date Placeholder 4"/>
           <p:cNvSpPr>
             <a:spLocks noGrp="1"/>
           </p:cNvSpPr>
@@ -3828,7 +3828,7 @@
       </p:sp>
       <p:sp>
         <p:nvSpPr>
-          <p:cNvPr id="203235977" name="Footer Placeholder 5"/>
+          <p:cNvPr id="1900791563" name="Footer Placeholder 5"/>
           <p:cNvSpPr>
             <a:spLocks noGrp="1"/>
           </p:cNvSpPr>
@@ -3850,7 +3850,7 @@
       </p:sp>
       <p:sp>
         <p:nvSpPr>
-          <p:cNvPr id="929132659" name="Slide Number Placeholder 6"/>
+          <p:cNvPr id="989615662" name="Slide Number Placeholder 6"/>
           <p:cNvSpPr>
             <a:spLocks noGrp="1"/>
           </p:cNvSpPr>
@@ -3906,7 +3906,7 @@
       </p:grpSpPr>
       <p:sp>
         <p:nvSpPr>
-          <p:cNvPr id="1932201128" name="Title Placeholder 1"/>
+          <p:cNvPr id="970120670" name="Title Placeholder 1"/>
           <p:cNvSpPr>
             <a:spLocks noGrp="1"/>
           </p:cNvSpPr>
@@ -3942,7 +3942,7 @@
       </p:sp>
       <p:sp>
         <p:nvSpPr>
-          <p:cNvPr id="1636593298" name="Text Placeholder 2"/>
+          <p:cNvPr id="1169512291" name="Text Placeholder 2"/>
           <p:cNvSpPr>
             <a:spLocks noGrp="1"/>
           </p:cNvSpPr>
@@ -4018,7 +4018,7 @@
       </p:sp>
       <p:sp>
         <p:nvSpPr>
-          <p:cNvPr id="537789511" name="Date Placeholder 3"/>
+          <p:cNvPr id="2139654727" name="Date Placeholder 3"/>
           <p:cNvSpPr>
             <a:spLocks noGrp="1"/>
           </p:cNvSpPr>
@@ -4062,7 +4062,7 @@
       </p:sp>
       <p:sp>
         <p:nvSpPr>
-          <p:cNvPr id="647230945" name="Footer Placeholder 4"/>
+          <p:cNvPr id="912679914" name="Footer Placeholder 4"/>
           <p:cNvSpPr>
             <a:spLocks noGrp="1"/>
           </p:cNvSpPr>
@@ -4102,7 +4102,7 @@
       </p:sp>
       <p:sp>
         <p:nvSpPr>
-          <p:cNvPr id="564394804" name="Slide Number Placeholder 5"/>
+          <p:cNvPr id="2141906668" name="Slide Number Placeholder 5"/>
           <p:cNvSpPr>
             <a:spLocks noGrp="1"/>
           </p:cNvSpPr>
@@ -4462,7 +4462,7 @@
       </p:grpSpPr>
       <p:sp>
         <p:nvSpPr>
-          <p:cNvPr id="168663237" name="Title 1"/>
+          <p:cNvPr id="465067308" name="Title 1"/>
           <p:cNvSpPr>
             <a:spLocks noGrp="1"/>
           </p:cNvSpPr>
@@ -4488,7 +4488,7 @@
       </p:sp>
       <p:sp>
         <p:nvSpPr>
-          <p:cNvPr id="1316772573" name="Subtitle 2"/>
+          <p:cNvPr id="888954864" name="Subtitle 2"/>
           <p:cNvSpPr>
             <a:spLocks noGrp="1"/>
           </p:cNvSpPr>
@@ -4550,7 +4550,7 @@
       </p:grpSpPr>
       <p:sp>
         <p:nvSpPr>
-          <p:cNvPr id="237088411" name="Text 0"/>
+          <p:cNvPr id="602354527" name="Text 0"/>
           <p:cNvSpPr/>
           <p:nvPr/>
         </p:nvSpPr>
@@ -4596,7 +4596,7 @@
       </p:sp>
       <p:sp>
         <p:nvSpPr>
-          <p:cNvPr id="1514602543" name="Text 1"/>
+          <p:cNvPr id="1700507" name="Text 1"/>
           <p:cNvSpPr/>
           <p:nvPr/>
         </p:nvSpPr>
@@ -4645,7 +4645,7 @@
       </p:sp>
       <p:sp>
         <p:nvSpPr>
-          <p:cNvPr id="1697479261" name="Text 2"/>
+          <p:cNvPr id="1647979622" name="Text 2"/>
           <p:cNvSpPr/>
           <p:nvPr/>
         </p:nvSpPr>
@@ -4717,7 +4717,7 @@
       </p:sp>
       <p:sp>
         <p:nvSpPr>
-          <p:cNvPr id="1641722055" name="Text 3"/>
+          <p:cNvPr id="509471523" name="Text 3"/>
           <p:cNvSpPr/>
           <p:nvPr/>
         </p:nvSpPr>
@@ -4766,13 +4766,13 @@
       </p:sp>
       <p:sp>
         <p:nvSpPr>
-          <p:cNvPr id="1809091555" name="Text 4"/>
+          <p:cNvPr id="409696057" name="Text 4"/>
           <p:cNvSpPr/>
           <p:nvPr/>
         </p:nvSpPr>
         <p:spPr bwMode="auto">
           <a:xfrm>
-            <a:off x="761999" y="3576239"/>
+            <a:off x="761999" y="3576238"/>
             <a:ext cx="10667999" cy="1066799"/>
           </a:xfrm>
           <a:prstGeom prst="rect">
@@ -4838,13 +4838,13 @@
       </p:sp>
       <p:sp>
         <p:nvSpPr>
-          <p:cNvPr id="1226775207" name="Text 5"/>
+          <p:cNvPr id="435043041" name="Text 5"/>
           <p:cNvSpPr/>
           <p:nvPr/>
         </p:nvSpPr>
         <p:spPr bwMode="auto">
           <a:xfrm>
-            <a:off x="761999" y="4795439"/>
+            <a:off x="761999" y="4795438"/>
             <a:ext cx="10667999" cy="665361"/>
           </a:xfrm>
           <a:prstGeom prst="roundRect">
@@ -4871,7 +4871,7 @@
       </p:sp>
       <p:sp>
         <p:nvSpPr>
-          <p:cNvPr id="586641142" name="Text 6"/>
+          <p:cNvPr id="1198792263" name="Text 6"/>
           <p:cNvSpPr/>
           <p:nvPr/>
         </p:nvSpPr>
@@ -4947,7 +4947,7 @@
       </p:grpSpPr>
       <p:sp>
         <p:nvSpPr>
-          <p:cNvPr id="1968670733" name="Title 1"/>
+          <p:cNvPr id="1409051565" name="Title 1"/>
           <p:cNvSpPr>
             <a:spLocks noGrp="1"/>
           </p:cNvSpPr>
@@ -4973,7 +4973,7 @@
       </p:sp>
       <p:graphicFrame>
         <p:nvGraphicFramePr>
-          <p:cNvPr id="1192523106" name=""/>
+          <p:cNvPr id="191821657" name=""/>
           <p:cNvGraphicFramePr>
             <a:graphicFrameLocks xmlns:a="http://schemas.openxmlformats.org/drawingml/2006/main"/>
           </p:cNvGraphicFramePr>
@@ -4982,8 +4982,8 @@
           </p:nvPr>
         </p:nvGraphicFramePr>
         <p:xfrm rot="0">
-          <a:off x="838198" y="1825624"/>
-          <a:ext cx="10515600" cy="269217"/>
+          <a:off x="838197" y="1562552"/>
+          <a:ext cx="10439736" cy="4748339"/>
         </p:xfrm>
         <a:graphic>
           <a:graphicData uri="http://schemas.openxmlformats.org/drawingml/2006/table">
@@ -4993,10 +4993,10 @@
               </a:tblPr>
               <a:tblGrid>
                 <a:gridCol w="2085408"/>
-                <a:gridCol w="2085408"/>
-                <a:gridCol w="2039184"/>
-                <a:gridCol w="1799996"/>
-                <a:gridCol w="2417041"/>
+                <a:gridCol w="1604592"/>
+                <a:gridCol w="2430000"/>
+                <a:gridCol w="1710000"/>
+                <a:gridCol w="2597036"/>
               </a:tblGrid>
               <a:tr h="642700">
                 <a:tc>
@@ -5317,7 +5317,7 @@
                           <a:ea typeface="Arial"/>
                           <a:cs typeface="Arial"/>
                         </a:rPr>
-                        <a:t>Kernels and bootloaders, reliable</a:t>
+                        <a:t>Kernels and bootloaders</a:t>
                       </a:r>
                       <a:endParaRPr sz="1800" b="0" i="0" u="none" strike="noStrike" cap="none" spc="0">
                         <a:solidFill>
@@ -5332,7 +5332,7 @@
                   <a:tcPr/>
                 </a:tc>
               </a:tr>
-              <a:tr h="892540">
+              <a:tr h="619920">
                 <a:tc>
                   <a:txBody>
                     <a:bodyPr/>
@@ -5603,7 +5603,307 @@
                           <a:ea typeface="Arial"/>
                           <a:cs typeface="Arial"/>
                         </a:rPr>
-                        <a:t>Standard in kernels on Linux/Unix systems, embeded systems</a:t>
+                        <a:t>Standard in kernels on Linux/Unix systems</a:t>
+                      </a:r>
+                      <a:endParaRPr sz="1800" b="0" i="0" u="none" strike="noStrike" cap="none" spc="0">
+                        <a:solidFill>
+                          <a:schemeClr val="tx1"/>
+                        </a:solidFill>
+                        <a:latin typeface="Calibri"/>
+                        <a:ea typeface="Arial"/>
+                        <a:cs typeface="Arial"/>
+                      </a:endParaRPr>
+                    </a:p>
+                  </a:txBody>
+                  <a:tcPr/>
+                </a:tc>
+              </a:tr>
+              <a:tr h="365760">
+                <a:tc>
+                  <a:txBody>
+                    <a:bodyPr/>
+                    <a:p>
+                      <a:pPr>
+                        <a:defRPr/>
+                      </a:pPr>
+                      <a:r>
+                        <a:rPr lang="pt-BR" sz="1600" b="1" i="0" u="none" strike="noStrike" cap="none" spc="0">
+                          <a:solidFill>
+                            <a:schemeClr val="tx1"/>
+                          </a:solidFill>
+                          <a:latin typeface="Calibri"/>
+                          <a:ea typeface="Calibri"/>
+                          <a:cs typeface="Calibri"/>
+                        </a:rPr>
+                        <a:t>GAS (ARM)</a:t>
+                      </a:r>
+                      <a:endParaRPr lang="pt-BR" sz="1600" b="1" i="0" u="none" strike="noStrike" cap="none" spc="0">
+                        <a:solidFill>
+                          <a:schemeClr val="tx1"/>
+                        </a:solidFill>
+                        <a:latin typeface="Calibri"/>
+                        <a:ea typeface="Calibri"/>
+                        <a:cs typeface="Calibri"/>
+                      </a:endParaRPr>
+                    </a:p>
+                  </a:txBody>
+                  <a:tcPr/>
+                </a:tc>
+                <a:tc>
+                  <a:txBody>
+                    <a:bodyPr/>
+                    <a:p>
+                      <a:pPr>
+                        <a:defRPr/>
+                      </a:pPr>
+                      <a:r>
+                        <a:rPr lang="pt-BR"/>
+                        <a:t>ARM</a:t>
+                      </a:r>
+                      <a:endParaRPr lang="en-GB"/>
+                    </a:p>
+                  </a:txBody>
+                  <a:tcPr/>
+                </a:tc>
+                <a:tc>
+                  <a:txBody>
+                    <a:bodyPr/>
+                    <a:p>
+                      <a:pPr>
+                        <a:defRPr/>
+                      </a:pPr>
+                      <a:r>
+                        <a:rPr lang="pt-BR" sz="1800" b="0" i="0" u="none" strike="noStrike" cap="none" spc="0">
+                          <a:solidFill>
+                            <a:schemeClr val="tx1"/>
+                          </a:solidFill>
+                          <a:latin typeface="Calibri"/>
+                          <a:ea typeface="Calibri"/>
+                          <a:cs typeface="Calibri"/>
+                        </a:rPr>
+                        <a:t>ARM32/ARM64</a:t>
+                      </a:r>
+                      <a:endParaRPr lang="en-GB" sz="1800" b="0" i="0" u="none" strike="noStrike" cap="none" spc="0">
+                        <a:solidFill>
+                          <a:schemeClr val="tx1"/>
+                        </a:solidFill>
+                        <a:latin typeface="Calibri"/>
+                        <a:ea typeface="Calibri"/>
+                        <a:cs typeface="Calibri"/>
+                      </a:endParaRPr>
+                    </a:p>
+                  </a:txBody>
+                  <a:tcPr/>
+                </a:tc>
+                <a:tc>
+                  <a:txBody>
+                    <a:bodyPr/>
+                    <a:p>
+                      <a:pPr>
+                        <a:defRPr/>
+                      </a:pPr>
+                      <a:r>
+                        <a:rPr lang="pt-BR" sz="1800" b="0" i="0" u="none" strike="noStrike" cap="none" spc="0">
+                          <a:solidFill>
+                            <a:schemeClr val="dk1"/>
+                          </a:solidFill>
+                          <a:latin typeface="Calibri"/>
+                          <a:ea typeface="Calibri"/>
+                          <a:cs typeface="Calibri"/>
+                        </a:rPr>
+                        <a:t>Linux/Android</a:t>
+                      </a:r>
+                      <a:endParaRPr lang="en-GB" sz="1800" b="0" i="0" u="none" strike="noStrike" cap="none" spc="0">
+                        <a:solidFill>
+                          <a:schemeClr val="dk1"/>
+                        </a:solidFill>
+                        <a:latin typeface="Calibri"/>
+                        <a:ea typeface="Calibri"/>
+                        <a:cs typeface="Calibri"/>
+                      </a:endParaRPr>
+                    </a:p>
+                  </a:txBody>
+                  <a:tcPr/>
+                </a:tc>
+                <a:tc>
+                  <a:txBody>
+                    <a:bodyPr/>
+                    <a:p>
+                      <a:pPr>
+                        <a:defRPr/>
+                      </a:pPr>
+                      <a:r>
+                        <a:rPr lang="pt-BR" sz="1800" b="0" i="0" u="none" strike="noStrike" cap="none" spc="0">
+                          <a:solidFill>
+                            <a:schemeClr val="tx1"/>
+                          </a:solidFill>
+                          <a:latin typeface="Calibri"/>
+                          <a:ea typeface="Calibri"/>
+                          <a:cs typeface="Calibri"/>
+                        </a:rPr>
+                        <a:t>Sistemas Linux de ARM</a:t>
+                      </a:r>
+                      <a:endParaRPr lang="pt-BR" sz="1800" b="0" i="0" u="none" strike="noStrike" cap="none" spc="0">
+                        <a:solidFill>
+                          <a:schemeClr val="tx1"/>
+                        </a:solidFill>
+                        <a:latin typeface="Calibri"/>
+                        <a:ea typeface="Calibri"/>
+                        <a:cs typeface="Calibri"/>
+                      </a:endParaRPr>
+                    </a:p>
+                    <a:p>
+                      <a:pPr>
+                        <a:defRPr/>
+                      </a:pPr>
+                      <a:r>
+                        <a:rPr lang="pt-BR" sz="1800" b="0" i="0" u="none" strike="noStrike" cap="none" spc="0">
+                          <a:solidFill>
+                            <a:schemeClr val="tx1"/>
+                          </a:solidFill>
+                          <a:latin typeface="Calibri"/>
+                          <a:ea typeface="Calibri"/>
+                          <a:cs typeface="Calibri"/>
+                        </a:rPr>
+                        <a:t> e Android</a:t>
+                      </a:r>
+                      <a:endParaRPr lang="pt-BR" sz="1800" b="0" i="0" u="none" strike="noStrike" cap="none" spc="0">
+                        <a:solidFill>
+                          <a:schemeClr val="tx1"/>
+                        </a:solidFill>
+                        <a:latin typeface="Calibri"/>
+                        <a:ea typeface="Arial"/>
+                        <a:cs typeface="Arial"/>
+                      </a:endParaRPr>
+                    </a:p>
+                  </a:txBody>
+                  <a:tcPr/>
+                </a:tc>
+              </a:tr>
+              <a:tr h="365760">
+                <a:tc>
+                  <a:txBody>
+                    <a:bodyPr/>
+                    <a:p>
+                      <a:pPr>
+                        <a:defRPr/>
+                      </a:pPr>
+                      <a:r>
+                        <a:rPr lang="pt-BR" sz="1600" b="1" i="0" u="none" strike="noStrike" cap="none" spc="0">
+                          <a:solidFill>
+                            <a:schemeClr val="tx1"/>
+                          </a:solidFill>
+                          <a:latin typeface="Calibri"/>
+                          <a:ea typeface="Calibri"/>
+                          <a:cs typeface="Calibri"/>
+                        </a:rPr>
+                        <a:t>ARMASM</a:t>
+                      </a:r>
+                      <a:endParaRPr sz="1600" b="1" i="0" u="none" strike="noStrike" cap="none" spc="0">
+                        <a:solidFill>
+                          <a:schemeClr val="tx1"/>
+                        </a:solidFill>
+                        <a:latin typeface="Calibri"/>
+                        <a:ea typeface="Arial"/>
+                        <a:cs typeface="Arial"/>
+                      </a:endParaRPr>
+                    </a:p>
+                  </a:txBody>
+                  <a:tcPr/>
+                </a:tc>
+                <a:tc>
+                  <a:txBody>
+                    <a:bodyPr/>
+                    <a:p>
+                      <a:pPr>
+                        <a:defRPr/>
+                      </a:pPr>
+                      <a:r>
+                        <a:rPr lang="en-GB" sz="1800" b="0" i="0" u="none" strike="noStrike" cap="none" spc="0">
+                          <a:solidFill>
+                            <a:schemeClr val="dk1"/>
+                          </a:solidFill>
+                          <a:latin typeface="Calibri"/>
+                          <a:ea typeface="Calibri"/>
+                          <a:cs typeface="Calibri"/>
+                        </a:rPr>
+                        <a:t>ARM</a:t>
+                      </a:r>
+                      <a:endParaRPr lang="en-GB"/>
+                    </a:p>
+                  </a:txBody>
+                  <a:tcPr/>
+                </a:tc>
+                <a:tc>
+                  <a:txBody>
+                    <a:bodyPr/>
+                    <a:p>
+                      <a:pPr>
+                        <a:defRPr/>
+                      </a:pPr>
+                      <a:r>
+                        <a:rPr lang="pt-BR" sz="1800" b="0" i="0" u="none" strike="noStrike" cap="none" spc="0">
+                          <a:solidFill>
+                            <a:schemeClr val="tx1"/>
+                          </a:solidFill>
+                          <a:latin typeface="Calibri"/>
+                          <a:ea typeface="Calibri"/>
+                          <a:cs typeface="Calibri"/>
+                        </a:rPr>
+                        <a:t>ARM32/ARM64</a:t>
+                      </a:r>
+                      <a:endParaRPr sz="1800" b="0" i="0" u="none" strike="noStrike" cap="none" spc="0">
+                        <a:solidFill>
+                          <a:schemeClr val="tx1"/>
+                        </a:solidFill>
+                        <a:latin typeface="Calibri"/>
+                        <a:ea typeface="Calibri"/>
+                        <a:cs typeface="Calibri"/>
+                      </a:endParaRPr>
+                    </a:p>
+                  </a:txBody>
+                  <a:tcPr/>
+                </a:tc>
+                <a:tc>
+                  <a:txBody>
+                    <a:bodyPr/>
+                    <a:p>
+                      <a:pPr>
+                        <a:defRPr/>
+                      </a:pPr>
+                      <a:r>
+                        <a:rPr lang="en-GB" sz="1800" b="0" i="0" u="none" strike="noStrike" cap="none" spc="0">
+                          <a:solidFill>
+                            <a:schemeClr val="dk1"/>
+                          </a:solidFill>
+                          <a:latin typeface="Calibri"/>
+                          <a:ea typeface="Calibri"/>
+                          <a:cs typeface="Calibri"/>
+                        </a:rPr>
+                        <a:t>Windows, Linux</a:t>
+                      </a:r>
+                      <a:endParaRPr lang="en-GB"/>
+                    </a:p>
+                  </a:txBody>
+                  <a:tcPr/>
+                </a:tc>
+                <a:tc>
+                  <a:txBody>
+                    <a:bodyPr/>
+                    <a:p>
+                      <a:pPr>
+                        <a:defRPr/>
+                      </a:pPr>
+                      <a:r>
+                        <a:rPr lang="pt-BR" sz="1800" b="0" i="0" u="none" strike="noStrike" cap="none" spc="0">
+                          <a:solidFill>
+                            <a:schemeClr val="tx1"/>
+                          </a:solidFill>
+                          <a:latin typeface="Calibri"/>
+                          <a:ea typeface="Arial"/>
+                          <a:cs typeface="Arial"/>
+                        </a:rPr>
+                        <a:t>Embedded Systems</a:t>
                       </a:r>
                       <a:endParaRPr sz="1800" b="0" i="0" u="none" strike="noStrike" cap="none" spc="0">
                         <a:solidFill>
@@ -5635,29 +5935,7 @@
                           <a:ea typeface="Calibri"/>
                           <a:cs typeface="Calibri"/>
                         </a:rPr>
-                        <a:t>FASM (Flat</a:t>
-                      </a:r>
-                      <a:r>
-                        <a:rPr lang="pt-BR" sz="1600" b="1" i="0" u="none" strike="noStrike" cap="none" spc="0">
-                          <a:solidFill>
-                            <a:schemeClr val="tx1"/>
-                          </a:solidFill>
-                          <a:latin typeface="Calibri"/>
-                          <a:ea typeface="Calibri"/>
-                          <a:cs typeface="Calibri"/>
-                        </a:rPr>
-                        <a:t> </a:t>
-                      </a:r>
-                      <a:r>
-                        <a:rPr lang="en-GB" sz="1600" b="1" i="0" u="none" strike="noStrike" cap="none" spc="0">
-                          <a:solidFill>
-                            <a:schemeClr val="tx1"/>
-                          </a:solidFill>
-                          <a:latin typeface="Calibri"/>
-                          <a:ea typeface="Calibri"/>
-                          <a:cs typeface="Calibri"/>
-                        </a:rPr>
-                        <a:t>Assembler) </a:t>
+                        <a:t>LLVM / Clang ASM</a:t>
                       </a:r>
                       <a:endParaRPr sz="1600" b="1" i="0" u="none" strike="noStrike" cap="none" spc="0">
                         <a:solidFill>
@@ -5679,8 +5957,8 @@
                         <a:defRPr/>
                       </a:pPr>
                       <a:r>
-                        <a:rPr lang="en-GB"/>
-                        <a:t>Intel</a:t>
+                        <a:rPr lang="pt-BR"/>
+                        <a:t>ARM</a:t>
                       </a:r>
                       <a:endParaRPr lang="en-GB"/>
                     </a:p>
@@ -5695,7 +5973,7 @@
                         <a:defRPr/>
                       </a:pPr>
                       <a:r>
-                        <a:rPr lang="en-GB" sz="1800" b="0" i="0" u="none" strike="noStrike" cap="none" spc="0">
+                        <a:rPr lang="pt-BR" sz="1800" b="0" i="0" u="none" strike="noStrike" cap="none" spc="0">
                           <a:solidFill>
                             <a:schemeClr val="tx1"/>
                           </a:solidFill>
@@ -5703,7 +5981,7 @@
                           <a:ea typeface="Calibri"/>
                           <a:cs typeface="Calibri"/>
                         </a:rPr>
-                        <a:t>16, 32, 64 bits</a:t>
+                        <a:t>ARM64</a:t>
                       </a:r>
                       <a:endParaRPr lang="en-GB" sz="1800" b="0" i="0" u="none" strike="noStrike" cap="none" spc="0">
                         <a:solidFill>
@@ -5733,7 +6011,51 @@
                           <a:ea typeface="Calibri"/>
                           <a:cs typeface="Calibri"/>
                         </a:rPr>
-                        <a:t>Windows, Linux, DOS,</a:t>
+                        <a:t>Linux, </a:t>
+                      </a:r>
+                      <a:r>
+                        <a:rPr lang="pt-BR" sz="1800" b="0" i="0" u="none" strike="noStrike" cap="none" spc="0">
+                          <a:solidFill>
+                            <a:schemeClr val="dk1"/>
+                          </a:solidFill>
+                          <a:latin typeface="Calibri"/>
+                          <a:ea typeface="Calibri"/>
+                          <a:cs typeface="Calibri"/>
+                        </a:rPr>
+                        <a:t>Android</a:t>
+                      </a:r>
+                      <a:r>
+                        <a:rPr lang="en-GB" sz="1800" b="0" i="0" u="none" strike="noStrike" cap="none" spc="0">
+                          <a:solidFill>
+                            <a:schemeClr val="dk1"/>
+                          </a:solidFill>
+                          <a:latin typeface="Calibri"/>
+                          <a:ea typeface="Calibri"/>
+                          <a:cs typeface="Calibri"/>
+                        </a:rPr>
+                        <a:t>, </a:t>
+                      </a:r>
+                      <a:r>
+                        <a:rPr lang="pt-BR" sz="1800" b="0" i="0" u="none" strike="noStrike" cap="none" spc="0">
+                          <a:solidFill>
+                            <a:schemeClr val="dk1"/>
+                          </a:solidFill>
+                          <a:latin typeface="Calibri"/>
+                          <a:ea typeface="Calibri"/>
+                          <a:cs typeface="Calibri"/>
+                        </a:rPr>
+                        <a:t>i</a:t>
+                      </a:r>
+                      <a:r>
+                        <a:rPr lang="en-GB" sz="1800" b="0" i="0" u="none" strike="noStrike" cap="none" spc="0">
+                          <a:solidFill>
+                            <a:schemeClr val="dk1"/>
+                          </a:solidFill>
+                          <a:latin typeface="Calibri"/>
+                          <a:ea typeface="Calibri"/>
+                          <a:cs typeface="Calibri"/>
+                        </a:rPr>
+                        <a:t>OS</a:t>
                       </a:r>
                       <a:endParaRPr lang="en-GB"/>
                     </a:p>
@@ -5756,142 +6078,7 @@
                           <a:ea typeface="Arial"/>
                           <a:cs typeface="Arial"/>
                         </a:rPr>
-                        <a:t>Fast, self-hosting</a:t>
-                      </a:r>
-                      <a:endParaRPr sz="1800" b="0" i="0" u="none" strike="noStrike" cap="none" spc="0">
-                        <a:solidFill>
-                          <a:schemeClr val="tx1"/>
-                        </a:solidFill>
-                        <a:latin typeface="Calibri"/>
-                        <a:ea typeface="Arial"/>
-                        <a:cs typeface="Arial"/>
-                      </a:endParaRPr>
-                    </a:p>
-                  </a:txBody>
-                  <a:tcPr/>
-                </a:tc>
-              </a:tr>
-              <a:tr h="365760">
-                <a:tc>
-                  <a:txBody>
-                    <a:bodyPr/>
-                    <a:p>
-                      <a:pPr>
-                        <a:defRPr/>
-                      </a:pPr>
-                      <a:r>
-                        <a:rPr lang="en-GB" sz="1600" b="1" i="0" u="none" strike="noStrike" cap="none" spc="0">
-                          <a:solidFill>
-                            <a:schemeClr val="tx1"/>
-                          </a:solidFill>
-                          <a:latin typeface="Calibri"/>
-                          <a:ea typeface="Calibri"/>
-                          <a:cs typeface="Calibri"/>
-                        </a:rPr>
-                        <a:t>YASM</a:t>
-                      </a:r>
-                      <a:endParaRPr sz="1600" b="1" i="0" u="none" strike="noStrike" cap="none" spc="0">
-                        <a:solidFill>
-                          <a:schemeClr val="tx1"/>
-                        </a:solidFill>
-                        <a:latin typeface="Calibri"/>
-                        <a:ea typeface="Arial"/>
-                        <a:cs typeface="Arial"/>
-                      </a:endParaRPr>
-                    </a:p>
-                  </a:txBody>
-                  <a:tcPr/>
-                </a:tc>
-                <a:tc>
-                  <a:txBody>
-                    <a:bodyPr/>
-                    <a:p>
-                      <a:pPr>
-                        <a:defRPr/>
-                      </a:pPr>
-                      <a:r>
-                        <a:rPr lang="en-GB"/>
-                        <a:t>AT&amp;T</a:t>
-                      </a:r>
-                      <a:r>
-                        <a:rPr lang="pt-BR"/>
-                        <a:t>, Intel</a:t>
-                      </a:r>
-                      <a:endParaRPr lang="en-GB"/>
-                    </a:p>
-                  </a:txBody>
-                  <a:tcPr/>
-                </a:tc>
-                <a:tc>
-                  <a:txBody>
-                    <a:bodyPr/>
-                    <a:p>
-                      <a:pPr>
-                        <a:defRPr/>
-                      </a:pPr>
-                      <a:r>
-                        <a:rPr lang="en-GB" sz="1800" b="0" i="0" u="none" strike="noStrike" cap="none" spc="0">
-                          <a:solidFill>
-                            <a:schemeClr val="tx1"/>
-                          </a:solidFill>
-                          <a:latin typeface="Calibri"/>
-                          <a:ea typeface="Calibri"/>
-                          <a:cs typeface="Calibri"/>
-                        </a:rPr>
-                        <a:t>16, 32, 64 bits</a:t>
-                      </a:r>
-                      <a:endParaRPr lang="en-GB" sz="1800" b="0" i="0" u="none" strike="noStrike" cap="none" spc="0">
-                        <a:solidFill>
-                          <a:schemeClr val="tx1"/>
-                        </a:solidFill>
-                        <a:latin typeface="Calibri"/>
-                        <a:ea typeface="Arial"/>
-                        <a:cs typeface="Arial"/>
-                      </a:endParaRPr>
-                    </a:p>
-                  </a:txBody>
-                  <a:tcPr/>
-                </a:tc>
-                <a:tc>
-                  <a:txBody>
-                    <a:bodyPr/>
-                    <a:p>
-                      <a:pPr>
-                        <a:defRPr/>
-                      </a:pPr>
-                      <a:r>
-                        <a:rPr lang="en-GB" sz="1800" b="0" i="0" u="none" strike="noStrike" cap="none" spc="0">
-                          <a:solidFill>
-                            <a:schemeClr val="dk1"/>
-                          </a:solidFill>
-                          <a:latin typeface="Calibri"/>
-                          <a:ea typeface="Calibri"/>
-                          <a:cs typeface="Calibri"/>
-                        </a:rPr>
-                        <a:t>Linux, Windows, macOS</a:t>
-                      </a:r>
-                      <a:endParaRPr lang="en-GB"/>
-                    </a:p>
-                  </a:txBody>
-                  <a:tcPr/>
-                </a:tc>
-                <a:tc>
-                  <a:txBody>
-                    <a:bodyPr/>
-                    <a:p>
-                      <a:pPr>
-                        <a:defRPr/>
-                      </a:pPr>
-                      <a:r>
-                        <a:rPr lang="pt-BR" sz="1800" b="0" i="0" u="none" strike="noStrike" cap="none" spc="0">
-                          <a:solidFill>
-                            <a:schemeClr val="tx1"/>
-                          </a:solidFill>
-                          <a:latin typeface="Calibri"/>
-                          <a:ea typeface="Arial"/>
-                          <a:cs typeface="Arial"/>
-                        </a:rPr>
-                        <a:t>NASM + new features, good for cross-platform</a:t>
+                        <a:t>Modern Mobile and Apple</a:t>
                       </a:r>
                       <a:endParaRPr sz="1800" b="0" i="0" u="none" strike="noStrike" cap="none" spc="0">
                         <a:solidFill>
@@ -5945,7 +6132,7 @@
       </p:grpSpPr>
       <p:sp>
         <p:nvSpPr>
-          <p:cNvPr id="1008639317" name="Title 1"/>
+          <p:cNvPr id="507440990" name="Title 1"/>
           <p:cNvSpPr>
             <a:spLocks noGrp="1"/>
           </p:cNvSpPr>
@@ -5967,7 +6154,7 @@
       </p:sp>
       <p:sp>
         <p:nvSpPr>
-          <p:cNvPr id="328815111" name="Content Placeholder 2"/>
+          <p:cNvPr id="1808326157" name="Content Placeholder 2"/>
           <p:cNvSpPr>
             <a:spLocks noGrp="1"/>
           </p:cNvSpPr>
@@ -6022,7 +6209,7 @@
       </p:grpSpPr>
       <p:sp>
         <p:nvSpPr>
-          <p:cNvPr id="1224131181" name="Title 1"/>
+          <p:cNvPr id="292048511" name="Title 1"/>
           <p:cNvSpPr>
             <a:spLocks noGrp="1"/>
           </p:cNvSpPr>
@@ -6044,7 +6231,7 @@
       </p:sp>
       <p:sp>
         <p:nvSpPr>
-          <p:cNvPr id="2048109764" name="Content Placeholder 2"/>
+          <p:cNvPr id="637492177" name="Content Placeholder 2"/>
           <p:cNvSpPr>
             <a:spLocks noGrp="1"/>
           </p:cNvSpPr>
@@ -6099,7 +6286,7 @@
       </p:grpSpPr>
       <p:sp>
         <p:nvSpPr>
-          <p:cNvPr id="364952867" name="Title 1"/>
+          <p:cNvPr id="1366824623" name="Title 1"/>
           <p:cNvSpPr>
             <a:spLocks noGrp="1"/>
           </p:cNvSpPr>
@@ -6121,7 +6308,7 @@
       </p:sp>
       <p:graphicFrame>
         <p:nvGraphicFramePr>
-          <p:cNvPr id="728032314" name="Content Placeholder 3"/>
+          <p:cNvPr id="1133692192" name="Content Placeholder 3"/>
           <p:cNvGraphicFramePr>
             <a:graphicFrameLocks xmlns:a="http://schemas.openxmlformats.org/drawingml/2006/main" noGrp="1"/>
           </p:cNvGraphicFramePr>
@@ -6452,7 +6639,7 @@
       </p:grpSpPr>
       <p:sp>
         <p:nvSpPr>
-          <p:cNvPr id="1423222406" name="Title 1"/>
+          <p:cNvPr id="164308764" name="Title 1"/>
           <p:cNvSpPr>
             <a:spLocks noGrp="1"/>
           </p:cNvSpPr>
@@ -6474,7 +6661,7 @@
       </p:sp>
       <p:graphicFrame>
         <p:nvGraphicFramePr>
-          <p:cNvPr id="1441637937" name="Content Placeholder 3"/>
+          <p:cNvPr id="1965224190" name="Content Placeholder 3"/>
           <p:cNvGraphicFramePr>
             <a:graphicFrameLocks xmlns:a="http://schemas.openxmlformats.org/drawingml/2006/main" noGrp="1"/>
           </p:cNvGraphicFramePr>
@@ -7103,7 +7290,7 @@
       </p:grpSpPr>
       <p:sp>
         <p:nvSpPr>
-          <p:cNvPr id="657114516" name="Text 0"/>
+          <p:cNvPr id="84066178" name="Text 0"/>
           <p:cNvSpPr/>
           <p:nvPr/>
         </p:nvSpPr>
@@ -7149,7 +7336,7 @@
       </p:sp>
       <p:sp>
         <p:nvSpPr>
-          <p:cNvPr id="894401745" name="Text 1"/>
+          <p:cNvPr id="1894868405" name="Text 1"/>
           <p:cNvSpPr/>
           <p:nvPr/>
         </p:nvSpPr>
@@ -7198,7 +7385,7 @@
       </p:sp>
       <p:sp>
         <p:nvSpPr>
-          <p:cNvPr id="1776598905" name="Text 2"/>
+          <p:cNvPr id="1843995578" name="Text 2"/>
           <p:cNvSpPr/>
           <p:nvPr/>
         </p:nvSpPr>
@@ -7295,7 +7482,7 @@
       </p:sp>
       <p:sp>
         <p:nvSpPr>
-          <p:cNvPr id="1873728305" name="Text 3"/>
+          <p:cNvPr id="1198050845" name="Text 3"/>
           <p:cNvSpPr/>
           <p:nvPr/>
         </p:nvSpPr>
@@ -7344,7 +7531,7 @@
       </p:sp>
       <p:sp>
         <p:nvSpPr>
-          <p:cNvPr id="595036133" name="Text 4"/>
+          <p:cNvPr id="563706231" name="Text 4"/>
           <p:cNvSpPr/>
           <p:nvPr/>
         </p:nvSpPr>
@@ -7441,7 +7628,7 @@
       </p:sp>
       <p:sp>
         <p:nvSpPr>
-          <p:cNvPr id="35123317" name="Text 5"/>
+          <p:cNvPr id="1104059195" name="Text 5"/>
           <p:cNvSpPr/>
           <p:nvPr/>
         </p:nvSpPr>
@@ -7474,7 +7661,7 @@
       </p:sp>
       <p:sp>
         <p:nvSpPr>
-          <p:cNvPr id="1103830953" name="Text 6"/>
+          <p:cNvPr id="1126850861" name="Text 6"/>
           <p:cNvSpPr/>
           <p:nvPr/>
         </p:nvSpPr>
@@ -7557,7 +7744,7 @@
       </p:grpSpPr>
       <p:sp>
         <p:nvSpPr>
-          <p:cNvPr id="1175361266" name="Text 0"/>
+          <p:cNvPr id="402439186" name="Text 0"/>
           <p:cNvSpPr/>
           <p:nvPr/>
         </p:nvSpPr>
@@ -7603,7 +7790,7 @@
       </p:sp>
       <p:sp>
         <p:nvSpPr>
-          <p:cNvPr id="1892468088" name="Text 1"/>
+          <p:cNvPr id="2104141427" name="Text 1"/>
           <p:cNvSpPr/>
           <p:nvPr/>
         </p:nvSpPr>
@@ -7652,7 +7839,7 @@
       </p:sp>
       <p:sp>
         <p:nvSpPr>
-          <p:cNvPr id="1520901512" name="Text 2"/>
+          <p:cNvPr id="1022955165" name="Text 2"/>
           <p:cNvSpPr/>
           <p:nvPr/>
         </p:nvSpPr>
@@ -7814,7 +8001,7 @@
       </p:sp>
       <p:sp>
         <p:nvSpPr>
-          <p:cNvPr id="739380826" name="Text 3"/>
+          <p:cNvPr id="839205234" name="Text 3"/>
           <p:cNvSpPr/>
           <p:nvPr/>
         </p:nvSpPr>
@@ -7847,13 +8034,13 @@
       </p:sp>
       <p:sp>
         <p:nvSpPr>
-          <p:cNvPr id="2106612144" name="Text 4"/>
+          <p:cNvPr id="41192611" name="Text 4"/>
           <p:cNvSpPr/>
           <p:nvPr/>
         </p:nvSpPr>
         <p:spPr bwMode="auto">
           <a:xfrm>
-            <a:off x="952499" y="4353519"/>
+            <a:off x="937257" y="4353518"/>
             <a:ext cx="10492740" cy="284361"/>
           </a:xfrm>
           <a:prstGeom prst="rect">
@@ -7868,13 +8055,13 @@
           <a:p>
             <a:pPr marL="0" indent="0" algn="l">
               <a:lnSpc>
-                <a:spcPts val="1679"/>
+                <a:spcPts val="1678"/>
               </a:lnSpc>
               <a:buNone/>
               <a:defRPr/>
             </a:pPr>
             <a:r>
-              <a:rPr lang="en-US" sz="1200">
+              <a:rPr lang="en-US" sz="1200" b="0" i="0" u="none" strike="noStrike" cap="none" spc="0">
                 <a:solidFill>
                   <a:srgbClr val="FFFFFF"/>
                 </a:solidFill>
@@ -7882,9 +8069,9 @@
                 <a:ea typeface="Arial"/>
                 <a:cs typeface="Arial"/>
               </a:rPr>
-              <a:t>MASM e GAS em sistemas críticos certificados</a:t>
-            </a:r>
-            <a:endParaRPr lang="en-US" sz="1200"/>
+              <a:t>ARM AS domina este sector</a:t>
+            </a:r>
+            <a:endParaRPr sz="1200"/>
           </a:p>
         </p:txBody>
       </p:sp>
@@ -7930,7 +8117,7 @@
       </p:grpSpPr>
       <p:sp>
         <p:nvSpPr>
-          <p:cNvPr id="1460514657" name="Text 0"/>
+          <p:cNvPr id="2133478256" name="Text 0"/>
           <p:cNvSpPr/>
           <p:nvPr/>
         </p:nvSpPr>
@@ -7976,7 +8163,7 @@
       </p:sp>
       <p:sp>
         <p:nvSpPr>
-          <p:cNvPr id="1188308519" name="Text 1"/>
+          <p:cNvPr id="780206985" name="Text 1"/>
           <p:cNvSpPr/>
           <p:nvPr/>
         </p:nvSpPr>
@@ -8025,7 +8212,7 @@
       </p:sp>
       <p:sp>
         <p:nvSpPr>
-          <p:cNvPr id="1322362774" name="Text 2"/>
+          <p:cNvPr id="98361719" name="Text 2"/>
           <p:cNvSpPr/>
           <p:nvPr/>
         </p:nvSpPr>
@@ -8122,7 +8309,7 @@
       </p:sp>
       <p:sp>
         <p:nvSpPr>
-          <p:cNvPr id="719076157" name="Text 3"/>
+          <p:cNvPr id="1115869322" name="Text 3"/>
           <p:cNvSpPr/>
           <p:nvPr/>
         </p:nvSpPr>
@@ -8171,7 +8358,7 @@
       </p:sp>
       <p:sp>
         <p:nvSpPr>
-          <p:cNvPr id="1751056809" name="Text 4"/>
+          <p:cNvPr id="89818127" name="Text 4"/>
           <p:cNvSpPr/>
           <p:nvPr/>
         </p:nvSpPr>
@@ -8218,7 +8405,7 @@
       </p:sp>
       <p:sp>
         <p:nvSpPr>
-          <p:cNvPr id="1262100755" name="Text 5"/>
+          <p:cNvPr id="792221008" name="Text 5"/>
           <p:cNvSpPr/>
           <p:nvPr/>
         </p:nvSpPr>
@@ -8267,7 +8454,7 @@
       </p:sp>
       <p:sp>
         <p:nvSpPr>
-          <p:cNvPr id="1052394248" name="Text 6"/>
+          <p:cNvPr id="774108172" name="Text 6"/>
           <p:cNvSpPr/>
           <p:nvPr/>
         </p:nvSpPr>
@@ -8364,7 +8551,7 @@
       </p:sp>
       <p:sp>
         <p:nvSpPr>
-          <p:cNvPr id="2018259826" name="Text 7"/>
+          <p:cNvPr id="954232727" name="Text 7"/>
           <p:cNvSpPr/>
           <p:nvPr/>
         </p:nvSpPr>
@@ -8397,7 +8584,7 @@
       </p:sp>
       <p:sp>
         <p:nvSpPr>
-          <p:cNvPr id="540709825" name="Text 8"/>
+          <p:cNvPr id="410150357" name="Text 8"/>
           <p:cNvSpPr/>
           <p:nvPr/>
         </p:nvSpPr>
@@ -8480,7 +8667,7 @@
       </p:grpSpPr>
       <p:sp>
         <p:nvSpPr>
-          <p:cNvPr id="1089335233" name="Text 0"/>
+          <p:cNvPr id="1624264129" name="Text 0"/>
           <p:cNvSpPr/>
           <p:nvPr/>
         </p:nvSpPr>
@@ -8526,7 +8713,7 @@
       </p:sp>
       <p:sp>
         <p:nvSpPr>
-          <p:cNvPr id="1404862370" name="Text 1"/>
+          <p:cNvPr id="1964758168" name="Text 1"/>
           <p:cNvSpPr/>
           <p:nvPr/>
         </p:nvSpPr>
@@ -8575,7 +8762,7 @@
       </p:sp>
       <p:sp>
         <p:nvSpPr>
-          <p:cNvPr id="460125340" name="Text 2"/>
+          <p:cNvPr id="897742087" name="Text 2"/>
           <p:cNvSpPr/>
           <p:nvPr/>
         </p:nvSpPr>
@@ -8702,7 +8889,7 @@
       </p:sp>
       <p:sp>
         <p:nvSpPr>
-          <p:cNvPr id="596940829" name="Text 3"/>
+          <p:cNvPr id="2085206172" name="Text 3"/>
           <p:cNvSpPr/>
           <p:nvPr/>
         </p:nvSpPr>
@@ -8735,7 +8922,7 @@
       </p:sp>
       <p:sp>
         <p:nvSpPr>
-          <p:cNvPr id="777115626" name="Text 4"/>
+          <p:cNvPr id="1466437650" name="Text 4"/>
           <p:cNvSpPr/>
           <p:nvPr/>
         </p:nvSpPr>
@@ -8770,7 +8957,29 @@
                 <a:ea typeface="Arial"/>
                 <a:cs typeface="Arial"/>
               </a:rPr>
-              <a:t>GAS domina em Linux, MASM em Windows</a:t>
+              <a:t>GAS domina em Linux, </a:t>
+            </a:r>
+            <a:r>
+              <a:rPr lang="pt-BR" sz="1200">
+                <a:solidFill>
+                  <a:srgbClr val="FFFFFF"/>
+                </a:solidFill>
+                <a:latin typeface="Arial"/>
+                <a:ea typeface="Arial"/>
+                <a:cs typeface="Arial"/>
+              </a:rPr>
+              <a:t>M</a:t>
+            </a:r>
+            <a:r>
+              <a:rPr lang="en-US" sz="1200">
+                <a:solidFill>
+                  <a:srgbClr val="FFFFFF"/>
+                </a:solidFill>
+                <a:latin typeface="Arial"/>
+                <a:ea typeface="Arial"/>
+                <a:cs typeface="Arial"/>
+              </a:rPr>
+              <a:t>ASM em Windows</a:t>
             </a:r>
             <a:endParaRPr lang="en-US" sz="1200"/>
           </a:p>
@@ -8778,7 +8987,7 @@
       </p:sp>
       <p:sp>
         <p:nvSpPr>
-          <p:cNvPr id="1052281865" name="Text 5"/>
+          <p:cNvPr id="165974240" name="Text 5"/>
           <p:cNvSpPr/>
           <p:nvPr/>
         </p:nvSpPr>
@@ -8827,7 +9036,7 @@
       </p:sp>
       <p:sp>
         <p:nvSpPr>
-          <p:cNvPr id="1315967574" name="Text 6"/>
+          <p:cNvPr id="357928306" name="Text 6"/>
           <p:cNvSpPr/>
           <p:nvPr/>
         </p:nvSpPr>

--- a/acomp/trabalhos_praticos/Apresentação ADC - Assembly.pptx
+++ b/acomp/trabalhos_praticos/Apresentação ADC - Assembly.pptx
@@ -5,7 +5,7 @@
     <p:sldMasterId id="2147483648" r:id="rId1"/>
   </p:sldMasterIdLst>
   <p:notesMasterIdLst>
-    <p:notesMasterId r:id="rId15"/>
+    <p:notesMasterId r:id="rId13"/>
   </p:notesMasterIdLst>
   <p:sldIdLst>
     <p:sldId id="256" r:id="rId4"/>
@@ -17,8 +17,6 @@
     <p:sldId id="262" r:id="rId10"/>
     <p:sldId id="263" r:id="rId11"/>
     <p:sldId id="264" r:id="rId12"/>
-    <p:sldId id="265" r:id="rId13"/>
-    <p:sldId id="266" r:id="rId14"/>
   </p:sldIdLst>
   <p:sldSz cx="12192000" cy="6858000"/>
   <p:notesSz cx="6858000" cy="9144000"/>
@@ -144,7 +142,7 @@
       </p:grpSpPr>
       <p:sp>
         <p:nvSpPr>
-          <p:cNvPr id="1608991101" name="Header Placeholder 1"/>
+          <p:cNvPr id="1098965572" name="Header Placeholder 1"/>
           <p:cNvSpPr>
             <a:spLocks noGrp="1"/>
           </p:cNvSpPr>
@@ -178,7 +176,7 @@
       </p:sp>
       <p:sp>
         <p:nvSpPr>
-          <p:cNvPr id="1507281192" name="Date Placeholder 2"/>
+          <p:cNvPr id="1739924686" name="Date Placeholder 2"/>
           <p:cNvSpPr>
             <a:spLocks noGrp="1"/>
           </p:cNvSpPr>
@@ -212,7 +210,7 @@
       </p:sp>
       <p:sp>
         <p:nvSpPr>
-          <p:cNvPr id="972990340" name="Date Placeholder 2"/>
+          <p:cNvPr id="83117384" name="Date Placeholder 2"/>
           <p:cNvSpPr>
             <a:spLocks noGrp="1"/>
           </p:cNvSpPr>
@@ -246,7 +244,7 @@
       </p:sp>
       <p:sp>
         <p:nvSpPr>
-          <p:cNvPr id="874467365" name="Notes Placeholder 4"/>
+          <p:cNvPr id="1672331505" name="Notes Placeholder 4"/>
           <p:cNvSpPr>
             <a:spLocks noGrp="1"/>
           </p:cNvSpPr>
@@ -276,7 +274,7 @@
       </p:sp>
       <p:sp>
         <p:nvSpPr>
-          <p:cNvPr id="2021223704" name="Footer Placeholder 5"/>
+          <p:cNvPr id="232907475" name="Footer Placeholder 5"/>
           <p:cNvSpPr>
             <a:spLocks noGrp="1"/>
           </p:cNvSpPr>
@@ -310,7 +308,7 @@
       </p:sp>
       <p:sp>
         <p:nvSpPr>
-          <p:cNvPr id="2038025503" name="Slide Number Placeholder 6"/>
+          <p:cNvPr id="1487631925" name="Slide Number Placeholder 6"/>
           <p:cNvSpPr>
             <a:spLocks noGrp="1"/>
           </p:cNvSpPr>
@@ -459,7 +457,7 @@
       </p:grpSpPr>
       <p:sp>
         <p:nvSpPr>
-          <p:cNvPr id="1962770188" name="Slide Image Placeholder 1"/>
+          <p:cNvPr id="2081748647" name="Slide Image Placeholder 1"/>
           <p:cNvSpPr>
             <a:spLocks noChangeAspect="1" noGrp="1" noRot="1"/>
           </p:cNvSpPr>
@@ -471,7 +469,7 @@
       </p:sp>
       <p:sp>
         <p:nvSpPr>
-          <p:cNvPr id="1524659537" name="Notes Placeholder 2"/>
+          <p:cNvPr id="1457580809" name="Notes Placeholder 2"/>
           <p:cNvSpPr>
             <a:spLocks noGrp="1"/>
           </p:cNvSpPr>
@@ -493,7 +491,7 @@
       </p:sp>
       <p:sp>
         <p:nvSpPr>
-          <p:cNvPr id="1500161434" name="Slide Number Placeholder 3"/>
+          <p:cNvPr id="1426163873" name="Slide Number Placeholder 3"/>
           <p:cNvSpPr>
             <a:spLocks noGrp="1"/>
           </p:cNvSpPr>
@@ -510,176 +508,6 @@
               <a:defRPr/>
             </a:pPr>
             <a:fld id="{2D53B3D7-2B8F-EF0F-7B65-971715EB5737}" type="slidenum">
-              <a:rPr/>
-              <a:t/>
-            </a:fld>
-            <a:endParaRPr/>
-          </a:p>
-        </p:txBody>
-      </p:sp>
-    </p:spTree>
-  </p:cSld>
-  <p:clrMapOvr>
-    <a:masterClrMapping/>
-  </p:clrMapOvr>
-</p:notes>
-</file>
-
-<file path=ppt/notesSlides/notesSlide10.xml><?xml version="1.0" encoding="utf-8"?>
-<p:notes xmlns:a="http://schemas.openxmlformats.org/drawingml/2006/main" xmlns:r="http://schemas.openxmlformats.org/officeDocument/2006/relationships" xmlns:p="http://schemas.openxmlformats.org/presentationml/2006/main" xmlns:m="http://schemas.openxmlformats.org/officeDocument/2006/math" xmlns:w="http://schemas.openxmlformats.org/wordprocessingml/2006/main">
-  <p:cSld name="">
-    <p:spTree>
-      <p:nvGrpSpPr>
-        <p:cNvPr id="1" name=""/>
-        <p:cNvGrpSpPr/>
-        <p:nvPr/>
-      </p:nvGrpSpPr>
-      <p:grpSpPr bwMode="auto">
-        <a:xfrm>
-          <a:off x="0" y="0"/>
-          <a:ext cx="0" cy="0"/>
-          <a:chOff x="0" y="0"/>
-          <a:chExt cx="0" cy="0"/>
-        </a:xfrm>
-      </p:grpSpPr>
-      <p:sp>
-        <p:nvSpPr>
-          <p:cNvPr id="2025127108" name="Slide Image Placeholder 1"/>
-          <p:cNvSpPr>
-            <a:spLocks noChangeAspect="1" noGrp="1" noRot="1"/>
-          </p:cNvSpPr>
-          <p:nvPr>
-            <p:ph type="sldImg"/>
-          </p:nvPr>
-        </p:nvSpPr>
-        <p:spPr bwMode="auto"/>
-      </p:sp>
-      <p:sp>
-        <p:nvSpPr>
-          <p:cNvPr id="1543078876" name="Notes Placeholder 2"/>
-          <p:cNvSpPr>
-            <a:spLocks noGrp="1"/>
-          </p:cNvSpPr>
-          <p:nvPr>
-            <p:ph type="body" idx="1"/>
-          </p:nvPr>
-        </p:nvSpPr>
-        <p:spPr bwMode="auto"/>
-        <p:txBody>
-          <a:bodyPr/>
-          <a:lstStyle/>
-          <a:p>
-            <a:pPr>
-              <a:defRPr/>
-            </a:pPr>
-            <a:endParaRPr lang="en-US"/>
-          </a:p>
-        </p:txBody>
-      </p:sp>
-      <p:sp>
-        <p:nvSpPr>
-          <p:cNvPr id="882024431" name="Slide Number Placeholder 3"/>
-          <p:cNvSpPr>
-            <a:spLocks noGrp="1"/>
-          </p:cNvSpPr>
-          <p:nvPr>
-            <p:ph type="sldNum" sz="quarter" idx="10"/>
-          </p:nvPr>
-        </p:nvSpPr>
-        <p:spPr bwMode="auto"/>
-        <p:txBody>
-          <a:bodyPr/>
-          <a:lstStyle/>
-          <a:p>
-            <a:pPr>
-              <a:defRPr/>
-            </a:pPr>
-            <a:fld id="{FBD039F6-CED3-C26F-7FE6-95B72442DD15}" type="slidenum">
-              <a:rPr lang="en-US"/>
-              <a:t/>
-            </a:fld>
-            <a:endParaRPr lang="en-US"/>
-          </a:p>
-        </p:txBody>
-      </p:sp>
-    </p:spTree>
-  </p:cSld>
-  <p:clrMapOvr>
-    <a:masterClrMapping/>
-  </p:clrMapOvr>
-</p:notes>
-</file>
-
-<file path=ppt/notesSlides/notesSlide11.xml><?xml version="1.0" encoding="utf-8"?>
-<p:notes xmlns:a="http://schemas.openxmlformats.org/drawingml/2006/main" xmlns:r="http://schemas.openxmlformats.org/officeDocument/2006/relationships" xmlns:p="http://schemas.openxmlformats.org/presentationml/2006/main" xmlns:m="http://schemas.openxmlformats.org/officeDocument/2006/math" xmlns:w="http://schemas.openxmlformats.org/wordprocessingml/2006/main">
-  <p:cSld name="">
-    <p:spTree>
-      <p:nvGrpSpPr>
-        <p:cNvPr id="1" name=""/>
-        <p:cNvGrpSpPr/>
-        <p:nvPr/>
-      </p:nvGrpSpPr>
-      <p:grpSpPr bwMode="auto">
-        <a:xfrm>
-          <a:off x="0" y="0"/>
-          <a:ext cx="0" cy="0"/>
-          <a:chOff x="0" y="0"/>
-          <a:chExt cx="0" cy="0"/>
-        </a:xfrm>
-      </p:grpSpPr>
-      <p:sp>
-        <p:nvSpPr>
-          <p:cNvPr id="286962117" name="Slide Image Placeholder 1"/>
-          <p:cNvSpPr>
-            <a:spLocks noChangeAspect="1" noGrp="1" noRot="1"/>
-          </p:cNvSpPr>
-          <p:nvPr>
-            <p:ph type="sldImg"/>
-          </p:nvPr>
-        </p:nvSpPr>
-        <p:spPr bwMode="auto"/>
-      </p:sp>
-      <p:sp>
-        <p:nvSpPr>
-          <p:cNvPr id="1041402279" name="Notes Placeholder 2"/>
-          <p:cNvSpPr>
-            <a:spLocks noGrp="1"/>
-          </p:cNvSpPr>
-          <p:nvPr>
-            <p:ph type="body" idx="1"/>
-          </p:nvPr>
-        </p:nvSpPr>
-        <p:spPr bwMode="auto"/>
-        <p:txBody>
-          <a:bodyPr/>
-          <a:lstStyle/>
-          <a:p>
-            <a:pPr>
-              <a:defRPr/>
-            </a:pPr>
-            <a:endParaRPr/>
-          </a:p>
-        </p:txBody>
-      </p:sp>
-      <p:sp>
-        <p:nvSpPr>
-          <p:cNvPr id="758120396" name="Slide Number Placeholder 3"/>
-          <p:cNvSpPr>
-            <a:spLocks noGrp="1"/>
-          </p:cNvSpPr>
-          <p:nvPr>
-            <p:ph type="sldNum" sz="quarter" idx="10"/>
-          </p:nvPr>
-        </p:nvSpPr>
-        <p:spPr bwMode="auto"/>
-        <p:txBody>
-          <a:bodyPr/>
-          <a:lstStyle/>
-          <a:p>
-            <a:pPr>
-              <a:defRPr/>
-            </a:pPr>
-            <a:fld id="{434B30C5-49BE-58AF-1FC9-4D92DBDEC52A}" type="slidenum">
               <a:rPr/>
               <a:t/>
             </a:fld>
@@ -714,7 +542,7 @@
       </p:grpSpPr>
       <p:sp>
         <p:nvSpPr>
-          <p:cNvPr id="270083786" name="Slide Image Placeholder 1"/>
+          <p:cNvPr id="444863936" name="Slide Image Placeholder 1"/>
           <p:cNvSpPr>
             <a:spLocks noChangeAspect="1" noGrp="1" noRot="1"/>
           </p:cNvSpPr>
@@ -726,7 +554,7 @@
       </p:sp>
       <p:sp>
         <p:nvSpPr>
-          <p:cNvPr id="1960717521" name="Notes Placeholder 2"/>
+          <p:cNvPr id="1638691153" name="Notes Placeholder 2"/>
           <p:cNvSpPr>
             <a:spLocks noGrp="1"/>
           </p:cNvSpPr>
@@ -748,7 +576,7 @@
       </p:sp>
       <p:sp>
         <p:nvSpPr>
-          <p:cNvPr id="102995879" name="Slide Number Placeholder 3"/>
+          <p:cNvPr id="1220879796" name="Slide Number Placeholder 3"/>
           <p:cNvSpPr>
             <a:spLocks noGrp="1"/>
           </p:cNvSpPr>
@@ -799,7 +627,7 @@
       </p:grpSpPr>
       <p:sp>
         <p:nvSpPr>
-          <p:cNvPr id="420220501" name="Slide Image Placeholder 1"/>
+          <p:cNvPr id="716607693" name="Slide Image Placeholder 1"/>
           <p:cNvSpPr>
             <a:spLocks noChangeAspect="1" noGrp="1" noRot="1"/>
           </p:cNvSpPr>
@@ -811,7 +639,7 @@
       </p:sp>
       <p:sp>
         <p:nvSpPr>
-          <p:cNvPr id="916443654" name="Notes Placeholder 2"/>
+          <p:cNvPr id="568246278" name="Notes Placeholder 2"/>
           <p:cNvSpPr>
             <a:spLocks noGrp="1"/>
           </p:cNvSpPr>
@@ -833,7 +661,7 @@
       </p:sp>
       <p:sp>
         <p:nvSpPr>
-          <p:cNvPr id="1605159266" name="Slide Number Placeholder 3"/>
+          <p:cNvPr id="2136585008" name="Slide Number Placeholder 3"/>
           <p:cNvSpPr>
             <a:spLocks noGrp="1"/>
           </p:cNvSpPr>
@@ -884,7 +712,7 @@
       </p:grpSpPr>
       <p:sp>
         <p:nvSpPr>
-          <p:cNvPr id="100731291" name="Slide Image Placeholder 1"/>
+          <p:cNvPr id="875446458" name="Slide Image Placeholder 1"/>
           <p:cNvSpPr>
             <a:spLocks noChangeAspect="1" noGrp="1" noRot="1"/>
           </p:cNvSpPr>
@@ -896,7 +724,7 @@
       </p:sp>
       <p:sp>
         <p:nvSpPr>
-          <p:cNvPr id="1532352603" name="Notes Placeholder 2"/>
+          <p:cNvPr id="378574231" name="Notes Placeholder 2"/>
           <p:cNvSpPr>
             <a:spLocks noGrp="1"/>
           </p:cNvSpPr>
@@ -918,7 +746,7 @@
       </p:sp>
       <p:sp>
         <p:nvSpPr>
-          <p:cNvPr id="486955839" name="Slide Number Placeholder 3"/>
+          <p:cNvPr id="426442718" name="Slide Number Placeholder 3"/>
           <p:cNvSpPr>
             <a:spLocks noGrp="1"/>
           </p:cNvSpPr>
@@ -969,7 +797,7 @@
       </p:grpSpPr>
       <p:sp>
         <p:nvSpPr>
-          <p:cNvPr id="2131215270" name="Slide Image Placeholder 1"/>
+          <p:cNvPr id="1271320798" name="Slide Image Placeholder 1"/>
           <p:cNvSpPr>
             <a:spLocks noChangeAspect="1" noGrp="1" noRot="1"/>
           </p:cNvSpPr>
@@ -981,7 +809,7 @@
       </p:sp>
       <p:sp>
         <p:nvSpPr>
-          <p:cNvPr id="956093987" name="Notes Placeholder 2"/>
+          <p:cNvPr id="200476205" name="Notes Placeholder 2"/>
           <p:cNvSpPr>
             <a:spLocks noGrp="1"/>
           </p:cNvSpPr>
@@ -1003,7 +831,7 @@
       </p:sp>
       <p:sp>
         <p:nvSpPr>
-          <p:cNvPr id="350510205" name="Slide Number Placeholder 3"/>
+          <p:cNvPr id="638779406" name="Slide Number Placeholder 3"/>
           <p:cNvSpPr>
             <a:spLocks noGrp="1"/>
           </p:cNvSpPr>
@@ -1054,7 +882,7 @@
       </p:grpSpPr>
       <p:sp>
         <p:nvSpPr>
-          <p:cNvPr id="187237746" name="Slide Image Placeholder 1"/>
+          <p:cNvPr id="1288278375" name="Slide Image Placeholder 1"/>
           <p:cNvSpPr>
             <a:spLocks noChangeAspect="1" noGrp="1" noRot="1"/>
           </p:cNvSpPr>
@@ -1066,7 +894,7 @@
       </p:sp>
       <p:sp>
         <p:nvSpPr>
-          <p:cNvPr id="615678506" name="Notes Placeholder 2"/>
+          <p:cNvPr id="1638224696" name="Notes Placeholder 2"/>
           <p:cNvSpPr>
             <a:spLocks noGrp="1"/>
           </p:cNvSpPr>
@@ -1088,7 +916,7 @@
       </p:sp>
       <p:sp>
         <p:nvSpPr>
-          <p:cNvPr id="833667524" name="Slide Number Placeholder 3"/>
+          <p:cNvPr id="1942796202" name="Slide Number Placeholder 3"/>
           <p:cNvSpPr>
             <a:spLocks noGrp="1"/>
           </p:cNvSpPr>
@@ -1139,7 +967,7 @@
       </p:grpSpPr>
       <p:sp>
         <p:nvSpPr>
-          <p:cNvPr id="1436941005" name="Slide Image Placeholder 1"/>
+          <p:cNvPr id="1895005799" name="Slide Image Placeholder 1"/>
           <p:cNvSpPr>
             <a:spLocks noChangeAspect="1" noGrp="1" noRot="1"/>
           </p:cNvSpPr>
@@ -1151,7 +979,7 @@
       </p:sp>
       <p:sp>
         <p:nvSpPr>
-          <p:cNvPr id="1001501725" name="Notes Placeholder 2"/>
+          <p:cNvPr id="478745566" name="Notes Placeholder 2"/>
           <p:cNvSpPr>
             <a:spLocks noGrp="1"/>
           </p:cNvSpPr>
@@ -1173,7 +1001,7 @@
       </p:sp>
       <p:sp>
         <p:nvSpPr>
-          <p:cNvPr id="2111560881" name="Slide Number Placeholder 3"/>
+          <p:cNvPr id="1975776224" name="Slide Number Placeholder 3"/>
           <p:cNvSpPr>
             <a:spLocks noGrp="1"/>
           </p:cNvSpPr>
@@ -1189,7 +1017,7 @@
             <a:pPr>
               <a:defRPr/>
             </a:pPr>
-            <a:fld id="{F404BB63-477B-CB3A-BD6C-D78376CE16E0}" type="slidenum">
+            <a:fld id="{50D24846-F818-9597-8034-326014A1FEA3}" type="slidenum">
               <a:rPr lang="en-US"/>
               <a:t/>
             </a:fld>
@@ -1224,7 +1052,7 @@
       </p:grpSpPr>
       <p:sp>
         <p:nvSpPr>
-          <p:cNvPr id="1697728905" name="Slide Image Placeholder 1"/>
+          <p:cNvPr id="1125476551" name="Slide Image Placeholder 1"/>
           <p:cNvSpPr>
             <a:spLocks noChangeAspect="1" noGrp="1" noRot="1"/>
           </p:cNvSpPr>
@@ -1236,7 +1064,7 @@
       </p:sp>
       <p:sp>
         <p:nvSpPr>
-          <p:cNvPr id="1610079966" name="Notes Placeholder 2"/>
+          <p:cNvPr id="1618729819" name="Notes Placeholder 2"/>
           <p:cNvSpPr>
             <a:spLocks noGrp="1"/>
           </p:cNvSpPr>
@@ -1258,7 +1086,7 @@
       </p:sp>
       <p:sp>
         <p:nvSpPr>
-          <p:cNvPr id="494398181" name="Slide Number Placeholder 3"/>
+          <p:cNvPr id="466685741" name="Slide Number Placeholder 3"/>
           <p:cNvSpPr>
             <a:spLocks noGrp="1"/>
           </p:cNvSpPr>
@@ -1274,7 +1102,7 @@
             <a:pPr>
               <a:defRPr/>
             </a:pPr>
-            <a:fld id="{50D24846-F818-9597-8034-326014A1FEA3}" type="slidenum">
+            <a:fld id="{36AF7C5A-ECEE-135F-FA31-0FA9E5843073}" type="slidenum">
               <a:rPr lang="en-US"/>
               <a:t/>
             </a:fld>
@@ -1309,7 +1137,7 @@
       </p:grpSpPr>
       <p:sp>
         <p:nvSpPr>
-          <p:cNvPr id="1990222221" name="Slide Image Placeholder 1"/>
+          <p:cNvPr id="1961639800" name="Slide Image Placeholder 1"/>
           <p:cNvSpPr>
             <a:spLocks noChangeAspect="1" noGrp="1" noRot="1"/>
           </p:cNvSpPr>
@@ -1321,7 +1149,7 @@
       </p:sp>
       <p:sp>
         <p:nvSpPr>
-          <p:cNvPr id="1355534004" name="Notes Placeholder 2"/>
+          <p:cNvPr id="609150438" name="Notes Placeholder 2"/>
           <p:cNvSpPr>
             <a:spLocks noGrp="1"/>
           </p:cNvSpPr>
@@ -1337,13 +1165,13 @@
             <a:pPr>
               <a:defRPr/>
             </a:pPr>
-            <a:endParaRPr lang="en-US"/>
-          </a:p>
-        </p:txBody>
-      </p:sp>
-      <p:sp>
-        <p:nvSpPr>
-          <p:cNvPr id="97895569" name="Slide Number Placeholder 3"/>
+            <a:endParaRPr/>
+          </a:p>
+        </p:txBody>
+      </p:sp>
+      <p:sp>
+        <p:nvSpPr>
+          <p:cNvPr id="1827359660" name="Slide Number Placeholder 3"/>
           <p:cNvSpPr>
             <a:spLocks noGrp="1"/>
           </p:cNvSpPr>
@@ -1359,11 +1187,11 @@
             <a:pPr>
               <a:defRPr/>
             </a:pPr>
-            <a:fld id="{36AF7C5A-ECEE-135F-FA31-0FA9E5843073}" type="slidenum">
-              <a:rPr lang="en-US"/>
+            <a:fld id="{434B30C5-49BE-58AF-1FC9-4D92DBDEC52A}" type="slidenum">
+              <a:rPr/>
               <a:t/>
             </a:fld>
-            <a:endParaRPr lang="en-US"/>
+            <a:endParaRPr/>
           </a:p>
         </p:txBody>
       </p:sp>
@@ -1394,7 +1222,7 @@
       </p:grpSpPr>
       <p:sp>
         <p:nvSpPr>
-          <p:cNvPr id="1483083404" name="Title 1"/>
+          <p:cNvPr id="2008591949" name="Title 1"/>
           <p:cNvSpPr>
             <a:spLocks noGrp="1"/>
           </p:cNvSpPr>
@@ -1429,7 +1257,7 @@
       </p:sp>
       <p:sp>
         <p:nvSpPr>
-          <p:cNvPr id="1176602528" name="Subtitle 2"/>
+          <p:cNvPr id="1959278766" name="Subtitle 2"/>
           <p:cNvSpPr>
             <a:spLocks noGrp="1"/>
           </p:cNvSpPr>
@@ -1497,7 +1325,7 @@
       </p:sp>
       <p:sp>
         <p:nvSpPr>
-          <p:cNvPr id="1072023159" name="Date Placeholder 3"/>
+          <p:cNvPr id="1186849406" name="Date Placeholder 3"/>
           <p:cNvSpPr>
             <a:spLocks noGrp="1"/>
           </p:cNvSpPr>
@@ -1523,7 +1351,7 @@
       </p:sp>
       <p:sp>
         <p:nvSpPr>
-          <p:cNvPr id="1404163798" name="Footer Placeholder 4"/>
+          <p:cNvPr id="1042789803" name="Footer Placeholder 4"/>
           <p:cNvSpPr>
             <a:spLocks noGrp="1"/>
           </p:cNvSpPr>
@@ -1545,7 +1373,7 @@
       </p:sp>
       <p:sp>
         <p:nvSpPr>
-          <p:cNvPr id="73420462" name="Slide Number Placeholder 5"/>
+          <p:cNvPr id="678878750" name="Slide Number Placeholder 5"/>
           <p:cNvSpPr>
             <a:spLocks noGrp="1"/>
           </p:cNvSpPr>
@@ -1596,7 +1424,7 @@
       </p:grpSpPr>
       <p:sp>
         <p:nvSpPr>
-          <p:cNvPr id="157854279" name="Title 1"/>
+          <p:cNvPr id="128320337" name="Title 1"/>
           <p:cNvSpPr>
             <a:spLocks noGrp="1"/>
           </p:cNvSpPr>
@@ -1622,7 +1450,7 @@
       </p:sp>
       <p:sp>
         <p:nvSpPr>
-          <p:cNvPr id="745172193" name="Vertical Text Placeholder 2"/>
+          <p:cNvPr id="1861473103" name="Vertical Text Placeholder 2"/>
           <p:cNvSpPr>
             <a:spLocks noGrp="1"/>
           </p:cNvSpPr>
@@ -1688,7 +1516,7 @@
       </p:sp>
       <p:sp>
         <p:nvSpPr>
-          <p:cNvPr id="876111733" name="Date Placeholder 3"/>
+          <p:cNvPr id="449693260" name="Date Placeholder 3"/>
           <p:cNvSpPr>
             <a:spLocks noGrp="1"/>
           </p:cNvSpPr>
@@ -1714,7 +1542,7 @@
       </p:sp>
       <p:sp>
         <p:nvSpPr>
-          <p:cNvPr id="2118272806" name="Footer Placeholder 4"/>
+          <p:cNvPr id="355423875" name="Footer Placeholder 4"/>
           <p:cNvSpPr>
             <a:spLocks noGrp="1"/>
           </p:cNvSpPr>
@@ -1736,7 +1564,7 @@
       </p:sp>
       <p:sp>
         <p:nvSpPr>
-          <p:cNvPr id="349102710" name="Slide Number Placeholder 5"/>
+          <p:cNvPr id="670392147" name="Slide Number Placeholder 5"/>
           <p:cNvSpPr>
             <a:spLocks noGrp="1"/>
           </p:cNvSpPr>
@@ -1787,7 +1615,7 @@
       </p:grpSpPr>
       <p:sp>
         <p:nvSpPr>
-          <p:cNvPr id="1161897399" name="Vertical Title 1"/>
+          <p:cNvPr id="1131659175" name="Vertical Title 1"/>
           <p:cNvSpPr>
             <a:spLocks noGrp="1"/>
           </p:cNvSpPr>
@@ -1818,7 +1646,7 @@
       </p:sp>
       <p:sp>
         <p:nvSpPr>
-          <p:cNvPr id="220244893" name="Vertical Text Placeholder 2"/>
+          <p:cNvPr id="2137286823" name="Vertical Text Placeholder 2"/>
           <p:cNvSpPr>
             <a:spLocks noGrp="1"/>
           </p:cNvSpPr>
@@ -1889,7 +1717,7 @@
       </p:sp>
       <p:sp>
         <p:nvSpPr>
-          <p:cNvPr id="1204130652" name="Date Placeholder 3"/>
+          <p:cNvPr id="617964496" name="Date Placeholder 3"/>
           <p:cNvSpPr>
             <a:spLocks noGrp="1"/>
           </p:cNvSpPr>
@@ -1915,7 +1743,7 @@
       </p:sp>
       <p:sp>
         <p:nvSpPr>
-          <p:cNvPr id="409980628" name="Footer Placeholder 4"/>
+          <p:cNvPr id="1092391516" name="Footer Placeholder 4"/>
           <p:cNvSpPr>
             <a:spLocks noGrp="1"/>
           </p:cNvSpPr>
@@ -1937,7 +1765,7 @@
       </p:sp>
       <p:sp>
         <p:nvSpPr>
-          <p:cNvPr id="69185502" name="Slide Number Placeholder 5"/>
+          <p:cNvPr id="1822064198" name="Slide Number Placeholder 5"/>
           <p:cNvSpPr>
             <a:spLocks noGrp="1"/>
           </p:cNvSpPr>
@@ -1988,7 +1816,7 @@
       </p:grpSpPr>
       <p:sp>
         <p:nvSpPr>
-          <p:cNvPr id="415634333" name="Title 1"/>
+          <p:cNvPr id="1678355098" name="Title 1"/>
           <p:cNvSpPr>
             <a:spLocks noGrp="1"/>
           </p:cNvSpPr>
@@ -2014,7 +1842,7 @@
       </p:sp>
       <p:sp>
         <p:nvSpPr>
-          <p:cNvPr id="1067491292" name="Content Placeholder 2"/>
+          <p:cNvPr id="419723929" name="Content Placeholder 2"/>
           <p:cNvSpPr>
             <a:spLocks noGrp="1"/>
           </p:cNvSpPr>
@@ -2080,7 +1908,7 @@
       </p:sp>
       <p:sp>
         <p:nvSpPr>
-          <p:cNvPr id="1434552712" name="Date Placeholder 3"/>
+          <p:cNvPr id="2038190079" name="Date Placeholder 3"/>
           <p:cNvSpPr>
             <a:spLocks noGrp="1"/>
           </p:cNvSpPr>
@@ -2106,7 +1934,7 @@
       </p:sp>
       <p:sp>
         <p:nvSpPr>
-          <p:cNvPr id="1436480915" name="Footer Placeholder 4"/>
+          <p:cNvPr id="1194534113" name="Footer Placeholder 4"/>
           <p:cNvSpPr>
             <a:spLocks noGrp="1"/>
           </p:cNvSpPr>
@@ -2128,7 +1956,7 @@
       </p:sp>
       <p:sp>
         <p:nvSpPr>
-          <p:cNvPr id="681778233" name="Slide Number Placeholder 5"/>
+          <p:cNvPr id="1672089884" name="Slide Number Placeholder 5"/>
           <p:cNvSpPr>
             <a:spLocks noGrp="1"/>
           </p:cNvSpPr>
@@ -2179,7 +2007,7 @@
       </p:grpSpPr>
       <p:sp>
         <p:nvSpPr>
-          <p:cNvPr id="23739613" name="Title 1"/>
+          <p:cNvPr id="62681210" name="Title 1"/>
           <p:cNvSpPr>
             <a:spLocks noGrp="1"/>
           </p:cNvSpPr>
@@ -2214,7 +2042,7 @@
       </p:sp>
       <p:sp>
         <p:nvSpPr>
-          <p:cNvPr id="1537531116" name="Text Placeholder 2"/>
+          <p:cNvPr id="1068226059" name="Text Placeholder 2"/>
           <p:cNvSpPr>
             <a:spLocks noGrp="1"/>
           </p:cNvSpPr>
@@ -2336,7 +2164,7 @@
       </p:sp>
       <p:sp>
         <p:nvSpPr>
-          <p:cNvPr id="1440956309" name="Date Placeholder 3"/>
+          <p:cNvPr id="306147968" name="Date Placeholder 3"/>
           <p:cNvSpPr>
             <a:spLocks noGrp="1"/>
           </p:cNvSpPr>
@@ -2362,7 +2190,7 @@
       </p:sp>
       <p:sp>
         <p:nvSpPr>
-          <p:cNvPr id="203453858" name="Footer Placeholder 4"/>
+          <p:cNvPr id="409312238" name="Footer Placeholder 4"/>
           <p:cNvSpPr>
             <a:spLocks noGrp="1"/>
           </p:cNvSpPr>
@@ -2384,7 +2212,7 @@
       </p:sp>
       <p:sp>
         <p:nvSpPr>
-          <p:cNvPr id="588094455" name="Slide Number Placeholder 5"/>
+          <p:cNvPr id="1870573073" name="Slide Number Placeholder 5"/>
           <p:cNvSpPr>
             <a:spLocks noGrp="1"/>
           </p:cNvSpPr>
@@ -2435,7 +2263,7 @@
       </p:grpSpPr>
       <p:sp>
         <p:nvSpPr>
-          <p:cNvPr id="587506098" name="Title 1"/>
+          <p:cNvPr id="2025154661" name="Title 1"/>
           <p:cNvSpPr>
             <a:spLocks noGrp="1"/>
           </p:cNvSpPr>
@@ -2461,7 +2289,7 @@
       </p:sp>
       <p:sp>
         <p:nvSpPr>
-          <p:cNvPr id="1410799055" name="Content Placeholder 2"/>
+          <p:cNvPr id="166875505" name="Content Placeholder 2"/>
           <p:cNvSpPr>
             <a:spLocks noGrp="1"/>
           </p:cNvSpPr>
@@ -2532,7 +2360,7 @@
       </p:sp>
       <p:sp>
         <p:nvSpPr>
-          <p:cNvPr id="1660666200" name="Content Placeholder 3"/>
+          <p:cNvPr id="1641549620" name="Content Placeholder 3"/>
           <p:cNvSpPr>
             <a:spLocks noGrp="1"/>
           </p:cNvSpPr>
@@ -2603,7 +2431,7 @@
       </p:sp>
       <p:sp>
         <p:nvSpPr>
-          <p:cNvPr id="1774620144" name="Date Placeholder 4"/>
+          <p:cNvPr id="1726327995" name="Date Placeholder 4"/>
           <p:cNvSpPr>
             <a:spLocks noGrp="1"/>
           </p:cNvSpPr>
@@ -2629,7 +2457,7 @@
       </p:sp>
       <p:sp>
         <p:nvSpPr>
-          <p:cNvPr id="111879150" name="Footer Placeholder 5"/>
+          <p:cNvPr id="533692927" name="Footer Placeholder 5"/>
           <p:cNvSpPr>
             <a:spLocks noGrp="1"/>
           </p:cNvSpPr>
@@ -2651,7 +2479,7 @@
       </p:sp>
       <p:sp>
         <p:nvSpPr>
-          <p:cNvPr id="973448589" name="Slide Number Placeholder 6"/>
+          <p:cNvPr id="500277171" name="Slide Number Placeholder 6"/>
           <p:cNvSpPr>
             <a:spLocks noGrp="1"/>
           </p:cNvSpPr>
@@ -2702,7 +2530,7 @@
       </p:grpSpPr>
       <p:sp>
         <p:nvSpPr>
-          <p:cNvPr id="193959791" name="Title 1"/>
+          <p:cNvPr id="419324067" name="Title 1"/>
           <p:cNvSpPr>
             <a:spLocks noGrp="1"/>
           </p:cNvSpPr>
@@ -2733,7 +2561,7 @@
       </p:sp>
       <p:sp>
         <p:nvSpPr>
-          <p:cNvPr id="2038245931" name="Text Placeholder 2"/>
+          <p:cNvPr id="2025002400" name="Text Placeholder 2"/>
           <p:cNvSpPr>
             <a:spLocks noGrp="1"/>
           </p:cNvSpPr>
@@ -2801,7 +2629,7 @@
       </p:sp>
       <p:sp>
         <p:nvSpPr>
-          <p:cNvPr id="1227878781" name="Content Placeholder 3"/>
+          <p:cNvPr id="209108721" name="Content Placeholder 3"/>
           <p:cNvSpPr>
             <a:spLocks noGrp="1"/>
           </p:cNvSpPr>
@@ -2872,7 +2700,7 @@
       </p:sp>
       <p:sp>
         <p:nvSpPr>
-          <p:cNvPr id="984423424" name="Text Placeholder 4"/>
+          <p:cNvPr id="227481523" name="Text Placeholder 4"/>
           <p:cNvSpPr>
             <a:spLocks noGrp="1"/>
           </p:cNvSpPr>
@@ -2940,7 +2768,7 @@
       </p:sp>
       <p:sp>
         <p:nvSpPr>
-          <p:cNvPr id="151931495" name="Content Placeholder 5"/>
+          <p:cNvPr id="1292297174" name="Content Placeholder 5"/>
           <p:cNvSpPr>
             <a:spLocks noGrp="1"/>
           </p:cNvSpPr>
@@ -3011,7 +2839,7 @@
       </p:sp>
       <p:sp>
         <p:nvSpPr>
-          <p:cNvPr id="1638524434" name="Date Placeholder 6"/>
+          <p:cNvPr id="1653723220" name="Date Placeholder 6"/>
           <p:cNvSpPr>
             <a:spLocks noGrp="1"/>
           </p:cNvSpPr>
@@ -3037,7 +2865,7 @@
       </p:sp>
       <p:sp>
         <p:nvSpPr>
-          <p:cNvPr id="434163938" name="Footer Placeholder 7"/>
+          <p:cNvPr id="1220466381" name="Footer Placeholder 7"/>
           <p:cNvSpPr>
             <a:spLocks noGrp="1"/>
           </p:cNvSpPr>
@@ -3059,7 +2887,7 @@
       </p:sp>
       <p:sp>
         <p:nvSpPr>
-          <p:cNvPr id="747179669" name="Slide Number Placeholder 8"/>
+          <p:cNvPr id="2108825305" name="Slide Number Placeholder 8"/>
           <p:cNvSpPr>
             <a:spLocks noGrp="1"/>
           </p:cNvSpPr>
@@ -3110,7 +2938,7 @@
       </p:grpSpPr>
       <p:sp>
         <p:nvSpPr>
-          <p:cNvPr id="1462962533" name="Title 1"/>
+          <p:cNvPr id="1163860829" name="Title 1"/>
           <p:cNvSpPr>
             <a:spLocks noGrp="1"/>
           </p:cNvSpPr>
@@ -3136,7 +2964,7 @@
       </p:sp>
       <p:sp>
         <p:nvSpPr>
-          <p:cNvPr id="1171159406" name="Date Placeholder 2"/>
+          <p:cNvPr id="14069576" name="Date Placeholder 2"/>
           <p:cNvSpPr>
             <a:spLocks noGrp="1"/>
           </p:cNvSpPr>
@@ -3162,7 +2990,7 @@
       </p:sp>
       <p:sp>
         <p:nvSpPr>
-          <p:cNvPr id="945966083" name="Footer Placeholder 3"/>
+          <p:cNvPr id="1636687779" name="Footer Placeholder 3"/>
           <p:cNvSpPr>
             <a:spLocks noGrp="1"/>
           </p:cNvSpPr>
@@ -3184,7 +3012,7 @@
       </p:sp>
       <p:sp>
         <p:nvSpPr>
-          <p:cNvPr id="1055648776" name="Slide Number Placeholder 4"/>
+          <p:cNvPr id="1047553364" name="Slide Number Placeholder 4"/>
           <p:cNvSpPr>
             <a:spLocks noGrp="1"/>
           </p:cNvSpPr>
@@ -3235,7 +3063,7 @@
       </p:grpSpPr>
       <p:sp>
         <p:nvSpPr>
-          <p:cNvPr id="1954031366" name="Date Placeholder 1"/>
+          <p:cNvPr id="1081836153" name="Date Placeholder 1"/>
           <p:cNvSpPr>
             <a:spLocks noGrp="1"/>
           </p:cNvSpPr>
@@ -3261,7 +3089,7 @@
       </p:sp>
       <p:sp>
         <p:nvSpPr>
-          <p:cNvPr id="975049249" name="Footer Placeholder 2"/>
+          <p:cNvPr id="357122723" name="Footer Placeholder 2"/>
           <p:cNvSpPr>
             <a:spLocks noGrp="1"/>
           </p:cNvSpPr>
@@ -3283,7 +3111,7 @@
       </p:sp>
       <p:sp>
         <p:nvSpPr>
-          <p:cNvPr id="1005963970" name="Slide Number Placeholder 3"/>
+          <p:cNvPr id="324230846" name="Slide Number Placeholder 3"/>
           <p:cNvSpPr>
             <a:spLocks noGrp="1"/>
           </p:cNvSpPr>
@@ -3334,7 +3162,7 @@
       </p:grpSpPr>
       <p:sp>
         <p:nvSpPr>
-          <p:cNvPr id="2122038162" name="Title 1"/>
+          <p:cNvPr id="991455962" name="Title 1"/>
           <p:cNvSpPr>
             <a:spLocks noGrp="1"/>
           </p:cNvSpPr>
@@ -3369,7 +3197,7 @@
       </p:sp>
       <p:sp>
         <p:nvSpPr>
-          <p:cNvPr id="110304805" name="Content Placeholder 2"/>
+          <p:cNvPr id="1196910342" name="Content Placeholder 2"/>
           <p:cNvSpPr>
             <a:spLocks noGrp="1"/>
           </p:cNvSpPr>
@@ -3468,7 +3296,7 @@
       </p:sp>
       <p:sp>
         <p:nvSpPr>
-          <p:cNvPr id="647734884" name="Text Placeholder 3"/>
+          <p:cNvPr id="1571083676" name="Text Placeholder 3"/>
           <p:cNvSpPr>
             <a:spLocks noGrp="1"/>
           </p:cNvSpPr>
@@ -3536,7 +3364,7 @@
       </p:sp>
       <p:sp>
         <p:nvSpPr>
-          <p:cNvPr id="1348411727" name="Date Placeholder 4"/>
+          <p:cNvPr id="703951301" name="Date Placeholder 4"/>
           <p:cNvSpPr>
             <a:spLocks noGrp="1"/>
           </p:cNvSpPr>
@@ -3562,7 +3390,7 @@
       </p:sp>
       <p:sp>
         <p:nvSpPr>
-          <p:cNvPr id="1109902426" name="Footer Placeholder 5"/>
+          <p:cNvPr id="679359173" name="Footer Placeholder 5"/>
           <p:cNvSpPr>
             <a:spLocks noGrp="1"/>
           </p:cNvSpPr>
@@ -3584,7 +3412,7 @@
       </p:sp>
       <p:sp>
         <p:nvSpPr>
-          <p:cNvPr id="1626788222" name="Slide Number Placeholder 6"/>
+          <p:cNvPr id="553710095" name="Slide Number Placeholder 6"/>
           <p:cNvSpPr>
             <a:spLocks noGrp="1"/>
           </p:cNvSpPr>
@@ -3635,7 +3463,7 @@
       </p:grpSpPr>
       <p:sp>
         <p:nvSpPr>
-          <p:cNvPr id="988299498" name="Title 1"/>
+          <p:cNvPr id="809818210" name="Title 1"/>
           <p:cNvSpPr>
             <a:spLocks noGrp="1"/>
           </p:cNvSpPr>
@@ -3670,7 +3498,7 @@
       </p:sp>
       <p:sp>
         <p:nvSpPr>
-          <p:cNvPr id="233219488" name="Picture Placeholder 2"/>
+          <p:cNvPr id="991926145" name="Picture Placeholder 2"/>
           <p:cNvSpPr>
             <a:spLocks noGrp="1"/>
           </p:cNvSpPr>
@@ -3734,7 +3562,7 @@
       </p:sp>
       <p:sp>
         <p:nvSpPr>
-          <p:cNvPr id="1079304840" name="Text Placeholder 3"/>
+          <p:cNvPr id="386257874" name="Text Placeholder 3"/>
           <p:cNvSpPr>
             <a:spLocks noGrp="1"/>
           </p:cNvSpPr>
@@ -3802,7 +3630,7 @@
       </p:sp>
       <p:sp>
         <p:nvSpPr>
-          <p:cNvPr id="1963375746" name="Date Placeholder 4"/>
+          <p:cNvPr id="109467210" name="Date Placeholder 4"/>
           <p:cNvSpPr>
             <a:spLocks noGrp="1"/>
           </p:cNvSpPr>
@@ -3828,7 +3656,7 @@
       </p:sp>
       <p:sp>
         <p:nvSpPr>
-          <p:cNvPr id="1900791563" name="Footer Placeholder 5"/>
+          <p:cNvPr id="1766272466" name="Footer Placeholder 5"/>
           <p:cNvSpPr>
             <a:spLocks noGrp="1"/>
           </p:cNvSpPr>
@@ -3850,7 +3678,7 @@
       </p:sp>
       <p:sp>
         <p:nvSpPr>
-          <p:cNvPr id="989615662" name="Slide Number Placeholder 6"/>
+          <p:cNvPr id="2120270722" name="Slide Number Placeholder 6"/>
           <p:cNvSpPr>
             <a:spLocks noGrp="1"/>
           </p:cNvSpPr>
@@ -3906,7 +3734,7 @@
       </p:grpSpPr>
       <p:sp>
         <p:nvSpPr>
-          <p:cNvPr id="970120670" name="Title Placeholder 1"/>
+          <p:cNvPr id="1688357831" name="Title Placeholder 1"/>
           <p:cNvSpPr>
             <a:spLocks noGrp="1"/>
           </p:cNvSpPr>
@@ -3942,7 +3770,7 @@
       </p:sp>
       <p:sp>
         <p:nvSpPr>
-          <p:cNvPr id="1169512291" name="Text Placeholder 2"/>
+          <p:cNvPr id="856651352" name="Text Placeholder 2"/>
           <p:cNvSpPr>
             <a:spLocks noGrp="1"/>
           </p:cNvSpPr>
@@ -4018,7 +3846,7 @@
       </p:sp>
       <p:sp>
         <p:nvSpPr>
-          <p:cNvPr id="2139654727" name="Date Placeholder 3"/>
+          <p:cNvPr id="1557752601" name="Date Placeholder 3"/>
           <p:cNvSpPr>
             <a:spLocks noGrp="1"/>
           </p:cNvSpPr>
@@ -4062,7 +3890,7 @@
       </p:sp>
       <p:sp>
         <p:nvSpPr>
-          <p:cNvPr id="912679914" name="Footer Placeholder 4"/>
+          <p:cNvPr id="1907357984" name="Footer Placeholder 4"/>
           <p:cNvSpPr>
             <a:spLocks noGrp="1"/>
           </p:cNvSpPr>
@@ -4102,7 +3930,7 @@
       </p:sp>
       <p:sp>
         <p:nvSpPr>
-          <p:cNvPr id="2141906668" name="Slide Number Placeholder 5"/>
+          <p:cNvPr id="1364485563" name="Slide Number Placeholder 5"/>
           <p:cNvSpPr>
             <a:spLocks noGrp="1"/>
           </p:cNvSpPr>
@@ -4462,7 +4290,7 @@
       </p:grpSpPr>
       <p:sp>
         <p:nvSpPr>
-          <p:cNvPr id="465067308" name="Title 1"/>
+          <p:cNvPr id="744406976" name="Title 1"/>
           <p:cNvSpPr>
             <a:spLocks noGrp="1"/>
           </p:cNvSpPr>
@@ -4488,7 +4316,7 @@
       </p:sp>
       <p:sp>
         <p:nvSpPr>
-          <p:cNvPr id="888954864" name="Subtitle 2"/>
+          <p:cNvPr id="1360224236" name="Subtitle 2"/>
           <p:cNvSpPr>
             <a:spLocks noGrp="1"/>
           </p:cNvSpPr>
@@ -4508,1595 +4336,6 @@
           </a:p>
         </p:txBody>
       </p:sp>
-    </p:spTree>
-  </p:cSld>
-  <p:clrMapOvr>
-    <a:masterClrMapping/>
-  </p:clrMapOvr>
-  <mc:AlternateContent xmlns:mc="http://schemas.openxmlformats.org/markup-compatibility/2006">
-    <mc:Choice xmlns:p159="http://schemas.microsoft.com/office/powerpoint/2015/09/main" xmlns:p14="http://schemas.microsoft.com/office/powerpoint/2010/main" Requires="p159">
-      <p:transition p14:dur="2000" advClick="1"/>
-    </mc:Choice>
-    <mc:Fallback>
-      <p:transition advClick="1"/>
-    </mc:Fallback>
-  </mc:AlternateContent>
-</p:sld>
-</file>
-
-<file path=ppt/slides/slide10.xml><?xml version="1.0" encoding="utf-8"?>
-<p:sld xmlns:a="http://schemas.openxmlformats.org/drawingml/2006/main" xmlns:r="http://schemas.openxmlformats.org/officeDocument/2006/relationships" xmlns:p="http://schemas.openxmlformats.org/presentationml/2006/main" xmlns:m="http://schemas.openxmlformats.org/officeDocument/2006/math" xmlns:w="http://schemas.openxmlformats.org/wordprocessingml/2006/main" xmlns:mc="http://schemas.openxmlformats.org/markup-compatibility/2006" showMasterPhAnim="0" showMasterSp="1" show="1">
-  <p:cSld name="Slide 10">
-    <p:bg>
-      <p:bgPr shadeToTitle="0">
-        <a:solidFill>
-          <a:srgbClr val="F8FAFC"/>
-        </a:solidFill>
-      </p:bgPr>
-    </p:bg>
-    <p:spTree>
-      <p:nvGrpSpPr>
-        <p:cNvPr id="1" name=""/>
-        <p:cNvGrpSpPr/>
-        <p:nvPr/>
-      </p:nvGrpSpPr>
-      <p:grpSpPr bwMode="auto">
-        <a:xfrm>
-          <a:off x="0" y="0"/>
-          <a:ext cx="0" cy="0"/>
-          <a:chOff x="0" y="0"/>
-          <a:chExt cx="0" cy="0"/>
-        </a:xfrm>
-      </p:grpSpPr>
-      <p:sp>
-        <p:nvSpPr>
-          <p:cNvPr id="602354527" name="Text 0"/>
-          <p:cNvSpPr/>
-          <p:nvPr/>
-        </p:nvSpPr>
-        <p:spPr bwMode="auto">
-          <a:xfrm>
-            <a:off x="761999" y="507999"/>
-            <a:ext cx="5479542" cy="507999"/>
-          </a:xfrm>
-          <a:prstGeom prst="rect">
-            <a:avLst/>
-          </a:prstGeom>
-          <a:noFill/>
-          <a:ln/>
-        </p:spPr>
-        <p:txBody>
-          <a:bodyPr wrap="square" lIns="0" tIns="0" rIns="0" bIns="0" rtlCol="0" anchor="t"/>
-          <a:lstStyle/>
-          <a:p>
-            <a:pPr marL="0" indent="0" algn="l">
-              <a:lnSpc>
-                <a:spcPts val="2999"/>
-              </a:lnSpc>
-              <a:spcAft>
-                <a:spcPts val="1874"/>
-              </a:spcAft>
-              <a:buNone/>
-              <a:defRPr/>
-            </a:pPr>
-            <a:r>
-              <a:rPr lang="en-US" sz="2700" b="1">
-                <a:solidFill>
-                  <a:srgbClr val="1E3A8A"/>
-                </a:solidFill>
-                <a:latin typeface="Arial"/>
-                <a:ea typeface="Arial"/>
-                <a:cs typeface="Arial"/>
-              </a:rPr>
-              <a:t>Educação e Arquitectura</a:t>
-            </a:r>
-            <a:endParaRPr lang="en-US" sz="2700"/>
-          </a:p>
-        </p:txBody>
-      </p:sp>
-      <p:sp>
-        <p:nvSpPr>
-          <p:cNvPr id="1700507" name="Text 1"/>
-          <p:cNvSpPr/>
-          <p:nvPr/>
-        </p:nvSpPr>
-        <p:spPr bwMode="auto">
-          <a:xfrm>
-            <a:off x="761999" y="1333499"/>
-            <a:ext cx="10881360" cy="365719"/>
-          </a:xfrm>
-          <a:prstGeom prst="rect">
-            <a:avLst/>
-          </a:prstGeom>
-          <a:noFill/>
-          <a:ln/>
-        </p:spPr>
-        <p:txBody>
-          <a:bodyPr wrap="square" lIns="0" tIns="0" rIns="0" bIns="0" rtlCol="0" anchor="t"/>
-          <a:lstStyle/>
-          <a:p>
-            <a:pPr marL="0" indent="0" algn="l">
-              <a:lnSpc>
-                <a:spcPts val="2159"/>
-              </a:lnSpc>
-              <a:spcBef>
-                <a:spcPts val="1124"/>
-              </a:spcBef>
-              <a:spcAft>
-                <a:spcPts val="749"/>
-              </a:spcAft>
-              <a:buNone/>
-              <a:defRPr/>
-            </a:pPr>
-            <a:r>
-              <a:rPr lang="en-US" sz="1800" b="1">
-                <a:solidFill>
-                  <a:srgbClr val="3B82F6"/>
-                </a:solidFill>
-                <a:latin typeface="Arial"/>
-                <a:ea typeface="Arial"/>
-                <a:cs typeface="Arial"/>
-              </a:rPr>
-              <a:t>Valor Educacional</a:t>
-            </a:r>
-            <a:endParaRPr lang="en-US" sz="1800"/>
-          </a:p>
-        </p:txBody>
-      </p:sp>
-      <p:sp>
-        <p:nvSpPr>
-          <p:cNvPr id="1647979622" name="Text 2"/>
-          <p:cNvSpPr/>
-          <p:nvPr/>
-        </p:nvSpPr>
-        <p:spPr bwMode="auto">
-          <a:xfrm>
-            <a:off x="761999" y="1826219"/>
-            <a:ext cx="10667999" cy="1066799"/>
-          </a:xfrm>
-          <a:prstGeom prst="rect">
-            <a:avLst/>
-          </a:prstGeom>
-          <a:noFill/>
-          <a:ln/>
-        </p:spPr>
-        <p:txBody>
-          <a:bodyPr wrap="square" lIns="119062" tIns="0" rIns="0" bIns="0" rtlCol="0" anchor="t"/>
-          <a:lstStyle/>
-          <a:p>
-            <a:pPr marL="119062" indent="-119062" algn="l">
-              <a:lnSpc>
-                <a:spcPts val="2099"/>
-              </a:lnSpc>
-              <a:spcAft>
-                <a:spcPts val="449"/>
-              </a:spcAft>
-              <a:buSzPct val="100000"/>
-              <a:buChar char="•"/>
-              <a:defRPr/>
-            </a:pPr>
-            <a:r>
-              <a:rPr lang="en-US" sz="1350">
-                <a:solidFill>
-                  <a:srgbClr val="334155"/>
-                </a:solidFill>
-                <a:latin typeface="Arial"/>
-                <a:ea typeface="Arial"/>
-                <a:cs typeface="Arial"/>
-              </a:rPr>
-              <a:t>Compreensão profunda do hardware</a:t>
-            </a:r>
-            <a:endParaRPr lang="en-US" sz="1350"/>
-          </a:p>
-          <a:p>
-            <a:pPr marL="119062" indent="-119062" algn="l">
-              <a:lnSpc>
-                <a:spcPts val="2099"/>
-              </a:lnSpc>
-              <a:spcAft>
-                <a:spcPts val="449"/>
-              </a:spcAft>
-              <a:buSzPct val="100000"/>
-              <a:buChar char="•"/>
-              <a:defRPr/>
-            </a:pPr>
-            <a:r>
-              <a:rPr lang="en-US" sz="1350">
-                <a:solidFill>
-                  <a:srgbClr val="334155"/>
-                </a:solidFill>
-                <a:latin typeface="Arial"/>
-                <a:ea typeface="Arial"/>
-                <a:cs typeface="Arial"/>
-              </a:rPr>
-              <a:t>Base para estudos avançados</a:t>
-            </a:r>
-            <a:endParaRPr lang="en-US" sz="1350"/>
-          </a:p>
-        </p:txBody>
-      </p:sp>
-      <p:sp>
-        <p:nvSpPr>
-          <p:cNvPr id="509471523" name="Text 3"/>
-          <p:cNvSpPr/>
-          <p:nvPr/>
-        </p:nvSpPr>
-        <p:spPr bwMode="auto">
-          <a:xfrm>
-            <a:off x="761999" y="3083519"/>
-            <a:ext cx="10881360" cy="365719"/>
-          </a:xfrm>
-          <a:prstGeom prst="rect">
-            <a:avLst/>
-          </a:prstGeom>
-          <a:noFill/>
-          <a:ln/>
-        </p:spPr>
-        <p:txBody>
-          <a:bodyPr wrap="square" lIns="0" tIns="0" rIns="0" bIns="0" rtlCol="0" anchor="t"/>
-          <a:lstStyle/>
-          <a:p>
-            <a:pPr marL="0" indent="0" algn="l">
-              <a:lnSpc>
-                <a:spcPts val="2159"/>
-              </a:lnSpc>
-              <a:spcBef>
-                <a:spcPts val="1124"/>
-              </a:spcBef>
-              <a:spcAft>
-                <a:spcPts val="749"/>
-              </a:spcAft>
-              <a:buNone/>
-              <a:defRPr/>
-            </a:pPr>
-            <a:r>
-              <a:rPr lang="en-US" sz="1800" b="1">
-                <a:solidFill>
-                  <a:srgbClr val="3B82F6"/>
-                </a:solidFill>
-                <a:latin typeface="Arial"/>
-                <a:ea typeface="Arial"/>
-                <a:cs typeface="Arial"/>
-              </a:rPr>
-              <a:t>Conceitos Tangíveis</a:t>
-            </a:r>
-            <a:endParaRPr lang="en-US" sz="1800"/>
-          </a:p>
-        </p:txBody>
-      </p:sp>
-      <p:sp>
-        <p:nvSpPr>
-          <p:cNvPr id="409696057" name="Text 4"/>
-          <p:cNvSpPr/>
-          <p:nvPr/>
-        </p:nvSpPr>
-        <p:spPr bwMode="auto">
-          <a:xfrm>
-            <a:off x="761999" y="3576238"/>
-            <a:ext cx="10667999" cy="1066799"/>
-          </a:xfrm>
-          <a:prstGeom prst="rect">
-            <a:avLst/>
-          </a:prstGeom>
-          <a:noFill/>
-          <a:ln/>
-        </p:spPr>
-        <p:txBody>
-          <a:bodyPr wrap="square" lIns="119062" tIns="0" rIns="0" bIns="0" rtlCol="0" anchor="t"/>
-          <a:lstStyle/>
-          <a:p>
-            <a:pPr marL="119062" indent="-119062" algn="l">
-              <a:lnSpc>
-                <a:spcPts val="2099"/>
-              </a:lnSpc>
-              <a:spcAft>
-                <a:spcPts val="449"/>
-              </a:spcAft>
-              <a:buSzPct val="100000"/>
-              <a:buChar char="•"/>
-              <a:defRPr/>
-            </a:pPr>
-            <a:r>
-              <a:rPr lang="en-US" sz="1350">
-                <a:solidFill>
-                  <a:srgbClr val="334155"/>
-                </a:solidFill>
-                <a:latin typeface="Arial"/>
-                <a:ea typeface="Arial"/>
-                <a:cs typeface="Arial"/>
-              </a:rPr>
-              <a:t>Gestão de memória e registos do CPU</a:t>
-            </a:r>
-            <a:endParaRPr lang="en-US" sz="1350"/>
-          </a:p>
-          <a:p>
-            <a:pPr marL="119062" indent="-119062" algn="l">
-              <a:lnSpc>
-                <a:spcPts val="2099"/>
-              </a:lnSpc>
-              <a:spcAft>
-                <a:spcPts val="449"/>
-              </a:spcAft>
-              <a:buSzPct val="100000"/>
-              <a:buChar char="•"/>
-              <a:defRPr/>
-            </a:pPr>
-            <a:r>
-              <a:rPr lang="en-US" sz="1350">
-                <a:solidFill>
-                  <a:srgbClr val="334155"/>
-                </a:solidFill>
-                <a:latin typeface="Arial"/>
-                <a:ea typeface="Arial"/>
-                <a:cs typeface="Arial"/>
-              </a:rPr>
-              <a:t>Pilha de execução e pipeline</a:t>
-            </a:r>
-            <a:endParaRPr lang="en-US" sz="1350"/>
-          </a:p>
-        </p:txBody>
-      </p:sp>
-      <p:sp>
-        <p:nvSpPr>
-          <p:cNvPr id="435043041" name="Text 5"/>
-          <p:cNvSpPr/>
-          <p:nvPr/>
-        </p:nvSpPr>
-        <p:spPr bwMode="auto">
-          <a:xfrm>
-            <a:off x="761999" y="4795438"/>
-            <a:ext cx="10667999" cy="665361"/>
-          </a:xfrm>
-          <a:prstGeom prst="roundRect">
-            <a:avLst>
-              <a:gd name="adj" fmla="val 11452"/>
-            </a:avLst>
-          </a:prstGeom>
-          <a:solidFill>
-            <a:srgbClr val="60A5FA"/>
-          </a:solidFill>
-          <a:ln/>
-        </p:spPr>
-        <p:txBody>
-          <a:bodyPr wrap="square" rtlCol="0" anchor="ctr"/>
-          <a:lstStyle/>
-          <a:p>
-            <a:pPr marL="0" indent="0">
-              <a:buNone/>
-              <a:defRPr/>
-            </a:pPr>
-            <a:endParaRPr lang="en-US"/>
-          </a:p>
-        </p:txBody>
-      </p:sp>
-      <p:sp>
-        <p:nvSpPr>
-          <p:cNvPr id="1198792263" name="Text 6"/>
-          <p:cNvSpPr/>
-          <p:nvPr/>
-        </p:nvSpPr>
-        <p:spPr bwMode="auto">
-          <a:xfrm>
-            <a:off x="952499" y="4985939"/>
-            <a:ext cx="10492740" cy="284361"/>
-          </a:xfrm>
-          <a:prstGeom prst="rect">
-            <a:avLst/>
-          </a:prstGeom>
-          <a:noFill/>
-          <a:ln/>
-        </p:spPr>
-        <p:txBody>
-          <a:bodyPr wrap="square" lIns="0" tIns="0" rIns="0" bIns="0" rtlCol="0" anchor="t"/>
-          <a:lstStyle/>
-          <a:p>
-            <a:pPr marL="0" indent="0" algn="l">
-              <a:lnSpc>
-                <a:spcPts val="1679"/>
-              </a:lnSpc>
-              <a:buNone/>
-              <a:defRPr/>
-            </a:pPr>
-            <a:r>
-              <a:rPr lang="en-US" sz="1200">
-                <a:solidFill>
-                  <a:srgbClr val="FFFFFF"/>
-                </a:solidFill>
-                <a:latin typeface="Arial"/>
-                <a:ea typeface="Arial"/>
-                <a:cs typeface="Arial"/>
-              </a:rPr>
-              <a:t>"Assembly é uma arte" - Vu (2016)</a:t>
-            </a:r>
-            <a:endParaRPr lang="en-US" sz="1200"/>
-          </a:p>
-        </p:txBody>
-      </p:sp>
-    </p:spTree>
-  </p:cSld>
-  <p:clrMapOvr>
-    <a:masterClrMapping/>
-  </p:clrMapOvr>
-  <mc:AlternateContent xmlns:mc="http://schemas.openxmlformats.org/markup-compatibility/2006">
-    <mc:Choice xmlns:p159="http://schemas.microsoft.com/office/powerpoint/2015/09/main" xmlns:p14="http://schemas.microsoft.com/office/powerpoint/2010/main" Requires="p159">
-      <p:transition p14:dur="2000" advClick="1"/>
-    </mc:Choice>
-    <mc:Fallback>
-      <p:transition advClick="1"/>
-    </mc:Fallback>
-  </mc:AlternateContent>
-</p:sld>
-</file>
-
-<file path=ppt/slides/slide11.xml><?xml version="1.0" encoding="utf-8"?>
-<p:sld xmlns:a="http://schemas.openxmlformats.org/drawingml/2006/main" xmlns:r="http://schemas.openxmlformats.org/officeDocument/2006/relationships" xmlns:p="http://schemas.openxmlformats.org/presentationml/2006/main" xmlns:m="http://schemas.openxmlformats.org/officeDocument/2006/math" xmlns:w="http://schemas.openxmlformats.org/wordprocessingml/2006/main" xmlns:mc="http://schemas.openxmlformats.org/markup-compatibility/2006" showMasterPhAnim="0" showMasterSp="1" show="1">
-  <p:cSld name="">
-    <p:spTree>
-      <p:nvGrpSpPr>
-        <p:cNvPr id="1" name=""/>
-        <p:cNvGrpSpPr/>
-        <p:nvPr/>
-      </p:nvGrpSpPr>
-      <p:grpSpPr bwMode="auto">
-        <a:xfrm>
-          <a:off x="0" y="0"/>
-          <a:ext cx="0" cy="0"/>
-          <a:chOff x="0" y="0"/>
-          <a:chExt cx="0" cy="0"/>
-        </a:xfrm>
-      </p:grpSpPr>
-      <p:sp>
-        <p:nvSpPr>
-          <p:cNvPr id="1409051565" name="Title 1"/>
-          <p:cNvSpPr>
-            <a:spLocks noGrp="1"/>
-          </p:cNvSpPr>
-          <p:nvPr>
-            <p:ph type="title"/>
-          </p:nvPr>
-        </p:nvSpPr>
-        <p:spPr bwMode="auto"/>
-        <p:txBody>
-          <a:bodyPr/>
-          <a:lstStyle/>
-          <a:p>
-            <a:pPr>
-              <a:defRPr/>
-            </a:pPr>
-            <a:r>
-              <a:rPr lang="en-GB"/>
-              <a:t>Assemblers Comparison</a:t>
-            </a:r>
-            <a:endParaRPr/>
-          </a:p>
-        </p:txBody>
-      </p:sp>
-      <p:graphicFrame>
-        <p:nvGraphicFramePr>
-          <p:cNvPr id="191821657" name=""/>
-          <p:cNvGraphicFramePr>
-            <a:graphicFrameLocks xmlns:a="http://schemas.openxmlformats.org/drawingml/2006/main"/>
-          </p:cNvGraphicFramePr>
-          <p:nvPr>
-            <p:ph idx="1"/>
-          </p:nvPr>
-        </p:nvGraphicFramePr>
-        <p:xfrm rot="0">
-          <a:off x="838197" y="1562552"/>
-          <a:ext cx="10439736" cy="4748339"/>
-        </p:xfrm>
-        <a:graphic>
-          <a:graphicData uri="http://schemas.openxmlformats.org/drawingml/2006/table">
-            <a:tbl>
-              <a:tblPr firstRow="1" firstCol="0" lastRow="0" lastCol="0" bandRow="1" bandCol="0">
-                <a:tableStyleId>{5C22544A-7EE6-4342-B048-85BDC9FD1C3A}</a:tableStyleId>
-              </a:tblPr>
-              <a:tblGrid>
-                <a:gridCol w="2085408"/>
-                <a:gridCol w="1604592"/>
-                <a:gridCol w="2430000"/>
-                <a:gridCol w="1710000"/>
-                <a:gridCol w="2597036"/>
-              </a:tblGrid>
-              <a:tr h="642700">
-                <a:tc>
-                  <a:txBody>
-                    <a:bodyPr/>
-                    <a:p>
-                      <a:pPr marL="0" marR="0" indent="0" algn="ctr">
-                        <a:lnSpc>
-                          <a:spcPct val="107000"/>
-                        </a:lnSpc>
-                        <a:spcBef>
-                          <a:spcPts val="0"/>
-                        </a:spcBef>
-                        <a:spcAft>
-                          <a:spcPts val="799"/>
-                        </a:spcAft>
-                        <a:defRPr/>
-                      </a:pPr>
-                      <a:r>
-                        <a:rPr lang="en-GB" sz="2400" b="1" i="0" u="none" strike="noStrike" cap="none" spc="0">
-                          <a:solidFill>
-                            <a:schemeClr val="lt1"/>
-                          </a:solidFill>
-                          <a:latin typeface="Calibri"/>
-                          <a:ea typeface="Calibri"/>
-                          <a:cs typeface="Calibri"/>
-                        </a:rPr>
-                        <a:t>Assembler</a:t>
-                      </a:r>
-                      <a:endParaRPr lang="en-GB" sz="2400" b="1" i="0" u="none" strike="noStrike" cap="none" spc="0">
-                        <a:solidFill>
-                          <a:schemeClr val="lt1"/>
-                        </a:solidFill>
-                        <a:latin typeface="Calibri"/>
-                        <a:cs typeface="Calibri"/>
-                      </a:endParaRPr>
-                    </a:p>
-                  </a:txBody>
-                  <a:tcPr/>
-                </a:tc>
-                <a:tc>
-                  <a:txBody>
-                    <a:bodyPr/>
-                    <a:p>
-                      <a:pPr marL="0" marR="0" indent="0" algn="ctr">
-                        <a:lnSpc>
-                          <a:spcPct val="107000"/>
-                        </a:lnSpc>
-                        <a:spcBef>
-                          <a:spcPts val="0"/>
-                        </a:spcBef>
-                        <a:spcAft>
-                          <a:spcPts val="799"/>
-                        </a:spcAft>
-                        <a:defRPr/>
-                      </a:pPr>
-                      <a:r>
-                        <a:rPr lang="en-GB" sz="2400" b="1" i="0" u="none" strike="noStrike" cap="none" spc="0">
-                          <a:solidFill>
-                            <a:schemeClr val="lt1"/>
-                          </a:solidFill>
-                          <a:latin typeface="Calibri"/>
-                          <a:ea typeface="Calibri"/>
-                          <a:cs typeface="Calibri"/>
-                        </a:rPr>
-                        <a:t>Syntax</a:t>
-                      </a:r>
-                      <a:endParaRPr lang="en-GB" sz="2400" b="1" i="0" u="none" strike="noStrike" cap="none" spc="0">
-                        <a:solidFill>
-                          <a:schemeClr val="lt1"/>
-                        </a:solidFill>
-                        <a:latin typeface="Calibri"/>
-                        <a:cs typeface="Calibri"/>
-                      </a:endParaRPr>
-                    </a:p>
-                  </a:txBody>
-                  <a:tcPr/>
-                </a:tc>
-                <a:tc>
-                  <a:txBody>
-                    <a:bodyPr/>
-                    <a:p>
-                      <a:pPr marL="0" marR="0" indent="0" algn="ctr">
-                        <a:lnSpc>
-                          <a:spcPct val="107000"/>
-                        </a:lnSpc>
-                        <a:spcBef>
-                          <a:spcPts val="0"/>
-                        </a:spcBef>
-                        <a:spcAft>
-                          <a:spcPts val="799"/>
-                        </a:spcAft>
-                        <a:defRPr/>
-                      </a:pPr>
-                      <a:r>
-                        <a:rPr lang="en-GB" sz="2400" b="1" i="0" u="none" strike="noStrike" cap="none" spc="0">
-                          <a:solidFill>
-                            <a:schemeClr val="lt1"/>
-                          </a:solidFill>
-                          <a:latin typeface="Calibri"/>
-                          <a:ea typeface="Calibri"/>
-                          <a:cs typeface="Calibri"/>
-                        </a:rPr>
-                        <a:t>Arquitecture</a:t>
-                      </a:r>
-                      <a:endParaRPr lang="en-GB" sz="2400" b="1" i="0" u="none" strike="noStrike" cap="none" spc="0">
-                        <a:solidFill>
-                          <a:schemeClr val="lt1"/>
-                        </a:solidFill>
-                        <a:latin typeface="Calibri"/>
-                        <a:cs typeface="Calibri"/>
-                      </a:endParaRPr>
-                    </a:p>
-                  </a:txBody>
-                  <a:tcPr/>
-                </a:tc>
-                <a:tc>
-                  <a:txBody>
-                    <a:bodyPr/>
-                    <a:p>
-                      <a:pPr marL="0" marR="0" indent="0" algn="ctr">
-                        <a:lnSpc>
-                          <a:spcPct val="107000"/>
-                        </a:lnSpc>
-                        <a:spcBef>
-                          <a:spcPts val="0"/>
-                        </a:spcBef>
-                        <a:spcAft>
-                          <a:spcPts val="799"/>
-                        </a:spcAft>
-                        <a:defRPr/>
-                      </a:pPr>
-                      <a:r>
-                        <a:rPr lang="en-GB" sz="2400" b="1" i="0" u="none" strike="noStrike" cap="none" spc="0">
-                          <a:solidFill>
-                            <a:schemeClr val="lt1"/>
-                          </a:solidFill>
-                          <a:latin typeface="Calibri"/>
-                          <a:ea typeface="Calibri"/>
-                          <a:cs typeface="Calibri"/>
-                        </a:rPr>
-                        <a:t>Platform</a:t>
-                      </a:r>
-                      <a:endParaRPr lang="en-GB" sz="2400" b="1" i="0" u="none" strike="noStrike" cap="none" spc="0">
-                        <a:solidFill>
-                          <a:schemeClr val="lt1"/>
-                        </a:solidFill>
-                        <a:latin typeface="Calibri"/>
-                        <a:cs typeface="Calibri"/>
-                      </a:endParaRPr>
-                    </a:p>
-                  </a:txBody>
-                  <a:tcPr/>
-                </a:tc>
-                <a:tc>
-                  <a:txBody>
-                    <a:bodyPr/>
-                    <a:p>
-                      <a:pPr marL="0" marR="0" indent="0" algn="ctr">
-                        <a:lnSpc>
-                          <a:spcPct val="107000"/>
-                        </a:lnSpc>
-                        <a:spcBef>
-                          <a:spcPts val="0"/>
-                        </a:spcBef>
-                        <a:spcAft>
-                          <a:spcPts val="799"/>
-                        </a:spcAft>
-                        <a:defRPr/>
-                      </a:pPr>
-                      <a:r>
-                        <a:rPr lang="en-GB" sz="2400" b="1" i="0" u="none" strike="noStrike" cap="none" spc="0">
-                          <a:solidFill>
-                            <a:schemeClr val="lt1"/>
-                          </a:solidFill>
-                          <a:latin typeface="Calibri"/>
-                          <a:ea typeface="Calibri"/>
-                          <a:cs typeface="Calibri"/>
-                        </a:rPr>
-                        <a:t>Use/Notes</a:t>
-                      </a:r>
-                      <a:endParaRPr lang="en-GB" sz="2400" b="1" i="0" u="none" strike="noStrike" cap="none" spc="0">
-                        <a:solidFill>
-                          <a:schemeClr val="lt1"/>
-                        </a:solidFill>
-                        <a:latin typeface="Calibri"/>
-                        <a:cs typeface="Calibri"/>
-                      </a:endParaRPr>
-                    </a:p>
-                  </a:txBody>
-                  <a:tcPr/>
-                </a:tc>
-              </a:tr>
-              <a:tr h="365760">
-                <a:tc>
-                  <a:txBody>
-                    <a:bodyPr/>
-                    <a:p>
-                      <a:pPr>
-                        <a:defRPr/>
-                      </a:pPr>
-                      <a:r>
-                        <a:rPr lang="en-GB" sz="1600" b="1" i="0" u="none" strike="noStrike" cap="none" spc="0">
-                          <a:solidFill>
-                            <a:schemeClr val="tx1"/>
-                          </a:solidFill>
-                          <a:latin typeface="Calibri"/>
-                          <a:ea typeface="Calibri"/>
-                          <a:cs typeface="Calibri"/>
-                        </a:rPr>
-                        <a:t>NASM (Netwide Assembler)</a:t>
-                      </a:r>
-                      <a:endParaRPr sz="1600" b="1" i="0" u="none" strike="noStrike" cap="none" spc="0">
-                        <a:solidFill>
-                          <a:schemeClr val="tx1"/>
-                        </a:solidFill>
-                        <a:latin typeface="Calibri"/>
-                        <a:ea typeface="Arial"/>
-                        <a:cs typeface="Arial"/>
-                      </a:endParaRPr>
-                    </a:p>
-                  </a:txBody>
-                  <a:tcPr/>
-                </a:tc>
-                <a:tc>
-                  <a:txBody>
-                    <a:bodyPr/>
-                    <a:p>
-                      <a:pPr>
-                        <a:defRPr/>
-                      </a:pPr>
-                      <a:r>
-                        <a:rPr lang="en-GB"/>
-                        <a:t>Intel</a:t>
-                      </a:r>
-                      <a:endParaRPr lang="en-GB"/>
-                    </a:p>
-                  </a:txBody>
-                  <a:tcPr/>
-                </a:tc>
-                <a:tc>
-                  <a:txBody>
-                    <a:bodyPr/>
-                    <a:p>
-                      <a:pPr>
-                        <a:defRPr/>
-                      </a:pPr>
-                      <a:r>
-                        <a:rPr lang="en-GB" sz="1800" b="0" i="0" u="none" strike="noStrike" cap="none" spc="0">
-                          <a:solidFill>
-                            <a:schemeClr val="tx1"/>
-                          </a:solidFill>
-                          <a:latin typeface="Calibri"/>
-                          <a:ea typeface="Calibri"/>
-                          <a:cs typeface="Calibri"/>
-                        </a:rPr>
-                        <a:t>16, 32, 64 bits</a:t>
-                      </a:r>
-                      <a:endParaRPr lang="en-GB" sz="1800" b="0" i="0" u="none" strike="noStrike" cap="none" spc="0">
-                        <a:solidFill>
-                          <a:schemeClr val="tx1"/>
-                        </a:solidFill>
-                        <a:latin typeface="Calibri"/>
-                        <a:ea typeface="Arial"/>
-                        <a:cs typeface="Arial"/>
-                      </a:endParaRPr>
-                    </a:p>
-                  </a:txBody>
-                  <a:tcPr/>
-                </a:tc>
-                <a:tc>
-                  <a:txBody>
-                    <a:bodyPr/>
-                    <a:p>
-                      <a:pPr>
-                        <a:defRPr/>
-                      </a:pPr>
-                      <a:r>
-                        <a:rPr lang="en-GB" sz="1800" b="0" i="0" u="none" strike="noStrike" cap="none" spc="0">
-                          <a:solidFill>
-                            <a:schemeClr val="dk1"/>
-                          </a:solidFill>
-                          <a:latin typeface="Calibri"/>
-                          <a:ea typeface="Calibri"/>
-                          <a:cs typeface="Calibri"/>
-                        </a:rPr>
-                        <a:t>Linux, Windows, macOS</a:t>
-                      </a:r>
-                      <a:r>
-                        <a:rPr lang="en-GB" sz="1800" b="0" i="0" u="none" strike="noStrike" cap="none" spc="0">
-                          <a:solidFill>
-                            <a:schemeClr val="dk1"/>
-                          </a:solidFill>
-                          <a:latin typeface="Calibri"/>
-                          <a:ea typeface="Calibri"/>
-                          <a:cs typeface="Calibri"/>
-                        </a:rPr>
-                        <a:t>, DOS</a:t>
-                      </a:r>
-                      <a:endParaRPr lang="en-GB"/>
-                    </a:p>
-                  </a:txBody>
-                  <a:tcPr/>
-                </a:tc>
-                <a:tc>
-                  <a:txBody>
-                    <a:bodyPr/>
-                    <a:p>
-                      <a:pPr>
-                        <a:defRPr/>
-                      </a:pPr>
-                      <a:r>
-                        <a:rPr lang="pt-BR" sz="1800" b="0" i="0" u="none" strike="noStrike" cap="none" spc="0">
-                          <a:solidFill>
-                            <a:schemeClr val="tx1"/>
-                          </a:solidFill>
-                          <a:latin typeface="Calibri"/>
-                          <a:ea typeface="Arial"/>
-                          <a:cs typeface="Arial"/>
-                        </a:rPr>
-                        <a:t>Kernels and bootloaders</a:t>
-                      </a:r>
-                      <a:endParaRPr sz="1800" b="0" i="0" u="none" strike="noStrike" cap="none" spc="0">
-                        <a:solidFill>
-                          <a:schemeClr val="tx1"/>
-                        </a:solidFill>
-                        <a:latin typeface="Calibri"/>
-                        <a:ea typeface="Arial"/>
-                        <a:cs typeface="Arial"/>
-                      </a:endParaRPr>
-                    </a:p>
-                  </a:txBody>
-                  <a:tcPr/>
-                </a:tc>
-              </a:tr>
-              <a:tr h="619920">
-                <a:tc>
-                  <a:txBody>
-                    <a:bodyPr/>
-                    <a:p>
-                      <a:pPr>
-                        <a:defRPr/>
-                      </a:pPr>
-                      <a:r>
-                        <a:rPr lang="en-GB" sz="1600" b="1" i="0" u="none" strike="noStrike" cap="none" spc="0">
-                          <a:solidFill>
-                            <a:schemeClr val="tx1"/>
-                          </a:solidFill>
-                          <a:latin typeface="Calibri"/>
-                          <a:ea typeface="Calibri"/>
-                          <a:cs typeface="Calibri"/>
-                        </a:rPr>
-                        <a:t>MASM (Microsoft Macro Assembler)</a:t>
-                      </a:r>
-                      <a:endParaRPr sz="1600" b="1" i="0" u="none" strike="noStrike" cap="none" spc="0">
-                        <a:solidFill>
-                          <a:schemeClr val="tx1"/>
-                        </a:solidFill>
-                        <a:latin typeface="Calibri"/>
-                        <a:ea typeface="Arial"/>
-                        <a:cs typeface="Arial"/>
-                      </a:endParaRPr>
-                    </a:p>
-                  </a:txBody>
-                  <a:tcPr/>
-                </a:tc>
-                <a:tc>
-                  <a:txBody>
-                    <a:bodyPr/>
-                    <a:p>
-                      <a:pPr>
-                        <a:defRPr/>
-                      </a:pPr>
-                      <a:r>
-                        <a:rPr lang="en-GB"/>
-                        <a:t>Intel</a:t>
-                      </a:r>
-                      <a:endParaRPr lang="en-GB"/>
-                    </a:p>
-                  </a:txBody>
-                  <a:tcPr/>
-                </a:tc>
-                <a:tc>
-                  <a:txBody>
-                    <a:bodyPr/>
-                    <a:p>
-                      <a:pPr>
-                        <a:defRPr/>
-                      </a:pPr>
-                      <a:r>
-                        <a:rPr lang="en-GB" sz="1800" b="0" i="0" u="none" strike="noStrike" cap="none" spc="0">
-                          <a:solidFill>
-                            <a:schemeClr val="tx1"/>
-                          </a:solidFill>
-                          <a:latin typeface="Calibri"/>
-                          <a:ea typeface="Calibri"/>
-                          <a:cs typeface="Calibri"/>
-                        </a:rPr>
-                        <a:t>16, 32, 64 bits</a:t>
-                      </a:r>
-                      <a:endParaRPr lang="en-GB" sz="1800" b="0" i="0" u="none" strike="noStrike" cap="none" spc="0">
-                        <a:solidFill>
-                          <a:schemeClr val="tx1"/>
-                        </a:solidFill>
-                        <a:latin typeface="Calibri"/>
-                        <a:ea typeface="Arial"/>
-                        <a:cs typeface="Arial"/>
-                      </a:endParaRPr>
-                    </a:p>
-                  </a:txBody>
-                  <a:tcPr/>
-                </a:tc>
-                <a:tc>
-                  <a:txBody>
-                    <a:bodyPr/>
-                    <a:p>
-                      <a:pPr>
-                        <a:defRPr/>
-                      </a:pPr>
-                      <a:r>
-                        <a:rPr lang="en-GB" sz="1800" b="0" i="0" u="none" strike="noStrike" cap="none" spc="0">
-                          <a:solidFill>
-                            <a:schemeClr val="dk1"/>
-                          </a:solidFill>
-                          <a:latin typeface="Calibri"/>
-                          <a:ea typeface="Calibri"/>
-                          <a:cs typeface="Calibri"/>
-                        </a:rPr>
-                        <a:t>Windows, </a:t>
-                      </a:r>
-                      <a:endParaRPr lang="en-GB" sz="1800" b="0" i="0" u="none" strike="noStrike" cap="none" spc="0">
-                        <a:solidFill>
-                          <a:schemeClr val="dk1"/>
-                        </a:solidFill>
-                        <a:latin typeface="Calibri"/>
-                        <a:ea typeface="Calibri"/>
-                        <a:cs typeface="Calibri"/>
-                      </a:endParaRPr>
-                    </a:p>
-                    <a:p>
-                      <a:pPr>
-                        <a:defRPr/>
-                      </a:pPr>
-                      <a:r>
-                        <a:rPr lang="en-GB" sz="1800" b="0" i="0" u="none" strike="noStrike" cap="none" spc="0">
-                          <a:solidFill>
-                            <a:schemeClr val="dk1"/>
-                          </a:solidFill>
-                          <a:latin typeface="Calibri"/>
-                          <a:ea typeface="Calibri"/>
-                          <a:cs typeface="Calibri"/>
-                        </a:rPr>
-                        <a:t>MS-DOS</a:t>
-                      </a:r>
-                      <a:endParaRPr lang="en-GB"/>
-                    </a:p>
-                  </a:txBody>
-                  <a:tcPr/>
-                </a:tc>
-                <a:tc>
-                  <a:txBody>
-                    <a:bodyPr/>
-                    <a:p>
-                      <a:pPr>
-                        <a:defRPr/>
-                      </a:pPr>
-                      <a:r>
-                        <a:rPr lang="pt-BR" sz="1800" b="0" i="0" u="none" strike="noStrike" cap="none" spc="0">
-                          <a:solidFill>
-                            <a:schemeClr val="tx1"/>
-                          </a:solidFill>
-                          <a:latin typeface="Calibri"/>
-                          <a:ea typeface="Arial"/>
-                          <a:cs typeface="Arial"/>
-                        </a:rPr>
-                        <a:t>Drivers</a:t>
-                      </a:r>
-                      <a:endParaRPr sz="1800" b="0" i="0" u="none" strike="noStrike" cap="none" spc="0">
-                        <a:solidFill>
-                          <a:schemeClr val="tx1"/>
-                        </a:solidFill>
-                        <a:latin typeface="Calibri"/>
-                        <a:ea typeface="Arial"/>
-                        <a:cs typeface="Arial"/>
-                      </a:endParaRPr>
-                    </a:p>
-                  </a:txBody>
-                  <a:tcPr/>
-                </a:tc>
-              </a:tr>
-              <a:tr h="365760">
-                <a:tc>
-                  <a:txBody>
-                    <a:bodyPr/>
-                    <a:p>
-                      <a:pPr>
-                        <a:defRPr/>
-                      </a:pPr>
-                      <a:r>
-                        <a:rPr lang="en-GB" sz="1600" b="1" i="0" u="none" strike="noStrike" cap="none" spc="0">
-                          <a:solidFill>
-                            <a:schemeClr val="tx1"/>
-                          </a:solidFill>
-                          <a:latin typeface="Calibri"/>
-                          <a:ea typeface="Calibri"/>
-                          <a:cs typeface="Calibri"/>
-                        </a:rPr>
-                        <a:t>GAS (GNU Assembler)</a:t>
-                      </a:r>
-                      <a:endParaRPr sz="1600" b="1" i="0" u="none" strike="noStrike" cap="none" spc="0">
-                        <a:solidFill>
-                          <a:schemeClr val="tx1"/>
-                        </a:solidFill>
-                        <a:latin typeface="Calibri"/>
-                        <a:ea typeface="Arial"/>
-                        <a:cs typeface="Arial"/>
-                      </a:endParaRPr>
-                    </a:p>
-                  </a:txBody>
-                  <a:tcPr/>
-                </a:tc>
-                <a:tc>
-                  <a:txBody>
-                    <a:bodyPr/>
-                    <a:p>
-                      <a:pPr>
-                        <a:defRPr/>
-                      </a:pPr>
-                      <a:r>
-                        <a:rPr lang="en-GB"/>
-                        <a:t>AT&amp;T, Intel</a:t>
-                      </a:r>
-                      <a:endParaRPr lang="en-GB"/>
-                    </a:p>
-                  </a:txBody>
-                  <a:tcPr/>
-                </a:tc>
-                <a:tc>
-                  <a:txBody>
-                    <a:bodyPr/>
-                    <a:p>
-                      <a:pPr>
-                        <a:defRPr/>
-                      </a:pPr>
-                      <a:r>
-                        <a:rPr lang="en-GB" sz="1800" b="0" i="0" u="none" strike="noStrike" cap="none" spc="0">
-                          <a:solidFill>
-                            <a:schemeClr val="tx1"/>
-                          </a:solidFill>
-                          <a:latin typeface="Calibri"/>
-                          <a:ea typeface="Calibri"/>
-                          <a:cs typeface="Calibri"/>
-                        </a:rPr>
-                        <a:t>x86, ARM, MIPS, RISC- V, SPARC</a:t>
-                      </a:r>
-                      <a:endParaRPr lang="en-GB" sz="1800" b="0" i="0" u="none" strike="noStrike" cap="none" spc="0">
-                        <a:solidFill>
-                          <a:schemeClr val="tx1"/>
-                        </a:solidFill>
-                        <a:latin typeface="Calibri"/>
-                        <a:ea typeface="Arial"/>
-                        <a:cs typeface="Arial"/>
-                      </a:endParaRPr>
-                    </a:p>
-                  </a:txBody>
-                  <a:tcPr/>
-                </a:tc>
-                <a:tc>
-                  <a:txBody>
-                    <a:bodyPr/>
-                    <a:p>
-                      <a:pPr>
-                        <a:defRPr/>
-                      </a:pPr>
-                      <a:r>
-                        <a:rPr lang="en-GB" sz="1800" b="0" i="0" u="none" strike="noStrike" cap="none" spc="0">
-                          <a:solidFill>
-                            <a:schemeClr val="dk1"/>
-                          </a:solidFill>
-                          <a:latin typeface="Calibri"/>
-                          <a:ea typeface="Calibri"/>
-                          <a:cs typeface="Calibri"/>
-                        </a:rPr>
-                        <a:t>Linux/Unix</a:t>
-                      </a:r>
-                      <a:endParaRPr lang="en-GB"/>
-                    </a:p>
-                  </a:txBody>
-                  <a:tcPr/>
-                </a:tc>
-                <a:tc>
-                  <a:txBody>
-                    <a:bodyPr/>
-                    <a:p>
-                      <a:pPr>
-                        <a:defRPr/>
-                      </a:pPr>
-                      <a:r>
-                        <a:rPr lang="pt-BR" sz="1800" b="0" i="0" u="none" strike="noStrike" cap="none" spc="0">
-                          <a:solidFill>
-                            <a:schemeClr val="tx1"/>
-                          </a:solidFill>
-                          <a:latin typeface="Calibri"/>
-                          <a:ea typeface="Arial"/>
-                          <a:cs typeface="Arial"/>
-                        </a:rPr>
-                        <a:t>Standard in kernels on Linux/Unix systems</a:t>
-                      </a:r>
-                      <a:endParaRPr sz="1800" b="0" i="0" u="none" strike="noStrike" cap="none" spc="0">
-                        <a:solidFill>
-                          <a:schemeClr val="tx1"/>
-                        </a:solidFill>
-                        <a:latin typeface="Calibri"/>
-                        <a:ea typeface="Arial"/>
-                        <a:cs typeface="Arial"/>
-                      </a:endParaRPr>
-                    </a:p>
-                  </a:txBody>
-                  <a:tcPr/>
-                </a:tc>
-              </a:tr>
-              <a:tr h="365760">
-                <a:tc>
-                  <a:txBody>
-                    <a:bodyPr/>
-                    <a:p>
-                      <a:pPr>
-                        <a:defRPr/>
-                      </a:pPr>
-                      <a:r>
-                        <a:rPr lang="pt-BR" sz="1600" b="1" i="0" u="none" strike="noStrike" cap="none" spc="0">
-                          <a:solidFill>
-                            <a:schemeClr val="tx1"/>
-                          </a:solidFill>
-                          <a:latin typeface="Calibri"/>
-                          <a:ea typeface="Calibri"/>
-                          <a:cs typeface="Calibri"/>
-                        </a:rPr>
-                        <a:t>GAS (ARM)</a:t>
-                      </a:r>
-                      <a:endParaRPr lang="pt-BR" sz="1600" b="1" i="0" u="none" strike="noStrike" cap="none" spc="0">
-                        <a:solidFill>
-                          <a:schemeClr val="tx1"/>
-                        </a:solidFill>
-                        <a:latin typeface="Calibri"/>
-                        <a:ea typeface="Calibri"/>
-                        <a:cs typeface="Calibri"/>
-                      </a:endParaRPr>
-                    </a:p>
-                  </a:txBody>
-                  <a:tcPr/>
-                </a:tc>
-                <a:tc>
-                  <a:txBody>
-                    <a:bodyPr/>
-                    <a:p>
-                      <a:pPr>
-                        <a:defRPr/>
-                      </a:pPr>
-                      <a:r>
-                        <a:rPr lang="pt-BR"/>
-                        <a:t>ARM</a:t>
-                      </a:r>
-                      <a:endParaRPr lang="en-GB"/>
-                    </a:p>
-                  </a:txBody>
-                  <a:tcPr/>
-                </a:tc>
-                <a:tc>
-                  <a:txBody>
-                    <a:bodyPr/>
-                    <a:p>
-                      <a:pPr>
-                        <a:defRPr/>
-                      </a:pPr>
-                      <a:r>
-                        <a:rPr lang="pt-BR" sz="1800" b="0" i="0" u="none" strike="noStrike" cap="none" spc="0">
-                          <a:solidFill>
-                            <a:schemeClr val="tx1"/>
-                          </a:solidFill>
-                          <a:latin typeface="Calibri"/>
-                          <a:ea typeface="Calibri"/>
-                          <a:cs typeface="Calibri"/>
-                        </a:rPr>
-                        <a:t>ARM32/ARM64</a:t>
-                      </a:r>
-                      <a:endParaRPr lang="en-GB" sz="1800" b="0" i="0" u="none" strike="noStrike" cap="none" spc="0">
-                        <a:solidFill>
-                          <a:schemeClr val="tx1"/>
-                        </a:solidFill>
-                        <a:latin typeface="Calibri"/>
-                        <a:ea typeface="Calibri"/>
-                        <a:cs typeface="Calibri"/>
-                      </a:endParaRPr>
-                    </a:p>
-                  </a:txBody>
-                  <a:tcPr/>
-                </a:tc>
-                <a:tc>
-                  <a:txBody>
-                    <a:bodyPr/>
-                    <a:p>
-                      <a:pPr>
-                        <a:defRPr/>
-                      </a:pPr>
-                      <a:r>
-                        <a:rPr lang="pt-BR" sz="1800" b="0" i="0" u="none" strike="noStrike" cap="none" spc="0">
-                          <a:solidFill>
-                            <a:schemeClr val="dk1"/>
-                          </a:solidFill>
-                          <a:latin typeface="Calibri"/>
-                          <a:ea typeface="Calibri"/>
-                          <a:cs typeface="Calibri"/>
-                        </a:rPr>
-                        <a:t>Linux/Android</a:t>
-                      </a:r>
-                      <a:endParaRPr lang="en-GB" sz="1800" b="0" i="0" u="none" strike="noStrike" cap="none" spc="0">
-                        <a:solidFill>
-                          <a:schemeClr val="dk1"/>
-                        </a:solidFill>
-                        <a:latin typeface="Calibri"/>
-                        <a:ea typeface="Calibri"/>
-                        <a:cs typeface="Calibri"/>
-                      </a:endParaRPr>
-                    </a:p>
-                  </a:txBody>
-                  <a:tcPr/>
-                </a:tc>
-                <a:tc>
-                  <a:txBody>
-                    <a:bodyPr/>
-                    <a:p>
-                      <a:pPr>
-                        <a:defRPr/>
-                      </a:pPr>
-                      <a:r>
-                        <a:rPr lang="pt-BR" sz="1800" b="0" i="0" u="none" strike="noStrike" cap="none" spc="0">
-                          <a:solidFill>
-                            <a:schemeClr val="tx1"/>
-                          </a:solidFill>
-                          <a:latin typeface="Calibri"/>
-                          <a:ea typeface="Calibri"/>
-                          <a:cs typeface="Calibri"/>
-                        </a:rPr>
-                        <a:t>Sistemas Linux de ARM</a:t>
-                      </a:r>
-                      <a:endParaRPr lang="pt-BR" sz="1800" b="0" i="0" u="none" strike="noStrike" cap="none" spc="0">
-                        <a:solidFill>
-                          <a:schemeClr val="tx1"/>
-                        </a:solidFill>
-                        <a:latin typeface="Calibri"/>
-                        <a:ea typeface="Calibri"/>
-                        <a:cs typeface="Calibri"/>
-                      </a:endParaRPr>
-                    </a:p>
-                    <a:p>
-                      <a:pPr>
-                        <a:defRPr/>
-                      </a:pPr>
-                      <a:r>
-                        <a:rPr lang="pt-BR" sz="1800" b="0" i="0" u="none" strike="noStrike" cap="none" spc="0">
-                          <a:solidFill>
-                            <a:schemeClr val="tx1"/>
-                          </a:solidFill>
-                          <a:latin typeface="Calibri"/>
-                          <a:ea typeface="Calibri"/>
-                          <a:cs typeface="Calibri"/>
-                        </a:rPr>
-                        <a:t> e Android</a:t>
-                      </a:r>
-                      <a:endParaRPr lang="pt-BR" sz="1800" b="0" i="0" u="none" strike="noStrike" cap="none" spc="0">
-                        <a:solidFill>
-                          <a:schemeClr val="tx1"/>
-                        </a:solidFill>
-                        <a:latin typeface="Calibri"/>
-                        <a:ea typeface="Arial"/>
-                        <a:cs typeface="Arial"/>
-                      </a:endParaRPr>
-                    </a:p>
-                  </a:txBody>
-                  <a:tcPr/>
-                </a:tc>
-              </a:tr>
-              <a:tr h="365760">
-                <a:tc>
-                  <a:txBody>
-                    <a:bodyPr/>
-                    <a:p>
-                      <a:pPr>
-                        <a:defRPr/>
-                      </a:pPr>
-                      <a:r>
-                        <a:rPr lang="pt-BR" sz="1600" b="1" i="0" u="none" strike="noStrike" cap="none" spc="0">
-                          <a:solidFill>
-                            <a:schemeClr val="tx1"/>
-                          </a:solidFill>
-                          <a:latin typeface="Calibri"/>
-                          <a:ea typeface="Calibri"/>
-                          <a:cs typeface="Calibri"/>
-                        </a:rPr>
-                        <a:t>ARMASM</a:t>
-                      </a:r>
-                      <a:endParaRPr sz="1600" b="1" i="0" u="none" strike="noStrike" cap="none" spc="0">
-                        <a:solidFill>
-                          <a:schemeClr val="tx1"/>
-                        </a:solidFill>
-                        <a:latin typeface="Calibri"/>
-                        <a:ea typeface="Arial"/>
-                        <a:cs typeface="Arial"/>
-                      </a:endParaRPr>
-                    </a:p>
-                  </a:txBody>
-                  <a:tcPr/>
-                </a:tc>
-                <a:tc>
-                  <a:txBody>
-                    <a:bodyPr/>
-                    <a:p>
-                      <a:pPr>
-                        <a:defRPr/>
-                      </a:pPr>
-                      <a:r>
-                        <a:rPr lang="en-GB" sz="1800" b="0" i="0" u="none" strike="noStrike" cap="none" spc="0">
-                          <a:solidFill>
-                            <a:schemeClr val="dk1"/>
-                          </a:solidFill>
-                          <a:latin typeface="Calibri"/>
-                          <a:ea typeface="Calibri"/>
-                          <a:cs typeface="Calibri"/>
-                        </a:rPr>
-                        <a:t>ARM</a:t>
-                      </a:r>
-                      <a:endParaRPr lang="en-GB"/>
-                    </a:p>
-                  </a:txBody>
-                  <a:tcPr/>
-                </a:tc>
-                <a:tc>
-                  <a:txBody>
-                    <a:bodyPr/>
-                    <a:p>
-                      <a:pPr>
-                        <a:defRPr/>
-                      </a:pPr>
-                      <a:r>
-                        <a:rPr lang="pt-BR" sz="1800" b="0" i="0" u="none" strike="noStrike" cap="none" spc="0">
-                          <a:solidFill>
-                            <a:schemeClr val="tx1"/>
-                          </a:solidFill>
-                          <a:latin typeface="Calibri"/>
-                          <a:ea typeface="Calibri"/>
-                          <a:cs typeface="Calibri"/>
-                        </a:rPr>
-                        <a:t>ARM32/ARM64</a:t>
-                      </a:r>
-                      <a:endParaRPr sz="1800" b="0" i="0" u="none" strike="noStrike" cap="none" spc="0">
-                        <a:solidFill>
-                          <a:schemeClr val="tx1"/>
-                        </a:solidFill>
-                        <a:latin typeface="Calibri"/>
-                        <a:ea typeface="Calibri"/>
-                        <a:cs typeface="Calibri"/>
-                      </a:endParaRPr>
-                    </a:p>
-                  </a:txBody>
-                  <a:tcPr/>
-                </a:tc>
-                <a:tc>
-                  <a:txBody>
-                    <a:bodyPr/>
-                    <a:p>
-                      <a:pPr>
-                        <a:defRPr/>
-                      </a:pPr>
-                      <a:r>
-                        <a:rPr lang="en-GB" sz="1800" b="0" i="0" u="none" strike="noStrike" cap="none" spc="0">
-                          <a:solidFill>
-                            <a:schemeClr val="dk1"/>
-                          </a:solidFill>
-                          <a:latin typeface="Calibri"/>
-                          <a:ea typeface="Calibri"/>
-                          <a:cs typeface="Calibri"/>
-                        </a:rPr>
-                        <a:t>Windows, Linux</a:t>
-                      </a:r>
-                      <a:endParaRPr lang="en-GB"/>
-                    </a:p>
-                  </a:txBody>
-                  <a:tcPr/>
-                </a:tc>
-                <a:tc>
-                  <a:txBody>
-                    <a:bodyPr/>
-                    <a:p>
-                      <a:pPr>
-                        <a:defRPr/>
-                      </a:pPr>
-                      <a:r>
-                        <a:rPr lang="pt-BR" sz="1800" b="0" i="0" u="none" strike="noStrike" cap="none" spc="0">
-                          <a:solidFill>
-                            <a:schemeClr val="tx1"/>
-                          </a:solidFill>
-                          <a:latin typeface="Calibri"/>
-                          <a:ea typeface="Arial"/>
-                          <a:cs typeface="Arial"/>
-                        </a:rPr>
-                        <a:t>Embedded Systems</a:t>
-                      </a:r>
-                      <a:endParaRPr sz="1800" b="0" i="0" u="none" strike="noStrike" cap="none" spc="0">
-                        <a:solidFill>
-                          <a:schemeClr val="tx1"/>
-                        </a:solidFill>
-                        <a:latin typeface="Calibri"/>
-                        <a:ea typeface="Arial"/>
-                        <a:cs typeface="Arial"/>
-                      </a:endParaRPr>
-                    </a:p>
-                  </a:txBody>
-                  <a:tcPr/>
-                </a:tc>
-              </a:tr>
-              <a:tr h="365760">
-                <a:tc>
-                  <a:txBody>
-                    <a:bodyPr/>
-                    <a:p>
-                      <a:pPr>
-                        <a:defRPr/>
-                      </a:pPr>
-                      <a:r>
-                        <a:rPr lang="en-GB" sz="1600" b="1" i="0" u="none" strike="noStrike" cap="none" spc="0">
-                          <a:solidFill>
-                            <a:schemeClr val="tx1"/>
-                          </a:solidFill>
-                          <a:latin typeface="Calibri"/>
-                          <a:ea typeface="Calibri"/>
-                          <a:cs typeface="Calibri"/>
-                        </a:rPr>
-                        <a:t>LLVM / Clang ASM</a:t>
-                      </a:r>
-                      <a:endParaRPr sz="1600" b="1" i="0" u="none" strike="noStrike" cap="none" spc="0">
-                        <a:solidFill>
-                          <a:schemeClr val="tx1"/>
-                        </a:solidFill>
-                        <a:latin typeface="Calibri"/>
-                        <a:ea typeface="Arial"/>
-                        <a:cs typeface="Arial"/>
-                      </a:endParaRPr>
-                    </a:p>
-                  </a:txBody>
-                  <a:tcPr/>
-                </a:tc>
-                <a:tc>
-                  <a:txBody>
-                    <a:bodyPr/>
-                    <a:p>
-                      <a:pPr>
-                        <a:defRPr/>
-                      </a:pPr>
-                      <a:r>
-                        <a:rPr lang="pt-BR"/>
-                        <a:t>ARM</a:t>
-                      </a:r>
-                      <a:endParaRPr lang="en-GB"/>
-                    </a:p>
-                  </a:txBody>
-                  <a:tcPr/>
-                </a:tc>
-                <a:tc>
-                  <a:txBody>
-                    <a:bodyPr/>
-                    <a:p>
-                      <a:pPr>
-                        <a:defRPr/>
-                      </a:pPr>
-                      <a:r>
-                        <a:rPr lang="pt-BR" sz="1800" b="0" i="0" u="none" strike="noStrike" cap="none" spc="0">
-                          <a:solidFill>
-                            <a:schemeClr val="tx1"/>
-                          </a:solidFill>
-                          <a:latin typeface="Calibri"/>
-                          <a:ea typeface="Calibri"/>
-                          <a:cs typeface="Calibri"/>
-                        </a:rPr>
-                        <a:t>ARM64</a:t>
-                      </a:r>
-                      <a:endParaRPr lang="en-GB" sz="1800" b="0" i="0" u="none" strike="noStrike" cap="none" spc="0">
-                        <a:solidFill>
-                          <a:schemeClr val="tx1"/>
-                        </a:solidFill>
-                        <a:latin typeface="Calibri"/>
-                        <a:ea typeface="Arial"/>
-                        <a:cs typeface="Arial"/>
-                      </a:endParaRPr>
-                    </a:p>
-                  </a:txBody>
-                  <a:tcPr/>
-                </a:tc>
-                <a:tc>
-                  <a:txBody>
-                    <a:bodyPr/>
-                    <a:p>
-                      <a:pPr>
-                        <a:defRPr/>
-                      </a:pPr>
-                      <a:r>
-                        <a:rPr lang="en-GB" sz="1800" b="0" i="0" u="none" strike="noStrike" cap="none" spc="0">
-                          <a:solidFill>
-                            <a:schemeClr val="dk1"/>
-                          </a:solidFill>
-                          <a:latin typeface="Calibri"/>
-                          <a:ea typeface="Calibri"/>
-                          <a:cs typeface="Calibri"/>
-                        </a:rPr>
-                        <a:t>Linux, </a:t>
-                      </a:r>
-                      <a:r>
-                        <a:rPr lang="pt-BR" sz="1800" b="0" i="0" u="none" strike="noStrike" cap="none" spc="0">
-                          <a:solidFill>
-                            <a:schemeClr val="dk1"/>
-                          </a:solidFill>
-                          <a:latin typeface="Calibri"/>
-                          <a:ea typeface="Calibri"/>
-                          <a:cs typeface="Calibri"/>
-                        </a:rPr>
-                        <a:t>Android</a:t>
-                      </a:r>
-                      <a:r>
-                        <a:rPr lang="en-GB" sz="1800" b="0" i="0" u="none" strike="noStrike" cap="none" spc="0">
-                          <a:solidFill>
-                            <a:schemeClr val="dk1"/>
-                          </a:solidFill>
-                          <a:latin typeface="Calibri"/>
-                          <a:ea typeface="Calibri"/>
-                          <a:cs typeface="Calibri"/>
-                        </a:rPr>
-                        <a:t>, </a:t>
-                      </a:r>
-                      <a:r>
-                        <a:rPr lang="pt-BR" sz="1800" b="0" i="0" u="none" strike="noStrike" cap="none" spc="0">
-                          <a:solidFill>
-                            <a:schemeClr val="dk1"/>
-                          </a:solidFill>
-                          <a:latin typeface="Calibri"/>
-                          <a:ea typeface="Calibri"/>
-                          <a:cs typeface="Calibri"/>
-                        </a:rPr>
-                        <a:t>i</a:t>
-                      </a:r>
-                      <a:r>
-                        <a:rPr lang="en-GB" sz="1800" b="0" i="0" u="none" strike="noStrike" cap="none" spc="0">
-                          <a:solidFill>
-                            <a:schemeClr val="dk1"/>
-                          </a:solidFill>
-                          <a:latin typeface="Calibri"/>
-                          <a:ea typeface="Calibri"/>
-                          <a:cs typeface="Calibri"/>
-                        </a:rPr>
-                        <a:t>OS</a:t>
-                      </a:r>
-                      <a:endParaRPr lang="en-GB"/>
-                    </a:p>
-                  </a:txBody>
-                  <a:tcPr/>
-                </a:tc>
-                <a:tc>
-                  <a:txBody>
-                    <a:bodyPr/>
-                    <a:p>
-                      <a:pPr>
-                        <a:defRPr/>
-                      </a:pPr>
-                      <a:r>
-                        <a:rPr lang="pt-BR" sz="1800" b="0" i="0" u="none" strike="noStrike" cap="none" spc="0">
-                          <a:solidFill>
-                            <a:schemeClr val="tx1"/>
-                          </a:solidFill>
-                          <a:latin typeface="Calibri"/>
-                          <a:ea typeface="Arial"/>
-                          <a:cs typeface="Arial"/>
-                        </a:rPr>
-                        <a:t>Modern Mobile and Apple</a:t>
-                      </a:r>
-                      <a:endParaRPr sz="1800" b="0" i="0" u="none" strike="noStrike" cap="none" spc="0">
-                        <a:solidFill>
-                          <a:schemeClr val="tx1"/>
-                        </a:solidFill>
-                        <a:latin typeface="Calibri"/>
-                        <a:ea typeface="Arial"/>
-                        <a:cs typeface="Arial"/>
-                      </a:endParaRPr>
-                    </a:p>
-                  </a:txBody>
-                  <a:tcPr/>
-                </a:tc>
-              </a:tr>
-            </a:tbl>
-          </a:graphicData>
-        </a:graphic>
-      </p:graphicFrame>
     </p:spTree>
   </p:cSld>
   <p:clrMapOvr>
@@ -6132,7 +4371,7 @@
       </p:grpSpPr>
       <p:sp>
         <p:nvSpPr>
-          <p:cNvPr id="507440990" name="Title 1"/>
+          <p:cNvPr id="1129335777" name="Title 1"/>
           <p:cNvSpPr>
             <a:spLocks noGrp="1"/>
           </p:cNvSpPr>
@@ -6154,7 +4393,7 @@
       </p:sp>
       <p:sp>
         <p:nvSpPr>
-          <p:cNvPr id="1808326157" name="Content Placeholder 2"/>
+          <p:cNvPr id="144885609" name="Content Placeholder 2"/>
           <p:cNvSpPr>
             <a:spLocks noGrp="1"/>
           </p:cNvSpPr>
@@ -6209,7 +4448,7 @@
       </p:grpSpPr>
       <p:sp>
         <p:nvSpPr>
-          <p:cNvPr id="292048511" name="Title 1"/>
+          <p:cNvPr id="916196030" name="Title 1"/>
           <p:cNvSpPr>
             <a:spLocks noGrp="1"/>
           </p:cNvSpPr>
@@ -6231,7 +4470,7 @@
       </p:sp>
       <p:sp>
         <p:nvSpPr>
-          <p:cNvPr id="637492177" name="Content Placeholder 2"/>
+          <p:cNvPr id="1282574939" name="Content Placeholder 2"/>
           <p:cNvSpPr>
             <a:spLocks noGrp="1"/>
           </p:cNvSpPr>
@@ -6286,7 +4525,7 @@
       </p:grpSpPr>
       <p:sp>
         <p:nvSpPr>
-          <p:cNvPr id="1366824623" name="Title 1"/>
+          <p:cNvPr id="1953611392" name="Title 1"/>
           <p:cNvSpPr>
             <a:spLocks noGrp="1"/>
           </p:cNvSpPr>
@@ -6308,7 +4547,7 @@
       </p:sp>
       <p:graphicFrame>
         <p:nvGraphicFramePr>
-          <p:cNvPr id="1133692192" name="Content Placeholder 3"/>
+          <p:cNvPr id="116042237" name="Content Placeholder 3"/>
           <p:cNvGraphicFramePr>
             <a:graphicFrameLocks xmlns:a="http://schemas.openxmlformats.org/drawingml/2006/main" noGrp="1"/>
           </p:cNvGraphicFramePr>
@@ -6639,7 +4878,7 @@
       </p:grpSpPr>
       <p:sp>
         <p:nvSpPr>
-          <p:cNvPr id="164308764" name="Title 1"/>
+          <p:cNvPr id="763688739" name="Title 1"/>
           <p:cNvSpPr>
             <a:spLocks noGrp="1"/>
           </p:cNvSpPr>
@@ -6661,7 +4900,7 @@
       </p:sp>
       <p:graphicFrame>
         <p:nvGraphicFramePr>
-          <p:cNvPr id="1965224190" name="Content Placeholder 3"/>
+          <p:cNvPr id="1604668623" name="Content Placeholder 3"/>
           <p:cNvGraphicFramePr>
             <a:graphicFrameLocks xmlns:a="http://schemas.openxmlformats.org/drawingml/2006/main" noGrp="1"/>
           </p:cNvGraphicFramePr>
@@ -7290,14 +5529,14 @@
       </p:grpSpPr>
       <p:sp>
         <p:nvSpPr>
-          <p:cNvPr id="84066178" name="Text 0"/>
+          <p:cNvPr id="1445094628" name="Text 0"/>
           <p:cNvSpPr/>
           <p:nvPr/>
         </p:nvSpPr>
         <p:spPr bwMode="auto">
-          <a:xfrm>
-            <a:off x="761999" y="507999"/>
-            <a:ext cx="6204966" cy="507999"/>
+          <a:xfrm flipH="0" flipV="0">
+            <a:off x="838813" y="507998"/>
+            <a:ext cx="10591184" cy="507998"/>
           </a:xfrm>
           <a:prstGeom prst="rect">
             <a:avLst/>
@@ -7311,16 +5550,16 @@
           <a:p>
             <a:pPr marL="0" indent="0" algn="l">
               <a:lnSpc>
-                <a:spcPts val="2999"/>
+                <a:spcPts val="2998"/>
               </a:lnSpc>
               <a:spcAft>
-                <a:spcPts val="1874"/>
+                <a:spcPts val="1873"/>
               </a:spcAft>
               <a:buNone/>
               <a:defRPr/>
             </a:pPr>
             <a:r>
-              <a:rPr lang="en-US" sz="2700" b="1">
+              <a:rPr lang="pt-PT" sz="2700" b="1">
                 <a:solidFill>
                   <a:srgbClr val="1E3A8A"/>
                 </a:solidFill>
@@ -7328,21 +5567,89 @@
                 <a:ea typeface="Arial"/>
                 <a:cs typeface="Arial"/>
               </a:rPr>
-              <a:t>Sistemas Embarcados e IoT</a:t>
-            </a:r>
-            <a:endParaRPr lang="en-US" sz="2700"/>
-          </a:p>
-        </p:txBody>
-      </p:sp>
-      <p:sp>
-        <p:nvSpPr>
-          <p:cNvPr id="1894868405" name="Text 1"/>
+              <a:t>Sistemas </a:t>
+            </a:r>
+            <a:r>
+              <a:rPr lang="pt-BR" sz="2700" b="1">
+                <a:solidFill>
+                  <a:srgbClr val="1E3A8A"/>
+                </a:solidFill>
+                <a:latin typeface="Arial"/>
+                <a:ea typeface="Arial"/>
+                <a:cs typeface="Arial"/>
+              </a:rPr>
+              <a:t>“Embedded”</a:t>
+            </a:r>
+            <a:r>
+              <a:rPr lang="pt-BR" sz="2700" b="1">
+                <a:solidFill>
+                  <a:srgbClr val="1E3A8A"/>
+                </a:solidFill>
+                <a:latin typeface="Arial"/>
+                <a:ea typeface="Arial"/>
+                <a:cs typeface="Arial"/>
+              </a:rPr>
+              <a:t>,</a:t>
+            </a:r>
+            <a:r>
+              <a:rPr lang="pt-PT" sz="2700" b="1">
+                <a:solidFill>
+                  <a:srgbClr val="1E3A8A"/>
+                </a:solidFill>
+                <a:latin typeface="Arial"/>
+                <a:ea typeface="Arial"/>
+                <a:cs typeface="Arial"/>
+              </a:rPr>
+              <a:t> IoT</a:t>
+            </a:r>
+            <a:r>
+              <a:rPr lang="pt-BR" sz="2700" b="1">
+                <a:solidFill>
+                  <a:srgbClr val="1E3A8A"/>
+                </a:solidFill>
+                <a:latin typeface="Arial"/>
+                <a:ea typeface="Arial"/>
+                <a:cs typeface="Arial"/>
+              </a:rPr>
+              <a:t> e </a:t>
+            </a:r>
+            <a:r>
+              <a:rPr lang="pt-PT" sz="2700" b="1" i="0" u="none" strike="noStrike" cap="none" spc="0">
+                <a:solidFill>
+                  <a:srgbClr val="1E3A8A"/>
+                </a:solidFill>
+                <a:latin typeface="Arial"/>
+                <a:ea typeface="Arial"/>
+                <a:cs typeface="Arial"/>
+              </a:rPr>
+              <a:t>Sistemas Críticos de Segurança</a:t>
+            </a:r>
+            <a:endParaRPr sz="2700"/>
+          </a:p>
+          <a:p>
+            <a:pPr marL="0" indent="0" algn="l">
+              <a:lnSpc>
+                <a:spcPts val="2998"/>
+              </a:lnSpc>
+              <a:spcAft>
+                <a:spcPts val="1873"/>
+              </a:spcAft>
+              <a:buNone/>
+              <a:defRPr/>
+            </a:pPr>
+            <a:endParaRPr lang="pt-PT" sz="2700"/>
+          </a:p>
+        </p:txBody>
+      </p:sp>
+      <p:sp>
+        <p:nvSpPr>
+          <p:cNvPr id="373096711" name="Text 1"/>
           <p:cNvSpPr/>
           <p:nvPr/>
         </p:nvSpPr>
         <p:spPr bwMode="auto">
           <a:xfrm>
-            <a:off x="761999" y="1523999"/>
+            <a:off x="761998" y="1590078"/>
             <a:ext cx="5246369" cy="365719"/>
           </a:xfrm>
           <a:prstGeom prst="rect">
@@ -7369,7 +5676,7 @@
               <a:defRPr/>
             </a:pPr>
             <a:r>
-              <a:rPr lang="en-US" sz="1800" b="1">
+              <a:rPr lang="pt-PT" sz="1800" b="1">
                 <a:solidFill>
                   <a:srgbClr val="3B82F6"/>
                 </a:solidFill>
@@ -7379,19 +5686,19 @@
               </a:rPr>
               <a:t>Características</a:t>
             </a:r>
-            <a:endParaRPr lang="en-US" sz="1800"/>
-          </a:p>
-        </p:txBody>
-      </p:sp>
-      <p:sp>
-        <p:nvSpPr>
-          <p:cNvPr id="1843995578" name="Text 2"/>
+            <a:endParaRPr lang="pt-PT" sz="1800"/>
+          </a:p>
+        </p:txBody>
+      </p:sp>
+      <p:sp>
+        <p:nvSpPr>
+          <p:cNvPr id="1600888785" name="Text 2"/>
           <p:cNvSpPr/>
           <p:nvPr/>
         </p:nvSpPr>
         <p:spPr bwMode="auto">
           <a:xfrm>
-            <a:off x="761999" y="2016720"/>
+            <a:off x="761998" y="2082798"/>
             <a:ext cx="5143500" cy="1625599"/>
           </a:xfrm>
           <a:prstGeom prst="rect">
@@ -7416,7 +5723,7 @@
               <a:defRPr/>
             </a:pPr>
             <a:r>
-              <a:rPr lang="en-US" sz="1350">
+              <a:rPr lang="pt-PT" sz="1350">
                 <a:solidFill>
                   <a:srgbClr val="334155"/>
                 </a:solidFill>
@@ -7426,7 +5733,7 @@
               </a:rPr>
               <a:t>Recursos muito limitados</a:t>
             </a:r>
-            <a:endParaRPr lang="en-US" sz="1350"/>
+            <a:endParaRPr lang="pt-PT" sz="1350"/>
           </a:p>
           <a:p>
             <a:pPr marL="119062" indent="-119062" algn="l">
@@ -7441,7 +5748,7 @@
               <a:defRPr/>
             </a:pPr>
             <a:r>
-              <a:rPr lang="en-US" sz="1350">
+              <a:rPr lang="pt-PT" sz="1350">
                 <a:solidFill>
                   <a:srgbClr val="334155"/>
                 </a:solidFill>
@@ -7451,7 +5758,7 @@
               </a:rPr>
               <a:t>Processadores baixa frequência</a:t>
             </a:r>
-            <a:endParaRPr lang="en-US" sz="1350"/>
+            <a:endParaRPr lang="pt-PT" sz="1350"/>
           </a:p>
           <a:p>
             <a:pPr marL="119062" indent="-119062" algn="l">
@@ -7466,7 +5773,7 @@
               <a:defRPr/>
             </a:pPr>
             <a:r>
-              <a:rPr lang="en-US" sz="1350">
+              <a:rPr lang="pt-PT" sz="1350">
                 <a:solidFill>
                   <a:srgbClr val="334155"/>
                 </a:solidFill>
@@ -7476,20 +5783,20 @@
               </a:rPr>
               <a:t>Cada ciclo é crítico</a:t>
             </a:r>
-            <a:endParaRPr lang="en-US" sz="1350"/>
-          </a:p>
-        </p:txBody>
-      </p:sp>
-      <p:sp>
-        <p:nvSpPr>
-          <p:cNvPr id="1198050845" name="Text 3"/>
+            <a:endParaRPr lang="pt-PT" sz="1350"/>
+          </a:p>
+        </p:txBody>
+      </p:sp>
+      <p:sp>
+        <p:nvSpPr>
+          <p:cNvPr id="1397065239" name="Text 3"/>
           <p:cNvSpPr/>
           <p:nvPr/>
         </p:nvSpPr>
         <p:spPr bwMode="auto">
-          <a:xfrm>
-            <a:off x="6286500" y="1523999"/>
-            <a:ext cx="5246369" cy="365719"/>
+          <a:xfrm flipH="0" flipV="0">
+            <a:off x="761998" y="3804940"/>
+            <a:ext cx="4854555" cy="365718"/>
           </a:xfrm>
           <a:prstGeom prst="rect">
             <a:avLst/>
@@ -7515,7 +5822,7 @@
               <a:defRPr/>
             </a:pPr>
             <a:r>
-              <a:rPr lang="en-US" sz="1800" b="1">
+              <a:rPr lang="pt-PT" sz="1800" b="1">
                 <a:solidFill>
                   <a:srgbClr val="3B82F6"/>
                 </a:solidFill>
@@ -7525,20 +5832,20 @@
               </a:rPr>
               <a:t>Vantagens Assembly</a:t>
             </a:r>
-            <a:endParaRPr lang="en-US" sz="1800"/>
-          </a:p>
-        </p:txBody>
-      </p:sp>
-      <p:sp>
-        <p:nvSpPr>
-          <p:cNvPr id="563706231" name="Text 4"/>
+            <a:endParaRPr lang="pt-PT" sz="1800"/>
+          </a:p>
+        </p:txBody>
+      </p:sp>
+      <p:sp>
+        <p:nvSpPr>
+          <p:cNvPr id="682943500" name="Text 4"/>
           <p:cNvSpPr/>
           <p:nvPr/>
         </p:nvSpPr>
         <p:spPr bwMode="auto">
-          <a:xfrm>
-            <a:off x="6286500" y="2016720"/>
-            <a:ext cx="5143500" cy="1625599"/>
+          <a:xfrm flipH="0" flipV="0">
+            <a:off x="761998" y="4297661"/>
+            <a:ext cx="4854555" cy="1625598"/>
           </a:xfrm>
           <a:prstGeom prst="rect">
             <a:avLst/>
@@ -7547,7 +5854,7 @@
           <a:ln/>
         </p:spPr>
         <p:txBody>
-          <a:bodyPr wrap="square" lIns="119062" tIns="0" rIns="0" bIns="0" rtlCol="0" anchor="t"/>
+          <a:bodyPr wrap="square" lIns="119061" tIns="0" rIns="0" bIns="0" rtlCol="0" anchor="t"/>
           <a:lstStyle/>
           <a:p>
             <a:pPr marL="119062" indent="-119062" algn="l">
@@ -7562,7 +5869,7 @@
               <a:defRPr/>
             </a:pPr>
             <a:r>
-              <a:rPr lang="en-US" sz="1350">
+              <a:rPr lang="pt-PT" sz="1350">
                 <a:solidFill>
                   <a:srgbClr val="334155"/>
                 </a:solidFill>
@@ -7572,7 +5879,7 @@
               </a:rPr>
               <a:t>Eficiência máxima</a:t>
             </a:r>
-            <a:endParaRPr lang="en-US" sz="1350"/>
+            <a:endParaRPr lang="pt-PT" sz="1350"/>
           </a:p>
           <a:p>
             <a:pPr marL="119062" indent="-119062" algn="l">
@@ -7587,7 +5894,7 @@
               <a:defRPr/>
             </a:pPr>
             <a:r>
-              <a:rPr lang="en-US" sz="1350">
+              <a:rPr lang="pt-PT" sz="1350">
                 <a:solidFill>
                   <a:srgbClr val="334155"/>
                 </a:solidFill>
@@ -7597,7 +5904,7 @@
               </a:rPr>
               <a:t>Resposta previsível</a:t>
             </a:r>
-            <a:endParaRPr lang="en-US" sz="1350"/>
+            <a:endParaRPr lang="pt-PT" sz="1350"/>
           </a:p>
           <a:p>
             <a:pPr marL="119062" indent="-119062" algn="l">
@@ -7612,7 +5919,7 @@
               <a:defRPr/>
             </a:pPr>
             <a:r>
-              <a:rPr lang="en-US" sz="1350">
+              <a:rPr lang="pt-PT" sz="1350">
                 <a:solidFill>
                   <a:srgbClr val="334155"/>
                 </a:solidFill>
@@ -7622,53 +5929,20 @@
               </a:rPr>
               <a:t>Controlo preciso</a:t>
             </a:r>
-            <a:endParaRPr lang="en-US" sz="1350"/>
-          </a:p>
-        </p:txBody>
-      </p:sp>
-      <p:sp>
-        <p:nvSpPr>
-          <p:cNvPr id="1104059195" name="Text 5"/>
+            <a:endParaRPr lang="pt-PT" sz="1350"/>
+          </a:p>
+        </p:txBody>
+      </p:sp>
+      <p:sp>
+        <p:nvSpPr>
+          <p:cNvPr id="319445386" name="Text 1"/>
           <p:cNvSpPr/>
           <p:nvPr/>
         </p:nvSpPr>
         <p:spPr bwMode="auto">
-          <a:xfrm>
-            <a:off x="761999" y="3896319"/>
-            <a:ext cx="10667999" cy="665361"/>
-          </a:xfrm>
-          <a:prstGeom prst="roundRect">
-            <a:avLst>
-              <a:gd name="adj" fmla="val 11452"/>
-            </a:avLst>
-          </a:prstGeom>
-          <a:solidFill>
-            <a:srgbClr val="60A5FA"/>
-          </a:solidFill>
-          <a:ln/>
-        </p:spPr>
-        <p:txBody>
-          <a:bodyPr wrap="square" rtlCol="0" anchor="ctr"/>
-          <a:lstStyle/>
-          <a:p>
-            <a:pPr marL="0" indent="0">
-              <a:buNone/>
-              <a:defRPr/>
-            </a:pPr>
-            <a:endParaRPr lang="en-US"/>
-          </a:p>
-        </p:txBody>
-      </p:sp>
-      <p:sp>
-        <p:nvSpPr>
-          <p:cNvPr id="1126850861" name="Text 6"/>
-          <p:cNvSpPr/>
-          <p:nvPr/>
-        </p:nvSpPr>
-        <p:spPr bwMode="auto">
-          <a:xfrm>
-            <a:off x="952499" y="4086819"/>
-            <a:ext cx="10492740" cy="284361"/>
+          <a:xfrm flipH="0" flipV="0">
+            <a:off x="5616554" y="1590078"/>
+            <a:ext cx="5710574" cy="365718"/>
           </a:xfrm>
           <a:prstGeom prst="rect">
             <a:avLst/>
@@ -7682,23 +5956,313 @@
           <a:p>
             <a:pPr marL="0" indent="0" algn="l">
               <a:lnSpc>
-                <a:spcPts val="1679"/>
+                <a:spcPts val="2158"/>
               </a:lnSpc>
+              <a:spcBef>
+                <a:spcPts val="1123"/>
+              </a:spcBef>
+              <a:spcAft>
+                <a:spcPts val="748"/>
+              </a:spcAft>
               <a:buNone/>
               <a:defRPr/>
             </a:pPr>
             <a:r>
-              <a:rPr lang="en-US" sz="1200">
+              <a:rPr lang="pt-PT" sz="1800" b="1">
                 <a:solidFill>
-                  <a:srgbClr val="FFFFFF"/>
+                  <a:srgbClr val="3B82F6"/>
                 </a:solidFill>
                 <a:latin typeface="Arial"/>
                 <a:ea typeface="Arial"/>
                 <a:cs typeface="Arial"/>
               </a:rPr>
-              <a:t>ARM AS domina este sector</a:t>
-            </a:r>
-            <a:endParaRPr lang="en-US" sz="1200"/>
+              <a:t>Sectores de Aplicação</a:t>
+            </a:r>
+            <a:endParaRPr lang="pt-PT" sz="1800"/>
+          </a:p>
+        </p:txBody>
+      </p:sp>
+      <p:sp>
+        <p:nvSpPr>
+          <p:cNvPr id="427424875" name="Text 2"/>
+          <p:cNvSpPr/>
+          <p:nvPr/>
+        </p:nvSpPr>
+        <p:spPr bwMode="auto">
+          <a:xfrm flipH="0" flipV="0">
+            <a:off x="5707501" y="2082798"/>
+            <a:ext cx="5710574" cy="2184399"/>
+          </a:xfrm>
+          <a:prstGeom prst="rect">
+            <a:avLst/>
+          </a:prstGeom>
+          <a:noFill/>
+          <a:ln/>
+        </p:spPr>
+        <p:txBody>
+          <a:bodyPr wrap="square" lIns="119061" tIns="0" rIns="0" bIns="0" rtlCol="0" anchor="t"/>
+          <a:lstStyle/>
+          <a:p>
+            <a:pPr marL="0" indent="0" algn="l">
+              <a:lnSpc>
+                <a:spcPts val="2098"/>
+              </a:lnSpc>
+              <a:spcAft>
+                <a:spcPts val="448"/>
+              </a:spcAft>
+              <a:buNone/>
+              <a:defRPr/>
+            </a:pPr>
+            <a:r>
+              <a:rPr lang="pt-PT" sz="1350" b="1">
+                <a:solidFill>
+                  <a:srgbClr val="334155"/>
+                </a:solidFill>
+                <a:latin typeface="Arial"/>
+                <a:ea typeface="Arial"/>
+                <a:cs typeface="Arial"/>
+              </a:rPr>
+              <a:t>Aviação</a:t>
+            </a:r>
+            <a:r>
+              <a:rPr lang="pt-PT" sz="1350">
+                <a:solidFill>
+                  <a:srgbClr val="334155"/>
+                </a:solidFill>
+                <a:latin typeface="Arial"/>
+                <a:ea typeface="Arial"/>
+                <a:cs typeface="Arial"/>
+              </a:rPr>
+              <a:t>: Sistemas de controlo de voo (DO-178C)</a:t>
+            </a:r>
+            <a:endParaRPr lang="pt-PT" sz="1350"/>
+          </a:p>
+          <a:p>
+            <a:pPr marL="0" indent="0" algn="l">
+              <a:lnSpc>
+                <a:spcPts val="2098"/>
+              </a:lnSpc>
+              <a:spcAft>
+                <a:spcPts val="448"/>
+              </a:spcAft>
+              <a:buNone/>
+              <a:defRPr/>
+            </a:pPr>
+            <a:r>
+              <a:rPr lang="pt-PT" sz="1350" b="1">
+                <a:solidFill>
+                  <a:srgbClr val="334155"/>
+                </a:solidFill>
+                <a:latin typeface="Arial"/>
+                <a:ea typeface="Arial"/>
+                <a:cs typeface="Arial"/>
+              </a:rPr>
+              <a:t>Energia Nuclear</a:t>
+            </a:r>
+            <a:r>
+              <a:rPr lang="pt-PT" sz="1350">
+                <a:solidFill>
+                  <a:srgbClr val="334155"/>
+                </a:solidFill>
+                <a:latin typeface="Arial"/>
+                <a:ea typeface="Arial"/>
+                <a:cs typeface="Arial"/>
+              </a:rPr>
+              <a:t>: Controlo e segurança</a:t>
+            </a:r>
+            <a:endParaRPr lang="pt-PT" sz="1350"/>
+          </a:p>
+          <a:p>
+            <a:pPr marL="0" indent="0" algn="l">
+              <a:lnSpc>
+                <a:spcPts val="2098"/>
+              </a:lnSpc>
+              <a:spcAft>
+                <a:spcPts val="448"/>
+              </a:spcAft>
+              <a:buNone/>
+              <a:defRPr/>
+            </a:pPr>
+            <a:r>
+              <a:rPr lang="pt-PT" sz="1350" b="1">
+                <a:solidFill>
+                  <a:srgbClr val="334155"/>
+                </a:solidFill>
+                <a:latin typeface="Arial"/>
+                <a:ea typeface="Arial"/>
+                <a:cs typeface="Arial"/>
+              </a:rPr>
+              <a:t>Dispositivos Médicos</a:t>
+            </a:r>
+            <a:r>
+              <a:rPr lang="pt-PT" sz="1350">
+                <a:solidFill>
+                  <a:srgbClr val="334155"/>
+                </a:solidFill>
+                <a:latin typeface="Arial"/>
+                <a:ea typeface="Arial"/>
+                <a:cs typeface="Arial"/>
+              </a:rPr>
+              <a:t>: </a:t>
+            </a:r>
+            <a:r>
+              <a:rPr lang="pt-PT" sz="1350" i="1">
+                <a:solidFill>
+                  <a:srgbClr val="334155"/>
+                </a:solidFill>
+                <a:latin typeface="Arial"/>
+                <a:ea typeface="Arial"/>
+                <a:cs typeface="Arial"/>
+              </a:rPr>
+              <a:t>Pacemakers</a:t>
+            </a:r>
+            <a:r>
+              <a:rPr lang="pt-PT" sz="1350" i="1">
+                <a:solidFill>
+                  <a:srgbClr val="334155"/>
+                </a:solidFill>
+                <a:latin typeface="Arial"/>
+                <a:ea typeface="Arial"/>
+                <a:cs typeface="Arial"/>
+              </a:rPr>
+              <a:t> </a:t>
+            </a:r>
+            <a:r>
+              <a:rPr lang="pt-PT" sz="1350">
+                <a:solidFill>
+                  <a:srgbClr val="334155"/>
+                </a:solidFill>
+                <a:latin typeface="Arial"/>
+                <a:ea typeface="Arial"/>
+                <a:cs typeface="Arial"/>
+              </a:rPr>
+              <a:t>(IEC 62304)</a:t>
+            </a:r>
+            <a:endParaRPr lang="pt-PT" sz="1350"/>
+          </a:p>
+          <a:p>
+            <a:pPr marL="0" indent="0" algn="l">
+              <a:lnSpc>
+                <a:spcPts val="2098"/>
+              </a:lnSpc>
+              <a:spcAft>
+                <a:spcPts val="448"/>
+              </a:spcAft>
+              <a:buNone/>
+              <a:defRPr/>
+            </a:pPr>
+            <a:r>
+              <a:rPr lang="pt-PT" sz="1350" b="1">
+                <a:solidFill>
+                  <a:srgbClr val="334155"/>
+                </a:solidFill>
+                <a:latin typeface="Arial"/>
+                <a:ea typeface="Arial"/>
+                <a:cs typeface="Arial"/>
+              </a:rPr>
+              <a:t>Automóvel</a:t>
+            </a:r>
+            <a:r>
+              <a:rPr lang="pt-PT" sz="1350">
+                <a:solidFill>
+                  <a:srgbClr val="334155"/>
+                </a:solidFill>
+                <a:latin typeface="Arial"/>
+                <a:ea typeface="Arial"/>
+                <a:cs typeface="Arial"/>
+              </a:rPr>
+              <a:t>: Sistemas de travagem</a:t>
+            </a:r>
+            <a:endParaRPr lang="pt-PT" sz="1350"/>
+          </a:p>
+        </p:txBody>
+      </p:sp>
+      <p:sp>
+        <p:nvSpPr>
+          <p:cNvPr id="945087383" name="Text 3"/>
+          <p:cNvSpPr/>
+          <p:nvPr/>
+        </p:nvSpPr>
+        <p:spPr bwMode="auto">
+          <a:xfrm flipH="0" flipV="0">
+            <a:off x="5707501" y="3901478"/>
+            <a:ext cx="4854555" cy="365718"/>
+          </a:xfrm>
+          <a:prstGeom prst="rect">
+            <a:avLst/>
+          </a:prstGeom>
+          <a:noFill/>
+          <a:ln/>
+        </p:spPr>
+        <p:txBody>
+          <a:bodyPr wrap="square" lIns="0" tIns="0" rIns="0" bIns="0" rtlCol="0" anchor="t"/>
+          <a:lstStyle/>
+          <a:p>
+            <a:pPr marL="0" indent="0" algn="l">
+              <a:lnSpc>
+                <a:spcPts val="2158"/>
+              </a:lnSpc>
+              <a:spcBef>
+                <a:spcPts val="1123"/>
+              </a:spcBef>
+              <a:spcAft>
+                <a:spcPts val="748"/>
+              </a:spcAft>
+              <a:buNone/>
+              <a:defRPr/>
+            </a:pPr>
+            <a:r>
+              <a:rPr lang="pt-BR" sz="2200" b="1">
+                <a:solidFill>
+                  <a:srgbClr val="3B82F6"/>
+                </a:solidFill>
+                <a:latin typeface="Arial"/>
+                <a:ea typeface="Arial"/>
+                <a:cs typeface="Arial"/>
+              </a:rPr>
+              <a:t>Assembler:</a:t>
+            </a:r>
+            <a:endParaRPr lang="pt-PT" sz="2200"/>
+          </a:p>
+        </p:txBody>
+      </p:sp>
+      <p:sp>
+        <p:nvSpPr>
+          <p:cNvPr id="398064753" name="Text 4"/>
+          <p:cNvSpPr/>
+          <p:nvPr/>
+        </p:nvSpPr>
+        <p:spPr bwMode="auto">
+          <a:xfrm flipH="0" flipV="0">
+            <a:off x="5768952" y="4373344"/>
+            <a:ext cx="5661045" cy="1625598"/>
+          </a:xfrm>
+          <a:prstGeom prst="rect">
+            <a:avLst/>
+          </a:prstGeom>
+          <a:noFill/>
+          <a:ln/>
+        </p:spPr>
+        <p:txBody>
+          <a:bodyPr wrap="square" lIns="119061" tIns="0" rIns="0" bIns="0" rtlCol="0" anchor="t"/>
+          <a:lstStyle/>
+          <a:p>
+            <a:pPr marL="119061" indent="-119061" algn="l">
+              <a:lnSpc>
+                <a:spcPct val="100000"/>
+              </a:lnSpc>
+              <a:spcAft>
+                <a:spcPts val="448"/>
+              </a:spcAft>
+              <a:buSzPct val="100000"/>
+              <a:buChar char="•"/>
+              <a:defRPr/>
+            </a:pPr>
+            <a:r>
+              <a:rPr lang="pt-BR" sz="2400"/>
+              <a:t>ARM</a:t>
+            </a:r>
+            <a:endParaRPr lang="pt-PT" sz="2400"/>
           </a:p>
         </p:txBody>
       </p:sp>
@@ -7719,379 +6283,6 @@
 </file>
 
 <file path=ppt/slides/slide7.xml><?xml version="1.0" encoding="utf-8"?>
-<p:sld xmlns:a="http://schemas.openxmlformats.org/drawingml/2006/main" xmlns:r="http://schemas.openxmlformats.org/officeDocument/2006/relationships" xmlns:p="http://schemas.openxmlformats.org/presentationml/2006/main" xmlns:m="http://schemas.openxmlformats.org/officeDocument/2006/math" xmlns:w="http://schemas.openxmlformats.org/wordprocessingml/2006/main" xmlns:mc="http://schemas.openxmlformats.org/markup-compatibility/2006" showMasterPhAnim="0" showMasterSp="1" show="1">
-  <p:cSld name="Slide 5">
-    <p:bg>
-      <p:bgPr shadeToTitle="0">
-        <a:solidFill>
-          <a:srgbClr val="F8FAFC"/>
-        </a:solidFill>
-      </p:bgPr>
-    </p:bg>
-    <p:spTree>
-      <p:nvGrpSpPr>
-        <p:cNvPr id="1" name=""/>
-        <p:cNvGrpSpPr/>
-        <p:nvPr/>
-      </p:nvGrpSpPr>
-      <p:grpSpPr bwMode="auto">
-        <a:xfrm>
-          <a:off x="0" y="0"/>
-          <a:ext cx="0" cy="0"/>
-          <a:chOff x="0" y="0"/>
-          <a:chExt cx="0" cy="0"/>
-        </a:xfrm>
-      </p:grpSpPr>
-      <p:sp>
-        <p:nvSpPr>
-          <p:cNvPr id="402439186" name="Text 0"/>
-          <p:cNvSpPr/>
-          <p:nvPr/>
-        </p:nvSpPr>
-        <p:spPr bwMode="auto">
-          <a:xfrm>
-            <a:off x="761999" y="507999"/>
-            <a:ext cx="7111746" cy="507999"/>
-          </a:xfrm>
-          <a:prstGeom prst="rect">
-            <a:avLst/>
-          </a:prstGeom>
-          <a:noFill/>
-          <a:ln/>
-        </p:spPr>
-        <p:txBody>
-          <a:bodyPr wrap="square" lIns="0" tIns="0" rIns="0" bIns="0" rtlCol="0" anchor="t"/>
-          <a:lstStyle/>
-          <a:p>
-            <a:pPr marL="0" indent="0" algn="l">
-              <a:lnSpc>
-                <a:spcPts val="2999"/>
-              </a:lnSpc>
-              <a:spcAft>
-                <a:spcPts val="1874"/>
-              </a:spcAft>
-              <a:buNone/>
-              <a:defRPr/>
-            </a:pPr>
-            <a:r>
-              <a:rPr lang="en-US" sz="2700" b="1">
-                <a:solidFill>
-                  <a:srgbClr val="1E3A8A"/>
-                </a:solidFill>
-                <a:latin typeface="Arial"/>
-                <a:ea typeface="Arial"/>
-                <a:cs typeface="Arial"/>
-              </a:rPr>
-              <a:t>Sistemas Críticos de Segurança</a:t>
-            </a:r>
-            <a:endParaRPr lang="en-US" sz="2700"/>
-          </a:p>
-        </p:txBody>
-      </p:sp>
-      <p:sp>
-        <p:nvSpPr>
-          <p:cNvPr id="2104141427" name="Text 1"/>
-          <p:cNvSpPr/>
-          <p:nvPr/>
-        </p:nvSpPr>
-        <p:spPr bwMode="auto">
-          <a:xfrm>
-            <a:off x="761999" y="1333499"/>
-            <a:ext cx="10881360" cy="365719"/>
-          </a:xfrm>
-          <a:prstGeom prst="rect">
-            <a:avLst/>
-          </a:prstGeom>
-          <a:noFill/>
-          <a:ln/>
-        </p:spPr>
-        <p:txBody>
-          <a:bodyPr wrap="square" lIns="0" tIns="0" rIns="0" bIns="0" rtlCol="0" anchor="t"/>
-          <a:lstStyle/>
-          <a:p>
-            <a:pPr marL="0" indent="0" algn="l">
-              <a:lnSpc>
-                <a:spcPts val="2159"/>
-              </a:lnSpc>
-              <a:spcBef>
-                <a:spcPts val="1124"/>
-              </a:spcBef>
-              <a:spcAft>
-                <a:spcPts val="749"/>
-              </a:spcAft>
-              <a:buNone/>
-              <a:defRPr/>
-            </a:pPr>
-            <a:r>
-              <a:rPr lang="en-US" sz="1800" b="1">
-                <a:solidFill>
-                  <a:srgbClr val="3B82F6"/>
-                </a:solidFill>
-                <a:latin typeface="Arial"/>
-                <a:ea typeface="Arial"/>
-                <a:cs typeface="Arial"/>
-              </a:rPr>
-              <a:t>Sectores de Aplicação</a:t>
-            </a:r>
-            <a:endParaRPr lang="en-US" sz="1800"/>
-          </a:p>
-        </p:txBody>
-      </p:sp>
-      <p:sp>
-        <p:nvSpPr>
-          <p:cNvPr id="1022955165" name="Text 2"/>
-          <p:cNvSpPr/>
-          <p:nvPr/>
-        </p:nvSpPr>
-        <p:spPr bwMode="auto">
-          <a:xfrm>
-            <a:off x="761999" y="1826219"/>
-            <a:ext cx="10667999" cy="2184399"/>
-          </a:xfrm>
-          <a:prstGeom prst="rect">
-            <a:avLst/>
-          </a:prstGeom>
-          <a:noFill/>
-          <a:ln/>
-        </p:spPr>
-        <p:txBody>
-          <a:bodyPr wrap="square" lIns="119062" tIns="0" rIns="0" bIns="0" rtlCol="0" anchor="t"/>
-          <a:lstStyle/>
-          <a:p>
-            <a:pPr marL="0" indent="0" algn="l">
-              <a:lnSpc>
-                <a:spcPts val="2099"/>
-              </a:lnSpc>
-              <a:spcAft>
-                <a:spcPts val="449"/>
-              </a:spcAft>
-              <a:buNone/>
-              <a:defRPr/>
-            </a:pPr>
-            <a:r>
-              <a:rPr lang="en-US" sz="1350" b="1">
-                <a:solidFill>
-                  <a:srgbClr val="334155"/>
-                </a:solidFill>
-                <a:latin typeface="Arial"/>
-                <a:ea typeface="Arial"/>
-                <a:cs typeface="Arial"/>
-              </a:rPr>
-              <a:t>Aviação</a:t>
-            </a:r>
-            <a:r>
-              <a:rPr lang="en-US" sz="1350">
-                <a:solidFill>
-                  <a:srgbClr val="334155"/>
-                </a:solidFill>
-                <a:latin typeface="Arial"/>
-                <a:ea typeface="Arial"/>
-                <a:cs typeface="Arial"/>
-              </a:rPr>
-              <a:t>: Sistemas de controlo de voo (DO-178C)</a:t>
-            </a:r>
-            <a:endParaRPr lang="en-US" sz="1350"/>
-          </a:p>
-          <a:p>
-            <a:pPr marL="0" indent="0" algn="l">
-              <a:lnSpc>
-                <a:spcPts val="2099"/>
-              </a:lnSpc>
-              <a:spcAft>
-                <a:spcPts val="449"/>
-              </a:spcAft>
-              <a:buNone/>
-              <a:defRPr/>
-            </a:pPr>
-            <a:r>
-              <a:rPr lang="en-US" sz="1350" b="1">
-                <a:solidFill>
-                  <a:srgbClr val="334155"/>
-                </a:solidFill>
-                <a:latin typeface="Arial"/>
-                <a:ea typeface="Arial"/>
-                <a:cs typeface="Arial"/>
-              </a:rPr>
-              <a:t>Energia Nuclear</a:t>
-            </a:r>
-            <a:r>
-              <a:rPr lang="en-US" sz="1350">
-                <a:solidFill>
-                  <a:srgbClr val="334155"/>
-                </a:solidFill>
-                <a:latin typeface="Arial"/>
-                <a:ea typeface="Arial"/>
-                <a:cs typeface="Arial"/>
-              </a:rPr>
-              <a:t>: Controlo e segurança</a:t>
-            </a:r>
-            <a:endParaRPr lang="en-US" sz="1350"/>
-          </a:p>
-          <a:p>
-            <a:pPr marL="0" indent="0" algn="l">
-              <a:lnSpc>
-                <a:spcPts val="2099"/>
-              </a:lnSpc>
-              <a:spcAft>
-                <a:spcPts val="449"/>
-              </a:spcAft>
-              <a:buNone/>
-              <a:defRPr/>
-            </a:pPr>
-            <a:r>
-              <a:rPr lang="en-US" sz="1350" b="1">
-                <a:solidFill>
-                  <a:srgbClr val="334155"/>
-                </a:solidFill>
-                <a:latin typeface="Arial"/>
-                <a:ea typeface="Arial"/>
-                <a:cs typeface="Arial"/>
-              </a:rPr>
-              <a:t>Dispositivos Médicos</a:t>
-            </a:r>
-            <a:r>
-              <a:rPr lang="en-US" sz="1350">
-                <a:solidFill>
-                  <a:srgbClr val="334155"/>
-                </a:solidFill>
-                <a:latin typeface="Arial"/>
-                <a:ea typeface="Arial"/>
-                <a:cs typeface="Arial"/>
-              </a:rPr>
-              <a:t>: Pacemakers (IEC 62304)</a:t>
-            </a:r>
-            <a:endParaRPr lang="en-US" sz="1350"/>
-          </a:p>
-          <a:p>
-            <a:pPr marL="0" indent="0" algn="l">
-              <a:lnSpc>
-                <a:spcPts val="2099"/>
-              </a:lnSpc>
-              <a:spcAft>
-                <a:spcPts val="449"/>
-              </a:spcAft>
-              <a:buNone/>
-              <a:defRPr/>
-            </a:pPr>
-            <a:r>
-              <a:rPr lang="en-US" sz="1350" b="1">
-                <a:solidFill>
-                  <a:srgbClr val="334155"/>
-                </a:solidFill>
-                <a:latin typeface="Arial"/>
-                <a:ea typeface="Arial"/>
-                <a:cs typeface="Arial"/>
-              </a:rPr>
-              <a:t>Automóvel</a:t>
-            </a:r>
-            <a:r>
-              <a:rPr lang="en-US" sz="1350">
-                <a:solidFill>
-                  <a:srgbClr val="334155"/>
-                </a:solidFill>
-                <a:latin typeface="Arial"/>
-                <a:ea typeface="Arial"/>
-                <a:cs typeface="Arial"/>
-              </a:rPr>
-              <a:t>: Sistemas de travagem</a:t>
-            </a:r>
-            <a:endParaRPr lang="en-US" sz="1350"/>
-          </a:p>
-        </p:txBody>
-      </p:sp>
-      <p:sp>
-        <p:nvSpPr>
-          <p:cNvPr id="839205234" name="Text 3"/>
-          <p:cNvSpPr/>
-          <p:nvPr/>
-        </p:nvSpPr>
-        <p:spPr bwMode="auto">
-          <a:xfrm>
-            <a:off x="761999" y="4163019"/>
-            <a:ext cx="10667999" cy="665361"/>
-          </a:xfrm>
-          <a:prstGeom prst="roundRect">
-            <a:avLst>
-              <a:gd name="adj" fmla="val 11452"/>
-            </a:avLst>
-          </a:prstGeom>
-          <a:solidFill>
-            <a:srgbClr val="60A5FA"/>
-          </a:solidFill>
-          <a:ln/>
-        </p:spPr>
-        <p:txBody>
-          <a:bodyPr wrap="square" rtlCol="0" anchor="ctr"/>
-          <a:lstStyle/>
-          <a:p>
-            <a:pPr marL="0" indent="0">
-              <a:buNone/>
-              <a:defRPr/>
-            </a:pPr>
-            <a:endParaRPr lang="en-US"/>
-          </a:p>
-        </p:txBody>
-      </p:sp>
-      <p:sp>
-        <p:nvSpPr>
-          <p:cNvPr id="41192611" name="Text 4"/>
-          <p:cNvSpPr/>
-          <p:nvPr/>
-        </p:nvSpPr>
-        <p:spPr bwMode="auto">
-          <a:xfrm>
-            <a:off x="937257" y="4353518"/>
-            <a:ext cx="10492740" cy="284361"/>
-          </a:xfrm>
-          <a:prstGeom prst="rect">
-            <a:avLst/>
-          </a:prstGeom>
-          <a:noFill/>
-          <a:ln/>
-        </p:spPr>
-        <p:txBody>
-          <a:bodyPr wrap="square" lIns="0" tIns="0" rIns="0" bIns="0" rtlCol="0" anchor="t"/>
-          <a:lstStyle/>
-          <a:p>
-            <a:pPr marL="0" indent="0" algn="l">
-              <a:lnSpc>
-                <a:spcPts val="1678"/>
-              </a:lnSpc>
-              <a:buNone/>
-              <a:defRPr/>
-            </a:pPr>
-            <a:r>
-              <a:rPr lang="en-US" sz="1200" b="0" i="0" u="none" strike="noStrike" cap="none" spc="0">
-                <a:solidFill>
-                  <a:srgbClr val="FFFFFF"/>
-                </a:solidFill>
-                <a:latin typeface="Arial"/>
-                <a:ea typeface="Arial"/>
-                <a:cs typeface="Arial"/>
-              </a:rPr>
-              <a:t>ARM AS domina este sector</a:t>
-            </a:r>
-            <a:endParaRPr sz="1200"/>
-          </a:p>
-        </p:txBody>
-      </p:sp>
-    </p:spTree>
-  </p:cSld>
-  <p:clrMapOvr>
-    <a:masterClrMapping/>
-  </p:clrMapOvr>
-  <mc:AlternateContent xmlns:mc="http://schemas.openxmlformats.org/markup-compatibility/2006">
-    <mc:Choice xmlns:p159="http://schemas.microsoft.com/office/powerpoint/2015/09/main" xmlns:p14="http://schemas.microsoft.com/office/powerpoint/2010/main" Requires="p159">
-      <p:transition p14:dur="2000" advClick="1"/>
-    </mc:Choice>
-    <mc:Fallback>
-      <p:transition advClick="1"/>
-    </mc:Fallback>
-  </mc:AlternateContent>
-</p:sld>
-</file>
-
-<file path=ppt/slides/slide8.xml><?xml version="1.0" encoding="utf-8"?>
 <p:sld xmlns:a="http://schemas.openxmlformats.org/drawingml/2006/main" xmlns:r="http://schemas.openxmlformats.org/officeDocument/2006/relationships" xmlns:p="http://schemas.openxmlformats.org/presentationml/2006/main" xmlns:m="http://schemas.openxmlformats.org/officeDocument/2006/math" xmlns:w="http://schemas.openxmlformats.org/wordprocessingml/2006/main" xmlns:mc="http://schemas.openxmlformats.org/markup-compatibility/2006" showMasterPhAnim="0" showMasterSp="1" show="1">
   <p:cSld name="Slide 6">
     <p:bg>
@@ -8117,7 +6308,7 @@
       </p:grpSpPr>
       <p:sp>
         <p:nvSpPr>
-          <p:cNvPr id="2133478256" name="Text 0"/>
+          <p:cNvPr id="811182276" name="Text 0"/>
           <p:cNvSpPr/>
           <p:nvPr/>
         </p:nvSpPr>
@@ -8147,7 +6338,7 @@
               <a:defRPr/>
             </a:pPr>
             <a:r>
-              <a:rPr lang="en-US" sz="2700" b="1">
+              <a:rPr lang="pt-PT" sz="2700" b="1">
                 <a:solidFill>
                   <a:srgbClr val="1E3A8A"/>
                 </a:solidFill>
@@ -8157,13 +6348,13 @@
               </a:rPr>
               <a:t>Criptografia e Segurança</a:t>
             </a:r>
-            <a:endParaRPr lang="en-US" sz="2700"/>
-          </a:p>
-        </p:txBody>
-      </p:sp>
-      <p:sp>
-        <p:nvSpPr>
-          <p:cNvPr id="780206985" name="Text 1"/>
+            <a:endParaRPr lang="pt-PT" sz="2700"/>
+          </a:p>
+        </p:txBody>
+      </p:sp>
+      <p:sp>
+        <p:nvSpPr>
+          <p:cNvPr id="1614515666" name="Text 1"/>
           <p:cNvSpPr/>
           <p:nvPr/>
         </p:nvSpPr>
@@ -8196,7 +6387,7 @@
               <a:defRPr/>
             </a:pPr>
             <a:r>
-              <a:rPr lang="en-US" sz="1800" b="1">
+              <a:rPr lang="pt-PT" sz="1800" b="1">
                 <a:solidFill>
                   <a:srgbClr val="3B82F6"/>
                 </a:solidFill>
@@ -8206,13 +6397,13 @@
               </a:rPr>
               <a:t>Ataques Auxiliares</a:t>
             </a:r>
-            <a:endParaRPr lang="en-US" sz="1800"/>
-          </a:p>
-        </p:txBody>
-      </p:sp>
-      <p:sp>
-        <p:nvSpPr>
-          <p:cNvPr id="98361719" name="Text 2"/>
+            <a:endParaRPr lang="pt-PT" sz="1800"/>
+          </a:p>
+        </p:txBody>
+      </p:sp>
+      <p:sp>
+        <p:nvSpPr>
+          <p:cNvPr id="550385099" name="Text 2"/>
           <p:cNvSpPr/>
           <p:nvPr/>
         </p:nvSpPr>
@@ -8243,7 +6434,7 @@
               <a:defRPr/>
             </a:pPr>
             <a:r>
-              <a:rPr lang="en-US" sz="1350">
+              <a:rPr lang="pt-PT" sz="1350">
                 <a:solidFill>
                   <a:srgbClr val="334155"/>
                 </a:solidFill>
@@ -8253,7 +6444,7 @@
               </a:rPr>
               <a:t>Timing attacks</a:t>
             </a:r>
-            <a:endParaRPr lang="en-US" sz="1350"/>
+            <a:endParaRPr lang="pt-PT" sz="1350"/>
           </a:p>
           <a:p>
             <a:pPr marL="119062" indent="-119062" algn="l">
@@ -8268,7 +6459,7 @@
               <a:defRPr/>
             </a:pPr>
             <a:r>
-              <a:rPr lang="en-US" sz="1350">
+              <a:rPr lang="pt-PT" sz="1350">
                 <a:solidFill>
                   <a:srgbClr val="334155"/>
                 </a:solidFill>
@@ -8278,7 +6469,7 @@
               </a:rPr>
               <a:t>Cache-timing attacks</a:t>
             </a:r>
-            <a:endParaRPr lang="en-US" sz="1350"/>
+            <a:endParaRPr lang="pt-PT" sz="1350"/>
           </a:p>
           <a:p>
             <a:pPr marL="119062" indent="-119062" algn="l">
@@ -8293,7 +6484,7 @@
               <a:defRPr/>
             </a:pPr>
             <a:r>
-              <a:rPr lang="en-US" sz="1350">
+              <a:rPr lang="pt-PT" sz="1350">
                 <a:solidFill>
                   <a:srgbClr val="334155"/>
                 </a:solidFill>
@@ -8303,13 +6494,13 @@
               </a:rPr>
               <a:t>Exploram tempo de execução</a:t>
             </a:r>
-            <a:endParaRPr lang="en-US" sz="1350"/>
-          </a:p>
-        </p:txBody>
-      </p:sp>
-      <p:sp>
-        <p:nvSpPr>
-          <p:cNvPr id="1115869322" name="Text 3"/>
+            <a:endParaRPr lang="pt-PT" sz="1350"/>
+          </a:p>
+        </p:txBody>
+      </p:sp>
+      <p:sp>
+        <p:nvSpPr>
+          <p:cNvPr id="1262584353" name="Text 3"/>
           <p:cNvSpPr/>
           <p:nvPr/>
         </p:nvSpPr>
@@ -8342,7 +6533,7 @@
               <a:defRPr/>
             </a:pPr>
             <a:r>
-              <a:rPr lang="en-US" sz="1800" b="1">
+              <a:rPr lang="pt-PT" sz="1800" b="1">
                 <a:solidFill>
                   <a:srgbClr val="3B82F6"/>
                 </a:solidFill>
@@ -8352,19 +6543,19 @@
               </a:rPr>
               <a:t>Solução</a:t>
             </a:r>
-            <a:endParaRPr lang="en-US" sz="1800"/>
-          </a:p>
-        </p:txBody>
-      </p:sp>
-      <p:sp>
-        <p:nvSpPr>
-          <p:cNvPr id="89818127" name="Text 4"/>
+            <a:endParaRPr lang="pt-PT" sz="1800"/>
+          </a:p>
+        </p:txBody>
+      </p:sp>
+      <p:sp>
+        <p:nvSpPr>
+          <p:cNvPr id="1420489811" name="Text 4"/>
           <p:cNvSpPr/>
           <p:nvPr/>
         </p:nvSpPr>
         <p:spPr bwMode="auto">
           <a:xfrm>
-            <a:off x="761999" y="4325539"/>
+            <a:off x="761998" y="4267197"/>
             <a:ext cx="5143500" cy="507999"/>
           </a:xfrm>
           <a:prstGeom prst="rect">
@@ -8389,7 +6580,7 @@
               <a:defRPr/>
             </a:pPr>
             <a:r>
-              <a:rPr lang="en-US" sz="1350">
+              <a:rPr lang="pt-PT" sz="1350">
                 <a:solidFill>
                   <a:srgbClr val="334155"/>
                 </a:solidFill>
@@ -8399,13 +6590,13 @@
               </a:rPr>
               <a:t>Código constant-time</a:t>
             </a:r>
-            <a:endParaRPr lang="en-US" sz="1350"/>
-          </a:p>
-        </p:txBody>
-      </p:sp>
-      <p:sp>
-        <p:nvSpPr>
-          <p:cNvPr id="792221008" name="Text 5"/>
+            <a:endParaRPr lang="pt-PT" sz="1350"/>
+          </a:p>
+        </p:txBody>
+      </p:sp>
+      <p:sp>
+        <p:nvSpPr>
+          <p:cNvPr id="1995274182" name="Text 5"/>
           <p:cNvSpPr/>
           <p:nvPr/>
         </p:nvSpPr>
@@ -8438,7 +6629,7 @@
               <a:defRPr/>
             </a:pPr>
             <a:r>
-              <a:rPr lang="en-US" sz="1800" b="1">
+              <a:rPr lang="pt-PT" sz="1800" b="1">
                 <a:solidFill>
                   <a:srgbClr val="3B82F6"/>
                 </a:solidFill>
@@ -8448,13 +6639,13 @@
               </a:rPr>
               <a:t>Bibliotecas</a:t>
             </a:r>
-            <a:endParaRPr lang="en-US" sz="1800"/>
-          </a:p>
-        </p:txBody>
-      </p:sp>
-      <p:sp>
-        <p:nvSpPr>
-          <p:cNvPr id="774108172" name="Text 6"/>
+            <a:endParaRPr lang="pt-PT" sz="1800"/>
+          </a:p>
+        </p:txBody>
+      </p:sp>
+      <p:sp>
+        <p:nvSpPr>
+          <p:cNvPr id="1623337977" name="Text 6"/>
           <p:cNvSpPr/>
           <p:nvPr/>
         </p:nvSpPr>
@@ -8485,7 +6676,7 @@
               <a:defRPr/>
             </a:pPr>
             <a:r>
-              <a:rPr lang="en-US" sz="1350">
+              <a:rPr lang="pt-PT" sz="1350">
                 <a:solidFill>
                   <a:srgbClr val="334155"/>
                 </a:solidFill>
@@ -8495,7 +6686,7 @@
               </a:rPr>
               <a:t>OpenSSL</a:t>
             </a:r>
-            <a:endParaRPr lang="en-US" sz="1350"/>
+            <a:endParaRPr lang="pt-PT" sz="1350"/>
           </a:p>
           <a:p>
             <a:pPr marL="119062" indent="-119062" algn="l">
@@ -8510,7 +6701,7 @@
               <a:defRPr/>
             </a:pPr>
             <a:r>
-              <a:rPr lang="en-US" sz="1350">
+              <a:rPr lang="pt-PT" sz="1350">
                 <a:solidFill>
                   <a:srgbClr val="334155"/>
                 </a:solidFill>
@@ -8520,7 +6711,7 @@
               </a:rPr>
               <a:t>libsodium</a:t>
             </a:r>
-            <a:endParaRPr lang="en-US" sz="1350"/>
+            <a:endParaRPr lang="pt-PT" sz="1350"/>
           </a:p>
           <a:p>
             <a:pPr marL="119062" indent="-119062" algn="l">
@@ -8535,7 +6726,7 @@
               <a:defRPr/>
             </a:pPr>
             <a:r>
-              <a:rPr lang="en-US" sz="1350">
+              <a:rPr lang="pt-PT" sz="1350">
                 <a:solidFill>
                   <a:srgbClr val="334155"/>
                 </a:solidFill>
@@ -8545,53 +6736,20 @@
               </a:rPr>
               <a:t>Rotinas críticas em Assembly</a:t>
             </a:r>
-            <a:endParaRPr lang="en-US" sz="1350"/>
-          </a:p>
-        </p:txBody>
-      </p:sp>
-      <p:sp>
-        <p:nvSpPr>
-          <p:cNvPr id="954232727" name="Text 7"/>
+            <a:endParaRPr lang="pt-PT" sz="1350"/>
+          </a:p>
+        </p:txBody>
+      </p:sp>
+      <p:sp>
+        <p:nvSpPr>
+          <p:cNvPr id="801227939" name="Text 3"/>
           <p:cNvSpPr/>
           <p:nvPr/>
         </p:nvSpPr>
         <p:spPr bwMode="auto">
-          <a:xfrm>
-            <a:off x="761999" y="5087539"/>
-            <a:ext cx="10667999" cy="665361"/>
-          </a:xfrm>
-          <a:prstGeom prst="roundRect">
-            <a:avLst>
-              <a:gd name="adj" fmla="val 11452"/>
-            </a:avLst>
-          </a:prstGeom>
-          <a:solidFill>
-            <a:srgbClr val="60A5FA"/>
-          </a:solidFill>
-          <a:ln/>
-        </p:spPr>
-        <p:txBody>
-          <a:bodyPr wrap="square" rtlCol="0" anchor="ctr"/>
-          <a:lstStyle/>
-          <a:p>
-            <a:pPr marL="0" indent="0">
-              <a:buNone/>
-              <a:defRPr/>
-            </a:pPr>
-            <a:endParaRPr lang="en-US"/>
-          </a:p>
-        </p:txBody>
-      </p:sp>
-      <p:sp>
-        <p:nvSpPr>
-          <p:cNvPr id="410150357" name="Text 8"/>
-          <p:cNvSpPr/>
-          <p:nvPr/>
-        </p:nvSpPr>
-        <p:spPr bwMode="auto">
-          <a:xfrm>
-            <a:off x="952499" y="5278039"/>
-            <a:ext cx="10492740" cy="284361"/>
+          <a:xfrm flipH="0" flipV="0">
+            <a:off x="5707500" y="3901478"/>
+            <a:ext cx="4854555" cy="365718"/>
           </a:xfrm>
           <a:prstGeom prst="rect">
             <a:avLst/>
@@ -8605,23 +6763,105 @@
           <a:p>
             <a:pPr marL="0" indent="0" algn="l">
               <a:lnSpc>
-                <a:spcPts val="1679"/>
+                <a:spcPts val="2158"/>
               </a:lnSpc>
+              <a:spcBef>
+                <a:spcPts val="1123"/>
+              </a:spcBef>
+              <a:spcAft>
+                <a:spcPts val="748"/>
+              </a:spcAft>
               <a:buNone/>
               <a:defRPr/>
             </a:pPr>
             <a:r>
-              <a:rPr lang="en-US" sz="1200">
+              <a:rPr lang="pt-BR" sz="2200" b="1">
                 <a:solidFill>
-                  <a:srgbClr val="FFFFFF"/>
+                  <a:srgbClr val="3B82F6"/>
                 </a:solidFill>
                 <a:latin typeface="Arial"/>
                 <a:ea typeface="Arial"/>
                 <a:cs typeface="Arial"/>
               </a:rPr>
-              <a:t>NASM, GAS e MASM em criptografia</a:t>
-            </a:r>
-            <a:endParaRPr lang="en-US" sz="1200"/>
+              <a:t>Assembler:</a:t>
+            </a:r>
+            <a:endParaRPr lang="pt-PT" sz="2200"/>
+          </a:p>
+        </p:txBody>
+      </p:sp>
+      <p:sp>
+        <p:nvSpPr>
+          <p:cNvPr id="1948063133" name="Text 4"/>
+          <p:cNvSpPr/>
+          <p:nvPr/>
+        </p:nvSpPr>
+        <p:spPr bwMode="auto">
+          <a:xfrm flipH="0" flipV="0">
+            <a:off x="5768952" y="4373343"/>
+            <a:ext cx="5661045" cy="1625598"/>
+          </a:xfrm>
+          <a:prstGeom prst="rect">
+            <a:avLst/>
+          </a:prstGeom>
+          <a:noFill/>
+          <a:ln/>
+        </p:spPr>
+        <p:txBody>
+          <a:bodyPr wrap="square" lIns="119061" tIns="0" rIns="0" bIns="0" rtlCol="0" anchor="t"/>
+          <a:lstStyle/>
+          <a:p>
+            <a:pPr marL="119061" indent="-119061" algn="l">
+              <a:lnSpc>
+                <a:spcPct val="100000"/>
+              </a:lnSpc>
+              <a:spcAft>
+                <a:spcPts val="448"/>
+              </a:spcAft>
+              <a:buSzPct val="100000"/>
+              <a:buChar char="•"/>
+              <a:defRPr/>
+            </a:pPr>
+            <a:r>
+              <a:rPr lang="pt-BR" sz="2400"/>
+              <a:t>NASM</a:t>
+            </a:r>
+            <a:endParaRPr lang="pt-BR" sz="2400"/>
+          </a:p>
+          <a:p>
+            <a:pPr marL="119061" indent="-119061" algn="l">
+              <a:lnSpc>
+                <a:spcPct val="100000"/>
+              </a:lnSpc>
+              <a:spcAft>
+                <a:spcPts val="448"/>
+              </a:spcAft>
+              <a:buSzPct val="100000"/>
+              <a:buChar char="•"/>
+              <a:defRPr/>
+            </a:pPr>
+            <a:r>
+              <a:rPr lang="pt-BR" sz="2400"/>
+              <a:t>GAS</a:t>
+            </a:r>
+            <a:endParaRPr lang="pt-BR" sz="2400"/>
+          </a:p>
+          <a:p>
+            <a:pPr marL="119061" indent="-119061" algn="l">
+              <a:lnSpc>
+                <a:spcPct val="100000"/>
+              </a:lnSpc>
+              <a:spcAft>
+                <a:spcPts val="448"/>
+              </a:spcAft>
+              <a:buSzPct val="100000"/>
+              <a:buChar char="•"/>
+              <a:defRPr/>
+            </a:pPr>
+            <a:r>
+              <a:rPr lang="pt-BR" sz="2400"/>
+              <a:t>MASM(criptografia)</a:t>
+            </a:r>
+            <a:endParaRPr lang="pt-PT" sz="2400"/>
           </a:p>
         </p:txBody>
       </p:sp>
@@ -8641,7 +6881,7 @@
 </p:sld>
 </file>
 
-<file path=ppt/slides/slide9.xml><?xml version="1.0" encoding="utf-8"?>
+<file path=ppt/slides/slide8.xml><?xml version="1.0" encoding="utf-8"?>
 <p:sld xmlns:a="http://schemas.openxmlformats.org/drawingml/2006/main" xmlns:r="http://schemas.openxmlformats.org/officeDocument/2006/relationships" xmlns:p="http://schemas.openxmlformats.org/presentationml/2006/main" xmlns:m="http://schemas.openxmlformats.org/officeDocument/2006/math" xmlns:w="http://schemas.openxmlformats.org/wordprocessingml/2006/main" xmlns:mc="http://schemas.openxmlformats.org/markup-compatibility/2006" showMasterPhAnim="0" showMasterSp="1" show="1">
   <p:cSld name="Slide 7">
     <p:bg>
@@ -8667,7 +6907,7 @@
       </p:grpSpPr>
       <p:sp>
         <p:nvSpPr>
-          <p:cNvPr id="1624264129" name="Text 0"/>
+          <p:cNvPr id="82180677" name="Text 0"/>
           <p:cNvSpPr/>
           <p:nvPr/>
         </p:nvSpPr>
@@ -8697,7 +6937,7 @@
               <a:defRPr/>
             </a:pPr>
             <a:r>
-              <a:rPr lang="en-US" sz="2700" b="1">
+              <a:rPr lang="pt-PT" sz="2700" b="1">
                 <a:solidFill>
                   <a:srgbClr val="1E3A8A"/>
                 </a:solidFill>
@@ -8707,13 +6947,13 @@
               </a:rPr>
               <a:t>Drivers, Firmware e Bootloaders</a:t>
             </a:r>
-            <a:endParaRPr lang="en-US" sz="2700"/>
-          </a:p>
-        </p:txBody>
-      </p:sp>
-      <p:sp>
-        <p:nvSpPr>
-          <p:cNvPr id="1964758168" name="Text 1"/>
+            <a:endParaRPr lang="pt-PT" sz="2700"/>
+          </a:p>
+        </p:txBody>
+      </p:sp>
+      <p:sp>
+        <p:nvSpPr>
+          <p:cNvPr id="869419506" name="Text 1"/>
           <p:cNvSpPr/>
           <p:nvPr/>
         </p:nvSpPr>
@@ -8746,7 +6986,7 @@
               <a:defRPr/>
             </a:pPr>
             <a:r>
-              <a:rPr lang="en-US" sz="1800" b="1">
+              <a:rPr lang="pt-PT" sz="1800" b="1">
                 <a:solidFill>
                   <a:srgbClr val="3B82F6"/>
                 </a:solidFill>
@@ -8756,13 +6996,13 @@
               </a:rPr>
               <a:t>Componentes de Sistema</a:t>
             </a:r>
-            <a:endParaRPr lang="en-US" sz="1800"/>
-          </a:p>
-        </p:txBody>
-      </p:sp>
-      <p:sp>
-        <p:nvSpPr>
-          <p:cNvPr id="897742087" name="Text 2"/>
+            <a:endParaRPr lang="pt-PT" sz="1800"/>
+          </a:p>
+        </p:txBody>
+      </p:sp>
+      <p:sp>
+        <p:nvSpPr>
+          <p:cNvPr id="410716698" name="Text 2"/>
           <p:cNvSpPr/>
           <p:nvPr/>
         </p:nvSpPr>
@@ -8792,7 +7032,7 @@
               <a:defRPr/>
             </a:pPr>
             <a:r>
-              <a:rPr lang="en-US" sz="1350" b="1">
+              <a:rPr lang="pt-PT" sz="1350" b="1">
                 <a:solidFill>
                   <a:srgbClr val="334155"/>
                 </a:solidFill>
@@ -8803,7 +7043,7 @@
               <a:t>Drivers</a:t>
             </a:r>
             <a:r>
-              <a:rPr lang="en-US" sz="1350">
+              <a:rPr lang="pt-PT" sz="1350">
                 <a:solidFill>
                   <a:srgbClr val="334155"/>
                 </a:solidFill>
@@ -8813,7 +7053,7 @@
               </a:rPr>
               <a:t>: Interface hardware ↔ SO</a:t>
             </a:r>
-            <a:endParaRPr lang="en-US" sz="1350"/>
+            <a:endParaRPr lang="pt-PT" sz="1350"/>
           </a:p>
           <a:p>
             <a:pPr marL="0" indent="0" algn="l">
@@ -8827,7 +7067,7 @@
               <a:defRPr/>
             </a:pPr>
             <a:r>
-              <a:rPr lang="en-US" sz="1350" b="1">
+              <a:rPr lang="pt-PT" sz="1350" b="1">
                 <a:solidFill>
                   <a:srgbClr val="334155"/>
                 </a:solidFill>
@@ -8838,7 +7078,7 @@
               <a:t>Firmware</a:t>
             </a:r>
             <a:r>
-              <a:rPr lang="en-US" sz="1350">
+              <a:rPr lang="pt-PT" sz="1350">
                 <a:solidFill>
                   <a:srgbClr val="334155"/>
                 </a:solidFill>
@@ -8846,9 +7086,42 @@
                 <a:ea typeface="Arial"/>
                 <a:cs typeface="Arial"/>
               </a:rPr>
-              <a:t>: Software embebido</a:t>
-            </a:r>
-            <a:endParaRPr lang="en-US" sz="1350"/>
+              <a:t>: Software </a:t>
+            </a:r>
+            <a:r>
+              <a:rPr lang="pt-BR" sz="1350">
+                <a:solidFill>
+                  <a:srgbClr val="334155"/>
+                </a:solidFill>
+                <a:latin typeface="Arial"/>
+                <a:ea typeface="Arial"/>
+                <a:cs typeface="Arial"/>
+              </a:rPr>
+              <a:t>“</a:t>
+            </a:r>
+            <a:r>
+              <a:rPr lang="pt-PT" sz="1350">
+                <a:solidFill>
+                  <a:srgbClr val="334155"/>
+                </a:solidFill>
+                <a:latin typeface="Arial"/>
+                <a:ea typeface="Arial"/>
+                <a:cs typeface="Arial"/>
+              </a:rPr>
+              <a:t>embe</a:t>
+            </a:r>
+            <a:r>
+              <a:rPr lang="pt-BR" sz="1350">
+                <a:solidFill>
+                  <a:srgbClr val="334155"/>
+                </a:solidFill>
+                <a:latin typeface="Arial"/>
+                <a:ea typeface="Arial"/>
+                <a:cs typeface="Arial"/>
+              </a:rPr>
+              <a:t>dded”</a:t>
+            </a:r>
+            <a:endParaRPr lang="pt-PT" sz="1350"/>
           </a:p>
           <a:p>
             <a:pPr marL="0" indent="0" algn="l">
@@ -8862,7 +7135,7 @@
               <a:defRPr/>
             </a:pPr>
             <a:r>
-              <a:rPr lang="en-US" sz="1350" b="1">
+              <a:rPr lang="pt-PT" sz="1350" b="1">
                 <a:solidFill>
                   <a:srgbClr val="334155"/>
                 </a:solidFill>
@@ -8873,7 +7146,7 @@
               <a:t>Bootloaders</a:t>
             </a:r>
             <a:r>
-              <a:rPr lang="en-US" sz="1350">
+              <a:rPr lang="pt-PT" sz="1350">
                 <a:solidFill>
                   <a:srgbClr val="334155"/>
                 </a:solidFill>
@@ -8883,118 +7156,20 @@
               </a:rPr>
               <a:t>: Inicialização antes do SO</a:t>
             </a:r>
-            <a:endParaRPr lang="en-US" sz="1350"/>
-          </a:p>
-        </p:txBody>
-      </p:sp>
-      <p:sp>
-        <p:nvSpPr>
-          <p:cNvPr id="2085206172" name="Text 3"/>
+            <a:endParaRPr lang="pt-PT" sz="1350"/>
+          </a:p>
+        </p:txBody>
+      </p:sp>
+      <p:sp>
+        <p:nvSpPr>
+          <p:cNvPr id="2083943198" name="Text 5"/>
           <p:cNvSpPr/>
           <p:nvPr/>
         </p:nvSpPr>
         <p:spPr bwMode="auto">
-          <a:xfrm>
-            <a:off x="761999" y="3604219"/>
-            <a:ext cx="10667999" cy="665361"/>
-          </a:xfrm>
-          <a:prstGeom prst="roundRect">
-            <a:avLst>
-              <a:gd name="adj" fmla="val 11452"/>
-            </a:avLst>
-          </a:prstGeom>
-          <a:solidFill>
-            <a:srgbClr val="60A5FA"/>
-          </a:solidFill>
-          <a:ln/>
-        </p:spPr>
-        <p:txBody>
-          <a:bodyPr wrap="square" rtlCol="0" anchor="ctr"/>
-          <a:lstStyle/>
-          <a:p>
-            <a:pPr marL="0" indent="0">
-              <a:buNone/>
-              <a:defRPr/>
-            </a:pPr>
-            <a:endParaRPr lang="en-US"/>
-          </a:p>
-        </p:txBody>
-      </p:sp>
-      <p:sp>
-        <p:nvSpPr>
-          <p:cNvPr id="1466437650" name="Text 4"/>
-          <p:cNvSpPr/>
-          <p:nvPr/>
-        </p:nvSpPr>
-        <p:spPr bwMode="auto">
-          <a:xfrm>
-            <a:off x="952499" y="3794719"/>
-            <a:ext cx="10492740" cy="284361"/>
-          </a:xfrm>
-          <a:prstGeom prst="rect">
-            <a:avLst/>
-          </a:prstGeom>
-          <a:noFill/>
-          <a:ln/>
-        </p:spPr>
-        <p:txBody>
-          <a:bodyPr wrap="square" lIns="0" tIns="0" rIns="0" bIns="0" rtlCol="0" anchor="t"/>
-          <a:lstStyle/>
-          <a:p>
-            <a:pPr marL="0" indent="0" algn="l">
-              <a:lnSpc>
-                <a:spcPts val="1679"/>
-              </a:lnSpc>
-              <a:buNone/>
-              <a:defRPr/>
-            </a:pPr>
-            <a:r>
-              <a:rPr lang="en-US" sz="1200">
-                <a:solidFill>
-                  <a:srgbClr val="FFFFFF"/>
-                </a:solidFill>
-                <a:latin typeface="Arial"/>
-                <a:ea typeface="Arial"/>
-                <a:cs typeface="Arial"/>
-              </a:rPr>
-              <a:t>GAS domina em Linux, </a:t>
-            </a:r>
-            <a:r>
-              <a:rPr lang="pt-BR" sz="1200">
-                <a:solidFill>
-                  <a:srgbClr val="FFFFFF"/>
-                </a:solidFill>
-                <a:latin typeface="Arial"/>
-                <a:ea typeface="Arial"/>
-                <a:cs typeface="Arial"/>
-              </a:rPr>
-              <a:t>M</a:t>
-            </a:r>
-            <a:r>
-              <a:rPr lang="en-US" sz="1200">
-                <a:solidFill>
-                  <a:srgbClr val="FFFFFF"/>
-                </a:solidFill>
-                <a:latin typeface="Arial"/>
-                <a:ea typeface="Arial"/>
-                <a:cs typeface="Arial"/>
-              </a:rPr>
-              <a:t>ASM em Windows</a:t>
-            </a:r>
-            <a:endParaRPr lang="en-US" sz="1200"/>
-          </a:p>
-        </p:txBody>
-      </p:sp>
-      <p:sp>
-        <p:nvSpPr>
-          <p:cNvPr id="165974240" name="Text 5"/>
-          <p:cNvSpPr/>
-          <p:nvPr/>
-        </p:nvSpPr>
-        <p:spPr bwMode="auto">
-          <a:xfrm>
-            <a:off x="761999" y="4460081"/>
-            <a:ext cx="10881360" cy="365719"/>
+          <a:xfrm flipH="0" flipV="0">
+            <a:off x="5770305" y="1333498"/>
+            <a:ext cx="5990514" cy="365718"/>
           </a:xfrm>
           <a:prstGeom prst="rect">
             <a:avLst/>
@@ -9020,7 +7195,7 @@
               <a:defRPr/>
             </a:pPr>
             <a:r>
-              <a:rPr lang="en-US" sz="1800" b="1">
+              <a:rPr lang="pt-PT" sz="1800" b="1">
                 <a:solidFill>
                   <a:srgbClr val="3B82F6"/>
                 </a:solidFill>
@@ -9030,20 +7205,20 @@
               </a:rPr>
               <a:t>Requisitos</a:t>
             </a:r>
-            <a:endParaRPr lang="en-US" sz="1800"/>
-          </a:p>
-        </p:txBody>
-      </p:sp>
-      <p:sp>
-        <p:nvSpPr>
-          <p:cNvPr id="357928306" name="Text 6"/>
+            <a:endParaRPr lang="pt-PT" sz="1800"/>
+          </a:p>
+        </p:txBody>
+      </p:sp>
+      <p:sp>
+        <p:nvSpPr>
+          <p:cNvPr id="375153658" name="Text 6"/>
           <p:cNvSpPr/>
           <p:nvPr/>
         </p:nvSpPr>
         <p:spPr bwMode="auto">
-          <a:xfrm>
-            <a:off x="761999" y="4952801"/>
-            <a:ext cx="10667999" cy="1066799"/>
+          <a:xfrm flipH="0" flipV="0">
+            <a:off x="5770305" y="1826218"/>
+            <a:ext cx="5873053" cy="1066798"/>
           </a:xfrm>
           <a:prstGeom prst="rect">
             <a:avLst/>
@@ -9052,7 +7227,7 @@
           <a:ln/>
         </p:spPr>
         <p:txBody>
-          <a:bodyPr wrap="square" lIns="119062" tIns="0" rIns="0" bIns="0" rtlCol="0" anchor="t"/>
+          <a:bodyPr wrap="square" lIns="119061" tIns="0" rIns="0" bIns="0" rtlCol="0" anchor="t"/>
           <a:lstStyle/>
           <a:p>
             <a:pPr marL="119062" indent="-119062" algn="l">
@@ -9067,7 +7242,7 @@
               <a:defRPr/>
             </a:pPr>
             <a:r>
-              <a:rPr lang="en-US" sz="1350">
+              <a:rPr lang="pt-PT" sz="1350">
                 <a:solidFill>
                   <a:srgbClr val="334155"/>
                 </a:solidFill>
@@ -9077,7 +7252,7 @@
               </a:rPr>
               <a:t>Acesso directo a instruções do CPU</a:t>
             </a:r>
-            <a:endParaRPr lang="en-US" sz="1350"/>
+            <a:endParaRPr lang="pt-PT" sz="1350"/>
           </a:p>
           <a:p>
             <a:pPr marL="119062" indent="-119062" algn="l">
@@ -9092,7 +7267,7 @@
               <a:defRPr/>
             </a:pPr>
             <a:r>
-              <a:rPr lang="en-US" sz="1350">
+              <a:rPr lang="pt-PT" sz="1350">
                 <a:solidFill>
                   <a:srgbClr val="334155"/>
                 </a:solidFill>
@@ -9102,10 +7277,1335 @@
               </a:rPr>
               <a:t>Gestão de interrupções ao nível do hardware</a:t>
             </a:r>
-            <a:endParaRPr lang="en-US" sz="1350"/>
-          </a:p>
-        </p:txBody>
-      </p:sp>
+            <a:endParaRPr lang="pt-PT" sz="1350"/>
+          </a:p>
+        </p:txBody>
+      </p:sp>
+      <p:sp>
+        <p:nvSpPr>
+          <p:cNvPr id="139023793" name="Text 3"/>
+          <p:cNvSpPr/>
+          <p:nvPr/>
+        </p:nvSpPr>
+        <p:spPr bwMode="auto">
+          <a:xfrm flipH="0" flipV="0">
+            <a:off x="761998" y="3901478"/>
+            <a:ext cx="4854555" cy="365718"/>
+          </a:xfrm>
+          <a:prstGeom prst="rect">
+            <a:avLst/>
+          </a:prstGeom>
+          <a:noFill/>
+          <a:ln/>
+        </p:spPr>
+        <p:txBody>
+          <a:bodyPr wrap="square" lIns="0" tIns="0" rIns="0" bIns="0" rtlCol="0" anchor="t"/>
+          <a:lstStyle/>
+          <a:p>
+            <a:pPr marL="0" indent="0" algn="l">
+              <a:lnSpc>
+                <a:spcPts val="2158"/>
+              </a:lnSpc>
+              <a:spcBef>
+                <a:spcPts val="1123"/>
+              </a:spcBef>
+              <a:spcAft>
+                <a:spcPts val="748"/>
+              </a:spcAft>
+              <a:buNone/>
+              <a:defRPr/>
+            </a:pPr>
+            <a:r>
+              <a:rPr lang="pt-BR" sz="2200" b="1">
+                <a:solidFill>
+                  <a:srgbClr val="3B82F6"/>
+                </a:solidFill>
+                <a:latin typeface="Arial"/>
+                <a:ea typeface="Arial"/>
+                <a:cs typeface="Arial"/>
+              </a:rPr>
+              <a:t>Assembler:</a:t>
+            </a:r>
+            <a:endParaRPr lang="pt-PT" sz="2200"/>
+          </a:p>
+        </p:txBody>
+      </p:sp>
+      <p:sp>
+        <p:nvSpPr>
+          <p:cNvPr id="1235959105" name="Text 4"/>
+          <p:cNvSpPr/>
+          <p:nvPr/>
+        </p:nvSpPr>
+        <p:spPr bwMode="auto">
+          <a:xfrm flipH="0" flipV="0">
+            <a:off x="823451" y="4373343"/>
+            <a:ext cx="5661045" cy="1625598"/>
+          </a:xfrm>
+          <a:prstGeom prst="rect">
+            <a:avLst/>
+          </a:prstGeom>
+          <a:noFill/>
+          <a:ln/>
+        </p:spPr>
+        <p:txBody>
+          <a:bodyPr wrap="square" lIns="119061" tIns="0" rIns="0" bIns="0" rtlCol="0" anchor="t"/>
+          <a:lstStyle/>
+          <a:p>
+            <a:pPr marL="119061" indent="-119061" algn="l">
+              <a:lnSpc>
+                <a:spcPct val="100000"/>
+              </a:lnSpc>
+              <a:spcAft>
+                <a:spcPts val="448"/>
+              </a:spcAft>
+              <a:buSzPct val="100000"/>
+              <a:buChar char="•"/>
+              <a:defRPr/>
+            </a:pPr>
+            <a:r>
+              <a:rPr lang="pt-BR" sz="2400"/>
+              <a:t>GAS</a:t>
+            </a:r>
+            <a:r>
+              <a:rPr lang="pt-BR" sz="2400"/>
+              <a:t>(Drivers Linux/Unix)</a:t>
+            </a:r>
+            <a:endParaRPr lang="pt-BR" sz="2400"/>
+          </a:p>
+          <a:p>
+            <a:pPr marL="119061" indent="-119061" algn="l">
+              <a:lnSpc>
+                <a:spcPct val="100000"/>
+              </a:lnSpc>
+              <a:spcAft>
+                <a:spcPts val="448"/>
+              </a:spcAft>
+              <a:buSzPct val="100000"/>
+              <a:buChar char="•"/>
+              <a:defRPr/>
+            </a:pPr>
+            <a:r>
+              <a:rPr lang="pt-BR" sz="2400"/>
+              <a:t>MASM(Drivers Windows)</a:t>
+            </a:r>
+            <a:endParaRPr lang="pt-PT" sz="2400"/>
+          </a:p>
+          <a:p>
+            <a:pPr marL="119061" indent="-119061" algn="l">
+              <a:lnSpc>
+                <a:spcPct val="100000"/>
+              </a:lnSpc>
+              <a:spcAft>
+                <a:spcPts val="448"/>
+              </a:spcAft>
+              <a:buSzPct val="100000"/>
+              <a:buChar char="•"/>
+              <a:defRPr/>
+            </a:pPr>
+            <a:r>
+              <a:rPr lang="pt-BR" sz="2400"/>
+              <a:t>NASM(kernels, bootloaders)</a:t>
+            </a:r>
+            <a:endParaRPr lang="pt-PT" sz="2400"/>
+          </a:p>
+        </p:txBody>
+      </p:sp>
+    </p:spTree>
+  </p:cSld>
+  <p:clrMapOvr>
+    <a:masterClrMapping/>
+  </p:clrMapOvr>
+  <mc:AlternateContent xmlns:mc="http://schemas.openxmlformats.org/markup-compatibility/2006">
+    <mc:Choice xmlns:p159="http://schemas.microsoft.com/office/powerpoint/2015/09/main" xmlns:p14="http://schemas.microsoft.com/office/powerpoint/2010/main" Requires="p159">
+      <p:transition p14:dur="2000" advClick="1"/>
+    </mc:Choice>
+    <mc:Fallback>
+      <p:transition advClick="1"/>
+    </mc:Fallback>
+  </mc:AlternateContent>
+</p:sld>
+</file>
+
+<file path=ppt/slides/slide9.xml><?xml version="1.0" encoding="utf-8"?>
+<p:sld xmlns:a="http://schemas.openxmlformats.org/drawingml/2006/main" xmlns:r="http://schemas.openxmlformats.org/officeDocument/2006/relationships" xmlns:p="http://schemas.openxmlformats.org/presentationml/2006/main" xmlns:m="http://schemas.openxmlformats.org/officeDocument/2006/math" xmlns:w="http://schemas.openxmlformats.org/wordprocessingml/2006/main" xmlns:mc="http://schemas.openxmlformats.org/markup-compatibility/2006" showMasterPhAnim="0" showMasterSp="1" show="1">
+  <p:cSld name="">
+    <p:spTree>
+      <p:nvGrpSpPr>
+        <p:cNvPr id="1" name=""/>
+        <p:cNvGrpSpPr/>
+        <p:nvPr/>
+      </p:nvGrpSpPr>
+      <p:grpSpPr bwMode="auto">
+        <a:xfrm>
+          <a:off x="0" y="0"/>
+          <a:ext cx="0" cy="0"/>
+          <a:chOff x="0" y="0"/>
+          <a:chExt cx="0" cy="0"/>
+        </a:xfrm>
+      </p:grpSpPr>
+      <p:sp>
+        <p:nvSpPr>
+          <p:cNvPr id="1248554517" name="Title 1"/>
+          <p:cNvSpPr>
+            <a:spLocks noGrp="1"/>
+          </p:cNvSpPr>
+          <p:nvPr>
+            <p:ph type="title"/>
+          </p:nvPr>
+        </p:nvSpPr>
+        <p:spPr bwMode="auto"/>
+        <p:txBody>
+          <a:bodyPr/>
+          <a:lstStyle/>
+          <a:p>
+            <a:pPr>
+              <a:defRPr/>
+            </a:pPr>
+            <a:r>
+              <a:rPr lang="pt-PT"/>
+              <a:t>Assemblers Comparison</a:t>
+            </a:r>
+            <a:endParaRPr lang="pt-PT"/>
+          </a:p>
+        </p:txBody>
+      </p:sp>
+      <p:graphicFrame>
+        <p:nvGraphicFramePr>
+          <p:cNvPr id="1396174709" name=""/>
+          <p:cNvGraphicFramePr>
+            <a:graphicFrameLocks xmlns:a="http://schemas.openxmlformats.org/drawingml/2006/main"/>
+          </p:cNvGraphicFramePr>
+          <p:nvPr>
+            <p:ph idx="1"/>
+          </p:nvPr>
+        </p:nvGraphicFramePr>
+        <p:xfrm rot="0">
+          <a:off x="838197" y="1562552"/>
+          <a:ext cx="10439736" cy="4748339"/>
+        </p:xfrm>
+        <a:graphic>
+          <a:graphicData uri="http://schemas.openxmlformats.org/drawingml/2006/table">
+            <a:tbl>
+              <a:tblPr firstRow="1" firstCol="0" lastRow="0" lastCol="0" bandRow="1" bandCol="0">
+                <a:tableStyleId>{5C22544A-7EE6-4342-B048-85BDC9FD1C3A}</a:tableStyleId>
+              </a:tblPr>
+              <a:tblGrid>
+                <a:gridCol w="2085408"/>
+                <a:gridCol w="1604592"/>
+                <a:gridCol w="2430000"/>
+                <a:gridCol w="1710000"/>
+                <a:gridCol w="2597036"/>
+              </a:tblGrid>
+              <a:tr h="642700">
+                <a:tc>
+                  <a:txBody>
+                    <a:bodyPr/>
+                    <a:p>
+                      <a:pPr marL="0" marR="0" indent="0" algn="ctr">
+                        <a:lnSpc>
+                          <a:spcPct val="107000"/>
+                        </a:lnSpc>
+                        <a:spcBef>
+                          <a:spcPts val="0"/>
+                        </a:spcBef>
+                        <a:spcAft>
+                          <a:spcPts val="799"/>
+                        </a:spcAft>
+                        <a:defRPr/>
+                      </a:pPr>
+                      <a:r>
+                        <a:rPr lang="pt-PT" sz="2400" b="1" i="0" u="none" strike="noStrike" cap="none" spc="0">
+                          <a:solidFill>
+                            <a:schemeClr val="lt1"/>
+                          </a:solidFill>
+                          <a:latin typeface="Calibri"/>
+                          <a:ea typeface="Calibri"/>
+                          <a:cs typeface="Calibri"/>
+                        </a:rPr>
+                        <a:t>Assembler</a:t>
+                      </a:r>
+                      <a:endParaRPr lang="pt-PT" sz="2400" b="1" i="0" u="none" strike="noStrike" cap="none" spc="0">
+                        <a:solidFill>
+                          <a:schemeClr val="lt1"/>
+                        </a:solidFill>
+                        <a:latin typeface="Calibri"/>
+                        <a:cs typeface="Calibri"/>
+                      </a:endParaRPr>
+                    </a:p>
+                  </a:txBody>
+                  <a:tcPr/>
+                </a:tc>
+                <a:tc>
+                  <a:txBody>
+                    <a:bodyPr/>
+                    <a:p>
+                      <a:pPr marL="0" marR="0" indent="0" algn="ctr">
+                        <a:lnSpc>
+                          <a:spcPct val="107000"/>
+                        </a:lnSpc>
+                        <a:spcBef>
+                          <a:spcPts val="0"/>
+                        </a:spcBef>
+                        <a:spcAft>
+                          <a:spcPts val="799"/>
+                        </a:spcAft>
+                        <a:defRPr/>
+                      </a:pPr>
+                      <a:r>
+                        <a:rPr lang="pt-PT" sz="2400" b="1" i="0" u="none" strike="noStrike" cap="none" spc="0">
+                          <a:solidFill>
+                            <a:schemeClr val="lt1"/>
+                          </a:solidFill>
+                          <a:latin typeface="Calibri"/>
+                          <a:ea typeface="Calibri"/>
+                          <a:cs typeface="Calibri"/>
+                        </a:rPr>
+                        <a:t>Syntax</a:t>
+                      </a:r>
+                      <a:endParaRPr lang="pt-PT" sz="2400" b="1" i="0" u="none" strike="noStrike" cap="none" spc="0">
+                        <a:solidFill>
+                          <a:schemeClr val="lt1"/>
+                        </a:solidFill>
+                        <a:latin typeface="Calibri"/>
+                        <a:cs typeface="Calibri"/>
+                      </a:endParaRPr>
+                    </a:p>
+                  </a:txBody>
+                  <a:tcPr/>
+                </a:tc>
+                <a:tc>
+                  <a:txBody>
+                    <a:bodyPr/>
+                    <a:p>
+                      <a:pPr marL="0" marR="0" indent="0" algn="ctr">
+                        <a:lnSpc>
+                          <a:spcPct val="107000"/>
+                        </a:lnSpc>
+                        <a:spcBef>
+                          <a:spcPts val="0"/>
+                        </a:spcBef>
+                        <a:spcAft>
+                          <a:spcPts val="799"/>
+                        </a:spcAft>
+                        <a:defRPr/>
+                      </a:pPr>
+                      <a:r>
+                        <a:rPr lang="pt-PT" sz="2400" b="1" i="0" u="none" strike="noStrike" cap="none" spc="0">
+                          <a:solidFill>
+                            <a:schemeClr val="lt1"/>
+                          </a:solidFill>
+                          <a:latin typeface="Calibri"/>
+                          <a:ea typeface="Calibri"/>
+                          <a:cs typeface="Calibri"/>
+                        </a:rPr>
+                        <a:t>Arquitecture</a:t>
+                      </a:r>
+                      <a:endParaRPr lang="pt-PT" sz="2400" b="1" i="0" u="none" strike="noStrike" cap="none" spc="0">
+                        <a:solidFill>
+                          <a:schemeClr val="lt1"/>
+                        </a:solidFill>
+                        <a:latin typeface="Calibri"/>
+                        <a:cs typeface="Calibri"/>
+                      </a:endParaRPr>
+                    </a:p>
+                  </a:txBody>
+                  <a:tcPr/>
+                </a:tc>
+                <a:tc>
+                  <a:txBody>
+                    <a:bodyPr/>
+                    <a:p>
+                      <a:pPr marL="0" marR="0" indent="0" algn="ctr">
+                        <a:lnSpc>
+                          <a:spcPct val="107000"/>
+                        </a:lnSpc>
+                        <a:spcBef>
+                          <a:spcPts val="0"/>
+                        </a:spcBef>
+                        <a:spcAft>
+                          <a:spcPts val="799"/>
+                        </a:spcAft>
+                        <a:defRPr/>
+                      </a:pPr>
+                      <a:r>
+                        <a:rPr lang="pt-PT" sz="2400" b="1" i="0" u="none" strike="noStrike" cap="none" spc="0">
+                          <a:solidFill>
+                            <a:schemeClr val="lt1"/>
+                          </a:solidFill>
+                          <a:latin typeface="Calibri"/>
+                          <a:ea typeface="Calibri"/>
+                          <a:cs typeface="Calibri"/>
+                        </a:rPr>
+                        <a:t>Platform</a:t>
+                      </a:r>
+                      <a:endParaRPr lang="pt-PT" sz="2400" b="1" i="0" u="none" strike="noStrike" cap="none" spc="0">
+                        <a:solidFill>
+                          <a:schemeClr val="lt1"/>
+                        </a:solidFill>
+                        <a:latin typeface="Calibri"/>
+                        <a:cs typeface="Calibri"/>
+                      </a:endParaRPr>
+                    </a:p>
+                  </a:txBody>
+                  <a:tcPr/>
+                </a:tc>
+                <a:tc>
+                  <a:txBody>
+                    <a:bodyPr/>
+                    <a:p>
+                      <a:pPr marL="0" marR="0" indent="0" algn="ctr">
+                        <a:lnSpc>
+                          <a:spcPct val="107000"/>
+                        </a:lnSpc>
+                        <a:spcBef>
+                          <a:spcPts val="0"/>
+                        </a:spcBef>
+                        <a:spcAft>
+                          <a:spcPts val="799"/>
+                        </a:spcAft>
+                        <a:defRPr/>
+                      </a:pPr>
+                      <a:r>
+                        <a:rPr lang="pt-PT" sz="2400" b="1" i="0" u="none" strike="noStrike" cap="none" spc="0">
+                          <a:solidFill>
+                            <a:schemeClr val="lt1"/>
+                          </a:solidFill>
+                          <a:latin typeface="Calibri"/>
+                          <a:ea typeface="Calibri"/>
+                          <a:cs typeface="Calibri"/>
+                        </a:rPr>
+                        <a:t>Use/Notes</a:t>
+                      </a:r>
+                      <a:endParaRPr lang="pt-PT" sz="2400" b="1" i="0" u="none" strike="noStrike" cap="none" spc="0">
+                        <a:solidFill>
+                          <a:schemeClr val="lt1"/>
+                        </a:solidFill>
+                        <a:latin typeface="Calibri"/>
+                        <a:cs typeface="Calibri"/>
+                      </a:endParaRPr>
+                    </a:p>
+                  </a:txBody>
+                  <a:tcPr/>
+                </a:tc>
+              </a:tr>
+              <a:tr h="365760">
+                <a:tc>
+                  <a:txBody>
+                    <a:bodyPr/>
+                    <a:p>
+                      <a:pPr>
+                        <a:defRPr/>
+                      </a:pPr>
+                      <a:r>
+                        <a:rPr lang="pt-PT" sz="1600" b="1" i="0" u="none" strike="noStrike" cap="none" spc="0">
+                          <a:solidFill>
+                            <a:schemeClr val="tx1"/>
+                          </a:solidFill>
+                          <a:latin typeface="Calibri"/>
+                          <a:ea typeface="Calibri"/>
+                          <a:cs typeface="Calibri"/>
+                        </a:rPr>
+                        <a:t>NASM (Netwide Assembler)</a:t>
+                      </a:r>
+                      <a:endParaRPr lang="pt-PT" sz="1600" b="1" i="0" u="none" strike="noStrike" cap="none" spc="0">
+                        <a:solidFill>
+                          <a:schemeClr val="tx1"/>
+                        </a:solidFill>
+                        <a:latin typeface="Calibri"/>
+                        <a:ea typeface="Arial"/>
+                        <a:cs typeface="Arial"/>
+                      </a:endParaRPr>
+                    </a:p>
+                  </a:txBody>
+                  <a:tcPr/>
+                </a:tc>
+                <a:tc>
+                  <a:txBody>
+                    <a:bodyPr/>
+                    <a:p>
+                      <a:pPr>
+                        <a:defRPr/>
+                      </a:pPr>
+                      <a:r>
+                        <a:rPr lang="pt-PT"/>
+                        <a:t>Intel</a:t>
+                      </a:r>
+                      <a:endParaRPr lang="pt-PT"/>
+                    </a:p>
+                  </a:txBody>
+                  <a:tcPr/>
+                </a:tc>
+                <a:tc>
+                  <a:txBody>
+                    <a:bodyPr/>
+                    <a:p>
+                      <a:pPr>
+                        <a:defRPr/>
+                      </a:pPr>
+                      <a:r>
+                        <a:rPr lang="pt-PT" sz="1800" b="0" i="0" u="none" strike="noStrike" cap="none" spc="0">
+                          <a:solidFill>
+                            <a:schemeClr val="tx1"/>
+                          </a:solidFill>
+                          <a:latin typeface="Calibri"/>
+                          <a:ea typeface="Calibri"/>
+                          <a:cs typeface="Calibri"/>
+                        </a:rPr>
+                        <a:t>16, 32, 64 bits</a:t>
+                      </a:r>
+                      <a:endParaRPr lang="pt-PT" sz="1800" b="0" i="0" u="none" strike="noStrike" cap="none" spc="0">
+                        <a:solidFill>
+                          <a:schemeClr val="tx1"/>
+                        </a:solidFill>
+                        <a:latin typeface="Calibri"/>
+                        <a:ea typeface="Arial"/>
+                        <a:cs typeface="Arial"/>
+                      </a:endParaRPr>
+                    </a:p>
+                  </a:txBody>
+                  <a:tcPr/>
+                </a:tc>
+                <a:tc>
+                  <a:txBody>
+                    <a:bodyPr/>
+                    <a:p>
+                      <a:pPr>
+                        <a:defRPr/>
+                      </a:pPr>
+                      <a:r>
+                        <a:rPr lang="pt-PT" sz="1800" b="0" i="0" u="none" strike="noStrike" cap="none" spc="0">
+                          <a:solidFill>
+                            <a:schemeClr val="dk1"/>
+                          </a:solidFill>
+                          <a:latin typeface="Calibri"/>
+                          <a:ea typeface="Calibri"/>
+                          <a:cs typeface="Calibri"/>
+                        </a:rPr>
+                        <a:t>Linux, Windows, macOS</a:t>
+                      </a:r>
+                      <a:r>
+                        <a:rPr lang="pt-PT" sz="1800" b="0" i="0" u="none" strike="noStrike" cap="none" spc="0">
+                          <a:solidFill>
+                            <a:schemeClr val="dk1"/>
+                          </a:solidFill>
+                          <a:latin typeface="Calibri"/>
+                          <a:ea typeface="Calibri"/>
+                          <a:cs typeface="Calibri"/>
+                        </a:rPr>
+                        <a:t>, DOS</a:t>
+                      </a:r>
+                      <a:endParaRPr lang="pt-PT"/>
+                    </a:p>
+                  </a:txBody>
+                  <a:tcPr/>
+                </a:tc>
+                <a:tc>
+                  <a:txBody>
+                    <a:bodyPr/>
+                    <a:p>
+                      <a:pPr>
+                        <a:defRPr/>
+                      </a:pPr>
+                      <a:r>
+                        <a:rPr lang="pt-PT" sz="1800" b="0" i="0" u="none" strike="noStrike" cap="none" spc="0">
+                          <a:solidFill>
+                            <a:schemeClr val="tx1"/>
+                          </a:solidFill>
+                          <a:latin typeface="Calibri"/>
+                          <a:ea typeface="Arial"/>
+                          <a:cs typeface="Arial"/>
+                        </a:rPr>
+                        <a:t>Kernels and bootloaders</a:t>
+                      </a:r>
+                      <a:endParaRPr lang="pt-PT" sz="1800" b="0" i="0" u="none" strike="noStrike" cap="none" spc="0">
+                        <a:solidFill>
+                          <a:schemeClr val="tx1"/>
+                        </a:solidFill>
+                        <a:latin typeface="Calibri"/>
+                        <a:ea typeface="Arial"/>
+                        <a:cs typeface="Arial"/>
+                      </a:endParaRPr>
+                    </a:p>
+                  </a:txBody>
+                  <a:tcPr/>
+                </a:tc>
+              </a:tr>
+              <a:tr h="619920">
+                <a:tc>
+                  <a:txBody>
+                    <a:bodyPr/>
+                    <a:p>
+                      <a:pPr>
+                        <a:defRPr/>
+                      </a:pPr>
+                      <a:r>
+                        <a:rPr lang="pt-PT" sz="1600" b="1" i="0" u="none" strike="noStrike" cap="none" spc="0">
+                          <a:solidFill>
+                            <a:schemeClr val="tx1"/>
+                          </a:solidFill>
+                          <a:latin typeface="Calibri"/>
+                          <a:ea typeface="Calibri"/>
+                          <a:cs typeface="Calibri"/>
+                        </a:rPr>
+                        <a:t>MASM (Microsoft Macro Assembler)</a:t>
+                      </a:r>
+                      <a:endParaRPr lang="pt-PT" sz="1600" b="1" i="0" u="none" strike="noStrike" cap="none" spc="0">
+                        <a:solidFill>
+                          <a:schemeClr val="tx1"/>
+                        </a:solidFill>
+                        <a:latin typeface="Calibri"/>
+                        <a:ea typeface="Arial"/>
+                        <a:cs typeface="Arial"/>
+                      </a:endParaRPr>
+                    </a:p>
+                  </a:txBody>
+                  <a:tcPr/>
+                </a:tc>
+                <a:tc>
+                  <a:txBody>
+                    <a:bodyPr/>
+                    <a:p>
+                      <a:pPr>
+                        <a:defRPr/>
+                      </a:pPr>
+                      <a:r>
+                        <a:rPr lang="pt-PT"/>
+                        <a:t>Intel</a:t>
+                      </a:r>
+                      <a:endParaRPr lang="pt-PT"/>
+                    </a:p>
+                  </a:txBody>
+                  <a:tcPr/>
+                </a:tc>
+                <a:tc>
+                  <a:txBody>
+                    <a:bodyPr/>
+                    <a:p>
+                      <a:pPr>
+                        <a:defRPr/>
+                      </a:pPr>
+                      <a:r>
+                        <a:rPr lang="pt-PT" sz="1800" b="0" i="0" u="none" strike="noStrike" cap="none" spc="0">
+                          <a:solidFill>
+                            <a:schemeClr val="tx1"/>
+                          </a:solidFill>
+                          <a:latin typeface="Calibri"/>
+                          <a:ea typeface="Calibri"/>
+                          <a:cs typeface="Calibri"/>
+                        </a:rPr>
+                        <a:t>16, 32, 64 bits</a:t>
+                      </a:r>
+                      <a:endParaRPr lang="pt-PT" sz="1800" b="0" i="0" u="none" strike="noStrike" cap="none" spc="0">
+                        <a:solidFill>
+                          <a:schemeClr val="tx1"/>
+                        </a:solidFill>
+                        <a:latin typeface="Calibri"/>
+                        <a:ea typeface="Arial"/>
+                        <a:cs typeface="Arial"/>
+                      </a:endParaRPr>
+                    </a:p>
+                  </a:txBody>
+                  <a:tcPr/>
+                </a:tc>
+                <a:tc>
+                  <a:txBody>
+                    <a:bodyPr/>
+                    <a:p>
+                      <a:pPr>
+                        <a:defRPr/>
+                      </a:pPr>
+                      <a:r>
+                        <a:rPr lang="pt-PT" sz="1800" b="0" i="0" u="none" strike="noStrike" cap="none" spc="0">
+                          <a:solidFill>
+                            <a:schemeClr val="dk1"/>
+                          </a:solidFill>
+                          <a:latin typeface="Calibri"/>
+                          <a:ea typeface="Calibri"/>
+                          <a:cs typeface="Calibri"/>
+                        </a:rPr>
+                        <a:t>Windows, </a:t>
+                      </a:r>
+                      <a:endParaRPr lang="pt-PT" sz="1800" b="0" i="0" u="none" strike="noStrike" cap="none" spc="0">
+                        <a:solidFill>
+                          <a:schemeClr val="dk1"/>
+                        </a:solidFill>
+                        <a:latin typeface="Calibri"/>
+                        <a:ea typeface="Calibri"/>
+                        <a:cs typeface="Calibri"/>
+                      </a:endParaRPr>
+                    </a:p>
+                    <a:p>
+                      <a:pPr>
+                        <a:defRPr/>
+                      </a:pPr>
+                      <a:r>
+                        <a:rPr lang="pt-PT" sz="1800" b="0" i="0" u="none" strike="noStrike" cap="none" spc="0">
+                          <a:solidFill>
+                            <a:schemeClr val="dk1"/>
+                          </a:solidFill>
+                          <a:latin typeface="Calibri"/>
+                          <a:ea typeface="Calibri"/>
+                          <a:cs typeface="Calibri"/>
+                        </a:rPr>
+                        <a:t>MS-DOS</a:t>
+                      </a:r>
+                      <a:endParaRPr lang="pt-PT"/>
+                    </a:p>
+                  </a:txBody>
+                  <a:tcPr/>
+                </a:tc>
+                <a:tc>
+                  <a:txBody>
+                    <a:bodyPr/>
+                    <a:p>
+                      <a:pPr>
+                        <a:defRPr/>
+                      </a:pPr>
+                      <a:r>
+                        <a:rPr lang="pt-PT" sz="1800" b="0" i="0" u="none" strike="noStrike" cap="none" spc="0">
+                          <a:solidFill>
+                            <a:schemeClr val="tx1"/>
+                          </a:solidFill>
+                          <a:latin typeface="Calibri"/>
+                          <a:ea typeface="Arial"/>
+                          <a:cs typeface="Arial"/>
+                        </a:rPr>
+                        <a:t>Drivers</a:t>
+                      </a:r>
+                      <a:endParaRPr lang="pt-PT" sz="1800" b="0" i="0" u="none" strike="noStrike" cap="none" spc="0">
+                        <a:solidFill>
+                          <a:schemeClr val="tx1"/>
+                        </a:solidFill>
+                        <a:latin typeface="Calibri"/>
+                        <a:ea typeface="Arial"/>
+                        <a:cs typeface="Arial"/>
+                      </a:endParaRPr>
+                    </a:p>
+                  </a:txBody>
+                  <a:tcPr/>
+                </a:tc>
+              </a:tr>
+              <a:tr h="365760">
+                <a:tc>
+                  <a:txBody>
+                    <a:bodyPr/>
+                    <a:p>
+                      <a:pPr>
+                        <a:defRPr/>
+                      </a:pPr>
+                      <a:r>
+                        <a:rPr lang="pt-PT" sz="1600" b="1" i="0" u="none" strike="noStrike" cap="none" spc="0">
+                          <a:solidFill>
+                            <a:schemeClr val="tx1"/>
+                          </a:solidFill>
+                          <a:latin typeface="Calibri"/>
+                          <a:ea typeface="Calibri"/>
+                          <a:cs typeface="Calibri"/>
+                        </a:rPr>
+                        <a:t>GAS (GNU Assembler)</a:t>
+                      </a:r>
+                      <a:endParaRPr lang="pt-PT" sz="1600" b="1" i="0" u="none" strike="noStrike" cap="none" spc="0">
+                        <a:solidFill>
+                          <a:schemeClr val="tx1"/>
+                        </a:solidFill>
+                        <a:latin typeface="Calibri"/>
+                        <a:ea typeface="Arial"/>
+                        <a:cs typeface="Arial"/>
+                      </a:endParaRPr>
+                    </a:p>
+                  </a:txBody>
+                  <a:tcPr/>
+                </a:tc>
+                <a:tc>
+                  <a:txBody>
+                    <a:bodyPr/>
+                    <a:p>
+                      <a:pPr>
+                        <a:defRPr/>
+                      </a:pPr>
+                      <a:r>
+                        <a:rPr lang="pt-PT"/>
+                        <a:t>AT&amp;T, Intel</a:t>
+                      </a:r>
+                      <a:endParaRPr lang="pt-PT"/>
+                    </a:p>
+                  </a:txBody>
+                  <a:tcPr/>
+                </a:tc>
+                <a:tc>
+                  <a:txBody>
+                    <a:bodyPr/>
+                    <a:p>
+                      <a:pPr>
+                        <a:defRPr/>
+                      </a:pPr>
+                      <a:r>
+                        <a:rPr lang="pt-PT" sz="1800" b="0" i="0" u="none" strike="noStrike" cap="none" spc="0">
+                          <a:solidFill>
+                            <a:schemeClr val="tx1"/>
+                          </a:solidFill>
+                          <a:latin typeface="Calibri"/>
+                          <a:ea typeface="Calibri"/>
+                          <a:cs typeface="Calibri"/>
+                        </a:rPr>
+                        <a:t>x86, ARM, MIPS, RISC- V, SPARC</a:t>
+                      </a:r>
+                      <a:endParaRPr lang="pt-PT" sz="1800" b="0" i="0" u="none" strike="noStrike" cap="none" spc="0">
+                        <a:solidFill>
+                          <a:schemeClr val="tx1"/>
+                        </a:solidFill>
+                        <a:latin typeface="Calibri"/>
+                        <a:ea typeface="Arial"/>
+                        <a:cs typeface="Arial"/>
+                      </a:endParaRPr>
+                    </a:p>
+                  </a:txBody>
+                  <a:tcPr/>
+                </a:tc>
+                <a:tc>
+                  <a:txBody>
+                    <a:bodyPr/>
+                    <a:p>
+                      <a:pPr>
+                        <a:defRPr/>
+                      </a:pPr>
+                      <a:r>
+                        <a:rPr lang="pt-PT" sz="1800" b="0" i="0" u="none" strike="noStrike" cap="none" spc="0">
+                          <a:solidFill>
+                            <a:schemeClr val="dk1"/>
+                          </a:solidFill>
+                          <a:latin typeface="Calibri"/>
+                          <a:ea typeface="Calibri"/>
+                          <a:cs typeface="Calibri"/>
+                        </a:rPr>
+                        <a:t>Linux/Unix</a:t>
+                      </a:r>
+                      <a:endParaRPr lang="pt-PT"/>
+                    </a:p>
+                  </a:txBody>
+                  <a:tcPr/>
+                </a:tc>
+                <a:tc>
+                  <a:txBody>
+                    <a:bodyPr/>
+                    <a:p>
+                      <a:pPr>
+                        <a:defRPr/>
+                      </a:pPr>
+                      <a:r>
+                        <a:rPr lang="pt-PT" sz="1800" b="0" i="0" u="none" strike="noStrike" cap="none" spc="0">
+                          <a:solidFill>
+                            <a:schemeClr val="tx1"/>
+                          </a:solidFill>
+                          <a:latin typeface="Calibri"/>
+                          <a:ea typeface="Arial"/>
+                          <a:cs typeface="Arial"/>
+                        </a:rPr>
+                        <a:t>Standard in kernels on Linux/Unix systems</a:t>
+                      </a:r>
+                      <a:endParaRPr lang="pt-PT" sz="1800" b="0" i="0" u="none" strike="noStrike" cap="none" spc="0">
+                        <a:solidFill>
+                          <a:schemeClr val="tx1"/>
+                        </a:solidFill>
+                        <a:latin typeface="Calibri"/>
+                        <a:ea typeface="Arial"/>
+                        <a:cs typeface="Arial"/>
+                      </a:endParaRPr>
+                    </a:p>
+                  </a:txBody>
+                  <a:tcPr/>
+                </a:tc>
+              </a:tr>
+              <a:tr h="365760">
+                <a:tc>
+                  <a:txBody>
+                    <a:bodyPr/>
+                    <a:p>
+                      <a:pPr>
+                        <a:defRPr/>
+                      </a:pPr>
+                      <a:r>
+                        <a:rPr lang="pt-PT" sz="1600" b="1" i="0" u="none" strike="noStrike" cap="none" spc="0">
+                          <a:solidFill>
+                            <a:schemeClr val="tx1"/>
+                          </a:solidFill>
+                          <a:latin typeface="Calibri"/>
+                          <a:ea typeface="Calibri"/>
+                          <a:cs typeface="Calibri"/>
+                        </a:rPr>
+                        <a:t>GAS (ARM)</a:t>
+                      </a:r>
+                      <a:endParaRPr lang="pt-PT" sz="1600" b="1" i="0" u="none" strike="noStrike" cap="none" spc="0">
+                        <a:solidFill>
+                          <a:schemeClr val="tx1"/>
+                        </a:solidFill>
+                        <a:latin typeface="Calibri"/>
+                        <a:ea typeface="Calibri"/>
+                        <a:cs typeface="Calibri"/>
+                      </a:endParaRPr>
+                    </a:p>
+                  </a:txBody>
+                  <a:tcPr/>
+                </a:tc>
+                <a:tc>
+                  <a:txBody>
+                    <a:bodyPr/>
+                    <a:p>
+                      <a:pPr>
+                        <a:defRPr/>
+                      </a:pPr>
+                      <a:r>
+                        <a:rPr lang="pt-PT"/>
+                        <a:t>ARM</a:t>
+                      </a:r>
+                      <a:endParaRPr lang="pt-PT"/>
+                    </a:p>
+                  </a:txBody>
+                  <a:tcPr/>
+                </a:tc>
+                <a:tc>
+                  <a:txBody>
+                    <a:bodyPr/>
+                    <a:p>
+                      <a:pPr>
+                        <a:defRPr/>
+                      </a:pPr>
+                      <a:r>
+                        <a:rPr lang="pt-PT" sz="1800" b="0" i="0" u="none" strike="noStrike" cap="none" spc="0">
+                          <a:solidFill>
+                            <a:schemeClr val="tx1"/>
+                          </a:solidFill>
+                          <a:latin typeface="Calibri"/>
+                          <a:ea typeface="Calibri"/>
+                          <a:cs typeface="Calibri"/>
+                        </a:rPr>
+                        <a:t>ARM32/ARM64</a:t>
+                      </a:r>
+                      <a:endParaRPr lang="pt-PT" sz="1800" b="0" i="0" u="none" strike="noStrike" cap="none" spc="0">
+                        <a:solidFill>
+                          <a:schemeClr val="tx1"/>
+                        </a:solidFill>
+                        <a:latin typeface="Calibri"/>
+                        <a:ea typeface="Calibri"/>
+                        <a:cs typeface="Calibri"/>
+                      </a:endParaRPr>
+                    </a:p>
+                  </a:txBody>
+                  <a:tcPr/>
+                </a:tc>
+                <a:tc>
+                  <a:txBody>
+                    <a:bodyPr/>
+                    <a:p>
+                      <a:pPr>
+                        <a:defRPr/>
+                      </a:pPr>
+                      <a:r>
+                        <a:rPr lang="pt-PT" sz="1800" b="0" i="0" u="none" strike="noStrike" cap="none" spc="0">
+                          <a:solidFill>
+                            <a:schemeClr val="dk1"/>
+                          </a:solidFill>
+                          <a:latin typeface="Calibri"/>
+                          <a:ea typeface="Calibri"/>
+                          <a:cs typeface="Calibri"/>
+                        </a:rPr>
+                        <a:t>Linux/Android</a:t>
+                      </a:r>
+                      <a:endParaRPr lang="pt-PT" sz="1800" b="0" i="0" u="none" strike="noStrike" cap="none" spc="0">
+                        <a:solidFill>
+                          <a:schemeClr val="dk1"/>
+                        </a:solidFill>
+                        <a:latin typeface="Calibri"/>
+                        <a:ea typeface="Calibri"/>
+                        <a:cs typeface="Calibri"/>
+                      </a:endParaRPr>
+                    </a:p>
+                  </a:txBody>
+                  <a:tcPr/>
+                </a:tc>
+                <a:tc>
+                  <a:txBody>
+                    <a:bodyPr/>
+                    <a:p>
+                      <a:pPr>
+                        <a:defRPr/>
+                      </a:pPr>
+                      <a:r>
+                        <a:rPr lang="pt-PT" sz="1800" b="0" i="0" u="none" strike="noStrike" cap="none" spc="0">
+                          <a:solidFill>
+                            <a:schemeClr val="tx1"/>
+                          </a:solidFill>
+                          <a:latin typeface="Calibri"/>
+                          <a:ea typeface="Calibri"/>
+                          <a:cs typeface="Calibri"/>
+                        </a:rPr>
+                        <a:t>Sistemas Linux de ARM</a:t>
+                      </a:r>
+                      <a:endParaRPr lang="pt-PT" sz="1800" b="0" i="0" u="none" strike="noStrike" cap="none" spc="0">
+                        <a:solidFill>
+                          <a:schemeClr val="tx1"/>
+                        </a:solidFill>
+                        <a:latin typeface="Calibri"/>
+                        <a:ea typeface="Calibri"/>
+                        <a:cs typeface="Calibri"/>
+                      </a:endParaRPr>
+                    </a:p>
+                    <a:p>
+                      <a:pPr>
+                        <a:defRPr/>
+                      </a:pPr>
+                      <a:r>
+                        <a:rPr lang="pt-PT" sz="1800" b="0" i="0" u="none" strike="noStrike" cap="none" spc="0">
+                          <a:solidFill>
+                            <a:schemeClr val="tx1"/>
+                          </a:solidFill>
+                          <a:latin typeface="Calibri"/>
+                          <a:ea typeface="Calibri"/>
+                          <a:cs typeface="Calibri"/>
+                        </a:rPr>
+                        <a:t> e Android</a:t>
+                      </a:r>
+                      <a:endParaRPr lang="pt-PT" sz="1800" b="0" i="0" u="none" strike="noStrike" cap="none" spc="0">
+                        <a:solidFill>
+                          <a:schemeClr val="tx1"/>
+                        </a:solidFill>
+                        <a:latin typeface="Calibri"/>
+                        <a:ea typeface="Arial"/>
+                        <a:cs typeface="Arial"/>
+                      </a:endParaRPr>
+                    </a:p>
+                  </a:txBody>
+                  <a:tcPr/>
+                </a:tc>
+              </a:tr>
+              <a:tr h="365760">
+                <a:tc>
+                  <a:txBody>
+                    <a:bodyPr/>
+                    <a:p>
+                      <a:pPr>
+                        <a:defRPr/>
+                      </a:pPr>
+                      <a:r>
+                        <a:rPr lang="pt-PT" sz="1600" b="1" i="0" u="none" strike="noStrike" cap="none" spc="0">
+                          <a:solidFill>
+                            <a:schemeClr val="tx1"/>
+                          </a:solidFill>
+                          <a:latin typeface="Calibri"/>
+                          <a:ea typeface="Calibri"/>
+                          <a:cs typeface="Calibri"/>
+                        </a:rPr>
+                        <a:t>ARMASM</a:t>
+                      </a:r>
+                      <a:endParaRPr lang="pt-PT" sz="1600" b="1" i="0" u="none" strike="noStrike" cap="none" spc="0">
+                        <a:solidFill>
+                          <a:schemeClr val="tx1"/>
+                        </a:solidFill>
+                        <a:latin typeface="Calibri"/>
+                        <a:ea typeface="Arial"/>
+                        <a:cs typeface="Arial"/>
+                      </a:endParaRPr>
+                    </a:p>
+                  </a:txBody>
+                  <a:tcPr/>
+                </a:tc>
+                <a:tc>
+                  <a:txBody>
+                    <a:bodyPr/>
+                    <a:p>
+                      <a:pPr>
+                        <a:defRPr/>
+                      </a:pPr>
+                      <a:r>
+                        <a:rPr lang="pt-PT" sz="1800" b="0" i="0" u="none" strike="noStrike" cap="none" spc="0">
+                          <a:solidFill>
+                            <a:schemeClr val="dk1"/>
+                          </a:solidFill>
+                          <a:latin typeface="Calibri"/>
+                          <a:ea typeface="Calibri"/>
+                          <a:cs typeface="Calibri"/>
+                        </a:rPr>
+                        <a:t>ARM</a:t>
+                      </a:r>
+                      <a:endParaRPr lang="pt-PT"/>
+                    </a:p>
+                  </a:txBody>
+                  <a:tcPr/>
+                </a:tc>
+                <a:tc>
+                  <a:txBody>
+                    <a:bodyPr/>
+                    <a:p>
+                      <a:pPr>
+                        <a:defRPr/>
+                      </a:pPr>
+                      <a:r>
+                        <a:rPr lang="pt-PT" sz="1800" b="0" i="0" u="none" strike="noStrike" cap="none" spc="0">
+                          <a:solidFill>
+                            <a:schemeClr val="tx1"/>
+                          </a:solidFill>
+                          <a:latin typeface="Calibri"/>
+                          <a:ea typeface="Calibri"/>
+                          <a:cs typeface="Calibri"/>
+                        </a:rPr>
+                        <a:t>ARM32/ARM64</a:t>
+                      </a:r>
+                      <a:endParaRPr lang="pt-PT" sz="1800" b="0" i="0" u="none" strike="noStrike" cap="none" spc="0">
+                        <a:solidFill>
+                          <a:schemeClr val="tx1"/>
+                        </a:solidFill>
+                        <a:latin typeface="Calibri"/>
+                        <a:ea typeface="Calibri"/>
+                        <a:cs typeface="Calibri"/>
+                      </a:endParaRPr>
+                    </a:p>
+                  </a:txBody>
+                  <a:tcPr/>
+                </a:tc>
+                <a:tc>
+                  <a:txBody>
+                    <a:bodyPr/>
+                    <a:p>
+                      <a:pPr>
+                        <a:defRPr/>
+                      </a:pPr>
+                      <a:r>
+                        <a:rPr lang="pt-PT" sz="1800" b="0" i="0" u="none" strike="noStrike" cap="none" spc="0">
+                          <a:solidFill>
+                            <a:schemeClr val="dk1"/>
+                          </a:solidFill>
+                          <a:latin typeface="Calibri"/>
+                          <a:ea typeface="Calibri"/>
+                          <a:cs typeface="Calibri"/>
+                        </a:rPr>
+                        <a:t>Windows, Linux</a:t>
+                      </a:r>
+                      <a:endParaRPr lang="pt-PT"/>
+                    </a:p>
+                  </a:txBody>
+                  <a:tcPr/>
+                </a:tc>
+                <a:tc>
+                  <a:txBody>
+                    <a:bodyPr/>
+                    <a:p>
+                      <a:pPr>
+                        <a:defRPr/>
+                      </a:pPr>
+                      <a:r>
+                        <a:rPr lang="pt-PT" sz="1800" b="0" i="0" u="none" strike="noStrike" cap="none" spc="0">
+                          <a:solidFill>
+                            <a:schemeClr val="tx1"/>
+                          </a:solidFill>
+                          <a:latin typeface="Calibri"/>
+                          <a:ea typeface="Arial"/>
+                          <a:cs typeface="Arial"/>
+                        </a:rPr>
+                        <a:t>Embedded Systems</a:t>
+                      </a:r>
+                      <a:endParaRPr lang="pt-PT" sz="1800" b="0" i="0" u="none" strike="noStrike" cap="none" spc="0">
+                        <a:solidFill>
+                          <a:schemeClr val="tx1"/>
+                        </a:solidFill>
+                        <a:latin typeface="Calibri"/>
+                        <a:ea typeface="Arial"/>
+                        <a:cs typeface="Arial"/>
+                      </a:endParaRPr>
+                    </a:p>
+                  </a:txBody>
+                  <a:tcPr/>
+                </a:tc>
+              </a:tr>
+              <a:tr h="365760">
+                <a:tc>
+                  <a:txBody>
+                    <a:bodyPr/>
+                    <a:p>
+                      <a:pPr>
+                        <a:defRPr/>
+                      </a:pPr>
+                      <a:r>
+                        <a:rPr lang="pt-PT" sz="1600" b="1" i="0" u="none" strike="noStrike" cap="none" spc="0">
+                          <a:solidFill>
+                            <a:schemeClr val="tx1"/>
+                          </a:solidFill>
+                          <a:latin typeface="Calibri"/>
+                          <a:ea typeface="Calibri"/>
+                          <a:cs typeface="Calibri"/>
+                        </a:rPr>
+                        <a:t>LLVM / Clang ASM</a:t>
+                      </a:r>
+                      <a:endParaRPr lang="pt-PT" sz="1600" b="1" i="0" u="none" strike="noStrike" cap="none" spc="0">
+                        <a:solidFill>
+                          <a:schemeClr val="tx1"/>
+                        </a:solidFill>
+                        <a:latin typeface="Calibri"/>
+                        <a:ea typeface="Arial"/>
+                        <a:cs typeface="Arial"/>
+                      </a:endParaRPr>
+                    </a:p>
+                  </a:txBody>
+                  <a:tcPr/>
+                </a:tc>
+                <a:tc>
+                  <a:txBody>
+                    <a:bodyPr/>
+                    <a:p>
+                      <a:pPr>
+                        <a:defRPr/>
+                      </a:pPr>
+                      <a:r>
+                        <a:rPr lang="pt-PT"/>
+                        <a:t>ARM</a:t>
+                      </a:r>
+                      <a:endParaRPr lang="pt-PT"/>
+                    </a:p>
+                  </a:txBody>
+                  <a:tcPr/>
+                </a:tc>
+                <a:tc>
+                  <a:txBody>
+                    <a:bodyPr/>
+                    <a:p>
+                      <a:pPr>
+                        <a:defRPr/>
+                      </a:pPr>
+                      <a:r>
+                        <a:rPr lang="pt-PT" sz="1800" b="0" i="0" u="none" strike="noStrike" cap="none" spc="0">
+                          <a:solidFill>
+                            <a:schemeClr val="tx1"/>
+                          </a:solidFill>
+                          <a:latin typeface="Calibri"/>
+                          <a:ea typeface="Calibri"/>
+                          <a:cs typeface="Calibri"/>
+                        </a:rPr>
+                        <a:t>ARM64</a:t>
+                      </a:r>
+                      <a:endParaRPr lang="pt-PT" sz="1800" b="0" i="0" u="none" strike="noStrike" cap="none" spc="0">
+                        <a:solidFill>
+                          <a:schemeClr val="tx1"/>
+                        </a:solidFill>
+                        <a:latin typeface="Calibri"/>
+                        <a:ea typeface="Arial"/>
+                        <a:cs typeface="Arial"/>
+                      </a:endParaRPr>
+                    </a:p>
+                  </a:txBody>
+                  <a:tcPr/>
+                </a:tc>
+                <a:tc>
+                  <a:txBody>
+                    <a:bodyPr/>
+                    <a:p>
+                      <a:pPr>
+                        <a:defRPr/>
+                      </a:pPr>
+                      <a:r>
+                        <a:rPr lang="pt-PT" sz="1800" b="0" i="0" u="none" strike="noStrike" cap="none" spc="0">
+                          <a:solidFill>
+                            <a:schemeClr val="dk1"/>
+                          </a:solidFill>
+                          <a:latin typeface="Calibri"/>
+                          <a:ea typeface="Calibri"/>
+                          <a:cs typeface="Calibri"/>
+                        </a:rPr>
+                        <a:t>Linux, </a:t>
+                      </a:r>
+                      <a:r>
+                        <a:rPr lang="pt-PT" sz="1800" b="0" i="0" u="none" strike="noStrike" cap="none" spc="0">
+                          <a:solidFill>
+                            <a:schemeClr val="dk1"/>
+                          </a:solidFill>
+                          <a:latin typeface="Calibri"/>
+                          <a:ea typeface="Calibri"/>
+                          <a:cs typeface="Calibri"/>
+                        </a:rPr>
+                        <a:t>Android</a:t>
+                      </a:r>
+                      <a:r>
+                        <a:rPr lang="pt-PT" sz="1800" b="0" i="0" u="none" strike="noStrike" cap="none" spc="0">
+                          <a:solidFill>
+                            <a:schemeClr val="dk1"/>
+                          </a:solidFill>
+                          <a:latin typeface="Calibri"/>
+                          <a:ea typeface="Calibri"/>
+                          <a:cs typeface="Calibri"/>
+                        </a:rPr>
+                        <a:t>, </a:t>
+                      </a:r>
+                      <a:r>
+                        <a:rPr lang="pt-PT" sz="1800" b="0" i="0" u="none" strike="noStrike" cap="none" spc="0">
+                          <a:solidFill>
+                            <a:schemeClr val="dk1"/>
+                          </a:solidFill>
+                          <a:latin typeface="Calibri"/>
+                          <a:ea typeface="Calibri"/>
+                          <a:cs typeface="Calibri"/>
+                        </a:rPr>
+                        <a:t>i</a:t>
+                      </a:r>
+                      <a:r>
+                        <a:rPr lang="pt-PT" sz="1800" b="0" i="0" u="none" strike="noStrike" cap="none" spc="0">
+                          <a:solidFill>
+                            <a:schemeClr val="dk1"/>
+                          </a:solidFill>
+                          <a:latin typeface="Calibri"/>
+                          <a:ea typeface="Calibri"/>
+                          <a:cs typeface="Calibri"/>
+                        </a:rPr>
+                        <a:t>OS</a:t>
+                      </a:r>
+                      <a:endParaRPr lang="pt-PT"/>
+                    </a:p>
+                  </a:txBody>
+                  <a:tcPr/>
+                </a:tc>
+                <a:tc>
+                  <a:txBody>
+                    <a:bodyPr/>
+                    <a:p>
+                      <a:pPr>
+                        <a:defRPr/>
+                      </a:pPr>
+                      <a:r>
+                        <a:rPr lang="pt-PT" sz="1800" b="0" i="0" u="none" strike="noStrike" cap="none" spc="0">
+                          <a:solidFill>
+                            <a:schemeClr val="tx1"/>
+                          </a:solidFill>
+                          <a:latin typeface="Calibri"/>
+                          <a:ea typeface="Arial"/>
+                          <a:cs typeface="Arial"/>
+                        </a:rPr>
+                        <a:t>Modern Mobile and </a:t>
+                      </a:r>
+                      <a:r>
+                        <a:rPr lang="pt-BR" sz="1800" b="0" i="0" u="none" strike="noStrike" cap="none" spc="0">
+                          <a:solidFill>
+                            <a:schemeClr val="tx1"/>
+                          </a:solidFill>
+                          <a:latin typeface="Calibri"/>
+                          <a:ea typeface="Arial"/>
+                          <a:cs typeface="Arial"/>
+                        </a:rPr>
+                        <a:t>Iphones</a:t>
+                      </a:r>
+                      <a:endParaRPr lang="pt-PT" sz="1800" b="0" i="0" u="none" strike="noStrike" cap="none" spc="0">
+                        <a:solidFill>
+                          <a:schemeClr val="tx1"/>
+                        </a:solidFill>
+                        <a:latin typeface="Calibri"/>
+                        <a:ea typeface="Arial"/>
+                        <a:cs typeface="Arial"/>
+                      </a:endParaRPr>
+                    </a:p>
+                  </a:txBody>
+                  <a:tcPr/>
+                </a:tc>
+              </a:tr>
+            </a:tbl>
+          </a:graphicData>
+        </a:graphic>
+      </p:graphicFrame>
     </p:spTree>
   </p:cSld>
   <p:clrMapOvr>

--- a/acomp/trabalhos_praticos/Apresentação ADC - Assembly.pptx
+++ b/acomp/trabalhos_praticos/Apresentação ADC - Assembly.pptx
@@ -142,7 +142,7 @@
       </p:grpSpPr>
       <p:sp>
         <p:nvSpPr>
-          <p:cNvPr id="1098965572" name="Header Placeholder 1"/>
+          <p:cNvPr id="757835779" name="Header Placeholder 1"/>
           <p:cNvSpPr>
             <a:spLocks noGrp="1"/>
           </p:cNvSpPr>
@@ -176,7 +176,7 @@
       </p:sp>
       <p:sp>
         <p:nvSpPr>
-          <p:cNvPr id="1739924686" name="Date Placeholder 2"/>
+          <p:cNvPr id="1879847410" name="Date Placeholder 2"/>
           <p:cNvSpPr>
             <a:spLocks noGrp="1"/>
           </p:cNvSpPr>
@@ -210,7 +210,7 @@
       </p:sp>
       <p:sp>
         <p:nvSpPr>
-          <p:cNvPr id="83117384" name="Date Placeholder 2"/>
+          <p:cNvPr id="1829835080" name="Date Placeholder 2"/>
           <p:cNvSpPr>
             <a:spLocks noGrp="1"/>
           </p:cNvSpPr>
@@ -244,7 +244,7 @@
       </p:sp>
       <p:sp>
         <p:nvSpPr>
-          <p:cNvPr id="1672331505" name="Notes Placeholder 4"/>
+          <p:cNvPr id="1279272790" name="Notes Placeholder 4"/>
           <p:cNvSpPr>
             <a:spLocks noGrp="1"/>
           </p:cNvSpPr>
@@ -274,7 +274,7 @@
       </p:sp>
       <p:sp>
         <p:nvSpPr>
-          <p:cNvPr id="232907475" name="Footer Placeholder 5"/>
+          <p:cNvPr id="1729580635" name="Footer Placeholder 5"/>
           <p:cNvSpPr>
             <a:spLocks noGrp="1"/>
           </p:cNvSpPr>
@@ -308,7 +308,7 @@
       </p:sp>
       <p:sp>
         <p:nvSpPr>
-          <p:cNvPr id="1487631925" name="Slide Number Placeholder 6"/>
+          <p:cNvPr id="744926239" name="Slide Number Placeholder 6"/>
           <p:cNvSpPr>
             <a:spLocks noGrp="1"/>
           </p:cNvSpPr>
@@ -457,7 +457,7 @@
       </p:grpSpPr>
       <p:sp>
         <p:nvSpPr>
-          <p:cNvPr id="2081748647" name="Slide Image Placeholder 1"/>
+          <p:cNvPr id="1261126649" name="Slide Image Placeholder 1"/>
           <p:cNvSpPr>
             <a:spLocks noChangeAspect="1" noGrp="1" noRot="1"/>
           </p:cNvSpPr>
@@ -469,7 +469,7 @@
       </p:sp>
       <p:sp>
         <p:nvSpPr>
-          <p:cNvPr id="1457580809" name="Notes Placeholder 2"/>
+          <p:cNvPr id="911397817" name="Notes Placeholder 2"/>
           <p:cNvSpPr>
             <a:spLocks noGrp="1"/>
           </p:cNvSpPr>
@@ -491,7 +491,7 @@
       </p:sp>
       <p:sp>
         <p:nvSpPr>
-          <p:cNvPr id="1426163873" name="Slide Number Placeholder 3"/>
+          <p:cNvPr id="1332215040" name="Slide Number Placeholder 3"/>
           <p:cNvSpPr>
             <a:spLocks noGrp="1"/>
           </p:cNvSpPr>
@@ -542,7 +542,7 @@
       </p:grpSpPr>
       <p:sp>
         <p:nvSpPr>
-          <p:cNvPr id="444863936" name="Slide Image Placeholder 1"/>
+          <p:cNvPr id="1697102426" name="Slide Image Placeholder 1"/>
           <p:cNvSpPr>
             <a:spLocks noChangeAspect="1" noGrp="1" noRot="1"/>
           </p:cNvSpPr>
@@ -554,7 +554,7 @@
       </p:sp>
       <p:sp>
         <p:nvSpPr>
-          <p:cNvPr id="1638691153" name="Notes Placeholder 2"/>
+          <p:cNvPr id="1300247954" name="Notes Placeholder 2"/>
           <p:cNvSpPr>
             <a:spLocks noGrp="1"/>
           </p:cNvSpPr>
@@ -570,13 +570,13 @@
             <a:pPr>
               <a:defRPr/>
             </a:pPr>
-            <a:endParaRPr/>
-          </a:p>
-        </p:txBody>
-      </p:sp>
-      <p:sp>
-        <p:nvSpPr>
-          <p:cNvPr id="1220879796" name="Slide Number Placeholder 3"/>
+            <a:endParaRPr lang="en-US"/>
+          </a:p>
+        </p:txBody>
+      </p:sp>
+      <p:sp>
+        <p:nvSpPr>
+          <p:cNvPr id="1645735174" name="Slide Number Placeholder 3"/>
           <p:cNvSpPr>
             <a:spLocks noGrp="1"/>
           </p:cNvSpPr>
@@ -592,11 +592,11 @@
             <a:pPr>
               <a:defRPr/>
             </a:pPr>
-            <a:fld id="{25CBB7A7-0F3A-179A-3D97-4A197B7E1A40}" type="slidenum">
-              <a:rPr/>
+            <a:fld id="{4C74C38D-23AE-5FB6-4CC0-8C438AD8EC76}" type="slidenum">
+              <a:rPr lang="en-US"/>
               <a:t/>
             </a:fld>
-            <a:endParaRPr/>
+            <a:endParaRPr lang="en-US"/>
           </a:p>
         </p:txBody>
       </p:sp>
@@ -627,7 +627,7 @@
       </p:grpSpPr>
       <p:sp>
         <p:nvSpPr>
-          <p:cNvPr id="716607693" name="Slide Image Placeholder 1"/>
+          <p:cNvPr id="465575690" name="Slide Image Placeholder 1"/>
           <p:cNvSpPr>
             <a:spLocks noChangeAspect="1" noGrp="1" noRot="1"/>
           </p:cNvSpPr>
@@ -639,7 +639,7 @@
       </p:sp>
       <p:sp>
         <p:nvSpPr>
-          <p:cNvPr id="568246278" name="Notes Placeholder 2"/>
+          <p:cNvPr id="3541871" name="Notes Placeholder 2"/>
           <p:cNvSpPr>
             <a:spLocks noGrp="1"/>
           </p:cNvSpPr>
@@ -655,13 +655,13 @@
             <a:pPr>
               <a:defRPr/>
             </a:pPr>
-            <a:endParaRPr/>
-          </a:p>
-        </p:txBody>
-      </p:sp>
-      <p:sp>
-        <p:nvSpPr>
-          <p:cNvPr id="2136585008" name="Slide Number Placeholder 3"/>
+            <a:endParaRPr lang="en-US"/>
+          </a:p>
+        </p:txBody>
+      </p:sp>
+      <p:sp>
+        <p:nvSpPr>
+          <p:cNvPr id="1887455776" name="Slide Number Placeholder 3"/>
           <p:cNvSpPr>
             <a:spLocks noGrp="1"/>
           </p:cNvSpPr>
@@ -677,11 +677,11 @@
             <a:pPr>
               <a:defRPr/>
             </a:pPr>
-            <a:fld id="{BB11CE4F-37B9-73FF-1710-DD8DA8B439AB}" type="slidenum">
-              <a:rPr/>
+            <a:fld id="{36AF7C5A-ECEE-135F-FA31-0FA9E5843073}" type="slidenum">
+              <a:rPr lang="en-US"/>
               <a:t/>
             </a:fld>
-            <a:endParaRPr/>
+            <a:endParaRPr lang="en-US"/>
           </a:p>
         </p:txBody>
       </p:sp>
@@ -712,7 +712,7 @@
       </p:grpSpPr>
       <p:sp>
         <p:nvSpPr>
-          <p:cNvPr id="875446458" name="Slide Image Placeholder 1"/>
+          <p:cNvPr id="470853097" name="Slide Image Placeholder 1"/>
           <p:cNvSpPr>
             <a:spLocks noChangeAspect="1" noGrp="1" noRot="1"/>
           </p:cNvSpPr>
@@ -724,7 +724,7 @@
       </p:sp>
       <p:sp>
         <p:nvSpPr>
-          <p:cNvPr id="378574231" name="Notes Placeholder 2"/>
+          <p:cNvPr id="1605235158" name="Notes Placeholder 2"/>
           <p:cNvSpPr>
             <a:spLocks noGrp="1"/>
           </p:cNvSpPr>
@@ -740,13 +740,13 @@
             <a:pPr>
               <a:defRPr/>
             </a:pPr>
-            <a:endParaRPr/>
-          </a:p>
-        </p:txBody>
-      </p:sp>
-      <p:sp>
-        <p:nvSpPr>
-          <p:cNvPr id="426442718" name="Slide Number Placeholder 3"/>
+            <a:endParaRPr lang="en-US"/>
+          </a:p>
+        </p:txBody>
+      </p:sp>
+      <p:sp>
+        <p:nvSpPr>
+          <p:cNvPr id="1989262240" name="Slide Number Placeholder 3"/>
           <p:cNvSpPr>
             <a:spLocks noGrp="1"/>
           </p:cNvSpPr>
@@ -762,11 +762,11 @@
             <a:pPr>
               <a:defRPr/>
             </a:pPr>
-            <a:fld id="{268F25FA-5B84-F0AA-8E54-60E5D95B9943}" type="slidenum">
-              <a:rPr/>
+            <a:fld id="{50D24846-F818-9597-8034-326014A1FEA3}" type="slidenum">
+              <a:rPr lang="en-US"/>
               <a:t/>
             </a:fld>
-            <a:endParaRPr/>
+            <a:endParaRPr lang="en-US"/>
           </a:p>
         </p:txBody>
       </p:sp>
@@ -797,7 +797,7 @@
       </p:grpSpPr>
       <p:sp>
         <p:nvSpPr>
-          <p:cNvPr id="1271320798" name="Slide Image Placeholder 1"/>
+          <p:cNvPr id="1773731551" name="Slide Image Placeholder 1"/>
           <p:cNvSpPr>
             <a:spLocks noChangeAspect="1" noGrp="1" noRot="1"/>
           </p:cNvSpPr>
@@ -809,7 +809,7 @@
       </p:sp>
       <p:sp>
         <p:nvSpPr>
-          <p:cNvPr id="200476205" name="Notes Placeholder 2"/>
+          <p:cNvPr id="727854858" name="Notes Placeholder 2"/>
           <p:cNvSpPr>
             <a:spLocks noGrp="1"/>
           </p:cNvSpPr>
@@ -831,7 +831,7 @@
       </p:sp>
       <p:sp>
         <p:nvSpPr>
-          <p:cNvPr id="638779406" name="Slide Number Placeholder 3"/>
+          <p:cNvPr id="264003662" name="Slide Number Placeholder 3"/>
           <p:cNvSpPr>
             <a:spLocks noGrp="1"/>
           </p:cNvSpPr>
@@ -847,7 +847,7 @@
             <a:pPr>
               <a:defRPr/>
             </a:pPr>
-            <a:fld id="{63EA3761-BA06-A003-6D4B-A415B804ACEB}" type="slidenum">
+            <a:fld id="{434B30C5-49BE-58AF-1FC9-4D92DBDEC52A}" type="slidenum">
               <a:rPr/>
               <a:t/>
             </a:fld>
@@ -882,7 +882,7 @@
       </p:grpSpPr>
       <p:sp>
         <p:nvSpPr>
-          <p:cNvPr id="1288278375" name="Slide Image Placeholder 1"/>
+          <p:cNvPr id="1069375090" name="Slide Image Placeholder 1"/>
           <p:cNvSpPr>
             <a:spLocks noChangeAspect="1" noGrp="1" noRot="1"/>
           </p:cNvSpPr>
@@ -894,7 +894,7 @@
       </p:sp>
       <p:sp>
         <p:nvSpPr>
-          <p:cNvPr id="1638224696" name="Notes Placeholder 2"/>
+          <p:cNvPr id="1819875918" name="Notes Placeholder 2"/>
           <p:cNvSpPr>
             <a:spLocks noGrp="1"/>
           </p:cNvSpPr>
@@ -916,7 +916,7 @@
       </p:sp>
       <p:sp>
         <p:nvSpPr>
-          <p:cNvPr id="1942796202" name="Slide Number Placeholder 3"/>
+          <p:cNvPr id="726262207" name="Slide Number Placeholder 3"/>
           <p:cNvSpPr>
             <a:spLocks noGrp="1"/>
           </p:cNvSpPr>
@@ -932,7 +932,7 @@
             <a:pPr>
               <a:defRPr/>
             </a:pPr>
-            <a:fld id="{4C74C38D-23AE-5FB6-4CC0-8C438AD8EC76}" type="slidenum">
+            <a:fld id="{8642BCA9-400F-F537-A580-6F1B0BD09E05}" type="slidenum">
               <a:rPr lang="en-US"/>
               <a:t/>
             </a:fld>
@@ -967,7 +967,7 @@
       </p:grpSpPr>
       <p:sp>
         <p:nvSpPr>
-          <p:cNvPr id="1895005799" name="Slide Image Placeholder 1"/>
+          <p:cNvPr id="2020098694" name="Slide Image Placeholder 1"/>
           <p:cNvSpPr>
             <a:spLocks noChangeAspect="1" noGrp="1" noRot="1"/>
           </p:cNvSpPr>
@@ -979,7 +979,7 @@
       </p:sp>
       <p:sp>
         <p:nvSpPr>
-          <p:cNvPr id="478745566" name="Notes Placeholder 2"/>
+          <p:cNvPr id="119246597" name="Notes Placeholder 2"/>
           <p:cNvSpPr>
             <a:spLocks noGrp="1"/>
           </p:cNvSpPr>
@@ -1001,7 +1001,7 @@
       </p:sp>
       <p:sp>
         <p:nvSpPr>
-          <p:cNvPr id="1975776224" name="Slide Number Placeholder 3"/>
+          <p:cNvPr id="240921283" name="Slide Number Placeholder 3"/>
           <p:cNvSpPr>
             <a:spLocks noGrp="1"/>
           </p:cNvSpPr>
@@ -1017,7 +1017,7 @@
             <a:pPr>
               <a:defRPr/>
             </a:pPr>
-            <a:fld id="{50D24846-F818-9597-8034-326014A1FEA3}" type="slidenum">
+            <a:fld id="{2C3062D8-435B-5319-F304-58FAACF7086C}" type="slidenum">
               <a:rPr lang="en-US"/>
               <a:t/>
             </a:fld>
@@ -1052,7 +1052,7 @@
       </p:grpSpPr>
       <p:sp>
         <p:nvSpPr>
-          <p:cNvPr id="1125476551" name="Slide Image Placeholder 1"/>
+          <p:cNvPr id="810352274" name="Slide Image Placeholder 1"/>
           <p:cNvSpPr>
             <a:spLocks noChangeAspect="1" noGrp="1" noRot="1"/>
           </p:cNvSpPr>
@@ -1064,7 +1064,7 @@
       </p:sp>
       <p:sp>
         <p:nvSpPr>
-          <p:cNvPr id="1618729819" name="Notes Placeholder 2"/>
+          <p:cNvPr id="1823866188" name="Notes Placeholder 2"/>
           <p:cNvSpPr>
             <a:spLocks noGrp="1"/>
           </p:cNvSpPr>
@@ -1086,7 +1086,7 @@
       </p:sp>
       <p:sp>
         <p:nvSpPr>
-          <p:cNvPr id="466685741" name="Slide Number Placeholder 3"/>
+          <p:cNvPr id="4648884" name="Slide Number Placeholder 3"/>
           <p:cNvSpPr>
             <a:spLocks noGrp="1"/>
           </p:cNvSpPr>
@@ -1102,7 +1102,7 @@
             <a:pPr>
               <a:defRPr/>
             </a:pPr>
-            <a:fld id="{36AF7C5A-ECEE-135F-FA31-0FA9E5843073}" type="slidenum">
+            <a:fld id="{ED20273F-29A6-DB43-A00B-5763926ED2F0}" type="slidenum">
               <a:rPr lang="en-US"/>
               <a:t/>
             </a:fld>
@@ -1137,7 +1137,7 @@
       </p:grpSpPr>
       <p:sp>
         <p:nvSpPr>
-          <p:cNvPr id="1961639800" name="Slide Image Placeholder 1"/>
+          <p:cNvPr id="1064134338" name="Slide Image Placeholder 1"/>
           <p:cNvSpPr>
             <a:spLocks noChangeAspect="1" noGrp="1" noRot="1"/>
           </p:cNvSpPr>
@@ -1149,7 +1149,7 @@
       </p:sp>
       <p:sp>
         <p:nvSpPr>
-          <p:cNvPr id="609150438" name="Notes Placeholder 2"/>
+          <p:cNvPr id="863881024" name="Notes Placeholder 2"/>
           <p:cNvSpPr>
             <a:spLocks noGrp="1"/>
           </p:cNvSpPr>
@@ -1165,13 +1165,13 @@
             <a:pPr>
               <a:defRPr/>
             </a:pPr>
-            <a:endParaRPr/>
-          </a:p>
-        </p:txBody>
-      </p:sp>
-      <p:sp>
-        <p:nvSpPr>
-          <p:cNvPr id="1827359660" name="Slide Number Placeholder 3"/>
+            <a:endParaRPr lang="en-US"/>
+          </a:p>
+        </p:txBody>
+      </p:sp>
+      <p:sp>
+        <p:nvSpPr>
+          <p:cNvPr id="447849620" name="Slide Number Placeholder 3"/>
           <p:cNvSpPr>
             <a:spLocks noGrp="1"/>
           </p:cNvSpPr>
@@ -1187,11 +1187,11 @@
             <a:pPr>
               <a:defRPr/>
             </a:pPr>
-            <a:fld id="{434B30C5-49BE-58AF-1FC9-4D92DBDEC52A}" type="slidenum">
-              <a:rPr/>
+            <a:fld id="{B17D42F0-7262-6253-AE4F-768D50252D25}" type="slidenum">
+              <a:rPr lang="en-US"/>
               <a:t/>
             </a:fld>
-            <a:endParaRPr/>
+            <a:endParaRPr lang="en-US"/>
           </a:p>
         </p:txBody>
       </p:sp>
@@ -1222,7 +1222,7 @@
       </p:grpSpPr>
       <p:sp>
         <p:nvSpPr>
-          <p:cNvPr id="2008591949" name="Title 1"/>
+          <p:cNvPr id="1144648356" name="Title 1"/>
           <p:cNvSpPr>
             <a:spLocks noGrp="1"/>
           </p:cNvSpPr>
@@ -1257,7 +1257,7 @@
       </p:sp>
       <p:sp>
         <p:nvSpPr>
-          <p:cNvPr id="1959278766" name="Subtitle 2"/>
+          <p:cNvPr id="161346800" name="Subtitle 2"/>
           <p:cNvSpPr>
             <a:spLocks noGrp="1"/>
           </p:cNvSpPr>
@@ -1325,7 +1325,7 @@
       </p:sp>
       <p:sp>
         <p:nvSpPr>
-          <p:cNvPr id="1186849406" name="Date Placeholder 3"/>
+          <p:cNvPr id="2091919808" name="Date Placeholder 3"/>
           <p:cNvSpPr>
             <a:spLocks noGrp="1"/>
           </p:cNvSpPr>
@@ -1351,7 +1351,7 @@
       </p:sp>
       <p:sp>
         <p:nvSpPr>
-          <p:cNvPr id="1042789803" name="Footer Placeholder 4"/>
+          <p:cNvPr id="1656403474" name="Footer Placeholder 4"/>
           <p:cNvSpPr>
             <a:spLocks noGrp="1"/>
           </p:cNvSpPr>
@@ -1373,7 +1373,7 @@
       </p:sp>
       <p:sp>
         <p:nvSpPr>
-          <p:cNvPr id="678878750" name="Slide Number Placeholder 5"/>
+          <p:cNvPr id="826009987" name="Slide Number Placeholder 5"/>
           <p:cNvSpPr>
             <a:spLocks noGrp="1"/>
           </p:cNvSpPr>
@@ -1424,7 +1424,7 @@
       </p:grpSpPr>
       <p:sp>
         <p:nvSpPr>
-          <p:cNvPr id="128320337" name="Title 1"/>
+          <p:cNvPr id="1656787878" name="Title 1"/>
           <p:cNvSpPr>
             <a:spLocks noGrp="1"/>
           </p:cNvSpPr>
@@ -1450,7 +1450,7 @@
       </p:sp>
       <p:sp>
         <p:nvSpPr>
-          <p:cNvPr id="1861473103" name="Vertical Text Placeholder 2"/>
+          <p:cNvPr id="1413649047" name="Vertical Text Placeholder 2"/>
           <p:cNvSpPr>
             <a:spLocks noGrp="1"/>
           </p:cNvSpPr>
@@ -1516,7 +1516,7 @@
       </p:sp>
       <p:sp>
         <p:nvSpPr>
-          <p:cNvPr id="449693260" name="Date Placeholder 3"/>
+          <p:cNvPr id="536420152" name="Date Placeholder 3"/>
           <p:cNvSpPr>
             <a:spLocks noGrp="1"/>
           </p:cNvSpPr>
@@ -1542,7 +1542,7 @@
       </p:sp>
       <p:sp>
         <p:nvSpPr>
-          <p:cNvPr id="355423875" name="Footer Placeholder 4"/>
+          <p:cNvPr id="32197080" name="Footer Placeholder 4"/>
           <p:cNvSpPr>
             <a:spLocks noGrp="1"/>
           </p:cNvSpPr>
@@ -1564,7 +1564,7 @@
       </p:sp>
       <p:sp>
         <p:nvSpPr>
-          <p:cNvPr id="670392147" name="Slide Number Placeholder 5"/>
+          <p:cNvPr id="438216798" name="Slide Number Placeholder 5"/>
           <p:cNvSpPr>
             <a:spLocks noGrp="1"/>
           </p:cNvSpPr>
@@ -1615,7 +1615,7 @@
       </p:grpSpPr>
       <p:sp>
         <p:nvSpPr>
-          <p:cNvPr id="1131659175" name="Vertical Title 1"/>
+          <p:cNvPr id="2060365256" name="Vertical Title 1"/>
           <p:cNvSpPr>
             <a:spLocks noGrp="1"/>
           </p:cNvSpPr>
@@ -1646,7 +1646,7 @@
       </p:sp>
       <p:sp>
         <p:nvSpPr>
-          <p:cNvPr id="2137286823" name="Vertical Text Placeholder 2"/>
+          <p:cNvPr id="1080474363" name="Vertical Text Placeholder 2"/>
           <p:cNvSpPr>
             <a:spLocks noGrp="1"/>
           </p:cNvSpPr>
@@ -1717,7 +1717,7 @@
       </p:sp>
       <p:sp>
         <p:nvSpPr>
-          <p:cNvPr id="617964496" name="Date Placeholder 3"/>
+          <p:cNvPr id="1598049219" name="Date Placeholder 3"/>
           <p:cNvSpPr>
             <a:spLocks noGrp="1"/>
           </p:cNvSpPr>
@@ -1743,7 +1743,7 @@
       </p:sp>
       <p:sp>
         <p:nvSpPr>
-          <p:cNvPr id="1092391516" name="Footer Placeholder 4"/>
+          <p:cNvPr id="1559843007" name="Footer Placeholder 4"/>
           <p:cNvSpPr>
             <a:spLocks noGrp="1"/>
           </p:cNvSpPr>
@@ -1765,7 +1765,7 @@
       </p:sp>
       <p:sp>
         <p:nvSpPr>
-          <p:cNvPr id="1822064198" name="Slide Number Placeholder 5"/>
+          <p:cNvPr id="1601083364" name="Slide Number Placeholder 5"/>
           <p:cNvSpPr>
             <a:spLocks noGrp="1"/>
           </p:cNvSpPr>
@@ -1816,7 +1816,7 @@
       </p:grpSpPr>
       <p:sp>
         <p:nvSpPr>
-          <p:cNvPr id="1678355098" name="Title 1"/>
+          <p:cNvPr id="1541209005" name="Title 1"/>
           <p:cNvSpPr>
             <a:spLocks noGrp="1"/>
           </p:cNvSpPr>
@@ -1842,7 +1842,7 @@
       </p:sp>
       <p:sp>
         <p:nvSpPr>
-          <p:cNvPr id="419723929" name="Content Placeholder 2"/>
+          <p:cNvPr id="1294862902" name="Content Placeholder 2"/>
           <p:cNvSpPr>
             <a:spLocks noGrp="1"/>
           </p:cNvSpPr>
@@ -1908,7 +1908,7 @@
       </p:sp>
       <p:sp>
         <p:nvSpPr>
-          <p:cNvPr id="2038190079" name="Date Placeholder 3"/>
+          <p:cNvPr id="1760409250" name="Date Placeholder 3"/>
           <p:cNvSpPr>
             <a:spLocks noGrp="1"/>
           </p:cNvSpPr>
@@ -1934,7 +1934,7 @@
       </p:sp>
       <p:sp>
         <p:nvSpPr>
-          <p:cNvPr id="1194534113" name="Footer Placeholder 4"/>
+          <p:cNvPr id="1226271496" name="Footer Placeholder 4"/>
           <p:cNvSpPr>
             <a:spLocks noGrp="1"/>
           </p:cNvSpPr>
@@ -1956,7 +1956,7 @@
       </p:sp>
       <p:sp>
         <p:nvSpPr>
-          <p:cNvPr id="1672089884" name="Slide Number Placeholder 5"/>
+          <p:cNvPr id="1623706911" name="Slide Number Placeholder 5"/>
           <p:cNvSpPr>
             <a:spLocks noGrp="1"/>
           </p:cNvSpPr>
@@ -2007,7 +2007,7 @@
       </p:grpSpPr>
       <p:sp>
         <p:nvSpPr>
-          <p:cNvPr id="62681210" name="Title 1"/>
+          <p:cNvPr id="950784790" name="Title 1"/>
           <p:cNvSpPr>
             <a:spLocks noGrp="1"/>
           </p:cNvSpPr>
@@ -2042,7 +2042,7 @@
       </p:sp>
       <p:sp>
         <p:nvSpPr>
-          <p:cNvPr id="1068226059" name="Text Placeholder 2"/>
+          <p:cNvPr id="644474407" name="Text Placeholder 2"/>
           <p:cNvSpPr>
             <a:spLocks noGrp="1"/>
           </p:cNvSpPr>
@@ -2164,7 +2164,7 @@
       </p:sp>
       <p:sp>
         <p:nvSpPr>
-          <p:cNvPr id="306147968" name="Date Placeholder 3"/>
+          <p:cNvPr id="1994532232" name="Date Placeholder 3"/>
           <p:cNvSpPr>
             <a:spLocks noGrp="1"/>
           </p:cNvSpPr>
@@ -2190,7 +2190,7 @@
       </p:sp>
       <p:sp>
         <p:nvSpPr>
-          <p:cNvPr id="409312238" name="Footer Placeholder 4"/>
+          <p:cNvPr id="957498826" name="Footer Placeholder 4"/>
           <p:cNvSpPr>
             <a:spLocks noGrp="1"/>
           </p:cNvSpPr>
@@ -2212,7 +2212,7 @@
       </p:sp>
       <p:sp>
         <p:nvSpPr>
-          <p:cNvPr id="1870573073" name="Slide Number Placeholder 5"/>
+          <p:cNvPr id="284972549" name="Slide Number Placeholder 5"/>
           <p:cNvSpPr>
             <a:spLocks noGrp="1"/>
           </p:cNvSpPr>
@@ -2263,7 +2263,7 @@
       </p:grpSpPr>
       <p:sp>
         <p:nvSpPr>
-          <p:cNvPr id="2025154661" name="Title 1"/>
+          <p:cNvPr id="703025621" name="Title 1"/>
           <p:cNvSpPr>
             <a:spLocks noGrp="1"/>
           </p:cNvSpPr>
@@ -2289,7 +2289,7 @@
       </p:sp>
       <p:sp>
         <p:nvSpPr>
-          <p:cNvPr id="166875505" name="Content Placeholder 2"/>
+          <p:cNvPr id="459701220" name="Content Placeholder 2"/>
           <p:cNvSpPr>
             <a:spLocks noGrp="1"/>
           </p:cNvSpPr>
@@ -2360,7 +2360,7 @@
       </p:sp>
       <p:sp>
         <p:nvSpPr>
-          <p:cNvPr id="1641549620" name="Content Placeholder 3"/>
+          <p:cNvPr id="1435774183" name="Content Placeholder 3"/>
           <p:cNvSpPr>
             <a:spLocks noGrp="1"/>
           </p:cNvSpPr>
@@ -2431,7 +2431,7 @@
       </p:sp>
       <p:sp>
         <p:nvSpPr>
-          <p:cNvPr id="1726327995" name="Date Placeholder 4"/>
+          <p:cNvPr id="298402494" name="Date Placeholder 4"/>
           <p:cNvSpPr>
             <a:spLocks noGrp="1"/>
           </p:cNvSpPr>
@@ -2457,7 +2457,7 @@
       </p:sp>
       <p:sp>
         <p:nvSpPr>
-          <p:cNvPr id="533692927" name="Footer Placeholder 5"/>
+          <p:cNvPr id="1285982203" name="Footer Placeholder 5"/>
           <p:cNvSpPr>
             <a:spLocks noGrp="1"/>
           </p:cNvSpPr>
@@ -2479,7 +2479,7 @@
       </p:sp>
       <p:sp>
         <p:nvSpPr>
-          <p:cNvPr id="500277171" name="Slide Number Placeholder 6"/>
+          <p:cNvPr id="647964203" name="Slide Number Placeholder 6"/>
           <p:cNvSpPr>
             <a:spLocks noGrp="1"/>
           </p:cNvSpPr>
@@ -2530,7 +2530,7 @@
       </p:grpSpPr>
       <p:sp>
         <p:nvSpPr>
-          <p:cNvPr id="419324067" name="Title 1"/>
+          <p:cNvPr id="2018735221" name="Title 1"/>
           <p:cNvSpPr>
             <a:spLocks noGrp="1"/>
           </p:cNvSpPr>
@@ -2561,7 +2561,7 @@
       </p:sp>
       <p:sp>
         <p:nvSpPr>
-          <p:cNvPr id="2025002400" name="Text Placeholder 2"/>
+          <p:cNvPr id="1223561775" name="Text Placeholder 2"/>
           <p:cNvSpPr>
             <a:spLocks noGrp="1"/>
           </p:cNvSpPr>
@@ -2629,7 +2629,7 @@
       </p:sp>
       <p:sp>
         <p:nvSpPr>
-          <p:cNvPr id="209108721" name="Content Placeholder 3"/>
+          <p:cNvPr id="901895751" name="Content Placeholder 3"/>
           <p:cNvSpPr>
             <a:spLocks noGrp="1"/>
           </p:cNvSpPr>
@@ -2700,7 +2700,7 @@
       </p:sp>
       <p:sp>
         <p:nvSpPr>
-          <p:cNvPr id="227481523" name="Text Placeholder 4"/>
+          <p:cNvPr id="639471358" name="Text Placeholder 4"/>
           <p:cNvSpPr>
             <a:spLocks noGrp="1"/>
           </p:cNvSpPr>
@@ -2768,7 +2768,7 @@
       </p:sp>
       <p:sp>
         <p:nvSpPr>
-          <p:cNvPr id="1292297174" name="Content Placeholder 5"/>
+          <p:cNvPr id="1949082861" name="Content Placeholder 5"/>
           <p:cNvSpPr>
             <a:spLocks noGrp="1"/>
           </p:cNvSpPr>
@@ -2839,7 +2839,7 @@
       </p:sp>
       <p:sp>
         <p:nvSpPr>
-          <p:cNvPr id="1653723220" name="Date Placeholder 6"/>
+          <p:cNvPr id="2020711123" name="Date Placeholder 6"/>
           <p:cNvSpPr>
             <a:spLocks noGrp="1"/>
           </p:cNvSpPr>
@@ -2865,7 +2865,7 @@
       </p:sp>
       <p:sp>
         <p:nvSpPr>
-          <p:cNvPr id="1220466381" name="Footer Placeholder 7"/>
+          <p:cNvPr id="992817631" name="Footer Placeholder 7"/>
           <p:cNvSpPr>
             <a:spLocks noGrp="1"/>
           </p:cNvSpPr>
@@ -2887,7 +2887,7 @@
       </p:sp>
       <p:sp>
         <p:nvSpPr>
-          <p:cNvPr id="2108825305" name="Slide Number Placeholder 8"/>
+          <p:cNvPr id="530660833" name="Slide Number Placeholder 8"/>
           <p:cNvSpPr>
             <a:spLocks noGrp="1"/>
           </p:cNvSpPr>
@@ -2938,7 +2938,7 @@
       </p:grpSpPr>
       <p:sp>
         <p:nvSpPr>
-          <p:cNvPr id="1163860829" name="Title 1"/>
+          <p:cNvPr id="1982896841" name="Title 1"/>
           <p:cNvSpPr>
             <a:spLocks noGrp="1"/>
           </p:cNvSpPr>
@@ -2964,7 +2964,7 @@
       </p:sp>
       <p:sp>
         <p:nvSpPr>
-          <p:cNvPr id="14069576" name="Date Placeholder 2"/>
+          <p:cNvPr id="1553786888" name="Date Placeholder 2"/>
           <p:cNvSpPr>
             <a:spLocks noGrp="1"/>
           </p:cNvSpPr>
@@ -2990,7 +2990,7 @@
       </p:sp>
       <p:sp>
         <p:nvSpPr>
-          <p:cNvPr id="1636687779" name="Footer Placeholder 3"/>
+          <p:cNvPr id="513760072" name="Footer Placeholder 3"/>
           <p:cNvSpPr>
             <a:spLocks noGrp="1"/>
           </p:cNvSpPr>
@@ -3012,7 +3012,7 @@
       </p:sp>
       <p:sp>
         <p:nvSpPr>
-          <p:cNvPr id="1047553364" name="Slide Number Placeholder 4"/>
+          <p:cNvPr id="37365879" name="Slide Number Placeholder 4"/>
           <p:cNvSpPr>
             <a:spLocks noGrp="1"/>
           </p:cNvSpPr>
@@ -3063,7 +3063,7 @@
       </p:grpSpPr>
       <p:sp>
         <p:nvSpPr>
-          <p:cNvPr id="1081836153" name="Date Placeholder 1"/>
+          <p:cNvPr id="1726457307" name="Date Placeholder 1"/>
           <p:cNvSpPr>
             <a:spLocks noGrp="1"/>
           </p:cNvSpPr>
@@ -3089,7 +3089,7 @@
       </p:sp>
       <p:sp>
         <p:nvSpPr>
-          <p:cNvPr id="357122723" name="Footer Placeholder 2"/>
+          <p:cNvPr id="1666444377" name="Footer Placeholder 2"/>
           <p:cNvSpPr>
             <a:spLocks noGrp="1"/>
           </p:cNvSpPr>
@@ -3111,7 +3111,7 @@
       </p:sp>
       <p:sp>
         <p:nvSpPr>
-          <p:cNvPr id="324230846" name="Slide Number Placeholder 3"/>
+          <p:cNvPr id="1802947401" name="Slide Number Placeholder 3"/>
           <p:cNvSpPr>
             <a:spLocks noGrp="1"/>
           </p:cNvSpPr>
@@ -3162,7 +3162,7 @@
       </p:grpSpPr>
       <p:sp>
         <p:nvSpPr>
-          <p:cNvPr id="991455962" name="Title 1"/>
+          <p:cNvPr id="1616479950" name="Title 1"/>
           <p:cNvSpPr>
             <a:spLocks noGrp="1"/>
           </p:cNvSpPr>
@@ -3197,7 +3197,7 @@
       </p:sp>
       <p:sp>
         <p:nvSpPr>
-          <p:cNvPr id="1196910342" name="Content Placeholder 2"/>
+          <p:cNvPr id="1837377897" name="Content Placeholder 2"/>
           <p:cNvSpPr>
             <a:spLocks noGrp="1"/>
           </p:cNvSpPr>
@@ -3296,7 +3296,7 @@
       </p:sp>
       <p:sp>
         <p:nvSpPr>
-          <p:cNvPr id="1571083676" name="Text Placeholder 3"/>
+          <p:cNvPr id="303824117" name="Text Placeholder 3"/>
           <p:cNvSpPr>
             <a:spLocks noGrp="1"/>
           </p:cNvSpPr>
@@ -3364,7 +3364,7 @@
       </p:sp>
       <p:sp>
         <p:nvSpPr>
-          <p:cNvPr id="703951301" name="Date Placeholder 4"/>
+          <p:cNvPr id="494622950" name="Date Placeholder 4"/>
           <p:cNvSpPr>
             <a:spLocks noGrp="1"/>
           </p:cNvSpPr>
@@ -3390,7 +3390,7 @@
       </p:sp>
       <p:sp>
         <p:nvSpPr>
-          <p:cNvPr id="679359173" name="Footer Placeholder 5"/>
+          <p:cNvPr id="1001832333" name="Footer Placeholder 5"/>
           <p:cNvSpPr>
             <a:spLocks noGrp="1"/>
           </p:cNvSpPr>
@@ -3412,7 +3412,7 @@
       </p:sp>
       <p:sp>
         <p:nvSpPr>
-          <p:cNvPr id="553710095" name="Slide Number Placeholder 6"/>
+          <p:cNvPr id="1868689886" name="Slide Number Placeholder 6"/>
           <p:cNvSpPr>
             <a:spLocks noGrp="1"/>
           </p:cNvSpPr>
@@ -3463,7 +3463,7 @@
       </p:grpSpPr>
       <p:sp>
         <p:nvSpPr>
-          <p:cNvPr id="809818210" name="Title 1"/>
+          <p:cNvPr id="872309258" name="Title 1"/>
           <p:cNvSpPr>
             <a:spLocks noGrp="1"/>
           </p:cNvSpPr>
@@ -3498,7 +3498,7 @@
       </p:sp>
       <p:sp>
         <p:nvSpPr>
-          <p:cNvPr id="991926145" name="Picture Placeholder 2"/>
+          <p:cNvPr id="1245250684" name="Picture Placeholder 2"/>
           <p:cNvSpPr>
             <a:spLocks noGrp="1"/>
           </p:cNvSpPr>
@@ -3562,7 +3562,7 @@
       </p:sp>
       <p:sp>
         <p:nvSpPr>
-          <p:cNvPr id="386257874" name="Text Placeholder 3"/>
+          <p:cNvPr id="1157376093" name="Text Placeholder 3"/>
           <p:cNvSpPr>
             <a:spLocks noGrp="1"/>
           </p:cNvSpPr>
@@ -3630,7 +3630,7 @@
       </p:sp>
       <p:sp>
         <p:nvSpPr>
-          <p:cNvPr id="109467210" name="Date Placeholder 4"/>
+          <p:cNvPr id="282348202" name="Date Placeholder 4"/>
           <p:cNvSpPr>
             <a:spLocks noGrp="1"/>
           </p:cNvSpPr>
@@ -3656,7 +3656,7 @@
       </p:sp>
       <p:sp>
         <p:nvSpPr>
-          <p:cNvPr id="1766272466" name="Footer Placeholder 5"/>
+          <p:cNvPr id="1345623211" name="Footer Placeholder 5"/>
           <p:cNvSpPr>
             <a:spLocks noGrp="1"/>
           </p:cNvSpPr>
@@ -3678,7 +3678,7 @@
       </p:sp>
       <p:sp>
         <p:nvSpPr>
-          <p:cNvPr id="2120270722" name="Slide Number Placeholder 6"/>
+          <p:cNvPr id="819796369" name="Slide Number Placeholder 6"/>
           <p:cNvSpPr>
             <a:spLocks noGrp="1"/>
           </p:cNvSpPr>
@@ -3734,7 +3734,7 @@
       </p:grpSpPr>
       <p:sp>
         <p:nvSpPr>
-          <p:cNvPr id="1688357831" name="Title Placeholder 1"/>
+          <p:cNvPr id="264749805" name="Title Placeholder 1"/>
           <p:cNvSpPr>
             <a:spLocks noGrp="1"/>
           </p:cNvSpPr>
@@ -3770,7 +3770,7 @@
       </p:sp>
       <p:sp>
         <p:nvSpPr>
-          <p:cNvPr id="856651352" name="Text Placeholder 2"/>
+          <p:cNvPr id="1749922617" name="Text Placeholder 2"/>
           <p:cNvSpPr>
             <a:spLocks noGrp="1"/>
           </p:cNvSpPr>
@@ -3846,7 +3846,7 @@
       </p:sp>
       <p:sp>
         <p:nvSpPr>
-          <p:cNvPr id="1557752601" name="Date Placeholder 3"/>
+          <p:cNvPr id="786195609" name="Date Placeholder 3"/>
           <p:cNvSpPr>
             <a:spLocks noGrp="1"/>
           </p:cNvSpPr>
@@ -3890,7 +3890,7 @@
       </p:sp>
       <p:sp>
         <p:nvSpPr>
-          <p:cNvPr id="1907357984" name="Footer Placeholder 4"/>
+          <p:cNvPr id="1378345459" name="Footer Placeholder 4"/>
           <p:cNvSpPr>
             <a:spLocks noGrp="1"/>
           </p:cNvSpPr>
@@ -3930,7 +3930,7 @@
       </p:sp>
       <p:sp>
         <p:nvSpPr>
-          <p:cNvPr id="1364485563" name="Slide Number Placeholder 5"/>
+          <p:cNvPr id="186169659" name="Slide Number Placeholder 5"/>
           <p:cNvSpPr>
             <a:spLocks noGrp="1"/>
           </p:cNvSpPr>
@@ -4290,7 +4290,7 @@
       </p:grpSpPr>
       <p:sp>
         <p:nvSpPr>
-          <p:cNvPr id="744406976" name="Title 1"/>
+          <p:cNvPr id="1781389156" name="Title 1"/>
           <p:cNvSpPr>
             <a:spLocks noGrp="1"/>
           </p:cNvSpPr>
@@ -4316,7 +4316,7 @@
       </p:sp>
       <p:sp>
         <p:nvSpPr>
-          <p:cNvPr id="1360224236" name="Subtitle 2"/>
+          <p:cNvPr id="1726631861" name="Subtitle 2"/>
           <p:cNvSpPr>
             <a:spLocks noGrp="1"/>
           </p:cNvSpPr>
@@ -4354,7 +4354,14 @@
 
 <file path=ppt/slides/slide2.xml><?xml version="1.0" encoding="utf-8"?>
 <p:sld xmlns:a="http://schemas.openxmlformats.org/drawingml/2006/main" xmlns:r="http://schemas.openxmlformats.org/officeDocument/2006/relationships" xmlns:p="http://schemas.openxmlformats.org/presentationml/2006/main" xmlns:m="http://schemas.openxmlformats.org/officeDocument/2006/math" xmlns:w="http://schemas.openxmlformats.org/wordprocessingml/2006/main" xmlns:mc="http://schemas.openxmlformats.org/markup-compatibility/2006" showMasterPhAnim="0" showMasterSp="1" show="1">
-  <p:cSld name="">
+  <p:cSld name="Slide 4">
+    <p:bg>
+      <p:bgPr shadeToTitle="0">
+        <a:solidFill>
+          <a:srgbClr val="F8FAFC"/>
+        </a:solidFill>
+      </p:bgPr>
+    </p:bg>
     <p:spTree>
       <p:nvGrpSpPr>
         <p:cNvPr id="1" name=""/>
@@ -4371,45 +4378,744 @@
       </p:grpSpPr>
       <p:sp>
         <p:nvSpPr>
-          <p:cNvPr id="1129335777" name="Title 1"/>
-          <p:cNvSpPr>
-            <a:spLocks noGrp="1"/>
-          </p:cNvSpPr>
-          <p:nvPr>
-            <p:ph type="title"/>
-          </p:nvPr>
-        </p:nvSpPr>
-        <p:spPr bwMode="auto"/>
-        <p:txBody>
-          <a:bodyPr/>
-          <a:lstStyle/>
-          <a:p>
-            <a:pPr>
-              <a:defRPr/>
-            </a:pPr>
-            <a:endParaRPr lang="en-GB"/>
-          </a:p>
-        </p:txBody>
-      </p:sp>
-      <p:sp>
-        <p:nvSpPr>
-          <p:cNvPr id="144885609" name="Content Placeholder 2"/>
-          <p:cNvSpPr>
-            <a:spLocks noGrp="1"/>
-          </p:cNvSpPr>
-          <p:nvPr>
-            <p:ph idx="1"/>
-          </p:nvPr>
-        </p:nvSpPr>
-        <p:spPr bwMode="auto"/>
-        <p:txBody>
-          <a:bodyPr/>
-          <a:lstStyle/>
-          <a:p>
-            <a:pPr>
-              <a:defRPr/>
-            </a:pPr>
-            <a:endParaRPr lang="en-GB"/>
+          <p:cNvPr id="1087509927" name="Text 0"/>
+          <p:cNvSpPr/>
+          <p:nvPr/>
+        </p:nvSpPr>
+        <p:spPr bwMode="auto">
+          <a:xfrm flipH="0" flipV="0">
+            <a:off x="838813" y="507998"/>
+            <a:ext cx="10591184" cy="507998"/>
+          </a:xfrm>
+          <a:prstGeom prst="rect">
+            <a:avLst/>
+          </a:prstGeom>
+          <a:noFill/>
+          <a:ln/>
+        </p:spPr>
+        <p:txBody>
+          <a:bodyPr wrap="square" lIns="0" tIns="0" rIns="0" bIns="0" rtlCol="0" anchor="t"/>
+          <a:lstStyle/>
+          <a:p>
+            <a:pPr marL="0" indent="0" algn="l">
+              <a:lnSpc>
+                <a:spcPts val="2998"/>
+              </a:lnSpc>
+              <a:spcAft>
+                <a:spcPts val="1873"/>
+              </a:spcAft>
+              <a:buNone/>
+              <a:defRPr/>
+            </a:pPr>
+            <a:r>
+              <a:rPr lang="pt-PT" sz="2700" b="1">
+                <a:solidFill>
+                  <a:srgbClr val="1E3A8A"/>
+                </a:solidFill>
+                <a:latin typeface="Arial"/>
+                <a:ea typeface="Arial"/>
+                <a:cs typeface="Arial"/>
+              </a:rPr>
+              <a:t>Sistemas </a:t>
+            </a:r>
+            <a:r>
+              <a:rPr lang="pt-BR" sz="2700" b="1">
+                <a:solidFill>
+                  <a:srgbClr val="1E3A8A"/>
+                </a:solidFill>
+                <a:latin typeface="Arial"/>
+                <a:ea typeface="Arial"/>
+                <a:cs typeface="Arial"/>
+              </a:rPr>
+              <a:t>“Embedded”</a:t>
+            </a:r>
+            <a:r>
+              <a:rPr lang="pt-BR" sz="2700" b="1">
+                <a:solidFill>
+                  <a:srgbClr val="1E3A8A"/>
+                </a:solidFill>
+                <a:latin typeface="Arial"/>
+                <a:ea typeface="Arial"/>
+                <a:cs typeface="Arial"/>
+              </a:rPr>
+              <a:t>,</a:t>
+            </a:r>
+            <a:r>
+              <a:rPr lang="pt-PT" sz="2700" b="1">
+                <a:solidFill>
+                  <a:srgbClr val="1E3A8A"/>
+                </a:solidFill>
+                <a:latin typeface="Arial"/>
+                <a:ea typeface="Arial"/>
+                <a:cs typeface="Arial"/>
+              </a:rPr>
+              <a:t> IoT</a:t>
+            </a:r>
+            <a:r>
+              <a:rPr lang="pt-BR" sz="2700" b="1">
+                <a:solidFill>
+                  <a:srgbClr val="1E3A8A"/>
+                </a:solidFill>
+                <a:latin typeface="Arial"/>
+                <a:ea typeface="Arial"/>
+                <a:cs typeface="Arial"/>
+              </a:rPr>
+              <a:t> e </a:t>
+            </a:r>
+            <a:r>
+              <a:rPr lang="pt-PT" sz="2700" b="1" i="0" u="none" strike="noStrike" cap="none" spc="0">
+                <a:solidFill>
+                  <a:srgbClr val="1E3A8A"/>
+                </a:solidFill>
+                <a:latin typeface="Arial"/>
+                <a:ea typeface="Arial"/>
+                <a:cs typeface="Arial"/>
+              </a:rPr>
+              <a:t>Sistemas Críticos de Segurança</a:t>
+            </a:r>
+            <a:endParaRPr sz="2700"/>
+          </a:p>
+          <a:p>
+            <a:pPr marL="0" indent="0" algn="l">
+              <a:lnSpc>
+                <a:spcPts val="2998"/>
+              </a:lnSpc>
+              <a:spcAft>
+                <a:spcPts val="1873"/>
+              </a:spcAft>
+              <a:buNone/>
+              <a:defRPr/>
+            </a:pPr>
+            <a:endParaRPr lang="pt-PT" sz="2700"/>
+          </a:p>
+        </p:txBody>
+      </p:sp>
+      <p:sp>
+        <p:nvSpPr>
+          <p:cNvPr id="619064231" name="Text 1"/>
+          <p:cNvSpPr/>
+          <p:nvPr/>
+        </p:nvSpPr>
+        <p:spPr bwMode="auto">
+          <a:xfrm>
+            <a:off x="761998" y="1590078"/>
+            <a:ext cx="5246369" cy="365719"/>
+          </a:xfrm>
+          <a:prstGeom prst="rect">
+            <a:avLst/>
+          </a:prstGeom>
+          <a:noFill/>
+          <a:ln/>
+        </p:spPr>
+        <p:txBody>
+          <a:bodyPr wrap="square" lIns="0" tIns="0" rIns="0" bIns="0" rtlCol="0" anchor="t"/>
+          <a:lstStyle/>
+          <a:p>
+            <a:pPr marL="0" indent="0" algn="l">
+              <a:lnSpc>
+                <a:spcPts val="2159"/>
+              </a:lnSpc>
+              <a:spcBef>
+                <a:spcPts val="1124"/>
+              </a:spcBef>
+              <a:spcAft>
+                <a:spcPts val="749"/>
+              </a:spcAft>
+              <a:buNone/>
+              <a:defRPr/>
+            </a:pPr>
+            <a:r>
+              <a:rPr lang="pt-PT" sz="1800" b="1">
+                <a:solidFill>
+                  <a:srgbClr val="3B82F6"/>
+                </a:solidFill>
+                <a:latin typeface="Arial"/>
+                <a:ea typeface="Arial"/>
+                <a:cs typeface="Arial"/>
+              </a:rPr>
+              <a:t>Características</a:t>
+            </a:r>
+            <a:endParaRPr lang="pt-PT" sz="1800"/>
+          </a:p>
+        </p:txBody>
+      </p:sp>
+      <p:sp>
+        <p:nvSpPr>
+          <p:cNvPr id="293825343" name="Text 2"/>
+          <p:cNvSpPr/>
+          <p:nvPr/>
+        </p:nvSpPr>
+        <p:spPr bwMode="auto">
+          <a:xfrm>
+            <a:off x="761998" y="2082798"/>
+            <a:ext cx="5143500" cy="1625599"/>
+          </a:xfrm>
+          <a:prstGeom prst="rect">
+            <a:avLst/>
+          </a:prstGeom>
+          <a:noFill/>
+          <a:ln/>
+        </p:spPr>
+        <p:txBody>
+          <a:bodyPr wrap="square" lIns="119062" tIns="0" rIns="0" bIns="0" rtlCol="0" anchor="t"/>
+          <a:lstStyle/>
+          <a:p>
+            <a:pPr marL="119062" indent="-119062" algn="l">
+              <a:lnSpc>
+                <a:spcPts val="2099"/>
+              </a:lnSpc>
+              <a:spcAft>
+                <a:spcPts val="449"/>
+              </a:spcAft>
+              <a:buSzPct val="100000"/>
+              <a:buChar char="•"/>
+              <a:defRPr/>
+            </a:pPr>
+            <a:r>
+              <a:rPr lang="pt-PT" sz="1350">
+                <a:solidFill>
+                  <a:srgbClr val="334155"/>
+                </a:solidFill>
+                <a:latin typeface="Arial"/>
+                <a:ea typeface="Arial"/>
+                <a:cs typeface="Arial"/>
+              </a:rPr>
+              <a:t>Recursos muito limitados</a:t>
+            </a:r>
+            <a:endParaRPr lang="pt-PT" sz="1350"/>
+          </a:p>
+          <a:p>
+            <a:pPr marL="119062" indent="-119062" algn="l">
+              <a:lnSpc>
+                <a:spcPts val="2099"/>
+              </a:lnSpc>
+              <a:spcAft>
+                <a:spcPts val="449"/>
+              </a:spcAft>
+              <a:buSzPct val="100000"/>
+              <a:buChar char="•"/>
+              <a:defRPr/>
+            </a:pPr>
+            <a:r>
+              <a:rPr lang="pt-PT" sz="1350">
+                <a:solidFill>
+                  <a:srgbClr val="334155"/>
+                </a:solidFill>
+                <a:latin typeface="Arial"/>
+                <a:ea typeface="Arial"/>
+                <a:cs typeface="Arial"/>
+              </a:rPr>
+              <a:t>Processadores baixa frequência</a:t>
+            </a:r>
+            <a:endParaRPr lang="pt-PT" sz="1350"/>
+          </a:p>
+          <a:p>
+            <a:pPr marL="119062" indent="-119062" algn="l">
+              <a:lnSpc>
+                <a:spcPts val="2099"/>
+              </a:lnSpc>
+              <a:spcAft>
+                <a:spcPts val="449"/>
+              </a:spcAft>
+              <a:buSzPct val="100000"/>
+              <a:buChar char="•"/>
+              <a:defRPr/>
+            </a:pPr>
+            <a:r>
+              <a:rPr lang="pt-PT" sz="1350">
+                <a:solidFill>
+                  <a:srgbClr val="334155"/>
+                </a:solidFill>
+                <a:latin typeface="Arial"/>
+                <a:ea typeface="Arial"/>
+                <a:cs typeface="Arial"/>
+              </a:rPr>
+              <a:t>Cada ciclo é crítico</a:t>
+            </a:r>
+            <a:endParaRPr lang="pt-PT" sz="1350"/>
+          </a:p>
+        </p:txBody>
+      </p:sp>
+      <p:sp>
+        <p:nvSpPr>
+          <p:cNvPr id="1329755773" name="Text 3"/>
+          <p:cNvSpPr/>
+          <p:nvPr/>
+        </p:nvSpPr>
+        <p:spPr bwMode="auto">
+          <a:xfrm flipH="0" flipV="0">
+            <a:off x="761998" y="3804940"/>
+            <a:ext cx="4854555" cy="365718"/>
+          </a:xfrm>
+          <a:prstGeom prst="rect">
+            <a:avLst/>
+          </a:prstGeom>
+          <a:noFill/>
+          <a:ln/>
+        </p:spPr>
+        <p:txBody>
+          <a:bodyPr wrap="square" lIns="0" tIns="0" rIns="0" bIns="0" rtlCol="0" anchor="t"/>
+          <a:lstStyle/>
+          <a:p>
+            <a:pPr marL="0" indent="0" algn="l">
+              <a:lnSpc>
+                <a:spcPts val="2159"/>
+              </a:lnSpc>
+              <a:spcBef>
+                <a:spcPts val="1124"/>
+              </a:spcBef>
+              <a:spcAft>
+                <a:spcPts val="749"/>
+              </a:spcAft>
+              <a:buNone/>
+              <a:defRPr/>
+            </a:pPr>
+            <a:r>
+              <a:rPr lang="pt-PT" sz="1800" b="1">
+                <a:solidFill>
+                  <a:srgbClr val="3B82F6"/>
+                </a:solidFill>
+                <a:latin typeface="Arial"/>
+                <a:ea typeface="Arial"/>
+                <a:cs typeface="Arial"/>
+              </a:rPr>
+              <a:t>Vantagens Assembly</a:t>
+            </a:r>
+            <a:endParaRPr lang="pt-PT" sz="1800"/>
+          </a:p>
+        </p:txBody>
+      </p:sp>
+      <p:sp>
+        <p:nvSpPr>
+          <p:cNvPr id="1706139315" name="Text 4"/>
+          <p:cNvSpPr/>
+          <p:nvPr/>
+        </p:nvSpPr>
+        <p:spPr bwMode="auto">
+          <a:xfrm flipH="0" flipV="0">
+            <a:off x="761998" y="4297661"/>
+            <a:ext cx="4854555" cy="1625598"/>
+          </a:xfrm>
+          <a:prstGeom prst="rect">
+            <a:avLst/>
+          </a:prstGeom>
+          <a:noFill/>
+          <a:ln/>
+        </p:spPr>
+        <p:txBody>
+          <a:bodyPr wrap="square" lIns="119061" tIns="0" rIns="0" bIns="0" rtlCol="0" anchor="t"/>
+          <a:lstStyle/>
+          <a:p>
+            <a:pPr marL="119062" indent="-119062" algn="l">
+              <a:lnSpc>
+                <a:spcPts val="2099"/>
+              </a:lnSpc>
+              <a:spcAft>
+                <a:spcPts val="449"/>
+              </a:spcAft>
+              <a:buSzPct val="100000"/>
+              <a:buChar char="•"/>
+              <a:defRPr/>
+            </a:pPr>
+            <a:r>
+              <a:rPr lang="pt-PT" sz="1350">
+                <a:solidFill>
+                  <a:srgbClr val="334155"/>
+                </a:solidFill>
+                <a:latin typeface="Arial"/>
+                <a:ea typeface="Arial"/>
+                <a:cs typeface="Arial"/>
+              </a:rPr>
+              <a:t>Eficiência máxima</a:t>
+            </a:r>
+            <a:endParaRPr lang="pt-PT" sz="1350"/>
+          </a:p>
+          <a:p>
+            <a:pPr marL="119062" indent="-119062" algn="l">
+              <a:lnSpc>
+                <a:spcPts val="2099"/>
+              </a:lnSpc>
+              <a:spcAft>
+                <a:spcPts val="449"/>
+              </a:spcAft>
+              <a:buSzPct val="100000"/>
+              <a:buChar char="•"/>
+              <a:defRPr/>
+            </a:pPr>
+            <a:r>
+              <a:rPr lang="pt-PT" sz="1350">
+                <a:solidFill>
+                  <a:srgbClr val="334155"/>
+                </a:solidFill>
+                <a:latin typeface="Arial"/>
+                <a:ea typeface="Arial"/>
+                <a:cs typeface="Arial"/>
+              </a:rPr>
+              <a:t>Resposta previsível</a:t>
+            </a:r>
+            <a:endParaRPr lang="pt-PT" sz="1350"/>
+          </a:p>
+          <a:p>
+            <a:pPr marL="119062" indent="-119062" algn="l">
+              <a:lnSpc>
+                <a:spcPts val="2099"/>
+              </a:lnSpc>
+              <a:spcAft>
+                <a:spcPts val="449"/>
+              </a:spcAft>
+              <a:buSzPct val="100000"/>
+              <a:buChar char="•"/>
+              <a:defRPr/>
+            </a:pPr>
+            <a:r>
+              <a:rPr lang="pt-PT" sz="1350">
+                <a:solidFill>
+                  <a:srgbClr val="334155"/>
+                </a:solidFill>
+                <a:latin typeface="Arial"/>
+                <a:ea typeface="Arial"/>
+                <a:cs typeface="Arial"/>
+              </a:rPr>
+              <a:t>Controlo preciso</a:t>
+            </a:r>
+            <a:endParaRPr lang="pt-PT" sz="1350"/>
+          </a:p>
+        </p:txBody>
+      </p:sp>
+      <p:sp>
+        <p:nvSpPr>
+          <p:cNvPr id="1872981850" name="Text 1"/>
+          <p:cNvSpPr/>
+          <p:nvPr/>
+        </p:nvSpPr>
+        <p:spPr bwMode="auto">
+          <a:xfrm flipH="0" flipV="0">
+            <a:off x="5616554" y="1590078"/>
+            <a:ext cx="5710574" cy="365718"/>
+          </a:xfrm>
+          <a:prstGeom prst="rect">
+            <a:avLst/>
+          </a:prstGeom>
+          <a:noFill/>
+          <a:ln/>
+        </p:spPr>
+        <p:txBody>
+          <a:bodyPr wrap="square" lIns="0" tIns="0" rIns="0" bIns="0" rtlCol="0" anchor="t"/>
+          <a:lstStyle/>
+          <a:p>
+            <a:pPr marL="0" indent="0" algn="l">
+              <a:lnSpc>
+                <a:spcPts val="2158"/>
+              </a:lnSpc>
+              <a:spcBef>
+                <a:spcPts val="1123"/>
+              </a:spcBef>
+              <a:spcAft>
+                <a:spcPts val="748"/>
+              </a:spcAft>
+              <a:buNone/>
+              <a:defRPr/>
+            </a:pPr>
+            <a:r>
+              <a:rPr lang="pt-PT" sz="1800" b="1">
+                <a:solidFill>
+                  <a:srgbClr val="3B82F6"/>
+                </a:solidFill>
+                <a:latin typeface="Arial"/>
+                <a:ea typeface="Arial"/>
+                <a:cs typeface="Arial"/>
+              </a:rPr>
+              <a:t>Sectores de Aplicação</a:t>
+            </a:r>
+            <a:endParaRPr lang="pt-PT" sz="1800"/>
+          </a:p>
+        </p:txBody>
+      </p:sp>
+      <p:sp>
+        <p:nvSpPr>
+          <p:cNvPr id="513399215" name="Text 2"/>
+          <p:cNvSpPr/>
+          <p:nvPr/>
+        </p:nvSpPr>
+        <p:spPr bwMode="auto">
+          <a:xfrm flipH="0" flipV="0">
+            <a:off x="5707500" y="2082798"/>
+            <a:ext cx="5710574" cy="2184399"/>
+          </a:xfrm>
+          <a:prstGeom prst="rect">
+            <a:avLst/>
+          </a:prstGeom>
+          <a:noFill/>
+          <a:ln/>
+        </p:spPr>
+        <p:txBody>
+          <a:bodyPr wrap="square" lIns="119061" tIns="0" rIns="0" bIns="0" rtlCol="0" anchor="t"/>
+          <a:lstStyle/>
+          <a:p>
+            <a:pPr marL="0" indent="0" algn="l">
+              <a:lnSpc>
+                <a:spcPts val="2098"/>
+              </a:lnSpc>
+              <a:spcAft>
+                <a:spcPts val="448"/>
+              </a:spcAft>
+              <a:buNone/>
+              <a:defRPr/>
+            </a:pPr>
+            <a:r>
+              <a:rPr lang="pt-PT" sz="1350" b="1">
+                <a:solidFill>
+                  <a:srgbClr val="334155"/>
+                </a:solidFill>
+                <a:latin typeface="Arial"/>
+                <a:ea typeface="Arial"/>
+                <a:cs typeface="Arial"/>
+              </a:rPr>
+              <a:t>Aviação</a:t>
+            </a:r>
+            <a:r>
+              <a:rPr lang="pt-PT" sz="1350">
+                <a:solidFill>
+                  <a:srgbClr val="334155"/>
+                </a:solidFill>
+                <a:latin typeface="Arial"/>
+                <a:ea typeface="Arial"/>
+                <a:cs typeface="Arial"/>
+              </a:rPr>
+              <a:t>: Sistemas de controlo de voo (DO-178C)</a:t>
+            </a:r>
+            <a:endParaRPr lang="pt-PT" sz="1350"/>
+          </a:p>
+          <a:p>
+            <a:pPr marL="0" indent="0" algn="l">
+              <a:lnSpc>
+                <a:spcPts val="2098"/>
+              </a:lnSpc>
+              <a:spcAft>
+                <a:spcPts val="448"/>
+              </a:spcAft>
+              <a:buNone/>
+              <a:defRPr/>
+            </a:pPr>
+            <a:r>
+              <a:rPr lang="pt-PT" sz="1350" b="1">
+                <a:solidFill>
+                  <a:srgbClr val="334155"/>
+                </a:solidFill>
+                <a:latin typeface="Arial"/>
+                <a:ea typeface="Arial"/>
+                <a:cs typeface="Arial"/>
+              </a:rPr>
+              <a:t>Energia Nuclear</a:t>
+            </a:r>
+            <a:r>
+              <a:rPr lang="pt-PT" sz="1350">
+                <a:solidFill>
+                  <a:srgbClr val="334155"/>
+                </a:solidFill>
+                <a:latin typeface="Arial"/>
+                <a:ea typeface="Arial"/>
+                <a:cs typeface="Arial"/>
+              </a:rPr>
+              <a:t>: Controlo e segurança</a:t>
+            </a:r>
+            <a:endParaRPr lang="pt-PT" sz="1350"/>
+          </a:p>
+          <a:p>
+            <a:pPr marL="0" indent="0" algn="l">
+              <a:lnSpc>
+                <a:spcPts val="2098"/>
+              </a:lnSpc>
+              <a:spcAft>
+                <a:spcPts val="448"/>
+              </a:spcAft>
+              <a:buNone/>
+              <a:defRPr/>
+            </a:pPr>
+            <a:r>
+              <a:rPr lang="pt-PT" sz="1350" b="1">
+                <a:solidFill>
+                  <a:srgbClr val="334155"/>
+                </a:solidFill>
+                <a:latin typeface="Arial"/>
+                <a:ea typeface="Arial"/>
+                <a:cs typeface="Arial"/>
+              </a:rPr>
+              <a:t>Dispositivos Médicos</a:t>
+            </a:r>
+            <a:r>
+              <a:rPr lang="pt-PT" sz="1350">
+                <a:solidFill>
+                  <a:srgbClr val="334155"/>
+                </a:solidFill>
+                <a:latin typeface="Arial"/>
+                <a:ea typeface="Arial"/>
+                <a:cs typeface="Arial"/>
+              </a:rPr>
+              <a:t>: </a:t>
+            </a:r>
+            <a:r>
+              <a:rPr lang="pt-PT" sz="1350" i="1">
+                <a:solidFill>
+                  <a:srgbClr val="334155"/>
+                </a:solidFill>
+                <a:latin typeface="Arial"/>
+                <a:ea typeface="Arial"/>
+                <a:cs typeface="Arial"/>
+              </a:rPr>
+              <a:t>Pacemakers</a:t>
+            </a:r>
+            <a:r>
+              <a:rPr lang="pt-PT" sz="1350" i="1">
+                <a:solidFill>
+                  <a:srgbClr val="334155"/>
+                </a:solidFill>
+                <a:latin typeface="Arial"/>
+                <a:ea typeface="Arial"/>
+                <a:cs typeface="Arial"/>
+              </a:rPr>
+              <a:t> </a:t>
+            </a:r>
+            <a:r>
+              <a:rPr lang="pt-PT" sz="1350">
+                <a:solidFill>
+                  <a:srgbClr val="334155"/>
+                </a:solidFill>
+                <a:latin typeface="Arial"/>
+                <a:ea typeface="Arial"/>
+                <a:cs typeface="Arial"/>
+              </a:rPr>
+              <a:t>(IEC 62304)</a:t>
+            </a:r>
+            <a:endParaRPr lang="pt-PT" sz="1350"/>
+          </a:p>
+          <a:p>
+            <a:pPr marL="0" indent="0" algn="l">
+              <a:lnSpc>
+                <a:spcPts val="2098"/>
+              </a:lnSpc>
+              <a:spcAft>
+                <a:spcPts val="448"/>
+              </a:spcAft>
+              <a:buNone/>
+              <a:defRPr/>
+            </a:pPr>
+            <a:r>
+              <a:rPr lang="pt-PT" sz="1350" b="1">
+                <a:solidFill>
+                  <a:srgbClr val="334155"/>
+                </a:solidFill>
+                <a:latin typeface="Arial"/>
+                <a:ea typeface="Arial"/>
+                <a:cs typeface="Arial"/>
+              </a:rPr>
+              <a:t>Automóvel</a:t>
+            </a:r>
+            <a:r>
+              <a:rPr lang="pt-PT" sz="1350">
+                <a:solidFill>
+                  <a:srgbClr val="334155"/>
+                </a:solidFill>
+                <a:latin typeface="Arial"/>
+                <a:ea typeface="Arial"/>
+                <a:cs typeface="Arial"/>
+              </a:rPr>
+              <a:t>: Sistemas de travagem</a:t>
+            </a:r>
+            <a:endParaRPr lang="pt-PT" sz="1350"/>
+          </a:p>
+        </p:txBody>
+      </p:sp>
+      <p:sp>
+        <p:nvSpPr>
+          <p:cNvPr id="1712576616" name="Text 3"/>
+          <p:cNvSpPr/>
+          <p:nvPr/>
+        </p:nvSpPr>
+        <p:spPr bwMode="auto">
+          <a:xfrm flipH="0" flipV="0">
+            <a:off x="5707500" y="3901478"/>
+            <a:ext cx="4854555" cy="365718"/>
+          </a:xfrm>
+          <a:prstGeom prst="rect">
+            <a:avLst/>
+          </a:prstGeom>
+          <a:noFill/>
+          <a:ln/>
+        </p:spPr>
+        <p:txBody>
+          <a:bodyPr wrap="square" lIns="0" tIns="0" rIns="0" bIns="0" rtlCol="0" anchor="t"/>
+          <a:lstStyle/>
+          <a:p>
+            <a:pPr marL="0" indent="0" algn="l">
+              <a:lnSpc>
+                <a:spcPts val="2158"/>
+              </a:lnSpc>
+              <a:spcBef>
+                <a:spcPts val="1123"/>
+              </a:spcBef>
+              <a:spcAft>
+                <a:spcPts val="748"/>
+              </a:spcAft>
+              <a:buNone/>
+              <a:defRPr/>
+            </a:pPr>
+            <a:r>
+              <a:rPr lang="pt-BR" sz="2200" b="1">
+                <a:solidFill>
+                  <a:srgbClr val="3B82F6"/>
+                </a:solidFill>
+                <a:latin typeface="Arial"/>
+                <a:ea typeface="Arial"/>
+                <a:cs typeface="Arial"/>
+              </a:rPr>
+              <a:t>Assembler:</a:t>
+            </a:r>
+            <a:endParaRPr lang="pt-PT" sz="2200"/>
+          </a:p>
+        </p:txBody>
+      </p:sp>
+      <p:sp>
+        <p:nvSpPr>
+          <p:cNvPr id="1715722837" name="Text 4"/>
+          <p:cNvSpPr/>
+          <p:nvPr/>
+        </p:nvSpPr>
+        <p:spPr bwMode="auto">
+          <a:xfrm flipH="0" flipV="0">
+            <a:off x="5768952" y="4373344"/>
+            <a:ext cx="5661045" cy="1625598"/>
+          </a:xfrm>
+          <a:prstGeom prst="rect">
+            <a:avLst/>
+          </a:prstGeom>
+          <a:noFill/>
+          <a:ln/>
+        </p:spPr>
+        <p:txBody>
+          <a:bodyPr wrap="square" lIns="119061" tIns="0" rIns="0" bIns="0" rtlCol="0" anchor="t"/>
+          <a:lstStyle/>
+          <a:p>
+            <a:pPr marL="119061" indent="-119061" algn="l">
+              <a:lnSpc>
+                <a:spcPct val="100000"/>
+              </a:lnSpc>
+              <a:spcAft>
+                <a:spcPts val="448"/>
+              </a:spcAft>
+              <a:buSzPct val="100000"/>
+              <a:buChar char="•"/>
+              <a:defRPr/>
+            </a:pPr>
+            <a:r>
+              <a:rPr lang="pt-BR" sz="2400"/>
+              <a:t>ARM</a:t>
+            </a:r>
+            <a:r>
+              <a:rPr lang="pt-BR" sz="2400"/>
+              <a:t> AS</a:t>
+            </a:r>
+            <a:endParaRPr lang="pt-PT" sz="2400"/>
           </a:p>
         </p:txBody>
       </p:sp>
@@ -4431,7 +5137,14 @@
 
 <file path=ppt/slides/slide3.xml><?xml version="1.0" encoding="utf-8"?>
 <p:sld xmlns:a="http://schemas.openxmlformats.org/drawingml/2006/main" xmlns:r="http://schemas.openxmlformats.org/officeDocument/2006/relationships" xmlns:p="http://schemas.openxmlformats.org/presentationml/2006/main" xmlns:m="http://schemas.openxmlformats.org/officeDocument/2006/math" xmlns:w="http://schemas.openxmlformats.org/wordprocessingml/2006/main" xmlns:mc="http://schemas.openxmlformats.org/markup-compatibility/2006" showMasterPhAnim="0" showMasterSp="1" show="1">
-  <p:cSld name="">
+  <p:cSld name="Slide 7">
+    <p:bg>
+      <p:bgPr shadeToTitle="0">
+        <a:solidFill>
+          <a:srgbClr val="F8FAFC"/>
+        </a:solidFill>
+      </p:bgPr>
+    </p:bg>
     <p:spTree>
       <p:nvGrpSpPr>
         <p:cNvPr id="1" name=""/>
@@ -4448,45 +5161,506 @@
       </p:grpSpPr>
       <p:sp>
         <p:nvSpPr>
-          <p:cNvPr id="916196030" name="Title 1"/>
-          <p:cNvSpPr>
-            <a:spLocks noGrp="1"/>
-          </p:cNvSpPr>
-          <p:nvPr>
-            <p:ph type="title"/>
-          </p:nvPr>
-        </p:nvSpPr>
-        <p:spPr bwMode="auto"/>
-        <p:txBody>
-          <a:bodyPr/>
-          <a:lstStyle/>
-          <a:p>
-            <a:pPr>
-              <a:defRPr/>
-            </a:pPr>
-            <a:endParaRPr lang="en-GB"/>
-          </a:p>
-        </p:txBody>
-      </p:sp>
-      <p:sp>
-        <p:nvSpPr>
-          <p:cNvPr id="1282574939" name="Content Placeholder 2"/>
-          <p:cNvSpPr>
-            <a:spLocks noGrp="1"/>
-          </p:cNvSpPr>
-          <p:nvPr>
-            <p:ph idx="1"/>
-          </p:nvPr>
-        </p:nvSpPr>
-        <p:spPr bwMode="auto"/>
-        <p:txBody>
-          <a:bodyPr/>
-          <a:lstStyle/>
-          <a:p>
-            <a:pPr>
-              <a:defRPr/>
-            </a:pPr>
-            <a:endParaRPr lang="en-GB"/>
+          <p:cNvPr id="1828580210" name="Text 0"/>
+          <p:cNvSpPr/>
+          <p:nvPr/>
+        </p:nvSpPr>
+        <p:spPr bwMode="auto">
+          <a:xfrm>
+            <a:off x="761999" y="507999"/>
+            <a:ext cx="7189470" cy="507999"/>
+          </a:xfrm>
+          <a:prstGeom prst="rect">
+            <a:avLst/>
+          </a:prstGeom>
+          <a:noFill/>
+          <a:ln/>
+        </p:spPr>
+        <p:txBody>
+          <a:bodyPr wrap="square" lIns="0" tIns="0" rIns="0" bIns="0" rtlCol="0" anchor="t"/>
+          <a:lstStyle/>
+          <a:p>
+            <a:pPr marL="0" indent="0" algn="l">
+              <a:lnSpc>
+                <a:spcPts val="2999"/>
+              </a:lnSpc>
+              <a:spcAft>
+                <a:spcPts val="1874"/>
+              </a:spcAft>
+              <a:buNone/>
+              <a:defRPr/>
+            </a:pPr>
+            <a:r>
+              <a:rPr lang="pt-PT" sz="2700" b="1">
+                <a:solidFill>
+                  <a:srgbClr val="1E3A8A"/>
+                </a:solidFill>
+                <a:latin typeface="Arial"/>
+                <a:ea typeface="Arial"/>
+                <a:cs typeface="Arial"/>
+              </a:rPr>
+              <a:t>Drivers, Firmware e Bootloaders</a:t>
+            </a:r>
+            <a:endParaRPr lang="pt-PT" sz="2700"/>
+          </a:p>
+        </p:txBody>
+      </p:sp>
+      <p:sp>
+        <p:nvSpPr>
+          <p:cNvPr id="1629777631" name="Text 1"/>
+          <p:cNvSpPr/>
+          <p:nvPr/>
+        </p:nvSpPr>
+        <p:spPr bwMode="auto">
+          <a:xfrm>
+            <a:off x="761999" y="1333499"/>
+            <a:ext cx="10881360" cy="365719"/>
+          </a:xfrm>
+          <a:prstGeom prst="rect">
+            <a:avLst/>
+          </a:prstGeom>
+          <a:noFill/>
+          <a:ln/>
+        </p:spPr>
+        <p:txBody>
+          <a:bodyPr wrap="square" lIns="0" tIns="0" rIns="0" bIns="0" rtlCol="0" anchor="t"/>
+          <a:lstStyle/>
+          <a:p>
+            <a:pPr marL="0" indent="0" algn="l">
+              <a:lnSpc>
+                <a:spcPts val="2159"/>
+              </a:lnSpc>
+              <a:spcBef>
+                <a:spcPts val="1124"/>
+              </a:spcBef>
+              <a:spcAft>
+                <a:spcPts val="749"/>
+              </a:spcAft>
+              <a:buNone/>
+              <a:defRPr/>
+            </a:pPr>
+            <a:r>
+              <a:rPr lang="pt-PT" sz="1800" b="1">
+                <a:solidFill>
+                  <a:srgbClr val="3B82F6"/>
+                </a:solidFill>
+                <a:latin typeface="Arial"/>
+                <a:ea typeface="Arial"/>
+                <a:cs typeface="Arial"/>
+              </a:rPr>
+              <a:t>Componentes de Sistema</a:t>
+            </a:r>
+            <a:endParaRPr lang="pt-PT" sz="1800"/>
+          </a:p>
+        </p:txBody>
+      </p:sp>
+      <p:sp>
+        <p:nvSpPr>
+          <p:cNvPr id="1131367286" name="Text 2"/>
+          <p:cNvSpPr/>
+          <p:nvPr/>
+        </p:nvSpPr>
+        <p:spPr bwMode="auto">
+          <a:xfrm>
+            <a:off x="761999" y="1826219"/>
+            <a:ext cx="10667999" cy="1625599"/>
+          </a:xfrm>
+          <a:prstGeom prst="rect">
+            <a:avLst/>
+          </a:prstGeom>
+          <a:noFill/>
+          <a:ln/>
+        </p:spPr>
+        <p:txBody>
+          <a:bodyPr wrap="square" lIns="119062" tIns="0" rIns="0" bIns="0" rtlCol="0" anchor="t"/>
+          <a:lstStyle/>
+          <a:p>
+            <a:pPr marL="0" indent="0" algn="l">
+              <a:lnSpc>
+                <a:spcPts val="2099"/>
+              </a:lnSpc>
+              <a:spcAft>
+                <a:spcPts val="449"/>
+              </a:spcAft>
+              <a:buNone/>
+              <a:defRPr/>
+            </a:pPr>
+            <a:r>
+              <a:rPr lang="pt-PT" sz="1350" b="1">
+                <a:solidFill>
+                  <a:srgbClr val="334155"/>
+                </a:solidFill>
+                <a:latin typeface="Arial"/>
+                <a:ea typeface="Arial"/>
+                <a:cs typeface="Arial"/>
+              </a:rPr>
+              <a:t>Drivers</a:t>
+            </a:r>
+            <a:r>
+              <a:rPr lang="pt-PT" sz="1350">
+                <a:solidFill>
+                  <a:srgbClr val="334155"/>
+                </a:solidFill>
+                <a:latin typeface="Arial"/>
+                <a:ea typeface="Arial"/>
+                <a:cs typeface="Arial"/>
+              </a:rPr>
+              <a:t>: Interface hardware ↔ SO</a:t>
+            </a:r>
+            <a:endParaRPr lang="pt-PT" sz="1350"/>
+          </a:p>
+          <a:p>
+            <a:pPr marL="0" indent="0" algn="l">
+              <a:lnSpc>
+                <a:spcPts val="2099"/>
+              </a:lnSpc>
+              <a:spcAft>
+                <a:spcPts val="449"/>
+              </a:spcAft>
+              <a:buNone/>
+              <a:defRPr/>
+            </a:pPr>
+            <a:r>
+              <a:rPr lang="pt-PT" sz="1350" b="1">
+                <a:solidFill>
+                  <a:srgbClr val="334155"/>
+                </a:solidFill>
+                <a:latin typeface="Arial"/>
+                <a:ea typeface="Arial"/>
+                <a:cs typeface="Arial"/>
+              </a:rPr>
+              <a:t>Firmware</a:t>
+            </a:r>
+            <a:r>
+              <a:rPr lang="pt-PT" sz="1350">
+                <a:solidFill>
+                  <a:srgbClr val="334155"/>
+                </a:solidFill>
+                <a:latin typeface="Arial"/>
+                <a:ea typeface="Arial"/>
+                <a:cs typeface="Arial"/>
+              </a:rPr>
+              <a:t>: Software </a:t>
+            </a:r>
+            <a:r>
+              <a:rPr lang="pt-BR" sz="1350">
+                <a:solidFill>
+                  <a:srgbClr val="334155"/>
+                </a:solidFill>
+                <a:latin typeface="Arial"/>
+                <a:ea typeface="Arial"/>
+                <a:cs typeface="Arial"/>
+              </a:rPr>
+              <a:t>“</a:t>
+            </a:r>
+            <a:r>
+              <a:rPr lang="pt-PT" sz="1350">
+                <a:solidFill>
+                  <a:srgbClr val="334155"/>
+                </a:solidFill>
+                <a:latin typeface="Arial"/>
+                <a:ea typeface="Arial"/>
+                <a:cs typeface="Arial"/>
+              </a:rPr>
+              <a:t>embe</a:t>
+            </a:r>
+            <a:r>
+              <a:rPr lang="pt-BR" sz="1350">
+                <a:solidFill>
+                  <a:srgbClr val="334155"/>
+                </a:solidFill>
+                <a:latin typeface="Arial"/>
+                <a:ea typeface="Arial"/>
+                <a:cs typeface="Arial"/>
+              </a:rPr>
+              <a:t>dded”</a:t>
+            </a:r>
+            <a:endParaRPr lang="pt-PT" sz="1350"/>
+          </a:p>
+          <a:p>
+            <a:pPr marL="0" indent="0" algn="l">
+              <a:lnSpc>
+                <a:spcPts val="2099"/>
+              </a:lnSpc>
+              <a:spcAft>
+                <a:spcPts val="449"/>
+              </a:spcAft>
+              <a:buNone/>
+              <a:defRPr/>
+            </a:pPr>
+            <a:r>
+              <a:rPr lang="pt-PT" sz="1350" b="1">
+                <a:solidFill>
+                  <a:srgbClr val="334155"/>
+                </a:solidFill>
+                <a:latin typeface="Arial"/>
+                <a:ea typeface="Arial"/>
+                <a:cs typeface="Arial"/>
+              </a:rPr>
+              <a:t>Bootloaders</a:t>
+            </a:r>
+            <a:r>
+              <a:rPr lang="pt-PT" sz="1350">
+                <a:solidFill>
+                  <a:srgbClr val="334155"/>
+                </a:solidFill>
+                <a:latin typeface="Arial"/>
+                <a:ea typeface="Arial"/>
+                <a:cs typeface="Arial"/>
+              </a:rPr>
+              <a:t>: Inicialização antes do SO</a:t>
+            </a:r>
+            <a:endParaRPr lang="pt-PT" sz="1350"/>
+          </a:p>
+        </p:txBody>
+      </p:sp>
+      <p:sp>
+        <p:nvSpPr>
+          <p:cNvPr id="1279946096" name="Text 5"/>
+          <p:cNvSpPr/>
+          <p:nvPr/>
+        </p:nvSpPr>
+        <p:spPr bwMode="auto">
+          <a:xfrm flipH="0" flipV="0">
+            <a:off x="5770305" y="1333498"/>
+            <a:ext cx="5990514" cy="365718"/>
+          </a:xfrm>
+          <a:prstGeom prst="rect">
+            <a:avLst/>
+          </a:prstGeom>
+          <a:noFill/>
+          <a:ln/>
+        </p:spPr>
+        <p:txBody>
+          <a:bodyPr wrap="square" lIns="0" tIns="0" rIns="0" bIns="0" rtlCol="0" anchor="t"/>
+          <a:lstStyle/>
+          <a:p>
+            <a:pPr marL="0" indent="0" algn="l">
+              <a:lnSpc>
+                <a:spcPts val="2159"/>
+              </a:lnSpc>
+              <a:spcBef>
+                <a:spcPts val="1124"/>
+              </a:spcBef>
+              <a:spcAft>
+                <a:spcPts val="749"/>
+              </a:spcAft>
+              <a:buNone/>
+              <a:defRPr/>
+            </a:pPr>
+            <a:r>
+              <a:rPr lang="pt-PT" sz="1800" b="1">
+                <a:solidFill>
+                  <a:srgbClr val="3B82F6"/>
+                </a:solidFill>
+                <a:latin typeface="Arial"/>
+                <a:ea typeface="Arial"/>
+                <a:cs typeface="Arial"/>
+              </a:rPr>
+              <a:t>Requisitos</a:t>
+            </a:r>
+            <a:endParaRPr lang="pt-PT" sz="1800"/>
+          </a:p>
+        </p:txBody>
+      </p:sp>
+      <p:sp>
+        <p:nvSpPr>
+          <p:cNvPr id="888576295" name="Text 6"/>
+          <p:cNvSpPr/>
+          <p:nvPr/>
+        </p:nvSpPr>
+        <p:spPr bwMode="auto">
+          <a:xfrm flipH="0" flipV="0">
+            <a:off x="5770305" y="1826218"/>
+            <a:ext cx="5873053" cy="1066798"/>
+          </a:xfrm>
+          <a:prstGeom prst="rect">
+            <a:avLst/>
+          </a:prstGeom>
+          <a:noFill/>
+          <a:ln/>
+        </p:spPr>
+        <p:txBody>
+          <a:bodyPr wrap="square" lIns="119061" tIns="0" rIns="0" bIns="0" rtlCol="0" anchor="t"/>
+          <a:lstStyle/>
+          <a:p>
+            <a:pPr marL="119062" indent="-119062" algn="l">
+              <a:lnSpc>
+                <a:spcPts val="2099"/>
+              </a:lnSpc>
+              <a:spcAft>
+                <a:spcPts val="449"/>
+              </a:spcAft>
+              <a:buSzPct val="100000"/>
+              <a:buChar char="•"/>
+              <a:defRPr/>
+            </a:pPr>
+            <a:r>
+              <a:rPr lang="pt-PT" sz="1350">
+                <a:solidFill>
+                  <a:srgbClr val="334155"/>
+                </a:solidFill>
+                <a:latin typeface="Arial"/>
+                <a:ea typeface="Arial"/>
+                <a:cs typeface="Arial"/>
+              </a:rPr>
+              <a:t>Acesso directo a instruções do CPU</a:t>
+            </a:r>
+            <a:endParaRPr lang="pt-PT" sz="1350"/>
+          </a:p>
+          <a:p>
+            <a:pPr marL="119062" indent="-119062" algn="l">
+              <a:lnSpc>
+                <a:spcPts val="2099"/>
+              </a:lnSpc>
+              <a:spcAft>
+                <a:spcPts val="449"/>
+              </a:spcAft>
+              <a:buSzPct val="100000"/>
+              <a:buChar char="•"/>
+              <a:defRPr/>
+            </a:pPr>
+            <a:r>
+              <a:rPr lang="pt-PT" sz="1350">
+                <a:solidFill>
+                  <a:srgbClr val="334155"/>
+                </a:solidFill>
+                <a:latin typeface="Arial"/>
+                <a:ea typeface="Arial"/>
+                <a:cs typeface="Arial"/>
+              </a:rPr>
+              <a:t>Gestão de interrupções ao nível do hardware</a:t>
+            </a:r>
+            <a:endParaRPr lang="pt-PT" sz="1350"/>
+          </a:p>
+        </p:txBody>
+      </p:sp>
+      <p:sp>
+        <p:nvSpPr>
+          <p:cNvPr id="493103759" name="Text 3"/>
+          <p:cNvSpPr/>
+          <p:nvPr/>
+        </p:nvSpPr>
+        <p:spPr bwMode="auto">
+          <a:xfrm flipH="0" flipV="0">
+            <a:off x="761998" y="3901478"/>
+            <a:ext cx="4854555" cy="365718"/>
+          </a:xfrm>
+          <a:prstGeom prst="rect">
+            <a:avLst/>
+          </a:prstGeom>
+          <a:noFill/>
+          <a:ln/>
+        </p:spPr>
+        <p:txBody>
+          <a:bodyPr wrap="square" lIns="0" tIns="0" rIns="0" bIns="0" rtlCol="0" anchor="t"/>
+          <a:lstStyle/>
+          <a:p>
+            <a:pPr marL="0" indent="0" algn="l">
+              <a:lnSpc>
+                <a:spcPts val="2158"/>
+              </a:lnSpc>
+              <a:spcBef>
+                <a:spcPts val="1123"/>
+              </a:spcBef>
+              <a:spcAft>
+                <a:spcPts val="748"/>
+              </a:spcAft>
+              <a:buNone/>
+              <a:defRPr/>
+            </a:pPr>
+            <a:r>
+              <a:rPr lang="pt-BR" sz="2200" b="1">
+                <a:solidFill>
+                  <a:srgbClr val="3B82F6"/>
+                </a:solidFill>
+                <a:latin typeface="Arial"/>
+                <a:ea typeface="Arial"/>
+                <a:cs typeface="Arial"/>
+              </a:rPr>
+              <a:t>Assembler:</a:t>
+            </a:r>
+            <a:endParaRPr lang="pt-PT" sz="2200"/>
+          </a:p>
+        </p:txBody>
+      </p:sp>
+      <p:sp>
+        <p:nvSpPr>
+          <p:cNvPr id="1660020269" name="Text 4"/>
+          <p:cNvSpPr/>
+          <p:nvPr/>
+        </p:nvSpPr>
+        <p:spPr bwMode="auto">
+          <a:xfrm flipH="0" flipV="0">
+            <a:off x="823451" y="4373343"/>
+            <a:ext cx="5661045" cy="1625598"/>
+          </a:xfrm>
+          <a:prstGeom prst="rect">
+            <a:avLst/>
+          </a:prstGeom>
+          <a:noFill/>
+          <a:ln/>
+        </p:spPr>
+        <p:txBody>
+          <a:bodyPr wrap="square" lIns="119061" tIns="0" rIns="0" bIns="0" rtlCol="0" anchor="t"/>
+          <a:lstStyle/>
+          <a:p>
+            <a:pPr marL="119061" indent="-119061" algn="l">
+              <a:lnSpc>
+                <a:spcPct val="100000"/>
+              </a:lnSpc>
+              <a:spcAft>
+                <a:spcPts val="448"/>
+              </a:spcAft>
+              <a:buSzPct val="100000"/>
+              <a:buChar char="•"/>
+              <a:defRPr/>
+            </a:pPr>
+            <a:r>
+              <a:rPr lang="pt-BR" sz="2400"/>
+              <a:t>GAS</a:t>
+            </a:r>
+            <a:r>
+              <a:rPr lang="pt-BR" sz="2400"/>
+              <a:t>(Drivers Linux/Unix)</a:t>
+            </a:r>
+            <a:endParaRPr lang="pt-BR" sz="2400"/>
+          </a:p>
+          <a:p>
+            <a:pPr marL="119061" indent="-119061" algn="l">
+              <a:lnSpc>
+                <a:spcPct val="100000"/>
+              </a:lnSpc>
+              <a:spcAft>
+                <a:spcPts val="448"/>
+              </a:spcAft>
+              <a:buSzPct val="100000"/>
+              <a:buChar char="•"/>
+              <a:defRPr/>
+            </a:pPr>
+            <a:r>
+              <a:rPr lang="pt-BR" sz="2400"/>
+              <a:t>MASM(Drivers Windows)</a:t>
+            </a:r>
+            <a:endParaRPr lang="pt-PT" sz="2400"/>
+          </a:p>
+          <a:p>
+            <a:pPr marL="119061" indent="-119061" algn="l">
+              <a:lnSpc>
+                <a:spcPct val="100000"/>
+              </a:lnSpc>
+              <a:spcAft>
+                <a:spcPts val="448"/>
+              </a:spcAft>
+              <a:buSzPct val="100000"/>
+              <a:buChar char="•"/>
+              <a:defRPr/>
+            </a:pPr>
+            <a:r>
+              <a:rPr lang="pt-BR" sz="2400"/>
+              <a:t>NASM(kernels, bootloaders)</a:t>
+            </a:r>
+            <a:endParaRPr lang="pt-PT" sz="2400"/>
           </a:p>
         </p:txBody>
       </p:sp>
@@ -4508,7 +5682,14 @@
 
 <file path=ppt/slides/slide4.xml><?xml version="1.0" encoding="utf-8"?>
 <p:sld xmlns:a="http://schemas.openxmlformats.org/drawingml/2006/main" xmlns:r="http://schemas.openxmlformats.org/officeDocument/2006/relationships" xmlns:p="http://schemas.openxmlformats.org/presentationml/2006/main" xmlns:m="http://schemas.openxmlformats.org/officeDocument/2006/math" xmlns:w="http://schemas.openxmlformats.org/wordprocessingml/2006/main" xmlns:mc="http://schemas.openxmlformats.org/markup-compatibility/2006" showMasterPhAnim="0" showMasterSp="1" show="1">
-  <p:cSld name="">
+  <p:cSld name="Slide 6">
+    <p:bg>
+      <p:bgPr shadeToTitle="0">
+        <a:solidFill>
+          <a:srgbClr val="F8FAFC"/>
+        </a:solidFill>
+      </p:bgPr>
+    </p:bg>
     <p:spTree>
       <p:nvGrpSpPr>
         <p:cNvPr id="1" name=""/>
@@ -4525,324 +5706,563 @@
       </p:grpSpPr>
       <p:sp>
         <p:nvSpPr>
-          <p:cNvPr id="1953611392" name="Title 1"/>
-          <p:cNvSpPr>
-            <a:spLocks noGrp="1"/>
-          </p:cNvSpPr>
-          <p:nvPr>
-            <p:ph type="title"/>
-          </p:nvPr>
-        </p:nvSpPr>
-        <p:spPr bwMode="auto"/>
-        <p:txBody>
-          <a:bodyPr/>
-          <a:lstStyle/>
-          <a:p>
-            <a:pPr>
-              <a:defRPr/>
-            </a:pPr>
-            <a:endParaRPr lang="en-GB"/>
-          </a:p>
-        </p:txBody>
-      </p:sp>
-      <p:graphicFrame>
-        <p:nvGraphicFramePr>
-          <p:cNvPr id="116042237" name="Content Placeholder 3"/>
-          <p:cNvGraphicFramePr>
-            <a:graphicFrameLocks xmlns:a="http://schemas.openxmlformats.org/drawingml/2006/main" noGrp="1"/>
-          </p:cNvGraphicFramePr>
-          <p:nvPr>
-            <p:ph idx="1"/>
-          </p:nvPr>
-        </p:nvGraphicFramePr>
-        <p:xfrm rot="0">
-          <a:off x="825498" y="2087217"/>
-          <a:ext cx="10528299" cy="3835972"/>
-        </p:xfrm>
-        <a:graphic>
-          <a:graphicData uri="http://schemas.openxmlformats.org/drawingml/2006/table">
-            <a:tbl>
-              <a:tblPr firstRow="1" firstCol="1" lastRow="0" lastCol="0" bandRow="1" bandCol="0">
-                <a:tableStyleId>{5C22544A-7EE6-4342-B048-85BDC9FD1C3A}</a:tableStyleId>
-              </a:tblPr>
-              <a:tblGrid>
-                <a:gridCol w="3634409"/>
-                <a:gridCol w="6881191"/>
-              </a:tblGrid>
-              <a:tr h="755374">
-                <a:tc>
-                  <a:txBody>
-                    <a:bodyPr/>
-                    <a:p>
-                      <a:pPr algn="ctr">
-                        <a:lnSpc>
-                          <a:spcPct val="107000"/>
-                        </a:lnSpc>
-                        <a:spcAft>
-                          <a:spcPts val="800"/>
-                        </a:spcAft>
-                        <a:defRPr/>
-                      </a:pPr>
-                      <a:r>
-                        <a:rPr lang="en-GB" sz="2400"/>
-                        <a:t>Rover</a:t>
-                      </a:r>
-                      <a:endParaRPr lang="en-GB" sz="2000">
-                        <a:latin typeface="Calibri"/>
-                        <a:ea typeface="Calibri"/>
-                        <a:cs typeface="Arial"/>
-                      </a:endParaRPr>
-                    </a:p>
-                  </a:txBody>
-                  <a:tcPr marL="9525" marR="9525" marT="9525" marB="9525" anchor="ctr"/>
-                </a:tc>
-                <a:tc>
-                  <a:txBody>
-                    <a:bodyPr/>
-                    <a:p>
-                      <a:pPr algn="ctr">
-                        <a:lnSpc>
-                          <a:spcPct val="107000"/>
-                        </a:lnSpc>
-                        <a:spcAft>
-                          <a:spcPts val="800"/>
-                        </a:spcAft>
-                        <a:defRPr/>
-                      </a:pPr>
-                      <a:r>
-                        <a:rPr lang="en-GB" sz="2400"/>
-                        <a:t>Primary Onboard Programming Languages</a:t>
-                      </a:r>
-                      <a:endParaRPr lang="en-GB" sz="2000">
-                        <a:latin typeface="Calibri"/>
-                        <a:ea typeface="Calibri"/>
-                        <a:cs typeface="Arial"/>
-                      </a:endParaRPr>
-                    </a:p>
-                  </a:txBody>
-                  <a:tcPr marL="9525" marR="9525" marT="9525" marB="9525" anchor="ctr"/>
-                </a:tc>
-              </a:tr>
-              <a:tr h="755374">
-                <a:tc>
-                  <a:txBody>
-                    <a:bodyPr/>
-                    <a:p>
-                      <a:pPr>
-                        <a:lnSpc>
-                          <a:spcPct val="107000"/>
-                        </a:lnSpc>
-                        <a:spcAft>
-                          <a:spcPts val="800"/>
-                        </a:spcAft>
-                        <a:defRPr/>
-                      </a:pPr>
-                      <a:r>
-                        <a:rPr lang="en-GB" sz="2400" b="0"/>
-                        <a:t>Sojourner (1997)</a:t>
-                      </a:r>
-                      <a:endParaRPr sz="2000" b="0">
-                        <a:latin typeface="Calibri"/>
-                        <a:ea typeface="Calibri"/>
-                        <a:cs typeface="Arial"/>
-                      </a:endParaRPr>
-                    </a:p>
-                  </a:txBody>
-                  <a:tcPr marL="9525" marR="9525" marT="9525" marB="9525" anchor="ctr"/>
-                </a:tc>
-                <a:tc>
-                  <a:txBody>
-                    <a:bodyPr/>
-                    <a:p>
-                      <a:pPr algn="ctr">
-                        <a:lnSpc>
-                          <a:spcPct val="107000"/>
-                        </a:lnSpc>
-                        <a:spcAft>
-                          <a:spcPts val="800"/>
-                        </a:spcAft>
-                        <a:defRPr/>
-                      </a:pPr>
-                      <a:r>
-                        <a:rPr lang="en-GB" sz="2400"/>
-                        <a:t>C &amp; low-level code (some assembly)</a:t>
-                      </a:r>
-                      <a:endParaRPr lang="en-GB" sz="2000">
-                        <a:latin typeface="Calibri"/>
-                        <a:ea typeface="Calibri"/>
-                        <a:cs typeface="Arial"/>
-                      </a:endParaRPr>
-                    </a:p>
-                  </a:txBody>
-                  <a:tcPr marL="9525" marR="9525" marT="9525" marB="9525" anchor="ctr"/>
-                </a:tc>
-              </a:tr>
-              <a:tr h="755374">
-                <a:tc>
-                  <a:txBody>
-                    <a:bodyPr/>
-                    <a:p>
-                      <a:pPr>
-                        <a:lnSpc>
-                          <a:spcPct val="107000"/>
-                        </a:lnSpc>
-                        <a:spcAft>
-                          <a:spcPts val="800"/>
-                        </a:spcAft>
-                        <a:defRPr/>
-                      </a:pPr>
-                      <a:r>
-                        <a:rPr lang="en-GB" sz="2400" b="0"/>
-                        <a:t>Spirit &amp; Opportunity (2004)</a:t>
-                      </a:r>
-                      <a:endParaRPr sz="2000" b="0">
-                        <a:latin typeface="Calibri"/>
-                        <a:ea typeface="Calibri"/>
-                        <a:cs typeface="Arial"/>
-                      </a:endParaRPr>
-                    </a:p>
-                  </a:txBody>
-                  <a:tcPr marL="9525" marR="9525" marT="9525" marB="9525" anchor="ctr"/>
-                </a:tc>
-                <a:tc>
-                  <a:txBody>
-                    <a:bodyPr/>
-                    <a:p>
-                      <a:pPr algn="ctr">
-                        <a:lnSpc>
-                          <a:spcPct val="107000"/>
-                        </a:lnSpc>
-                        <a:spcAft>
-                          <a:spcPts val="800"/>
-                        </a:spcAft>
-                        <a:defRPr/>
-                      </a:pPr>
-                      <a:r>
-                        <a:rPr lang="en-GB" sz="2400"/>
-                        <a:t>Mostly C (with some assembly/C++)</a:t>
-                      </a:r>
-                      <a:endParaRPr lang="en-GB" sz="2000">
-                        <a:latin typeface="Calibri"/>
-                        <a:ea typeface="Calibri"/>
-                        <a:cs typeface="Arial"/>
-                      </a:endParaRPr>
-                    </a:p>
-                  </a:txBody>
-                  <a:tcPr marL="9525" marR="9525" marT="9525" marB="9525" anchor="ctr"/>
-                </a:tc>
-              </a:tr>
-              <a:tr h="755374">
-                <a:tc>
-                  <a:txBody>
-                    <a:bodyPr/>
-                    <a:p>
-                      <a:pPr>
-                        <a:lnSpc>
-                          <a:spcPct val="107000"/>
-                        </a:lnSpc>
-                        <a:spcAft>
-                          <a:spcPts val="800"/>
-                        </a:spcAft>
-                        <a:defRPr/>
-                      </a:pPr>
-                      <a:r>
-                        <a:rPr lang="en-GB" sz="2400" b="0"/>
-                        <a:t>Curiosity (2011)</a:t>
-                      </a:r>
-                      <a:endParaRPr sz="2000" b="0">
-                        <a:latin typeface="Calibri"/>
-                        <a:ea typeface="Calibri"/>
-                        <a:cs typeface="Arial"/>
-                      </a:endParaRPr>
-                    </a:p>
-                  </a:txBody>
-                  <a:tcPr marL="9525" marR="9525" marT="9525" marB="9525" anchor="ctr"/>
-                </a:tc>
-                <a:tc>
-                  <a:txBody>
-                    <a:bodyPr/>
-                    <a:p>
-                      <a:pPr algn="ctr">
-                        <a:lnSpc>
-                          <a:spcPct val="107000"/>
-                        </a:lnSpc>
-                        <a:spcAft>
-                          <a:spcPts val="800"/>
-                        </a:spcAft>
-                        <a:defRPr/>
-                      </a:pPr>
-                      <a:r>
-                        <a:rPr lang="en-GB" sz="2400"/>
-                        <a:t>Mostly C (with some C++ and support scripts)</a:t>
-                      </a:r>
-                      <a:endParaRPr lang="en-GB" sz="2000">
-                        <a:latin typeface="Calibri"/>
-                        <a:ea typeface="Calibri"/>
-                        <a:cs typeface="Arial"/>
-                      </a:endParaRPr>
-                    </a:p>
-                  </a:txBody>
-                  <a:tcPr marL="9525" marR="9525" marT="9525" marB="9525" anchor="ctr"/>
-                </a:tc>
-              </a:tr>
-              <a:tr h="755374">
-                <a:tc>
-                  <a:txBody>
-                    <a:bodyPr/>
-                    <a:p>
-                      <a:pPr>
-                        <a:lnSpc>
-                          <a:spcPct val="107000"/>
-                        </a:lnSpc>
-                        <a:spcAft>
-                          <a:spcPts val="800"/>
-                        </a:spcAft>
-                        <a:defRPr/>
-                      </a:pPr>
-                      <a:r>
-                        <a:rPr lang="en-GB" sz="2400" b="0"/>
-                        <a:t>Perseverance (2020)</a:t>
-                      </a:r>
-                      <a:endParaRPr sz="2000" b="0">
-                        <a:latin typeface="Calibri"/>
-                        <a:ea typeface="Calibri"/>
-                        <a:cs typeface="Arial"/>
-                      </a:endParaRPr>
-                    </a:p>
-                  </a:txBody>
-                  <a:tcPr marL="9525" marR="9525" marT="9525" marB="9525" anchor="ctr"/>
-                </a:tc>
-                <a:tc>
-                  <a:txBody>
-                    <a:bodyPr/>
-                    <a:p>
-                      <a:pPr algn="ctr">
-                        <a:lnSpc>
-                          <a:spcPct val="107000"/>
-                        </a:lnSpc>
-                        <a:spcAft>
-                          <a:spcPts val="800"/>
-                        </a:spcAft>
-                        <a:defRPr/>
-                      </a:pPr>
-                      <a:r>
-                        <a:rPr lang="en-GB" sz="2400"/>
-                        <a:t>Mostly C/C++ (with automation languages like PLEXIL for specific subsystems)</a:t>
-                      </a:r>
-                      <a:endParaRPr lang="en-GB" sz="2000">
-                        <a:latin typeface="Calibri"/>
-                        <a:ea typeface="Calibri"/>
-                        <a:cs typeface="Arial"/>
-                      </a:endParaRPr>
-                    </a:p>
-                  </a:txBody>
-                  <a:tcPr marL="9525" marR="9525" marT="9525" marB="9525" anchor="ctr"/>
-                </a:tc>
-              </a:tr>
-            </a:tbl>
-          </a:graphicData>
-        </a:graphic>
-      </p:graphicFrame>
+          <p:cNvPr id="1390816717" name="Text 0"/>
+          <p:cNvSpPr/>
+          <p:nvPr/>
+        </p:nvSpPr>
+        <p:spPr bwMode="auto">
+          <a:xfrm>
+            <a:off x="761999" y="507999"/>
+            <a:ext cx="5557266" cy="507999"/>
+          </a:xfrm>
+          <a:prstGeom prst="rect">
+            <a:avLst/>
+          </a:prstGeom>
+          <a:noFill/>
+          <a:ln/>
+        </p:spPr>
+        <p:txBody>
+          <a:bodyPr wrap="square" lIns="0" tIns="0" rIns="0" bIns="0" rtlCol="0" anchor="t"/>
+          <a:lstStyle/>
+          <a:p>
+            <a:pPr marL="0" indent="0" algn="l">
+              <a:lnSpc>
+                <a:spcPts val="2999"/>
+              </a:lnSpc>
+              <a:spcAft>
+                <a:spcPts val="1874"/>
+              </a:spcAft>
+              <a:buNone/>
+              <a:defRPr/>
+            </a:pPr>
+            <a:r>
+              <a:rPr lang="pt-PT" sz="2700" b="1">
+                <a:solidFill>
+                  <a:srgbClr val="1E3A8A"/>
+                </a:solidFill>
+                <a:latin typeface="Arial"/>
+                <a:ea typeface="Arial"/>
+                <a:cs typeface="Arial"/>
+              </a:rPr>
+              <a:t>Criptografia e Segurança</a:t>
+            </a:r>
+            <a:endParaRPr lang="pt-PT" sz="2700"/>
+          </a:p>
+        </p:txBody>
+      </p:sp>
+      <p:sp>
+        <p:nvSpPr>
+          <p:cNvPr id="1098693974" name="Text 1"/>
+          <p:cNvSpPr/>
+          <p:nvPr/>
+        </p:nvSpPr>
+        <p:spPr bwMode="auto">
+          <a:xfrm>
+            <a:off x="761999" y="1523999"/>
+            <a:ext cx="5246369" cy="365719"/>
+          </a:xfrm>
+          <a:prstGeom prst="rect">
+            <a:avLst/>
+          </a:prstGeom>
+          <a:noFill/>
+          <a:ln/>
+        </p:spPr>
+        <p:txBody>
+          <a:bodyPr wrap="square" lIns="0" tIns="0" rIns="0" bIns="0" rtlCol="0" anchor="t"/>
+          <a:lstStyle/>
+          <a:p>
+            <a:pPr marL="0" indent="0" algn="l">
+              <a:lnSpc>
+                <a:spcPts val="2159"/>
+              </a:lnSpc>
+              <a:spcBef>
+                <a:spcPts val="1124"/>
+              </a:spcBef>
+              <a:spcAft>
+                <a:spcPts val="749"/>
+              </a:spcAft>
+              <a:buNone/>
+              <a:defRPr/>
+            </a:pPr>
+            <a:r>
+              <a:rPr lang="pt-PT" sz="1800" b="1">
+                <a:solidFill>
+                  <a:srgbClr val="3B82F6"/>
+                </a:solidFill>
+                <a:latin typeface="Arial"/>
+                <a:ea typeface="Arial"/>
+                <a:cs typeface="Arial"/>
+              </a:rPr>
+              <a:t>Ataques Auxiliares</a:t>
+            </a:r>
+            <a:endParaRPr lang="pt-PT" sz="1800"/>
+          </a:p>
+        </p:txBody>
+      </p:sp>
+      <p:sp>
+        <p:nvSpPr>
+          <p:cNvPr id="2029296384" name="Text 2"/>
+          <p:cNvSpPr/>
+          <p:nvPr/>
+        </p:nvSpPr>
+        <p:spPr bwMode="auto">
+          <a:xfrm>
+            <a:off x="761999" y="2016720"/>
+            <a:ext cx="5143500" cy="1625599"/>
+          </a:xfrm>
+          <a:prstGeom prst="rect">
+            <a:avLst/>
+          </a:prstGeom>
+          <a:noFill/>
+          <a:ln/>
+        </p:spPr>
+        <p:txBody>
+          <a:bodyPr wrap="square" lIns="119062" tIns="0" rIns="0" bIns="0" rtlCol="0" anchor="t"/>
+          <a:lstStyle/>
+          <a:p>
+            <a:pPr marL="119062" indent="-119062" algn="l">
+              <a:lnSpc>
+                <a:spcPts val="2099"/>
+              </a:lnSpc>
+              <a:spcAft>
+                <a:spcPts val="449"/>
+              </a:spcAft>
+              <a:buSzPct val="100000"/>
+              <a:buChar char="•"/>
+              <a:defRPr/>
+            </a:pPr>
+            <a:r>
+              <a:rPr lang="pt-PT" sz="1350">
+                <a:solidFill>
+                  <a:srgbClr val="334155"/>
+                </a:solidFill>
+                <a:latin typeface="Arial"/>
+                <a:ea typeface="Arial"/>
+                <a:cs typeface="Arial"/>
+              </a:rPr>
+              <a:t>Timing attacks</a:t>
+            </a:r>
+            <a:endParaRPr lang="pt-PT" sz="1350"/>
+          </a:p>
+          <a:p>
+            <a:pPr marL="119062" indent="-119062" algn="l">
+              <a:lnSpc>
+                <a:spcPts val="2099"/>
+              </a:lnSpc>
+              <a:spcAft>
+                <a:spcPts val="449"/>
+              </a:spcAft>
+              <a:buSzPct val="100000"/>
+              <a:buChar char="•"/>
+              <a:defRPr/>
+            </a:pPr>
+            <a:r>
+              <a:rPr lang="pt-PT" sz="1350">
+                <a:solidFill>
+                  <a:srgbClr val="334155"/>
+                </a:solidFill>
+                <a:latin typeface="Arial"/>
+                <a:ea typeface="Arial"/>
+                <a:cs typeface="Arial"/>
+              </a:rPr>
+              <a:t>Cache-timing attacks</a:t>
+            </a:r>
+            <a:endParaRPr lang="pt-PT" sz="1350"/>
+          </a:p>
+          <a:p>
+            <a:pPr marL="119062" indent="-119062" algn="l">
+              <a:lnSpc>
+                <a:spcPts val="2099"/>
+              </a:lnSpc>
+              <a:spcAft>
+                <a:spcPts val="449"/>
+              </a:spcAft>
+              <a:buSzPct val="100000"/>
+              <a:buChar char="•"/>
+              <a:defRPr/>
+            </a:pPr>
+            <a:r>
+              <a:rPr lang="pt-PT" sz="1350">
+                <a:solidFill>
+                  <a:srgbClr val="334155"/>
+                </a:solidFill>
+                <a:latin typeface="Arial"/>
+                <a:ea typeface="Arial"/>
+                <a:cs typeface="Arial"/>
+              </a:rPr>
+              <a:t>Exploram tempo de execução</a:t>
+            </a:r>
+            <a:endParaRPr lang="pt-PT" sz="1350"/>
+          </a:p>
+        </p:txBody>
+      </p:sp>
+      <p:sp>
+        <p:nvSpPr>
+          <p:cNvPr id="1281070675" name="Text 3"/>
+          <p:cNvSpPr/>
+          <p:nvPr/>
+        </p:nvSpPr>
+        <p:spPr bwMode="auto">
+          <a:xfrm>
+            <a:off x="761999" y="3832819"/>
+            <a:ext cx="5246369" cy="365719"/>
+          </a:xfrm>
+          <a:prstGeom prst="rect">
+            <a:avLst/>
+          </a:prstGeom>
+          <a:noFill/>
+          <a:ln/>
+        </p:spPr>
+        <p:txBody>
+          <a:bodyPr wrap="square" lIns="0" tIns="0" rIns="0" bIns="0" rtlCol="0" anchor="t"/>
+          <a:lstStyle/>
+          <a:p>
+            <a:pPr marL="0" indent="0" algn="l">
+              <a:lnSpc>
+                <a:spcPts val="2159"/>
+              </a:lnSpc>
+              <a:spcBef>
+                <a:spcPts val="1124"/>
+              </a:spcBef>
+              <a:spcAft>
+                <a:spcPts val="749"/>
+              </a:spcAft>
+              <a:buNone/>
+              <a:defRPr/>
+            </a:pPr>
+            <a:r>
+              <a:rPr lang="pt-PT" sz="1800" b="1">
+                <a:solidFill>
+                  <a:srgbClr val="3B82F6"/>
+                </a:solidFill>
+                <a:latin typeface="Arial"/>
+                <a:ea typeface="Arial"/>
+                <a:cs typeface="Arial"/>
+              </a:rPr>
+              <a:t>Solução</a:t>
+            </a:r>
+            <a:endParaRPr lang="pt-PT" sz="1800"/>
+          </a:p>
+        </p:txBody>
+      </p:sp>
+      <p:sp>
+        <p:nvSpPr>
+          <p:cNvPr id="1433240543" name="Text 4"/>
+          <p:cNvSpPr/>
+          <p:nvPr/>
+        </p:nvSpPr>
+        <p:spPr bwMode="auto">
+          <a:xfrm>
+            <a:off x="761998" y="4267197"/>
+            <a:ext cx="5143500" cy="507999"/>
+          </a:xfrm>
+          <a:prstGeom prst="rect">
+            <a:avLst/>
+          </a:prstGeom>
+          <a:noFill/>
+          <a:ln/>
+        </p:spPr>
+        <p:txBody>
+          <a:bodyPr wrap="square" lIns="119062" tIns="0" rIns="0" bIns="0" rtlCol="0" anchor="t"/>
+          <a:lstStyle/>
+          <a:p>
+            <a:pPr marL="119062" indent="-119062" algn="l">
+              <a:lnSpc>
+                <a:spcPts val="2099"/>
+              </a:lnSpc>
+              <a:spcAft>
+                <a:spcPts val="449"/>
+              </a:spcAft>
+              <a:buSzPct val="100000"/>
+              <a:buChar char="•"/>
+              <a:defRPr/>
+            </a:pPr>
+            <a:r>
+              <a:rPr lang="pt-PT" sz="1350">
+                <a:solidFill>
+                  <a:srgbClr val="334155"/>
+                </a:solidFill>
+                <a:latin typeface="Arial"/>
+                <a:ea typeface="Arial"/>
+                <a:cs typeface="Arial"/>
+              </a:rPr>
+              <a:t>Código constant-time</a:t>
+            </a:r>
+            <a:endParaRPr lang="pt-PT" sz="1350"/>
+          </a:p>
+        </p:txBody>
+      </p:sp>
+      <p:sp>
+        <p:nvSpPr>
+          <p:cNvPr id="578437485" name="Text 5"/>
+          <p:cNvSpPr/>
+          <p:nvPr/>
+        </p:nvSpPr>
+        <p:spPr bwMode="auto">
+          <a:xfrm>
+            <a:off x="6286500" y="1523999"/>
+            <a:ext cx="5246369" cy="365719"/>
+          </a:xfrm>
+          <a:prstGeom prst="rect">
+            <a:avLst/>
+          </a:prstGeom>
+          <a:noFill/>
+          <a:ln/>
+        </p:spPr>
+        <p:txBody>
+          <a:bodyPr wrap="square" lIns="0" tIns="0" rIns="0" bIns="0" rtlCol="0" anchor="t"/>
+          <a:lstStyle/>
+          <a:p>
+            <a:pPr marL="0" indent="0" algn="l">
+              <a:lnSpc>
+                <a:spcPts val="2159"/>
+              </a:lnSpc>
+              <a:spcBef>
+                <a:spcPts val="1124"/>
+              </a:spcBef>
+              <a:spcAft>
+                <a:spcPts val="749"/>
+              </a:spcAft>
+              <a:buNone/>
+              <a:defRPr/>
+            </a:pPr>
+            <a:r>
+              <a:rPr lang="pt-PT" sz="1800" b="1">
+                <a:solidFill>
+                  <a:srgbClr val="3B82F6"/>
+                </a:solidFill>
+                <a:latin typeface="Arial"/>
+                <a:ea typeface="Arial"/>
+                <a:cs typeface="Arial"/>
+              </a:rPr>
+              <a:t>Bibliotecas</a:t>
+            </a:r>
+            <a:endParaRPr lang="pt-PT" sz="1800"/>
+          </a:p>
+        </p:txBody>
+      </p:sp>
+      <p:sp>
+        <p:nvSpPr>
+          <p:cNvPr id="386983884" name="Text 6"/>
+          <p:cNvSpPr/>
+          <p:nvPr/>
+        </p:nvSpPr>
+        <p:spPr bwMode="auto">
+          <a:xfrm>
+            <a:off x="6286500" y="2016720"/>
+            <a:ext cx="5143500" cy="1625599"/>
+          </a:xfrm>
+          <a:prstGeom prst="rect">
+            <a:avLst/>
+          </a:prstGeom>
+          <a:noFill/>
+          <a:ln/>
+        </p:spPr>
+        <p:txBody>
+          <a:bodyPr wrap="square" lIns="119062" tIns="0" rIns="0" bIns="0" rtlCol="0" anchor="t"/>
+          <a:lstStyle/>
+          <a:p>
+            <a:pPr marL="119062" indent="-119062" algn="l">
+              <a:lnSpc>
+                <a:spcPts val="2099"/>
+              </a:lnSpc>
+              <a:spcAft>
+                <a:spcPts val="449"/>
+              </a:spcAft>
+              <a:buSzPct val="100000"/>
+              <a:buChar char="•"/>
+              <a:defRPr/>
+            </a:pPr>
+            <a:r>
+              <a:rPr lang="pt-PT" sz="1350">
+                <a:solidFill>
+                  <a:srgbClr val="334155"/>
+                </a:solidFill>
+                <a:latin typeface="Arial"/>
+                <a:ea typeface="Arial"/>
+                <a:cs typeface="Arial"/>
+              </a:rPr>
+              <a:t>OpenSSL</a:t>
+            </a:r>
+            <a:endParaRPr lang="pt-PT" sz="1350"/>
+          </a:p>
+          <a:p>
+            <a:pPr marL="119062" indent="-119062" algn="l">
+              <a:lnSpc>
+                <a:spcPts val="2099"/>
+              </a:lnSpc>
+              <a:spcAft>
+                <a:spcPts val="449"/>
+              </a:spcAft>
+              <a:buSzPct val="100000"/>
+              <a:buChar char="•"/>
+              <a:defRPr/>
+            </a:pPr>
+            <a:r>
+              <a:rPr lang="pt-PT" sz="1350">
+                <a:solidFill>
+                  <a:srgbClr val="334155"/>
+                </a:solidFill>
+                <a:latin typeface="Arial"/>
+                <a:ea typeface="Arial"/>
+                <a:cs typeface="Arial"/>
+              </a:rPr>
+              <a:t>libsodium</a:t>
+            </a:r>
+            <a:endParaRPr lang="pt-PT" sz="1350"/>
+          </a:p>
+          <a:p>
+            <a:pPr marL="119062" indent="-119062" algn="l">
+              <a:lnSpc>
+                <a:spcPts val="2099"/>
+              </a:lnSpc>
+              <a:spcAft>
+                <a:spcPts val="449"/>
+              </a:spcAft>
+              <a:buSzPct val="100000"/>
+              <a:buChar char="•"/>
+              <a:defRPr/>
+            </a:pPr>
+            <a:r>
+              <a:rPr lang="pt-PT" sz="1350">
+                <a:solidFill>
+                  <a:srgbClr val="334155"/>
+                </a:solidFill>
+                <a:latin typeface="Arial"/>
+                <a:ea typeface="Arial"/>
+                <a:cs typeface="Arial"/>
+              </a:rPr>
+              <a:t>Rotinas críticas em Assembly</a:t>
+            </a:r>
+            <a:endParaRPr lang="pt-PT" sz="1350"/>
+          </a:p>
+        </p:txBody>
+      </p:sp>
+      <p:sp>
+        <p:nvSpPr>
+          <p:cNvPr id="39408165" name="Text 3"/>
+          <p:cNvSpPr/>
+          <p:nvPr/>
+        </p:nvSpPr>
+        <p:spPr bwMode="auto">
+          <a:xfrm flipH="0" flipV="0">
+            <a:off x="5707500" y="3901478"/>
+            <a:ext cx="4854555" cy="365718"/>
+          </a:xfrm>
+          <a:prstGeom prst="rect">
+            <a:avLst/>
+          </a:prstGeom>
+          <a:noFill/>
+          <a:ln/>
+        </p:spPr>
+        <p:txBody>
+          <a:bodyPr wrap="square" lIns="0" tIns="0" rIns="0" bIns="0" rtlCol="0" anchor="t"/>
+          <a:lstStyle/>
+          <a:p>
+            <a:pPr marL="0" indent="0" algn="l">
+              <a:lnSpc>
+                <a:spcPts val="2158"/>
+              </a:lnSpc>
+              <a:spcBef>
+                <a:spcPts val="1123"/>
+              </a:spcBef>
+              <a:spcAft>
+                <a:spcPts val="748"/>
+              </a:spcAft>
+              <a:buNone/>
+              <a:defRPr/>
+            </a:pPr>
+            <a:r>
+              <a:rPr lang="pt-BR" sz="2200" b="1">
+                <a:solidFill>
+                  <a:srgbClr val="3B82F6"/>
+                </a:solidFill>
+                <a:latin typeface="Arial"/>
+                <a:ea typeface="Arial"/>
+                <a:cs typeface="Arial"/>
+              </a:rPr>
+              <a:t>Assembler:</a:t>
+            </a:r>
+            <a:endParaRPr lang="pt-PT" sz="2200"/>
+          </a:p>
+        </p:txBody>
+      </p:sp>
+      <p:sp>
+        <p:nvSpPr>
+          <p:cNvPr id="1098886351" name="Text 4"/>
+          <p:cNvSpPr/>
+          <p:nvPr/>
+        </p:nvSpPr>
+        <p:spPr bwMode="auto">
+          <a:xfrm flipH="0" flipV="0">
+            <a:off x="5768952" y="4373343"/>
+            <a:ext cx="5661045" cy="1625598"/>
+          </a:xfrm>
+          <a:prstGeom prst="rect">
+            <a:avLst/>
+          </a:prstGeom>
+          <a:noFill/>
+          <a:ln/>
+        </p:spPr>
+        <p:txBody>
+          <a:bodyPr wrap="square" lIns="119061" tIns="0" rIns="0" bIns="0" rtlCol="0" anchor="t"/>
+          <a:lstStyle/>
+          <a:p>
+            <a:pPr marL="119061" indent="-119061" algn="l">
+              <a:lnSpc>
+                <a:spcPct val="100000"/>
+              </a:lnSpc>
+              <a:spcAft>
+                <a:spcPts val="448"/>
+              </a:spcAft>
+              <a:buSzPct val="100000"/>
+              <a:buChar char="•"/>
+              <a:defRPr/>
+            </a:pPr>
+            <a:r>
+              <a:rPr lang="pt-BR" sz="2400"/>
+              <a:t>NASM</a:t>
+            </a:r>
+            <a:endParaRPr lang="pt-BR" sz="2400"/>
+          </a:p>
+          <a:p>
+            <a:pPr marL="119061" indent="-119061" algn="l">
+              <a:lnSpc>
+                <a:spcPct val="100000"/>
+              </a:lnSpc>
+              <a:spcAft>
+                <a:spcPts val="448"/>
+              </a:spcAft>
+              <a:buSzPct val="100000"/>
+              <a:buChar char="•"/>
+              <a:defRPr/>
+            </a:pPr>
+            <a:r>
+              <a:rPr lang="pt-BR" sz="2400"/>
+              <a:t>GAS</a:t>
+            </a:r>
+            <a:endParaRPr lang="pt-BR" sz="2400"/>
+          </a:p>
+          <a:p>
+            <a:pPr marL="119061" indent="-119061" algn="l">
+              <a:lnSpc>
+                <a:spcPct val="100000"/>
+              </a:lnSpc>
+              <a:spcAft>
+                <a:spcPts val="448"/>
+              </a:spcAft>
+              <a:buSzPct val="100000"/>
+              <a:buChar char="•"/>
+              <a:defRPr/>
+            </a:pPr>
+            <a:r>
+              <a:rPr lang="pt-BR" sz="2400"/>
+              <a:t>MASM(criptografia)</a:t>
+            </a:r>
+            <a:endParaRPr lang="pt-PT" sz="2400"/>
+          </a:p>
+        </p:txBody>
+      </p:sp>
     </p:spTree>
   </p:cSld>
   <p:clrMapOvr>
@@ -4878,7 +6298,7 @@
       </p:grpSpPr>
       <p:sp>
         <p:nvSpPr>
-          <p:cNvPr id="763688739" name="Title 1"/>
+          <p:cNvPr id="1202783863" name="Title 1"/>
           <p:cNvSpPr>
             <a:spLocks noGrp="1"/>
           </p:cNvSpPr>
@@ -4894,2584 +6314,17 @@
             <a:pPr>
               <a:defRPr/>
             </a:pPr>
-            <a:endParaRPr lang="en-GB"/>
+            <a:r>
+              <a:rPr lang="pt-PT"/>
+              <a:t>Assemblers Comparison</a:t>
+            </a:r>
+            <a:endParaRPr lang="pt-PT"/>
           </a:p>
         </p:txBody>
       </p:sp>
       <p:graphicFrame>
         <p:nvGraphicFramePr>
-          <p:cNvPr id="1604668623" name="Content Placeholder 3"/>
-          <p:cNvGraphicFramePr>
-            <a:graphicFrameLocks xmlns:a="http://schemas.openxmlformats.org/drawingml/2006/main" noGrp="1"/>
-          </p:cNvGraphicFramePr>
-          <p:nvPr>
-            <p:ph idx="1"/>
-          </p:nvPr>
-        </p:nvGraphicFramePr>
-        <p:xfrm rot="0">
-          <a:off x="838200" y="1878496"/>
-          <a:ext cx="10515600" cy="4184375"/>
-        </p:xfrm>
-        <a:graphic>
-          <a:graphicData uri="http://schemas.openxmlformats.org/drawingml/2006/table">
-            <a:tbl>
-              <a:tblPr firstRow="1" firstCol="1" lastRow="0" lastCol="0" bandRow="1" bandCol="0">
-                <a:tableStyleId>{5C22544A-7EE6-4342-B048-85BDC9FD1C3A}</a:tableStyleId>
-              </a:tblPr>
-              <a:tblGrid>
-                <a:gridCol w="1984513"/>
-                <a:gridCol w="4750904"/>
-                <a:gridCol w="3780183"/>
-              </a:tblGrid>
-              <a:tr h="462700">
-                <a:tc>
-                  <a:txBody>
-                    <a:bodyPr/>
-                    <a:p>
-                      <a:pPr>
-                        <a:lnSpc>
-                          <a:spcPct val="107000"/>
-                        </a:lnSpc>
-                        <a:spcAft>
-                          <a:spcPts val="800"/>
-                        </a:spcAft>
-                        <a:defRPr/>
-                      </a:pPr>
-                      <a:r>
-                        <a:rPr lang="en-GB" sz="2400"/>
-                        <a:t>Category</a:t>
-                      </a:r>
-                      <a:endParaRPr lang="en-GB" sz="2000">
-                        <a:latin typeface="Calibri"/>
-                        <a:ea typeface="Calibri"/>
-                        <a:cs typeface="Arial"/>
-                      </a:endParaRPr>
-                    </a:p>
-                  </a:txBody>
-                  <a:tcPr marL="9525" marR="9525" marT="9525" marB="9525" anchor="ctr"/>
-                </a:tc>
-                <a:tc>
-                  <a:txBody>
-                    <a:bodyPr/>
-                    <a:p>
-                      <a:pPr algn="ctr">
-                        <a:lnSpc>
-                          <a:spcPct val="107000"/>
-                        </a:lnSpc>
-                        <a:spcAft>
-                          <a:spcPts val="800"/>
-                        </a:spcAft>
-                        <a:defRPr/>
-                      </a:pPr>
-                      <a:r>
-                        <a:rPr lang="en-GB" sz="2400"/>
-                        <a:t>Neuromorphic</a:t>
-                      </a:r>
-                      <a:endParaRPr lang="en-GB" sz="2000">
-                        <a:latin typeface="Calibri"/>
-                        <a:ea typeface="Calibri"/>
-                        <a:cs typeface="Arial"/>
-                      </a:endParaRPr>
-                    </a:p>
-                  </a:txBody>
-                  <a:tcPr marL="9525" marR="9525" marT="9525" marB="9525" anchor="ctr"/>
-                </a:tc>
-                <a:tc>
-                  <a:txBody>
-                    <a:bodyPr/>
-                    <a:p>
-                      <a:pPr algn="ctr">
-                        <a:lnSpc>
-                          <a:spcPct val="107000"/>
-                        </a:lnSpc>
-                        <a:spcAft>
-                          <a:spcPts val="800"/>
-                        </a:spcAft>
-                        <a:defRPr/>
-                      </a:pPr>
-                      <a:r>
-                        <a:rPr lang="en-GB" sz="2400"/>
-                        <a:t>Quantum</a:t>
-                      </a:r>
-                      <a:endParaRPr lang="en-GB" sz="2000">
-                        <a:latin typeface="Calibri"/>
-                        <a:ea typeface="Calibri"/>
-                        <a:cs typeface="Arial"/>
-                      </a:endParaRPr>
-                    </a:p>
-                  </a:txBody>
-                  <a:tcPr marL="9525" marR="9525" marT="9525" marB="9525" anchor="ctr"/>
-                </a:tc>
-              </a:tr>
-              <a:tr h="424878">
-                <a:tc>
-                  <a:txBody>
-                    <a:bodyPr/>
-                    <a:p>
-                      <a:pPr>
-                        <a:lnSpc>
-                          <a:spcPct val="107000"/>
-                        </a:lnSpc>
-                        <a:spcAft>
-                          <a:spcPts val="800"/>
-                        </a:spcAft>
-                        <a:defRPr/>
-                      </a:pPr>
-                      <a:r>
-                        <a:rPr lang="en-GB" sz="2400" b="0"/>
-                        <a:t>Inspiration</a:t>
-                      </a:r>
-                      <a:endParaRPr sz="2000" b="0">
-                        <a:latin typeface="Calibri"/>
-                        <a:ea typeface="Calibri"/>
-                        <a:cs typeface="Arial"/>
-                      </a:endParaRPr>
-                    </a:p>
-                  </a:txBody>
-                  <a:tcPr marL="9525" marR="9525" marT="9525" marB="9525" anchor="ctr"/>
-                </a:tc>
-                <a:tc>
-                  <a:txBody>
-                    <a:bodyPr/>
-                    <a:p>
-                      <a:pPr algn="ctr">
-                        <a:lnSpc>
-                          <a:spcPct val="107000"/>
-                        </a:lnSpc>
-                        <a:spcAft>
-                          <a:spcPts val="800"/>
-                        </a:spcAft>
-                        <a:defRPr/>
-                      </a:pPr>
-                      <a:r>
-                        <a:rPr lang="en-GB" sz="2400"/>
-                        <a:t>Human brain</a:t>
-                      </a:r>
-                      <a:endParaRPr lang="en-GB" sz="2000">
-                        <a:latin typeface="Calibri"/>
-                        <a:ea typeface="Calibri"/>
-                        <a:cs typeface="Arial"/>
-                      </a:endParaRPr>
-                    </a:p>
-                  </a:txBody>
-                  <a:tcPr marL="9525" marR="9525" marT="9525" marB="9525" anchor="ctr"/>
-                </a:tc>
-                <a:tc>
-                  <a:txBody>
-                    <a:bodyPr/>
-                    <a:p>
-                      <a:pPr algn="ctr">
-                        <a:lnSpc>
-                          <a:spcPct val="107000"/>
-                        </a:lnSpc>
-                        <a:spcAft>
-                          <a:spcPts val="800"/>
-                        </a:spcAft>
-                        <a:defRPr/>
-                      </a:pPr>
-                      <a:r>
-                        <a:rPr lang="en-GB" sz="2400"/>
-                        <a:t>Quantum physics</a:t>
-                      </a:r>
-                      <a:endParaRPr lang="en-GB" sz="2000">
-                        <a:latin typeface="Calibri"/>
-                        <a:ea typeface="Calibri"/>
-                        <a:cs typeface="Arial"/>
-                      </a:endParaRPr>
-                    </a:p>
-                  </a:txBody>
-                  <a:tcPr marL="9525" marR="9525" marT="9525" marB="9525" anchor="ctr"/>
-                </a:tc>
-              </a:tr>
-              <a:tr h="424878">
-                <a:tc>
-                  <a:txBody>
-                    <a:bodyPr/>
-                    <a:p>
-                      <a:pPr>
-                        <a:lnSpc>
-                          <a:spcPct val="107000"/>
-                        </a:lnSpc>
-                        <a:spcAft>
-                          <a:spcPts val="800"/>
-                        </a:spcAft>
-                        <a:defRPr/>
-                      </a:pPr>
-                      <a:r>
-                        <a:rPr lang="en-GB" sz="2400" b="0"/>
-                        <a:t>Hardware</a:t>
-                      </a:r>
-                      <a:endParaRPr sz="2000" b="0">
-                        <a:latin typeface="Calibri"/>
-                        <a:ea typeface="Calibri"/>
-                        <a:cs typeface="Arial"/>
-                      </a:endParaRPr>
-                    </a:p>
-                  </a:txBody>
-                  <a:tcPr marL="9525" marR="9525" marT="9525" marB="9525" anchor="ctr"/>
-                </a:tc>
-                <a:tc>
-                  <a:txBody>
-                    <a:bodyPr/>
-                    <a:p>
-                      <a:pPr algn="ctr">
-                        <a:lnSpc>
-                          <a:spcPct val="107000"/>
-                        </a:lnSpc>
-                        <a:spcAft>
-                          <a:spcPts val="800"/>
-                        </a:spcAft>
-                        <a:defRPr/>
-                      </a:pPr>
-                      <a:r>
-                        <a:rPr lang="en-GB" sz="2400"/>
-                        <a:t>Spiking neural chips</a:t>
-                      </a:r>
-                      <a:endParaRPr lang="en-GB" sz="2000">
-                        <a:latin typeface="Calibri"/>
-                        <a:ea typeface="Calibri"/>
-                        <a:cs typeface="Arial"/>
-                      </a:endParaRPr>
-                    </a:p>
-                  </a:txBody>
-                  <a:tcPr marL="9525" marR="9525" marT="9525" marB="9525" anchor="ctr"/>
-                </a:tc>
-                <a:tc>
-                  <a:txBody>
-                    <a:bodyPr/>
-                    <a:p>
-                      <a:pPr algn="ctr">
-                        <a:lnSpc>
-                          <a:spcPct val="107000"/>
-                        </a:lnSpc>
-                        <a:spcAft>
-                          <a:spcPts val="800"/>
-                        </a:spcAft>
-                        <a:defRPr/>
-                      </a:pPr>
-                      <a:r>
-                        <a:rPr lang="en-GB" sz="2400"/>
-                        <a:t>Qubits in cryogenic systems</a:t>
-                      </a:r>
-                      <a:endParaRPr lang="en-GB" sz="2000">
-                        <a:latin typeface="Calibri"/>
-                        <a:ea typeface="Calibri"/>
-                        <a:cs typeface="Arial"/>
-                      </a:endParaRPr>
-                    </a:p>
-                  </a:txBody>
-                  <a:tcPr marL="9525" marR="9525" marT="9525" marB="9525" anchor="ctr"/>
-                </a:tc>
-              </a:tr>
-              <a:tr h="828288">
-                <a:tc>
-                  <a:txBody>
-                    <a:bodyPr/>
-                    <a:p>
-                      <a:pPr>
-                        <a:lnSpc>
-                          <a:spcPct val="107000"/>
-                        </a:lnSpc>
-                        <a:spcAft>
-                          <a:spcPts val="800"/>
-                        </a:spcAft>
-                        <a:defRPr/>
-                      </a:pPr>
-                      <a:r>
-                        <a:rPr lang="en-GB" sz="2400" b="0"/>
-                        <a:t>Strengths</a:t>
-                      </a:r>
-                      <a:endParaRPr sz="2000" b="0">
-                        <a:latin typeface="Calibri"/>
-                        <a:ea typeface="Calibri"/>
-                        <a:cs typeface="Arial"/>
-                      </a:endParaRPr>
-                    </a:p>
-                  </a:txBody>
-                  <a:tcPr marL="9525" marR="9525" marT="9525" marB="9525" anchor="ctr"/>
-                </a:tc>
-                <a:tc>
-                  <a:txBody>
-                    <a:bodyPr/>
-                    <a:p>
-                      <a:pPr algn="ctr">
-                        <a:lnSpc>
-                          <a:spcPct val="107000"/>
-                        </a:lnSpc>
-                        <a:spcAft>
-                          <a:spcPts val="800"/>
-                        </a:spcAft>
-                        <a:defRPr/>
-                      </a:pPr>
-                      <a:r>
-                        <a:rPr lang="en-GB" sz="2400"/>
-                        <a:t>Low power, real-time learning</a:t>
-                      </a:r>
-                      <a:endParaRPr lang="en-GB" sz="2000">
-                        <a:latin typeface="Calibri"/>
-                        <a:ea typeface="Calibri"/>
-                        <a:cs typeface="Arial"/>
-                      </a:endParaRPr>
-                    </a:p>
-                  </a:txBody>
-                  <a:tcPr marL="9525" marR="9525" marT="9525" marB="9525" anchor="ctr"/>
-                </a:tc>
-                <a:tc>
-                  <a:txBody>
-                    <a:bodyPr/>
-                    <a:p>
-                      <a:pPr algn="ctr">
-                        <a:lnSpc>
-                          <a:spcPct val="107000"/>
-                        </a:lnSpc>
-                        <a:spcAft>
-                          <a:spcPts val="800"/>
-                        </a:spcAft>
-                        <a:defRPr/>
-                      </a:pPr>
-                      <a:r>
-                        <a:rPr lang="en-GB" sz="2400"/>
-                        <a:t>Huge theoretical computational power</a:t>
-                      </a:r>
-                      <a:endParaRPr lang="en-GB" sz="2000">
-                        <a:latin typeface="Calibri"/>
-                        <a:ea typeface="Calibri"/>
-                        <a:cs typeface="Arial"/>
-                      </a:endParaRPr>
-                    </a:p>
-                  </a:txBody>
-                  <a:tcPr marL="9525" marR="9525" marT="9525" marB="9525" anchor="ctr"/>
-                </a:tc>
-              </a:tr>
-              <a:tr h="828288">
-                <a:tc>
-                  <a:txBody>
-                    <a:bodyPr/>
-                    <a:p>
-                      <a:pPr>
-                        <a:lnSpc>
-                          <a:spcPct val="107000"/>
-                        </a:lnSpc>
-                        <a:spcAft>
-                          <a:spcPts val="800"/>
-                        </a:spcAft>
-                        <a:defRPr/>
-                      </a:pPr>
-                      <a:r>
-                        <a:rPr lang="en-GB" sz="2400" b="0"/>
-                        <a:t>Weaknesses</a:t>
-                      </a:r>
-                      <a:endParaRPr sz="2000" b="0">
-                        <a:latin typeface="Calibri"/>
-                        <a:ea typeface="Calibri"/>
-                        <a:cs typeface="Arial"/>
-                      </a:endParaRPr>
-                    </a:p>
-                  </a:txBody>
-                  <a:tcPr marL="9525" marR="9525" marT="9525" marB="9525" anchor="ctr"/>
-                </a:tc>
-                <a:tc>
-                  <a:txBody>
-                    <a:bodyPr/>
-                    <a:p>
-                      <a:pPr algn="ctr">
-                        <a:lnSpc>
-                          <a:spcPct val="107000"/>
-                        </a:lnSpc>
-                        <a:spcAft>
-                          <a:spcPts val="800"/>
-                        </a:spcAft>
-                        <a:defRPr/>
-                      </a:pPr>
-                      <a:r>
-                        <a:rPr lang="en-GB" sz="2400"/>
-                        <a:t>Not great at math-heavy computing</a:t>
-                      </a:r>
-                      <a:endParaRPr lang="en-GB" sz="2000">
-                        <a:latin typeface="Calibri"/>
-                        <a:ea typeface="Calibri"/>
-                        <a:cs typeface="Arial"/>
-                      </a:endParaRPr>
-                    </a:p>
-                  </a:txBody>
-                  <a:tcPr marL="9525" marR="9525" marT="9525" marB="9525" anchor="ctr"/>
-                </a:tc>
-                <a:tc>
-                  <a:txBody>
-                    <a:bodyPr/>
-                    <a:p>
-                      <a:pPr algn="ctr">
-                        <a:lnSpc>
-                          <a:spcPct val="107000"/>
-                        </a:lnSpc>
-                        <a:spcAft>
-                          <a:spcPts val="800"/>
-                        </a:spcAft>
-                        <a:defRPr/>
-                      </a:pPr>
-                      <a:r>
-                        <a:rPr lang="en-GB" sz="2400"/>
-                        <a:t>Error-prone, hard to scale</a:t>
-                      </a:r>
-                      <a:endParaRPr lang="en-GB" sz="2000">
-                        <a:latin typeface="Calibri"/>
-                        <a:ea typeface="Calibri"/>
-                        <a:cs typeface="Arial"/>
-                      </a:endParaRPr>
-                    </a:p>
-                  </a:txBody>
-                  <a:tcPr marL="9525" marR="9525" marT="9525" marB="9525" anchor="ctr"/>
-                </a:tc>
-              </a:tr>
-              <a:tr h="424878">
-                <a:tc>
-                  <a:txBody>
-                    <a:bodyPr/>
-                    <a:p>
-                      <a:pPr>
-                        <a:lnSpc>
-                          <a:spcPct val="107000"/>
-                        </a:lnSpc>
-                        <a:spcAft>
-                          <a:spcPts val="800"/>
-                        </a:spcAft>
-                        <a:defRPr/>
-                      </a:pPr>
-                      <a:r>
-                        <a:rPr lang="en-GB" sz="2400" b="0"/>
-                        <a:t>Stage</a:t>
-                      </a:r>
-                      <a:endParaRPr sz="2000" b="0">
-                        <a:latin typeface="Calibri"/>
-                        <a:ea typeface="Calibri"/>
-                        <a:cs typeface="Arial"/>
-                      </a:endParaRPr>
-                    </a:p>
-                  </a:txBody>
-                  <a:tcPr marL="9525" marR="9525" marT="9525" marB="9525" anchor="ctr"/>
-                </a:tc>
-                <a:tc>
-                  <a:txBody>
-                    <a:bodyPr/>
-                    <a:p>
-                      <a:pPr algn="ctr">
-                        <a:lnSpc>
-                          <a:spcPct val="107000"/>
-                        </a:lnSpc>
-                        <a:spcAft>
-                          <a:spcPts val="800"/>
-                        </a:spcAft>
-                        <a:defRPr/>
-                      </a:pPr>
-                      <a:r>
-                        <a:rPr lang="en-GB" sz="2400"/>
-                        <a:t>Early but working today</a:t>
-                      </a:r>
-                      <a:endParaRPr lang="en-GB" sz="2000">
-                        <a:latin typeface="Calibri"/>
-                        <a:ea typeface="Calibri"/>
-                        <a:cs typeface="Arial"/>
-                      </a:endParaRPr>
-                    </a:p>
-                  </a:txBody>
-                  <a:tcPr marL="9525" marR="9525" marT="9525" marB="9525" anchor="ctr"/>
-                </a:tc>
-                <a:tc>
-                  <a:txBody>
-                    <a:bodyPr/>
-                    <a:p>
-                      <a:pPr algn="ctr">
-                        <a:lnSpc>
-                          <a:spcPct val="107000"/>
-                        </a:lnSpc>
-                        <a:spcAft>
-                          <a:spcPts val="800"/>
-                        </a:spcAft>
-                        <a:defRPr/>
-                      </a:pPr>
-                      <a:r>
-                        <a:rPr lang="en-GB" sz="2400"/>
-                        <a:t>Prototype / research phase</a:t>
-                      </a:r>
-                      <a:endParaRPr lang="en-GB" sz="2000">
-                        <a:latin typeface="Calibri"/>
-                        <a:ea typeface="Calibri"/>
-                        <a:cs typeface="Arial"/>
-                      </a:endParaRPr>
-                    </a:p>
-                  </a:txBody>
-                  <a:tcPr marL="9525" marR="9525" marT="9525" marB="9525" anchor="ctr"/>
-                </a:tc>
-              </a:tr>
-              <a:tr h="828288">
-                <a:tc>
-                  <a:txBody>
-                    <a:bodyPr/>
-                    <a:p>
-                      <a:pPr>
-                        <a:lnSpc>
-                          <a:spcPct val="107000"/>
-                        </a:lnSpc>
-                        <a:spcAft>
-                          <a:spcPts val="800"/>
-                        </a:spcAft>
-                        <a:defRPr/>
-                      </a:pPr>
-                      <a:r>
-                        <a:rPr lang="en-GB" sz="2400" b="0"/>
-                        <a:t>Best fit</a:t>
-                      </a:r>
-                      <a:endParaRPr sz="2000" b="0">
-                        <a:latin typeface="Calibri"/>
-                        <a:ea typeface="Calibri"/>
-                        <a:cs typeface="Arial"/>
-                      </a:endParaRPr>
-                    </a:p>
-                  </a:txBody>
-                  <a:tcPr marL="9525" marR="9525" marT="9525" marB="9525" anchor="ctr"/>
-                </a:tc>
-                <a:tc>
-                  <a:txBody>
-                    <a:bodyPr/>
-                    <a:p>
-                      <a:pPr algn="ctr">
-                        <a:lnSpc>
-                          <a:spcPct val="107000"/>
-                        </a:lnSpc>
-                        <a:spcAft>
-                          <a:spcPts val="800"/>
-                        </a:spcAft>
-                        <a:defRPr/>
-                      </a:pPr>
-                      <a:r>
-                        <a:rPr lang="en-GB" sz="2400"/>
-                        <a:t>Edge AI, robotics</a:t>
-                      </a:r>
-                      <a:endParaRPr lang="en-GB" sz="2000">
-                        <a:latin typeface="Calibri"/>
-                        <a:ea typeface="Calibri"/>
-                        <a:cs typeface="Arial"/>
-                      </a:endParaRPr>
-                    </a:p>
-                  </a:txBody>
-                  <a:tcPr marL="9525" marR="9525" marT="9525" marB="9525" anchor="ctr"/>
-                </a:tc>
-                <a:tc>
-                  <a:txBody>
-                    <a:bodyPr/>
-                    <a:p>
-                      <a:pPr algn="ctr">
-                        <a:lnSpc>
-                          <a:spcPct val="107000"/>
-                        </a:lnSpc>
-                        <a:spcAft>
-                          <a:spcPts val="800"/>
-                        </a:spcAft>
-                        <a:defRPr/>
-                      </a:pPr>
-                      <a:r>
-                        <a:rPr lang="en-GB" sz="2400"/>
-                        <a:t>Chemistry, optimization, cryptography</a:t>
-                      </a:r>
-                      <a:endParaRPr lang="en-GB" sz="2000">
-                        <a:latin typeface="Calibri"/>
-                        <a:ea typeface="Calibri"/>
-                        <a:cs typeface="Arial"/>
-                      </a:endParaRPr>
-                    </a:p>
-                  </a:txBody>
-                  <a:tcPr marL="9525" marR="9525" marT="9525" marB="9525" anchor="ctr"/>
-                </a:tc>
-              </a:tr>
-            </a:tbl>
-          </a:graphicData>
-        </a:graphic>
-      </p:graphicFrame>
-    </p:spTree>
-  </p:cSld>
-  <p:clrMapOvr>
-    <a:masterClrMapping/>
-  </p:clrMapOvr>
-  <mc:AlternateContent xmlns:mc="http://schemas.openxmlformats.org/markup-compatibility/2006">
-    <mc:Choice xmlns:p159="http://schemas.microsoft.com/office/powerpoint/2015/09/main" xmlns:p14="http://schemas.microsoft.com/office/powerpoint/2010/main" Requires="p159">
-      <p:transition p14:dur="2000" advClick="1"/>
-    </mc:Choice>
-    <mc:Fallback>
-      <p:transition advClick="1"/>
-    </mc:Fallback>
-  </mc:AlternateContent>
-</p:sld>
-</file>
-
-<file path=ppt/slides/slide6.xml><?xml version="1.0" encoding="utf-8"?>
-<p:sld xmlns:a="http://schemas.openxmlformats.org/drawingml/2006/main" xmlns:r="http://schemas.openxmlformats.org/officeDocument/2006/relationships" xmlns:p="http://schemas.openxmlformats.org/presentationml/2006/main" xmlns:m="http://schemas.openxmlformats.org/officeDocument/2006/math" xmlns:w="http://schemas.openxmlformats.org/wordprocessingml/2006/main" xmlns:mc="http://schemas.openxmlformats.org/markup-compatibility/2006" showMasterPhAnim="0" showMasterSp="1" show="1">
-  <p:cSld name="Slide 4">
-    <p:bg>
-      <p:bgPr shadeToTitle="0">
-        <a:solidFill>
-          <a:srgbClr val="F8FAFC"/>
-        </a:solidFill>
-      </p:bgPr>
-    </p:bg>
-    <p:spTree>
-      <p:nvGrpSpPr>
-        <p:cNvPr id="1" name=""/>
-        <p:cNvGrpSpPr/>
-        <p:nvPr/>
-      </p:nvGrpSpPr>
-      <p:grpSpPr bwMode="auto">
-        <a:xfrm>
-          <a:off x="0" y="0"/>
-          <a:ext cx="0" cy="0"/>
-          <a:chOff x="0" y="0"/>
-          <a:chExt cx="0" cy="0"/>
-        </a:xfrm>
-      </p:grpSpPr>
-      <p:sp>
-        <p:nvSpPr>
-          <p:cNvPr id="1445094628" name="Text 0"/>
-          <p:cNvSpPr/>
-          <p:nvPr/>
-        </p:nvSpPr>
-        <p:spPr bwMode="auto">
-          <a:xfrm flipH="0" flipV="0">
-            <a:off x="838813" y="507998"/>
-            <a:ext cx="10591184" cy="507998"/>
-          </a:xfrm>
-          <a:prstGeom prst="rect">
-            <a:avLst/>
-          </a:prstGeom>
-          <a:noFill/>
-          <a:ln/>
-        </p:spPr>
-        <p:txBody>
-          <a:bodyPr wrap="square" lIns="0" tIns="0" rIns="0" bIns="0" rtlCol="0" anchor="t"/>
-          <a:lstStyle/>
-          <a:p>
-            <a:pPr marL="0" indent="0" algn="l">
-              <a:lnSpc>
-                <a:spcPts val="2998"/>
-              </a:lnSpc>
-              <a:spcAft>
-                <a:spcPts val="1873"/>
-              </a:spcAft>
-              <a:buNone/>
-              <a:defRPr/>
-            </a:pPr>
-            <a:r>
-              <a:rPr lang="pt-PT" sz="2700" b="1">
-                <a:solidFill>
-                  <a:srgbClr val="1E3A8A"/>
-                </a:solidFill>
-                <a:latin typeface="Arial"/>
-                <a:ea typeface="Arial"/>
-                <a:cs typeface="Arial"/>
-              </a:rPr>
-              <a:t>Sistemas </a:t>
-            </a:r>
-            <a:r>
-              <a:rPr lang="pt-BR" sz="2700" b="1">
-                <a:solidFill>
-                  <a:srgbClr val="1E3A8A"/>
-                </a:solidFill>
-                <a:latin typeface="Arial"/>
-                <a:ea typeface="Arial"/>
-                <a:cs typeface="Arial"/>
-              </a:rPr>
-              <a:t>“Embedded”</a:t>
-            </a:r>
-            <a:r>
-              <a:rPr lang="pt-BR" sz="2700" b="1">
-                <a:solidFill>
-                  <a:srgbClr val="1E3A8A"/>
-                </a:solidFill>
-                <a:latin typeface="Arial"/>
-                <a:ea typeface="Arial"/>
-                <a:cs typeface="Arial"/>
-              </a:rPr>
-              <a:t>,</a:t>
-            </a:r>
-            <a:r>
-              <a:rPr lang="pt-PT" sz="2700" b="1">
-                <a:solidFill>
-                  <a:srgbClr val="1E3A8A"/>
-                </a:solidFill>
-                <a:latin typeface="Arial"/>
-                <a:ea typeface="Arial"/>
-                <a:cs typeface="Arial"/>
-              </a:rPr>
-              <a:t> IoT</a:t>
-            </a:r>
-            <a:r>
-              <a:rPr lang="pt-BR" sz="2700" b="1">
-                <a:solidFill>
-                  <a:srgbClr val="1E3A8A"/>
-                </a:solidFill>
-                <a:latin typeface="Arial"/>
-                <a:ea typeface="Arial"/>
-                <a:cs typeface="Arial"/>
-              </a:rPr>
-              <a:t> e </a:t>
-            </a:r>
-            <a:r>
-              <a:rPr lang="pt-PT" sz="2700" b="1" i="0" u="none" strike="noStrike" cap="none" spc="0">
-                <a:solidFill>
-                  <a:srgbClr val="1E3A8A"/>
-                </a:solidFill>
-                <a:latin typeface="Arial"/>
-                <a:ea typeface="Arial"/>
-                <a:cs typeface="Arial"/>
-              </a:rPr>
-              <a:t>Sistemas Críticos de Segurança</a:t>
-            </a:r>
-            <a:endParaRPr sz="2700"/>
-          </a:p>
-          <a:p>
-            <a:pPr marL="0" indent="0" algn="l">
-              <a:lnSpc>
-                <a:spcPts val="2998"/>
-              </a:lnSpc>
-              <a:spcAft>
-                <a:spcPts val="1873"/>
-              </a:spcAft>
-              <a:buNone/>
-              <a:defRPr/>
-            </a:pPr>
-            <a:endParaRPr lang="pt-PT" sz="2700"/>
-          </a:p>
-        </p:txBody>
-      </p:sp>
-      <p:sp>
-        <p:nvSpPr>
-          <p:cNvPr id="373096711" name="Text 1"/>
-          <p:cNvSpPr/>
-          <p:nvPr/>
-        </p:nvSpPr>
-        <p:spPr bwMode="auto">
-          <a:xfrm>
-            <a:off x="761998" y="1590078"/>
-            <a:ext cx="5246369" cy="365719"/>
-          </a:xfrm>
-          <a:prstGeom prst="rect">
-            <a:avLst/>
-          </a:prstGeom>
-          <a:noFill/>
-          <a:ln/>
-        </p:spPr>
-        <p:txBody>
-          <a:bodyPr wrap="square" lIns="0" tIns="0" rIns="0" bIns="0" rtlCol="0" anchor="t"/>
-          <a:lstStyle/>
-          <a:p>
-            <a:pPr marL="0" indent="0" algn="l">
-              <a:lnSpc>
-                <a:spcPts val="2159"/>
-              </a:lnSpc>
-              <a:spcBef>
-                <a:spcPts val="1124"/>
-              </a:spcBef>
-              <a:spcAft>
-                <a:spcPts val="749"/>
-              </a:spcAft>
-              <a:buNone/>
-              <a:defRPr/>
-            </a:pPr>
-            <a:r>
-              <a:rPr lang="pt-PT" sz="1800" b="1">
-                <a:solidFill>
-                  <a:srgbClr val="3B82F6"/>
-                </a:solidFill>
-                <a:latin typeface="Arial"/>
-                <a:ea typeface="Arial"/>
-                <a:cs typeface="Arial"/>
-              </a:rPr>
-              <a:t>Características</a:t>
-            </a:r>
-            <a:endParaRPr lang="pt-PT" sz="1800"/>
-          </a:p>
-        </p:txBody>
-      </p:sp>
-      <p:sp>
-        <p:nvSpPr>
-          <p:cNvPr id="1600888785" name="Text 2"/>
-          <p:cNvSpPr/>
-          <p:nvPr/>
-        </p:nvSpPr>
-        <p:spPr bwMode="auto">
-          <a:xfrm>
-            <a:off x="761998" y="2082798"/>
-            <a:ext cx="5143500" cy="1625599"/>
-          </a:xfrm>
-          <a:prstGeom prst="rect">
-            <a:avLst/>
-          </a:prstGeom>
-          <a:noFill/>
-          <a:ln/>
-        </p:spPr>
-        <p:txBody>
-          <a:bodyPr wrap="square" lIns="119062" tIns="0" rIns="0" bIns="0" rtlCol="0" anchor="t"/>
-          <a:lstStyle/>
-          <a:p>
-            <a:pPr marL="119062" indent="-119062" algn="l">
-              <a:lnSpc>
-                <a:spcPts val="2099"/>
-              </a:lnSpc>
-              <a:spcAft>
-                <a:spcPts val="449"/>
-              </a:spcAft>
-              <a:buSzPct val="100000"/>
-              <a:buChar char="•"/>
-              <a:defRPr/>
-            </a:pPr>
-            <a:r>
-              <a:rPr lang="pt-PT" sz="1350">
-                <a:solidFill>
-                  <a:srgbClr val="334155"/>
-                </a:solidFill>
-                <a:latin typeface="Arial"/>
-                <a:ea typeface="Arial"/>
-                <a:cs typeface="Arial"/>
-              </a:rPr>
-              <a:t>Recursos muito limitados</a:t>
-            </a:r>
-            <a:endParaRPr lang="pt-PT" sz="1350"/>
-          </a:p>
-          <a:p>
-            <a:pPr marL="119062" indent="-119062" algn="l">
-              <a:lnSpc>
-                <a:spcPts val="2099"/>
-              </a:lnSpc>
-              <a:spcAft>
-                <a:spcPts val="449"/>
-              </a:spcAft>
-              <a:buSzPct val="100000"/>
-              <a:buChar char="•"/>
-              <a:defRPr/>
-            </a:pPr>
-            <a:r>
-              <a:rPr lang="pt-PT" sz="1350">
-                <a:solidFill>
-                  <a:srgbClr val="334155"/>
-                </a:solidFill>
-                <a:latin typeface="Arial"/>
-                <a:ea typeface="Arial"/>
-                <a:cs typeface="Arial"/>
-              </a:rPr>
-              <a:t>Processadores baixa frequência</a:t>
-            </a:r>
-            <a:endParaRPr lang="pt-PT" sz="1350"/>
-          </a:p>
-          <a:p>
-            <a:pPr marL="119062" indent="-119062" algn="l">
-              <a:lnSpc>
-                <a:spcPts val="2099"/>
-              </a:lnSpc>
-              <a:spcAft>
-                <a:spcPts val="449"/>
-              </a:spcAft>
-              <a:buSzPct val="100000"/>
-              <a:buChar char="•"/>
-              <a:defRPr/>
-            </a:pPr>
-            <a:r>
-              <a:rPr lang="pt-PT" sz="1350">
-                <a:solidFill>
-                  <a:srgbClr val="334155"/>
-                </a:solidFill>
-                <a:latin typeface="Arial"/>
-                <a:ea typeface="Arial"/>
-                <a:cs typeface="Arial"/>
-              </a:rPr>
-              <a:t>Cada ciclo é crítico</a:t>
-            </a:r>
-            <a:endParaRPr lang="pt-PT" sz="1350"/>
-          </a:p>
-        </p:txBody>
-      </p:sp>
-      <p:sp>
-        <p:nvSpPr>
-          <p:cNvPr id="1397065239" name="Text 3"/>
-          <p:cNvSpPr/>
-          <p:nvPr/>
-        </p:nvSpPr>
-        <p:spPr bwMode="auto">
-          <a:xfrm flipH="0" flipV="0">
-            <a:off x="761998" y="3804940"/>
-            <a:ext cx="4854555" cy="365718"/>
-          </a:xfrm>
-          <a:prstGeom prst="rect">
-            <a:avLst/>
-          </a:prstGeom>
-          <a:noFill/>
-          <a:ln/>
-        </p:spPr>
-        <p:txBody>
-          <a:bodyPr wrap="square" lIns="0" tIns="0" rIns="0" bIns="0" rtlCol="0" anchor="t"/>
-          <a:lstStyle/>
-          <a:p>
-            <a:pPr marL="0" indent="0" algn="l">
-              <a:lnSpc>
-                <a:spcPts val="2159"/>
-              </a:lnSpc>
-              <a:spcBef>
-                <a:spcPts val="1124"/>
-              </a:spcBef>
-              <a:spcAft>
-                <a:spcPts val="749"/>
-              </a:spcAft>
-              <a:buNone/>
-              <a:defRPr/>
-            </a:pPr>
-            <a:r>
-              <a:rPr lang="pt-PT" sz="1800" b="1">
-                <a:solidFill>
-                  <a:srgbClr val="3B82F6"/>
-                </a:solidFill>
-                <a:latin typeface="Arial"/>
-                <a:ea typeface="Arial"/>
-                <a:cs typeface="Arial"/>
-              </a:rPr>
-              <a:t>Vantagens Assembly</a:t>
-            </a:r>
-            <a:endParaRPr lang="pt-PT" sz="1800"/>
-          </a:p>
-        </p:txBody>
-      </p:sp>
-      <p:sp>
-        <p:nvSpPr>
-          <p:cNvPr id="682943500" name="Text 4"/>
-          <p:cNvSpPr/>
-          <p:nvPr/>
-        </p:nvSpPr>
-        <p:spPr bwMode="auto">
-          <a:xfrm flipH="0" flipV="0">
-            <a:off x="761998" y="4297661"/>
-            <a:ext cx="4854555" cy="1625598"/>
-          </a:xfrm>
-          <a:prstGeom prst="rect">
-            <a:avLst/>
-          </a:prstGeom>
-          <a:noFill/>
-          <a:ln/>
-        </p:spPr>
-        <p:txBody>
-          <a:bodyPr wrap="square" lIns="119061" tIns="0" rIns="0" bIns="0" rtlCol="0" anchor="t"/>
-          <a:lstStyle/>
-          <a:p>
-            <a:pPr marL="119062" indent="-119062" algn="l">
-              <a:lnSpc>
-                <a:spcPts val="2099"/>
-              </a:lnSpc>
-              <a:spcAft>
-                <a:spcPts val="449"/>
-              </a:spcAft>
-              <a:buSzPct val="100000"/>
-              <a:buChar char="•"/>
-              <a:defRPr/>
-            </a:pPr>
-            <a:r>
-              <a:rPr lang="pt-PT" sz="1350">
-                <a:solidFill>
-                  <a:srgbClr val="334155"/>
-                </a:solidFill>
-                <a:latin typeface="Arial"/>
-                <a:ea typeface="Arial"/>
-                <a:cs typeface="Arial"/>
-              </a:rPr>
-              <a:t>Eficiência máxima</a:t>
-            </a:r>
-            <a:endParaRPr lang="pt-PT" sz="1350"/>
-          </a:p>
-          <a:p>
-            <a:pPr marL="119062" indent="-119062" algn="l">
-              <a:lnSpc>
-                <a:spcPts val="2099"/>
-              </a:lnSpc>
-              <a:spcAft>
-                <a:spcPts val="449"/>
-              </a:spcAft>
-              <a:buSzPct val="100000"/>
-              <a:buChar char="•"/>
-              <a:defRPr/>
-            </a:pPr>
-            <a:r>
-              <a:rPr lang="pt-PT" sz="1350">
-                <a:solidFill>
-                  <a:srgbClr val="334155"/>
-                </a:solidFill>
-                <a:latin typeface="Arial"/>
-                <a:ea typeface="Arial"/>
-                <a:cs typeface="Arial"/>
-              </a:rPr>
-              <a:t>Resposta previsível</a:t>
-            </a:r>
-            <a:endParaRPr lang="pt-PT" sz="1350"/>
-          </a:p>
-          <a:p>
-            <a:pPr marL="119062" indent="-119062" algn="l">
-              <a:lnSpc>
-                <a:spcPts val="2099"/>
-              </a:lnSpc>
-              <a:spcAft>
-                <a:spcPts val="449"/>
-              </a:spcAft>
-              <a:buSzPct val="100000"/>
-              <a:buChar char="•"/>
-              <a:defRPr/>
-            </a:pPr>
-            <a:r>
-              <a:rPr lang="pt-PT" sz="1350">
-                <a:solidFill>
-                  <a:srgbClr val="334155"/>
-                </a:solidFill>
-                <a:latin typeface="Arial"/>
-                <a:ea typeface="Arial"/>
-                <a:cs typeface="Arial"/>
-              </a:rPr>
-              <a:t>Controlo preciso</a:t>
-            </a:r>
-            <a:endParaRPr lang="pt-PT" sz="1350"/>
-          </a:p>
-        </p:txBody>
-      </p:sp>
-      <p:sp>
-        <p:nvSpPr>
-          <p:cNvPr id="319445386" name="Text 1"/>
-          <p:cNvSpPr/>
-          <p:nvPr/>
-        </p:nvSpPr>
-        <p:spPr bwMode="auto">
-          <a:xfrm flipH="0" flipV="0">
-            <a:off x="5616554" y="1590078"/>
-            <a:ext cx="5710574" cy="365718"/>
-          </a:xfrm>
-          <a:prstGeom prst="rect">
-            <a:avLst/>
-          </a:prstGeom>
-          <a:noFill/>
-          <a:ln/>
-        </p:spPr>
-        <p:txBody>
-          <a:bodyPr wrap="square" lIns="0" tIns="0" rIns="0" bIns="0" rtlCol="0" anchor="t"/>
-          <a:lstStyle/>
-          <a:p>
-            <a:pPr marL="0" indent="0" algn="l">
-              <a:lnSpc>
-                <a:spcPts val="2158"/>
-              </a:lnSpc>
-              <a:spcBef>
-                <a:spcPts val="1123"/>
-              </a:spcBef>
-              <a:spcAft>
-                <a:spcPts val="748"/>
-              </a:spcAft>
-              <a:buNone/>
-              <a:defRPr/>
-            </a:pPr>
-            <a:r>
-              <a:rPr lang="pt-PT" sz="1800" b="1">
-                <a:solidFill>
-                  <a:srgbClr val="3B82F6"/>
-                </a:solidFill>
-                <a:latin typeface="Arial"/>
-                <a:ea typeface="Arial"/>
-                <a:cs typeface="Arial"/>
-              </a:rPr>
-              <a:t>Sectores de Aplicação</a:t>
-            </a:r>
-            <a:endParaRPr lang="pt-PT" sz="1800"/>
-          </a:p>
-        </p:txBody>
-      </p:sp>
-      <p:sp>
-        <p:nvSpPr>
-          <p:cNvPr id="427424875" name="Text 2"/>
-          <p:cNvSpPr/>
-          <p:nvPr/>
-        </p:nvSpPr>
-        <p:spPr bwMode="auto">
-          <a:xfrm flipH="0" flipV="0">
-            <a:off x="5707501" y="2082798"/>
-            <a:ext cx="5710574" cy="2184399"/>
-          </a:xfrm>
-          <a:prstGeom prst="rect">
-            <a:avLst/>
-          </a:prstGeom>
-          <a:noFill/>
-          <a:ln/>
-        </p:spPr>
-        <p:txBody>
-          <a:bodyPr wrap="square" lIns="119061" tIns="0" rIns="0" bIns="0" rtlCol="0" anchor="t"/>
-          <a:lstStyle/>
-          <a:p>
-            <a:pPr marL="0" indent="0" algn="l">
-              <a:lnSpc>
-                <a:spcPts val="2098"/>
-              </a:lnSpc>
-              <a:spcAft>
-                <a:spcPts val="448"/>
-              </a:spcAft>
-              <a:buNone/>
-              <a:defRPr/>
-            </a:pPr>
-            <a:r>
-              <a:rPr lang="pt-PT" sz="1350" b="1">
-                <a:solidFill>
-                  <a:srgbClr val="334155"/>
-                </a:solidFill>
-                <a:latin typeface="Arial"/>
-                <a:ea typeface="Arial"/>
-                <a:cs typeface="Arial"/>
-              </a:rPr>
-              <a:t>Aviação</a:t>
-            </a:r>
-            <a:r>
-              <a:rPr lang="pt-PT" sz="1350">
-                <a:solidFill>
-                  <a:srgbClr val="334155"/>
-                </a:solidFill>
-                <a:latin typeface="Arial"/>
-                <a:ea typeface="Arial"/>
-                <a:cs typeface="Arial"/>
-              </a:rPr>
-              <a:t>: Sistemas de controlo de voo (DO-178C)</a:t>
-            </a:r>
-            <a:endParaRPr lang="pt-PT" sz="1350"/>
-          </a:p>
-          <a:p>
-            <a:pPr marL="0" indent="0" algn="l">
-              <a:lnSpc>
-                <a:spcPts val="2098"/>
-              </a:lnSpc>
-              <a:spcAft>
-                <a:spcPts val="448"/>
-              </a:spcAft>
-              <a:buNone/>
-              <a:defRPr/>
-            </a:pPr>
-            <a:r>
-              <a:rPr lang="pt-PT" sz="1350" b="1">
-                <a:solidFill>
-                  <a:srgbClr val="334155"/>
-                </a:solidFill>
-                <a:latin typeface="Arial"/>
-                <a:ea typeface="Arial"/>
-                <a:cs typeface="Arial"/>
-              </a:rPr>
-              <a:t>Energia Nuclear</a:t>
-            </a:r>
-            <a:r>
-              <a:rPr lang="pt-PT" sz="1350">
-                <a:solidFill>
-                  <a:srgbClr val="334155"/>
-                </a:solidFill>
-                <a:latin typeface="Arial"/>
-                <a:ea typeface="Arial"/>
-                <a:cs typeface="Arial"/>
-              </a:rPr>
-              <a:t>: Controlo e segurança</a:t>
-            </a:r>
-            <a:endParaRPr lang="pt-PT" sz="1350"/>
-          </a:p>
-          <a:p>
-            <a:pPr marL="0" indent="0" algn="l">
-              <a:lnSpc>
-                <a:spcPts val="2098"/>
-              </a:lnSpc>
-              <a:spcAft>
-                <a:spcPts val="448"/>
-              </a:spcAft>
-              <a:buNone/>
-              <a:defRPr/>
-            </a:pPr>
-            <a:r>
-              <a:rPr lang="pt-PT" sz="1350" b="1">
-                <a:solidFill>
-                  <a:srgbClr val="334155"/>
-                </a:solidFill>
-                <a:latin typeface="Arial"/>
-                <a:ea typeface="Arial"/>
-                <a:cs typeface="Arial"/>
-              </a:rPr>
-              <a:t>Dispositivos Médicos</a:t>
-            </a:r>
-            <a:r>
-              <a:rPr lang="pt-PT" sz="1350">
-                <a:solidFill>
-                  <a:srgbClr val="334155"/>
-                </a:solidFill>
-                <a:latin typeface="Arial"/>
-                <a:ea typeface="Arial"/>
-                <a:cs typeface="Arial"/>
-              </a:rPr>
-              <a:t>: </a:t>
-            </a:r>
-            <a:r>
-              <a:rPr lang="pt-PT" sz="1350" i="1">
-                <a:solidFill>
-                  <a:srgbClr val="334155"/>
-                </a:solidFill>
-                <a:latin typeface="Arial"/>
-                <a:ea typeface="Arial"/>
-                <a:cs typeface="Arial"/>
-              </a:rPr>
-              <a:t>Pacemakers</a:t>
-            </a:r>
-            <a:r>
-              <a:rPr lang="pt-PT" sz="1350" i="1">
-                <a:solidFill>
-                  <a:srgbClr val="334155"/>
-                </a:solidFill>
-                <a:latin typeface="Arial"/>
-                <a:ea typeface="Arial"/>
-                <a:cs typeface="Arial"/>
-              </a:rPr>
-              <a:t> </a:t>
-            </a:r>
-            <a:r>
-              <a:rPr lang="pt-PT" sz="1350">
-                <a:solidFill>
-                  <a:srgbClr val="334155"/>
-                </a:solidFill>
-                <a:latin typeface="Arial"/>
-                <a:ea typeface="Arial"/>
-                <a:cs typeface="Arial"/>
-              </a:rPr>
-              <a:t>(IEC 62304)</a:t>
-            </a:r>
-            <a:endParaRPr lang="pt-PT" sz="1350"/>
-          </a:p>
-          <a:p>
-            <a:pPr marL="0" indent="0" algn="l">
-              <a:lnSpc>
-                <a:spcPts val="2098"/>
-              </a:lnSpc>
-              <a:spcAft>
-                <a:spcPts val="448"/>
-              </a:spcAft>
-              <a:buNone/>
-              <a:defRPr/>
-            </a:pPr>
-            <a:r>
-              <a:rPr lang="pt-PT" sz="1350" b="1">
-                <a:solidFill>
-                  <a:srgbClr val="334155"/>
-                </a:solidFill>
-                <a:latin typeface="Arial"/>
-                <a:ea typeface="Arial"/>
-                <a:cs typeface="Arial"/>
-              </a:rPr>
-              <a:t>Automóvel</a:t>
-            </a:r>
-            <a:r>
-              <a:rPr lang="pt-PT" sz="1350">
-                <a:solidFill>
-                  <a:srgbClr val="334155"/>
-                </a:solidFill>
-                <a:latin typeface="Arial"/>
-                <a:ea typeface="Arial"/>
-                <a:cs typeface="Arial"/>
-              </a:rPr>
-              <a:t>: Sistemas de travagem</a:t>
-            </a:r>
-            <a:endParaRPr lang="pt-PT" sz="1350"/>
-          </a:p>
-        </p:txBody>
-      </p:sp>
-      <p:sp>
-        <p:nvSpPr>
-          <p:cNvPr id="945087383" name="Text 3"/>
-          <p:cNvSpPr/>
-          <p:nvPr/>
-        </p:nvSpPr>
-        <p:spPr bwMode="auto">
-          <a:xfrm flipH="0" flipV="0">
-            <a:off x="5707501" y="3901478"/>
-            <a:ext cx="4854555" cy="365718"/>
-          </a:xfrm>
-          <a:prstGeom prst="rect">
-            <a:avLst/>
-          </a:prstGeom>
-          <a:noFill/>
-          <a:ln/>
-        </p:spPr>
-        <p:txBody>
-          <a:bodyPr wrap="square" lIns="0" tIns="0" rIns="0" bIns="0" rtlCol="0" anchor="t"/>
-          <a:lstStyle/>
-          <a:p>
-            <a:pPr marL="0" indent="0" algn="l">
-              <a:lnSpc>
-                <a:spcPts val="2158"/>
-              </a:lnSpc>
-              <a:spcBef>
-                <a:spcPts val="1123"/>
-              </a:spcBef>
-              <a:spcAft>
-                <a:spcPts val="748"/>
-              </a:spcAft>
-              <a:buNone/>
-              <a:defRPr/>
-            </a:pPr>
-            <a:r>
-              <a:rPr lang="pt-BR" sz="2200" b="1">
-                <a:solidFill>
-                  <a:srgbClr val="3B82F6"/>
-                </a:solidFill>
-                <a:latin typeface="Arial"/>
-                <a:ea typeface="Arial"/>
-                <a:cs typeface="Arial"/>
-              </a:rPr>
-              <a:t>Assembler:</a:t>
-            </a:r>
-            <a:endParaRPr lang="pt-PT" sz="2200"/>
-          </a:p>
-        </p:txBody>
-      </p:sp>
-      <p:sp>
-        <p:nvSpPr>
-          <p:cNvPr id="398064753" name="Text 4"/>
-          <p:cNvSpPr/>
-          <p:nvPr/>
-        </p:nvSpPr>
-        <p:spPr bwMode="auto">
-          <a:xfrm flipH="0" flipV="0">
-            <a:off x="5768952" y="4373344"/>
-            <a:ext cx="5661045" cy="1625598"/>
-          </a:xfrm>
-          <a:prstGeom prst="rect">
-            <a:avLst/>
-          </a:prstGeom>
-          <a:noFill/>
-          <a:ln/>
-        </p:spPr>
-        <p:txBody>
-          <a:bodyPr wrap="square" lIns="119061" tIns="0" rIns="0" bIns="0" rtlCol="0" anchor="t"/>
-          <a:lstStyle/>
-          <a:p>
-            <a:pPr marL="119061" indent="-119061" algn="l">
-              <a:lnSpc>
-                <a:spcPct val="100000"/>
-              </a:lnSpc>
-              <a:spcAft>
-                <a:spcPts val="448"/>
-              </a:spcAft>
-              <a:buSzPct val="100000"/>
-              <a:buChar char="•"/>
-              <a:defRPr/>
-            </a:pPr>
-            <a:r>
-              <a:rPr lang="pt-BR" sz="2400"/>
-              <a:t>ARM</a:t>
-            </a:r>
-            <a:endParaRPr lang="pt-PT" sz="2400"/>
-          </a:p>
-        </p:txBody>
-      </p:sp>
-    </p:spTree>
-  </p:cSld>
-  <p:clrMapOvr>
-    <a:masterClrMapping/>
-  </p:clrMapOvr>
-  <mc:AlternateContent xmlns:mc="http://schemas.openxmlformats.org/markup-compatibility/2006">
-    <mc:Choice xmlns:p159="http://schemas.microsoft.com/office/powerpoint/2015/09/main" xmlns:p14="http://schemas.microsoft.com/office/powerpoint/2010/main" Requires="p159">
-      <p:transition p14:dur="2000" advClick="1"/>
-    </mc:Choice>
-    <mc:Fallback>
-      <p:transition advClick="1"/>
-    </mc:Fallback>
-  </mc:AlternateContent>
-</p:sld>
-</file>
-
-<file path=ppt/slides/slide7.xml><?xml version="1.0" encoding="utf-8"?>
-<p:sld xmlns:a="http://schemas.openxmlformats.org/drawingml/2006/main" xmlns:r="http://schemas.openxmlformats.org/officeDocument/2006/relationships" xmlns:p="http://schemas.openxmlformats.org/presentationml/2006/main" xmlns:m="http://schemas.openxmlformats.org/officeDocument/2006/math" xmlns:w="http://schemas.openxmlformats.org/wordprocessingml/2006/main" xmlns:mc="http://schemas.openxmlformats.org/markup-compatibility/2006" showMasterPhAnim="0" showMasterSp="1" show="1">
-  <p:cSld name="Slide 6">
-    <p:bg>
-      <p:bgPr shadeToTitle="0">
-        <a:solidFill>
-          <a:srgbClr val="F8FAFC"/>
-        </a:solidFill>
-      </p:bgPr>
-    </p:bg>
-    <p:spTree>
-      <p:nvGrpSpPr>
-        <p:cNvPr id="1" name=""/>
-        <p:cNvGrpSpPr/>
-        <p:nvPr/>
-      </p:nvGrpSpPr>
-      <p:grpSpPr bwMode="auto">
-        <a:xfrm>
-          <a:off x="0" y="0"/>
-          <a:ext cx="0" cy="0"/>
-          <a:chOff x="0" y="0"/>
-          <a:chExt cx="0" cy="0"/>
-        </a:xfrm>
-      </p:grpSpPr>
-      <p:sp>
-        <p:nvSpPr>
-          <p:cNvPr id="811182276" name="Text 0"/>
-          <p:cNvSpPr/>
-          <p:nvPr/>
-        </p:nvSpPr>
-        <p:spPr bwMode="auto">
-          <a:xfrm>
-            <a:off x="761999" y="507999"/>
-            <a:ext cx="5557266" cy="507999"/>
-          </a:xfrm>
-          <a:prstGeom prst="rect">
-            <a:avLst/>
-          </a:prstGeom>
-          <a:noFill/>
-          <a:ln/>
-        </p:spPr>
-        <p:txBody>
-          <a:bodyPr wrap="square" lIns="0" tIns="0" rIns="0" bIns="0" rtlCol="0" anchor="t"/>
-          <a:lstStyle/>
-          <a:p>
-            <a:pPr marL="0" indent="0" algn="l">
-              <a:lnSpc>
-                <a:spcPts val="2999"/>
-              </a:lnSpc>
-              <a:spcAft>
-                <a:spcPts val="1874"/>
-              </a:spcAft>
-              <a:buNone/>
-              <a:defRPr/>
-            </a:pPr>
-            <a:r>
-              <a:rPr lang="pt-PT" sz="2700" b="1">
-                <a:solidFill>
-                  <a:srgbClr val="1E3A8A"/>
-                </a:solidFill>
-                <a:latin typeface="Arial"/>
-                <a:ea typeface="Arial"/>
-                <a:cs typeface="Arial"/>
-              </a:rPr>
-              <a:t>Criptografia e Segurança</a:t>
-            </a:r>
-            <a:endParaRPr lang="pt-PT" sz="2700"/>
-          </a:p>
-        </p:txBody>
-      </p:sp>
-      <p:sp>
-        <p:nvSpPr>
-          <p:cNvPr id="1614515666" name="Text 1"/>
-          <p:cNvSpPr/>
-          <p:nvPr/>
-        </p:nvSpPr>
-        <p:spPr bwMode="auto">
-          <a:xfrm>
-            <a:off x="761999" y="1523999"/>
-            <a:ext cx="5246369" cy="365719"/>
-          </a:xfrm>
-          <a:prstGeom prst="rect">
-            <a:avLst/>
-          </a:prstGeom>
-          <a:noFill/>
-          <a:ln/>
-        </p:spPr>
-        <p:txBody>
-          <a:bodyPr wrap="square" lIns="0" tIns="0" rIns="0" bIns="0" rtlCol="0" anchor="t"/>
-          <a:lstStyle/>
-          <a:p>
-            <a:pPr marL="0" indent="0" algn="l">
-              <a:lnSpc>
-                <a:spcPts val="2159"/>
-              </a:lnSpc>
-              <a:spcBef>
-                <a:spcPts val="1124"/>
-              </a:spcBef>
-              <a:spcAft>
-                <a:spcPts val="749"/>
-              </a:spcAft>
-              <a:buNone/>
-              <a:defRPr/>
-            </a:pPr>
-            <a:r>
-              <a:rPr lang="pt-PT" sz="1800" b="1">
-                <a:solidFill>
-                  <a:srgbClr val="3B82F6"/>
-                </a:solidFill>
-                <a:latin typeface="Arial"/>
-                <a:ea typeface="Arial"/>
-                <a:cs typeface="Arial"/>
-              </a:rPr>
-              <a:t>Ataques Auxiliares</a:t>
-            </a:r>
-            <a:endParaRPr lang="pt-PT" sz="1800"/>
-          </a:p>
-        </p:txBody>
-      </p:sp>
-      <p:sp>
-        <p:nvSpPr>
-          <p:cNvPr id="550385099" name="Text 2"/>
-          <p:cNvSpPr/>
-          <p:nvPr/>
-        </p:nvSpPr>
-        <p:spPr bwMode="auto">
-          <a:xfrm>
-            <a:off x="761999" y="2016720"/>
-            <a:ext cx="5143500" cy="1625599"/>
-          </a:xfrm>
-          <a:prstGeom prst="rect">
-            <a:avLst/>
-          </a:prstGeom>
-          <a:noFill/>
-          <a:ln/>
-        </p:spPr>
-        <p:txBody>
-          <a:bodyPr wrap="square" lIns="119062" tIns="0" rIns="0" bIns="0" rtlCol="0" anchor="t"/>
-          <a:lstStyle/>
-          <a:p>
-            <a:pPr marL="119062" indent="-119062" algn="l">
-              <a:lnSpc>
-                <a:spcPts val="2099"/>
-              </a:lnSpc>
-              <a:spcAft>
-                <a:spcPts val="449"/>
-              </a:spcAft>
-              <a:buSzPct val="100000"/>
-              <a:buChar char="•"/>
-              <a:defRPr/>
-            </a:pPr>
-            <a:r>
-              <a:rPr lang="pt-PT" sz="1350">
-                <a:solidFill>
-                  <a:srgbClr val="334155"/>
-                </a:solidFill>
-                <a:latin typeface="Arial"/>
-                <a:ea typeface="Arial"/>
-                <a:cs typeface="Arial"/>
-              </a:rPr>
-              <a:t>Timing attacks</a:t>
-            </a:r>
-            <a:endParaRPr lang="pt-PT" sz="1350"/>
-          </a:p>
-          <a:p>
-            <a:pPr marL="119062" indent="-119062" algn="l">
-              <a:lnSpc>
-                <a:spcPts val="2099"/>
-              </a:lnSpc>
-              <a:spcAft>
-                <a:spcPts val="449"/>
-              </a:spcAft>
-              <a:buSzPct val="100000"/>
-              <a:buChar char="•"/>
-              <a:defRPr/>
-            </a:pPr>
-            <a:r>
-              <a:rPr lang="pt-PT" sz="1350">
-                <a:solidFill>
-                  <a:srgbClr val="334155"/>
-                </a:solidFill>
-                <a:latin typeface="Arial"/>
-                <a:ea typeface="Arial"/>
-                <a:cs typeface="Arial"/>
-              </a:rPr>
-              <a:t>Cache-timing attacks</a:t>
-            </a:r>
-            <a:endParaRPr lang="pt-PT" sz="1350"/>
-          </a:p>
-          <a:p>
-            <a:pPr marL="119062" indent="-119062" algn="l">
-              <a:lnSpc>
-                <a:spcPts val="2099"/>
-              </a:lnSpc>
-              <a:spcAft>
-                <a:spcPts val="449"/>
-              </a:spcAft>
-              <a:buSzPct val="100000"/>
-              <a:buChar char="•"/>
-              <a:defRPr/>
-            </a:pPr>
-            <a:r>
-              <a:rPr lang="pt-PT" sz="1350">
-                <a:solidFill>
-                  <a:srgbClr val="334155"/>
-                </a:solidFill>
-                <a:latin typeface="Arial"/>
-                <a:ea typeface="Arial"/>
-                <a:cs typeface="Arial"/>
-              </a:rPr>
-              <a:t>Exploram tempo de execução</a:t>
-            </a:r>
-            <a:endParaRPr lang="pt-PT" sz="1350"/>
-          </a:p>
-        </p:txBody>
-      </p:sp>
-      <p:sp>
-        <p:nvSpPr>
-          <p:cNvPr id="1262584353" name="Text 3"/>
-          <p:cNvSpPr/>
-          <p:nvPr/>
-        </p:nvSpPr>
-        <p:spPr bwMode="auto">
-          <a:xfrm>
-            <a:off x="761999" y="3832819"/>
-            <a:ext cx="5246369" cy="365719"/>
-          </a:xfrm>
-          <a:prstGeom prst="rect">
-            <a:avLst/>
-          </a:prstGeom>
-          <a:noFill/>
-          <a:ln/>
-        </p:spPr>
-        <p:txBody>
-          <a:bodyPr wrap="square" lIns="0" tIns="0" rIns="0" bIns="0" rtlCol="0" anchor="t"/>
-          <a:lstStyle/>
-          <a:p>
-            <a:pPr marL="0" indent="0" algn="l">
-              <a:lnSpc>
-                <a:spcPts val="2159"/>
-              </a:lnSpc>
-              <a:spcBef>
-                <a:spcPts val="1124"/>
-              </a:spcBef>
-              <a:spcAft>
-                <a:spcPts val="749"/>
-              </a:spcAft>
-              <a:buNone/>
-              <a:defRPr/>
-            </a:pPr>
-            <a:r>
-              <a:rPr lang="pt-PT" sz="1800" b="1">
-                <a:solidFill>
-                  <a:srgbClr val="3B82F6"/>
-                </a:solidFill>
-                <a:latin typeface="Arial"/>
-                <a:ea typeface="Arial"/>
-                <a:cs typeface="Arial"/>
-              </a:rPr>
-              <a:t>Solução</a:t>
-            </a:r>
-            <a:endParaRPr lang="pt-PT" sz="1800"/>
-          </a:p>
-        </p:txBody>
-      </p:sp>
-      <p:sp>
-        <p:nvSpPr>
-          <p:cNvPr id="1420489811" name="Text 4"/>
-          <p:cNvSpPr/>
-          <p:nvPr/>
-        </p:nvSpPr>
-        <p:spPr bwMode="auto">
-          <a:xfrm>
-            <a:off x="761998" y="4267197"/>
-            <a:ext cx="5143500" cy="507999"/>
-          </a:xfrm>
-          <a:prstGeom prst="rect">
-            <a:avLst/>
-          </a:prstGeom>
-          <a:noFill/>
-          <a:ln/>
-        </p:spPr>
-        <p:txBody>
-          <a:bodyPr wrap="square" lIns="119062" tIns="0" rIns="0" bIns="0" rtlCol="0" anchor="t"/>
-          <a:lstStyle/>
-          <a:p>
-            <a:pPr marL="119062" indent="-119062" algn="l">
-              <a:lnSpc>
-                <a:spcPts val="2099"/>
-              </a:lnSpc>
-              <a:spcAft>
-                <a:spcPts val="449"/>
-              </a:spcAft>
-              <a:buSzPct val="100000"/>
-              <a:buChar char="•"/>
-              <a:defRPr/>
-            </a:pPr>
-            <a:r>
-              <a:rPr lang="pt-PT" sz="1350">
-                <a:solidFill>
-                  <a:srgbClr val="334155"/>
-                </a:solidFill>
-                <a:latin typeface="Arial"/>
-                <a:ea typeface="Arial"/>
-                <a:cs typeface="Arial"/>
-              </a:rPr>
-              <a:t>Código constant-time</a:t>
-            </a:r>
-            <a:endParaRPr lang="pt-PT" sz="1350"/>
-          </a:p>
-        </p:txBody>
-      </p:sp>
-      <p:sp>
-        <p:nvSpPr>
-          <p:cNvPr id="1995274182" name="Text 5"/>
-          <p:cNvSpPr/>
-          <p:nvPr/>
-        </p:nvSpPr>
-        <p:spPr bwMode="auto">
-          <a:xfrm>
-            <a:off x="6286500" y="1523999"/>
-            <a:ext cx="5246369" cy="365719"/>
-          </a:xfrm>
-          <a:prstGeom prst="rect">
-            <a:avLst/>
-          </a:prstGeom>
-          <a:noFill/>
-          <a:ln/>
-        </p:spPr>
-        <p:txBody>
-          <a:bodyPr wrap="square" lIns="0" tIns="0" rIns="0" bIns="0" rtlCol="0" anchor="t"/>
-          <a:lstStyle/>
-          <a:p>
-            <a:pPr marL="0" indent="0" algn="l">
-              <a:lnSpc>
-                <a:spcPts val="2159"/>
-              </a:lnSpc>
-              <a:spcBef>
-                <a:spcPts val="1124"/>
-              </a:spcBef>
-              <a:spcAft>
-                <a:spcPts val="749"/>
-              </a:spcAft>
-              <a:buNone/>
-              <a:defRPr/>
-            </a:pPr>
-            <a:r>
-              <a:rPr lang="pt-PT" sz="1800" b="1">
-                <a:solidFill>
-                  <a:srgbClr val="3B82F6"/>
-                </a:solidFill>
-                <a:latin typeface="Arial"/>
-                <a:ea typeface="Arial"/>
-                <a:cs typeface="Arial"/>
-              </a:rPr>
-              <a:t>Bibliotecas</a:t>
-            </a:r>
-            <a:endParaRPr lang="pt-PT" sz="1800"/>
-          </a:p>
-        </p:txBody>
-      </p:sp>
-      <p:sp>
-        <p:nvSpPr>
-          <p:cNvPr id="1623337977" name="Text 6"/>
-          <p:cNvSpPr/>
-          <p:nvPr/>
-        </p:nvSpPr>
-        <p:spPr bwMode="auto">
-          <a:xfrm>
-            <a:off x="6286500" y="2016720"/>
-            <a:ext cx="5143500" cy="1625599"/>
-          </a:xfrm>
-          <a:prstGeom prst="rect">
-            <a:avLst/>
-          </a:prstGeom>
-          <a:noFill/>
-          <a:ln/>
-        </p:spPr>
-        <p:txBody>
-          <a:bodyPr wrap="square" lIns="119062" tIns="0" rIns="0" bIns="0" rtlCol="0" anchor="t"/>
-          <a:lstStyle/>
-          <a:p>
-            <a:pPr marL="119062" indent="-119062" algn="l">
-              <a:lnSpc>
-                <a:spcPts val="2099"/>
-              </a:lnSpc>
-              <a:spcAft>
-                <a:spcPts val="449"/>
-              </a:spcAft>
-              <a:buSzPct val="100000"/>
-              <a:buChar char="•"/>
-              <a:defRPr/>
-            </a:pPr>
-            <a:r>
-              <a:rPr lang="pt-PT" sz="1350">
-                <a:solidFill>
-                  <a:srgbClr val="334155"/>
-                </a:solidFill>
-                <a:latin typeface="Arial"/>
-                <a:ea typeface="Arial"/>
-                <a:cs typeface="Arial"/>
-              </a:rPr>
-              <a:t>OpenSSL</a:t>
-            </a:r>
-            <a:endParaRPr lang="pt-PT" sz="1350"/>
-          </a:p>
-          <a:p>
-            <a:pPr marL="119062" indent="-119062" algn="l">
-              <a:lnSpc>
-                <a:spcPts val="2099"/>
-              </a:lnSpc>
-              <a:spcAft>
-                <a:spcPts val="449"/>
-              </a:spcAft>
-              <a:buSzPct val="100000"/>
-              <a:buChar char="•"/>
-              <a:defRPr/>
-            </a:pPr>
-            <a:r>
-              <a:rPr lang="pt-PT" sz="1350">
-                <a:solidFill>
-                  <a:srgbClr val="334155"/>
-                </a:solidFill>
-                <a:latin typeface="Arial"/>
-                <a:ea typeface="Arial"/>
-                <a:cs typeface="Arial"/>
-              </a:rPr>
-              <a:t>libsodium</a:t>
-            </a:r>
-            <a:endParaRPr lang="pt-PT" sz="1350"/>
-          </a:p>
-          <a:p>
-            <a:pPr marL="119062" indent="-119062" algn="l">
-              <a:lnSpc>
-                <a:spcPts val="2099"/>
-              </a:lnSpc>
-              <a:spcAft>
-                <a:spcPts val="449"/>
-              </a:spcAft>
-              <a:buSzPct val="100000"/>
-              <a:buChar char="•"/>
-              <a:defRPr/>
-            </a:pPr>
-            <a:r>
-              <a:rPr lang="pt-PT" sz="1350">
-                <a:solidFill>
-                  <a:srgbClr val="334155"/>
-                </a:solidFill>
-                <a:latin typeface="Arial"/>
-                <a:ea typeface="Arial"/>
-                <a:cs typeface="Arial"/>
-              </a:rPr>
-              <a:t>Rotinas críticas em Assembly</a:t>
-            </a:r>
-            <a:endParaRPr lang="pt-PT" sz="1350"/>
-          </a:p>
-        </p:txBody>
-      </p:sp>
-      <p:sp>
-        <p:nvSpPr>
-          <p:cNvPr id="801227939" name="Text 3"/>
-          <p:cNvSpPr/>
-          <p:nvPr/>
-        </p:nvSpPr>
-        <p:spPr bwMode="auto">
-          <a:xfrm flipH="0" flipV="0">
-            <a:off x="5707500" y="3901478"/>
-            <a:ext cx="4854555" cy="365718"/>
-          </a:xfrm>
-          <a:prstGeom prst="rect">
-            <a:avLst/>
-          </a:prstGeom>
-          <a:noFill/>
-          <a:ln/>
-        </p:spPr>
-        <p:txBody>
-          <a:bodyPr wrap="square" lIns="0" tIns="0" rIns="0" bIns="0" rtlCol="0" anchor="t"/>
-          <a:lstStyle/>
-          <a:p>
-            <a:pPr marL="0" indent="0" algn="l">
-              <a:lnSpc>
-                <a:spcPts val="2158"/>
-              </a:lnSpc>
-              <a:spcBef>
-                <a:spcPts val="1123"/>
-              </a:spcBef>
-              <a:spcAft>
-                <a:spcPts val="748"/>
-              </a:spcAft>
-              <a:buNone/>
-              <a:defRPr/>
-            </a:pPr>
-            <a:r>
-              <a:rPr lang="pt-BR" sz="2200" b="1">
-                <a:solidFill>
-                  <a:srgbClr val="3B82F6"/>
-                </a:solidFill>
-                <a:latin typeface="Arial"/>
-                <a:ea typeface="Arial"/>
-                <a:cs typeface="Arial"/>
-              </a:rPr>
-              <a:t>Assembler:</a:t>
-            </a:r>
-            <a:endParaRPr lang="pt-PT" sz="2200"/>
-          </a:p>
-        </p:txBody>
-      </p:sp>
-      <p:sp>
-        <p:nvSpPr>
-          <p:cNvPr id="1948063133" name="Text 4"/>
-          <p:cNvSpPr/>
-          <p:nvPr/>
-        </p:nvSpPr>
-        <p:spPr bwMode="auto">
-          <a:xfrm flipH="0" flipV="0">
-            <a:off x="5768952" y="4373343"/>
-            <a:ext cx="5661045" cy="1625598"/>
-          </a:xfrm>
-          <a:prstGeom prst="rect">
-            <a:avLst/>
-          </a:prstGeom>
-          <a:noFill/>
-          <a:ln/>
-        </p:spPr>
-        <p:txBody>
-          <a:bodyPr wrap="square" lIns="119061" tIns="0" rIns="0" bIns="0" rtlCol="0" anchor="t"/>
-          <a:lstStyle/>
-          <a:p>
-            <a:pPr marL="119061" indent="-119061" algn="l">
-              <a:lnSpc>
-                <a:spcPct val="100000"/>
-              </a:lnSpc>
-              <a:spcAft>
-                <a:spcPts val="448"/>
-              </a:spcAft>
-              <a:buSzPct val="100000"/>
-              <a:buChar char="•"/>
-              <a:defRPr/>
-            </a:pPr>
-            <a:r>
-              <a:rPr lang="pt-BR" sz="2400"/>
-              <a:t>NASM</a:t>
-            </a:r>
-            <a:endParaRPr lang="pt-BR" sz="2400"/>
-          </a:p>
-          <a:p>
-            <a:pPr marL="119061" indent="-119061" algn="l">
-              <a:lnSpc>
-                <a:spcPct val="100000"/>
-              </a:lnSpc>
-              <a:spcAft>
-                <a:spcPts val="448"/>
-              </a:spcAft>
-              <a:buSzPct val="100000"/>
-              <a:buChar char="•"/>
-              <a:defRPr/>
-            </a:pPr>
-            <a:r>
-              <a:rPr lang="pt-BR" sz="2400"/>
-              <a:t>GAS</a:t>
-            </a:r>
-            <a:endParaRPr lang="pt-BR" sz="2400"/>
-          </a:p>
-          <a:p>
-            <a:pPr marL="119061" indent="-119061" algn="l">
-              <a:lnSpc>
-                <a:spcPct val="100000"/>
-              </a:lnSpc>
-              <a:spcAft>
-                <a:spcPts val="448"/>
-              </a:spcAft>
-              <a:buSzPct val="100000"/>
-              <a:buChar char="•"/>
-              <a:defRPr/>
-            </a:pPr>
-            <a:r>
-              <a:rPr lang="pt-BR" sz="2400"/>
-              <a:t>MASM(criptografia)</a:t>
-            </a:r>
-            <a:endParaRPr lang="pt-PT" sz="2400"/>
-          </a:p>
-        </p:txBody>
-      </p:sp>
-    </p:spTree>
-  </p:cSld>
-  <p:clrMapOvr>
-    <a:masterClrMapping/>
-  </p:clrMapOvr>
-  <mc:AlternateContent xmlns:mc="http://schemas.openxmlformats.org/markup-compatibility/2006">
-    <mc:Choice xmlns:p159="http://schemas.microsoft.com/office/powerpoint/2015/09/main" xmlns:p14="http://schemas.microsoft.com/office/powerpoint/2010/main" Requires="p159">
-      <p:transition p14:dur="2000" advClick="1"/>
-    </mc:Choice>
-    <mc:Fallback>
-      <p:transition advClick="1"/>
-    </mc:Fallback>
-  </mc:AlternateContent>
-</p:sld>
-</file>
-
-<file path=ppt/slides/slide8.xml><?xml version="1.0" encoding="utf-8"?>
-<p:sld xmlns:a="http://schemas.openxmlformats.org/drawingml/2006/main" xmlns:r="http://schemas.openxmlformats.org/officeDocument/2006/relationships" xmlns:p="http://schemas.openxmlformats.org/presentationml/2006/main" xmlns:m="http://schemas.openxmlformats.org/officeDocument/2006/math" xmlns:w="http://schemas.openxmlformats.org/wordprocessingml/2006/main" xmlns:mc="http://schemas.openxmlformats.org/markup-compatibility/2006" showMasterPhAnim="0" showMasterSp="1" show="1">
-  <p:cSld name="Slide 7">
-    <p:bg>
-      <p:bgPr shadeToTitle="0">
-        <a:solidFill>
-          <a:srgbClr val="F8FAFC"/>
-        </a:solidFill>
-      </p:bgPr>
-    </p:bg>
-    <p:spTree>
-      <p:nvGrpSpPr>
-        <p:cNvPr id="1" name=""/>
-        <p:cNvGrpSpPr/>
-        <p:nvPr/>
-      </p:nvGrpSpPr>
-      <p:grpSpPr bwMode="auto">
-        <a:xfrm>
-          <a:off x="0" y="0"/>
-          <a:ext cx="0" cy="0"/>
-          <a:chOff x="0" y="0"/>
-          <a:chExt cx="0" cy="0"/>
-        </a:xfrm>
-      </p:grpSpPr>
-      <p:sp>
-        <p:nvSpPr>
-          <p:cNvPr id="82180677" name="Text 0"/>
-          <p:cNvSpPr/>
-          <p:nvPr/>
-        </p:nvSpPr>
-        <p:spPr bwMode="auto">
-          <a:xfrm>
-            <a:off x="761999" y="507999"/>
-            <a:ext cx="7189470" cy="507999"/>
-          </a:xfrm>
-          <a:prstGeom prst="rect">
-            <a:avLst/>
-          </a:prstGeom>
-          <a:noFill/>
-          <a:ln/>
-        </p:spPr>
-        <p:txBody>
-          <a:bodyPr wrap="square" lIns="0" tIns="0" rIns="0" bIns="0" rtlCol="0" anchor="t"/>
-          <a:lstStyle/>
-          <a:p>
-            <a:pPr marL="0" indent="0" algn="l">
-              <a:lnSpc>
-                <a:spcPts val="2999"/>
-              </a:lnSpc>
-              <a:spcAft>
-                <a:spcPts val="1874"/>
-              </a:spcAft>
-              <a:buNone/>
-              <a:defRPr/>
-            </a:pPr>
-            <a:r>
-              <a:rPr lang="pt-PT" sz="2700" b="1">
-                <a:solidFill>
-                  <a:srgbClr val="1E3A8A"/>
-                </a:solidFill>
-                <a:latin typeface="Arial"/>
-                <a:ea typeface="Arial"/>
-                <a:cs typeface="Arial"/>
-              </a:rPr>
-              <a:t>Drivers, Firmware e Bootloaders</a:t>
-            </a:r>
-            <a:endParaRPr lang="pt-PT" sz="2700"/>
-          </a:p>
-        </p:txBody>
-      </p:sp>
-      <p:sp>
-        <p:nvSpPr>
-          <p:cNvPr id="869419506" name="Text 1"/>
-          <p:cNvSpPr/>
-          <p:nvPr/>
-        </p:nvSpPr>
-        <p:spPr bwMode="auto">
-          <a:xfrm>
-            <a:off x="761999" y="1333499"/>
-            <a:ext cx="10881360" cy="365719"/>
-          </a:xfrm>
-          <a:prstGeom prst="rect">
-            <a:avLst/>
-          </a:prstGeom>
-          <a:noFill/>
-          <a:ln/>
-        </p:spPr>
-        <p:txBody>
-          <a:bodyPr wrap="square" lIns="0" tIns="0" rIns="0" bIns="0" rtlCol="0" anchor="t"/>
-          <a:lstStyle/>
-          <a:p>
-            <a:pPr marL="0" indent="0" algn="l">
-              <a:lnSpc>
-                <a:spcPts val="2159"/>
-              </a:lnSpc>
-              <a:spcBef>
-                <a:spcPts val="1124"/>
-              </a:spcBef>
-              <a:spcAft>
-                <a:spcPts val="749"/>
-              </a:spcAft>
-              <a:buNone/>
-              <a:defRPr/>
-            </a:pPr>
-            <a:r>
-              <a:rPr lang="pt-PT" sz="1800" b="1">
-                <a:solidFill>
-                  <a:srgbClr val="3B82F6"/>
-                </a:solidFill>
-                <a:latin typeface="Arial"/>
-                <a:ea typeface="Arial"/>
-                <a:cs typeface="Arial"/>
-              </a:rPr>
-              <a:t>Componentes de Sistema</a:t>
-            </a:r>
-            <a:endParaRPr lang="pt-PT" sz="1800"/>
-          </a:p>
-        </p:txBody>
-      </p:sp>
-      <p:sp>
-        <p:nvSpPr>
-          <p:cNvPr id="410716698" name="Text 2"/>
-          <p:cNvSpPr/>
-          <p:nvPr/>
-        </p:nvSpPr>
-        <p:spPr bwMode="auto">
-          <a:xfrm>
-            <a:off x="761999" y="1826219"/>
-            <a:ext cx="10667999" cy="1625599"/>
-          </a:xfrm>
-          <a:prstGeom prst="rect">
-            <a:avLst/>
-          </a:prstGeom>
-          <a:noFill/>
-          <a:ln/>
-        </p:spPr>
-        <p:txBody>
-          <a:bodyPr wrap="square" lIns="119062" tIns="0" rIns="0" bIns="0" rtlCol="0" anchor="t"/>
-          <a:lstStyle/>
-          <a:p>
-            <a:pPr marL="0" indent="0" algn="l">
-              <a:lnSpc>
-                <a:spcPts val="2099"/>
-              </a:lnSpc>
-              <a:spcAft>
-                <a:spcPts val="449"/>
-              </a:spcAft>
-              <a:buNone/>
-              <a:defRPr/>
-            </a:pPr>
-            <a:r>
-              <a:rPr lang="pt-PT" sz="1350" b="1">
-                <a:solidFill>
-                  <a:srgbClr val="334155"/>
-                </a:solidFill>
-                <a:latin typeface="Arial"/>
-                <a:ea typeface="Arial"/>
-                <a:cs typeface="Arial"/>
-              </a:rPr>
-              <a:t>Drivers</a:t>
-            </a:r>
-            <a:r>
-              <a:rPr lang="pt-PT" sz="1350">
-                <a:solidFill>
-                  <a:srgbClr val="334155"/>
-                </a:solidFill>
-                <a:latin typeface="Arial"/>
-                <a:ea typeface="Arial"/>
-                <a:cs typeface="Arial"/>
-              </a:rPr>
-              <a:t>: Interface hardware ↔ SO</a:t>
-            </a:r>
-            <a:endParaRPr lang="pt-PT" sz="1350"/>
-          </a:p>
-          <a:p>
-            <a:pPr marL="0" indent="0" algn="l">
-              <a:lnSpc>
-                <a:spcPts val="2099"/>
-              </a:lnSpc>
-              <a:spcAft>
-                <a:spcPts val="449"/>
-              </a:spcAft>
-              <a:buNone/>
-              <a:defRPr/>
-            </a:pPr>
-            <a:r>
-              <a:rPr lang="pt-PT" sz="1350" b="1">
-                <a:solidFill>
-                  <a:srgbClr val="334155"/>
-                </a:solidFill>
-                <a:latin typeface="Arial"/>
-                <a:ea typeface="Arial"/>
-                <a:cs typeface="Arial"/>
-              </a:rPr>
-              <a:t>Firmware</a:t>
-            </a:r>
-            <a:r>
-              <a:rPr lang="pt-PT" sz="1350">
-                <a:solidFill>
-                  <a:srgbClr val="334155"/>
-                </a:solidFill>
-                <a:latin typeface="Arial"/>
-                <a:ea typeface="Arial"/>
-                <a:cs typeface="Arial"/>
-              </a:rPr>
-              <a:t>: Software </a:t>
-            </a:r>
-            <a:r>
-              <a:rPr lang="pt-BR" sz="1350">
-                <a:solidFill>
-                  <a:srgbClr val="334155"/>
-                </a:solidFill>
-                <a:latin typeface="Arial"/>
-                <a:ea typeface="Arial"/>
-                <a:cs typeface="Arial"/>
-              </a:rPr>
-              <a:t>“</a:t>
-            </a:r>
-            <a:r>
-              <a:rPr lang="pt-PT" sz="1350">
-                <a:solidFill>
-                  <a:srgbClr val="334155"/>
-                </a:solidFill>
-                <a:latin typeface="Arial"/>
-                <a:ea typeface="Arial"/>
-                <a:cs typeface="Arial"/>
-              </a:rPr>
-              <a:t>embe</a:t>
-            </a:r>
-            <a:r>
-              <a:rPr lang="pt-BR" sz="1350">
-                <a:solidFill>
-                  <a:srgbClr val="334155"/>
-                </a:solidFill>
-                <a:latin typeface="Arial"/>
-                <a:ea typeface="Arial"/>
-                <a:cs typeface="Arial"/>
-              </a:rPr>
-              <a:t>dded”</a:t>
-            </a:r>
-            <a:endParaRPr lang="pt-PT" sz="1350"/>
-          </a:p>
-          <a:p>
-            <a:pPr marL="0" indent="0" algn="l">
-              <a:lnSpc>
-                <a:spcPts val="2099"/>
-              </a:lnSpc>
-              <a:spcAft>
-                <a:spcPts val="449"/>
-              </a:spcAft>
-              <a:buNone/>
-              <a:defRPr/>
-            </a:pPr>
-            <a:r>
-              <a:rPr lang="pt-PT" sz="1350" b="1">
-                <a:solidFill>
-                  <a:srgbClr val="334155"/>
-                </a:solidFill>
-                <a:latin typeface="Arial"/>
-                <a:ea typeface="Arial"/>
-                <a:cs typeface="Arial"/>
-              </a:rPr>
-              <a:t>Bootloaders</a:t>
-            </a:r>
-            <a:r>
-              <a:rPr lang="pt-PT" sz="1350">
-                <a:solidFill>
-                  <a:srgbClr val="334155"/>
-                </a:solidFill>
-                <a:latin typeface="Arial"/>
-                <a:ea typeface="Arial"/>
-                <a:cs typeface="Arial"/>
-              </a:rPr>
-              <a:t>: Inicialização antes do SO</a:t>
-            </a:r>
-            <a:endParaRPr lang="pt-PT" sz="1350"/>
-          </a:p>
-        </p:txBody>
-      </p:sp>
-      <p:sp>
-        <p:nvSpPr>
-          <p:cNvPr id="2083943198" name="Text 5"/>
-          <p:cNvSpPr/>
-          <p:nvPr/>
-        </p:nvSpPr>
-        <p:spPr bwMode="auto">
-          <a:xfrm flipH="0" flipV="0">
-            <a:off x="5770305" y="1333498"/>
-            <a:ext cx="5990514" cy="365718"/>
-          </a:xfrm>
-          <a:prstGeom prst="rect">
-            <a:avLst/>
-          </a:prstGeom>
-          <a:noFill/>
-          <a:ln/>
-        </p:spPr>
-        <p:txBody>
-          <a:bodyPr wrap="square" lIns="0" tIns="0" rIns="0" bIns="0" rtlCol="0" anchor="t"/>
-          <a:lstStyle/>
-          <a:p>
-            <a:pPr marL="0" indent="0" algn="l">
-              <a:lnSpc>
-                <a:spcPts val="2159"/>
-              </a:lnSpc>
-              <a:spcBef>
-                <a:spcPts val="1124"/>
-              </a:spcBef>
-              <a:spcAft>
-                <a:spcPts val="749"/>
-              </a:spcAft>
-              <a:buNone/>
-              <a:defRPr/>
-            </a:pPr>
-            <a:r>
-              <a:rPr lang="pt-PT" sz="1800" b="1">
-                <a:solidFill>
-                  <a:srgbClr val="3B82F6"/>
-                </a:solidFill>
-                <a:latin typeface="Arial"/>
-                <a:ea typeface="Arial"/>
-                <a:cs typeface="Arial"/>
-              </a:rPr>
-              <a:t>Requisitos</a:t>
-            </a:r>
-            <a:endParaRPr lang="pt-PT" sz="1800"/>
-          </a:p>
-        </p:txBody>
-      </p:sp>
-      <p:sp>
-        <p:nvSpPr>
-          <p:cNvPr id="375153658" name="Text 6"/>
-          <p:cNvSpPr/>
-          <p:nvPr/>
-        </p:nvSpPr>
-        <p:spPr bwMode="auto">
-          <a:xfrm flipH="0" flipV="0">
-            <a:off x="5770305" y="1826218"/>
-            <a:ext cx="5873053" cy="1066798"/>
-          </a:xfrm>
-          <a:prstGeom prst="rect">
-            <a:avLst/>
-          </a:prstGeom>
-          <a:noFill/>
-          <a:ln/>
-        </p:spPr>
-        <p:txBody>
-          <a:bodyPr wrap="square" lIns="119061" tIns="0" rIns="0" bIns="0" rtlCol="0" anchor="t"/>
-          <a:lstStyle/>
-          <a:p>
-            <a:pPr marL="119062" indent="-119062" algn="l">
-              <a:lnSpc>
-                <a:spcPts val="2099"/>
-              </a:lnSpc>
-              <a:spcAft>
-                <a:spcPts val="449"/>
-              </a:spcAft>
-              <a:buSzPct val="100000"/>
-              <a:buChar char="•"/>
-              <a:defRPr/>
-            </a:pPr>
-            <a:r>
-              <a:rPr lang="pt-PT" sz="1350">
-                <a:solidFill>
-                  <a:srgbClr val="334155"/>
-                </a:solidFill>
-                <a:latin typeface="Arial"/>
-                <a:ea typeface="Arial"/>
-                <a:cs typeface="Arial"/>
-              </a:rPr>
-              <a:t>Acesso directo a instruções do CPU</a:t>
-            </a:r>
-            <a:endParaRPr lang="pt-PT" sz="1350"/>
-          </a:p>
-          <a:p>
-            <a:pPr marL="119062" indent="-119062" algn="l">
-              <a:lnSpc>
-                <a:spcPts val="2099"/>
-              </a:lnSpc>
-              <a:spcAft>
-                <a:spcPts val="449"/>
-              </a:spcAft>
-              <a:buSzPct val="100000"/>
-              <a:buChar char="•"/>
-              <a:defRPr/>
-            </a:pPr>
-            <a:r>
-              <a:rPr lang="pt-PT" sz="1350">
-                <a:solidFill>
-                  <a:srgbClr val="334155"/>
-                </a:solidFill>
-                <a:latin typeface="Arial"/>
-                <a:ea typeface="Arial"/>
-                <a:cs typeface="Arial"/>
-              </a:rPr>
-              <a:t>Gestão de interrupções ao nível do hardware</a:t>
-            </a:r>
-            <a:endParaRPr lang="pt-PT" sz="1350"/>
-          </a:p>
-        </p:txBody>
-      </p:sp>
-      <p:sp>
-        <p:nvSpPr>
-          <p:cNvPr id="139023793" name="Text 3"/>
-          <p:cNvSpPr/>
-          <p:nvPr/>
-        </p:nvSpPr>
-        <p:spPr bwMode="auto">
-          <a:xfrm flipH="0" flipV="0">
-            <a:off x="761998" y="3901478"/>
-            <a:ext cx="4854555" cy="365718"/>
-          </a:xfrm>
-          <a:prstGeom prst="rect">
-            <a:avLst/>
-          </a:prstGeom>
-          <a:noFill/>
-          <a:ln/>
-        </p:spPr>
-        <p:txBody>
-          <a:bodyPr wrap="square" lIns="0" tIns="0" rIns="0" bIns="0" rtlCol="0" anchor="t"/>
-          <a:lstStyle/>
-          <a:p>
-            <a:pPr marL="0" indent="0" algn="l">
-              <a:lnSpc>
-                <a:spcPts val="2158"/>
-              </a:lnSpc>
-              <a:spcBef>
-                <a:spcPts val="1123"/>
-              </a:spcBef>
-              <a:spcAft>
-                <a:spcPts val="748"/>
-              </a:spcAft>
-              <a:buNone/>
-              <a:defRPr/>
-            </a:pPr>
-            <a:r>
-              <a:rPr lang="pt-BR" sz="2200" b="1">
-                <a:solidFill>
-                  <a:srgbClr val="3B82F6"/>
-                </a:solidFill>
-                <a:latin typeface="Arial"/>
-                <a:ea typeface="Arial"/>
-                <a:cs typeface="Arial"/>
-              </a:rPr>
-              <a:t>Assembler:</a:t>
-            </a:r>
-            <a:endParaRPr lang="pt-PT" sz="2200"/>
-          </a:p>
-        </p:txBody>
-      </p:sp>
-      <p:sp>
-        <p:nvSpPr>
-          <p:cNvPr id="1235959105" name="Text 4"/>
-          <p:cNvSpPr/>
-          <p:nvPr/>
-        </p:nvSpPr>
-        <p:spPr bwMode="auto">
-          <a:xfrm flipH="0" flipV="0">
-            <a:off x="823451" y="4373343"/>
-            <a:ext cx="5661045" cy="1625598"/>
-          </a:xfrm>
-          <a:prstGeom prst="rect">
-            <a:avLst/>
-          </a:prstGeom>
-          <a:noFill/>
-          <a:ln/>
-        </p:spPr>
-        <p:txBody>
-          <a:bodyPr wrap="square" lIns="119061" tIns="0" rIns="0" bIns="0" rtlCol="0" anchor="t"/>
-          <a:lstStyle/>
-          <a:p>
-            <a:pPr marL="119061" indent="-119061" algn="l">
-              <a:lnSpc>
-                <a:spcPct val="100000"/>
-              </a:lnSpc>
-              <a:spcAft>
-                <a:spcPts val="448"/>
-              </a:spcAft>
-              <a:buSzPct val="100000"/>
-              <a:buChar char="•"/>
-              <a:defRPr/>
-            </a:pPr>
-            <a:r>
-              <a:rPr lang="pt-BR" sz="2400"/>
-              <a:t>GAS</a:t>
-            </a:r>
-            <a:r>
-              <a:rPr lang="pt-BR" sz="2400"/>
-              <a:t>(Drivers Linux/Unix)</a:t>
-            </a:r>
-            <a:endParaRPr lang="pt-BR" sz="2400"/>
-          </a:p>
-          <a:p>
-            <a:pPr marL="119061" indent="-119061" algn="l">
-              <a:lnSpc>
-                <a:spcPct val="100000"/>
-              </a:lnSpc>
-              <a:spcAft>
-                <a:spcPts val="448"/>
-              </a:spcAft>
-              <a:buSzPct val="100000"/>
-              <a:buChar char="•"/>
-              <a:defRPr/>
-            </a:pPr>
-            <a:r>
-              <a:rPr lang="pt-BR" sz="2400"/>
-              <a:t>MASM(Drivers Windows)</a:t>
-            </a:r>
-            <a:endParaRPr lang="pt-PT" sz="2400"/>
-          </a:p>
-          <a:p>
-            <a:pPr marL="119061" indent="-119061" algn="l">
-              <a:lnSpc>
-                <a:spcPct val="100000"/>
-              </a:lnSpc>
-              <a:spcAft>
-                <a:spcPts val="448"/>
-              </a:spcAft>
-              <a:buSzPct val="100000"/>
-              <a:buChar char="•"/>
-              <a:defRPr/>
-            </a:pPr>
-            <a:r>
-              <a:rPr lang="pt-BR" sz="2400"/>
-              <a:t>NASM(kernels, bootloaders)</a:t>
-            </a:r>
-            <a:endParaRPr lang="pt-PT" sz="2400"/>
-          </a:p>
-        </p:txBody>
-      </p:sp>
-    </p:spTree>
-  </p:cSld>
-  <p:clrMapOvr>
-    <a:masterClrMapping/>
-  </p:clrMapOvr>
-  <mc:AlternateContent xmlns:mc="http://schemas.openxmlformats.org/markup-compatibility/2006">
-    <mc:Choice xmlns:p159="http://schemas.microsoft.com/office/powerpoint/2015/09/main" xmlns:p14="http://schemas.microsoft.com/office/powerpoint/2010/main" Requires="p159">
-      <p:transition p14:dur="2000" advClick="1"/>
-    </mc:Choice>
-    <mc:Fallback>
-      <p:transition advClick="1"/>
-    </mc:Fallback>
-  </mc:AlternateContent>
-</p:sld>
-</file>
-
-<file path=ppt/slides/slide9.xml><?xml version="1.0" encoding="utf-8"?>
-<p:sld xmlns:a="http://schemas.openxmlformats.org/drawingml/2006/main" xmlns:r="http://schemas.openxmlformats.org/officeDocument/2006/relationships" xmlns:p="http://schemas.openxmlformats.org/presentationml/2006/main" xmlns:m="http://schemas.openxmlformats.org/officeDocument/2006/math" xmlns:w="http://schemas.openxmlformats.org/wordprocessingml/2006/main" xmlns:mc="http://schemas.openxmlformats.org/markup-compatibility/2006" showMasterPhAnim="0" showMasterSp="1" show="1">
-  <p:cSld name="">
-    <p:spTree>
-      <p:nvGrpSpPr>
-        <p:cNvPr id="1" name=""/>
-        <p:cNvGrpSpPr/>
-        <p:nvPr/>
-      </p:nvGrpSpPr>
-      <p:grpSpPr bwMode="auto">
-        <a:xfrm>
-          <a:off x="0" y="0"/>
-          <a:ext cx="0" cy="0"/>
-          <a:chOff x="0" y="0"/>
-          <a:chExt cx="0" cy="0"/>
-        </a:xfrm>
-      </p:grpSpPr>
-      <p:sp>
-        <p:nvSpPr>
-          <p:cNvPr id="1248554517" name="Title 1"/>
-          <p:cNvSpPr>
-            <a:spLocks noGrp="1"/>
-          </p:cNvSpPr>
-          <p:nvPr>
-            <p:ph type="title"/>
-          </p:nvPr>
-        </p:nvSpPr>
-        <p:spPr bwMode="auto"/>
-        <p:txBody>
-          <a:bodyPr/>
-          <a:lstStyle/>
-          <a:p>
-            <a:pPr>
-              <a:defRPr/>
-            </a:pPr>
-            <a:r>
-              <a:rPr lang="pt-PT"/>
-              <a:t>Assemblers Comparison</a:t>
-            </a:r>
-            <a:endParaRPr lang="pt-PT"/>
-          </a:p>
-        </p:txBody>
-      </p:sp>
-      <p:graphicFrame>
-        <p:nvGraphicFramePr>
-          <p:cNvPr id="1396174709" name=""/>
+          <p:cNvPr id="471843833" name=""/>
           <p:cNvGraphicFramePr>
             <a:graphicFrameLocks xmlns:a="http://schemas.openxmlformats.org/drawingml/2006/main"/>
           </p:cNvGraphicFramePr>
@@ -8622,6 +7475,1607 @@
 </p:sld>
 </file>
 
+<file path=ppt/slides/slide6.xml><?xml version="1.0" encoding="utf-8"?>
+<p:sld xmlns:a="http://schemas.openxmlformats.org/drawingml/2006/main" xmlns:r="http://schemas.openxmlformats.org/officeDocument/2006/relationships" xmlns:p="http://schemas.openxmlformats.org/presentationml/2006/main" xmlns:m="http://schemas.openxmlformats.org/officeDocument/2006/math" xmlns:w="http://schemas.openxmlformats.org/wordprocessingml/2006/main" xmlns:mc="http://schemas.openxmlformats.org/markup-compatibility/2006" showMasterPhAnim="0" showMasterSp="1" show="1">
+  <p:cSld name="Slide 1">
+    <p:bg>
+      <p:bgPr shadeToTitle="0">
+        <a:solidFill>
+          <a:srgbClr val="FFFFFF"/>
+        </a:solidFill>
+      </p:bgPr>
+    </p:bg>
+    <p:spTree>
+      <p:nvGrpSpPr>
+        <p:cNvPr id="1" name=""/>
+        <p:cNvGrpSpPr/>
+        <p:nvPr/>
+      </p:nvGrpSpPr>
+      <p:grpSpPr bwMode="auto">
+        <a:xfrm>
+          <a:off x="0" y="0"/>
+          <a:ext cx="0" cy="0"/>
+          <a:chOff x="0" y="0"/>
+          <a:chExt cx="0" cy="0"/>
+        </a:xfrm>
+      </p:grpSpPr>
+      <p:sp>
+        <p:nvSpPr>
+          <p:cNvPr id="420195364" name="Text 0"/>
+          <p:cNvSpPr/>
+          <p:nvPr/>
+        </p:nvSpPr>
+        <p:spPr bwMode="auto">
+          <a:xfrm>
+            <a:off x="761999" y="507999"/>
+            <a:ext cx="6697218" cy="451445"/>
+          </a:xfrm>
+          <a:prstGeom prst="rect">
+            <a:avLst/>
+          </a:prstGeom>
+          <a:noFill/>
+          <a:ln/>
+        </p:spPr>
+        <p:txBody>
+          <a:bodyPr wrap="square" lIns="0" tIns="0" rIns="0" bIns="0" rtlCol="0" anchor="t"/>
+          <a:lstStyle/>
+          <a:p>
+            <a:pPr marL="0" indent="0" algn="l">
+              <a:lnSpc>
+                <a:spcPts val="2666"/>
+              </a:lnSpc>
+              <a:spcAft>
+                <a:spcPts val="1874"/>
+              </a:spcAft>
+              <a:buNone/>
+              <a:defRPr/>
+            </a:pPr>
+            <a:r>
+              <a:rPr lang="pt-PT" sz="2400" b="1">
+                <a:solidFill>
+                  <a:srgbClr val="2C5282"/>
+                </a:solidFill>
+                <a:latin typeface="Arial"/>
+                <a:ea typeface="Arial"/>
+                <a:cs typeface="Arial"/>
+              </a:rPr>
+              <a:t>MIPS: Arquitectura Determinística</a:t>
+            </a:r>
+            <a:endParaRPr lang="pt-PT" sz="2400"/>
+          </a:p>
+        </p:txBody>
+      </p:sp>
+      <p:sp>
+        <p:nvSpPr>
+          <p:cNvPr id="72067023" name="Text 1"/>
+          <p:cNvSpPr/>
+          <p:nvPr/>
+        </p:nvSpPr>
+        <p:spPr bwMode="auto">
+          <a:xfrm>
+            <a:off x="761999" y="1467445"/>
+            <a:ext cx="5246369" cy="335161"/>
+          </a:xfrm>
+          <a:prstGeom prst="rect">
+            <a:avLst/>
+          </a:prstGeom>
+          <a:noFill/>
+          <a:ln/>
+        </p:spPr>
+        <p:txBody>
+          <a:bodyPr wrap="square" lIns="0" tIns="0" rIns="0" bIns="0" rtlCol="0" anchor="t"/>
+          <a:lstStyle/>
+          <a:p>
+            <a:pPr marL="0" indent="0" algn="l">
+              <a:lnSpc>
+                <a:spcPts val="1979"/>
+              </a:lnSpc>
+              <a:spcBef>
+                <a:spcPts val="1124"/>
+              </a:spcBef>
+              <a:spcAft>
+                <a:spcPts val="749"/>
+              </a:spcAft>
+              <a:buNone/>
+              <a:defRPr/>
+            </a:pPr>
+            <a:r>
+              <a:rPr lang="pt-PT" sz="1650" b="1">
+                <a:solidFill>
+                  <a:srgbClr val="2B6CB0"/>
+                </a:solidFill>
+                <a:latin typeface="Arial"/>
+                <a:ea typeface="Arial"/>
+                <a:cs typeface="Arial"/>
+              </a:rPr>
+              <a:t>Características</a:t>
+            </a:r>
+            <a:endParaRPr lang="pt-PT" sz="1650"/>
+          </a:p>
+        </p:txBody>
+      </p:sp>
+      <p:sp>
+        <p:nvSpPr>
+          <p:cNvPr id="1950905736" name="Text 2"/>
+          <p:cNvSpPr/>
+          <p:nvPr/>
+        </p:nvSpPr>
+        <p:spPr bwMode="auto">
+          <a:xfrm>
+            <a:off x="761999" y="1929606"/>
+            <a:ext cx="5143500" cy="1777999"/>
+          </a:xfrm>
+          <a:prstGeom prst="rect">
+            <a:avLst/>
+          </a:prstGeom>
+          <a:noFill/>
+          <a:ln/>
+        </p:spPr>
+        <p:txBody>
+          <a:bodyPr wrap="square" lIns="119062" tIns="0" rIns="0" bIns="0" rtlCol="0" anchor="t"/>
+          <a:lstStyle/>
+          <a:p>
+            <a:pPr marL="119062" indent="-119062" algn="l">
+              <a:lnSpc>
+                <a:spcPts val="2099"/>
+              </a:lnSpc>
+              <a:spcAft>
+                <a:spcPts val="599"/>
+              </a:spcAft>
+              <a:buSzPct val="100000"/>
+              <a:buChar char="•"/>
+              <a:defRPr/>
+            </a:pPr>
+            <a:r>
+              <a:rPr lang="pt-PT" sz="1350">
+                <a:solidFill>
+                  <a:srgbClr val="333333"/>
+                </a:solidFill>
+                <a:latin typeface="Arial"/>
+                <a:ea typeface="Arial"/>
+                <a:cs typeface="Arial"/>
+              </a:rPr>
+              <a:t>Anos 80, ISA fixo</a:t>
+            </a:r>
+            <a:endParaRPr lang="pt-PT" sz="1350"/>
+          </a:p>
+          <a:p>
+            <a:pPr marL="119062" indent="-119062" algn="l">
+              <a:lnSpc>
+                <a:spcPts val="2099"/>
+              </a:lnSpc>
+              <a:spcAft>
+                <a:spcPts val="599"/>
+              </a:spcAft>
+              <a:buSzPct val="100000"/>
+              <a:buChar char="•"/>
+              <a:defRPr/>
+            </a:pPr>
+            <a:r>
+              <a:rPr lang="pt-PT" sz="1350">
+                <a:solidFill>
+                  <a:srgbClr val="333333"/>
+                </a:solidFill>
+                <a:latin typeface="Arial"/>
+                <a:ea typeface="Arial"/>
+                <a:cs typeface="Arial"/>
+              </a:rPr>
+              <a:t>Sequential consistency</a:t>
+            </a:r>
+            <a:endParaRPr lang="pt-PT" sz="1350"/>
+          </a:p>
+          <a:p>
+            <a:pPr marL="119062" indent="-119062" algn="l">
+              <a:lnSpc>
+                <a:spcPts val="2099"/>
+              </a:lnSpc>
+              <a:spcAft>
+                <a:spcPts val="599"/>
+              </a:spcAft>
+              <a:buSzPct val="100000"/>
+              <a:buChar char="•"/>
+              <a:defRPr/>
+            </a:pPr>
+            <a:r>
+              <a:rPr lang="pt-PT" sz="1350">
+                <a:solidFill>
+                  <a:srgbClr val="333333"/>
+                </a:solidFill>
+                <a:latin typeface="Arial"/>
+                <a:ea typeface="Arial"/>
+                <a:cs typeface="Arial"/>
+              </a:rPr>
+              <a:t>Determinística e previsível</a:t>
+            </a:r>
+            <a:endParaRPr lang="pt-PT" sz="1350"/>
+          </a:p>
+        </p:txBody>
+      </p:sp>
+      <p:sp>
+        <p:nvSpPr>
+          <p:cNvPr id="2024315915" name="Text 3"/>
+          <p:cNvSpPr/>
+          <p:nvPr/>
+        </p:nvSpPr>
+        <p:spPr bwMode="auto">
+          <a:xfrm>
+            <a:off x="761999" y="3898106"/>
+            <a:ext cx="5246369" cy="335161"/>
+          </a:xfrm>
+          <a:prstGeom prst="rect">
+            <a:avLst/>
+          </a:prstGeom>
+          <a:noFill/>
+          <a:ln/>
+        </p:spPr>
+        <p:txBody>
+          <a:bodyPr wrap="square" lIns="0" tIns="0" rIns="0" bIns="0" rtlCol="0" anchor="t"/>
+          <a:lstStyle/>
+          <a:p>
+            <a:pPr marL="0" indent="0" algn="l">
+              <a:lnSpc>
+                <a:spcPts val="1979"/>
+              </a:lnSpc>
+              <a:spcBef>
+                <a:spcPts val="1124"/>
+              </a:spcBef>
+              <a:spcAft>
+                <a:spcPts val="749"/>
+              </a:spcAft>
+              <a:buNone/>
+              <a:defRPr/>
+            </a:pPr>
+            <a:r>
+              <a:rPr lang="pt-PT" sz="1650" b="1">
+                <a:solidFill>
+                  <a:srgbClr val="2B6CB0"/>
+                </a:solidFill>
+                <a:latin typeface="Arial"/>
+                <a:ea typeface="Arial"/>
+                <a:cs typeface="Arial"/>
+              </a:rPr>
+              <a:t>Limitações</a:t>
+            </a:r>
+            <a:endParaRPr lang="pt-PT" sz="1650"/>
+          </a:p>
+        </p:txBody>
+      </p:sp>
+      <p:sp>
+        <p:nvSpPr>
+          <p:cNvPr id="1751357118" name="Text 4"/>
+          <p:cNvSpPr/>
+          <p:nvPr/>
+        </p:nvSpPr>
+        <p:spPr bwMode="auto">
+          <a:xfrm>
+            <a:off x="761999" y="4360266"/>
+            <a:ext cx="5143500" cy="1168398"/>
+          </a:xfrm>
+          <a:prstGeom prst="rect">
+            <a:avLst/>
+          </a:prstGeom>
+          <a:noFill/>
+          <a:ln/>
+        </p:spPr>
+        <p:txBody>
+          <a:bodyPr wrap="square" lIns="119062" tIns="0" rIns="0" bIns="0" rtlCol="0" anchor="t"/>
+          <a:lstStyle/>
+          <a:p>
+            <a:pPr marL="119062" indent="-119062" algn="l">
+              <a:lnSpc>
+                <a:spcPts val="2099"/>
+              </a:lnSpc>
+              <a:spcAft>
+                <a:spcPts val="599"/>
+              </a:spcAft>
+              <a:buSzPct val="100000"/>
+              <a:buChar char="•"/>
+              <a:defRPr/>
+            </a:pPr>
+            <a:r>
+              <a:rPr lang="pt-PT" sz="1350">
+                <a:solidFill>
+                  <a:srgbClr val="333333"/>
+                </a:solidFill>
+                <a:latin typeface="Arial"/>
+                <a:ea typeface="Arial"/>
+                <a:cs typeface="Arial"/>
+              </a:rPr>
+              <a:t>Proprietária, ISA monolítico</a:t>
+            </a:r>
+            <a:endParaRPr lang="pt-PT" sz="1350"/>
+          </a:p>
+          <a:p>
+            <a:pPr marL="119062" indent="-119062" algn="l">
+              <a:lnSpc>
+                <a:spcPts val="2099"/>
+              </a:lnSpc>
+              <a:spcAft>
+                <a:spcPts val="599"/>
+              </a:spcAft>
+              <a:buSzPct val="100000"/>
+              <a:buChar char="•"/>
+              <a:defRPr/>
+            </a:pPr>
+            <a:r>
+              <a:rPr lang="pt-PT" sz="1350">
+                <a:solidFill>
+                  <a:srgbClr val="333333"/>
+                </a:solidFill>
+                <a:latin typeface="Arial"/>
+                <a:ea typeface="Arial"/>
+                <a:cs typeface="Arial"/>
+              </a:rPr>
+              <a:t>Ver</a:t>
+            </a:r>
+            <a:r>
+              <a:rPr lang="pt-PT" sz="1350">
+                <a:solidFill>
+                  <a:srgbClr val="333333"/>
+                </a:solidFill>
+                <a:latin typeface="Arial"/>
+                <a:ea typeface="Arial"/>
+                <a:cs typeface="Arial"/>
+              </a:rPr>
+              <a:t>Antigas: 2 instruções/branch</a:t>
+            </a:r>
+            <a:endParaRPr lang="pt-PT" sz="1350"/>
+          </a:p>
+        </p:txBody>
+      </p:sp>
+      <p:sp>
+        <p:nvSpPr>
+          <p:cNvPr id="1293525555" name="Text 5"/>
+          <p:cNvSpPr/>
+          <p:nvPr/>
+        </p:nvSpPr>
+        <p:spPr bwMode="auto">
+          <a:xfrm>
+            <a:off x="6286500" y="1467445"/>
+            <a:ext cx="5246369" cy="335161"/>
+          </a:xfrm>
+          <a:prstGeom prst="rect">
+            <a:avLst/>
+          </a:prstGeom>
+          <a:noFill/>
+          <a:ln/>
+        </p:spPr>
+        <p:txBody>
+          <a:bodyPr wrap="square" lIns="0" tIns="0" rIns="0" bIns="0" rtlCol="0" anchor="t"/>
+          <a:lstStyle/>
+          <a:p>
+            <a:pPr marL="0" indent="0" algn="l">
+              <a:lnSpc>
+                <a:spcPts val="1979"/>
+              </a:lnSpc>
+              <a:spcBef>
+                <a:spcPts val="1124"/>
+              </a:spcBef>
+              <a:spcAft>
+                <a:spcPts val="749"/>
+              </a:spcAft>
+              <a:buNone/>
+              <a:defRPr/>
+            </a:pPr>
+            <a:r>
+              <a:rPr lang="pt-PT" sz="1650" b="1">
+                <a:solidFill>
+                  <a:srgbClr val="2B6CB0"/>
+                </a:solidFill>
+                <a:latin typeface="Arial"/>
+                <a:ea typeface="Arial"/>
+                <a:cs typeface="Arial"/>
+              </a:rPr>
+              <a:t>Exemplo</a:t>
+            </a:r>
+            <a:endParaRPr lang="pt-PT" sz="1650"/>
+          </a:p>
+        </p:txBody>
+      </p:sp>
+      <p:sp>
+        <p:nvSpPr>
+          <p:cNvPr id="991358389" name="Text 6"/>
+          <p:cNvSpPr/>
+          <p:nvPr/>
+        </p:nvSpPr>
+        <p:spPr bwMode="auto">
+          <a:xfrm>
+            <a:off x="6286500" y="1929606"/>
+            <a:ext cx="5246369" cy="342899"/>
+          </a:xfrm>
+          <a:prstGeom prst="rect">
+            <a:avLst/>
+          </a:prstGeom>
+          <a:noFill/>
+          <a:ln/>
+        </p:spPr>
+        <p:txBody>
+          <a:bodyPr wrap="square" lIns="0" tIns="0" rIns="0" bIns="0" rtlCol="0" anchor="t"/>
+          <a:lstStyle/>
+          <a:p>
+            <a:pPr marL="0" indent="0" algn="l">
+              <a:lnSpc>
+                <a:spcPts val="2024"/>
+              </a:lnSpc>
+              <a:spcBef>
+                <a:spcPts val="749"/>
+              </a:spcBef>
+              <a:spcAft>
+                <a:spcPts val="749"/>
+              </a:spcAft>
+              <a:buNone/>
+              <a:defRPr/>
+            </a:pPr>
+            <a:r>
+              <a:rPr lang="pt-PT" sz="1350">
+                <a:solidFill>
+                  <a:srgbClr val="333333"/>
+                </a:solidFill>
+                <a:latin typeface="Arial"/>
+                <a:ea typeface="Arial"/>
+                <a:cs typeface="Arial"/>
+              </a:rPr>
+              <a:t>slt $t0, $s1, $s2</a:t>
+            </a:r>
+            <a:endParaRPr lang="pt-PT" sz="1350"/>
+          </a:p>
+        </p:txBody>
+      </p:sp>
+      <p:sp>
+        <p:nvSpPr>
+          <p:cNvPr id="57224135" name="Text 7"/>
+          <p:cNvSpPr/>
+          <p:nvPr/>
+        </p:nvSpPr>
+        <p:spPr bwMode="auto">
+          <a:xfrm>
+            <a:off x="6286500" y="2399506"/>
+            <a:ext cx="5246369" cy="342899"/>
+          </a:xfrm>
+          <a:prstGeom prst="rect">
+            <a:avLst/>
+          </a:prstGeom>
+          <a:noFill/>
+          <a:ln/>
+        </p:spPr>
+        <p:txBody>
+          <a:bodyPr wrap="square" lIns="0" tIns="0" rIns="0" bIns="0" rtlCol="0" anchor="t"/>
+          <a:lstStyle/>
+          <a:p>
+            <a:pPr marL="0" indent="0" algn="l">
+              <a:lnSpc>
+                <a:spcPts val="2024"/>
+              </a:lnSpc>
+              <a:spcBef>
+                <a:spcPts val="749"/>
+              </a:spcBef>
+              <a:spcAft>
+                <a:spcPts val="749"/>
+              </a:spcAft>
+              <a:buNone/>
+              <a:defRPr/>
+            </a:pPr>
+            <a:r>
+              <a:rPr lang="pt-PT" sz="1350">
+                <a:solidFill>
+                  <a:srgbClr val="333333"/>
+                </a:solidFill>
+                <a:latin typeface="Arial"/>
+                <a:ea typeface="Arial"/>
+                <a:cs typeface="Arial"/>
+              </a:rPr>
+              <a:t>bne $t0, $zero, label</a:t>
+            </a:r>
+            <a:endParaRPr lang="pt-PT" sz="1350"/>
+          </a:p>
+        </p:txBody>
+      </p:sp>
+    </p:spTree>
+  </p:cSld>
+  <p:clrMapOvr>
+    <a:masterClrMapping/>
+  </p:clrMapOvr>
+  <mc:AlternateContent xmlns:mc="http://schemas.openxmlformats.org/markup-compatibility/2006">
+    <mc:Choice xmlns:p159="http://schemas.microsoft.com/office/powerpoint/2015/09/main" xmlns:p14="http://schemas.microsoft.com/office/powerpoint/2010/main" Requires="p159">
+      <p:transition p14:dur="2000" advClick="1"/>
+    </mc:Choice>
+    <mc:Fallback>
+      <p:transition advClick="1"/>
+    </mc:Fallback>
+  </mc:AlternateContent>
+</p:sld>
+</file>
+
+<file path=ppt/slides/slide7.xml><?xml version="1.0" encoding="utf-8"?>
+<p:sld xmlns:a="http://schemas.openxmlformats.org/drawingml/2006/main" xmlns:r="http://schemas.openxmlformats.org/officeDocument/2006/relationships" xmlns:p="http://schemas.openxmlformats.org/presentationml/2006/main" xmlns:m="http://schemas.openxmlformats.org/officeDocument/2006/math" xmlns:w="http://schemas.openxmlformats.org/wordprocessingml/2006/main" xmlns:mc="http://schemas.openxmlformats.org/markup-compatibility/2006" showMasterPhAnim="0" showMasterSp="1" show="1">
+  <p:cSld name="Slide 2">
+    <p:bg>
+      <p:bgPr shadeToTitle="0">
+        <a:solidFill>
+          <a:srgbClr val="FFFFFF"/>
+        </a:solidFill>
+      </p:bgPr>
+    </p:bg>
+    <p:spTree>
+      <p:nvGrpSpPr>
+        <p:cNvPr id="1" name=""/>
+        <p:cNvGrpSpPr/>
+        <p:nvPr/>
+      </p:nvGrpSpPr>
+      <p:grpSpPr bwMode="auto">
+        <a:xfrm>
+          <a:off x="0" y="0"/>
+          <a:ext cx="0" cy="0"/>
+          <a:chOff x="0" y="0"/>
+          <a:chExt cx="0" cy="0"/>
+        </a:xfrm>
+      </p:grpSpPr>
+      <p:sp>
+        <p:nvSpPr>
+          <p:cNvPr id="954052436" name="Text 0"/>
+          <p:cNvSpPr/>
+          <p:nvPr/>
+        </p:nvSpPr>
+        <p:spPr bwMode="auto">
+          <a:xfrm>
+            <a:off x="761999" y="507999"/>
+            <a:ext cx="5971793" cy="451445"/>
+          </a:xfrm>
+          <a:prstGeom prst="rect">
+            <a:avLst/>
+          </a:prstGeom>
+          <a:noFill/>
+          <a:ln/>
+        </p:spPr>
+        <p:txBody>
+          <a:bodyPr wrap="square" lIns="0" tIns="0" rIns="0" bIns="0" rtlCol="0" anchor="t"/>
+          <a:lstStyle/>
+          <a:p>
+            <a:pPr marL="0" indent="0" algn="l">
+              <a:lnSpc>
+                <a:spcPts val="2666"/>
+              </a:lnSpc>
+              <a:spcAft>
+                <a:spcPts val="1874"/>
+              </a:spcAft>
+              <a:buNone/>
+              <a:defRPr/>
+            </a:pPr>
+            <a:r>
+              <a:rPr lang="pt-PT" sz="2400" b="1">
+                <a:solidFill>
+                  <a:srgbClr val="2C5282"/>
+                </a:solidFill>
+                <a:latin typeface="Arial"/>
+                <a:ea typeface="Arial"/>
+                <a:cs typeface="Arial"/>
+              </a:rPr>
+              <a:t>RISC-V: Open-Source Modular</a:t>
+            </a:r>
+            <a:endParaRPr lang="pt-PT" sz="2400"/>
+          </a:p>
+        </p:txBody>
+      </p:sp>
+      <p:sp>
+        <p:nvSpPr>
+          <p:cNvPr id="1140376829" name="Text 1"/>
+          <p:cNvSpPr/>
+          <p:nvPr/>
+        </p:nvSpPr>
+        <p:spPr bwMode="auto">
+          <a:xfrm>
+            <a:off x="761999" y="1467445"/>
+            <a:ext cx="5246369" cy="335161"/>
+          </a:xfrm>
+          <a:prstGeom prst="rect">
+            <a:avLst/>
+          </a:prstGeom>
+          <a:noFill/>
+          <a:ln/>
+        </p:spPr>
+        <p:txBody>
+          <a:bodyPr wrap="square" lIns="0" tIns="0" rIns="0" bIns="0" rtlCol="0" anchor="t"/>
+          <a:lstStyle/>
+          <a:p>
+            <a:pPr marL="0" indent="0" algn="l">
+              <a:lnSpc>
+                <a:spcPts val="1979"/>
+              </a:lnSpc>
+              <a:spcBef>
+                <a:spcPts val="1124"/>
+              </a:spcBef>
+              <a:spcAft>
+                <a:spcPts val="749"/>
+              </a:spcAft>
+              <a:buNone/>
+              <a:defRPr/>
+            </a:pPr>
+            <a:r>
+              <a:rPr lang="pt-PT" sz="1650" b="1">
+                <a:solidFill>
+                  <a:srgbClr val="2B6CB0"/>
+                </a:solidFill>
+                <a:latin typeface="Arial"/>
+                <a:ea typeface="Arial"/>
+                <a:cs typeface="Arial"/>
+              </a:rPr>
+              <a:t>Características</a:t>
+            </a:r>
+            <a:endParaRPr lang="pt-PT" sz="1650"/>
+          </a:p>
+        </p:txBody>
+      </p:sp>
+      <p:sp>
+        <p:nvSpPr>
+          <p:cNvPr id="792907643" name="Text 2"/>
+          <p:cNvSpPr/>
+          <p:nvPr/>
+        </p:nvSpPr>
+        <p:spPr bwMode="auto">
+          <a:xfrm>
+            <a:off x="761999" y="1929606"/>
+            <a:ext cx="5143500" cy="1777999"/>
+          </a:xfrm>
+          <a:prstGeom prst="rect">
+            <a:avLst/>
+          </a:prstGeom>
+          <a:noFill/>
+          <a:ln/>
+        </p:spPr>
+        <p:txBody>
+          <a:bodyPr wrap="square" lIns="119062" tIns="0" rIns="0" bIns="0" rtlCol="0" anchor="t"/>
+          <a:lstStyle/>
+          <a:p>
+            <a:pPr marL="119062" indent="-119062" algn="l">
+              <a:lnSpc>
+                <a:spcPts val="2099"/>
+              </a:lnSpc>
+              <a:spcAft>
+                <a:spcPts val="599"/>
+              </a:spcAft>
+              <a:buSzPct val="100000"/>
+              <a:buChar char="•"/>
+              <a:defRPr/>
+            </a:pPr>
+            <a:r>
+              <a:rPr lang="pt-PT" sz="1350">
+                <a:solidFill>
+                  <a:srgbClr val="333333"/>
+                </a:solidFill>
+                <a:latin typeface="Arial"/>
+                <a:ea typeface="Arial"/>
+                <a:cs typeface="Arial"/>
+              </a:rPr>
+              <a:t>2010 UC Berkeley</a:t>
+            </a:r>
+            <a:endParaRPr lang="pt-PT" sz="1350"/>
+          </a:p>
+          <a:p>
+            <a:pPr marL="119062" indent="-119062" algn="l">
+              <a:lnSpc>
+                <a:spcPts val="2099"/>
+              </a:lnSpc>
+              <a:spcAft>
+                <a:spcPts val="599"/>
+              </a:spcAft>
+              <a:buSzPct val="100000"/>
+              <a:buChar char="•"/>
+              <a:defRPr/>
+            </a:pPr>
+            <a:r>
+              <a:rPr lang="pt-PT" sz="1350">
+                <a:solidFill>
+                  <a:srgbClr val="333333"/>
+                </a:solidFill>
+                <a:latin typeface="Arial"/>
+                <a:ea typeface="Arial"/>
+                <a:cs typeface="Arial"/>
+              </a:rPr>
+              <a:t>Open-source, gratuito</a:t>
+            </a:r>
+            <a:endParaRPr lang="pt-PT" sz="1350"/>
+          </a:p>
+          <a:p>
+            <a:pPr marL="119062" indent="-119062" algn="l">
+              <a:lnSpc>
+                <a:spcPts val="2099"/>
+              </a:lnSpc>
+              <a:spcAft>
+                <a:spcPts val="599"/>
+              </a:spcAft>
+              <a:buSzPct val="100000"/>
+              <a:buChar char="•"/>
+              <a:defRPr/>
+            </a:pPr>
+            <a:r>
+              <a:rPr lang="pt-PT" sz="1350">
+                <a:solidFill>
+                  <a:srgbClr val="333333"/>
+                </a:solidFill>
+                <a:latin typeface="Arial"/>
+                <a:ea typeface="Arial"/>
+                <a:cs typeface="Arial"/>
+              </a:rPr>
+              <a:t>Modular: base + extensões</a:t>
+            </a:r>
+            <a:endParaRPr lang="pt-PT" sz="1350"/>
+          </a:p>
+        </p:txBody>
+      </p:sp>
+      <p:sp>
+        <p:nvSpPr>
+          <p:cNvPr id="1667508754" name="Text 3"/>
+          <p:cNvSpPr/>
+          <p:nvPr/>
+        </p:nvSpPr>
+        <p:spPr bwMode="auto">
+          <a:xfrm>
+            <a:off x="761999" y="3898106"/>
+            <a:ext cx="5246369" cy="335161"/>
+          </a:xfrm>
+          <a:prstGeom prst="rect">
+            <a:avLst/>
+          </a:prstGeom>
+          <a:noFill/>
+          <a:ln/>
+        </p:spPr>
+        <p:txBody>
+          <a:bodyPr wrap="square" lIns="0" tIns="0" rIns="0" bIns="0" rtlCol="0" anchor="t"/>
+          <a:lstStyle/>
+          <a:p>
+            <a:pPr marL="0" indent="0" algn="l">
+              <a:lnSpc>
+                <a:spcPts val="1979"/>
+              </a:lnSpc>
+              <a:spcBef>
+                <a:spcPts val="1124"/>
+              </a:spcBef>
+              <a:spcAft>
+                <a:spcPts val="749"/>
+              </a:spcAft>
+              <a:buNone/>
+              <a:defRPr/>
+            </a:pPr>
+            <a:r>
+              <a:rPr lang="pt-PT" sz="1650" b="1">
+                <a:solidFill>
+                  <a:srgbClr val="2B6CB0"/>
+                </a:solidFill>
+                <a:latin typeface="Arial"/>
+                <a:ea typeface="Arial"/>
+                <a:cs typeface="Arial"/>
+              </a:rPr>
+              <a:t>Modularidade</a:t>
+            </a:r>
+            <a:endParaRPr lang="pt-PT" sz="1650"/>
+          </a:p>
+        </p:txBody>
+      </p:sp>
+      <p:sp>
+        <p:nvSpPr>
+          <p:cNvPr id="204935411" name="Text 4"/>
+          <p:cNvSpPr/>
+          <p:nvPr/>
+        </p:nvSpPr>
+        <p:spPr bwMode="auto">
+          <a:xfrm>
+            <a:off x="761999" y="4360266"/>
+            <a:ext cx="5143500" cy="1777999"/>
+          </a:xfrm>
+          <a:prstGeom prst="rect">
+            <a:avLst/>
+          </a:prstGeom>
+          <a:noFill/>
+          <a:ln/>
+        </p:spPr>
+        <p:txBody>
+          <a:bodyPr wrap="square" lIns="119062" tIns="0" rIns="0" bIns="0" rtlCol="0" anchor="t"/>
+          <a:lstStyle/>
+          <a:p>
+            <a:pPr marL="119062" indent="-119062" algn="l">
+              <a:lnSpc>
+                <a:spcPts val="2099"/>
+              </a:lnSpc>
+              <a:spcAft>
+                <a:spcPts val="599"/>
+              </a:spcAft>
+              <a:buSzPct val="100000"/>
+              <a:buChar char="•"/>
+              <a:defRPr/>
+            </a:pPr>
+            <a:r>
+              <a:rPr lang="pt-PT" sz="1350">
+                <a:solidFill>
+                  <a:srgbClr val="333333"/>
+                </a:solidFill>
+                <a:latin typeface="Arial"/>
+                <a:ea typeface="Arial"/>
+                <a:cs typeface="Arial"/>
+              </a:rPr>
+              <a:t>RV32I: Base (inteiros)</a:t>
+            </a:r>
+            <a:endParaRPr lang="pt-PT" sz="1350"/>
+          </a:p>
+          <a:p>
+            <a:pPr marL="119062" indent="-119062" algn="l">
+              <a:lnSpc>
+                <a:spcPts val="2099"/>
+              </a:lnSpc>
+              <a:spcAft>
+                <a:spcPts val="599"/>
+              </a:spcAft>
+              <a:buSzPct val="100000"/>
+              <a:buChar char="•"/>
+              <a:defRPr/>
+            </a:pPr>
+            <a:r>
+              <a:rPr lang="pt-PT" sz="1350">
+                <a:solidFill>
+                  <a:srgbClr val="333333"/>
+                </a:solidFill>
+                <a:latin typeface="Arial"/>
+                <a:ea typeface="Arial"/>
+                <a:cs typeface="Arial"/>
+              </a:rPr>
+              <a:t>M: mul, div</a:t>
+            </a:r>
+            <a:endParaRPr lang="pt-PT" sz="1350"/>
+          </a:p>
+          <a:p>
+            <a:pPr marL="119062" indent="-119062" algn="l">
+              <a:lnSpc>
+                <a:spcPts val="2099"/>
+              </a:lnSpc>
+              <a:spcAft>
+                <a:spcPts val="599"/>
+              </a:spcAft>
+              <a:buSzPct val="100000"/>
+              <a:buChar char="•"/>
+              <a:defRPr/>
+            </a:pPr>
+            <a:r>
+              <a:rPr lang="pt-PT" sz="1350">
+                <a:solidFill>
+                  <a:srgbClr val="333333"/>
+                </a:solidFill>
+                <a:latin typeface="Arial"/>
+                <a:ea typeface="Arial"/>
+                <a:cs typeface="Arial"/>
+              </a:rPr>
+              <a:t>F: float/double (fadd.s, fmul.s)</a:t>
+            </a:r>
+            <a:endParaRPr lang="pt-PT" sz="1350"/>
+          </a:p>
+        </p:txBody>
+      </p:sp>
+      <p:sp>
+        <p:nvSpPr>
+          <p:cNvPr id="530754660" name="Text 5"/>
+          <p:cNvSpPr/>
+          <p:nvPr/>
+        </p:nvSpPr>
+        <p:spPr bwMode="auto">
+          <a:xfrm>
+            <a:off x="6286500" y="1467445"/>
+            <a:ext cx="5246369" cy="335161"/>
+          </a:xfrm>
+          <a:prstGeom prst="rect">
+            <a:avLst/>
+          </a:prstGeom>
+          <a:noFill/>
+          <a:ln/>
+        </p:spPr>
+        <p:txBody>
+          <a:bodyPr wrap="square" lIns="0" tIns="0" rIns="0" bIns="0" rtlCol="0" anchor="t"/>
+          <a:lstStyle/>
+          <a:p>
+            <a:pPr marL="0" indent="0" algn="l">
+              <a:lnSpc>
+                <a:spcPts val="1979"/>
+              </a:lnSpc>
+              <a:spcBef>
+                <a:spcPts val="1124"/>
+              </a:spcBef>
+              <a:spcAft>
+                <a:spcPts val="749"/>
+              </a:spcAft>
+              <a:buNone/>
+              <a:defRPr/>
+            </a:pPr>
+            <a:r>
+              <a:rPr lang="pt-PT" sz="1650" b="1">
+                <a:solidFill>
+                  <a:srgbClr val="2B6CB0"/>
+                </a:solidFill>
+                <a:latin typeface="Arial"/>
+                <a:ea typeface="Arial"/>
+                <a:cs typeface="Arial"/>
+              </a:rPr>
+              <a:t>Vantagens</a:t>
+            </a:r>
+            <a:endParaRPr lang="pt-PT" sz="1650"/>
+          </a:p>
+        </p:txBody>
+      </p:sp>
+      <p:sp>
+        <p:nvSpPr>
+          <p:cNvPr id="965102032" name="Text 6"/>
+          <p:cNvSpPr/>
+          <p:nvPr/>
+        </p:nvSpPr>
+        <p:spPr bwMode="auto">
+          <a:xfrm>
+            <a:off x="6286500" y="1929606"/>
+            <a:ext cx="5143500" cy="1777999"/>
+          </a:xfrm>
+          <a:prstGeom prst="rect">
+            <a:avLst/>
+          </a:prstGeom>
+          <a:noFill/>
+          <a:ln/>
+        </p:spPr>
+        <p:txBody>
+          <a:bodyPr wrap="square" lIns="119062" tIns="0" rIns="0" bIns="0" rtlCol="0" anchor="t"/>
+          <a:lstStyle/>
+          <a:p>
+            <a:pPr marL="119062" indent="-119062" algn="l">
+              <a:lnSpc>
+                <a:spcPts val="2099"/>
+              </a:lnSpc>
+              <a:spcAft>
+                <a:spcPts val="599"/>
+              </a:spcAft>
+              <a:buSzPct val="100000"/>
+              <a:buChar char="•"/>
+              <a:defRPr/>
+            </a:pPr>
+            <a:r>
+              <a:rPr lang="pt-PT" sz="1350">
+                <a:solidFill>
+                  <a:srgbClr val="333333"/>
+                </a:solidFill>
+                <a:latin typeface="Arial"/>
+                <a:ea typeface="Arial"/>
+                <a:cs typeface="Arial"/>
+              </a:rPr>
+              <a:t>Branches directos: blt</a:t>
+            </a:r>
+            <a:endParaRPr lang="pt-PT" sz="1350"/>
+          </a:p>
+          <a:p>
+            <a:pPr marL="119062" indent="-119062" algn="l">
+              <a:lnSpc>
+                <a:spcPts val="2099"/>
+              </a:lnSpc>
+              <a:spcAft>
+                <a:spcPts val="599"/>
+              </a:spcAft>
+              <a:buSzPct val="100000"/>
+              <a:buChar char="•"/>
+              <a:defRPr/>
+            </a:pPr>
+            <a:r>
+              <a:rPr lang="pt-PT" sz="1350">
+                <a:solidFill>
+                  <a:srgbClr val="333333"/>
+                </a:solidFill>
+                <a:latin typeface="Arial"/>
+                <a:ea typeface="Arial"/>
+                <a:cs typeface="Arial"/>
+              </a:rPr>
+              <a:t>Barreiras: fence</a:t>
+            </a:r>
+            <a:endParaRPr lang="pt-PT" sz="1350"/>
+          </a:p>
+        </p:txBody>
+      </p:sp>
+      <p:sp>
+        <p:nvSpPr>
+          <p:cNvPr id="165073067" name="Text 7"/>
+          <p:cNvSpPr/>
+          <p:nvPr/>
+        </p:nvSpPr>
+        <p:spPr bwMode="auto">
+          <a:xfrm>
+            <a:off x="6286500" y="3860006"/>
+            <a:ext cx="5143500" cy="901699"/>
+          </a:xfrm>
+          <a:prstGeom prst="rect">
+            <a:avLst/>
+          </a:prstGeom>
+          <a:solidFill>
+            <a:srgbClr val="BEE3F8"/>
+          </a:solidFill>
+          <a:ln/>
+        </p:spPr>
+        <p:txBody>
+          <a:bodyPr wrap="square" rtlCol="0" anchor="ctr"/>
+          <a:lstStyle/>
+          <a:p>
+            <a:pPr marL="0" indent="0">
+              <a:buNone/>
+              <a:defRPr/>
+            </a:pPr>
+            <a:endParaRPr lang="pt-PT"/>
+          </a:p>
+        </p:txBody>
+      </p:sp>
+      <p:sp>
+        <p:nvSpPr>
+          <p:cNvPr id="1142229309" name="Shape 8"/>
+          <p:cNvSpPr/>
+          <p:nvPr/>
+        </p:nvSpPr>
+        <p:spPr bwMode="auto">
+          <a:xfrm>
+            <a:off x="6311899" y="3860006"/>
+            <a:ext cx="0" cy="901699"/>
+          </a:xfrm>
+          <a:prstGeom prst="line">
+            <a:avLst/>
+          </a:prstGeom>
+          <a:noFill/>
+          <a:ln w="38100">
+            <a:solidFill>
+              <a:srgbClr val="2B6CB0"/>
+            </a:solidFill>
+            <a:prstDash val="solid"/>
+          </a:ln>
+        </p:spPr>
+      </p:sp>
+      <p:sp>
+        <p:nvSpPr>
+          <p:cNvPr id="1642794050" name="Text 9"/>
+          <p:cNvSpPr/>
+          <p:nvPr/>
+        </p:nvSpPr>
+        <p:spPr bwMode="auto">
+          <a:xfrm>
+            <a:off x="6527799" y="4139406"/>
+            <a:ext cx="4805934" cy="342899"/>
+          </a:xfrm>
+          <a:prstGeom prst="rect">
+            <a:avLst/>
+          </a:prstGeom>
+          <a:noFill/>
+          <a:ln/>
+        </p:spPr>
+        <p:txBody>
+          <a:bodyPr wrap="square" lIns="0" tIns="0" rIns="0" bIns="0" rtlCol="0" anchor="t"/>
+          <a:lstStyle/>
+          <a:p>
+            <a:pPr marL="0" indent="0" algn="l">
+              <a:lnSpc>
+                <a:spcPts val="2024"/>
+              </a:lnSpc>
+              <a:spcBef>
+                <a:spcPts val="749"/>
+              </a:spcBef>
+              <a:spcAft>
+                <a:spcPts val="749"/>
+              </a:spcAft>
+              <a:buNone/>
+              <a:defRPr/>
+            </a:pPr>
+            <a:r>
+              <a:rPr lang="pt-PT" sz="1350">
+                <a:solidFill>
+                  <a:srgbClr val="333333"/>
+                </a:solidFill>
+                <a:latin typeface="Arial"/>
+                <a:ea typeface="Arial"/>
+                <a:cs typeface="Arial"/>
+              </a:rPr>
+              <a:t>MIPS → RISC-V (2021-25)</a:t>
+            </a:r>
+            <a:endParaRPr lang="pt-PT" sz="1350"/>
+          </a:p>
+        </p:txBody>
+      </p:sp>
+    </p:spTree>
+  </p:cSld>
+  <p:clrMapOvr>
+    <a:masterClrMapping/>
+  </p:clrMapOvr>
+  <mc:AlternateContent xmlns:mc="http://schemas.openxmlformats.org/markup-compatibility/2006">
+    <mc:Choice xmlns:p159="http://schemas.microsoft.com/office/powerpoint/2015/09/main" xmlns:p14="http://schemas.microsoft.com/office/powerpoint/2010/main" Requires="p159">
+      <p:transition p14:dur="2000" advClick="1"/>
+    </mc:Choice>
+    <mc:Fallback>
+      <p:transition advClick="1"/>
+    </mc:Fallback>
+  </mc:AlternateContent>
+</p:sld>
+</file>
+
+<file path=ppt/slides/slide8.xml><?xml version="1.0" encoding="utf-8"?>
+<p:sld xmlns:a="http://schemas.openxmlformats.org/drawingml/2006/main" xmlns:r="http://schemas.openxmlformats.org/officeDocument/2006/relationships" xmlns:p="http://schemas.openxmlformats.org/presentationml/2006/main" xmlns:m="http://schemas.openxmlformats.org/officeDocument/2006/math" xmlns:w="http://schemas.openxmlformats.org/wordprocessingml/2006/main" xmlns:mc="http://schemas.openxmlformats.org/markup-compatibility/2006" showMasterPhAnim="0" showMasterSp="1" show="1">
+  <p:cSld name="Slide 4">
+    <p:bg>
+      <p:bgPr shadeToTitle="0">
+        <a:solidFill>
+          <a:srgbClr val="FFFFFF"/>
+        </a:solidFill>
+      </p:bgPr>
+    </p:bg>
+    <p:spTree>
+      <p:nvGrpSpPr>
+        <p:cNvPr id="1" name=""/>
+        <p:cNvGrpSpPr/>
+        <p:nvPr/>
+      </p:nvGrpSpPr>
+      <p:grpSpPr bwMode="auto">
+        <a:xfrm>
+          <a:off x="0" y="0"/>
+          <a:ext cx="0" cy="0"/>
+          <a:chOff x="0" y="0"/>
+          <a:chExt cx="0" cy="0"/>
+        </a:xfrm>
+      </p:grpSpPr>
+      <p:sp>
+        <p:nvSpPr>
+          <p:cNvPr id="661790979" name="Text 0"/>
+          <p:cNvSpPr/>
+          <p:nvPr/>
+        </p:nvSpPr>
+        <p:spPr bwMode="auto">
+          <a:xfrm>
+            <a:off x="761999" y="507999"/>
+            <a:ext cx="6865619" cy="451445"/>
+          </a:xfrm>
+          <a:prstGeom prst="rect">
+            <a:avLst/>
+          </a:prstGeom>
+          <a:noFill/>
+          <a:ln/>
+        </p:spPr>
+        <p:txBody>
+          <a:bodyPr wrap="square" lIns="0" tIns="0" rIns="0" bIns="0" rtlCol="0" anchor="t"/>
+          <a:lstStyle/>
+          <a:p>
+            <a:pPr marL="0" indent="0" algn="l">
+              <a:lnSpc>
+                <a:spcPts val="2666"/>
+              </a:lnSpc>
+              <a:spcAft>
+                <a:spcPts val="1874"/>
+              </a:spcAft>
+              <a:buNone/>
+              <a:defRPr/>
+            </a:pPr>
+            <a:r>
+              <a:rPr lang="pt-PT" sz="2400" b="1">
+                <a:solidFill>
+                  <a:srgbClr val="2C5282"/>
+                </a:solidFill>
+                <a:latin typeface="Arial"/>
+                <a:ea typeface="Arial"/>
+                <a:cs typeface="Arial"/>
+              </a:rPr>
+              <a:t>Assembly: Futuro e Modularização</a:t>
+            </a:r>
+            <a:endParaRPr lang="pt-PT" sz="2400"/>
+          </a:p>
+        </p:txBody>
+      </p:sp>
+      <p:sp>
+        <p:nvSpPr>
+          <p:cNvPr id="2079693609" name="Text 1"/>
+          <p:cNvSpPr/>
+          <p:nvPr/>
+        </p:nvSpPr>
+        <p:spPr bwMode="auto">
+          <a:xfrm>
+            <a:off x="761999" y="1276945"/>
+            <a:ext cx="10881360" cy="335161"/>
+          </a:xfrm>
+          <a:prstGeom prst="rect">
+            <a:avLst/>
+          </a:prstGeom>
+          <a:noFill/>
+          <a:ln/>
+        </p:spPr>
+        <p:txBody>
+          <a:bodyPr wrap="square" lIns="0" tIns="0" rIns="0" bIns="0" rtlCol="0" anchor="t"/>
+          <a:lstStyle/>
+          <a:p>
+            <a:pPr marL="0" indent="0" algn="l">
+              <a:lnSpc>
+                <a:spcPts val="1979"/>
+              </a:lnSpc>
+              <a:spcBef>
+                <a:spcPts val="1124"/>
+              </a:spcBef>
+              <a:spcAft>
+                <a:spcPts val="749"/>
+              </a:spcAft>
+              <a:buNone/>
+              <a:defRPr/>
+            </a:pPr>
+            <a:r>
+              <a:rPr lang="pt-PT" sz="1650" b="1">
+                <a:solidFill>
+                  <a:srgbClr val="2B6CB0"/>
+                </a:solidFill>
+                <a:latin typeface="Arial"/>
+                <a:ea typeface="Arial"/>
+                <a:cs typeface="Arial"/>
+              </a:rPr>
+              <a:t>Relevância Contínua</a:t>
+            </a:r>
+            <a:endParaRPr lang="pt-PT" sz="1650"/>
+          </a:p>
+        </p:txBody>
+      </p:sp>
+      <p:sp>
+        <p:nvSpPr>
+          <p:cNvPr id="1001707826" name="Text 2"/>
+          <p:cNvSpPr/>
+          <p:nvPr/>
+        </p:nvSpPr>
+        <p:spPr bwMode="auto">
+          <a:xfrm>
+            <a:off x="761999" y="1739106"/>
+            <a:ext cx="10667999" cy="1777999"/>
+          </a:xfrm>
+          <a:prstGeom prst="rect">
+            <a:avLst/>
+          </a:prstGeom>
+          <a:noFill/>
+          <a:ln/>
+        </p:spPr>
+        <p:txBody>
+          <a:bodyPr wrap="square" lIns="119062" tIns="0" rIns="0" bIns="0" rtlCol="0" anchor="t"/>
+          <a:lstStyle/>
+          <a:p>
+            <a:pPr marL="119062" indent="-119062" algn="l">
+              <a:lnSpc>
+                <a:spcPts val="2099"/>
+              </a:lnSpc>
+              <a:spcAft>
+                <a:spcPts val="599"/>
+              </a:spcAft>
+              <a:buSzPct val="100000"/>
+              <a:buChar char="•"/>
+              <a:defRPr/>
+            </a:pPr>
+            <a:r>
+              <a:rPr lang="pt-PT" sz="1350">
+                <a:solidFill>
+                  <a:srgbClr val="333333"/>
+                </a:solidFill>
+                <a:latin typeface="Arial"/>
+                <a:ea typeface="Arial"/>
+                <a:cs typeface="Arial"/>
+              </a:rPr>
+              <a:t>Auditoria segurança</a:t>
+            </a:r>
+            <a:endParaRPr lang="pt-PT" sz="1350"/>
+          </a:p>
+          <a:p>
+            <a:pPr marL="119062" indent="-119062" algn="l">
+              <a:lnSpc>
+                <a:spcPts val="2099"/>
+              </a:lnSpc>
+              <a:spcAft>
+                <a:spcPts val="599"/>
+              </a:spcAft>
+              <a:buSzPct val="100000"/>
+              <a:buChar char="•"/>
+              <a:defRPr/>
+            </a:pPr>
+            <a:r>
+              <a:rPr lang="pt-PT" sz="1350">
+                <a:solidFill>
+                  <a:srgbClr val="333333"/>
+                </a:solidFill>
+                <a:latin typeface="Arial"/>
+                <a:ea typeface="Arial"/>
+                <a:cs typeface="Arial"/>
+              </a:rPr>
+              <a:t>IoT/edge: eficiência máxima</a:t>
+            </a:r>
+            <a:endParaRPr lang="pt-PT" sz="1350"/>
+          </a:p>
+        </p:txBody>
+      </p:sp>
+      <p:sp>
+        <p:nvSpPr>
+          <p:cNvPr id="731932608" name="Text 5"/>
+          <p:cNvSpPr/>
+          <p:nvPr/>
+        </p:nvSpPr>
+        <p:spPr bwMode="auto">
+          <a:xfrm>
+            <a:off x="787398" y="3649066"/>
+            <a:ext cx="10667999" cy="901699"/>
+          </a:xfrm>
+          <a:prstGeom prst="rect">
+            <a:avLst/>
+          </a:prstGeom>
+          <a:solidFill>
+            <a:srgbClr val="BEE3F8"/>
+          </a:solidFill>
+          <a:ln/>
+        </p:spPr>
+        <p:txBody>
+          <a:bodyPr wrap="square" rtlCol="0" anchor="ctr"/>
+          <a:lstStyle/>
+          <a:p>
+            <a:pPr marL="0" indent="0">
+              <a:buNone/>
+              <a:defRPr/>
+            </a:pPr>
+            <a:endParaRPr lang="pt-PT"/>
+          </a:p>
+        </p:txBody>
+      </p:sp>
+      <p:sp>
+        <p:nvSpPr>
+          <p:cNvPr id="1549303060" name="Shape 6"/>
+          <p:cNvSpPr/>
+          <p:nvPr/>
+        </p:nvSpPr>
+        <p:spPr bwMode="auto">
+          <a:xfrm>
+            <a:off x="761999" y="3649066"/>
+            <a:ext cx="0" cy="901699"/>
+          </a:xfrm>
+          <a:prstGeom prst="line">
+            <a:avLst/>
+          </a:prstGeom>
+          <a:noFill/>
+          <a:ln w="38100">
+            <a:solidFill>
+              <a:srgbClr val="2B6CB0"/>
+            </a:solidFill>
+            <a:prstDash val="solid"/>
+          </a:ln>
+        </p:spPr>
+      </p:sp>
+      <p:sp>
+        <p:nvSpPr>
+          <p:cNvPr id="33261663" name="Text 7"/>
+          <p:cNvSpPr/>
+          <p:nvPr/>
+        </p:nvSpPr>
+        <p:spPr bwMode="auto">
+          <a:xfrm>
+            <a:off x="1028698" y="3928466"/>
+            <a:ext cx="10440923" cy="342899"/>
+          </a:xfrm>
+          <a:prstGeom prst="rect">
+            <a:avLst/>
+          </a:prstGeom>
+          <a:noFill/>
+          <a:ln/>
+        </p:spPr>
+        <p:txBody>
+          <a:bodyPr wrap="square" lIns="0" tIns="0" rIns="0" bIns="0" rtlCol="0" anchor="t"/>
+          <a:lstStyle/>
+          <a:p>
+            <a:pPr marL="0" indent="0" algn="l">
+              <a:lnSpc>
+                <a:spcPts val="2024"/>
+              </a:lnSpc>
+              <a:spcBef>
+                <a:spcPts val="749"/>
+              </a:spcBef>
+              <a:spcAft>
+                <a:spcPts val="749"/>
+              </a:spcAft>
+              <a:buNone/>
+              <a:defRPr/>
+            </a:pPr>
+            <a:r>
+              <a:rPr lang="pt-PT" sz="1350">
+                <a:solidFill>
+                  <a:srgbClr val="333333"/>
+                </a:solidFill>
+                <a:latin typeface="Arial"/>
+                <a:ea typeface="Arial"/>
+                <a:cs typeface="Arial"/>
+              </a:rPr>
+              <a:t>Modularização permite novas arquitecturas</a:t>
+            </a:r>
+            <a:endParaRPr lang="pt-PT" sz="1350"/>
+          </a:p>
+        </p:txBody>
+      </p:sp>
+    </p:spTree>
+  </p:cSld>
+  <p:clrMapOvr>
+    <a:masterClrMapping/>
+  </p:clrMapOvr>
+  <mc:AlternateContent xmlns:mc="http://schemas.openxmlformats.org/markup-compatibility/2006">
+    <mc:Choice xmlns:p159="http://schemas.microsoft.com/office/powerpoint/2015/09/main" xmlns:p14="http://schemas.microsoft.com/office/powerpoint/2010/main" Requires="p159">
+      <p:transition p14:dur="2000" advClick="1"/>
+    </mc:Choice>
+    <mc:Fallback>
+      <p:transition advClick="1"/>
+    </mc:Fallback>
+  </mc:AlternateContent>
+</p:sld>
+</file>
+
+<file path=ppt/slides/slide9.xml><?xml version="1.0" encoding="utf-8"?>
+<p:sld xmlns:a="http://schemas.openxmlformats.org/drawingml/2006/main" xmlns:r="http://schemas.openxmlformats.org/officeDocument/2006/relationships" xmlns:p="http://schemas.openxmlformats.org/presentationml/2006/main" xmlns:m="http://schemas.openxmlformats.org/officeDocument/2006/math" xmlns:w="http://schemas.openxmlformats.org/wordprocessingml/2006/main" xmlns:mc="http://schemas.openxmlformats.org/markup-compatibility/2006" showMasterPhAnim="0" showMasterSp="1" show="1">
+  <p:cSld name="Slide 5">
+    <p:bg>
+      <p:bgPr shadeToTitle="0">
+        <a:solidFill>
+          <a:srgbClr val="FFFFFF"/>
+        </a:solidFill>
+      </p:bgPr>
+    </p:bg>
+    <p:spTree>
+      <p:nvGrpSpPr>
+        <p:cNvPr id="1" name=""/>
+        <p:cNvGrpSpPr/>
+        <p:nvPr/>
+      </p:nvGrpSpPr>
+      <p:grpSpPr bwMode="auto">
+        <a:xfrm>
+          <a:off x="0" y="0"/>
+          <a:ext cx="0" cy="0"/>
+          <a:chOff x="0" y="0"/>
+          <a:chExt cx="0" cy="0"/>
+        </a:xfrm>
+      </p:grpSpPr>
+      <p:sp>
+        <p:nvSpPr>
+          <p:cNvPr id="1815214083" name="Text 0"/>
+          <p:cNvSpPr/>
+          <p:nvPr/>
+        </p:nvSpPr>
+        <p:spPr bwMode="auto">
+          <a:xfrm>
+            <a:off x="761999" y="507999"/>
+            <a:ext cx="7176515" cy="451445"/>
+          </a:xfrm>
+          <a:prstGeom prst="rect">
+            <a:avLst/>
+          </a:prstGeom>
+          <a:noFill/>
+          <a:ln/>
+        </p:spPr>
+        <p:txBody>
+          <a:bodyPr wrap="square" lIns="0" tIns="0" rIns="0" bIns="0" rtlCol="0" anchor="t"/>
+          <a:lstStyle/>
+          <a:p>
+            <a:pPr marL="0" indent="0" algn="l">
+              <a:lnSpc>
+                <a:spcPts val="2666"/>
+              </a:lnSpc>
+              <a:spcAft>
+                <a:spcPts val="1874"/>
+              </a:spcAft>
+              <a:buNone/>
+              <a:defRPr/>
+            </a:pPr>
+            <a:r>
+              <a:rPr lang="pt-BR" sz="2400" b="1">
+                <a:solidFill>
+                  <a:srgbClr val="2C5282"/>
+                </a:solidFill>
+                <a:latin typeface="Arial"/>
+                <a:ea typeface="Arial"/>
+                <a:cs typeface="Arial"/>
+              </a:rPr>
+              <a:t>Discussão</a:t>
+            </a:r>
+            <a:endParaRPr lang="pt-PT" sz="2400"/>
+          </a:p>
+        </p:txBody>
+      </p:sp>
+      <p:sp>
+        <p:nvSpPr>
+          <p:cNvPr id="2094441823" name=""/>
+          <p:cNvSpPr txBox="1"/>
+          <p:nvPr/>
+        </p:nvSpPr>
+        <p:spPr bwMode="auto">
+          <a:xfrm rot="0" flipH="0" flipV="0">
+            <a:off x="761999" y="1411879"/>
+            <a:ext cx="10102791" cy="1189079"/>
+          </a:xfrm>
+          <a:prstGeom prst="rect">
+            <a:avLst/>
+          </a:prstGeom>
+          <a:noFill/>
+        </p:spPr>
+        <p:txBody>
+          <a:bodyPr vertOverflow="overflow" horzOverflow="overflow" vert="horz" wrap="square" lIns="91440" tIns="45720" rIns="91440" bIns="45720" numCol="1" spcCol="0" rtlCol="0" fromWordArt="0" anchor="t" anchorCtr="0" forceAA="0" upright="0" compatLnSpc="0">
+            <a:spAutoFit/>
+          </a:bodyPr>
+          <a:p>
+            <a:pPr>
+              <a:defRPr/>
+            </a:pPr>
+            <a:r>
+              <a:rPr lang="pt-BR"/>
+              <a:t>A ideia que o </a:t>
+            </a:r>
+            <a:r>
+              <a:rPr lang="pt-BR" sz="1800" b="0" i="0" u="none" strike="noStrike" cap="none" spc="0">
+                <a:solidFill>
+                  <a:schemeClr val="tx1"/>
+                </a:solidFill>
+                <a:latin typeface="Calibri"/>
+                <a:ea typeface="Calibri"/>
+                <a:cs typeface="Calibri"/>
+              </a:rPr>
+              <a:t>RISC-V representa uma nova filosofia: </a:t>
+            </a:r>
+            <a:endParaRPr lang="pt-BR" sz="1800" b="0" i="0" u="none" strike="noStrike" cap="none" spc="0">
+              <a:solidFill>
+                <a:schemeClr val="tx1"/>
+              </a:solidFill>
+              <a:latin typeface="Calibri"/>
+              <a:ea typeface="Calibri"/>
+              <a:cs typeface="Calibri"/>
+            </a:endParaRPr>
+          </a:p>
+          <a:p>
+            <a:pPr>
+              <a:defRPr/>
+            </a:pPr>
+            <a:r>
+              <a:rPr lang="pt-BR" sz="1800" b="0" i="0" u="none" strike="noStrike" cap="none" spc="0">
+                <a:solidFill>
+                  <a:schemeClr val="tx1"/>
+                </a:solidFill>
+                <a:latin typeface="Calibri"/>
+                <a:ea typeface="Calibri"/>
+                <a:cs typeface="Calibri"/>
+              </a:rPr>
+              <a:t>	hardware aberto, modular, customizável. </a:t>
+            </a:r>
+            <a:endParaRPr/>
+          </a:p>
+          <a:p>
+            <a:pPr>
+              <a:defRPr/>
+            </a:pPr>
+            <a:r>
+              <a:rPr lang="pt-BR"/>
+              <a:t>Com isso levanta a possivilidade de</a:t>
+            </a:r>
+            <a:r>
+              <a:rPr lang="pt-BR"/>
+              <a:t> inovação para </a:t>
+            </a:r>
+            <a:r>
+              <a:rPr lang="pt-BR" sz="1800" b="0" i="0" u="none" strike="noStrike" cap="none" spc="0">
+                <a:solidFill>
+                  <a:schemeClr val="tx1"/>
+                </a:solidFill>
+                <a:latin typeface="Calibri"/>
+                <a:ea typeface="Calibri"/>
+                <a:cs typeface="Calibri"/>
+              </a:rPr>
+              <a:t>o Assembly é a ferramenta que permite explorar estas novas fronteiras.</a:t>
+            </a:r>
+            <a:endParaRPr lang="pt-BR"/>
+          </a:p>
+        </p:txBody>
+      </p:sp>
+    </p:spTree>
+  </p:cSld>
+  <p:clrMapOvr>
+    <a:masterClrMapping/>
+  </p:clrMapOvr>
+  <mc:AlternateContent xmlns:mc="http://schemas.openxmlformats.org/markup-compatibility/2006">
+    <mc:Choice xmlns:p159="http://schemas.microsoft.com/office/powerpoint/2015/09/main" xmlns:p14="http://schemas.microsoft.com/office/powerpoint/2010/main" Requires="p159">
+      <p:transition p14:dur="2000" advClick="1"/>
+    </mc:Choice>
+    <mc:Fallback>
+      <p:transition advClick="1"/>
+    </mc:Fallback>
+  </mc:AlternateContent>
+</p:sld>
+</file>
+
 <file path=ppt/theme/theme1.xml><?xml version="1.0" encoding="utf-8"?>
 <a:theme xmlns:a="http://schemas.openxmlformats.org/drawingml/2006/main" xmlns:r="http://schemas.openxmlformats.org/officeDocument/2006/relationships" xmlns:p="http://schemas.openxmlformats.org/presentationml/2006/main" name="Office Theme">
   <a:themeElements>
